--- a/gophers.pptx
+++ b/gophers.pptx
@@ -6,6 +6,7 @@
   </p:sldMasterIdLst>
   <p:sldIdLst>
     <p:sldId id="258" r:id="rId2"/>
+    <p:sldId id="259" r:id="rId3"/>
   </p:sldIdLst>
   <p:sldSz cx="12192000" cy="6858000"/>
   <p:notesSz cx="6858000" cy="9144000"/>
@@ -10299,294 +10300,236 @@
       </p:grpSp>
       <p:grpSp>
         <p:nvGrpSpPr>
-          <p:cNvPr id="403" name="Group 402"/>
+          <p:cNvPr id="209" name="Group 208"/>
           <p:cNvGrpSpPr/>
           <p:nvPr/>
         </p:nvGrpSpPr>
         <p:grpSpPr>
-          <a:xfrm>
-            <a:off x="7413951" y="639722"/>
-            <a:ext cx="1264231" cy="1784977"/>
-            <a:chOff x="7413951" y="639722"/>
-            <a:chExt cx="1264231" cy="1784977"/>
+          <a:xfrm rot="20122596" flipH="1">
+            <a:off x="7413951" y="712198"/>
+            <a:ext cx="296618" cy="261047"/>
+            <a:chOff x="7400992" y="489403"/>
+            <a:chExt cx="339739" cy="298997"/>
           </a:xfrm>
         </p:grpSpPr>
         <p:grpSp>
           <p:nvGrpSpPr>
-            <p:cNvPr id="209" name="Group 208"/>
+            <p:cNvPr id="210" name="Group 209"/>
             <p:cNvGrpSpPr/>
             <p:nvPr/>
           </p:nvGrpSpPr>
           <p:grpSpPr>
-            <a:xfrm rot="20122596" flipH="1">
-              <a:off x="7413951" y="712198"/>
-              <a:ext cx="296618" cy="261047"/>
-              <a:chOff x="7400992" y="489403"/>
-              <a:chExt cx="339739" cy="298997"/>
+            <a:xfrm rot="10800000">
+              <a:off x="7451711" y="489403"/>
+              <a:ext cx="289020" cy="250324"/>
+              <a:chOff x="9834639" y="2122822"/>
+              <a:chExt cx="387447" cy="251109"/>
             </a:xfrm>
           </p:grpSpPr>
-          <p:grpSp>
-            <p:nvGrpSpPr>
-              <p:cNvPr id="210" name="Group 209"/>
-              <p:cNvGrpSpPr/>
-              <p:nvPr/>
-            </p:nvGrpSpPr>
-            <p:grpSpPr>
-              <a:xfrm rot="10800000">
-                <a:off x="7451711" y="489403"/>
-                <a:ext cx="289020" cy="250324"/>
-                <a:chOff x="9834639" y="2122822"/>
-                <a:chExt cx="387447" cy="251109"/>
-              </a:xfrm>
-            </p:grpSpPr>
-            <p:sp>
-              <p:nvSpPr>
-                <p:cNvPr id="212" name="Oval 191"/>
-                <p:cNvSpPr/>
-                <p:nvPr/>
-              </p:nvSpPr>
-              <p:spPr>
-                <a:xfrm rot="8515235">
-                  <a:off x="9834639" y="2122822"/>
-                  <a:ext cx="387447" cy="251109"/>
-                </a:xfrm>
-                <a:custGeom>
-                  <a:avLst/>
-                  <a:gdLst>
-                    <a:gd name="connsiteX0" fmla="*/ 0 w 325085"/>
-                    <a:gd name="connsiteY0" fmla="*/ 125268 h 250535"/>
-                    <a:gd name="connsiteX1" fmla="*/ 162543 w 325085"/>
-                    <a:gd name="connsiteY1" fmla="*/ 0 h 250535"/>
-                    <a:gd name="connsiteX2" fmla="*/ 325086 w 325085"/>
-                    <a:gd name="connsiteY2" fmla="*/ 125268 h 250535"/>
-                    <a:gd name="connsiteX3" fmla="*/ 162543 w 325085"/>
-                    <a:gd name="connsiteY3" fmla="*/ 250536 h 250535"/>
-                    <a:gd name="connsiteX4" fmla="*/ 0 w 325085"/>
-                    <a:gd name="connsiteY4" fmla="*/ 125268 h 250535"/>
-                    <a:gd name="connsiteX0" fmla="*/ 0 w 410597"/>
-                    <a:gd name="connsiteY0" fmla="*/ 151279 h 251109"/>
-                    <a:gd name="connsiteX1" fmla="*/ 248054 w 410597"/>
-                    <a:gd name="connsiteY1" fmla="*/ 216 h 251109"/>
-                    <a:gd name="connsiteX2" fmla="*/ 410597 w 410597"/>
-                    <a:gd name="connsiteY2" fmla="*/ 125484 h 251109"/>
-                    <a:gd name="connsiteX3" fmla="*/ 248054 w 410597"/>
-                    <a:gd name="connsiteY3" fmla="*/ 250752 h 251109"/>
-                    <a:gd name="connsiteX4" fmla="*/ 0 w 410597"/>
-                    <a:gd name="connsiteY4" fmla="*/ 151279 h 251109"/>
-                  </a:gdLst>
-                  <a:ahLst/>
-                  <a:cxnLst>
-                    <a:cxn ang="0">
-                      <a:pos x="connsiteX0" y="connsiteY0"/>
-                    </a:cxn>
-                    <a:cxn ang="0">
-                      <a:pos x="connsiteX1" y="connsiteY1"/>
-                    </a:cxn>
-                    <a:cxn ang="0">
-                      <a:pos x="connsiteX2" y="connsiteY2"/>
-                    </a:cxn>
-                    <a:cxn ang="0">
-                      <a:pos x="connsiteX3" y="connsiteY3"/>
-                    </a:cxn>
-                    <a:cxn ang="0">
-                      <a:pos x="connsiteX4" y="connsiteY4"/>
-                    </a:cxn>
-                  </a:cxnLst>
-                  <a:rect l="l" t="t" r="r" b="b"/>
-                  <a:pathLst>
-                    <a:path w="410597" h="251109">
-                      <a:moveTo>
-                        <a:pt x="0" y="151279"/>
-                      </a:moveTo>
-                      <a:cubicBezTo>
-                        <a:pt x="0" y="82095"/>
-                        <a:pt x="179621" y="4515"/>
-                        <a:pt x="248054" y="216"/>
-                      </a:cubicBezTo>
-                      <a:cubicBezTo>
-                        <a:pt x="316487" y="-4083"/>
-                        <a:pt x="410597" y="56300"/>
-                        <a:pt x="410597" y="125484"/>
-                      </a:cubicBezTo>
-                      <a:cubicBezTo>
-                        <a:pt x="410597" y="194668"/>
-                        <a:pt x="316487" y="246453"/>
-                        <a:pt x="248054" y="250752"/>
-                      </a:cubicBezTo>
-                      <a:cubicBezTo>
-                        <a:pt x="179621" y="255051"/>
-                        <a:pt x="0" y="220463"/>
-                        <a:pt x="0" y="151279"/>
-                      </a:cubicBezTo>
-                      <a:close/>
-                    </a:path>
-                  </a:pathLst>
-                </a:custGeom>
-                <a:ln w="25400">
-                  <a:solidFill>
-                    <a:schemeClr val="tx1"/>
-                  </a:solidFill>
-                </a:ln>
-              </p:spPr>
-              <p:style>
-                <a:lnRef idx="2">
-                  <a:schemeClr val="accent1">
-                    <a:shade val="50000"/>
-                  </a:schemeClr>
-                </a:lnRef>
-                <a:fillRef idx="1">
-                  <a:schemeClr val="accent1"/>
-                </a:fillRef>
-                <a:effectRef idx="0">
-                  <a:schemeClr val="accent1"/>
-                </a:effectRef>
-                <a:fontRef idx="minor">
-                  <a:schemeClr val="lt1"/>
-                </a:fontRef>
-              </p:style>
-              <p:txBody>
-                <a:bodyPr rtlCol="0" anchor="ctr"/>
-                <a:lstStyle/>
-                <a:p>
-                  <a:pPr algn="ctr"/>
-                  <a:endParaRPr lang="sv-SE"/>
-                </a:p>
-              </p:txBody>
-            </p:sp>
-            <p:sp>
-              <p:nvSpPr>
-                <p:cNvPr id="213" name="Oval 192"/>
-                <p:cNvSpPr/>
-                <p:nvPr/>
-              </p:nvSpPr>
-              <p:spPr>
-                <a:xfrm rot="2961527">
-                  <a:off x="9972851" y="2119538"/>
-                  <a:ext cx="131177" cy="234601"/>
-                </a:xfrm>
-                <a:custGeom>
-                  <a:avLst/>
-                  <a:gdLst>
-                    <a:gd name="connsiteX0" fmla="*/ 0 w 130559"/>
-                    <a:gd name="connsiteY0" fmla="*/ 72364 h 144727"/>
-                    <a:gd name="connsiteX1" fmla="*/ 65280 w 130559"/>
-                    <a:gd name="connsiteY1" fmla="*/ 0 h 144727"/>
-                    <a:gd name="connsiteX2" fmla="*/ 130560 w 130559"/>
-                    <a:gd name="connsiteY2" fmla="*/ 72364 h 144727"/>
-                    <a:gd name="connsiteX3" fmla="*/ 65280 w 130559"/>
-                    <a:gd name="connsiteY3" fmla="*/ 144728 h 144727"/>
-                    <a:gd name="connsiteX4" fmla="*/ 0 w 130559"/>
-                    <a:gd name="connsiteY4" fmla="*/ 72364 h 144727"/>
-                    <a:gd name="connsiteX0" fmla="*/ 617 w 131177"/>
-                    <a:gd name="connsiteY0" fmla="*/ 176254 h 248618"/>
-                    <a:gd name="connsiteX1" fmla="*/ 44549 w 131177"/>
-                    <a:gd name="connsiteY1" fmla="*/ 0 h 248618"/>
-                    <a:gd name="connsiteX2" fmla="*/ 131177 w 131177"/>
-                    <a:gd name="connsiteY2" fmla="*/ 176254 h 248618"/>
-                    <a:gd name="connsiteX3" fmla="*/ 65897 w 131177"/>
-                    <a:gd name="connsiteY3" fmla="*/ 248618 h 248618"/>
-                    <a:gd name="connsiteX4" fmla="*/ 617 w 131177"/>
-                    <a:gd name="connsiteY4" fmla="*/ 176254 h 248618"/>
-                  </a:gdLst>
-                  <a:ahLst/>
-                  <a:cxnLst>
-                    <a:cxn ang="0">
-                      <a:pos x="connsiteX0" y="connsiteY0"/>
-                    </a:cxn>
-                    <a:cxn ang="0">
-                      <a:pos x="connsiteX1" y="connsiteY1"/>
-                    </a:cxn>
-                    <a:cxn ang="0">
-                      <a:pos x="connsiteX2" y="connsiteY2"/>
-                    </a:cxn>
-                    <a:cxn ang="0">
-                      <a:pos x="connsiteX3" y="connsiteY3"/>
-                    </a:cxn>
-                    <a:cxn ang="0">
-                      <a:pos x="connsiteX4" y="connsiteY4"/>
-                    </a:cxn>
-                  </a:cxnLst>
-                  <a:rect l="l" t="t" r="r" b="b"/>
-                  <a:pathLst>
-                    <a:path w="131177" h="248618">
-                      <a:moveTo>
-                        <a:pt x="617" y="176254"/>
-                      </a:moveTo>
-                      <a:cubicBezTo>
-                        <a:pt x="-2941" y="134818"/>
-                        <a:pt x="8496" y="0"/>
-                        <a:pt x="44549" y="0"/>
-                      </a:cubicBezTo>
-                      <a:cubicBezTo>
-                        <a:pt x="80602" y="0"/>
-                        <a:pt x="131177" y="136288"/>
-                        <a:pt x="131177" y="176254"/>
-                      </a:cubicBezTo>
-                      <a:cubicBezTo>
-                        <a:pt x="131177" y="216220"/>
-                        <a:pt x="101950" y="248618"/>
-                        <a:pt x="65897" y="248618"/>
-                      </a:cubicBezTo>
-                      <a:cubicBezTo>
-                        <a:pt x="29844" y="248618"/>
-                        <a:pt x="4175" y="217690"/>
-                        <a:pt x="617" y="176254"/>
-                      </a:cubicBezTo>
-                      <a:close/>
-                    </a:path>
-                  </a:pathLst>
-                </a:custGeom>
-                <a:solidFill>
-                  <a:schemeClr val="accent1">
-                    <a:lumMod val="75000"/>
-                    <a:alpha val="49000"/>
-                  </a:schemeClr>
-                </a:solidFill>
-                <a:ln w="25400">
-                  <a:noFill/>
-                </a:ln>
-              </p:spPr>
-              <p:style>
-                <a:lnRef idx="2">
-                  <a:schemeClr val="accent1">
-                    <a:shade val="50000"/>
-                  </a:schemeClr>
-                </a:lnRef>
-                <a:fillRef idx="1">
-                  <a:schemeClr val="accent1"/>
-                </a:fillRef>
-                <a:effectRef idx="0">
-                  <a:schemeClr val="accent1"/>
-                </a:effectRef>
-                <a:fontRef idx="minor">
-                  <a:schemeClr val="lt1"/>
-                </a:fontRef>
-              </p:style>
-              <p:txBody>
-                <a:bodyPr rtlCol="0" anchor="ctr"/>
-                <a:lstStyle/>
-                <a:p>
-                  <a:pPr algn="ctr"/>
-                  <a:endParaRPr lang="sv-SE"/>
-                </a:p>
-              </p:txBody>
-            </p:sp>
-          </p:grpSp>
           <p:sp>
             <p:nvSpPr>
-              <p:cNvPr id="211" name="Oval 210"/>
+              <p:cNvPr id="212" name="Oval 191"/>
               <p:cNvSpPr/>
               <p:nvPr/>
             </p:nvSpPr>
             <p:spPr>
-              <a:xfrm rot="1744470">
-                <a:off x="7400992" y="641681"/>
-                <a:ext cx="291139" cy="146719"/>
+              <a:xfrm rot="8515235">
+                <a:off x="9834639" y="2122822"/>
+                <a:ext cx="387447" cy="251109"/>
               </a:xfrm>
-              <a:prstGeom prst="ellipse">
+              <a:custGeom>
                 <a:avLst/>
-              </a:prstGeom>
-              <a:ln>
+                <a:gdLst>
+                  <a:gd name="connsiteX0" fmla="*/ 0 w 325085"/>
+                  <a:gd name="connsiteY0" fmla="*/ 125268 h 250535"/>
+                  <a:gd name="connsiteX1" fmla="*/ 162543 w 325085"/>
+                  <a:gd name="connsiteY1" fmla="*/ 0 h 250535"/>
+                  <a:gd name="connsiteX2" fmla="*/ 325086 w 325085"/>
+                  <a:gd name="connsiteY2" fmla="*/ 125268 h 250535"/>
+                  <a:gd name="connsiteX3" fmla="*/ 162543 w 325085"/>
+                  <a:gd name="connsiteY3" fmla="*/ 250536 h 250535"/>
+                  <a:gd name="connsiteX4" fmla="*/ 0 w 325085"/>
+                  <a:gd name="connsiteY4" fmla="*/ 125268 h 250535"/>
+                  <a:gd name="connsiteX0" fmla="*/ 0 w 410597"/>
+                  <a:gd name="connsiteY0" fmla="*/ 151279 h 251109"/>
+                  <a:gd name="connsiteX1" fmla="*/ 248054 w 410597"/>
+                  <a:gd name="connsiteY1" fmla="*/ 216 h 251109"/>
+                  <a:gd name="connsiteX2" fmla="*/ 410597 w 410597"/>
+                  <a:gd name="connsiteY2" fmla="*/ 125484 h 251109"/>
+                  <a:gd name="connsiteX3" fmla="*/ 248054 w 410597"/>
+                  <a:gd name="connsiteY3" fmla="*/ 250752 h 251109"/>
+                  <a:gd name="connsiteX4" fmla="*/ 0 w 410597"/>
+                  <a:gd name="connsiteY4" fmla="*/ 151279 h 251109"/>
+                </a:gdLst>
+                <a:ahLst/>
+                <a:cxnLst>
+                  <a:cxn ang="0">
+                    <a:pos x="connsiteX0" y="connsiteY0"/>
+                  </a:cxn>
+                  <a:cxn ang="0">
+                    <a:pos x="connsiteX1" y="connsiteY1"/>
+                  </a:cxn>
+                  <a:cxn ang="0">
+                    <a:pos x="connsiteX2" y="connsiteY2"/>
+                  </a:cxn>
+                  <a:cxn ang="0">
+                    <a:pos x="connsiteX3" y="connsiteY3"/>
+                  </a:cxn>
+                  <a:cxn ang="0">
+                    <a:pos x="connsiteX4" y="connsiteY4"/>
+                  </a:cxn>
+                </a:cxnLst>
+                <a:rect l="l" t="t" r="r" b="b"/>
+                <a:pathLst>
+                  <a:path w="410597" h="251109">
+                    <a:moveTo>
+                      <a:pt x="0" y="151279"/>
+                    </a:moveTo>
+                    <a:cubicBezTo>
+                      <a:pt x="0" y="82095"/>
+                      <a:pt x="179621" y="4515"/>
+                      <a:pt x="248054" y="216"/>
+                    </a:cubicBezTo>
+                    <a:cubicBezTo>
+                      <a:pt x="316487" y="-4083"/>
+                      <a:pt x="410597" y="56300"/>
+                      <a:pt x="410597" y="125484"/>
+                    </a:cubicBezTo>
+                    <a:cubicBezTo>
+                      <a:pt x="410597" y="194668"/>
+                      <a:pt x="316487" y="246453"/>
+                      <a:pt x="248054" y="250752"/>
+                    </a:cubicBezTo>
+                    <a:cubicBezTo>
+                      <a:pt x="179621" y="255051"/>
+                      <a:pt x="0" y="220463"/>
+                      <a:pt x="0" y="151279"/>
+                    </a:cubicBezTo>
+                    <a:close/>
+                  </a:path>
+                </a:pathLst>
+              </a:custGeom>
+              <a:ln w="25400">
+                <a:solidFill>
+                  <a:schemeClr val="tx1"/>
+                </a:solidFill>
+              </a:ln>
+            </p:spPr>
+            <p:style>
+              <a:lnRef idx="2">
+                <a:schemeClr val="accent1">
+                  <a:shade val="50000"/>
+                </a:schemeClr>
+              </a:lnRef>
+              <a:fillRef idx="1">
+                <a:schemeClr val="accent1"/>
+              </a:fillRef>
+              <a:effectRef idx="0">
+                <a:schemeClr val="accent1"/>
+              </a:effectRef>
+              <a:fontRef idx="minor">
+                <a:schemeClr val="lt1"/>
+              </a:fontRef>
+            </p:style>
+            <p:txBody>
+              <a:bodyPr rtlCol="0" anchor="ctr"/>
+              <a:lstStyle/>
+              <a:p>
+                <a:pPr algn="ctr"/>
+                <a:endParaRPr lang="sv-SE"/>
+              </a:p>
+            </p:txBody>
+          </p:sp>
+          <p:sp>
+            <p:nvSpPr>
+              <p:cNvPr id="213" name="Oval 192"/>
+              <p:cNvSpPr/>
+              <p:nvPr/>
+            </p:nvSpPr>
+            <p:spPr>
+              <a:xfrm rot="2961527">
+                <a:off x="9972851" y="2119538"/>
+                <a:ext cx="131177" cy="234601"/>
+              </a:xfrm>
+              <a:custGeom>
+                <a:avLst/>
+                <a:gdLst>
+                  <a:gd name="connsiteX0" fmla="*/ 0 w 130559"/>
+                  <a:gd name="connsiteY0" fmla="*/ 72364 h 144727"/>
+                  <a:gd name="connsiteX1" fmla="*/ 65280 w 130559"/>
+                  <a:gd name="connsiteY1" fmla="*/ 0 h 144727"/>
+                  <a:gd name="connsiteX2" fmla="*/ 130560 w 130559"/>
+                  <a:gd name="connsiteY2" fmla="*/ 72364 h 144727"/>
+                  <a:gd name="connsiteX3" fmla="*/ 65280 w 130559"/>
+                  <a:gd name="connsiteY3" fmla="*/ 144728 h 144727"/>
+                  <a:gd name="connsiteX4" fmla="*/ 0 w 130559"/>
+                  <a:gd name="connsiteY4" fmla="*/ 72364 h 144727"/>
+                  <a:gd name="connsiteX0" fmla="*/ 617 w 131177"/>
+                  <a:gd name="connsiteY0" fmla="*/ 176254 h 248618"/>
+                  <a:gd name="connsiteX1" fmla="*/ 44549 w 131177"/>
+                  <a:gd name="connsiteY1" fmla="*/ 0 h 248618"/>
+                  <a:gd name="connsiteX2" fmla="*/ 131177 w 131177"/>
+                  <a:gd name="connsiteY2" fmla="*/ 176254 h 248618"/>
+                  <a:gd name="connsiteX3" fmla="*/ 65897 w 131177"/>
+                  <a:gd name="connsiteY3" fmla="*/ 248618 h 248618"/>
+                  <a:gd name="connsiteX4" fmla="*/ 617 w 131177"/>
+                  <a:gd name="connsiteY4" fmla="*/ 176254 h 248618"/>
+                </a:gdLst>
+                <a:ahLst/>
+                <a:cxnLst>
+                  <a:cxn ang="0">
+                    <a:pos x="connsiteX0" y="connsiteY0"/>
+                  </a:cxn>
+                  <a:cxn ang="0">
+                    <a:pos x="connsiteX1" y="connsiteY1"/>
+                  </a:cxn>
+                  <a:cxn ang="0">
+                    <a:pos x="connsiteX2" y="connsiteY2"/>
+                  </a:cxn>
+                  <a:cxn ang="0">
+                    <a:pos x="connsiteX3" y="connsiteY3"/>
+                  </a:cxn>
+                  <a:cxn ang="0">
+                    <a:pos x="connsiteX4" y="connsiteY4"/>
+                  </a:cxn>
+                </a:cxnLst>
+                <a:rect l="l" t="t" r="r" b="b"/>
+                <a:pathLst>
+                  <a:path w="131177" h="248618">
+                    <a:moveTo>
+                      <a:pt x="617" y="176254"/>
+                    </a:moveTo>
+                    <a:cubicBezTo>
+                      <a:pt x="-2941" y="134818"/>
+                      <a:pt x="8496" y="0"/>
+                      <a:pt x="44549" y="0"/>
+                    </a:cubicBezTo>
+                    <a:cubicBezTo>
+                      <a:pt x="80602" y="0"/>
+                      <a:pt x="131177" y="136288"/>
+                      <a:pt x="131177" y="176254"/>
+                    </a:cubicBezTo>
+                    <a:cubicBezTo>
+                      <a:pt x="131177" y="216220"/>
+                      <a:pt x="101950" y="248618"/>
+                      <a:pt x="65897" y="248618"/>
+                    </a:cubicBezTo>
+                    <a:cubicBezTo>
+                      <a:pt x="29844" y="248618"/>
+                      <a:pt x="4175" y="217690"/>
+                      <a:pt x="617" y="176254"/>
+                    </a:cubicBezTo>
+                    <a:close/>
+                  </a:path>
+                </a:pathLst>
+              </a:custGeom>
+              <a:solidFill>
+                <a:schemeClr val="accent1">
+                  <a:lumMod val="75000"/>
+                  <a:alpha val="49000"/>
+                </a:schemeClr>
+              </a:solidFill>
+              <a:ln w="25400">
                 <a:noFill/>
               </a:ln>
             </p:spPr>
@@ -10618,64 +10561,1320 @@
         </p:grpSp>
         <p:sp>
           <p:nvSpPr>
-            <p:cNvPr id="24" name="Oval 23"/>
+            <p:cNvPr id="211" name="Oval 210"/>
             <p:cNvSpPr/>
             <p:nvPr/>
           </p:nvSpPr>
           <p:spPr>
-            <a:xfrm rot="21147307">
-              <a:off x="8238472" y="1836707"/>
-              <a:ext cx="264128" cy="587992"/>
+            <a:xfrm rot="1744470">
+              <a:off x="7400992" y="641681"/>
+              <a:ext cx="291139" cy="146719"/>
+            </a:xfrm>
+            <a:prstGeom prst="ellipse">
+              <a:avLst/>
+            </a:prstGeom>
+            <a:ln>
+              <a:noFill/>
+            </a:ln>
+          </p:spPr>
+          <p:style>
+            <a:lnRef idx="2">
+              <a:schemeClr val="accent1">
+                <a:shade val="50000"/>
+              </a:schemeClr>
+            </a:lnRef>
+            <a:fillRef idx="1">
+              <a:schemeClr val="accent1"/>
+            </a:fillRef>
+            <a:effectRef idx="0">
+              <a:schemeClr val="accent1"/>
+            </a:effectRef>
+            <a:fontRef idx="minor">
+              <a:schemeClr val="lt1"/>
+            </a:fontRef>
+          </p:style>
+          <p:txBody>
+            <a:bodyPr rtlCol="0" anchor="ctr"/>
+            <a:lstStyle/>
+            <a:p>
+              <a:pPr algn="ctr"/>
+              <a:endParaRPr lang="sv-SE"/>
+            </a:p>
+          </p:txBody>
+        </p:sp>
+      </p:grpSp>
+      <p:sp>
+        <p:nvSpPr>
+          <p:cNvPr id="24" name="Oval 23"/>
+          <p:cNvSpPr/>
+          <p:nvPr/>
+        </p:nvSpPr>
+        <p:spPr>
+          <a:xfrm rot="21147307">
+            <a:off x="8238472" y="1836707"/>
+            <a:ext cx="264128" cy="587992"/>
+          </a:xfrm>
+          <a:custGeom>
+            <a:avLst/>
+            <a:gdLst>
+              <a:gd name="connsiteX0" fmla="*/ 0 w 366933"/>
+              <a:gd name="connsiteY0" fmla="*/ 472799 h 945597"/>
+              <a:gd name="connsiteX1" fmla="*/ 183467 w 366933"/>
+              <a:gd name="connsiteY1" fmla="*/ 0 h 945597"/>
+              <a:gd name="connsiteX2" fmla="*/ 366934 w 366933"/>
+              <a:gd name="connsiteY2" fmla="*/ 472799 h 945597"/>
+              <a:gd name="connsiteX3" fmla="*/ 183467 w 366933"/>
+              <a:gd name="connsiteY3" fmla="*/ 945598 h 945597"/>
+              <a:gd name="connsiteX4" fmla="*/ 0 w 366933"/>
+              <a:gd name="connsiteY4" fmla="*/ 472799 h 945597"/>
+              <a:gd name="connsiteX0" fmla="*/ 3837 w 370771"/>
+              <a:gd name="connsiteY0" fmla="*/ 472799 h 971512"/>
+              <a:gd name="connsiteX1" fmla="*/ 187304 w 370771"/>
+              <a:gd name="connsiteY1" fmla="*/ 0 h 971512"/>
+              <a:gd name="connsiteX2" fmla="*/ 370771 w 370771"/>
+              <a:gd name="connsiteY2" fmla="*/ 472799 h 971512"/>
+              <a:gd name="connsiteX3" fmla="*/ 187304 w 370771"/>
+              <a:gd name="connsiteY3" fmla="*/ 945598 h 971512"/>
+              <a:gd name="connsiteX4" fmla="*/ 72423 w 370771"/>
+              <a:gd name="connsiteY4" fmla="*/ 863194 h 971512"/>
+              <a:gd name="connsiteX5" fmla="*/ 3837 w 370771"/>
+              <a:gd name="connsiteY5" fmla="*/ 472799 h 971512"/>
+              <a:gd name="connsiteX0" fmla="*/ 3837 w 370771"/>
+              <a:gd name="connsiteY0" fmla="*/ 472799 h 903251"/>
+              <a:gd name="connsiteX1" fmla="*/ 187304 w 370771"/>
+              <a:gd name="connsiteY1" fmla="*/ 0 h 903251"/>
+              <a:gd name="connsiteX2" fmla="*/ 370771 w 370771"/>
+              <a:gd name="connsiteY2" fmla="*/ 472799 h 903251"/>
+              <a:gd name="connsiteX3" fmla="*/ 314825 w 370771"/>
+              <a:gd name="connsiteY3" fmla="*/ 825991 h 903251"/>
+              <a:gd name="connsiteX4" fmla="*/ 72423 w 370771"/>
+              <a:gd name="connsiteY4" fmla="*/ 863194 h 903251"/>
+              <a:gd name="connsiteX5" fmla="*/ 3837 w 370771"/>
+              <a:gd name="connsiteY5" fmla="*/ 472799 h 903251"/>
+              <a:gd name="connsiteX0" fmla="*/ 19627 w 386622"/>
+              <a:gd name="connsiteY0" fmla="*/ 472799 h 883076"/>
+              <a:gd name="connsiteX1" fmla="*/ 203094 w 386622"/>
+              <a:gd name="connsiteY1" fmla="*/ 0 h 883076"/>
+              <a:gd name="connsiteX2" fmla="*/ 386561 w 386622"/>
+              <a:gd name="connsiteY2" fmla="*/ 472799 h 883076"/>
+              <a:gd name="connsiteX3" fmla="*/ 330615 w 386622"/>
+              <a:gd name="connsiteY3" fmla="*/ 825991 h 883076"/>
+              <a:gd name="connsiteX4" fmla="*/ 25865 w 386622"/>
+              <a:gd name="connsiteY4" fmla="*/ 834255 h 883076"/>
+              <a:gd name="connsiteX5" fmla="*/ 19627 w 386622"/>
+              <a:gd name="connsiteY5" fmla="*/ 472799 h 883076"/>
+            </a:gdLst>
+            <a:ahLst/>
+            <a:cxnLst>
+              <a:cxn ang="0">
+                <a:pos x="connsiteX0" y="connsiteY0"/>
+              </a:cxn>
+              <a:cxn ang="0">
+                <a:pos x="connsiteX1" y="connsiteY1"/>
+              </a:cxn>
+              <a:cxn ang="0">
+                <a:pos x="connsiteX2" y="connsiteY2"/>
+              </a:cxn>
+              <a:cxn ang="0">
+                <a:pos x="connsiteX3" y="connsiteY3"/>
+              </a:cxn>
+              <a:cxn ang="0">
+                <a:pos x="connsiteX4" y="connsiteY4"/>
+              </a:cxn>
+              <a:cxn ang="0">
+                <a:pos x="connsiteX5" y="connsiteY5"/>
+              </a:cxn>
+            </a:cxnLst>
+            <a:rect l="l" t="t" r="r" b="b"/>
+            <a:pathLst>
+              <a:path w="386622" h="883076">
+                <a:moveTo>
+                  <a:pt x="19627" y="472799"/>
+                </a:moveTo>
+                <a:cubicBezTo>
+                  <a:pt x="49165" y="333757"/>
+                  <a:pt x="101768" y="0"/>
+                  <a:pt x="203094" y="0"/>
+                </a:cubicBezTo>
+                <a:cubicBezTo>
+                  <a:pt x="304420" y="0"/>
+                  <a:pt x="386561" y="211679"/>
+                  <a:pt x="386561" y="472799"/>
+                </a:cubicBezTo>
+                <a:cubicBezTo>
+                  <a:pt x="386561" y="733919"/>
+                  <a:pt x="390731" y="765748"/>
+                  <a:pt x="330615" y="825991"/>
+                </a:cubicBezTo>
+                <a:cubicBezTo>
+                  <a:pt x="270499" y="886234"/>
+                  <a:pt x="56443" y="913055"/>
+                  <a:pt x="25865" y="834255"/>
+                </a:cubicBezTo>
+                <a:cubicBezTo>
+                  <a:pt x="-4713" y="755455"/>
+                  <a:pt x="-9911" y="611842"/>
+                  <a:pt x="19627" y="472799"/>
+                </a:cubicBezTo>
+                <a:close/>
+              </a:path>
+            </a:pathLst>
+          </a:custGeom>
+          <a:solidFill>
+            <a:srgbClr val="CC9F6E"/>
+          </a:solidFill>
+          <a:ln w="25400">
+            <a:solidFill>
+              <a:schemeClr val="tx1"/>
+            </a:solidFill>
+          </a:ln>
+        </p:spPr>
+        <p:style>
+          <a:lnRef idx="2">
+            <a:schemeClr val="accent1">
+              <a:shade val="50000"/>
+            </a:schemeClr>
+          </a:lnRef>
+          <a:fillRef idx="1">
+            <a:schemeClr val="accent1"/>
+          </a:fillRef>
+          <a:effectRef idx="0">
+            <a:schemeClr val="accent1"/>
+          </a:effectRef>
+          <a:fontRef idx="minor">
+            <a:schemeClr val="lt1"/>
+          </a:fontRef>
+        </p:style>
+        <p:txBody>
+          <a:bodyPr rtlCol="0" anchor="ctr"/>
+          <a:lstStyle/>
+          <a:p>
+            <a:pPr algn="ctr"/>
+            <a:endParaRPr lang="sv-SE"/>
+          </a:p>
+        </p:txBody>
+      </p:sp>
+      <p:sp>
+        <p:nvSpPr>
+          <p:cNvPr id="23" name="Oval 22"/>
+          <p:cNvSpPr/>
+          <p:nvPr/>
+        </p:nvSpPr>
+        <p:spPr>
+          <a:xfrm rot="772141">
+            <a:off x="7525878" y="1810567"/>
+            <a:ext cx="242721" cy="581117"/>
+          </a:xfrm>
+          <a:custGeom>
+            <a:avLst/>
+            <a:gdLst>
+              <a:gd name="connsiteX0" fmla="*/ 0 w 365582"/>
+              <a:gd name="connsiteY0" fmla="*/ 472799 h 945597"/>
+              <a:gd name="connsiteX1" fmla="*/ 182791 w 365582"/>
+              <a:gd name="connsiteY1" fmla="*/ 0 h 945597"/>
+              <a:gd name="connsiteX2" fmla="*/ 365582 w 365582"/>
+              <a:gd name="connsiteY2" fmla="*/ 472799 h 945597"/>
+              <a:gd name="connsiteX3" fmla="*/ 182791 w 365582"/>
+              <a:gd name="connsiteY3" fmla="*/ 945598 h 945597"/>
+              <a:gd name="connsiteX4" fmla="*/ 0 w 365582"/>
+              <a:gd name="connsiteY4" fmla="*/ 472799 h 945597"/>
+              <a:gd name="connsiteX0" fmla="*/ 2116 w 367698"/>
+              <a:gd name="connsiteY0" fmla="*/ 472799 h 976739"/>
+              <a:gd name="connsiteX1" fmla="*/ 184907 w 367698"/>
+              <a:gd name="connsiteY1" fmla="*/ 0 h 976739"/>
+              <a:gd name="connsiteX2" fmla="*/ 367698 w 367698"/>
+              <a:gd name="connsiteY2" fmla="*/ 472799 h 976739"/>
+              <a:gd name="connsiteX3" fmla="*/ 184907 w 367698"/>
+              <a:gd name="connsiteY3" fmla="*/ 945598 h 976739"/>
+              <a:gd name="connsiteX4" fmla="*/ 91471 w 367698"/>
+              <a:gd name="connsiteY4" fmla="*/ 881288 h 976739"/>
+              <a:gd name="connsiteX5" fmla="*/ 2116 w 367698"/>
+              <a:gd name="connsiteY5" fmla="*/ 472799 h 976739"/>
+              <a:gd name="connsiteX0" fmla="*/ 2116 w 370584"/>
+              <a:gd name="connsiteY0" fmla="*/ 472799 h 921865"/>
+              <a:gd name="connsiteX1" fmla="*/ 184907 w 370584"/>
+              <a:gd name="connsiteY1" fmla="*/ 0 h 921865"/>
+              <a:gd name="connsiteX2" fmla="*/ 367698 w 370584"/>
+              <a:gd name="connsiteY2" fmla="*/ 472799 h 921865"/>
+              <a:gd name="connsiteX3" fmla="*/ 338188 w 370584"/>
+              <a:gd name="connsiteY3" fmla="*/ 843282 h 921865"/>
+              <a:gd name="connsiteX4" fmla="*/ 91471 w 370584"/>
+              <a:gd name="connsiteY4" fmla="*/ 881288 h 921865"/>
+              <a:gd name="connsiteX5" fmla="*/ 2116 w 370584"/>
+              <a:gd name="connsiteY5" fmla="*/ 472799 h 921865"/>
+              <a:gd name="connsiteX0" fmla="*/ 7896 w 379056"/>
+              <a:gd name="connsiteY0" fmla="*/ 472799 h 881699"/>
+              <a:gd name="connsiteX1" fmla="*/ 190687 w 379056"/>
+              <a:gd name="connsiteY1" fmla="*/ 0 h 881699"/>
+              <a:gd name="connsiteX2" fmla="*/ 373478 w 379056"/>
+              <a:gd name="connsiteY2" fmla="*/ 472799 h 881699"/>
+              <a:gd name="connsiteX3" fmla="*/ 343968 w 379056"/>
+              <a:gd name="connsiteY3" fmla="*/ 843282 h 881699"/>
+              <a:gd name="connsiteX4" fmla="*/ 48833 w 379056"/>
+              <a:gd name="connsiteY4" fmla="*/ 816640 h 881699"/>
+              <a:gd name="connsiteX5" fmla="*/ 7896 w 379056"/>
+              <a:gd name="connsiteY5" fmla="*/ 472799 h 881699"/>
+              <a:gd name="connsiteX0" fmla="*/ 11284 w 364627"/>
+              <a:gd name="connsiteY0" fmla="*/ 477141 h 881700"/>
+              <a:gd name="connsiteX1" fmla="*/ 176258 w 364627"/>
+              <a:gd name="connsiteY1" fmla="*/ 1 h 881700"/>
+              <a:gd name="connsiteX2" fmla="*/ 359049 w 364627"/>
+              <a:gd name="connsiteY2" fmla="*/ 472800 h 881700"/>
+              <a:gd name="connsiteX3" fmla="*/ 329539 w 364627"/>
+              <a:gd name="connsiteY3" fmla="*/ 843283 h 881700"/>
+              <a:gd name="connsiteX4" fmla="*/ 34404 w 364627"/>
+              <a:gd name="connsiteY4" fmla="*/ 816641 h 881700"/>
+              <a:gd name="connsiteX5" fmla="*/ 11284 w 364627"/>
+              <a:gd name="connsiteY5" fmla="*/ 477141 h 881700"/>
+              <a:gd name="connsiteX0" fmla="*/ 3054 w 353934"/>
+              <a:gd name="connsiteY0" fmla="*/ 477141 h 877106"/>
+              <a:gd name="connsiteX1" fmla="*/ 168028 w 353934"/>
+              <a:gd name="connsiteY1" fmla="*/ 1 h 877106"/>
+              <a:gd name="connsiteX2" fmla="*/ 350819 w 353934"/>
+              <a:gd name="connsiteY2" fmla="*/ 472800 h 877106"/>
+              <a:gd name="connsiteX3" fmla="*/ 321309 w 353934"/>
+              <a:gd name="connsiteY3" fmla="*/ 843283 h 877106"/>
+              <a:gd name="connsiteX4" fmla="*/ 70146 w 353934"/>
+              <a:gd name="connsiteY4" fmla="*/ 806595 h 877106"/>
+              <a:gd name="connsiteX5" fmla="*/ 3054 w 353934"/>
+              <a:gd name="connsiteY5" fmla="*/ 477141 h 877106"/>
+              <a:gd name="connsiteX0" fmla="*/ 11203 w 364531"/>
+              <a:gd name="connsiteY0" fmla="*/ 477141 h 872751"/>
+              <a:gd name="connsiteX1" fmla="*/ 176177 w 364531"/>
+              <a:gd name="connsiteY1" fmla="*/ 1 h 872751"/>
+              <a:gd name="connsiteX2" fmla="*/ 358968 w 364531"/>
+              <a:gd name="connsiteY2" fmla="*/ 472800 h 872751"/>
+              <a:gd name="connsiteX3" fmla="*/ 329458 w 364531"/>
+              <a:gd name="connsiteY3" fmla="*/ 843283 h 872751"/>
+              <a:gd name="connsiteX4" fmla="*/ 34566 w 364531"/>
+              <a:gd name="connsiteY4" fmla="*/ 795939 h 872751"/>
+              <a:gd name="connsiteX5" fmla="*/ 11203 w 364531"/>
+              <a:gd name="connsiteY5" fmla="*/ 477141 h 872751"/>
+            </a:gdLst>
+            <a:ahLst/>
+            <a:cxnLst>
+              <a:cxn ang="0">
+                <a:pos x="connsiteX0" y="connsiteY0"/>
+              </a:cxn>
+              <a:cxn ang="0">
+                <a:pos x="connsiteX1" y="connsiteY1"/>
+              </a:cxn>
+              <a:cxn ang="0">
+                <a:pos x="connsiteX2" y="connsiteY2"/>
+              </a:cxn>
+              <a:cxn ang="0">
+                <a:pos x="connsiteX3" y="connsiteY3"/>
+              </a:cxn>
+              <a:cxn ang="0">
+                <a:pos x="connsiteX4" y="connsiteY4"/>
+              </a:cxn>
+              <a:cxn ang="0">
+                <a:pos x="connsiteX5" y="connsiteY5"/>
+              </a:cxn>
+            </a:cxnLst>
+            <a:rect l="l" t="t" r="r" b="b"/>
+            <a:pathLst>
+              <a:path w="364531" h="872751">
+                <a:moveTo>
+                  <a:pt x="11203" y="477141"/>
+                </a:moveTo>
+                <a:cubicBezTo>
+                  <a:pt x="34805" y="344485"/>
+                  <a:pt x="118216" y="724"/>
+                  <a:pt x="176177" y="1"/>
+                </a:cubicBezTo>
+                <a:cubicBezTo>
+                  <a:pt x="234138" y="-722"/>
+                  <a:pt x="358968" y="211680"/>
+                  <a:pt x="358968" y="472800"/>
+                </a:cubicBezTo>
+                <a:cubicBezTo>
+                  <a:pt x="358968" y="733920"/>
+                  <a:pt x="383525" y="789426"/>
+                  <a:pt x="329458" y="843283"/>
+                </a:cubicBezTo>
+                <a:cubicBezTo>
+                  <a:pt x="275391" y="897140"/>
+                  <a:pt x="65031" y="874739"/>
+                  <a:pt x="34566" y="795939"/>
+                </a:cubicBezTo>
+                <a:cubicBezTo>
+                  <a:pt x="4101" y="717139"/>
+                  <a:pt x="-12399" y="609797"/>
+                  <a:pt x="11203" y="477141"/>
+                </a:cubicBezTo>
+                <a:close/>
+              </a:path>
+            </a:pathLst>
+          </a:custGeom>
+          <a:solidFill>
+            <a:srgbClr val="CC9F6E"/>
+          </a:solidFill>
+          <a:ln w="25400">
+            <a:solidFill>
+              <a:schemeClr val="tx1"/>
+            </a:solidFill>
+          </a:ln>
+        </p:spPr>
+        <p:style>
+          <a:lnRef idx="2">
+            <a:schemeClr val="accent1">
+              <a:shade val="50000"/>
+            </a:schemeClr>
+          </a:lnRef>
+          <a:fillRef idx="1">
+            <a:schemeClr val="accent1"/>
+          </a:fillRef>
+          <a:effectRef idx="0">
+            <a:schemeClr val="accent1"/>
+          </a:effectRef>
+          <a:fontRef idx="minor">
+            <a:schemeClr val="lt1"/>
+          </a:fontRef>
+        </p:style>
+        <p:txBody>
+          <a:bodyPr rtlCol="0" anchor="ctr"/>
+          <a:lstStyle/>
+          <a:p>
+            <a:pPr algn="ctr"/>
+            <a:endParaRPr lang="sv-SE"/>
+          </a:p>
+        </p:txBody>
+      </p:sp>
+      <p:sp>
+        <p:nvSpPr>
+          <p:cNvPr id="9" name="Rounded Rectangle 8"/>
+          <p:cNvSpPr/>
+          <p:nvPr/>
+        </p:nvSpPr>
+        <p:spPr>
+          <a:xfrm rot="72546">
+            <a:off x="7433613" y="643258"/>
+            <a:ext cx="1244569" cy="1722166"/>
+          </a:xfrm>
+          <a:custGeom>
+            <a:avLst/>
+            <a:gdLst>
+              <a:gd name="connsiteX0" fmla="*/ 0 w 3929975"/>
+              <a:gd name="connsiteY0" fmla="*/ 1754223 h 6079787"/>
+              <a:gd name="connsiteX1" fmla="*/ 1754223 w 3929975"/>
+              <a:gd name="connsiteY1" fmla="*/ 0 h 6079787"/>
+              <a:gd name="connsiteX2" fmla="*/ 2175752 w 3929975"/>
+              <a:gd name="connsiteY2" fmla="*/ 0 h 6079787"/>
+              <a:gd name="connsiteX3" fmla="*/ 3929975 w 3929975"/>
+              <a:gd name="connsiteY3" fmla="*/ 1754223 h 6079787"/>
+              <a:gd name="connsiteX4" fmla="*/ 3929975 w 3929975"/>
+              <a:gd name="connsiteY4" fmla="*/ 4325564 h 6079787"/>
+              <a:gd name="connsiteX5" fmla="*/ 2175752 w 3929975"/>
+              <a:gd name="connsiteY5" fmla="*/ 6079787 h 6079787"/>
+              <a:gd name="connsiteX6" fmla="*/ 1754223 w 3929975"/>
+              <a:gd name="connsiteY6" fmla="*/ 6079787 h 6079787"/>
+              <a:gd name="connsiteX7" fmla="*/ 0 w 3929975"/>
+              <a:gd name="connsiteY7" fmla="*/ 4325564 h 6079787"/>
+              <a:gd name="connsiteX8" fmla="*/ 0 w 3929975"/>
+              <a:gd name="connsiteY8" fmla="*/ 1754223 h 6079787"/>
+              <a:gd name="connsiteX0" fmla="*/ 0 w 3940058"/>
+              <a:gd name="connsiteY0" fmla="*/ 1754223 h 6079787"/>
+              <a:gd name="connsiteX1" fmla="*/ 1754223 w 3940058"/>
+              <a:gd name="connsiteY1" fmla="*/ 0 h 6079787"/>
+              <a:gd name="connsiteX2" fmla="*/ 2175752 w 3940058"/>
+              <a:gd name="connsiteY2" fmla="*/ 0 h 6079787"/>
+              <a:gd name="connsiteX3" fmla="*/ 3929975 w 3940058"/>
+              <a:gd name="connsiteY3" fmla="*/ 1754223 h 6079787"/>
+              <a:gd name="connsiteX4" fmla="*/ 3940058 w 3940058"/>
+              <a:gd name="connsiteY4" fmla="*/ 2918059 h 6079787"/>
+              <a:gd name="connsiteX5" fmla="*/ 3929975 w 3940058"/>
+              <a:gd name="connsiteY5" fmla="*/ 4325564 h 6079787"/>
+              <a:gd name="connsiteX6" fmla="*/ 2175752 w 3940058"/>
+              <a:gd name="connsiteY6" fmla="*/ 6079787 h 6079787"/>
+              <a:gd name="connsiteX7" fmla="*/ 1754223 w 3940058"/>
+              <a:gd name="connsiteY7" fmla="*/ 6079787 h 6079787"/>
+              <a:gd name="connsiteX8" fmla="*/ 0 w 3940058"/>
+              <a:gd name="connsiteY8" fmla="*/ 4325564 h 6079787"/>
+              <a:gd name="connsiteX9" fmla="*/ 0 w 3940058"/>
+              <a:gd name="connsiteY9" fmla="*/ 1754223 h 6079787"/>
+              <a:gd name="connsiteX0" fmla="*/ 0 w 3929975"/>
+              <a:gd name="connsiteY0" fmla="*/ 1754223 h 6079787"/>
+              <a:gd name="connsiteX1" fmla="*/ 1754223 w 3929975"/>
+              <a:gd name="connsiteY1" fmla="*/ 0 h 6079787"/>
+              <a:gd name="connsiteX2" fmla="*/ 2175752 w 3929975"/>
+              <a:gd name="connsiteY2" fmla="*/ 0 h 6079787"/>
+              <a:gd name="connsiteX3" fmla="*/ 3929975 w 3929975"/>
+              <a:gd name="connsiteY3" fmla="*/ 1754223 h 6079787"/>
+              <a:gd name="connsiteX4" fmla="*/ 3876123 w 3929975"/>
+              <a:gd name="connsiteY4" fmla="*/ 2946921 h 6079787"/>
+              <a:gd name="connsiteX5" fmla="*/ 3929975 w 3929975"/>
+              <a:gd name="connsiteY5" fmla="*/ 4325564 h 6079787"/>
+              <a:gd name="connsiteX6" fmla="*/ 2175752 w 3929975"/>
+              <a:gd name="connsiteY6" fmla="*/ 6079787 h 6079787"/>
+              <a:gd name="connsiteX7" fmla="*/ 1754223 w 3929975"/>
+              <a:gd name="connsiteY7" fmla="*/ 6079787 h 6079787"/>
+              <a:gd name="connsiteX8" fmla="*/ 0 w 3929975"/>
+              <a:gd name="connsiteY8" fmla="*/ 4325564 h 6079787"/>
+              <a:gd name="connsiteX9" fmla="*/ 0 w 3929975"/>
+              <a:gd name="connsiteY9" fmla="*/ 1754223 h 6079787"/>
+              <a:gd name="connsiteX0" fmla="*/ 0 w 3929975"/>
+              <a:gd name="connsiteY0" fmla="*/ 1754223 h 6079787"/>
+              <a:gd name="connsiteX1" fmla="*/ 1754223 w 3929975"/>
+              <a:gd name="connsiteY1" fmla="*/ 0 h 6079787"/>
+              <a:gd name="connsiteX2" fmla="*/ 2223738 w 3929975"/>
+              <a:gd name="connsiteY2" fmla="*/ 7940 h 6079787"/>
+              <a:gd name="connsiteX3" fmla="*/ 3929975 w 3929975"/>
+              <a:gd name="connsiteY3" fmla="*/ 1754223 h 6079787"/>
+              <a:gd name="connsiteX4" fmla="*/ 3876123 w 3929975"/>
+              <a:gd name="connsiteY4" fmla="*/ 2946921 h 6079787"/>
+              <a:gd name="connsiteX5" fmla="*/ 3929975 w 3929975"/>
+              <a:gd name="connsiteY5" fmla="*/ 4325564 h 6079787"/>
+              <a:gd name="connsiteX6" fmla="*/ 2175752 w 3929975"/>
+              <a:gd name="connsiteY6" fmla="*/ 6079787 h 6079787"/>
+              <a:gd name="connsiteX7" fmla="*/ 1754223 w 3929975"/>
+              <a:gd name="connsiteY7" fmla="*/ 6079787 h 6079787"/>
+              <a:gd name="connsiteX8" fmla="*/ 0 w 3929975"/>
+              <a:gd name="connsiteY8" fmla="*/ 4325564 h 6079787"/>
+              <a:gd name="connsiteX9" fmla="*/ 0 w 3929975"/>
+              <a:gd name="connsiteY9" fmla="*/ 1754223 h 6079787"/>
+              <a:gd name="connsiteX0" fmla="*/ 0 w 3929975"/>
+              <a:gd name="connsiteY0" fmla="*/ 1754223 h 6079787"/>
+              <a:gd name="connsiteX1" fmla="*/ 1754223 w 3929975"/>
+              <a:gd name="connsiteY1" fmla="*/ 0 h 6079787"/>
+              <a:gd name="connsiteX2" fmla="*/ 2223738 w 3929975"/>
+              <a:gd name="connsiteY2" fmla="*/ 7940 h 6079787"/>
+              <a:gd name="connsiteX3" fmla="*/ 3929975 w 3929975"/>
+              <a:gd name="connsiteY3" fmla="*/ 1754223 h 6079787"/>
+              <a:gd name="connsiteX4" fmla="*/ 3876123 w 3929975"/>
+              <a:gd name="connsiteY4" fmla="*/ 2946921 h 6079787"/>
+              <a:gd name="connsiteX5" fmla="*/ 3929975 w 3929975"/>
+              <a:gd name="connsiteY5" fmla="*/ 4325564 h 6079787"/>
+              <a:gd name="connsiteX6" fmla="*/ 2175752 w 3929975"/>
+              <a:gd name="connsiteY6" fmla="*/ 6079787 h 6079787"/>
+              <a:gd name="connsiteX7" fmla="*/ 1754223 w 3929975"/>
+              <a:gd name="connsiteY7" fmla="*/ 6079787 h 6079787"/>
+              <a:gd name="connsiteX8" fmla="*/ 0 w 3929975"/>
+              <a:gd name="connsiteY8" fmla="*/ 4325564 h 6079787"/>
+              <a:gd name="connsiteX9" fmla="*/ 0 w 3929975"/>
+              <a:gd name="connsiteY9" fmla="*/ 1754223 h 6079787"/>
+              <a:gd name="connsiteX0" fmla="*/ 0 w 3929975"/>
+              <a:gd name="connsiteY0" fmla="*/ 1754223 h 6079787"/>
+              <a:gd name="connsiteX1" fmla="*/ 1754223 w 3929975"/>
+              <a:gd name="connsiteY1" fmla="*/ 0 h 6079787"/>
+              <a:gd name="connsiteX2" fmla="*/ 2223738 w 3929975"/>
+              <a:gd name="connsiteY2" fmla="*/ 7940 h 6079787"/>
+              <a:gd name="connsiteX3" fmla="*/ 3929975 w 3929975"/>
+              <a:gd name="connsiteY3" fmla="*/ 1754223 h 6079787"/>
+              <a:gd name="connsiteX4" fmla="*/ 3876123 w 3929975"/>
+              <a:gd name="connsiteY4" fmla="*/ 2946921 h 6079787"/>
+              <a:gd name="connsiteX5" fmla="*/ 3929975 w 3929975"/>
+              <a:gd name="connsiteY5" fmla="*/ 4325564 h 6079787"/>
+              <a:gd name="connsiteX6" fmla="*/ 2175752 w 3929975"/>
+              <a:gd name="connsiteY6" fmla="*/ 6079787 h 6079787"/>
+              <a:gd name="connsiteX7" fmla="*/ 1754223 w 3929975"/>
+              <a:gd name="connsiteY7" fmla="*/ 6079787 h 6079787"/>
+              <a:gd name="connsiteX8" fmla="*/ 0 w 3929975"/>
+              <a:gd name="connsiteY8" fmla="*/ 4325564 h 6079787"/>
+              <a:gd name="connsiteX9" fmla="*/ 0 w 3929975"/>
+              <a:gd name="connsiteY9" fmla="*/ 1754223 h 6079787"/>
+              <a:gd name="connsiteX0" fmla="*/ 0 w 3929975"/>
+              <a:gd name="connsiteY0" fmla="*/ 1754223 h 6079787"/>
+              <a:gd name="connsiteX1" fmla="*/ 1754223 w 3929975"/>
+              <a:gd name="connsiteY1" fmla="*/ 0 h 6079787"/>
+              <a:gd name="connsiteX2" fmla="*/ 2223738 w 3929975"/>
+              <a:gd name="connsiteY2" fmla="*/ 7940 h 6079787"/>
+              <a:gd name="connsiteX3" fmla="*/ 3929975 w 3929975"/>
+              <a:gd name="connsiteY3" fmla="*/ 1754223 h 6079787"/>
+              <a:gd name="connsiteX4" fmla="*/ 3876123 w 3929975"/>
+              <a:gd name="connsiteY4" fmla="*/ 2946921 h 6079787"/>
+              <a:gd name="connsiteX5" fmla="*/ 3929975 w 3929975"/>
+              <a:gd name="connsiteY5" fmla="*/ 4325564 h 6079787"/>
+              <a:gd name="connsiteX6" fmla="*/ 2175752 w 3929975"/>
+              <a:gd name="connsiteY6" fmla="*/ 6079787 h 6079787"/>
+              <a:gd name="connsiteX7" fmla="*/ 1754223 w 3929975"/>
+              <a:gd name="connsiteY7" fmla="*/ 6079787 h 6079787"/>
+              <a:gd name="connsiteX8" fmla="*/ 0 w 3929975"/>
+              <a:gd name="connsiteY8" fmla="*/ 4325564 h 6079787"/>
+              <a:gd name="connsiteX9" fmla="*/ 0 w 3929975"/>
+              <a:gd name="connsiteY9" fmla="*/ 1754223 h 6079787"/>
+              <a:gd name="connsiteX0" fmla="*/ 15511 w 3945486"/>
+              <a:gd name="connsiteY0" fmla="*/ 1754223 h 6079787"/>
+              <a:gd name="connsiteX1" fmla="*/ 1769734 w 3945486"/>
+              <a:gd name="connsiteY1" fmla="*/ 0 h 6079787"/>
+              <a:gd name="connsiteX2" fmla="*/ 2239249 w 3945486"/>
+              <a:gd name="connsiteY2" fmla="*/ 7940 h 6079787"/>
+              <a:gd name="connsiteX3" fmla="*/ 3945486 w 3945486"/>
+              <a:gd name="connsiteY3" fmla="*/ 1754223 h 6079787"/>
+              <a:gd name="connsiteX4" fmla="*/ 3891634 w 3945486"/>
+              <a:gd name="connsiteY4" fmla="*/ 2946921 h 6079787"/>
+              <a:gd name="connsiteX5" fmla="*/ 3945486 w 3945486"/>
+              <a:gd name="connsiteY5" fmla="*/ 4325564 h 6079787"/>
+              <a:gd name="connsiteX6" fmla="*/ 2191263 w 3945486"/>
+              <a:gd name="connsiteY6" fmla="*/ 6079787 h 6079787"/>
+              <a:gd name="connsiteX7" fmla="*/ 1769734 w 3945486"/>
+              <a:gd name="connsiteY7" fmla="*/ 6079787 h 6079787"/>
+              <a:gd name="connsiteX8" fmla="*/ 15511 w 3945486"/>
+              <a:gd name="connsiteY8" fmla="*/ 4325564 h 6079787"/>
+              <a:gd name="connsiteX9" fmla="*/ 0 w 3945486"/>
+              <a:gd name="connsiteY9" fmla="*/ 3003076 h 6079787"/>
+              <a:gd name="connsiteX10" fmla="*/ 15511 w 3945486"/>
+              <a:gd name="connsiteY10" fmla="*/ 1754223 h 6079787"/>
+              <a:gd name="connsiteX0" fmla="*/ 0 w 3929975"/>
+              <a:gd name="connsiteY0" fmla="*/ 1754223 h 6079787"/>
+              <a:gd name="connsiteX1" fmla="*/ 1754223 w 3929975"/>
+              <a:gd name="connsiteY1" fmla="*/ 0 h 6079787"/>
+              <a:gd name="connsiteX2" fmla="*/ 2223738 w 3929975"/>
+              <a:gd name="connsiteY2" fmla="*/ 7940 h 6079787"/>
+              <a:gd name="connsiteX3" fmla="*/ 3929975 w 3929975"/>
+              <a:gd name="connsiteY3" fmla="*/ 1754223 h 6079787"/>
+              <a:gd name="connsiteX4" fmla="*/ 3876123 w 3929975"/>
+              <a:gd name="connsiteY4" fmla="*/ 2946921 h 6079787"/>
+              <a:gd name="connsiteX5" fmla="*/ 3929975 w 3929975"/>
+              <a:gd name="connsiteY5" fmla="*/ 4325564 h 6079787"/>
+              <a:gd name="connsiteX6" fmla="*/ 2175752 w 3929975"/>
+              <a:gd name="connsiteY6" fmla="*/ 6079787 h 6079787"/>
+              <a:gd name="connsiteX7" fmla="*/ 1754223 w 3929975"/>
+              <a:gd name="connsiteY7" fmla="*/ 6079787 h 6079787"/>
+              <a:gd name="connsiteX8" fmla="*/ 0 w 3929975"/>
+              <a:gd name="connsiteY8" fmla="*/ 4325564 h 6079787"/>
+              <a:gd name="connsiteX9" fmla="*/ 42072 w 3929975"/>
+              <a:gd name="connsiteY9" fmla="*/ 3012604 h 6079787"/>
+              <a:gd name="connsiteX10" fmla="*/ 0 w 3929975"/>
+              <a:gd name="connsiteY10" fmla="*/ 1754223 h 6079787"/>
+              <a:gd name="connsiteX0" fmla="*/ 0 w 3929975"/>
+              <a:gd name="connsiteY0" fmla="*/ 1754223 h 6079787"/>
+              <a:gd name="connsiteX1" fmla="*/ 1754223 w 3929975"/>
+              <a:gd name="connsiteY1" fmla="*/ 0 h 6079787"/>
+              <a:gd name="connsiteX2" fmla="*/ 2223738 w 3929975"/>
+              <a:gd name="connsiteY2" fmla="*/ 7940 h 6079787"/>
+              <a:gd name="connsiteX3" fmla="*/ 3929975 w 3929975"/>
+              <a:gd name="connsiteY3" fmla="*/ 1754223 h 6079787"/>
+              <a:gd name="connsiteX4" fmla="*/ 3876123 w 3929975"/>
+              <a:gd name="connsiteY4" fmla="*/ 2946921 h 6079787"/>
+              <a:gd name="connsiteX5" fmla="*/ 3929975 w 3929975"/>
+              <a:gd name="connsiteY5" fmla="*/ 4325564 h 6079787"/>
+              <a:gd name="connsiteX6" fmla="*/ 2175752 w 3929975"/>
+              <a:gd name="connsiteY6" fmla="*/ 6079787 h 6079787"/>
+              <a:gd name="connsiteX7" fmla="*/ 1754223 w 3929975"/>
+              <a:gd name="connsiteY7" fmla="*/ 6079787 h 6079787"/>
+              <a:gd name="connsiteX8" fmla="*/ 0 w 3929975"/>
+              <a:gd name="connsiteY8" fmla="*/ 4325564 h 6079787"/>
+              <a:gd name="connsiteX9" fmla="*/ 42072 w 3929975"/>
+              <a:gd name="connsiteY9" fmla="*/ 3012604 h 6079787"/>
+              <a:gd name="connsiteX10" fmla="*/ 0 w 3929975"/>
+              <a:gd name="connsiteY10" fmla="*/ 1754223 h 6079787"/>
+              <a:gd name="connsiteX0" fmla="*/ 0 w 3929975"/>
+              <a:gd name="connsiteY0" fmla="*/ 1754223 h 6079787"/>
+              <a:gd name="connsiteX1" fmla="*/ 1754223 w 3929975"/>
+              <a:gd name="connsiteY1" fmla="*/ 0 h 6079787"/>
+              <a:gd name="connsiteX2" fmla="*/ 2223738 w 3929975"/>
+              <a:gd name="connsiteY2" fmla="*/ 7940 h 6079787"/>
+              <a:gd name="connsiteX3" fmla="*/ 3929975 w 3929975"/>
+              <a:gd name="connsiteY3" fmla="*/ 1754223 h 6079787"/>
+              <a:gd name="connsiteX4" fmla="*/ 3876123 w 3929975"/>
+              <a:gd name="connsiteY4" fmla="*/ 2946921 h 6079787"/>
+              <a:gd name="connsiteX5" fmla="*/ 3929975 w 3929975"/>
+              <a:gd name="connsiteY5" fmla="*/ 4325564 h 6079787"/>
+              <a:gd name="connsiteX6" fmla="*/ 2175752 w 3929975"/>
+              <a:gd name="connsiteY6" fmla="*/ 6079787 h 6079787"/>
+              <a:gd name="connsiteX7" fmla="*/ 1754223 w 3929975"/>
+              <a:gd name="connsiteY7" fmla="*/ 6079787 h 6079787"/>
+              <a:gd name="connsiteX8" fmla="*/ 0 w 3929975"/>
+              <a:gd name="connsiteY8" fmla="*/ 4325564 h 6079787"/>
+              <a:gd name="connsiteX9" fmla="*/ 42072 w 3929975"/>
+              <a:gd name="connsiteY9" fmla="*/ 3012604 h 6079787"/>
+              <a:gd name="connsiteX10" fmla="*/ 0 w 3929975"/>
+              <a:gd name="connsiteY10" fmla="*/ 1754223 h 6079787"/>
+              <a:gd name="connsiteX0" fmla="*/ 0 w 3929975"/>
+              <a:gd name="connsiteY0" fmla="*/ 1754223 h 6079787"/>
+              <a:gd name="connsiteX1" fmla="*/ 1754223 w 3929975"/>
+              <a:gd name="connsiteY1" fmla="*/ 0 h 6079787"/>
+              <a:gd name="connsiteX2" fmla="*/ 2223738 w 3929975"/>
+              <a:gd name="connsiteY2" fmla="*/ 7940 h 6079787"/>
+              <a:gd name="connsiteX3" fmla="*/ 3929975 w 3929975"/>
+              <a:gd name="connsiteY3" fmla="*/ 1754223 h 6079787"/>
+              <a:gd name="connsiteX4" fmla="*/ 3876123 w 3929975"/>
+              <a:gd name="connsiteY4" fmla="*/ 2946921 h 6079787"/>
+              <a:gd name="connsiteX5" fmla="*/ 3929975 w 3929975"/>
+              <a:gd name="connsiteY5" fmla="*/ 4325564 h 6079787"/>
+              <a:gd name="connsiteX6" fmla="*/ 2175752 w 3929975"/>
+              <a:gd name="connsiteY6" fmla="*/ 6079787 h 6079787"/>
+              <a:gd name="connsiteX7" fmla="*/ 1754223 w 3929975"/>
+              <a:gd name="connsiteY7" fmla="*/ 6079787 h 6079787"/>
+              <a:gd name="connsiteX8" fmla="*/ 0 w 3929975"/>
+              <a:gd name="connsiteY8" fmla="*/ 4325564 h 6079787"/>
+              <a:gd name="connsiteX9" fmla="*/ 42072 w 3929975"/>
+              <a:gd name="connsiteY9" fmla="*/ 3012604 h 6079787"/>
+              <a:gd name="connsiteX10" fmla="*/ 0 w 3929975"/>
+              <a:gd name="connsiteY10" fmla="*/ 1754223 h 6079787"/>
+              <a:gd name="connsiteX0" fmla="*/ 0 w 3929975"/>
+              <a:gd name="connsiteY0" fmla="*/ 1754223 h 6079787"/>
+              <a:gd name="connsiteX1" fmla="*/ 1754223 w 3929975"/>
+              <a:gd name="connsiteY1" fmla="*/ 0 h 6079787"/>
+              <a:gd name="connsiteX2" fmla="*/ 2223738 w 3929975"/>
+              <a:gd name="connsiteY2" fmla="*/ 7940 h 6079787"/>
+              <a:gd name="connsiteX3" fmla="*/ 3929975 w 3929975"/>
+              <a:gd name="connsiteY3" fmla="*/ 1754223 h 6079787"/>
+              <a:gd name="connsiteX4" fmla="*/ 3794731 w 3929975"/>
+              <a:gd name="connsiteY4" fmla="*/ 2850397 h 6079787"/>
+              <a:gd name="connsiteX5" fmla="*/ 3929975 w 3929975"/>
+              <a:gd name="connsiteY5" fmla="*/ 4325564 h 6079787"/>
+              <a:gd name="connsiteX6" fmla="*/ 2175752 w 3929975"/>
+              <a:gd name="connsiteY6" fmla="*/ 6079787 h 6079787"/>
+              <a:gd name="connsiteX7" fmla="*/ 1754223 w 3929975"/>
+              <a:gd name="connsiteY7" fmla="*/ 6079787 h 6079787"/>
+              <a:gd name="connsiteX8" fmla="*/ 0 w 3929975"/>
+              <a:gd name="connsiteY8" fmla="*/ 4325564 h 6079787"/>
+              <a:gd name="connsiteX9" fmla="*/ 42072 w 3929975"/>
+              <a:gd name="connsiteY9" fmla="*/ 3012604 h 6079787"/>
+              <a:gd name="connsiteX10" fmla="*/ 0 w 3929975"/>
+              <a:gd name="connsiteY10" fmla="*/ 1754223 h 6079787"/>
+              <a:gd name="connsiteX0" fmla="*/ 0 w 4076099"/>
+              <a:gd name="connsiteY0" fmla="*/ 1754223 h 6079787"/>
+              <a:gd name="connsiteX1" fmla="*/ 1754223 w 4076099"/>
+              <a:gd name="connsiteY1" fmla="*/ 0 h 6079787"/>
+              <a:gd name="connsiteX2" fmla="*/ 2223738 w 4076099"/>
+              <a:gd name="connsiteY2" fmla="*/ 7940 h 6079787"/>
+              <a:gd name="connsiteX3" fmla="*/ 3929975 w 4076099"/>
+              <a:gd name="connsiteY3" fmla="*/ 1754223 h 6079787"/>
+              <a:gd name="connsiteX4" fmla="*/ 3794731 w 4076099"/>
+              <a:gd name="connsiteY4" fmla="*/ 2850397 h 6079787"/>
+              <a:gd name="connsiteX5" fmla="*/ 4076099 w 4076099"/>
+              <a:gd name="connsiteY5" fmla="*/ 4425994 h 6079787"/>
+              <a:gd name="connsiteX6" fmla="*/ 2175752 w 4076099"/>
+              <a:gd name="connsiteY6" fmla="*/ 6079787 h 6079787"/>
+              <a:gd name="connsiteX7" fmla="*/ 1754223 w 4076099"/>
+              <a:gd name="connsiteY7" fmla="*/ 6079787 h 6079787"/>
+              <a:gd name="connsiteX8" fmla="*/ 0 w 4076099"/>
+              <a:gd name="connsiteY8" fmla="*/ 4325564 h 6079787"/>
+              <a:gd name="connsiteX9" fmla="*/ 42072 w 4076099"/>
+              <a:gd name="connsiteY9" fmla="*/ 3012604 h 6079787"/>
+              <a:gd name="connsiteX10" fmla="*/ 0 w 4076099"/>
+              <a:gd name="connsiteY10" fmla="*/ 1754223 h 6079787"/>
+              <a:gd name="connsiteX0" fmla="*/ 0 w 4076099"/>
+              <a:gd name="connsiteY0" fmla="*/ 1754223 h 6079787"/>
+              <a:gd name="connsiteX1" fmla="*/ 1754223 w 4076099"/>
+              <a:gd name="connsiteY1" fmla="*/ 0 h 6079787"/>
+              <a:gd name="connsiteX2" fmla="*/ 2223738 w 4076099"/>
+              <a:gd name="connsiteY2" fmla="*/ 7940 h 6079787"/>
+              <a:gd name="connsiteX3" fmla="*/ 3929975 w 4076099"/>
+              <a:gd name="connsiteY3" fmla="*/ 1754223 h 6079787"/>
+              <a:gd name="connsiteX4" fmla="*/ 3794731 w 4076099"/>
+              <a:gd name="connsiteY4" fmla="*/ 2850397 h 6079787"/>
+              <a:gd name="connsiteX5" fmla="*/ 4076099 w 4076099"/>
+              <a:gd name="connsiteY5" fmla="*/ 4425994 h 6079787"/>
+              <a:gd name="connsiteX6" fmla="*/ 2175752 w 4076099"/>
+              <a:gd name="connsiteY6" fmla="*/ 6079787 h 6079787"/>
+              <a:gd name="connsiteX7" fmla="*/ 1754223 w 4076099"/>
+              <a:gd name="connsiteY7" fmla="*/ 6079787 h 6079787"/>
+              <a:gd name="connsiteX8" fmla="*/ 0 w 4076099"/>
+              <a:gd name="connsiteY8" fmla="*/ 4325564 h 6079787"/>
+              <a:gd name="connsiteX9" fmla="*/ 42072 w 4076099"/>
+              <a:gd name="connsiteY9" fmla="*/ 3012604 h 6079787"/>
+              <a:gd name="connsiteX10" fmla="*/ 0 w 4076099"/>
+              <a:gd name="connsiteY10" fmla="*/ 1754223 h 6079787"/>
+              <a:gd name="connsiteX0" fmla="*/ 0 w 4076519"/>
+              <a:gd name="connsiteY0" fmla="*/ 1754223 h 6079787"/>
+              <a:gd name="connsiteX1" fmla="*/ 1754223 w 4076519"/>
+              <a:gd name="connsiteY1" fmla="*/ 0 h 6079787"/>
+              <a:gd name="connsiteX2" fmla="*/ 2223738 w 4076519"/>
+              <a:gd name="connsiteY2" fmla="*/ 7940 h 6079787"/>
+              <a:gd name="connsiteX3" fmla="*/ 3929975 w 4076519"/>
+              <a:gd name="connsiteY3" fmla="*/ 1754223 h 6079787"/>
+              <a:gd name="connsiteX4" fmla="*/ 3794731 w 4076519"/>
+              <a:gd name="connsiteY4" fmla="*/ 2850397 h 6079787"/>
+              <a:gd name="connsiteX5" fmla="*/ 4076099 w 4076519"/>
+              <a:gd name="connsiteY5" fmla="*/ 4425994 h 6079787"/>
+              <a:gd name="connsiteX6" fmla="*/ 2175752 w 4076519"/>
+              <a:gd name="connsiteY6" fmla="*/ 6079787 h 6079787"/>
+              <a:gd name="connsiteX7" fmla="*/ 1754223 w 4076519"/>
+              <a:gd name="connsiteY7" fmla="*/ 6079787 h 6079787"/>
+              <a:gd name="connsiteX8" fmla="*/ 0 w 4076519"/>
+              <a:gd name="connsiteY8" fmla="*/ 4325564 h 6079787"/>
+              <a:gd name="connsiteX9" fmla="*/ 42072 w 4076519"/>
+              <a:gd name="connsiteY9" fmla="*/ 3012604 h 6079787"/>
+              <a:gd name="connsiteX10" fmla="*/ 0 w 4076519"/>
+              <a:gd name="connsiteY10" fmla="*/ 1754223 h 6079787"/>
+              <a:gd name="connsiteX0" fmla="*/ 0 w 4152914"/>
+              <a:gd name="connsiteY0" fmla="*/ 1754223 h 6079787"/>
+              <a:gd name="connsiteX1" fmla="*/ 1754223 w 4152914"/>
+              <a:gd name="connsiteY1" fmla="*/ 0 h 6079787"/>
+              <a:gd name="connsiteX2" fmla="*/ 2223738 w 4152914"/>
+              <a:gd name="connsiteY2" fmla="*/ 7940 h 6079787"/>
+              <a:gd name="connsiteX3" fmla="*/ 3929975 w 4152914"/>
+              <a:gd name="connsiteY3" fmla="*/ 1754223 h 6079787"/>
+              <a:gd name="connsiteX4" fmla="*/ 3794731 w 4152914"/>
+              <a:gd name="connsiteY4" fmla="*/ 2850397 h 6079787"/>
+              <a:gd name="connsiteX5" fmla="*/ 4152568 w 4152914"/>
+              <a:gd name="connsiteY5" fmla="*/ 4613832 h 6079787"/>
+              <a:gd name="connsiteX6" fmla="*/ 2175752 w 4152914"/>
+              <a:gd name="connsiteY6" fmla="*/ 6079787 h 6079787"/>
+              <a:gd name="connsiteX7" fmla="*/ 1754223 w 4152914"/>
+              <a:gd name="connsiteY7" fmla="*/ 6079787 h 6079787"/>
+              <a:gd name="connsiteX8" fmla="*/ 0 w 4152914"/>
+              <a:gd name="connsiteY8" fmla="*/ 4325564 h 6079787"/>
+              <a:gd name="connsiteX9" fmla="*/ 42072 w 4152914"/>
+              <a:gd name="connsiteY9" fmla="*/ 3012604 h 6079787"/>
+              <a:gd name="connsiteX10" fmla="*/ 0 w 4152914"/>
+              <a:gd name="connsiteY10" fmla="*/ 1754223 h 6079787"/>
+              <a:gd name="connsiteX0" fmla="*/ 0 w 4152914"/>
+              <a:gd name="connsiteY0" fmla="*/ 1754223 h 6079787"/>
+              <a:gd name="connsiteX1" fmla="*/ 1754223 w 4152914"/>
+              <a:gd name="connsiteY1" fmla="*/ 0 h 6079787"/>
+              <a:gd name="connsiteX2" fmla="*/ 2223738 w 4152914"/>
+              <a:gd name="connsiteY2" fmla="*/ 7940 h 6079787"/>
+              <a:gd name="connsiteX3" fmla="*/ 3898087 w 4152914"/>
+              <a:gd name="connsiteY3" fmla="*/ 1637928 h 6079787"/>
+              <a:gd name="connsiteX4" fmla="*/ 3794731 w 4152914"/>
+              <a:gd name="connsiteY4" fmla="*/ 2850397 h 6079787"/>
+              <a:gd name="connsiteX5" fmla="*/ 4152568 w 4152914"/>
+              <a:gd name="connsiteY5" fmla="*/ 4613832 h 6079787"/>
+              <a:gd name="connsiteX6" fmla="*/ 2175752 w 4152914"/>
+              <a:gd name="connsiteY6" fmla="*/ 6079787 h 6079787"/>
+              <a:gd name="connsiteX7" fmla="*/ 1754223 w 4152914"/>
+              <a:gd name="connsiteY7" fmla="*/ 6079787 h 6079787"/>
+              <a:gd name="connsiteX8" fmla="*/ 0 w 4152914"/>
+              <a:gd name="connsiteY8" fmla="*/ 4325564 h 6079787"/>
+              <a:gd name="connsiteX9" fmla="*/ 42072 w 4152914"/>
+              <a:gd name="connsiteY9" fmla="*/ 3012604 h 6079787"/>
+              <a:gd name="connsiteX10" fmla="*/ 0 w 4152914"/>
+              <a:gd name="connsiteY10" fmla="*/ 1754223 h 6079787"/>
+              <a:gd name="connsiteX0" fmla="*/ 0 w 4152914"/>
+              <a:gd name="connsiteY0" fmla="*/ 1754223 h 6079787"/>
+              <a:gd name="connsiteX1" fmla="*/ 1754223 w 4152914"/>
+              <a:gd name="connsiteY1" fmla="*/ 0 h 6079787"/>
+              <a:gd name="connsiteX2" fmla="*/ 2223738 w 4152914"/>
+              <a:gd name="connsiteY2" fmla="*/ 7940 h 6079787"/>
+              <a:gd name="connsiteX3" fmla="*/ 3898087 w 4152914"/>
+              <a:gd name="connsiteY3" fmla="*/ 1637928 h 6079787"/>
+              <a:gd name="connsiteX4" fmla="*/ 3794731 w 4152914"/>
+              <a:gd name="connsiteY4" fmla="*/ 2850397 h 6079787"/>
+              <a:gd name="connsiteX5" fmla="*/ 4152568 w 4152914"/>
+              <a:gd name="connsiteY5" fmla="*/ 4613832 h 6079787"/>
+              <a:gd name="connsiteX6" fmla="*/ 2175752 w 4152914"/>
+              <a:gd name="connsiteY6" fmla="*/ 6079787 h 6079787"/>
+              <a:gd name="connsiteX7" fmla="*/ 1754223 w 4152914"/>
+              <a:gd name="connsiteY7" fmla="*/ 6079787 h 6079787"/>
+              <a:gd name="connsiteX8" fmla="*/ 0 w 4152914"/>
+              <a:gd name="connsiteY8" fmla="*/ 4325564 h 6079787"/>
+              <a:gd name="connsiteX9" fmla="*/ 42072 w 4152914"/>
+              <a:gd name="connsiteY9" fmla="*/ 3012604 h 6079787"/>
+              <a:gd name="connsiteX10" fmla="*/ 0 w 4152914"/>
+              <a:gd name="connsiteY10" fmla="*/ 1754223 h 6079787"/>
+            </a:gdLst>
+            <a:ahLst/>
+            <a:cxnLst>
+              <a:cxn ang="0">
+                <a:pos x="connsiteX0" y="connsiteY0"/>
+              </a:cxn>
+              <a:cxn ang="0">
+                <a:pos x="connsiteX1" y="connsiteY1"/>
+              </a:cxn>
+              <a:cxn ang="0">
+                <a:pos x="connsiteX2" y="connsiteY2"/>
+              </a:cxn>
+              <a:cxn ang="0">
+                <a:pos x="connsiteX3" y="connsiteY3"/>
+              </a:cxn>
+              <a:cxn ang="0">
+                <a:pos x="connsiteX4" y="connsiteY4"/>
+              </a:cxn>
+              <a:cxn ang="0">
+                <a:pos x="connsiteX5" y="connsiteY5"/>
+              </a:cxn>
+              <a:cxn ang="0">
+                <a:pos x="connsiteX6" y="connsiteY6"/>
+              </a:cxn>
+              <a:cxn ang="0">
+                <a:pos x="connsiteX7" y="connsiteY7"/>
+              </a:cxn>
+              <a:cxn ang="0">
+                <a:pos x="connsiteX8" y="connsiteY8"/>
+              </a:cxn>
+              <a:cxn ang="0">
+                <a:pos x="connsiteX9" y="connsiteY9"/>
+              </a:cxn>
+              <a:cxn ang="0">
+                <a:pos x="connsiteX10" y="connsiteY10"/>
+              </a:cxn>
+            </a:cxnLst>
+            <a:rect l="l" t="t" r="r" b="b"/>
+            <a:pathLst>
+              <a:path w="4152914" h="6079787">
+                <a:moveTo>
+                  <a:pt x="0" y="1754223"/>
+                </a:moveTo>
+                <a:cubicBezTo>
+                  <a:pt x="0" y="785392"/>
+                  <a:pt x="785392" y="0"/>
+                  <a:pt x="1754223" y="0"/>
+                </a:cubicBezTo>
+                <a:lnTo>
+                  <a:pt x="2223738" y="7940"/>
+                </a:lnTo>
+                <a:cubicBezTo>
+                  <a:pt x="3152508" y="142507"/>
+                  <a:pt x="3898087" y="669097"/>
+                  <a:pt x="3898087" y="1637928"/>
+                </a:cubicBezTo>
+                <a:cubicBezTo>
+                  <a:pt x="3873972" y="2204176"/>
+                  <a:pt x="3829183" y="2446241"/>
+                  <a:pt x="3794731" y="2850397"/>
+                </a:cubicBezTo>
+                <a:cubicBezTo>
+                  <a:pt x="3744287" y="3641737"/>
+                  <a:pt x="4166667" y="4095142"/>
+                  <a:pt x="4152568" y="4613832"/>
+                </a:cubicBezTo>
+                <a:cubicBezTo>
+                  <a:pt x="4152568" y="5582663"/>
+                  <a:pt x="3144583" y="6079787"/>
+                  <a:pt x="2175752" y="6079787"/>
+                </a:cubicBezTo>
+                <a:lnTo>
+                  <a:pt x="1754223" y="6079787"/>
+                </a:lnTo>
+                <a:cubicBezTo>
+                  <a:pt x="785392" y="6079787"/>
+                  <a:pt x="0" y="5294395"/>
+                  <a:pt x="0" y="4325564"/>
+                </a:cubicBezTo>
+                <a:lnTo>
+                  <a:pt x="42072" y="3012604"/>
+                </a:lnTo>
+                <a:lnTo>
+                  <a:pt x="0" y="1754223"/>
+                </a:lnTo>
+                <a:close/>
+              </a:path>
+            </a:pathLst>
+          </a:custGeom>
+          <a:ln w="25400">
+            <a:solidFill>
+              <a:schemeClr val="tx1"/>
+            </a:solidFill>
+          </a:ln>
+        </p:spPr>
+        <p:style>
+          <a:lnRef idx="2">
+            <a:schemeClr val="accent1">
+              <a:shade val="50000"/>
+            </a:schemeClr>
+          </a:lnRef>
+          <a:fillRef idx="1">
+            <a:schemeClr val="accent1"/>
+          </a:fillRef>
+          <a:effectRef idx="0">
+            <a:schemeClr val="accent1"/>
+          </a:effectRef>
+          <a:fontRef idx="minor">
+            <a:schemeClr val="lt1"/>
+          </a:fontRef>
+        </p:style>
+        <p:txBody>
+          <a:bodyPr rtlCol="0" anchor="ctr"/>
+          <a:lstStyle/>
+          <a:p>
+            <a:pPr algn="ctr"/>
+            <a:endParaRPr lang="sv-SE"/>
+          </a:p>
+        </p:txBody>
+      </p:sp>
+      <p:sp>
+        <p:nvSpPr>
+          <p:cNvPr id="52" name="Oval 51"/>
+          <p:cNvSpPr/>
+          <p:nvPr/>
+        </p:nvSpPr>
+        <p:spPr>
+          <a:xfrm rot="636239">
+            <a:off x="8022006" y="902111"/>
+            <a:ext cx="368293" cy="335658"/>
+          </a:xfrm>
+          <a:prstGeom prst="ellipse">
+            <a:avLst/>
+          </a:prstGeom>
+          <a:solidFill>
+            <a:srgbClr val="4588C6"/>
+          </a:solidFill>
+          <a:ln w="25400">
+            <a:noFill/>
+          </a:ln>
+        </p:spPr>
+        <p:style>
+          <a:lnRef idx="2">
+            <a:schemeClr val="accent1">
+              <a:shade val="50000"/>
+            </a:schemeClr>
+          </a:lnRef>
+          <a:fillRef idx="1">
+            <a:schemeClr val="accent1"/>
+          </a:fillRef>
+          <a:effectRef idx="0">
+            <a:schemeClr val="accent1"/>
+          </a:effectRef>
+          <a:fontRef idx="minor">
+            <a:schemeClr val="lt1"/>
+          </a:fontRef>
+        </p:style>
+        <p:txBody>
+          <a:bodyPr rtlCol="0" anchor="ctr"/>
+          <a:lstStyle/>
+          <a:p>
+            <a:pPr algn="ctr"/>
+            <a:endParaRPr lang="sv-SE" dirty="0"/>
+          </a:p>
+        </p:txBody>
+      </p:sp>
+      <p:sp>
+        <p:nvSpPr>
+          <p:cNvPr id="53" name="Oval 52"/>
+          <p:cNvSpPr/>
+          <p:nvPr/>
+        </p:nvSpPr>
+        <p:spPr>
+          <a:xfrm rot="636239">
+            <a:off x="7574058" y="869300"/>
+            <a:ext cx="368293" cy="335658"/>
+          </a:xfrm>
+          <a:prstGeom prst="ellipse">
+            <a:avLst/>
+          </a:prstGeom>
+          <a:solidFill>
+            <a:srgbClr val="4588C6"/>
+          </a:solidFill>
+          <a:ln w="25400">
+            <a:noFill/>
+          </a:ln>
+        </p:spPr>
+        <p:style>
+          <a:lnRef idx="2">
+            <a:schemeClr val="accent1">
+              <a:shade val="50000"/>
+            </a:schemeClr>
+          </a:lnRef>
+          <a:fillRef idx="1">
+            <a:schemeClr val="accent1"/>
+          </a:fillRef>
+          <a:effectRef idx="0">
+            <a:schemeClr val="accent1"/>
+          </a:effectRef>
+          <a:fontRef idx="minor">
+            <a:schemeClr val="lt1"/>
+          </a:fontRef>
+        </p:style>
+        <p:txBody>
+          <a:bodyPr rtlCol="0" anchor="ctr"/>
+          <a:lstStyle/>
+          <a:p>
+            <a:pPr algn="ctr"/>
+            <a:endParaRPr lang="sv-SE" dirty="0"/>
+          </a:p>
+        </p:txBody>
+      </p:sp>
+      <p:sp>
+        <p:nvSpPr>
+          <p:cNvPr id="5" name="Oval 4"/>
+          <p:cNvSpPr/>
+          <p:nvPr/>
+        </p:nvSpPr>
+        <p:spPr>
+          <a:xfrm rot="636239">
+            <a:off x="7974503" y="866210"/>
+            <a:ext cx="368293" cy="335658"/>
+          </a:xfrm>
+          <a:prstGeom prst="ellipse">
+            <a:avLst/>
+          </a:prstGeom>
+          <a:solidFill>
+            <a:schemeClr val="bg1"/>
+          </a:solidFill>
+          <a:ln w="25400">
+            <a:solidFill>
+              <a:schemeClr val="tx1"/>
+            </a:solidFill>
+          </a:ln>
+        </p:spPr>
+        <p:style>
+          <a:lnRef idx="2">
+            <a:schemeClr val="accent1">
+              <a:shade val="50000"/>
+            </a:schemeClr>
+          </a:lnRef>
+          <a:fillRef idx="1">
+            <a:schemeClr val="accent1"/>
+          </a:fillRef>
+          <a:effectRef idx="0">
+            <a:schemeClr val="accent1"/>
+          </a:effectRef>
+          <a:fontRef idx="minor">
+            <a:schemeClr val="lt1"/>
+          </a:fontRef>
+        </p:style>
+        <p:txBody>
+          <a:bodyPr rtlCol="0" anchor="ctr"/>
+          <a:lstStyle/>
+          <a:p>
+            <a:pPr algn="ctr"/>
+            <a:endParaRPr lang="sv-SE" dirty="0"/>
+          </a:p>
+        </p:txBody>
+      </p:sp>
+      <p:grpSp>
+        <p:nvGrpSpPr>
+          <p:cNvPr id="14" name="Group 13"/>
+          <p:cNvGrpSpPr/>
+          <p:nvPr/>
+        </p:nvGrpSpPr>
+        <p:grpSpPr>
+          <a:xfrm>
+            <a:off x="7795882" y="1211845"/>
+            <a:ext cx="285933" cy="196103"/>
+            <a:chOff x="7300826" y="2724115"/>
+            <a:chExt cx="285933" cy="196103"/>
+          </a:xfrm>
+        </p:grpSpPr>
+        <p:sp>
+          <p:nvSpPr>
+            <p:cNvPr id="12" name="Rounded Rectangle 11"/>
+            <p:cNvSpPr/>
+            <p:nvPr/>
+          </p:nvSpPr>
+          <p:spPr>
+            <a:xfrm rot="21322659">
+              <a:off x="7363270" y="2763079"/>
+              <a:ext cx="90939" cy="157139"/>
+            </a:xfrm>
+            <a:prstGeom prst="roundRect">
+              <a:avLst>
+                <a:gd name="adj" fmla="val 42355"/>
+              </a:avLst>
+            </a:prstGeom>
+            <a:solidFill>
+              <a:schemeClr val="bg1"/>
+            </a:solidFill>
+            <a:ln w="25400">
+              <a:solidFill>
+                <a:schemeClr val="tx1"/>
+              </a:solidFill>
+            </a:ln>
+          </p:spPr>
+          <p:style>
+            <a:lnRef idx="2">
+              <a:schemeClr val="accent1">
+                <a:shade val="50000"/>
+              </a:schemeClr>
+            </a:lnRef>
+            <a:fillRef idx="1">
+              <a:schemeClr val="accent1"/>
+            </a:fillRef>
+            <a:effectRef idx="0">
+              <a:schemeClr val="accent1"/>
+            </a:effectRef>
+            <a:fontRef idx="minor">
+              <a:schemeClr val="lt1"/>
+            </a:fontRef>
+          </p:style>
+          <p:txBody>
+            <a:bodyPr rtlCol="0" anchor="ctr"/>
+            <a:lstStyle/>
+            <a:p>
+              <a:pPr algn="ctr"/>
+              <a:endParaRPr lang="sv-SE"/>
+            </a:p>
+          </p:txBody>
+        </p:sp>
+        <p:sp>
+          <p:nvSpPr>
+            <p:cNvPr id="13" name="Rounded Rectangle 12"/>
+            <p:cNvSpPr/>
+            <p:nvPr/>
+          </p:nvSpPr>
+          <p:spPr>
+            <a:xfrm rot="21322659">
+              <a:off x="7449952" y="2762539"/>
+              <a:ext cx="88428" cy="156462"/>
+            </a:xfrm>
+            <a:prstGeom prst="roundRect">
+              <a:avLst>
+                <a:gd name="adj" fmla="val 34058"/>
+              </a:avLst>
+            </a:prstGeom>
+            <a:solidFill>
+              <a:schemeClr val="bg1"/>
+            </a:solidFill>
+            <a:ln w="25400">
+              <a:solidFill>
+                <a:schemeClr val="tx1"/>
+              </a:solidFill>
+            </a:ln>
+          </p:spPr>
+          <p:style>
+            <a:lnRef idx="2">
+              <a:schemeClr val="accent1">
+                <a:shade val="50000"/>
+              </a:schemeClr>
+            </a:lnRef>
+            <a:fillRef idx="1">
+              <a:schemeClr val="accent1"/>
+            </a:fillRef>
+            <a:effectRef idx="0">
+              <a:schemeClr val="accent1"/>
+            </a:effectRef>
+            <a:fontRef idx="minor">
+              <a:schemeClr val="lt1"/>
+            </a:fontRef>
+          </p:style>
+          <p:txBody>
+            <a:bodyPr rtlCol="0" anchor="ctr"/>
+            <a:lstStyle/>
+            <a:p>
+              <a:pPr algn="ctr"/>
+              <a:endParaRPr lang="sv-SE"/>
+            </a:p>
+          </p:txBody>
+        </p:sp>
+        <p:sp>
+          <p:nvSpPr>
+            <p:cNvPr id="10" name="Oval 9"/>
+            <p:cNvSpPr/>
+            <p:nvPr/>
+          </p:nvSpPr>
+          <p:spPr>
+            <a:xfrm rot="92648">
+              <a:off x="7300826" y="2724115"/>
+              <a:ext cx="285933" cy="115901"/>
             </a:xfrm>
             <a:custGeom>
               <a:avLst/>
               <a:gdLst>
-                <a:gd name="connsiteX0" fmla="*/ 0 w 366933"/>
-                <a:gd name="connsiteY0" fmla="*/ 472799 h 945597"/>
-                <a:gd name="connsiteX1" fmla="*/ 183467 w 366933"/>
-                <a:gd name="connsiteY1" fmla="*/ 0 h 945597"/>
-                <a:gd name="connsiteX2" fmla="*/ 366934 w 366933"/>
-                <a:gd name="connsiteY2" fmla="*/ 472799 h 945597"/>
-                <a:gd name="connsiteX3" fmla="*/ 183467 w 366933"/>
-                <a:gd name="connsiteY3" fmla="*/ 945598 h 945597"/>
-                <a:gd name="connsiteX4" fmla="*/ 0 w 366933"/>
-                <a:gd name="connsiteY4" fmla="*/ 472799 h 945597"/>
-                <a:gd name="connsiteX0" fmla="*/ 3837 w 370771"/>
-                <a:gd name="connsiteY0" fmla="*/ 472799 h 971512"/>
-                <a:gd name="connsiteX1" fmla="*/ 187304 w 370771"/>
-                <a:gd name="connsiteY1" fmla="*/ 0 h 971512"/>
-                <a:gd name="connsiteX2" fmla="*/ 370771 w 370771"/>
-                <a:gd name="connsiteY2" fmla="*/ 472799 h 971512"/>
-                <a:gd name="connsiteX3" fmla="*/ 187304 w 370771"/>
-                <a:gd name="connsiteY3" fmla="*/ 945598 h 971512"/>
-                <a:gd name="connsiteX4" fmla="*/ 72423 w 370771"/>
-                <a:gd name="connsiteY4" fmla="*/ 863194 h 971512"/>
-                <a:gd name="connsiteX5" fmla="*/ 3837 w 370771"/>
-                <a:gd name="connsiteY5" fmla="*/ 472799 h 971512"/>
-                <a:gd name="connsiteX0" fmla="*/ 3837 w 370771"/>
-                <a:gd name="connsiteY0" fmla="*/ 472799 h 903251"/>
-                <a:gd name="connsiteX1" fmla="*/ 187304 w 370771"/>
-                <a:gd name="connsiteY1" fmla="*/ 0 h 903251"/>
-                <a:gd name="connsiteX2" fmla="*/ 370771 w 370771"/>
-                <a:gd name="connsiteY2" fmla="*/ 472799 h 903251"/>
-                <a:gd name="connsiteX3" fmla="*/ 314825 w 370771"/>
-                <a:gd name="connsiteY3" fmla="*/ 825991 h 903251"/>
-                <a:gd name="connsiteX4" fmla="*/ 72423 w 370771"/>
-                <a:gd name="connsiteY4" fmla="*/ 863194 h 903251"/>
-                <a:gd name="connsiteX5" fmla="*/ 3837 w 370771"/>
-                <a:gd name="connsiteY5" fmla="*/ 472799 h 903251"/>
-                <a:gd name="connsiteX0" fmla="*/ 19627 w 386622"/>
-                <a:gd name="connsiteY0" fmla="*/ 472799 h 883076"/>
-                <a:gd name="connsiteX1" fmla="*/ 203094 w 386622"/>
-                <a:gd name="connsiteY1" fmla="*/ 0 h 883076"/>
-                <a:gd name="connsiteX2" fmla="*/ 386561 w 386622"/>
-                <a:gd name="connsiteY2" fmla="*/ 472799 h 883076"/>
-                <a:gd name="connsiteX3" fmla="*/ 330615 w 386622"/>
-                <a:gd name="connsiteY3" fmla="*/ 825991 h 883076"/>
-                <a:gd name="connsiteX4" fmla="*/ 25865 w 386622"/>
-                <a:gd name="connsiteY4" fmla="*/ 834255 h 883076"/>
-                <a:gd name="connsiteX5" fmla="*/ 19627 w 386622"/>
-                <a:gd name="connsiteY5" fmla="*/ 472799 h 883076"/>
+                <a:gd name="connsiteX0" fmla="*/ 0 w 1566153"/>
+                <a:gd name="connsiteY0" fmla="*/ 466928 h 933856"/>
+                <a:gd name="connsiteX1" fmla="*/ 783077 w 1566153"/>
+                <a:gd name="connsiteY1" fmla="*/ 0 h 933856"/>
+                <a:gd name="connsiteX2" fmla="*/ 1566154 w 1566153"/>
+                <a:gd name="connsiteY2" fmla="*/ 466928 h 933856"/>
+                <a:gd name="connsiteX3" fmla="*/ 783077 w 1566153"/>
+                <a:gd name="connsiteY3" fmla="*/ 933856 h 933856"/>
+                <a:gd name="connsiteX4" fmla="*/ 0 w 1566153"/>
+                <a:gd name="connsiteY4" fmla="*/ 466928 h 933856"/>
+                <a:gd name="connsiteX0" fmla="*/ 317 w 1566471"/>
+                <a:gd name="connsiteY0" fmla="*/ 466928 h 768486"/>
+                <a:gd name="connsiteX1" fmla="*/ 783394 w 1566471"/>
+                <a:gd name="connsiteY1" fmla="*/ 0 h 768486"/>
+                <a:gd name="connsiteX2" fmla="*/ 1566471 w 1566471"/>
+                <a:gd name="connsiteY2" fmla="*/ 466928 h 768486"/>
+                <a:gd name="connsiteX3" fmla="*/ 715300 w 1566471"/>
+                <a:gd name="connsiteY3" fmla="*/ 768486 h 768486"/>
+                <a:gd name="connsiteX4" fmla="*/ 317 w 1566471"/>
+                <a:gd name="connsiteY4" fmla="*/ 466928 h 768486"/>
+                <a:gd name="connsiteX0" fmla="*/ 317 w 1568323"/>
+                <a:gd name="connsiteY0" fmla="*/ 466928 h 792461"/>
+                <a:gd name="connsiteX1" fmla="*/ 783394 w 1568323"/>
+                <a:gd name="connsiteY1" fmla="*/ 0 h 792461"/>
+                <a:gd name="connsiteX2" fmla="*/ 1566471 w 1568323"/>
+                <a:gd name="connsiteY2" fmla="*/ 466928 h 792461"/>
+                <a:gd name="connsiteX3" fmla="*/ 992538 w 1568323"/>
+                <a:gd name="connsiteY3" fmla="*/ 739303 h 792461"/>
+                <a:gd name="connsiteX4" fmla="*/ 715300 w 1568323"/>
+                <a:gd name="connsiteY4" fmla="*/ 768486 h 792461"/>
+                <a:gd name="connsiteX5" fmla="*/ 317 w 1568323"/>
+                <a:gd name="connsiteY5" fmla="*/ 466928 h 792461"/>
+                <a:gd name="connsiteX0" fmla="*/ 9015 w 1577021"/>
+                <a:gd name="connsiteY0" fmla="*/ 466928 h 778374"/>
+                <a:gd name="connsiteX1" fmla="*/ 792092 w 1577021"/>
+                <a:gd name="connsiteY1" fmla="*/ 0 h 778374"/>
+                <a:gd name="connsiteX2" fmla="*/ 1575169 w 1577021"/>
+                <a:gd name="connsiteY2" fmla="*/ 466928 h 778374"/>
+                <a:gd name="connsiteX3" fmla="*/ 1001236 w 1577021"/>
+                <a:gd name="connsiteY3" fmla="*/ 739303 h 778374"/>
+                <a:gd name="connsiteX4" fmla="*/ 723998 w 1577021"/>
+                <a:gd name="connsiteY4" fmla="*/ 768486 h 778374"/>
+                <a:gd name="connsiteX5" fmla="*/ 388393 w 1577021"/>
+                <a:gd name="connsiteY5" fmla="*/ 749030 h 778374"/>
+                <a:gd name="connsiteX6" fmla="*/ 9015 w 1577021"/>
+                <a:gd name="connsiteY6" fmla="*/ 466928 h 778374"/>
+                <a:gd name="connsiteX0" fmla="*/ 9015 w 1577021"/>
+                <a:gd name="connsiteY0" fmla="*/ 466928 h 760829"/>
+                <a:gd name="connsiteX1" fmla="*/ 792092 w 1577021"/>
+                <a:gd name="connsiteY1" fmla="*/ 0 h 760829"/>
+                <a:gd name="connsiteX2" fmla="*/ 1575169 w 1577021"/>
+                <a:gd name="connsiteY2" fmla="*/ 466928 h 760829"/>
+                <a:gd name="connsiteX3" fmla="*/ 1001236 w 1577021"/>
+                <a:gd name="connsiteY3" fmla="*/ 739303 h 760829"/>
+                <a:gd name="connsiteX4" fmla="*/ 723998 w 1577021"/>
+                <a:gd name="connsiteY4" fmla="*/ 671210 h 760829"/>
+                <a:gd name="connsiteX5" fmla="*/ 388393 w 1577021"/>
+                <a:gd name="connsiteY5" fmla="*/ 749030 h 760829"/>
+                <a:gd name="connsiteX6" fmla="*/ 9015 w 1577021"/>
+                <a:gd name="connsiteY6" fmla="*/ 466928 h 760829"/>
+                <a:gd name="connsiteX0" fmla="*/ 9015 w 1578546"/>
+                <a:gd name="connsiteY0" fmla="*/ 466928 h 760720"/>
+                <a:gd name="connsiteX1" fmla="*/ 792092 w 1578546"/>
+                <a:gd name="connsiteY1" fmla="*/ 0 h 760720"/>
+                <a:gd name="connsiteX2" fmla="*/ 1575169 w 1578546"/>
+                <a:gd name="connsiteY2" fmla="*/ 466928 h 760720"/>
+                <a:gd name="connsiteX3" fmla="*/ 1224972 w 1578546"/>
+                <a:gd name="connsiteY3" fmla="*/ 749031 h 760720"/>
+                <a:gd name="connsiteX4" fmla="*/ 723998 w 1578546"/>
+                <a:gd name="connsiteY4" fmla="*/ 671210 h 760720"/>
+                <a:gd name="connsiteX5" fmla="*/ 388393 w 1578546"/>
+                <a:gd name="connsiteY5" fmla="*/ 749030 h 760720"/>
+                <a:gd name="connsiteX6" fmla="*/ 9015 w 1578546"/>
+                <a:gd name="connsiteY6" fmla="*/ 466928 h 760720"/>
+                <a:gd name="connsiteX0" fmla="*/ 17975 w 1587506"/>
+                <a:gd name="connsiteY0" fmla="*/ 466928 h 760830"/>
+                <a:gd name="connsiteX1" fmla="*/ 801052 w 1587506"/>
+                <a:gd name="connsiteY1" fmla="*/ 0 h 760830"/>
+                <a:gd name="connsiteX2" fmla="*/ 1584129 w 1587506"/>
+                <a:gd name="connsiteY2" fmla="*/ 466928 h 760830"/>
+                <a:gd name="connsiteX3" fmla="*/ 1233932 w 1587506"/>
+                <a:gd name="connsiteY3" fmla="*/ 749031 h 760830"/>
+                <a:gd name="connsiteX4" fmla="*/ 732958 w 1587506"/>
+                <a:gd name="connsiteY4" fmla="*/ 671210 h 760830"/>
+                <a:gd name="connsiteX5" fmla="*/ 290349 w 1587506"/>
+                <a:gd name="connsiteY5" fmla="*/ 739303 h 760830"/>
+                <a:gd name="connsiteX6" fmla="*/ 17975 w 1587506"/>
+                <a:gd name="connsiteY6" fmla="*/ 466928 h 760830"/>
+                <a:gd name="connsiteX0" fmla="*/ 20537 w 1551158"/>
+                <a:gd name="connsiteY0" fmla="*/ 285435 h 764162"/>
+                <a:gd name="connsiteX1" fmla="*/ 764704 w 1551158"/>
+                <a:gd name="connsiteY1" fmla="*/ 3332 h 764162"/>
+                <a:gd name="connsiteX2" fmla="*/ 1547781 w 1551158"/>
+                <a:gd name="connsiteY2" fmla="*/ 470260 h 764162"/>
+                <a:gd name="connsiteX3" fmla="*/ 1197584 w 1551158"/>
+                <a:gd name="connsiteY3" fmla="*/ 752363 h 764162"/>
+                <a:gd name="connsiteX4" fmla="*/ 696610 w 1551158"/>
+                <a:gd name="connsiteY4" fmla="*/ 674542 h 764162"/>
+                <a:gd name="connsiteX5" fmla="*/ 254001 w 1551158"/>
+                <a:gd name="connsiteY5" fmla="*/ 742635 h 764162"/>
+                <a:gd name="connsiteX6" fmla="*/ 20537 w 1551158"/>
+                <a:gd name="connsiteY6" fmla="*/ 285435 h 764162"/>
+                <a:gd name="connsiteX0" fmla="*/ 20537 w 1427540"/>
+                <a:gd name="connsiteY0" fmla="*/ 282497 h 761224"/>
+                <a:gd name="connsiteX1" fmla="*/ 764704 w 1427540"/>
+                <a:gd name="connsiteY1" fmla="*/ 394 h 761224"/>
+                <a:gd name="connsiteX2" fmla="*/ 1421322 w 1427540"/>
+                <a:gd name="connsiteY2" fmla="*/ 233858 h 761224"/>
+                <a:gd name="connsiteX3" fmla="*/ 1197584 w 1427540"/>
+                <a:gd name="connsiteY3" fmla="*/ 749425 h 761224"/>
+                <a:gd name="connsiteX4" fmla="*/ 696610 w 1427540"/>
+                <a:gd name="connsiteY4" fmla="*/ 671604 h 761224"/>
+                <a:gd name="connsiteX5" fmla="*/ 254001 w 1427540"/>
+                <a:gd name="connsiteY5" fmla="*/ 739697 h 761224"/>
+                <a:gd name="connsiteX6" fmla="*/ 20537 w 1427540"/>
+                <a:gd name="connsiteY6" fmla="*/ 282497 h 761224"/>
+                <a:gd name="connsiteX0" fmla="*/ 11963 w 1418966"/>
+                <a:gd name="connsiteY0" fmla="*/ 263113 h 741840"/>
+                <a:gd name="connsiteX1" fmla="*/ 600488 w 1418966"/>
+                <a:gd name="connsiteY1" fmla="*/ 466 h 741840"/>
+                <a:gd name="connsiteX2" fmla="*/ 1412748 w 1418966"/>
+                <a:gd name="connsiteY2" fmla="*/ 214474 h 741840"/>
+                <a:gd name="connsiteX3" fmla="*/ 1189010 w 1418966"/>
+                <a:gd name="connsiteY3" fmla="*/ 730041 h 741840"/>
+                <a:gd name="connsiteX4" fmla="*/ 688036 w 1418966"/>
+                <a:gd name="connsiteY4" fmla="*/ 652220 h 741840"/>
+                <a:gd name="connsiteX5" fmla="*/ 245427 w 1418966"/>
+                <a:gd name="connsiteY5" fmla="*/ 720313 h 741840"/>
+                <a:gd name="connsiteX6" fmla="*/ 11963 w 1418966"/>
+                <a:gd name="connsiteY6" fmla="*/ 263113 h 741840"/>
               </a:gdLst>
               <a:ahLst/>
               <a:cxnLst>
@@ -10697,37 +11896,45 @@
                 <a:cxn ang="0">
                   <a:pos x="connsiteX5" y="connsiteY5"/>
                 </a:cxn>
+                <a:cxn ang="0">
+                  <a:pos x="connsiteX6" y="connsiteY6"/>
+                </a:cxn>
               </a:cxnLst>
               <a:rect l="l" t="t" r="r" b="b"/>
               <a:pathLst>
-                <a:path w="386622" h="883076">
+                <a:path w="1418966" h="741840">
                   <a:moveTo>
-                    <a:pt x="19627" y="472799"/>
+                    <a:pt x="11963" y="263113"/>
                   </a:moveTo>
                   <a:cubicBezTo>
-                    <a:pt x="49165" y="333757"/>
-                    <a:pt x="101768" y="0"/>
-                    <a:pt x="203094" y="0"/>
+                    <a:pt x="71140" y="143139"/>
+                    <a:pt x="367024" y="8573"/>
+                    <a:pt x="600488" y="466"/>
                   </a:cubicBezTo>
                   <a:cubicBezTo>
-                    <a:pt x="304420" y="0"/>
-                    <a:pt x="386561" y="211679"/>
-                    <a:pt x="386561" y="472799"/>
+                    <a:pt x="833952" y="-7641"/>
+                    <a:pt x="1377891" y="91257"/>
+                    <a:pt x="1412748" y="214474"/>
                   </a:cubicBezTo>
                   <a:cubicBezTo>
-                    <a:pt x="386561" y="733919"/>
-                    <a:pt x="390731" y="765748"/>
-                    <a:pt x="330615" y="825991"/>
+                    <a:pt x="1447605" y="337691"/>
+                    <a:pt x="1330872" y="679781"/>
+                    <a:pt x="1189010" y="730041"/>
                   </a:cubicBezTo>
                   <a:cubicBezTo>
-                    <a:pt x="270499" y="886234"/>
-                    <a:pt x="56443" y="913055"/>
-                    <a:pt x="25865" y="834255"/>
+                    <a:pt x="1047148" y="780301"/>
+                    <a:pt x="845300" y="653841"/>
+                    <a:pt x="688036" y="652220"/>
                   </a:cubicBezTo>
                   <a:cubicBezTo>
-                    <a:pt x="-4713" y="755455"/>
-                    <a:pt x="-9911" y="611842"/>
-                    <a:pt x="19627" y="472799"/>
+                    <a:pt x="530772" y="650599"/>
+                    <a:pt x="364591" y="770573"/>
+                    <a:pt x="245427" y="720313"/>
+                  </a:cubicBezTo>
+                  <a:cubicBezTo>
+                    <a:pt x="126263" y="670053"/>
+                    <a:pt x="-47214" y="383087"/>
+                    <a:pt x="11963" y="263113"/>
                   </a:cubicBezTo>
                   <a:close/>
                 </a:path>
@@ -10767,161 +11974,37 @@
             </a:p>
           </p:txBody>
         </p:sp>
+      </p:grpSp>
+      <p:grpSp>
+        <p:nvGrpSpPr>
+          <p:cNvPr id="2" name="Group 1"/>
+          <p:cNvGrpSpPr/>
+          <p:nvPr/>
+        </p:nvGrpSpPr>
+        <p:grpSpPr>
+          <a:xfrm>
+            <a:off x="8098794" y="984309"/>
+            <a:ext cx="117851" cy="107408"/>
+            <a:chOff x="7584667" y="2502885"/>
+            <a:chExt cx="117851" cy="107408"/>
+          </a:xfrm>
+        </p:grpSpPr>
         <p:sp>
           <p:nvSpPr>
-            <p:cNvPr id="23" name="Oval 22"/>
+            <p:cNvPr id="8" name="Oval 7"/>
             <p:cNvSpPr/>
             <p:nvPr/>
           </p:nvSpPr>
           <p:spPr>
-            <a:xfrm rot="772141">
-              <a:off x="7525878" y="1810567"/>
-              <a:ext cx="242721" cy="581117"/>
+            <a:xfrm rot="636239">
+              <a:off x="7584667" y="2502885"/>
+              <a:ext cx="117851" cy="107408"/>
             </a:xfrm>
-            <a:custGeom>
+            <a:prstGeom prst="ellipse">
               <a:avLst/>
-              <a:gdLst>
-                <a:gd name="connsiteX0" fmla="*/ 0 w 365582"/>
-                <a:gd name="connsiteY0" fmla="*/ 472799 h 945597"/>
-                <a:gd name="connsiteX1" fmla="*/ 182791 w 365582"/>
-                <a:gd name="connsiteY1" fmla="*/ 0 h 945597"/>
-                <a:gd name="connsiteX2" fmla="*/ 365582 w 365582"/>
-                <a:gd name="connsiteY2" fmla="*/ 472799 h 945597"/>
-                <a:gd name="connsiteX3" fmla="*/ 182791 w 365582"/>
-                <a:gd name="connsiteY3" fmla="*/ 945598 h 945597"/>
-                <a:gd name="connsiteX4" fmla="*/ 0 w 365582"/>
-                <a:gd name="connsiteY4" fmla="*/ 472799 h 945597"/>
-                <a:gd name="connsiteX0" fmla="*/ 2116 w 367698"/>
-                <a:gd name="connsiteY0" fmla="*/ 472799 h 976739"/>
-                <a:gd name="connsiteX1" fmla="*/ 184907 w 367698"/>
-                <a:gd name="connsiteY1" fmla="*/ 0 h 976739"/>
-                <a:gd name="connsiteX2" fmla="*/ 367698 w 367698"/>
-                <a:gd name="connsiteY2" fmla="*/ 472799 h 976739"/>
-                <a:gd name="connsiteX3" fmla="*/ 184907 w 367698"/>
-                <a:gd name="connsiteY3" fmla="*/ 945598 h 976739"/>
-                <a:gd name="connsiteX4" fmla="*/ 91471 w 367698"/>
-                <a:gd name="connsiteY4" fmla="*/ 881288 h 976739"/>
-                <a:gd name="connsiteX5" fmla="*/ 2116 w 367698"/>
-                <a:gd name="connsiteY5" fmla="*/ 472799 h 976739"/>
-                <a:gd name="connsiteX0" fmla="*/ 2116 w 370584"/>
-                <a:gd name="connsiteY0" fmla="*/ 472799 h 921865"/>
-                <a:gd name="connsiteX1" fmla="*/ 184907 w 370584"/>
-                <a:gd name="connsiteY1" fmla="*/ 0 h 921865"/>
-                <a:gd name="connsiteX2" fmla="*/ 367698 w 370584"/>
-                <a:gd name="connsiteY2" fmla="*/ 472799 h 921865"/>
-                <a:gd name="connsiteX3" fmla="*/ 338188 w 370584"/>
-                <a:gd name="connsiteY3" fmla="*/ 843282 h 921865"/>
-                <a:gd name="connsiteX4" fmla="*/ 91471 w 370584"/>
-                <a:gd name="connsiteY4" fmla="*/ 881288 h 921865"/>
-                <a:gd name="connsiteX5" fmla="*/ 2116 w 370584"/>
-                <a:gd name="connsiteY5" fmla="*/ 472799 h 921865"/>
-                <a:gd name="connsiteX0" fmla="*/ 7896 w 379056"/>
-                <a:gd name="connsiteY0" fmla="*/ 472799 h 881699"/>
-                <a:gd name="connsiteX1" fmla="*/ 190687 w 379056"/>
-                <a:gd name="connsiteY1" fmla="*/ 0 h 881699"/>
-                <a:gd name="connsiteX2" fmla="*/ 373478 w 379056"/>
-                <a:gd name="connsiteY2" fmla="*/ 472799 h 881699"/>
-                <a:gd name="connsiteX3" fmla="*/ 343968 w 379056"/>
-                <a:gd name="connsiteY3" fmla="*/ 843282 h 881699"/>
-                <a:gd name="connsiteX4" fmla="*/ 48833 w 379056"/>
-                <a:gd name="connsiteY4" fmla="*/ 816640 h 881699"/>
-                <a:gd name="connsiteX5" fmla="*/ 7896 w 379056"/>
-                <a:gd name="connsiteY5" fmla="*/ 472799 h 881699"/>
-                <a:gd name="connsiteX0" fmla="*/ 11284 w 364627"/>
-                <a:gd name="connsiteY0" fmla="*/ 477141 h 881700"/>
-                <a:gd name="connsiteX1" fmla="*/ 176258 w 364627"/>
-                <a:gd name="connsiteY1" fmla="*/ 1 h 881700"/>
-                <a:gd name="connsiteX2" fmla="*/ 359049 w 364627"/>
-                <a:gd name="connsiteY2" fmla="*/ 472800 h 881700"/>
-                <a:gd name="connsiteX3" fmla="*/ 329539 w 364627"/>
-                <a:gd name="connsiteY3" fmla="*/ 843283 h 881700"/>
-                <a:gd name="connsiteX4" fmla="*/ 34404 w 364627"/>
-                <a:gd name="connsiteY4" fmla="*/ 816641 h 881700"/>
-                <a:gd name="connsiteX5" fmla="*/ 11284 w 364627"/>
-                <a:gd name="connsiteY5" fmla="*/ 477141 h 881700"/>
-                <a:gd name="connsiteX0" fmla="*/ 3054 w 353934"/>
-                <a:gd name="connsiteY0" fmla="*/ 477141 h 877106"/>
-                <a:gd name="connsiteX1" fmla="*/ 168028 w 353934"/>
-                <a:gd name="connsiteY1" fmla="*/ 1 h 877106"/>
-                <a:gd name="connsiteX2" fmla="*/ 350819 w 353934"/>
-                <a:gd name="connsiteY2" fmla="*/ 472800 h 877106"/>
-                <a:gd name="connsiteX3" fmla="*/ 321309 w 353934"/>
-                <a:gd name="connsiteY3" fmla="*/ 843283 h 877106"/>
-                <a:gd name="connsiteX4" fmla="*/ 70146 w 353934"/>
-                <a:gd name="connsiteY4" fmla="*/ 806595 h 877106"/>
-                <a:gd name="connsiteX5" fmla="*/ 3054 w 353934"/>
-                <a:gd name="connsiteY5" fmla="*/ 477141 h 877106"/>
-                <a:gd name="connsiteX0" fmla="*/ 11203 w 364531"/>
-                <a:gd name="connsiteY0" fmla="*/ 477141 h 872751"/>
-                <a:gd name="connsiteX1" fmla="*/ 176177 w 364531"/>
-                <a:gd name="connsiteY1" fmla="*/ 1 h 872751"/>
-                <a:gd name="connsiteX2" fmla="*/ 358968 w 364531"/>
-                <a:gd name="connsiteY2" fmla="*/ 472800 h 872751"/>
-                <a:gd name="connsiteX3" fmla="*/ 329458 w 364531"/>
-                <a:gd name="connsiteY3" fmla="*/ 843283 h 872751"/>
-                <a:gd name="connsiteX4" fmla="*/ 34566 w 364531"/>
-                <a:gd name="connsiteY4" fmla="*/ 795939 h 872751"/>
-                <a:gd name="connsiteX5" fmla="*/ 11203 w 364531"/>
-                <a:gd name="connsiteY5" fmla="*/ 477141 h 872751"/>
-              </a:gdLst>
-              <a:ahLst/>
-              <a:cxnLst>
-                <a:cxn ang="0">
-                  <a:pos x="connsiteX0" y="connsiteY0"/>
-                </a:cxn>
-                <a:cxn ang="0">
-                  <a:pos x="connsiteX1" y="connsiteY1"/>
-                </a:cxn>
-                <a:cxn ang="0">
-                  <a:pos x="connsiteX2" y="connsiteY2"/>
-                </a:cxn>
-                <a:cxn ang="0">
-                  <a:pos x="connsiteX3" y="connsiteY3"/>
-                </a:cxn>
-                <a:cxn ang="0">
-                  <a:pos x="connsiteX4" y="connsiteY4"/>
-                </a:cxn>
-                <a:cxn ang="0">
-                  <a:pos x="connsiteX5" y="connsiteY5"/>
-                </a:cxn>
-              </a:cxnLst>
-              <a:rect l="l" t="t" r="r" b="b"/>
-              <a:pathLst>
-                <a:path w="364531" h="872751">
-                  <a:moveTo>
-                    <a:pt x="11203" y="477141"/>
-                  </a:moveTo>
-                  <a:cubicBezTo>
-                    <a:pt x="34805" y="344485"/>
-                    <a:pt x="118216" y="724"/>
-                    <a:pt x="176177" y="1"/>
-                  </a:cubicBezTo>
-                  <a:cubicBezTo>
-                    <a:pt x="234138" y="-722"/>
-                    <a:pt x="358968" y="211680"/>
-                    <a:pt x="358968" y="472800"/>
-                  </a:cubicBezTo>
-                  <a:cubicBezTo>
-                    <a:pt x="358968" y="733920"/>
-                    <a:pt x="383525" y="789426"/>
-                    <a:pt x="329458" y="843283"/>
-                  </a:cubicBezTo>
-                  <a:cubicBezTo>
-                    <a:pt x="275391" y="897140"/>
-                    <a:pt x="65031" y="874739"/>
-                    <a:pt x="34566" y="795939"/>
-                  </a:cubicBezTo>
-                  <a:cubicBezTo>
-                    <a:pt x="4101" y="717139"/>
-                    <a:pt x="-12399" y="609797"/>
-                    <a:pt x="11203" y="477141"/>
-                  </a:cubicBezTo>
-                  <a:close/>
-                </a:path>
-              </a:pathLst>
-            </a:custGeom>
+            </a:prstGeom>
             <a:solidFill>
-              <a:srgbClr val="CC9F6E"/>
+              <a:schemeClr val="tx1"/>
             </a:solidFill>
             <a:ln w="25400">
               <a:solidFill>
@@ -10956,1341 +12039,20 @@
         </p:sp>
         <p:sp>
           <p:nvSpPr>
-            <p:cNvPr id="9" name="Rounded Rectangle 8"/>
-            <p:cNvSpPr/>
-            <p:nvPr/>
-          </p:nvSpPr>
-          <p:spPr>
-            <a:xfrm rot="72546">
-              <a:off x="7433613" y="643258"/>
-              <a:ext cx="1244569" cy="1722166"/>
-            </a:xfrm>
-            <a:custGeom>
-              <a:avLst/>
-              <a:gdLst>
-                <a:gd name="connsiteX0" fmla="*/ 0 w 3929975"/>
-                <a:gd name="connsiteY0" fmla="*/ 1754223 h 6079787"/>
-                <a:gd name="connsiteX1" fmla="*/ 1754223 w 3929975"/>
-                <a:gd name="connsiteY1" fmla="*/ 0 h 6079787"/>
-                <a:gd name="connsiteX2" fmla="*/ 2175752 w 3929975"/>
-                <a:gd name="connsiteY2" fmla="*/ 0 h 6079787"/>
-                <a:gd name="connsiteX3" fmla="*/ 3929975 w 3929975"/>
-                <a:gd name="connsiteY3" fmla="*/ 1754223 h 6079787"/>
-                <a:gd name="connsiteX4" fmla="*/ 3929975 w 3929975"/>
-                <a:gd name="connsiteY4" fmla="*/ 4325564 h 6079787"/>
-                <a:gd name="connsiteX5" fmla="*/ 2175752 w 3929975"/>
-                <a:gd name="connsiteY5" fmla="*/ 6079787 h 6079787"/>
-                <a:gd name="connsiteX6" fmla="*/ 1754223 w 3929975"/>
-                <a:gd name="connsiteY6" fmla="*/ 6079787 h 6079787"/>
-                <a:gd name="connsiteX7" fmla="*/ 0 w 3929975"/>
-                <a:gd name="connsiteY7" fmla="*/ 4325564 h 6079787"/>
-                <a:gd name="connsiteX8" fmla="*/ 0 w 3929975"/>
-                <a:gd name="connsiteY8" fmla="*/ 1754223 h 6079787"/>
-                <a:gd name="connsiteX0" fmla="*/ 0 w 3940058"/>
-                <a:gd name="connsiteY0" fmla="*/ 1754223 h 6079787"/>
-                <a:gd name="connsiteX1" fmla="*/ 1754223 w 3940058"/>
-                <a:gd name="connsiteY1" fmla="*/ 0 h 6079787"/>
-                <a:gd name="connsiteX2" fmla="*/ 2175752 w 3940058"/>
-                <a:gd name="connsiteY2" fmla="*/ 0 h 6079787"/>
-                <a:gd name="connsiteX3" fmla="*/ 3929975 w 3940058"/>
-                <a:gd name="connsiteY3" fmla="*/ 1754223 h 6079787"/>
-                <a:gd name="connsiteX4" fmla="*/ 3940058 w 3940058"/>
-                <a:gd name="connsiteY4" fmla="*/ 2918059 h 6079787"/>
-                <a:gd name="connsiteX5" fmla="*/ 3929975 w 3940058"/>
-                <a:gd name="connsiteY5" fmla="*/ 4325564 h 6079787"/>
-                <a:gd name="connsiteX6" fmla="*/ 2175752 w 3940058"/>
-                <a:gd name="connsiteY6" fmla="*/ 6079787 h 6079787"/>
-                <a:gd name="connsiteX7" fmla="*/ 1754223 w 3940058"/>
-                <a:gd name="connsiteY7" fmla="*/ 6079787 h 6079787"/>
-                <a:gd name="connsiteX8" fmla="*/ 0 w 3940058"/>
-                <a:gd name="connsiteY8" fmla="*/ 4325564 h 6079787"/>
-                <a:gd name="connsiteX9" fmla="*/ 0 w 3940058"/>
-                <a:gd name="connsiteY9" fmla="*/ 1754223 h 6079787"/>
-                <a:gd name="connsiteX0" fmla="*/ 0 w 3929975"/>
-                <a:gd name="connsiteY0" fmla="*/ 1754223 h 6079787"/>
-                <a:gd name="connsiteX1" fmla="*/ 1754223 w 3929975"/>
-                <a:gd name="connsiteY1" fmla="*/ 0 h 6079787"/>
-                <a:gd name="connsiteX2" fmla="*/ 2175752 w 3929975"/>
-                <a:gd name="connsiteY2" fmla="*/ 0 h 6079787"/>
-                <a:gd name="connsiteX3" fmla="*/ 3929975 w 3929975"/>
-                <a:gd name="connsiteY3" fmla="*/ 1754223 h 6079787"/>
-                <a:gd name="connsiteX4" fmla="*/ 3876123 w 3929975"/>
-                <a:gd name="connsiteY4" fmla="*/ 2946921 h 6079787"/>
-                <a:gd name="connsiteX5" fmla="*/ 3929975 w 3929975"/>
-                <a:gd name="connsiteY5" fmla="*/ 4325564 h 6079787"/>
-                <a:gd name="connsiteX6" fmla="*/ 2175752 w 3929975"/>
-                <a:gd name="connsiteY6" fmla="*/ 6079787 h 6079787"/>
-                <a:gd name="connsiteX7" fmla="*/ 1754223 w 3929975"/>
-                <a:gd name="connsiteY7" fmla="*/ 6079787 h 6079787"/>
-                <a:gd name="connsiteX8" fmla="*/ 0 w 3929975"/>
-                <a:gd name="connsiteY8" fmla="*/ 4325564 h 6079787"/>
-                <a:gd name="connsiteX9" fmla="*/ 0 w 3929975"/>
-                <a:gd name="connsiteY9" fmla="*/ 1754223 h 6079787"/>
-                <a:gd name="connsiteX0" fmla="*/ 0 w 3929975"/>
-                <a:gd name="connsiteY0" fmla="*/ 1754223 h 6079787"/>
-                <a:gd name="connsiteX1" fmla="*/ 1754223 w 3929975"/>
-                <a:gd name="connsiteY1" fmla="*/ 0 h 6079787"/>
-                <a:gd name="connsiteX2" fmla="*/ 2223738 w 3929975"/>
-                <a:gd name="connsiteY2" fmla="*/ 7940 h 6079787"/>
-                <a:gd name="connsiteX3" fmla="*/ 3929975 w 3929975"/>
-                <a:gd name="connsiteY3" fmla="*/ 1754223 h 6079787"/>
-                <a:gd name="connsiteX4" fmla="*/ 3876123 w 3929975"/>
-                <a:gd name="connsiteY4" fmla="*/ 2946921 h 6079787"/>
-                <a:gd name="connsiteX5" fmla="*/ 3929975 w 3929975"/>
-                <a:gd name="connsiteY5" fmla="*/ 4325564 h 6079787"/>
-                <a:gd name="connsiteX6" fmla="*/ 2175752 w 3929975"/>
-                <a:gd name="connsiteY6" fmla="*/ 6079787 h 6079787"/>
-                <a:gd name="connsiteX7" fmla="*/ 1754223 w 3929975"/>
-                <a:gd name="connsiteY7" fmla="*/ 6079787 h 6079787"/>
-                <a:gd name="connsiteX8" fmla="*/ 0 w 3929975"/>
-                <a:gd name="connsiteY8" fmla="*/ 4325564 h 6079787"/>
-                <a:gd name="connsiteX9" fmla="*/ 0 w 3929975"/>
-                <a:gd name="connsiteY9" fmla="*/ 1754223 h 6079787"/>
-                <a:gd name="connsiteX0" fmla="*/ 0 w 3929975"/>
-                <a:gd name="connsiteY0" fmla="*/ 1754223 h 6079787"/>
-                <a:gd name="connsiteX1" fmla="*/ 1754223 w 3929975"/>
-                <a:gd name="connsiteY1" fmla="*/ 0 h 6079787"/>
-                <a:gd name="connsiteX2" fmla="*/ 2223738 w 3929975"/>
-                <a:gd name="connsiteY2" fmla="*/ 7940 h 6079787"/>
-                <a:gd name="connsiteX3" fmla="*/ 3929975 w 3929975"/>
-                <a:gd name="connsiteY3" fmla="*/ 1754223 h 6079787"/>
-                <a:gd name="connsiteX4" fmla="*/ 3876123 w 3929975"/>
-                <a:gd name="connsiteY4" fmla="*/ 2946921 h 6079787"/>
-                <a:gd name="connsiteX5" fmla="*/ 3929975 w 3929975"/>
-                <a:gd name="connsiteY5" fmla="*/ 4325564 h 6079787"/>
-                <a:gd name="connsiteX6" fmla="*/ 2175752 w 3929975"/>
-                <a:gd name="connsiteY6" fmla="*/ 6079787 h 6079787"/>
-                <a:gd name="connsiteX7" fmla="*/ 1754223 w 3929975"/>
-                <a:gd name="connsiteY7" fmla="*/ 6079787 h 6079787"/>
-                <a:gd name="connsiteX8" fmla="*/ 0 w 3929975"/>
-                <a:gd name="connsiteY8" fmla="*/ 4325564 h 6079787"/>
-                <a:gd name="connsiteX9" fmla="*/ 0 w 3929975"/>
-                <a:gd name="connsiteY9" fmla="*/ 1754223 h 6079787"/>
-                <a:gd name="connsiteX0" fmla="*/ 0 w 3929975"/>
-                <a:gd name="connsiteY0" fmla="*/ 1754223 h 6079787"/>
-                <a:gd name="connsiteX1" fmla="*/ 1754223 w 3929975"/>
-                <a:gd name="connsiteY1" fmla="*/ 0 h 6079787"/>
-                <a:gd name="connsiteX2" fmla="*/ 2223738 w 3929975"/>
-                <a:gd name="connsiteY2" fmla="*/ 7940 h 6079787"/>
-                <a:gd name="connsiteX3" fmla="*/ 3929975 w 3929975"/>
-                <a:gd name="connsiteY3" fmla="*/ 1754223 h 6079787"/>
-                <a:gd name="connsiteX4" fmla="*/ 3876123 w 3929975"/>
-                <a:gd name="connsiteY4" fmla="*/ 2946921 h 6079787"/>
-                <a:gd name="connsiteX5" fmla="*/ 3929975 w 3929975"/>
-                <a:gd name="connsiteY5" fmla="*/ 4325564 h 6079787"/>
-                <a:gd name="connsiteX6" fmla="*/ 2175752 w 3929975"/>
-                <a:gd name="connsiteY6" fmla="*/ 6079787 h 6079787"/>
-                <a:gd name="connsiteX7" fmla="*/ 1754223 w 3929975"/>
-                <a:gd name="connsiteY7" fmla="*/ 6079787 h 6079787"/>
-                <a:gd name="connsiteX8" fmla="*/ 0 w 3929975"/>
-                <a:gd name="connsiteY8" fmla="*/ 4325564 h 6079787"/>
-                <a:gd name="connsiteX9" fmla="*/ 0 w 3929975"/>
-                <a:gd name="connsiteY9" fmla="*/ 1754223 h 6079787"/>
-                <a:gd name="connsiteX0" fmla="*/ 0 w 3929975"/>
-                <a:gd name="connsiteY0" fmla="*/ 1754223 h 6079787"/>
-                <a:gd name="connsiteX1" fmla="*/ 1754223 w 3929975"/>
-                <a:gd name="connsiteY1" fmla="*/ 0 h 6079787"/>
-                <a:gd name="connsiteX2" fmla="*/ 2223738 w 3929975"/>
-                <a:gd name="connsiteY2" fmla="*/ 7940 h 6079787"/>
-                <a:gd name="connsiteX3" fmla="*/ 3929975 w 3929975"/>
-                <a:gd name="connsiteY3" fmla="*/ 1754223 h 6079787"/>
-                <a:gd name="connsiteX4" fmla="*/ 3876123 w 3929975"/>
-                <a:gd name="connsiteY4" fmla="*/ 2946921 h 6079787"/>
-                <a:gd name="connsiteX5" fmla="*/ 3929975 w 3929975"/>
-                <a:gd name="connsiteY5" fmla="*/ 4325564 h 6079787"/>
-                <a:gd name="connsiteX6" fmla="*/ 2175752 w 3929975"/>
-                <a:gd name="connsiteY6" fmla="*/ 6079787 h 6079787"/>
-                <a:gd name="connsiteX7" fmla="*/ 1754223 w 3929975"/>
-                <a:gd name="connsiteY7" fmla="*/ 6079787 h 6079787"/>
-                <a:gd name="connsiteX8" fmla="*/ 0 w 3929975"/>
-                <a:gd name="connsiteY8" fmla="*/ 4325564 h 6079787"/>
-                <a:gd name="connsiteX9" fmla="*/ 0 w 3929975"/>
-                <a:gd name="connsiteY9" fmla="*/ 1754223 h 6079787"/>
-                <a:gd name="connsiteX0" fmla="*/ 15511 w 3945486"/>
-                <a:gd name="connsiteY0" fmla="*/ 1754223 h 6079787"/>
-                <a:gd name="connsiteX1" fmla="*/ 1769734 w 3945486"/>
-                <a:gd name="connsiteY1" fmla="*/ 0 h 6079787"/>
-                <a:gd name="connsiteX2" fmla="*/ 2239249 w 3945486"/>
-                <a:gd name="connsiteY2" fmla="*/ 7940 h 6079787"/>
-                <a:gd name="connsiteX3" fmla="*/ 3945486 w 3945486"/>
-                <a:gd name="connsiteY3" fmla="*/ 1754223 h 6079787"/>
-                <a:gd name="connsiteX4" fmla="*/ 3891634 w 3945486"/>
-                <a:gd name="connsiteY4" fmla="*/ 2946921 h 6079787"/>
-                <a:gd name="connsiteX5" fmla="*/ 3945486 w 3945486"/>
-                <a:gd name="connsiteY5" fmla="*/ 4325564 h 6079787"/>
-                <a:gd name="connsiteX6" fmla="*/ 2191263 w 3945486"/>
-                <a:gd name="connsiteY6" fmla="*/ 6079787 h 6079787"/>
-                <a:gd name="connsiteX7" fmla="*/ 1769734 w 3945486"/>
-                <a:gd name="connsiteY7" fmla="*/ 6079787 h 6079787"/>
-                <a:gd name="connsiteX8" fmla="*/ 15511 w 3945486"/>
-                <a:gd name="connsiteY8" fmla="*/ 4325564 h 6079787"/>
-                <a:gd name="connsiteX9" fmla="*/ 0 w 3945486"/>
-                <a:gd name="connsiteY9" fmla="*/ 3003076 h 6079787"/>
-                <a:gd name="connsiteX10" fmla="*/ 15511 w 3945486"/>
-                <a:gd name="connsiteY10" fmla="*/ 1754223 h 6079787"/>
-                <a:gd name="connsiteX0" fmla="*/ 0 w 3929975"/>
-                <a:gd name="connsiteY0" fmla="*/ 1754223 h 6079787"/>
-                <a:gd name="connsiteX1" fmla="*/ 1754223 w 3929975"/>
-                <a:gd name="connsiteY1" fmla="*/ 0 h 6079787"/>
-                <a:gd name="connsiteX2" fmla="*/ 2223738 w 3929975"/>
-                <a:gd name="connsiteY2" fmla="*/ 7940 h 6079787"/>
-                <a:gd name="connsiteX3" fmla="*/ 3929975 w 3929975"/>
-                <a:gd name="connsiteY3" fmla="*/ 1754223 h 6079787"/>
-                <a:gd name="connsiteX4" fmla="*/ 3876123 w 3929975"/>
-                <a:gd name="connsiteY4" fmla="*/ 2946921 h 6079787"/>
-                <a:gd name="connsiteX5" fmla="*/ 3929975 w 3929975"/>
-                <a:gd name="connsiteY5" fmla="*/ 4325564 h 6079787"/>
-                <a:gd name="connsiteX6" fmla="*/ 2175752 w 3929975"/>
-                <a:gd name="connsiteY6" fmla="*/ 6079787 h 6079787"/>
-                <a:gd name="connsiteX7" fmla="*/ 1754223 w 3929975"/>
-                <a:gd name="connsiteY7" fmla="*/ 6079787 h 6079787"/>
-                <a:gd name="connsiteX8" fmla="*/ 0 w 3929975"/>
-                <a:gd name="connsiteY8" fmla="*/ 4325564 h 6079787"/>
-                <a:gd name="connsiteX9" fmla="*/ 42072 w 3929975"/>
-                <a:gd name="connsiteY9" fmla="*/ 3012604 h 6079787"/>
-                <a:gd name="connsiteX10" fmla="*/ 0 w 3929975"/>
-                <a:gd name="connsiteY10" fmla="*/ 1754223 h 6079787"/>
-                <a:gd name="connsiteX0" fmla="*/ 0 w 3929975"/>
-                <a:gd name="connsiteY0" fmla="*/ 1754223 h 6079787"/>
-                <a:gd name="connsiteX1" fmla="*/ 1754223 w 3929975"/>
-                <a:gd name="connsiteY1" fmla="*/ 0 h 6079787"/>
-                <a:gd name="connsiteX2" fmla="*/ 2223738 w 3929975"/>
-                <a:gd name="connsiteY2" fmla="*/ 7940 h 6079787"/>
-                <a:gd name="connsiteX3" fmla="*/ 3929975 w 3929975"/>
-                <a:gd name="connsiteY3" fmla="*/ 1754223 h 6079787"/>
-                <a:gd name="connsiteX4" fmla="*/ 3876123 w 3929975"/>
-                <a:gd name="connsiteY4" fmla="*/ 2946921 h 6079787"/>
-                <a:gd name="connsiteX5" fmla="*/ 3929975 w 3929975"/>
-                <a:gd name="connsiteY5" fmla="*/ 4325564 h 6079787"/>
-                <a:gd name="connsiteX6" fmla="*/ 2175752 w 3929975"/>
-                <a:gd name="connsiteY6" fmla="*/ 6079787 h 6079787"/>
-                <a:gd name="connsiteX7" fmla="*/ 1754223 w 3929975"/>
-                <a:gd name="connsiteY7" fmla="*/ 6079787 h 6079787"/>
-                <a:gd name="connsiteX8" fmla="*/ 0 w 3929975"/>
-                <a:gd name="connsiteY8" fmla="*/ 4325564 h 6079787"/>
-                <a:gd name="connsiteX9" fmla="*/ 42072 w 3929975"/>
-                <a:gd name="connsiteY9" fmla="*/ 3012604 h 6079787"/>
-                <a:gd name="connsiteX10" fmla="*/ 0 w 3929975"/>
-                <a:gd name="connsiteY10" fmla="*/ 1754223 h 6079787"/>
-                <a:gd name="connsiteX0" fmla="*/ 0 w 3929975"/>
-                <a:gd name="connsiteY0" fmla="*/ 1754223 h 6079787"/>
-                <a:gd name="connsiteX1" fmla="*/ 1754223 w 3929975"/>
-                <a:gd name="connsiteY1" fmla="*/ 0 h 6079787"/>
-                <a:gd name="connsiteX2" fmla="*/ 2223738 w 3929975"/>
-                <a:gd name="connsiteY2" fmla="*/ 7940 h 6079787"/>
-                <a:gd name="connsiteX3" fmla="*/ 3929975 w 3929975"/>
-                <a:gd name="connsiteY3" fmla="*/ 1754223 h 6079787"/>
-                <a:gd name="connsiteX4" fmla="*/ 3876123 w 3929975"/>
-                <a:gd name="connsiteY4" fmla="*/ 2946921 h 6079787"/>
-                <a:gd name="connsiteX5" fmla="*/ 3929975 w 3929975"/>
-                <a:gd name="connsiteY5" fmla="*/ 4325564 h 6079787"/>
-                <a:gd name="connsiteX6" fmla="*/ 2175752 w 3929975"/>
-                <a:gd name="connsiteY6" fmla="*/ 6079787 h 6079787"/>
-                <a:gd name="connsiteX7" fmla="*/ 1754223 w 3929975"/>
-                <a:gd name="connsiteY7" fmla="*/ 6079787 h 6079787"/>
-                <a:gd name="connsiteX8" fmla="*/ 0 w 3929975"/>
-                <a:gd name="connsiteY8" fmla="*/ 4325564 h 6079787"/>
-                <a:gd name="connsiteX9" fmla="*/ 42072 w 3929975"/>
-                <a:gd name="connsiteY9" fmla="*/ 3012604 h 6079787"/>
-                <a:gd name="connsiteX10" fmla="*/ 0 w 3929975"/>
-                <a:gd name="connsiteY10" fmla="*/ 1754223 h 6079787"/>
-                <a:gd name="connsiteX0" fmla="*/ 0 w 3929975"/>
-                <a:gd name="connsiteY0" fmla="*/ 1754223 h 6079787"/>
-                <a:gd name="connsiteX1" fmla="*/ 1754223 w 3929975"/>
-                <a:gd name="connsiteY1" fmla="*/ 0 h 6079787"/>
-                <a:gd name="connsiteX2" fmla="*/ 2223738 w 3929975"/>
-                <a:gd name="connsiteY2" fmla="*/ 7940 h 6079787"/>
-                <a:gd name="connsiteX3" fmla="*/ 3929975 w 3929975"/>
-                <a:gd name="connsiteY3" fmla="*/ 1754223 h 6079787"/>
-                <a:gd name="connsiteX4" fmla="*/ 3876123 w 3929975"/>
-                <a:gd name="connsiteY4" fmla="*/ 2946921 h 6079787"/>
-                <a:gd name="connsiteX5" fmla="*/ 3929975 w 3929975"/>
-                <a:gd name="connsiteY5" fmla="*/ 4325564 h 6079787"/>
-                <a:gd name="connsiteX6" fmla="*/ 2175752 w 3929975"/>
-                <a:gd name="connsiteY6" fmla="*/ 6079787 h 6079787"/>
-                <a:gd name="connsiteX7" fmla="*/ 1754223 w 3929975"/>
-                <a:gd name="connsiteY7" fmla="*/ 6079787 h 6079787"/>
-                <a:gd name="connsiteX8" fmla="*/ 0 w 3929975"/>
-                <a:gd name="connsiteY8" fmla="*/ 4325564 h 6079787"/>
-                <a:gd name="connsiteX9" fmla="*/ 42072 w 3929975"/>
-                <a:gd name="connsiteY9" fmla="*/ 3012604 h 6079787"/>
-                <a:gd name="connsiteX10" fmla="*/ 0 w 3929975"/>
-                <a:gd name="connsiteY10" fmla="*/ 1754223 h 6079787"/>
-                <a:gd name="connsiteX0" fmla="*/ 0 w 3929975"/>
-                <a:gd name="connsiteY0" fmla="*/ 1754223 h 6079787"/>
-                <a:gd name="connsiteX1" fmla="*/ 1754223 w 3929975"/>
-                <a:gd name="connsiteY1" fmla="*/ 0 h 6079787"/>
-                <a:gd name="connsiteX2" fmla="*/ 2223738 w 3929975"/>
-                <a:gd name="connsiteY2" fmla="*/ 7940 h 6079787"/>
-                <a:gd name="connsiteX3" fmla="*/ 3929975 w 3929975"/>
-                <a:gd name="connsiteY3" fmla="*/ 1754223 h 6079787"/>
-                <a:gd name="connsiteX4" fmla="*/ 3794731 w 3929975"/>
-                <a:gd name="connsiteY4" fmla="*/ 2850397 h 6079787"/>
-                <a:gd name="connsiteX5" fmla="*/ 3929975 w 3929975"/>
-                <a:gd name="connsiteY5" fmla="*/ 4325564 h 6079787"/>
-                <a:gd name="connsiteX6" fmla="*/ 2175752 w 3929975"/>
-                <a:gd name="connsiteY6" fmla="*/ 6079787 h 6079787"/>
-                <a:gd name="connsiteX7" fmla="*/ 1754223 w 3929975"/>
-                <a:gd name="connsiteY7" fmla="*/ 6079787 h 6079787"/>
-                <a:gd name="connsiteX8" fmla="*/ 0 w 3929975"/>
-                <a:gd name="connsiteY8" fmla="*/ 4325564 h 6079787"/>
-                <a:gd name="connsiteX9" fmla="*/ 42072 w 3929975"/>
-                <a:gd name="connsiteY9" fmla="*/ 3012604 h 6079787"/>
-                <a:gd name="connsiteX10" fmla="*/ 0 w 3929975"/>
-                <a:gd name="connsiteY10" fmla="*/ 1754223 h 6079787"/>
-                <a:gd name="connsiteX0" fmla="*/ 0 w 4076099"/>
-                <a:gd name="connsiteY0" fmla="*/ 1754223 h 6079787"/>
-                <a:gd name="connsiteX1" fmla="*/ 1754223 w 4076099"/>
-                <a:gd name="connsiteY1" fmla="*/ 0 h 6079787"/>
-                <a:gd name="connsiteX2" fmla="*/ 2223738 w 4076099"/>
-                <a:gd name="connsiteY2" fmla="*/ 7940 h 6079787"/>
-                <a:gd name="connsiteX3" fmla="*/ 3929975 w 4076099"/>
-                <a:gd name="connsiteY3" fmla="*/ 1754223 h 6079787"/>
-                <a:gd name="connsiteX4" fmla="*/ 3794731 w 4076099"/>
-                <a:gd name="connsiteY4" fmla="*/ 2850397 h 6079787"/>
-                <a:gd name="connsiteX5" fmla="*/ 4076099 w 4076099"/>
-                <a:gd name="connsiteY5" fmla="*/ 4425994 h 6079787"/>
-                <a:gd name="connsiteX6" fmla="*/ 2175752 w 4076099"/>
-                <a:gd name="connsiteY6" fmla="*/ 6079787 h 6079787"/>
-                <a:gd name="connsiteX7" fmla="*/ 1754223 w 4076099"/>
-                <a:gd name="connsiteY7" fmla="*/ 6079787 h 6079787"/>
-                <a:gd name="connsiteX8" fmla="*/ 0 w 4076099"/>
-                <a:gd name="connsiteY8" fmla="*/ 4325564 h 6079787"/>
-                <a:gd name="connsiteX9" fmla="*/ 42072 w 4076099"/>
-                <a:gd name="connsiteY9" fmla="*/ 3012604 h 6079787"/>
-                <a:gd name="connsiteX10" fmla="*/ 0 w 4076099"/>
-                <a:gd name="connsiteY10" fmla="*/ 1754223 h 6079787"/>
-                <a:gd name="connsiteX0" fmla="*/ 0 w 4076099"/>
-                <a:gd name="connsiteY0" fmla="*/ 1754223 h 6079787"/>
-                <a:gd name="connsiteX1" fmla="*/ 1754223 w 4076099"/>
-                <a:gd name="connsiteY1" fmla="*/ 0 h 6079787"/>
-                <a:gd name="connsiteX2" fmla="*/ 2223738 w 4076099"/>
-                <a:gd name="connsiteY2" fmla="*/ 7940 h 6079787"/>
-                <a:gd name="connsiteX3" fmla="*/ 3929975 w 4076099"/>
-                <a:gd name="connsiteY3" fmla="*/ 1754223 h 6079787"/>
-                <a:gd name="connsiteX4" fmla="*/ 3794731 w 4076099"/>
-                <a:gd name="connsiteY4" fmla="*/ 2850397 h 6079787"/>
-                <a:gd name="connsiteX5" fmla="*/ 4076099 w 4076099"/>
-                <a:gd name="connsiteY5" fmla="*/ 4425994 h 6079787"/>
-                <a:gd name="connsiteX6" fmla="*/ 2175752 w 4076099"/>
-                <a:gd name="connsiteY6" fmla="*/ 6079787 h 6079787"/>
-                <a:gd name="connsiteX7" fmla="*/ 1754223 w 4076099"/>
-                <a:gd name="connsiteY7" fmla="*/ 6079787 h 6079787"/>
-                <a:gd name="connsiteX8" fmla="*/ 0 w 4076099"/>
-                <a:gd name="connsiteY8" fmla="*/ 4325564 h 6079787"/>
-                <a:gd name="connsiteX9" fmla="*/ 42072 w 4076099"/>
-                <a:gd name="connsiteY9" fmla="*/ 3012604 h 6079787"/>
-                <a:gd name="connsiteX10" fmla="*/ 0 w 4076099"/>
-                <a:gd name="connsiteY10" fmla="*/ 1754223 h 6079787"/>
-                <a:gd name="connsiteX0" fmla="*/ 0 w 4076519"/>
-                <a:gd name="connsiteY0" fmla="*/ 1754223 h 6079787"/>
-                <a:gd name="connsiteX1" fmla="*/ 1754223 w 4076519"/>
-                <a:gd name="connsiteY1" fmla="*/ 0 h 6079787"/>
-                <a:gd name="connsiteX2" fmla="*/ 2223738 w 4076519"/>
-                <a:gd name="connsiteY2" fmla="*/ 7940 h 6079787"/>
-                <a:gd name="connsiteX3" fmla="*/ 3929975 w 4076519"/>
-                <a:gd name="connsiteY3" fmla="*/ 1754223 h 6079787"/>
-                <a:gd name="connsiteX4" fmla="*/ 3794731 w 4076519"/>
-                <a:gd name="connsiteY4" fmla="*/ 2850397 h 6079787"/>
-                <a:gd name="connsiteX5" fmla="*/ 4076099 w 4076519"/>
-                <a:gd name="connsiteY5" fmla="*/ 4425994 h 6079787"/>
-                <a:gd name="connsiteX6" fmla="*/ 2175752 w 4076519"/>
-                <a:gd name="connsiteY6" fmla="*/ 6079787 h 6079787"/>
-                <a:gd name="connsiteX7" fmla="*/ 1754223 w 4076519"/>
-                <a:gd name="connsiteY7" fmla="*/ 6079787 h 6079787"/>
-                <a:gd name="connsiteX8" fmla="*/ 0 w 4076519"/>
-                <a:gd name="connsiteY8" fmla="*/ 4325564 h 6079787"/>
-                <a:gd name="connsiteX9" fmla="*/ 42072 w 4076519"/>
-                <a:gd name="connsiteY9" fmla="*/ 3012604 h 6079787"/>
-                <a:gd name="connsiteX10" fmla="*/ 0 w 4076519"/>
-                <a:gd name="connsiteY10" fmla="*/ 1754223 h 6079787"/>
-                <a:gd name="connsiteX0" fmla="*/ 0 w 4152914"/>
-                <a:gd name="connsiteY0" fmla="*/ 1754223 h 6079787"/>
-                <a:gd name="connsiteX1" fmla="*/ 1754223 w 4152914"/>
-                <a:gd name="connsiteY1" fmla="*/ 0 h 6079787"/>
-                <a:gd name="connsiteX2" fmla="*/ 2223738 w 4152914"/>
-                <a:gd name="connsiteY2" fmla="*/ 7940 h 6079787"/>
-                <a:gd name="connsiteX3" fmla="*/ 3929975 w 4152914"/>
-                <a:gd name="connsiteY3" fmla="*/ 1754223 h 6079787"/>
-                <a:gd name="connsiteX4" fmla="*/ 3794731 w 4152914"/>
-                <a:gd name="connsiteY4" fmla="*/ 2850397 h 6079787"/>
-                <a:gd name="connsiteX5" fmla="*/ 4152568 w 4152914"/>
-                <a:gd name="connsiteY5" fmla="*/ 4613832 h 6079787"/>
-                <a:gd name="connsiteX6" fmla="*/ 2175752 w 4152914"/>
-                <a:gd name="connsiteY6" fmla="*/ 6079787 h 6079787"/>
-                <a:gd name="connsiteX7" fmla="*/ 1754223 w 4152914"/>
-                <a:gd name="connsiteY7" fmla="*/ 6079787 h 6079787"/>
-                <a:gd name="connsiteX8" fmla="*/ 0 w 4152914"/>
-                <a:gd name="connsiteY8" fmla="*/ 4325564 h 6079787"/>
-                <a:gd name="connsiteX9" fmla="*/ 42072 w 4152914"/>
-                <a:gd name="connsiteY9" fmla="*/ 3012604 h 6079787"/>
-                <a:gd name="connsiteX10" fmla="*/ 0 w 4152914"/>
-                <a:gd name="connsiteY10" fmla="*/ 1754223 h 6079787"/>
-                <a:gd name="connsiteX0" fmla="*/ 0 w 4152914"/>
-                <a:gd name="connsiteY0" fmla="*/ 1754223 h 6079787"/>
-                <a:gd name="connsiteX1" fmla="*/ 1754223 w 4152914"/>
-                <a:gd name="connsiteY1" fmla="*/ 0 h 6079787"/>
-                <a:gd name="connsiteX2" fmla="*/ 2223738 w 4152914"/>
-                <a:gd name="connsiteY2" fmla="*/ 7940 h 6079787"/>
-                <a:gd name="connsiteX3" fmla="*/ 3898087 w 4152914"/>
-                <a:gd name="connsiteY3" fmla="*/ 1637928 h 6079787"/>
-                <a:gd name="connsiteX4" fmla="*/ 3794731 w 4152914"/>
-                <a:gd name="connsiteY4" fmla="*/ 2850397 h 6079787"/>
-                <a:gd name="connsiteX5" fmla="*/ 4152568 w 4152914"/>
-                <a:gd name="connsiteY5" fmla="*/ 4613832 h 6079787"/>
-                <a:gd name="connsiteX6" fmla="*/ 2175752 w 4152914"/>
-                <a:gd name="connsiteY6" fmla="*/ 6079787 h 6079787"/>
-                <a:gd name="connsiteX7" fmla="*/ 1754223 w 4152914"/>
-                <a:gd name="connsiteY7" fmla="*/ 6079787 h 6079787"/>
-                <a:gd name="connsiteX8" fmla="*/ 0 w 4152914"/>
-                <a:gd name="connsiteY8" fmla="*/ 4325564 h 6079787"/>
-                <a:gd name="connsiteX9" fmla="*/ 42072 w 4152914"/>
-                <a:gd name="connsiteY9" fmla="*/ 3012604 h 6079787"/>
-                <a:gd name="connsiteX10" fmla="*/ 0 w 4152914"/>
-                <a:gd name="connsiteY10" fmla="*/ 1754223 h 6079787"/>
-                <a:gd name="connsiteX0" fmla="*/ 0 w 4152914"/>
-                <a:gd name="connsiteY0" fmla="*/ 1754223 h 6079787"/>
-                <a:gd name="connsiteX1" fmla="*/ 1754223 w 4152914"/>
-                <a:gd name="connsiteY1" fmla="*/ 0 h 6079787"/>
-                <a:gd name="connsiteX2" fmla="*/ 2223738 w 4152914"/>
-                <a:gd name="connsiteY2" fmla="*/ 7940 h 6079787"/>
-                <a:gd name="connsiteX3" fmla="*/ 3898087 w 4152914"/>
-                <a:gd name="connsiteY3" fmla="*/ 1637928 h 6079787"/>
-                <a:gd name="connsiteX4" fmla="*/ 3794731 w 4152914"/>
-                <a:gd name="connsiteY4" fmla="*/ 2850397 h 6079787"/>
-                <a:gd name="connsiteX5" fmla="*/ 4152568 w 4152914"/>
-                <a:gd name="connsiteY5" fmla="*/ 4613832 h 6079787"/>
-                <a:gd name="connsiteX6" fmla="*/ 2175752 w 4152914"/>
-                <a:gd name="connsiteY6" fmla="*/ 6079787 h 6079787"/>
-                <a:gd name="connsiteX7" fmla="*/ 1754223 w 4152914"/>
-                <a:gd name="connsiteY7" fmla="*/ 6079787 h 6079787"/>
-                <a:gd name="connsiteX8" fmla="*/ 0 w 4152914"/>
-                <a:gd name="connsiteY8" fmla="*/ 4325564 h 6079787"/>
-                <a:gd name="connsiteX9" fmla="*/ 42072 w 4152914"/>
-                <a:gd name="connsiteY9" fmla="*/ 3012604 h 6079787"/>
-                <a:gd name="connsiteX10" fmla="*/ 0 w 4152914"/>
-                <a:gd name="connsiteY10" fmla="*/ 1754223 h 6079787"/>
-              </a:gdLst>
-              <a:ahLst/>
-              <a:cxnLst>
-                <a:cxn ang="0">
-                  <a:pos x="connsiteX0" y="connsiteY0"/>
-                </a:cxn>
-                <a:cxn ang="0">
-                  <a:pos x="connsiteX1" y="connsiteY1"/>
-                </a:cxn>
-                <a:cxn ang="0">
-                  <a:pos x="connsiteX2" y="connsiteY2"/>
-                </a:cxn>
-                <a:cxn ang="0">
-                  <a:pos x="connsiteX3" y="connsiteY3"/>
-                </a:cxn>
-                <a:cxn ang="0">
-                  <a:pos x="connsiteX4" y="connsiteY4"/>
-                </a:cxn>
-                <a:cxn ang="0">
-                  <a:pos x="connsiteX5" y="connsiteY5"/>
-                </a:cxn>
-                <a:cxn ang="0">
-                  <a:pos x="connsiteX6" y="connsiteY6"/>
-                </a:cxn>
-                <a:cxn ang="0">
-                  <a:pos x="connsiteX7" y="connsiteY7"/>
-                </a:cxn>
-                <a:cxn ang="0">
-                  <a:pos x="connsiteX8" y="connsiteY8"/>
-                </a:cxn>
-                <a:cxn ang="0">
-                  <a:pos x="connsiteX9" y="connsiteY9"/>
-                </a:cxn>
-                <a:cxn ang="0">
-                  <a:pos x="connsiteX10" y="connsiteY10"/>
-                </a:cxn>
-              </a:cxnLst>
-              <a:rect l="l" t="t" r="r" b="b"/>
-              <a:pathLst>
-                <a:path w="4152914" h="6079787">
-                  <a:moveTo>
-                    <a:pt x="0" y="1754223"/>
-                  </a:moveTo>
-                  <a:cubicBezTo>
-                    <a:pt x="0" y="785392"/>
-                    <a:pt x="785392" y="0"/>
-                    <a:pt x="1754223" y="0"/>
-                  </a:cubicBezTo>
-                  <a:lnTo>
-                    <a:pt x="2223738" y="7940"/>
-                  </a:lnTo>
-                  <a:cubicBezTo>
-                    <a:pt x="3152508" y="142507"/>
-                    <a:pt x="3898087" y="669097"/>
-                    <a:pt x="3898087" y="1637928"/>
-                  </a:cubicBezTo>
-                  <a:cubicBezTo>
-                    <a:pt x="3873972" y="2204176"/>
-                    <a:pt x="3829183" y="2446241"/>
-                    <a:pt x="3794731" y="2850397"/>
-                  </a:cubicBezTo>
-                  <a:cubicBezTo>
-                    <a:pt x="3744287" y="3641737"/>
-                    <a:pt x="4166667" y="4095142"/>
-                    <a:pt x="4152568" y="4613832"/>
-                  </a:cubicBezTo>
-                  <a:cubicBezTo>
-                    <a:pt x="4152568" y="5582663"/>
-                    <a:pt x="3144583" y="6079787"/>
-                    <a:pt x="2175752" y="6079787"/>
-                  </a:cubicBezTo>
-                  <a:lnTo>
-                    <a:pt x="1754223" y="6079787"/>
-                  </a:lnTo>
-                  <a:cubicBezTo>
-                    <a:pt x="785392" y="6079787"/>
-                    <a:pt x="0" y="5294395"/>
-                    <a:pt x="0" y="4325564"/>
-                  </a:cubicBezTo>
-                  <a:lnTo>
-                    <a:pt x="42072" y="3012604"/>
-                  </a:lnTo>
-                  <a:lnTo>
-                    <a:pt x="0" y="1754223"/>
-                  </a:lnTo>
-                  <a:close/>
-                </a:path>
-              </a:pathLst>
-            </a:custGeom>
-            <a:ln w="25400">
-              <a:solidFill>
-                <a:schemeClr val="tx1"/>
-              </a:solidFill>
-            </a:ln>
-          </p:spPr>
-          <p:style>
-            <a:lnRef idx="2">
-              <a:schemeClr val="accent1">
-                <a:shade val="50000"/>
-              </a:schemeClr>
-            </a:lnRef>
-            <a:fillRef idx="1">
-              <a:schemeClr val="accent1"/>
-            </a:fillRef>
-            <a:effectRef idx="0">
-              <a:schemeClr val="accent1"/>
-            </a:effectRef>
-            <a:fontRef idx="minor">
-              <a:schemeClr val="lt1"/>
-            </a:fontRef>
-          </p:style>
-          <p:txBody>
-            <a:bodyPr rtlCol="0" anchor="ctr"/>
-            <a:lstStyle/>
-            <a:p>
-              <a:pPr algn="ctr"/>
-              <a:endParaRPr lang="sv-SE"/>
-            </a:p>
-          </p:txBody>
-        </p:sp>
-        <p:sp>
-          <p:nvSpPr>
-            <p:cNvPr id="52" name="Oval 51"/>
+            <p:cNvPr id="16" name="Oval 15"/>
             <p:cNvSpPr/>
             <p:nvPr/>
           </p:nvSpPr>
           <p:spPr>
             <a:xfrm rot="636239">
-              <a:off x="8022006" y="902111"/>
-              <a:ext cx="368293" cy="335658"/>
-            </a:xfrm>
-            <a:prstGeom prst="ellipse">
-              <a:avLst/>
-            </a:prstGeom>
-            <a:solidFill>
-              <a:srgbClr val="4588C6"/>
-            </a:solidFill>
-            <a:ln w="25400">
-              <a:noFill/>
-            </a:ln>
-          </p:spPr>
-          <p:style>
-            <a:lnRef idx="2">
-              <a:schemeClr val="accent1">
-                <a:shade val="50000"/>
-              </a:schemeClr>
-            </a:lnRef>
-            <a:fillRef idx="1">
-              <a:schemeClr val="accent1"/>
-            </a:fillRef>
-            <a:effectRef idx="0">
-              <a:schemeClr val="accent1"/>
-            </a:effectRef>
-            <a:fontRef idx="minor">
-              <a:schemeClr val="lt1"/>
-            </a:fontRef>
-          </p:style>
-          <p:txBody>
-            <a:bodyPr rtlCol="0" anchor="ctr"/>
-            <a:lstStyle/>
-            <a:p>
-              <a:pPr algn="ctr"/>
-              <a:endParaRPr lang="sv-SE" dirty="0"/>
-            </a:p>
-          </p:txBody>
-        </p:sp>
-        <p:sp>
-          <p:nvSpPr>
-            <p:cNvPr id="53" name="Oval 52"/>
-            <p:cNvSpPr/>
-            <p:nvPr/>
-          </p:nvSpPr>
-          <p:spPr>
-            <a:xfrm rot="636239">
-              <a:off x="7574058" y="869300"/>
-              <a:ext cx="368293" cy="335658"/>
-            </a:xfrm>
-            <a:prstGeom prst="ellipse">
-              <a:avLst/>
-            </a:prstGeom>
-            <a:solidFill>
-              <a:srgbClr val="4588C6"/>
-            </a:solidFill>
-            <a:ln w="25400">
-              <a:noFill/>
-            </a:ln>
-          </p:spPr>
-          <p:style>
-            <a:lnRef idx="2">
-              <a:schemeClr val="accent1">
-                <a:shade val="50000"/>
-              </a:schemeClr>
-            </a:lnRef>
-            <a:fillRef idx="1">
-              <a:schemeClr val="accent1"/>
-            </a:fillRef>
-            <a:effectRef idx="0">
-              <a:schemeClr val="accent1"/>
-            </a:effectRef>
-            <a:fontRef idx="minor">
-              <a:schemeClr val="lt1"/>
-            </a:fontRef>
-          </p:style>
-          <p:txBody>
-            <a:bodyPr rtlCol="0" anchor="ctr"/>
-            <a:lstStyle/>
-            <a:p>
-              <a:pPr algn="ctr"/>
-              <a:endParaRPr lang="sv-SE" dirty="0"/>
-            </a:p>
-          </p:txBody>
-        </p:sp>
-        <p:sp>
-          <p:nvSpPr>
-            <p:cNvPr id="5" name="Oval 4"/>
-            <p:cNvSpPr/>
-            <p:nvPr/>
-          </p:nvSpPr>
-          <p:spPr>
-            <a:xfrm rot="636239">
-              <a:off x="7974503" y="866210"/>
-              <a:ext cx="368293" cy="335658"/>
+              <a:off x="7593419" y="2516929"/>
+              <a:ext cx="59674" cy="54386"/>
             </a:xfrm>
             <a:prstGeom prst="ellipse">
               <a:avLst/>
             </a:prstGeom>
             <a:solidFill>
               <a:schemeClr val="bg1"/>
-            </a:solidFill>
-            <a:ln w="25400">
-              <a:solidFill>
-                <a:schemeClr val="tx1"/>
-              </a:solidFill>
-            </a:ln>
-          </p:spPr>
-          <p:style>
-            <a:lnRef idx="2">
-              <a:schemeClr val="accent1">
-                <a:shade val="50000"/>
-              </a:schemeClr>
-            </a:lnRef>
-            <a:fillRef idx="1">
-              <a:schemeClr val="accent1"/>
-            </a:fillRef>
-            <a:effectRef idx="0">
-              <a:schemeClr val="accent1"/>
-            </a:effectRef>
-            <a:fontRef idx="minor">
-              <a:schemeClr val="lt1"/>
-            </a:fontRef>
-          </p:style>
-          <p:txBody>
-            <a:bodyPr rtlCol="0" anchor="ctr"/>
-            <a:lstStyle/>
-            <a:p>
-              <a:pPr algn="ctr"/>
-              <a:endParaRPr lang="sv-SE" dirty="0"/>
-            </a:p>
-          </p:txBody>
-        </p:sp>
-        <p:grpSp>
-          <p:nvGrpSpPr>
-            <p:cNvPr id="14" name="Group 13"/>
-            <p:cNvGrpSpPr/>
-            <p:nvPr/>
-          </p:nvGrpSpPr>
-          <p:grpSpPr>
-            <a:xfrm>
-              <a:off x="7795882" y="1211845"/>
-              <a:ext cx="285933" cy="196103"/>
-              <a:chOff x="7300826" y="2724115"/>
-              <a:chExt cx="285933" cy="196103"/>
-            </a:xfrm>
-          </p:grpSpPr>
-          <p:sp>
-            <p:nvSpPr>
-              <p:cNvPr id="12" name="Rounded Rectangle 11"/>
-              <p:cNvSpPr/>
-              <p:nvPr/>
-            </p:nvSpPr>
-            <p:spPr>
-              <a:xfrm rot="21322659">
-                <a:off x="7363270" y="2763079"/>
-                <a:ext cx="90939" cy="157139"/>
-              </a:xfrm>
-              <a:prstGeom prst="roundRect">
-                <a:avLst>
-                  <a:gd name="adj" fmla="val 42355"/>
-                </a:avLst>
-              </a:prstGeom>
-              <a:solidFill>
-                <a:schemeClr val="bg1"/>
-              </a:solidFill>
-              <a:ln w="25400">
-                <a:solidFill>
-                  <a:schemeClr val="tx1"/>
-                </a:solidFill>
-              </a:ln>
-            </p:spPr>
-            <p:style>
-              <a:lnRef idx="2">
-                <a:schemeClr val="accent1">
-                  <a:shade val="50000"/>
-                </a:schemeClr>
-              </a:lnRef>
-              <a:fillRef idx="1">
-                <a:schemeClr val="accent1"/>
-              </a:fillRef>
-              <a:effectRef idx="0">
-                <a:schemeClr val="accent1"/>
-              </a:effectRef>
-              <a:fontRef idx="minor">
-                <a:schemeClr val="lt1"/>
-              </a:fontRef>
-            </p:style>
-            <p:txBody>
-              <a:bodyPr rtlCol="0" anchor="ctr"/>
-              <a:lstStyle/>
-              <a:p>
-                <a:pPr algn="ctr"/>
-                <a:endParaRPr lang="sv-SE"/>
-              </a:p>
-            </p:txBody>
-          </p:sp>
-          <p:sp>
-            <p:nvSpPr>
-              <p:cNvPr id="13" name="Rounded Rectangle 12"/>
-              <p:cNvSpPr/>
-              <p:nvPr/>
-            </p:nvSpPr>
-            <p:spPr>
-              <a:xfrm rot="21322659">
-                <a:off x="7449952" y="2762539"/>
-                <a:ext cx="88428" cy="156462"/>
-              </a:xfrm>
-              <a:prstGeom prst="roundRect">
-                <a:avLst>
-                  <a:gd name="adj" fmla="val 34058"/>
-                </a:avLst>
-              </a:prstGeom>
-              <a:solidFill>
-                <a:schemeClr val="bg1"/>
-              </a:solidFill>
-              <a:ln w="25400">
-                <a:solidFill>
-                  <a:schemeClr val="tx1"/>
-                </a:solidFill>
-              </a:ln>
-            </p:spPr>
-            <p:style>
-              <a:lnRef idx="2">
-                <a:schemeClr val="accent1">
-                  <a:shade val="50000"/>
-                </a:schemeClr>
-              </a:lnRef>
-              <a:fillRef idx="1">
-                <a:schemeClr val="accent1"/>
-              </a:fillRef>
-              <a:effectRef idx="0">
-                <a:schemeClr val="accent1"/>
-              </a:effectRef>
-              <a:fontRef idx="minor">
-                <a:schemeClr val="lt1"/>
-              </a:fontRef>
-            </p:style>
-            <p:txBody>
-              <a:bodyPr rtlCol="0" anchor="ctr"/>
-              <a:lstStyle/>
-              <a:p>
-                <a:pPr algn="ctr"/>
-                <a:endParaRPr lang="sv-SE"/>
-              </a:p>
-            </p:txBody>
-          </p:sp>
-          <p:sp>
-            <p:nvSpPr>
-              <p:cNvPr id="10" name="Oval 9"/>
-              <p:cNvSpPr/>
-              <p:nvPr/>
-            </p:nvSpPr>
-            <p:spPr>
-              <a:xfrm rot="92648">
-                <a:off x="7300826" y="2724115"/>
-                <a:ext cx="285933" cy="115901"/>
-              </a:xfrm>
-              <a:custGeom>
-                <a:avLst/>
-                <a:gdLst>
-                  <a:gd name="connsiteX0" fmla="*/ 0 w 1566153"/>
-                  <a:gd name="connsiteY0" fmla="*/ 466928 h 933856"/>
-                  <a:gd name="connsiteX1" fmla="*/ 783077 w 1566153"/>
-                  <a:gd name="connsiteY1" fmla="*/ 0 h 933856"/>
-                  <a:gd name="connsiteX2" fmla="*/ 1566154 w 1566153"/>
-                  <a:gd name="connsiteY2" fmla="*/ 466928 h 933856"/>
-                  <a:gd name="connsiteX3" fmla="*/ 783077 w 1566153"/>
-                  <a:gd name="connsiteY3" fmla="*/ 933856 h 933856"/>
-                  <a:gd name="connsiteX4" fmla="*/ 0 w 1566153"/>
-                  <a:gd name="connsiteY4" fmla="*/ 466928 h 933856"/>
-                  <a:gd name="connsiteX0" fmla="*/ 317 w 1566471"/>
-                  <a:gd name="connsiteY0" fmla="*/ 466928 h 768486"/>
-                  <a:gd name="connsiteX1" fmla="*/ 783394 w 1566471"/>
-                  <a:gd name="connsiteY1" fmla="*/ 0 h 768486"/>
-                  <a:gd name="connsiteX2" fmla="*/ 1566471 w 1566471"/>
-                  <a:gd name="connsiteY2" fmla="*/ 466928 h 768486"/>
-                  <a:gd name="connsiteX3" fmla="*/ 715300 w 1566471"/>
-                  <a:gd name="connsiteY3" fmla="*/ 768486 h 768486"/>
-                  <a:gd name="connsiteX4" fmla="*/ 317 w 1566471"/>
-                  <a:gd name="connsiteY4" fmla="*/ 466928 h 768486"/>
-                  <a:gd name="connsiteX0" fmla="*/ 317 w 1568323"/>
-                  <a:gd name="connsiteY0" fmla="*/ 466928 h 792461"/>
-                  <a:gd name="connsiteX1" fmla="*/ 783394 w 1568323"/>
-                  <a:gd name="connsiteY1" fmla="*/ 0 h 792461"/>
-                  <a:gd name="connsiteX2" fmla="*/ 1566471 w 1568323"/>
-                  <a:gd name="connsiteY2" fmla="*/ 466928 h 792461"/>
-                  <a:gd name="connsiteX3" fmla="*/ 992538 w 1568323"/>
-                  <a:gd name="connsiteY3" fmla="*/ 739303 h 792461"/>
-                  <a:gd name="connsiteX4" fmla="*/ 715300 w 1568323"/>
-                  <a:gd name="connsiteY4" fmla="*/ 768486 h 792461"/>
-                  <a:gd name="connsiteX5" fmla="*/ 317 w 1568323"/>
-                  <a:gd name="connsiteY5" fmla="*/ 466928 h 792461"/>
-                  <a:gd name="connsiteX0" fmla="*/ 9015 w 1577021"/>
-                  <a:gd name="connsiteY0" fmla="*/ 466928 h 778374"/>
-                  <a:gd name="connsiteX1" fmla="*/ 792092 w 1577021"/>
-                  <a:gd name="connsiteY1" fmla="*/ 0 h 778374"/>
-                  <a:gd name="connsiteX2" fmla="*/ 1575169 w 1577021"/>
-                  <a:gd name="connsiteY2" fmla="*/ 466928 h 778374"/>
-                  <a:gd name="connsiteX3" fmla="*/ 1001236 w 1577021"/>
-                  <a:gd name="connsiteY3" fmla="*/ 739303 h 778374"/>
-                  <a:gd name="connsiteX4" fmla="*/ 723998 w 1577021"/>
-                  <a:gd name="connsiteY4" fmla="*/ 768486 h 778374"/>
-                  <a:gd name="connsiteX5" fmla="*/ 388393 w 1577021"/>
-                  <a:gd name="connsiteY5" fmla="*/ 749030 h 778374"/>
-                  <a:gd name="connsiteX6" fmla="*/ 9015 w 1577021"/>
-                  <a:gd name="connsiteY6" fmla="*/ 466928 h 778374"/>
-                  <a:gd name="connsiteX0" fmla="*/ 9015 w 1577021"/>
-                  <a:gd name="connsiteY0" fmla="*/ 466928 h 760829"/>
-                  <a:gd name="connsiteX1" fmla="*/ 792092 w 1577021"/>
-                  <a:gd name="connsiteY1" fmla="*/ 0 h 760829"/>
-                  <a:gd name="connsiteX2" fmla="*/ 1575169 w 1577021"/>
-                  <a:gd name="connsiteY2" fmla="*/ 466928 h 760829"/>
-                  <a:gd name="connsiteX3" fmla="*/ 1001236 w 1577021"/>
-                  <a:gd name="connsiteY3" fmla="*/ 739303 h 760829"/>
-                  <a:gd name="connsiteX4" fmla="*/ 723998 w 1577021"/>
-                  <a:gd name="connsiteY4" fmla="*/ 671210 h 760829"/>
-                  <a:gd name="connsiteX5" fmla="*/ 388393 w 1577021"/>
-                  <a:gd name="connsiteY5" fmla="*/ 749030 h 760829"/>
-                  <a:gd name="connsiteX6" fmla="*/ 9015 w 1577021"/>
-                  <a:gd name="connsiteY6" fmla="*/ 466928 h 760829"/>
-                  <a:gd name="connsiteX0" fmla="*/ 9015 w 1578546"/>
-                  <a:gd name="connsiteY0" fmla="*/ 466928 h 760720"/>
-                  <a:gd name="connsiteX1" fmla="*/ 792092 w 1578546"/>
-                  <a:gd name="connsiteY1" fmla="*/ 0 h 760720"/>
-                  <a:gd name="connsiteX2" fmla="*/ 1575169 w 1578546"/>
-                  <a:gd name="connsiteY2" fmla="*/ 466928 h 760720"/>
-                  <a:gd name="connsiteX3" fmla="*/ 1224972 w 1578546"/>
-                  <a:gd name="connsiteY3" fmla="*/ 749031 h 760720"/>
-                  <a:gd name="connsiteX4" fmla="*/ 723998 w 1578546"/>
-                  <a:gd name="connsiteY4" fmla="*/ 671210 h 760720"/>
-                  <a:gd name="connsiteX5" fmla="*/ 388393 w 1578546"/>
-                  <a:gd name="connsiteY5" fmla="*/ 749030 h 760720"/>
-                  <a:gd name="connsiteX6" fmla="*/ 9015 w 1578546"/>
-                  <a:gd name="connsiteY6" fmla="*/ 466928 h 760720"/>
-                  <a:gd name="connsiteX0" fmla="*/ 17975 w 1587506"/>
-                  <a:gd name="connsiteY0" fmla="*/ 466928 h 760830"/>
-                  <a:gd name="connsiteX1" fmla="*/ 801052 w 1587506"/>
-                  <a:gd name="connsiteY1" fmla="*/ 0 h 760830"/>
-                  <a:gd name="connsiteX2" fmla="*/ 1584129 w 1587506"/>
-                  <a:gd name="connsiteY2" fmla="*/ 466928 h 760830"/>
-                  <a:gd name="connsiteX3" fmla="*/ 1233932 w 1587506"/>
-                  <a:gd name="connsiteY3" fmla="*/ 749031 h 760830"/>
-                  <a:gd name="connsiteX4" fmla="*/ 732958 w 1587506"/>
-                  <a:gd name="connsiteY4" fmla="*/ 671210 h 760830"/>
-                  <a:gd name="connsiteX5" fmla="*/ 290349 w 1587506"/>
-                  <a:gd name="connsiteY5" fmla="*/ 739303 h 760830"/>
-                  <a:gd name="connsiteX6" fmla="*/ 17975 w 1587506"/>
-                  <a:gd name="connsiteY6" fmla="*/ 466928 h 760830"/>
-                  <a:gd name="connsiteX0" fmla="*/ 20537 w 1551158"/>
-                  <a:gd name="connsiteY0" fmla="*/ 285435 h 764162"/>
-                  <a:gd name="connsiteX1" fmla="*/ 764704 w 1551158"/>
-                  <a:gd name="connsiteY1" fmla="*/ 3332 h 764162"/>
-                  <a:gd name="connsiteX2" fmla="*/ 1547781 w 1551158"/>
-                  <a:gd name="connsiteY2" fmla="*/ 470260 h 764162"/>
-                  <a:gd name="connsiteX3" fmla="*/ 1197584 w 1551158"/>
-                  <a:gd name="connsiteY3" fmla="*/ 752363 h 764162"/>
-                  <a:gd name="connsiteX4" fmla="*/ 696610 w 1551158"/>
-                  <a:gd name="connsiteY4" fmla="*/ 674542 h 764162"/>
-                  <a:gd name="connsiteX5" fmla="*/ 254001 w 1551158"/>
-                  <a:gd name="connsiteY5" fmla="*/ 742635 h 764162"/>
-                  <a:gd name="connsiteX6" fmla="*/ 20537 w 1551158"/>
-                  <a:gd name="connsiteY6" fmla="*/ 285435 h 764162"/>
-                  <a:gd name="connsiteX0" fmla="*/ 20537 w 1427540"/>
-                  <a:gd name="connsiteY0" fmla="*/ 282497 h 761224"/>
-                  <a:gd name="connsiteX1" fmla="*/ 764704 w 1427540"/>
-                  <a:gd name="connsiteY1" fmla="*/ 394 h 761224"/>
-                  <a:gd name="connsiteX2" fmla="*/ 1421322 w 1427540"/>
-                  <a:gd name="connsiteY2" fmla="*/ 233858 h 761224"/>
-                  <a:gd name="connsiteX3" fmla="*/ 1197584 w 1427540"/>
-                  <a:gd name="connsiteY3" fmla="*/ 749425 h 761224"/>
-                  <a:gd name="connsiteX4" fmla="*/ 696610 w 1427540"/>
-                  <a:gd name="connsiteY4" fmla="*/ 671604 h 761224"/>
-                  <a:gd name="connsiteX5" fmla="*/ 254001 w 1427540"/>
-                  <a:gd name="connsiteY5" fmla="*/ 739697 h 761224"/>
-                  <a:gd name="connsiteX6" fmla="*/ 20537 w 1427540"/>
-                  <a:gd name="connsiteY6" fmla="*/ 282497 h 761224"/>
-                  <a:gd name="connsiteX0" fmla="*/ 11963 w 1418966"/>
-                  <a:gd name="connsiteY0" fmla="*/ 263113 h 741840"/>
-                  <a:gd name="connsiteX1" fmla="*/ 600488 w 1418966"/>
-                  <a:gd name="connsiteY1" fmla="*/ 466 h 741840"/>
-                  <a:gd name="connsiteX2" fmla="*/ 1412748 w 1418966"/>
-                  <a:gd name="connsiteY2" fmla="*/ 214474 h 741840"/>
-                  <a:gd name="connsiteX3" fmla="*/ 1189010 w 1418966"/>
-                  <a:gd name="connsiteY3" fmla="*/ 730041 h 741840"/>
-                  <a:gd name="connsiteX4" fmla="*/ 688036 w 1418966"/>
-                  <a:gd name="connsiteY4" fmla="*/ 652220 h 741840"/>
-                  <a:gd name="connsiteX5" fmla="*/ 245427 w 1418966"/>
-                  <a:gd name="connsiteY5" fmla="*/ 720313 h 741840"/>
-                  <a:gd name="connsiteX6" fmla="*/ 11963 w 1418966"/>
-                  <a:gd name="connsiteY6" fmla="*/ 263113 h 741840"/>
-                </a:gdLst>
-                <a:ahLst/>
-                <a:cxnLst>
-                  <a:cxn ang="0">
-                    <a:pos x="connsiteX0" y="connsiteY0"/>
-                  </a:cxn>
-                  <a:cxn ang="0">
-                    <a:pos x="connsiteX1" y="connsiteY1"/>
-                  </a:cxn>
-                  <a:cxn ang="0">
-                    <a:pos x="connsiteX2" y="connsiteY2"/>
-                  </a:cxn>
-                  <a:cxn ang="0">
-                    <a:pos x="connsiteX3" y="connsiteY3"/>
-                  </a:cxn>
-                  <a:cxn ang="0">
-                    <a:pos x="connsiteX4" y="connsiteY4"/>
-                  </a:cxn>
-                  <a:cxn ang="0">
-                    <a:pos x="connsiteX5" y="connsiteY5"/>
-                  </a:cxn>
-                  <a:cxn ang="0">
-                    <a:pos x="connsiteX6" y="connsiteY6"/>
-                  </a:cxn>
-                </a:cxnLst>
-                <a:rect l="l" t="t" r="r" b="b"/>
-                <a:pathLst>
-                  <a:path w="1418966" h="741840">
-                    <a:moveTo>
-                      <a:pt x="11963" y="263113"/>
-                    </a:moveTo>
-                    <a:cubicBezTo>
-                      <a:pt x="71140" y="143139"/>
-                      <a:pt x="367024" y="8573"/>
-                      <a:pt x="600488" y="466"/>
-                    </a:cubicBezTo>
-                    <a:cubicBezTo>
-                      <a:pt x="833952" y="-7641"/>
-                      <a:pt x="1377891" y="91257"/>
-                      <a:pt x="1412748" y="214474"/>
-                    </a:cubicBezTo>
-                    <a:cubicBezTo>
-                      <a:pt x="1447605" y="337691"/>
-                      <a:pt x="1330872" y="679781"/>
-                      <a:pt x="1189010" y="730041"/>
-                    </a:cubicBezTo>
-                    <a:cubicBezTo>
-                      <a:pt x="1047148" y="780301"/>
-                      <a:pt x="845300" y="653841"/>
-                      <a:pt x="688036" y="652220"/>
-                    </a:cubicBezTo>
-                    <a:cubicBezTo>
-                      <a:pt x="530772" y="650599"/>
-                      <a:pt x="364591" y="770573"/>
-                      <a:pt x="245427" y="720313"/>
-                    </a:cubicBezTo>
-                    <a:cubicBezTo>
-                      <a:pt x="126263" y="670053"/>
-                      <a:pt x="-47214" y="383087"/>
-                      <a:pt x="11963" y="263113"/>
-                    </a:cubicBezTo>
-                    <a:close/>
-                  </a:path>
-                </a:pathLst>
-              </a:custGeom>
-              <a:solidFill>
-                <a:srgbClr val="CC9F6E"/>
-              </a:solidFill>
-              <a:ln w="25400">
-                <a:solidFill>
-                  <a:schemeClr val="tx1"/>
-                </a:solidFill>
-              </a:ln>
-            </p:spPr>
-            <p:style>
-              <a:lnRef idx="2">
-                <a:schemeClr val="accent1">
-                  <a:shade val="50000"/>
-                </a:schemeClr>
-              </a:lnRef>
-              <a:fillRef idx="1">
-                <a:schemeClr val="accent1"/>
-              </a:fillRef>
-              <a:effectRef idx="0">
-                <a:schemeClr val="accent1"/>
-              </a:effectRef>
-              <a:fontRef idx="minor">
-                <a:schemeClr val="lt1"/>
-              </a:fontRef>
-            </p:style>
-            <p:txBody>
-              <a:bodyPr rtlCol="0" anchor="ctr"/>
-              <a:lstStyle/>
-              <a:p>
-                <a:pPr algn="ctr"/>
-                <a:endParaRPr lang="sv-SE"/>
-              </a:p>
-            </p:txBody>
-          </p:sp>
-        </p:grpSp>
-        <p:grpSp>
-          <p:nvGrpSpPr>
-            <p:cNvPr id="2" name="Group 1"/>
-            <p:cNvGrpSpPr/>
-            <p:nvPr/>
-          </p:nvGrpSpPr>
-          <p:grpSpPr>
-            <a:xfrm>
-              <a:off x="8098794" y="984309"/>
-              <a:ext cx="117851" cy="107408"/>
-              <a:chOff x="7584667" y="2502885"/>
-              <a:chExt cx="117851" cy="107408"/>
-            </a:xfrm>
-          </p:grpSpPr>
-          <p:sp>
-            <p:nvSpPr>
-              <p:cNvPr id="8" name="Oval 7"/>
-              <p:cNvSpPr/>
-              <p:nvPr/>
-            </p:nvSpPr>
-            <p:spPr>
-              <a:xfrm rot="636239">
-                <a:off x="7584667" y="2502885"/>
-                <a:ext cx="117851" cy="107408"/>
-              </a:xfrm>
-              <a:prstGeom prst="ellipse">
-                <a:avLst/>
-              </a:prstGeom>
-              <a:solidFill>
-                <a:schemeClr val="tx1"/>
-              </a:solidFill>
-              <a:ln w="25400">
-                <a:solidFill>
-                  <a:schemeClr val="tx1"/>
-                </a:solidFill>
-              </a:ln>
-            </p:spPr>
-            <p:style>
-              <a:lnRef idx="2">
-                <a:schemeClr val="accent1">
-                  <a:shade val="50000"/>
-                </a:schemeClr>
-              </a:lnRef>
-              <a:fillRef idx="1">
-                <a:schemeClr val="accent1"/>
-              </a:fillRef>
-              <a:effectRef idx="0">
-                <a:schemeClr val="accent1"/>
-              </a:effectRef>
-              <a:fontRef idx="minor">
-                <a:schemeClr val="lt1"/>
-              </a:fontRef>
-            </p:style>
-            <p:txBody>
-              <a:bodyPr rtlCol="0" anchor="ctr"/>
-              <a:lstStyle/>
-              <a:p>
-                <a:pPr algn="ctr"/>
-                <a:endParaRPr lang="sv-SE"/>
-              </a:p>
-            </p:txBody>
-          </p:sp>
-          <p:sp>
-            <p:nvSpPr>
-              <p:cNvPr id="16" name="Oval 15"/>
-              <p:cNvSpPr/>
-              <p:nvPr/>
-            </p:nvSpPr>
-            <p:spPr>
-              <a:xfrm rot="636239">
-                <a:off x="7593419" y="2516929"/>
-                <a:ext cx="59674" cy="54386"/>
-              </a:xfrm>
-              <a:prstGeom prst="ellipse">
-                <a:avLst/>
-              </a:prstGeom>
-              <a:solidFill>
-                <a:schemeClr val="bg1"/>
-              </a:solidFill>
-              <a:ln w="25400">
-                <a:noFill/>
-              </a:ln>
-            </p:spPr>
-            <p:style>
-              <a:lnRef idx="2">
-                <a:schemeClr val="accent1">
-                  <a:shade val="50000"/>
-                </a:schemeClr>
-              </a:lnRef>
-              <a:fillRef idx="1">
-                <a:schemeClr val="accent1"/>
-              </a:fillRef>
-              <a:effectRef idx="0">
-                <a:schemeClr val="accent1"/>
-              </a:effectRef>
-              <a:fontRef idx="minor">
-                <a:schemeClr val="lt1"/>
-              </a:fontRef>
-            </p:style>
-            <p:txBody>
-              <a:bodyPr rtlCol="0" anchor="ctr"/>
-              <a:lstStyle/>
-              <a:p>
-                <a:pPr algn="ctr"/>
-                <a:endParaRPr lang="sv-SE"/>
-              </a:p>
-            </p:txBody>
-          </p:sp>
-        </p:grpSp>
-        <p:grpSp>
-          <p:nvGrpSpPr>
-            <p:cNvPr id="4" name="Group 3"/>
-            <p:cNvGrpSpPr/>
-            <p:nvPr/>
-          </p:nvGrpSpPr>
-          <p:grpSpPr>
-            <a:xfrm>
-              <a:off x="7855419" y="1140332"/>
-              <a:ext cx="154514" cy="107408"/>
-              <a:chOff x="7359492" y="2650579"/>
-              <a:chExt cx="154514" cy="107408"/>
-            </a:xfrm>
-          </p:grpSpPr>
-          <p:sp>
-            <p:nvSpPr>
-              <p:cNvPr id="11" name="Oval 10"/>
-              <p:cNvSpPr/>
-              <p:nvPr/>
-            </p:nvSpPr>
-            <p:spPr>
-              <a:xfrm rot="117027">
-                <a:off x="7359492" y="2650579"/>
-                <a:ext cx="154514" cy="107408"/>
-              </a:xfrm>
-              <a:prstGeom prst="ellipse">
-                <a:avLst/>
-              </a:prstGeom>
-              <a:solidFill>
-                <a:schemeClr val="tx1"/>
-              </a:solidFill>
-              <a:ln w="25400">
-                <a:solidFill>
-                  <a:schemeClr val="tx1"/>
-                </a:solidFill>
-              </a:ln>
-            </p:spPr>
-            <p:style>
-              <a:lnRef idx="2">
-                <a:schemeClr val="accent1">
-                  <a:shade val="50000"/>
-                </a:schemeClr>
-              </a:lnRef>
-              <a:fillRef idx="1">
-                <a:schemeClr val="accent1"/>
-              </a:fillRef>
-              <a:effectRef idx="0">
-                <a:schemeClr val="accent1"/>
-              </a:effectRef>
-              <a:fontRef idx="minor">
-                <a:schemeClr val="lt1"/>
-              </a:fontRef>
-            </p:style>
-            <p:txBody>
-              <a:bodyPr rtlCol="0" anchor="ctr"/>
-              <a:lstStyle/>
-              <a:p>
-                <a:pPr algn="ctr"/>
-                <a:endParaRPr lang="sv-SE"/>
-              </a:p>
-            </p:txBody>
-          </p:sp>
-          <p:sp>
-            <p:nvSpPr>
-              <p:cNvPr id="17" name="Oval 16"/>
-              <p:cNvSpPr/>
-              <p:nvPr/>
-            </p:nvSpPr>
-            <p:spPr>
-              <a:xfrm rot="636239">
-                <a:off x="7383110" y="2670666"/>
-                <a:ext cx="49175" cy="34137"/>
-              </a:xfrm>
-              <a:prstGeom prst="ellipse">
-                <a:avLst/>
-              </a:prstGeom>
-              <a:solidFill>
-                <a:schemeClr val="bg1"/>
-              </a:solidFill>
-              <a:ln w="25400">
-                <a:noFill/>
-              </a:ln>
-            </p:spPr>
-            <p:style>
-              <a:lnRef idx="2">
-                <a:schemeClr val="accent1">
-                  <a:shade val="50000"/>
-                </a:schemeClr>
-              </a:lnRef>
-              <a:fillRef idx="1">
-                <a:schemeClr val="accent1"/>
-              </a:fillRef>
-              <a:effectRef idx="0">
-                <a:schemeClr val="accent1"/>
-              </a:effectRef>
-              <a:fontRef idx="minor">
-                <a:schemeClr val="lt1"/>
-              </a:fontRef>
-            </p:style>
-            <p:txBody>
-              <a:bodyPr rtlCol="0" anchor="ctr"/>
-              <a:lstStyle/>
-              <a:p>
-                <a:pPr algn="ctr"/>
-                <a:endParaRPr lang="sv-SE"/>
-              </a:p>
-            </p:txBody>
-          </p:sp>
-        </p:grpSp>
-        <p:sp>
-          <p:nvSpPr>
-            <p:cNvPr id="21" name="Oval 20"/>
-            <p:cNvSpPr/>
-            <p:nvPr/>
-          </p:nvSpPr>
-          <p:spPr>
-            <a:xfrm rot="21329767">
-              <a:off x="7637680" y="1453217"/>
-              <a:ext cx="731915" cy="774706"/>
-            </a:xfrm>
-            <a:custGeom>
-              <a:avLst/>
-              <a:gdLst>
-                <a:gd name="connsiteX0" fmla="*/ 0 w 731914"/>
-                <a:gd name="connsiteY0" fmla="*/ 363044 h 726088"/>
-                <a:gd name="connsiteX1" fmla="*/ 365957 w 731914"/>
-                <a:gd name="connsiteY1" fmla="*/ 0 h 726088"/>
-                <a:gd name="connsiteX2" fmla="*/ 731914 w 731914"/>
-                <a:gd name="connsiteY2" fmla="*/ 363044 h 726088"/>
-                <a:gd name="connsiteX3" fmla="*/ 365957 w 731914"/>
-                <a:gd name="connsiteY3" fmla="*/ 726088 h 726088"/>
-                <a:gd name="connsiteX4" fmla="*/ 0 w 731914"/>
-                <a:gd name="connsiteY4" fmla="*/ 363044 h 726088"/>
-                <a:gd name="connsiteX0" fmla="*/ 1 w 731915"/>
-                <a:gd name="connsiteY0" fmla="*/ 411662 h 774706"/>
-                <a:gd name="connsiteX1" fmla="*/ 369788 w 731915"/>
-                <a:gd name="connsiteY1" fmla="*/ 0 h 774706"/>
-                <a:gd name="connsiteX2" fmla="*/ 731915 w 731915"/>
-                <a:gd name="connsiteY2" fmla="*/ 411662 h 774706"/>
-                <a:gd name="connsiteX3" fmla="*/ 365958 w 731915"/>
-                <a:gd name="connsiteY3" fmla="*/ 774706 h 774706"/>
-                <a:gd name="connsiteX4" fmla="*/ 1 w 731915"/>
-                <a:gd name="connsiteY4" fmla="*/ 411662 h 774706"/>
-              </a:gdLst>
-              <a:ahLst/>
-              <a:cxnLst>
-                <a:cxn ang="0">
-                  <a:pos x="connsiteX0" y="connsiteY0"/>
-                </a:cxn>
-                <a:cxn ang="0">
-                  <a:pos x="connsiteX1" y="connsiteY1"/>
-                </a:cxn>
-                <a:cxn ang="0">
-                  <a:pos x="connsiteX2" y="connsiteY2"/>
-                </a:cxn>
-                <a:cxn ang="0">
-                  <a:pos x="connsiteX3" y="connsiteY3"/>
-                </a:cxn>
-                <a:cxn ang="0">
-                  <a:pos x="connsiteX4" y="connsiteY4"/>
-                </a:cxn>
-              </a:cxnLst>
-              <a:rect l="l" t="t" r="r" b="b"/>
-              <a:pathLst>
-                <a:path w="731915" h="774706">
-                  <a:moveTo>
-                    <a:pt x="1" y="411662"/>
-                  </a:moveTo>
-                  <a:cubicBezTo>
-                    <a:pt x="639" y="282544"/>
-                    <a:pt x="167676" y="0"/>
-                    <a:pt x="369788" y="0"/>
-                  </a:cubicBezTo>
-                  <a:cubicBezTo>
-                    <a:pt x="571900" y="0"/>
-                    <a:pt x="731915" y="211158"/>
-                    <a:pt x="731915" y="411662"/>
-                  </a:cubicBezTo>
-                  <a:cubicBezTo>
-                    <a:pt x="731915" y="612166"/>
-                    <a:pt x="568070" y="774706"/>
-                    <a:pt x="365958" y="774706"/>
-                  </a:cubicBezTo>
-                  <a:cubicBezTo>
-                    <a:pt x="163846" y="774706"/>
-                    <a:pt x="-637" y="540780"/>
-                    <a:pt x="1" y="411662"/>
-                  </a:cubicBezTo>
-                  <a:close/>
-                </a:path>
-              </a:pathLst>
-            </a:custGeom>
-            <a:solidFill>
-              <a:srgbClr val="4588C6"/>
             </a:solidFill>
             <a:ln w="25400">
               <a:noFill/>
@@ -12321,673 +12083,37 @@
             </a:p>
           </p:txBody>
         </p:sp>
+      </p:grpSp>
+      <p:grpSp>
+        <p:nvGrpSpPr>
+          <p:cNvPr id="4" name="Group 3"/>
+          <p:cNvGrpSpPr/>
+          <p:nvPr/>
+        </p:nvGrpSpPr>
+        <p:grpSpPr>
+          <a:xfrm>
+            <a:off x="7855419" y="1140332"/>
+            <a:ext cx="154514" cy="107408"/>
+            <a:chOff x="7359492" y="2650579"/>
+            <a:chExt cx="154514" cy="107408"/>
+          </a:xfrm>
+        </p:grpSpPr>
         <p:sp>
           <p:nvSpPr>
-            <p:cNvPr id="31" name="Freeform 30"/>
+            <p:cNvPr id="11" name="Oval 10"/>
             <p:cNvSpPr/>
             <p:nvPr/>
           </p:nvSpPr>
           <p:spPr>
-            <a:xfrm rot="20970433">
-              <a:off x="7941757" y="1871793"/>
-              <a:ext cx="85496" cy="95240"/>
+            <a:xfrm rot="117027">
+              <a:off x="7359492" y="2650579"/>
+              <a:ext cx="154514" cy="107408"/>
             </a:xfrm>
-            <a:custGeom>
+            <a:prstGeom prst="ellipse">
               <a:avLst/>
-              <a:gdLst>
-                <a:gd name="connsiteX0" fmla="*/ 184639 w 228600"/>
-                <a:gd name="connsiteY0" fmla="*/ 0 h 465993"/>
-                <a:gd name="connsiteX1" fmla="*/ 114300 w 228600"/>
-                <a:gd name="connsiteY1" fmla="*/ 35169 h 465993"/>
-                <a:gd name="connsiteX2" fmla="*/ 96716 w 228600"/>
-                <a:gd name="connsiteY2" fmla="*/ 61546 h 465993"/>
-                <a:gd name="connsiteX3" fmla="*/ 61546 w 228600"/>
-                <a:gd name="connsiteY3" fmla="*/ 87923 h 465993"/>
-                <a:gd name="connsiteX4" fmla="*/ 35169 w 228600"/>
-                <a:gd name="connsiteY4" fmla="*/ 140677 h 465993"/>
-                <a:gd name="connsiteX5" fmla="*/ 26377 w 228600"/>
-                <a:gd name="connsiteY5" fmla="*/ 167054 h 465993"/>
-                <a:gd name="connsiteX6" fmla="*/ 0 w 228600"/>
-                <a:gd name="connsiteY6" fmla="*/ 263769 h 465993"/>
-                <a:gd name="connsiteX7" fmla="*/ 26377 w 228600"/>
-                <a:gd name="connsiteY7" fmla="*/ 378069 h 465993"/>
-                <a:gd name="connsiteX8" fmla="*/ 52754 w 228600"/>
-                <a:gd name="connsiteY8" fmla="*/ 430823 h 465993"/>
-                <a:gd name="connsiteX9" fmla="*/ 96716 w 228600"/>
-                <a:gd name="connsiteY9" fmla="*/ 439616 h 465993"/>
-                <a:gd name="connsiteX10" fmla="*/ 149469 w 228600"/>
-                <a:gd name="connsiteY10" fmla="*/ 465993 h 465993"/>
-                <a:gd name="connsiteX11" fmla="*/ 184639 w 228600"/>
-                <a:gd name="connsiteY11" fmla="*/ 457200 h 465993"/>
-                <a:gd name="connsiteX12" fmla="*/ 228600 w 228600"/>
-                <a:gd name="connsiteY12" fmla="*/ 378069 h 465993"/>
-                <a:gd name="connsiteX13" fmla="*/ 202223 w 228600"/>
-                <a:gd name="connsiteY13" fmla="*/ 281354 h 465993"/>
-                <a:gd name="connsiteX14" fmla="*/ 175846 w 228600"/>
-                <a:gd name="connsiteY14" fmla="*/ 246185 h 465993"/>
-                <a:gd name="connsiteX15" fmla="*/ 167054 w 228600"/>
-                <a:gd name="connsiteY15" fmla="*/ 219808 h 465993"/>
-                <a:gd name="connsiteX16" fmla="*/ 114300 w 228600"/>
-                <a:gd name="connsiteY16" fmla="*/ 211016 h 465993"/>
-                <a:gd name="connsiteX17" fmla="*/ 87923 w 228600"/>
-                <a:gd name="connsiteY17" fmla="*/ 202223 h 465993"/>
-                <a:gd name="connsiteX18" fmla="*/ 61546 w 228600"/>
-                <a:gd name="connsiteY18" fmla="*/ 211016 h 465993"/>
-                <a:gd name="connsiteX0" fmla="*/ 184639 w 228600"/>
-                <a:gd name="connsiteY0" fmla="*/ 0 h 465993"/>
-                <a:gd name="connsiteX1" fmla="*/ 114300 w 228600"/>
-                <a:gd name="connsiteY1" fmla="*/ 35169 h 465993"/>
-                <a:gd name="connsiteX2" fmla="*/ 61546 w 228600"/>
-                <a:gd name="connsiteY2" fmla="*/ 87923 h 465993"/>
-                <a:gd name="connsiteX3" fmla="*/ 35169 w 228600"/>
-                <a:gd name="connsiteY3" fmla="*/ 140677 h 465993"/>
-                <a:gd name="connsiteX4" fmla="*/ 26377 w 228600"/>
-                <a:gd name="connsiteY4" fmla="*/ 167054 h 465993"/>
-                <a:gd name="connsiteX5" fmla="*/ 0 w 228600"/>
-                <a:gd name="connsiteY5" fmla="*/ 263769 h 465993"/>
-                <a:gd name="connsiteX6" fmla="*/ 26377 w 228600"/>
-                <a:gd name="connsiteY6" fmla="*/ 378069 h 465993"/>
-                <a:gd name="connsiteX7" fmla="*/ 52754 w 228600"/>
-                <a:gd name="connsiteY7" fmla="*/ 430823 h 465993"/>
-                <a:gd name="connsiteX8" fmla="*/ 96716 w 228600"/>
-                <a:gd name="connsiteY8" fmla="*/ 439616 h 465993"/>
-                <a:gd name="connsiteX9" fmla="*/ 149469 w 228600"/>
-                <a:gd name="connsiteY9" fmla="*/ 465993 h 465993"/>
-                <a:gd name="connsiteX10" fmla="*/ 184639 w 228600"/>
-                <a:gd name="connsiteY10" fmla="*/ 457200 h 465993"/>
-                <a:gd name="connsiteX11" fmla="*/ 228600 w 228600"/>
-                <a:gd name="connsiteY11" fmla="*/ 378069 h 465993"/>
-                <a:gd name="connsiteX12" fmla="*/ 202223 w 228600"/>
-                <a:gd name="connsiteY12" fmla="*/ 281354 h 465993"/>
-                <a:gd name="connsiteX13" fmla="*/ 175846 w 228600"/>
-                <a:gd name="connsiteY13" fmla="*/ 246185 h 465993"/>
-                <a:gd name="connsiteX14" fmla="*/ 167054 w 228600"/>
-                <a:gd name="connsiteY14" fmla="*/ 219808 h 465993"/>
-                <a:gd name="connsiteX15" fmla="*/ 114300 w 228600"/>
-                <a:gd name="connsiteY15" fmla="*/ 211016 h 465993"/>
-                <a:gd name="connsiteX16" fmla="*/ 87923 w 228600"/>
-                <a:gd name="connsiteY16" fmla="*/ 202223 h 465993"/>
-                <a:gd name="connsiteX17" fmla="*/ 61546 w 228600"/>
-                <a:gd name="connsiteY17" fmla="*/ 211016 h 465993"/>
-                <a:gd name="connsiteX0" fmla="*/ 184639 w 228600"/>
-                <a:gd name="connsiteY0" fmla="*/ 0 h 465993"/>
-                <a:gd name="connsiteX1" fmla="*/ 114300 w 228600"/>
-                <a:gd name="connsiteY1" fmla="*/ 35169 h 465993"/>
-                <a:gd name="connsiteX2" fmla="*/ 61546 w 228600"/>
-                <a:gd name="connsiteY2" fmla="*/ 87923 h 465993"/>
-                <a:gd name="connsiteX3" fmla="*/ 26377 w 228600"/>
-                <a:gd name="connsiteY3" fmla="*/ 167054 h 465993"/>
-                <a:gd name="connsiteX4" fmla="*/ 0 w 228600"/>
-                <a:gd name="connsiteY4" fmla="*/ 263769 h 465993"/>
-                <a:gd name="connsiteX5" fmla="*/ 26377 w 228600"/>
-                <a:gd name="connsiteY5" fmla="*/ 378069 h 465993"/>
-                <a:gd name="connsiteX6" fmla="*/ 52754 w 228600"/>
-                <a:gd name="connsiteY6" fmla="*/ 430823 h 465993"/>
-                <a:gd name="connsiteX7" fmla="*/ 96716 w 228600"/>
-                <a:gd name="connsiteY7" fmla="*/ 439616 h 465993"/>
-                <a:gd name="connsiteX8" fmla="*/ 149469 w 228600"/>
-                <a:gd name="connsiteY8" fmla="*/ 465993 h 465993"/>
-                <a:gd name="connsiteX9" fmla="*/ 184639 w 228600"/>
-                <a:gd name="connsiteY9" fmla="*/ 457200 h 465993"/>
-                <a:gd name="connsiteX10" fmla="*/ 228600 w 228600"/>
-                <a:gd name="connsiteY10" fmla="*/ 378069 h 465993"/>
-                <a:gd name="connsiteX11" fmla="*/ 202223 w 228600"/>
-                <a:gd name="connsiteY11" fmla="*/ 281354 h 465993"/>
-                <a:gd name="connsiteX12" fmla="*/ 175846 w 228600"/>
-                <a:gd name="connsiteY12" fmla="*/ 246185 h 465993"/>
-                <a:gd name="connsiteX13" fmla="*/ 167054 w 228600"/>
-                <a:gd name="connsiteY13" fmla="*/ 219808 h 465993"/>
-                <a:gd name="connsiteX14" fmla="*/ 114300 w 228600"/>
-                <a:gd name="connsiteY14" fmla="*/ 211016 h 465993"/>
-                <a:gd name="connsiteX15" fmla="*/ 87923 w 228600"/>
-                <a:gd name="connsiteY15" fmla="*/ 202223 h 465993"/>
-                <a:gd name="connsiteX16" fmla="*/ 61546 w 228600"/>
-                <a:gd name="connsiteY16" fmla="*/ 211016 h 465993"/>
-                <a:gd name="connsiteX0" fmla="*/ 184639 w 228600"/>
-                <a:gd name="connsiteY0" fmla="*/ 0 h 467072"/>
-                <a:gd name="connsiteX1" fmla="*/ 114300 w 228600"/>
-                <a:gd name="connsiteY1" fmla="*/ 35169 h 467072"/>
-                <a:gd name="connsiteX2" fmla="*/ 61546 w 228600"/>
-                <a:gd name="connsiteY2" fmla="*/ 87923 h 467072"/>
-                <a:gd name="connsiteX3" fmla="*/ 26377 w 228600"/>
-                <a:gd name="connsiteY3" fmla="*/ 167054 h 467072"/>
-                <a:gd name="connsiteX4" fmla="*/ 0 w 228600"/>
-                <a:gd name="connsiteY4" fmla="*/ 263769 h 467072"/>
-                <a:gd name="connsiteX5" fmla="*/ 26377 w 228600"/>
-                <a:gd name="connsiteY5" fmla="*/ 378069 h 467072"/>
-                <a:gd name="connsiteX6" fmla="*/ 52754 w 228600"/>
-                <a:gd name="connsiteY6" fmla="*/ 430823 h 467072"/>
-                <a:gd name="connsiteX7" fmla="*/ 149469 w 228600"/>
-                <a:gd name="connsiteY7" fmla="*/ 465993 h 467072"/>
-                <a:gd name="connsiteX8" fmla="*/ 184639 w 228600"/>
-                <a:gd name="connsiteY8" fmla="*/ 457200 h 467072"/>
-                <a:gd name="connsiteX9" fmla="*/ 228600 w 228600"/>
-                <a:gd name="connsiteY9" fmla="*/ 378069 h 467072"/>
-                <a:gd name="connsiteX10" fmla="*/ 202223 w 228600"/>
-                <a:gd name="connsiteY10" fmla="*/ 281354 h 467072"/>
-                <a:gd name="connsiteX11" fmla="*/ 175846 w 228600"/>
-                <a:gd name="connsiteY11" fmla="*/ 246185 h 467072"/>
-                <a:gd name="connsiteX12" fmla="*/ 167054 w 228600"/>
-                <a:gd name="connsiteY12" fmla="*/ 219808 h 467072"/>
-                <a:gd name="connsiteX13" fmla="*/ 114300 w 228600"/>
-                <a:gd name="connsiteY13" fmla="*/ 211016 h 467072"/>
-                <a:gd name="connsiteX14" fmla="*/ 87923 w 228600"/>
-                <a:gd name="connsiteY14" fmla="*/ 202223 h 467072"/>
-                <a:gd name="connsiteX15" fmla="*/ 61546 w 228600"/>
-                <a:gd name="connsiteY15" fmla="*/ 211016 h 467072"/>
-                <a:gd name="connsiteX0" fmla="*/ 184639 w 228600"/>
-                <a:gd name="connsiteY0" fmla="*/ 0 h 467607"/>
-                <a:gd name="connsiteX1" fmla="*/ 114300 w 228600"/>
-                <a:gd name="connsiteY1" fmla="*/ 35169 h 467607"/>
-                <a:gd name="connsiteX2" fmla="*/ 61546 w 228600"/>
-                <a:gd name="connsiteY2" fmla="*/ 87923 h 467607"/>
-                <a:gd name="connsiteX3" fmla="*/ 26377 w 228600"/>
-                <a:gd name="connsiteY3" fmla="*/ 167054 h 467607"/>
-                <a:gd name="connsiteX4" fmla="*/ 0 w 228600"/>
-                <a:gd name="connsiteY4" fmla="*/ 263769 h 467607"/>
-                <a:gd name="connsiteX5" fmla="*/ 26377 w 228600"/>
-                <a:gd name="connsiteY5" fmla="*/ 378069 h 467607"/>
-                <a:gd name="connsiteX6" fmla="*/ 52754 w 228600"/>
-                <a:gd name="connsiteY6" fmla="*/ 430823 h 467607"/>
-                <a:gd name="connsiteX7" fmla="*/ 149469 w 228600"/>
-                <a:gd name="connsiteY7" fmla="*/ 465993 h 467607"/>
-                <a:gd name="connsiteX8" fmla="*/ 228600 w 228600"/>
-                <a:gd name="connsiteY8" fmla="*/ 378069 h 467607"/>
-                <a:gd name="connsiteX9" fmla="*/ 202223 w 228600"/>
-                <a:gd name="connsiteY9" fmla="*/ 281354 h 467607"/>
-                <a:gd name="connsiteX10" fmla="*/ 175846 w 228600"/>
-                <a:gd name="connsiteY10" fmla="*/ 246185 h 467607"/>
-                <a:gd name="connsiteX11" fmla="*/ 167054 w 228600"/>
-                <a:gd name="connsiteY11" fmla="*/ 219808 h 467607"/>
-                <a:gd name="connsiteX12" fmla="*/ 114300 w 228600"/>
-                <a:gd name="connsiteY12" fmla="*/ 211016 h 467607"/>
-                <a:gd name="connsiteX13" fmla="*/ 87923 w 228600"/>
-                <a:gd name="connsiteY13" fmla="*/ 202223 h 467607"/>
-                <a:gd name="connsiteX14" fmla="*/ 61546 w 228600"/>
-                <a:gd name="connsiteY14" fmla="*/ 211016 h 467607"/>
-                <a:gd name="connsiteX0" fmla="*/ 184639 w 228889"/>
-                <a:gd name="connsiteY0" fmla="*/ 0 h 467607"/>
-                <a:gd name="connsiteX1" fmla="*/ 114300 w 228889"/>
-                <a:gd name="connsiteY1" fmla="*/ 35169 h 467607"/>
-                <a:gd name="connsiteX2" fmla="*/ 61546 w 228889"/>
-                <a:gd name="connsiteY2" fmla="*/ 87923 h 467607"/>
-                <a:gd name="connsiteX3" fmla="*/ 26377 w 228889"/>
-                <a:gd name="connsiteY3" fmla="*/ 167054 h 467607"/>
-                <a:gd name="connsiteX4" fmla="*/ 0 w 228889"/>
-                <a:gd name="connsiteY4" fmla="*/ 263769 h 467607"/>
-                <a:gd name="connsiteX5" fmla="*/ 26377 w 228889"/>
-                <a:gd name="connsiteY5" fmla="*/ 378069 h 467607"/>
-                <a:gd name="connsiteX6" fmla="*/ 52754 w 228889"/>
-                <a:gd name="connsiteY6" fmla="*/ 430823 h 467607"/>
-                <a:gd name="connsiteX7" fmla="*/ 149469 w 228889"/>
-                <a:gd name="connsiteY7" fmla="*/ 465993 h 467607"/>
-                <a:gd name="connsiteX8" fmla="*/ 228600 w 228889"/>
-                <a:gd name="connsiteY8" fmla="*/ 378069 h 467607"/>
-                <a:gd name="connsiteX9" fmla="*/ 175846 w 228889"/>
-                <a:gd name="connsiteY9" fmla="*/ 246185 h 467607"/>
-                <a:gd name="connsiteX10" fmla="*/ 167054 w 228889"/>
-                <a:gd name="connsiteY10" fmla="*/ 219808 h 467607"/>
-                <a:gd name="connsiteX11" fmla="*/ 114300 w 228889"/>
-                <a:gd name="connsiteY11" fmla="*/ 211016 h 467607"/>
-                <a:gd name="connsiteX12" fmla="*/ 87923 w 228889"/>
-                <a:gd name="connsiteY12" fmla="*/ 202223 h 467607"/>
-                <a:gd name="connsiteX13" fmla="*/ 61546 w 228889"/>
-                <a:gd name="connsiteY13" fmla="*/ 211016 h 467607"/>
-                <a:gd name="connsiteX0" fmla="*/ 184639 w 228889"/>
-                <a:gd name="connsiteY0" fmla="*/ 0 h 467607"/>
-                <a:gd name="connsiteX1" fmla="*/ 114300 w 228889"/>
-                <a:gd name="connsiteY1" fmla="*/ 35169 h 467607"/>
-                <a:gd name="connsiteX2" fmla="*/ 61546 w 228889"/>
-                <a:gd name="connsiteY2" fmla="*/ 87923 h 467607"/>
-                <a:gd name="connsiteX3" fmla="*/ 26377 w 228889"/>
-                <a:gd name="connsiteY3" fmla="*/ 167054 h 467607"/>
-                <a:gd name="connsiteX4" fmla="*/ 0 w 228889"/>
-                <a:gd name="connsiteY4" fmla="*/ 263769 h 467607"/>
-                <a:gd name="connsiteX5" fmla="*/ 26377 w 228889"/>
-                <a:gd name="connsiteY5" fmla="*/ 378069 h 467607"/>
-                <a:gd name="connsiteX6" fmla="*/ 52754 w 228889"/>
-                <a:gd name="connsiteY6" fmla="*/ 430823 h 467607"/>
-                <a:gd name="connsiteX7" fmla="*/ 149469 w 228889"/>
-                <a:gd name="connsiteY7" fmla="*/ 465993 h 467607"/>
-                <a:gd name="connsiteX8" fmla="*/ 228600 w 228889"/>
-                <a:gd name="connsiteY8" fmla="*/ 378069 h 467607"/>
-                <a:gd name="connsiteX9" fmla="*/ 175846 w 228889"/>
-                <a:gd name="connsiteY9" fmla="*/ 246185 h 467607"/>
-                <a:gd name="connsiteX10" fmla="*/ 114300 w 228889"/>
-                <a:gd name="connsiteY10" fmla="*/ 211016 h 467607"/>
-                <a:gd name="connsiteX11" fmla="*/ 87923 w 228889"/>
-                <a:gd name="connsiteY11" fmla="*/ 202223 h 467607"/>
-                <a:gd name="connsiteX12" fmla="*/ 61546 w 228889"/>
-                <a:gd name="connsiteY12" fmla="*/ 211016 h 467607"/>
-                <a:gd name="connsiteX0" fmla="*/ 184639 w 228889"/>
-                <a:gd name="connsiteY0" fmla="*/ 0 h 467607"/>
-                <a:gd name="connsiteX1" fmla="*/ 114300 w 228889"/>
-                <a:gd name="connsiteY1" fmla="*/ 35169 h 467607"/>
-                <a:gd name="connsiteX2" fmla="*/ 61546 w 228889"/>
-                <a:gd name="connsiteY2" fmla="*/ 87923 h 467607"/>
-                <a:gd name="connsiteX3" fmla="*/ 26377 w 228889"/>
-                <a:gd name="connsiteY3" fmla="*/ 167054 h 467607"/>
-                <a:gd name="connsiteX4" fmla="*/ 0 w 228889"/>
-                <a:gd name="connsiteY4" fmla="*/ 263769 h 467607"/>
-                <a:gd name="connsiteX5" fmla="*/ 26377 w 228889"/>
-                <a:gd name="connsiteY5" fmla="*/ 378069 h 467607"/>
-                <a:gd name="connsiteX6" fmla="*/ 52754 w 228889"/>
-                <a:gd name="connsiteY6" fmla="*/ 430823 h 467607"/>
-                <a:gd name="connsiteX7" fmla="*/ 149469 w 228889"/>
-                <a:gd name="connsiteY7" fmla="*/ 465993 h 467607"/>
-                <a:gd name="connsiteX8" fmla="*/ 228600 w 228889"/>
-                <a:gd name="connsiteY8" fmla="*/ 378069 h 467607"/>
-                <a:gd name="connsiteX9" fmla="*/ 175846 w 228889"/>
-                <a:gd name="connsiteY9" fmla="*/ 246185 h 467607"/>
-                <a:gd name="connsiteX10" fmla="*/ 114300 w 228889"/>
-                <a:gd name="connsiteY10" fmla="*/ 211016 h 467607"/>
-                <a:gd name="connsiteX11" fmla="*/ 61546 w 228889"/>
-                <a:gd name="connsiteY11" fmla="*/ 211016 h 467607"/>
-                <a:gd name="connsiteX0" fmla="*/ 184639 w 228889"/>
-                <a:gd name="connsiteY0" fmla="*/ 0 h 468984"/>
-                <a:gd name="connsiteX1" fmla="*/ 114300 w 228889"/>
-                <a:gd name="connsiteY1" fmla="*/ 35169 h 468984"/>
-                <a:gd name="connsiteX2" fmla="*/ 61546 w 228889"/>
-                <a:gd name="connsiteY2" fmla="*/ 87923 h 468984"/>
-                <a:gd name="connsiteX3" fmla="*/ 26377 w 228889"/>
-                <a:gd name="connsiteY3" fmla="*/ 167054 h 468984"/>
-                <a:gd name="connsiteX4" fmla="*/ 0 w 228889"/>
-                <a:gd name="connsiteY4" fmla="*/ 263769 h 468984"/>
-                <a:gd name="connsiteX5" fmla="*/ 52754 w 228889"/>
-                <a:gd name="connsiteY5" fmla="*/ 430823 h 468984"/>
-                <a:gd name="connsiteX6" fmla="*/ 149469 w 228889"/>
-                <a:gd name="connsiteY6" fmla="*/ 465993 h 468984"/>
-                <a:gd name="connsiteX7" fmla="*/ 228600 w 228889"/>
-                <a:gd name="connsiteY7" fmla="*/ 378069 h 468984"/>
-                <a:gd name="connsiteX8" fmla="*/ 175846 w 228889"/>
-                <a:gd name="connsiteY8" fmla="*/ 246185 h 468984"/>
-                <a:gd name="connsiteX9" fmla="*/ 114300 w 228889"/>
-                <a:gd name="connsiteY9" fmla="*/ 211016 h 468984"/>
-                <a:gd name="connsiteX10" fmla="*/ 61546 w 228889"/>
-                <a:gd name="connsiteY10" fmla="*/ 211016 h 468984"/>
-                <a:gd name="connsiteX0" fmla="*/ 184691 w 228941"/>
-                <a:gd name="connsiteY0" fmla="*/ 0 h 468984"/>
-                <a:gd name="connsiteX1" fmla="*/ 114352 w 228941"/>
-                <a:gd name="connsiteY1" fmla="*/ 35169 h 468984"/>
-                <a:gd name="connsiteX2" fmla="*/ 61598 w 228941"/>
-                <a:gd name="connsiteY2" fmla="*/ 87923 h 468984"/>
-                <a:gd name="connsiteX3" fmla="*/ 52 w 228941"/>
-                <a:gd name="connsiteY3" fmla="*/ 263769 h 468984"/>
-                <a:gd name="connsiteX4" fmla="*/ 52806 w 228941"/>
-                <a:gd name="connsiteY4" fmla="*/ 430823 h 468984"/>
-                <a:gd name="connsiteX5" fmla="*/ 149521 w 228941"/>
-                <a:gd name="connsiteY5" fmla="*/ 465993 h 468984"/>
-                <a:gd name="connsiteX6" fmla="*/ 228652 w 228941"/>
-                <a:gd name="connsiteY6" fmla="*/ 378069 h 468984"/>
-                <a:gd name="connsiteX7" fmla="*/ 175898 w 228941"/>
-                <a:gd name="connsiteY7" fmla="*/ 246185 h 468984"/>
-                <a:gd name="connsiteX8" fmla="*/ 114352 w 228941"/>
-                <a:gd name="connsiteY8" fmla="*/ 211016 h 468984"/>
-                <a:gd name="connsiteX9" fmla="*/ 61598 w 228941"/>
-                <a:gd name="connsiteY9" fmla="*/ 211016 h 468984"/>
-                <a:gd name="connsiteX0" fmla="*/ 184691 w 228652"/>
-                <a:gd name="connsiteY0" fmla="*/ 0 h 468984"/>
-                <a:gd name="connsiteX1" fmla="*/ 114352 w 228652"/>
-                <a:gd name="connsiteY1" fmla="*/ 35169 h 468984"/>
-                <a:gd name="connsiteX2" fmla="*/ 61598 w 228652"/>
-                <a:gd name="connsiteY2" fmla="*/ 87923 h 468984"/>
-                <a:gd name="connsiteX3" fmla="*/ 52 w 228652"/>
-                <a:gd name="connsiteY3" fmla="*/ 263769 h 468984"/>
-                <a:gd name="connsiteX4" fmla="*/ 52806 w 228652"/>
-                <a:gd name="connsiteY4" fmla="*/ 430823 h 468984"/>
-                <a:gd name="connsiteX5" fmla="*/ 149521 w 228652"/>
-                <a:gd name="connsiteY5" fmla="*/ 465993 h 468984"/>
-                <a:gd name="connsiteX6" fmla="*/ 228652 w 228652"/>
-                <a:gd name="connsiteY6" fmla="*/ 378069 h 468984"/>
-                <a:gd name="connsiteX7" fmla="*/ 114352 w 228652"/>
-                <a:gd name="connsiteY7" fmla="*/ 211016 h 468984"/>
-                <a:gd name="connsiteX8" fmla="*/ 61598 w 228652"/>
-                <a:gd name="connsiteY8" fmla="*/ 211016 h 468984"/>
-                <a:gd name="connsiteX0" fmla="*/ 184691 w 228652"/>
-                <a:gd name="connsiteY0" fmla="*/ 0 h 468984"/>
-                <a:gd name="connsiteX1" fmla="*/ 114352 w 228652"/>
-                <a:gd name="connsiteY1" fmla="*/ 35169 h 468984"/>
-                <a:gd name="connsiteX2" fmla="*/ 61598 w 228652"/>
-                <a:gd name="connsiteY2" fmla="*/ 87923 h 468984"/>
-                <a:gd name="connsiteX3" fmla="*/ 52 w 228652"/>
-                <a:gd name="connsiteY3" fmla="*/ 263769 h 468984"/>
-                <a:gd name="connsiteX4" fmla="*/ 52806 w 228652"/>
-                <a:gd name="connsiteY4" fmla="*/ 430823 h 468984"/>
-                <a:gd name="connsiteX5" fmla="*/ 149521 w 228652"/>
-                <a:gd name="connsiteY5" fmla="*/ 465993 h 468984"/>
-                <a:gd name="connsiteX6" fmla="*/ 228652 w 228652"/>
-                <a:gd name="connsiteY6" fmla="*/ 378069 h 468984"/>
-                <a:gd name="connsiteX7" fmla="*/ 175653 w 228652"/>
-                <a:gd name="connsiteY7" fmla="*/ 246774 h 468984"/>
-                <a:gd name="connsiteX8" fmla="*/ 61598 w 228652"/>
-                <a:gd name="connsiteY8" fmla="*/ 211016 h 468984"/>
-                <a:gd name="connsiteX0" fmla="*/ 184691 w 228652"/>
-                <a:gd name="connsiteY0" fmla="*/ 0 h 468984"/>
-                <a:gd name="connsiteX1" fmla="*/ 61598 w 228652"/>
-                <a:gd name="connsiteY1" fmla="*/ 87923 h 468984"/>
-                <a:gd name="connsiteX2" fmla="*/ 52 w 228652"/>
-                <a:gd name="connsiteY2" fmla="*/ 263769 h 468984"/>
-                <a:gd name="connsiteX3" fmla="*/ 52806 w 228652"/>
-                <a:gd name="connsiteY3" fmla="*/ 430823 h 468984"/>
-                <a:gd name="connsiteX4" fmla="*/ 149521 w 228652"/>
-                <a:gd name="connsiteY4" fmla="*/ 465993 h 468984"/>
-                <a:gd name="connsiteX5" fmla="*/ 228652 w 228652"/>
-                <a:gd name="connsiteY5" fmla="*/ 378069 h 468984"/>
-                <a:gd name="connsiteX6" fmla="*/ 175653 w 228652"/>
-                <a:gd name="connsiteY6" fmla="*/ 246774 h 468984"/>
-                <a:gd name="connsiteX7" fmla="*/ 61598 w 228652"/>
-                <a:gd name="connsiteY7" fmla="*/ 211016 h 468984"/>
-                <a:gd name="connsiteX0" fmla="*/ 184743 w 228704"/>
-                <a:gd name="connsiteY0" fmla="*/ 0 h 466255"/>
-                <a:gd name="connsiteX1" fmla="*/ 61650 w 228704"/>
-                <a:gd name="connsiteY1" fmla="*/ 87923 h 466255"/>
-                <a:gd name="connsiteX2" fmla="*/ 104 w 228704"/>
-                <a:gd name="connsiteY2" fmla="*/ 263769 h 466255"/>
-                <a:gd name="connsiteX3" fmla="*/ 37533 w 228704"/>
-                <a:gd name="connsiteY3" fmla="*/ 400173 h 466255"/>
-                <a:gd name="connsiteX4" fmla="*/ 149573 w 228704"/>
-                <a:gd name="connsiteY4" fmla="*/ 465993 h 466255"/>
-                <a:gd name="connsiteX5" fmla="*/ 228704 w 228704"/>
-                <a:gd name="connsiteY5" fmla="*/ 378069 h 466255"/>
-                <a:gd name="connsiteX6" fmla="*/ 175705 w 228704"/>
-                <a:gd name="connsiteY6" fmla="*/ 246774 h 466255"/>
-                <a:gd name="connsiteX7" fmla="*/ 61650 w 228704"/>
-                <a:gd name="connsiteY7" fmla="*/ 211016 h 466255"/>
-                <a:gd name="connsiteX0" fmla="*/ 184743 w 228704"/>
-                <a:gd name="connsiteY0" fmla="*/ 0 h 453581"/>
-                <a:gd name="connsiteX1" fmla="*/ 61650 w 228704"/>
-                <a:gd name="connsiteY1" fmla="*/ 87923 h 453581"/>
-                <a:gd name="connsiteX2" fmla="*/ 104 w 228704"/>
-                <a:gd name="connsiteY2" fmla="*/ 263769 h 453581"/>
-                <a:gd name="connsiteX3" fmla="*/ 37533 w 228704"/>
-                <a:gd name="connsiteY3" fmla="*/ 400173 h 453581"/>
-                <a:gd name="connsiteX4" fmla="*/ 149573 w 228704"/>
-                <a:gd name="connsiteY4" fmla="*/ 453222 h 453581"/>
-                <a:gd name="connsiteX5" fmla="*/ 228704 w 228704"/>
-                <a:gd name="connsiteY5" fmla="*/ 378069 h 453581"/>
-                <a:gd name="connsiteX6" fmla="*/ 175705 w 228704"/>
-                <a:gd name="connsiteY6" fmla="*/ 246774 h 453581"/>
-                <a:gd name="connsiteX7" fmla="*/ 61650 w 228704"/>
-                <a:gd name="connsiteY7" fmla="*/ 211016 h 453581"/>
-                <a:gd name="connsiteX0" fmla="*/ 184743 w 226150"/>
-                <a:gd name="connsiteY0" fmla="*/ 0 h 455256"/>
-                <a:gd name="connsiteX1" fmla="*/ 61650 w 226150"/>
-                <a:gd name="connsiteY1" fmla="*/ 87923 h 455256"/>
-                <a:gd name="connsiteX2" fmla="*/ 104 w 226150"/>
-                <a:gd name="connsiteY2" fmla="*/ 263769 h 455256"/>
-                <a:gd name="connsiteX3" fmla="*/ 37533 w 226150"/>
-                <a:gd name="connsiteY3" fmla="*/ 400173 h 455256"/>
-                <a:gd name="connsiteX4" fmla="*/ 149573 w 226150"/>
-                <a:gd name="connsiteY4" fmla="*/ 453222 h 455256"/>
-                <a:gd name="connsiteX5" fmla="*/ 226150 w 226150"/>
-                <a:gd name="connsiteY5" fmla="*/ 337202 h 455256"/>
-                <a:gd name="connsiteX6" fmla="*/ 175705 w 226150"/>
-                <a:gd name="connsiteY6" fmla="*/ 246774 h 455256"/>
-                <a:gd name="connsiteX7" fmla="*/ 61650 w 226150"/>
-                <a:gd name="connsiteY7" fmla="*/ 211016 h 455256"/>
-              </a:gdLst>
-              <a:ahLst/>
-              <a:cxnLst>
-                <a:cxn ang="0">
-                  <a:pos x="connsiteX0" y="connsiteY0"/>
-                </a:cxn>
-                <a:cxn ang="0">
-                  <a:pos x="connsiteX1" y="connsiteY1"/>
-                </a:cxn>
-                <a:cxn ang="0">
-                  <a:pos x="connsiteX2" y="connsiteY2"/>
-                </a:cxn>
-                <a:cxn ang="0">
-                  <a:pos x="connsiteX3" y="connsiteY3"/>
-                </a:cxn>
-                <a:cxn ang="0">
-                  <a:pos x="connsiteX4" y="connsiteY4"/>
-                </a:cxn>
-                <a:cxn ang="0">
-                  <a:pos x="connsiteX5" y="connsiteY5"/>
-                </a:cxn>
-                <a:cxn ang="0">
-                  <a:pos x="connsiteX6" y="connsiteY6"/>
-                </a:cxn>
-                <a:cxn ang="0">
-                  <a:pos x="connsiteX7" y="connsiteY7"/>
-                </a:cxn>
-              </a:cxnLst>
-              <a:rect l="l" t="t" r="r" b="b"/>
-              <a:pathLst>
-                <a:path w="226150" h="455256">
-                  <a:moveTo>
-                    <a:pt x="184743" y="0"/>
-                  </a:moveTo>
-                  <a:cubicBezTo>
-                    <a:pt x="159099" y="18317"/>
-                    <a:pt x="92423" y="43962"/>
-                    <a:pt x="61650" y="87923"/>
-                  </a:cubicBezTo>
-                  <a:cubicBezTo>
-                    <a:pt x="30877" y="131885"/>
-                    <a:pt x="1569" y="206619"/>
-                    <a:pt x="104" y="263769"/>
-                  </a:cubicBezTo>
-                  <a:cubicBezTo>
-                    <a:pt x="-1361" y="320919"/>
-                    <a:pt x="12622" y="368598"/>
-                    <a:pt x="37533" y="400173"/>
-                  </a:cubicBezTo>
-                  <a:cubicBezTo>
-                    <a:pt x="62445" y="431749"/>
-                    <a:pt x="118137" y="463717"/>
-                    <a:pt x="149573" y="453222"/>
-                  </a:cubicBezTo>
-                  <a:cubicBezTo>
-                    <a:pt x="181009" y="442727"/>
-                    <a:pt x="217358" y="367975"/>
-                    <a:pt x="226150" y="337202"/>
-                  </a:cubicBezTo>
-                  <a:cubicBezTo>
-                    <a:pt x="220289" y="294706"/>
-                    <a:pt x="203122" y="267805"/>
-                    <a:pt x="175705" y="246774"/>
-                  </a:cubicBezTo>
-                  <a:cubicBezTo>
-                    <a:pt x="148288" y="225743"/>
-                    <a:pt x="72640" y="211016"/>
-                    <a:pt x="61650" y="211016"/>
-                  </a:cubicBezTo>
-                </a:path>
-              </a:pathLst>
-            </a:custGeom>
-            <a:noFill/>
-            <a:ln w="25400">
-              <a:solidFill>
-                <a:schemeClr val="tx1"/>
-              </a:solidFill>
-            </a:ln>
-          </p:spPr>
-          <p:style>
-            <a:lnRef idx="2">
-              <a:schemeClr val="accent1">
-                <a:shade val="50000"/>
-              </a:schemeClr>
-            </a:lnRef>
-            <a:fillRef idx="1">
-              <a:schemeClr val="accent1"/>
-            </a:fillRef>
-            <a:effectRef idx="0">
-              <a:schemeClr val="accent1"/>
-            </a:effectRef>
-            <a:fontRef idx="minor">
-              <a:schemeClr val="lt1"/>
-            </a:fontRef>
-          </p:style>
-          <p:txBody>
-            <a:bodyPr rtlCol="0" anchor="ctr"/>
-            <a:lstStyle/>
-            <a:p>
-              <a:pPr algn="ctr"/>
-              <a:endParaRPr lang="sv-SE"/>
-            </a:p>
-          </p:txBody>
-        </p:sp>
-        <p:sp>
-          <p:nvSpPr>
-            <p:cNvPr id="106" name="Freeform 105"/>
-            <p:cNvSpPr/>
-            <p:nvPr/>
-          </p:nvSpPr>
-          <p:spPr>
-            <a:xfrm rot="3640251">
-              <a:off x="7508575" y="1623816"/>
-              <a:ext cx="356550" cy="206238"/>
-            </a:xfrm>
-            <a:custGeom>
-              <a:avLst/>
-              <a:gdLst>
-                <a:gd name="connsiteX0" fmla="*/ 279941 w 578895"/>
-                <a:gd name="connsiteY0" fmla="*/ 5179 h 369751"/>
-                <a:gd name="connsiteX1" fmla="*/ 578752 w 578895"/>
-                <a:gd name="connsiteY1" fmla="*/ 155061 h 369751"/>
-                <a:gd name="connsiteX2" fmla="*/ 118421 w 578895"/>
-                <a:gd name="connsiteY2" fmla="*/ 367303 h 369751"/>
-                <a:gd name="connsiteX3" fmla="*/ 23092 w 578895"/>
-                <a:gd name="connsiteY3" fmla="*/ 369606 h 369751"/>
-                <a:gd name="connsiteX4" fmla="*/ 0 w 578895"/>
-                <a:gd name="connsiteY4" fmla="*/ 368304 h 369751"/>
-                <a:gd name="connsiteX5" fmla="*/ 0 w 578895"/>
-                <a:gd name="connsiteY5" fmla="*/ 12258 h 369751"/>
-                <a:gd name="connsiteX6" fmla="*/ 505 w 578895"/>
-                <a:gd name="connsiteY6" fmla="*/ 12164 h 369751"/>
-                <a:gd name="connsiteX7" fmla="*/ 95367 w 578895"/>
-                <a:gd name="connsiteY7" fmla="*/ 2449 h 369751"/>
-                <a:gd name="connsiteX8" fmla="*/ 279941 w 578895"/>
-                <a:gd name="connsiteY8" fmla="*/ 5179 h 369751"/>
-                <a:gd name="connsiteX0" fmla="*/ 279941 w 578895"/>
-                <a:gd name="connsiteY0" fmla="*/ 5179 h 369751"/>
-                <a:gd name="connsiteX1" fmla="*/ 578752 w 578895"/>
-                <a:gd name="connsiteY1" fmla="*/ 155061 h 369751"/>
-                <a:gd name="connsiteX2" fmla="*/ 118421 w 578895"/>
-                <a:gd name="connsiteY2" fmla="*/ 367303 h 369751"/>
-                <a:gd name="connsiteX3" fmla="*/ 23092 w 578895"/>
-                <a:gd name="connsiteY3" fmla="*/ 369606 h 369751"/>
-                <a:gd name="connsiteX4" fmla="*/ 0 w 578895"/>
-                <a:gd name="connsiteY4" fmla="*/ 368304 h 369751"/>
-                <a:gd name="connsiteX5" fmla="*/ 1303 w 578895"/>
-                <a:gd name="connsiteY5" fmla="*/ 209922 h 369751"/>
-                <a:gd name="connsiteX6" fmla="*/ 0 w 578895"/>
-                <a:gd name="connsiteY6" fmla="*/ 12258 h 369751"/>
-                <a:gd name="connsiteX7" fmla="*/ 505 w 578895"/>
-                <a:gd name="connsiteY7" fmla="*/ 12164 h 369751"/>
-                <a:gd name="connsiteX8" fmla="*/ 95367 w 578895"/>
-                <a:gd name="connsiteY8" fmla="*/ 2449 h 369751"/>
-                <a:gd name="connsiteX9" fmla="*/ 279941 w 578895"/>
-                <a:gd name="connsiteY9" fmla="*/ 5179 h 369751"/>
-                <a:gd name="connsiteX0" fmla="*/ 340282 w 639236"/>
-                <a:gd name="connsiteY0" fmla="*/ 5179 h 369751"/>
-                <a:gd name="connsiteX1" fmla="*/ 639093 w 639236"/>
-                <a:gd name="connsiteY1" fmla="*/ 155061 h 369751"/>
-                <a:gd name="connsiteX2" fmla="*/ 178762 w 639236"/>
-                <a:gd name="connsiteY2" fmla="*/ 367303 h 369751"/>
-                <a:gd name="connsiteX3" fmla="*/ 83433 w 639236"/>
-                <a:gd name="connsiteY3" fmla="*/ 369606 h 369751"/>
-                <a:gd name="connsiteX4" fmla="*/ 60341 w 639236"/>
-                <a:gd name="connsiteY4" fmla="*/ 368304 h 369751"/>
-                <a:gd name="connsiteX5" fmla="*/ 2 w 639236"/>
-                <a:gd name="connsiteY5" fmla="*/ 181615 h 369751"/>
-                <a:gd name="connsiteX6" fmla="*/ 60341 w 639236"/>
-                <a:gd name="connsiteY6" fmla="*/ 12258 h 369751"/>
-                <a:gd name="connsiteX7" fmla="*/ 60846 w 639236"/>
-                <a:gd name="connsiteY7" fmla="*/ 12164 h 369751"/>
-                <a:gd name="connsiteX8" fmla="*/ 155708 w 639236"/>
-                <a:gd name="connsiteY8" fmla="*/ 2449 h 369751"/>
-                <a:gd name="connsiteX9" fmla="*/ 340282 w 639236"/>
-                <a:gd name="connsiteY9" fmla="*/ 5179 h 369751"/>
-              </a:gdLst>
-              <a:ahLst/>
-              <a:cxnLst>
-                <a:cxn ang="0">
-                  <a:pos x="connsiteX0" y="connsiteY0"/>
-                </a:cxn>
-                <a:cxn ang="0">
-                  <a:pos x="connsiteX1" y="connsiteY1"/>
-                </a:cxn>
-                <a:cxn ang="0">
-                  <a:pos x="connsiteX2" y="connsiteY2"/>
-                </a:cxn>
-                <a:cxn ang="0">
-                  <a:pos x="connsiteX3" y="connsiteY3"/>
-                </a:cxn>
-                <a:cxn ang="0">
-                  <a:pos x="connsiteX4" y="connsiteY4"/>
-                </a:cxn>
-                <a:cxn ang="0">
-                  <a:pos x="connsiteX5" y="connsiteY5"/>
-                </a:cxn>
-                <a:cxn ang="0">
-                  <a:pos x="connsiteX6" y="connsiteY6"/>
-                </a:cxn>
-                <a:cxn ang="0">
-                  <a:pos x="connsiteX7" y="connsiteY7"/>
-                </a:cxn>
-                <a:cxn ang="0">
-                  <a:pos x="connsiteX8" y="connsiteY8"/>
-                </a:cxn>
-                <a:cxn ang="0">
-                  <a:pos x="connsiteX9" y="connsiteY9"/>
-                </a:cxn>
-              </a:cxnLst>
-              <a:rect l="l" t="t" r="r" b="b"/>
-              <a:pathLst>
-                <a:path w="639236" h="369751">
-                  <a:moveTo>
-                    <a:pt x="340282" y="5179"/>
-                  </a:moveTo>
-                  <a:cubicBezTo>
-                    <a:pt x="511389" y="22172"/>
-                    <a:pt x="634318" y="79497"/>
-                    <a:pt x="639093" y="155061"/>
-                  </a:cubicBezTo>
-                  <a:cubicBezTo>
-                    <a:pt x="645459" y="255813"/>
-                    <a:pt x="439362" y="350837"/>
-                    <a:pt x="178762" y="367303"/>
-                  </a:cubicBezTo>
-                  <a:cubicBezTo>
-                    <a:pt x="146187" y="369362"/>
-                    <a:pt x="114302" y="370095"/>
-                    <a:pt x="83433" y="369606"/>
-                  </a:cubicBezTo>
-                  <a:lnTo>
-                    <a:pt x="60341" y="368304"/>
-                  </a:lnTo>
-                  <a:cubicBezTo>
-                    <a:pt x="60775" y="315510"/>
-                    <a:pt x="-432" y="234409"/>
-                    <a:pt x="2" y="181615"/>
-                  </a:cubicBezTo>
-                  <a:cubicBezTo>
-                    <a:pt x="-432" y="115727"/>
-                    <a:pt x="60775" y="78146"/>
-                    <a:pt x="60341" y="12258"/>
-                  </a:cubicBezTo>
-                  <a:lnTo>
-                    <a:pt x="60846" y="12164"/>
-                  </a:lnTo>
-                  <a:cubicBezTo>
-                    <a:pt x="91410" y="7793"/>
-                    <a:pt x="123133" y="4507"/>
-                    <a:pt x="155708" y="2449"/>
-                  </a:cubicBezTo>
-                  <a:cubicBezTo>
-                    <a:pt x="220858" y="-1668"/>
-                    <a:pt x="283247" y="-485"/>
-                    <a:pt x="340282" y="5179"/>
-                  </a:cubicBezTo>
-                  <a:close/>
-                </a:path>
-              </a:pathLst>
-            </a:custGeom>
+            </a:prstGeom>
             <a:solidFill>
-              <a:srgbClr val="CC9F6E"/>
+              <a:schemeClr val="tx1"/>
             </a:solidFill>
             <a:ln w="25400">
               <a:solidFill>
@@ -13022,168 +12148,23 @@
         </p:sp>
         <p:sp>
           <p:nvSpPr>
-            <p:cNvPr id="107" name="Freeform 106"/>
+            <p:cNvPr id="17" name="Oval 16"/>
             <p:cNvSpPr/>
             <p:nvPr/>
           </p:nvSpPr>
           <p:spPr>
-            <a:xfrm rot="7932682">
-              <a:off x="8048943" y="1625845"/>
-              <a:ext cx="356550" cy="206238"/>
+            <a:xfrm rot="636239">
+              <a:off x="7383110" y="2670666"/>
+              <a:ext cx="49175" cy="34137"/>
             </a:xfrm>
-            <a:custGeom>
+            <a:prstGeom prst="ellipse">
               <a:avLst/>
-              <a:gdLst>
-                <a:gd name="connsiteX0" fmla="*/ 279941 w 578895"/>
-                <a:gd name="connsiteY0" fmla="*/ 5179 h 369751"/>
-                <a:gd name="connsiteX1" fmla="*/ 578752 w 578895"/>
-                <a:gd name="connsiteY1" fmla="*/ 155061 h 369751"/>
-                <a:gd name="connsiteX2" fmla="*/ 118421 w 578895"/>
-                <a:gd name="connsiteY2" fmla="*/ 367303 h 369751"/>
-                <a:gd name="connsiteX3" fmla="*/ 23092 w 578895"/>
-                <a:gd name="connsiteY3" fmla="*/ 369606 h 369751"/>
-                <a:gd name="connsiteX4" fmla="*/ 0 w 578895"/>
-                <a:gd name="connsiteY4" fmla="*/ 368304 h 369751"/>
-                <a:gd name="connsiteX5" fmla="*/ 0 w 578895"/>
-                <a:gd name="connsiteY5" fmla="*/ 12258 h 369751"/>
-                <a:gd name="connsiteX6" fmla="*/ 505 w 578895"/>
-                <a:gd name="connsiteY6" fmla="*/ 12164 h 369751"/>
-                <a:gd name="connsiteX7" fmla="*/ 95367 w 578895"/>
-                <a:gd name="connsiteY7" fmla="*/ 2449 h 369751"/>
-                <a:gd name="connsiteX8" fmla="*/ 279941 w 578895"/>
-                <a:gd name="connsiteY8" fmla="*/ 5179 h 369751"/>
-                <a:gd name="connsiteX0" fmla="*/ 279941 w 578895"/>
-                <a:gd name="connsiteY0" fmla="*/ 5179 h 369751"/>
-                <a:gd name="connsiteX1" fmla="*/ 578752 w 578895"/>
-                <a:gd name="connsiteY1" fmla="*/ 155061 h 369751"/>
-                <a:gd name="connsiteX2" fmla="*/ 118421 w 578895"/>
-                <a:gd name="connsiteY2" fmla="*/ 367303 h 369751"/>
-                <a:gd name="connsiteX3" fmla="*/ 23092 w 578895"/>
-                <a:gd name="connsiteY3" fmla="*/ 369606 h 369751"/>
-                <a:gd name="connsiteX4" fmla="*/ 0 w 578895"/>
-                <a:gd name="connsiteY4" fmla="*/ 368304 h 369751"/>
-                <a:gd name="connsiteX5" fmla="*/ 1303 w 578895"/>
-                <a:gd name="connsiteY5" fmla="*/ 209922 h 369751"/>
-                <a:gd name="connsiteX6" fmla="*/ 0 w 578895"/>
-                <a:gd name="connsiteY6" fmla="*/ 12258 h 369751"/>
-                <a:gd name="connsiteX7" fmla="*/ 505 w 578895"/>
-                <a:gd name="connsiteY7" fmla="*/ 12164 h 369751"/>
-                <a:gd name="connsiteX8" fmla="*/ 95367 w 578895"/>
-                <a:gd name="connsiteY8" fmla="*/ 2449 h 369751"/>
-                <a:gd name="connsiteX9" fmla="*/ 279941 w 578895"/>
-                <a:gd name="connsiteY9" fmla="*/ 5179 h 369751"/>
-                <a:gd name="connsiteX0" fmla="*/ 340282 w 639236"/>
-                <a:gd name="connsiteY0" fmla="*/ 5179 h 369751"/>
-                <a:gd name="connsiteX1" fmla="*/ 639093 w 639236"/>
-                <a:gd name="connsiteY1" fmla="*/ 155061 h 369751"/>
-                <a:gd name="connsiteX2" fmla="*/ 178762 w 639236"/>
-                <a:gd name="connsiteY2" fmla="*/ 367303 h 369751"/>
-                <a:gd name="connsiteX3" fmla="*/ 83433 w 639236"/>
-                <a:gd name="connsiteY3" fmla="*/ 369606 h 369751"/>
-                <a:gd name="connsiteX4" fmla="*/ 60341 w 639236"/>
-                <a:gd name="connsiteY4" fmla="*/ 368304 h 369751"/>
-                <a:gd name="connsiteX5" fmla="*/ 2 w 639236"/>
-                <a:gd name="connsiteY5" fmla="*/ 181615 h 369751"/>
-                <a:gd name="connsiteX6" fmla="*/ 60341 w 639236"/>
-                <a:gd name="connsiteY6" fmla="*/ 12258 h 369751"/>
-                <a:gd name="connsiteX7" fmla="*/ 60846 w 639236"/>
-                <a:gd name="connsiteY7" fmla="*/ 12164 h 369751"/>
-                <a:gd name="connsiteX8" fmla="*/ 155708 w 639236"/>
-                <a:gd name="connsiteY8" fmla="*/ 2449 h 369751"/>
-                <a:gd name="connsiteX9" fmla="*/ 340282 w 639236"/>
-                <a:gd name="connsiteY9" fmla="*/ 5179 h 369751"/>
-              </a:gdLst>
-              <a:ahLst/>
-              <a:cxnLst>
-                <a:cxn ang="0">
-                  <a:pos x="connsiteX0" y="connsiteY0"/>
-                </a:cxn>
-                <a:cxn ang="0">
-                  <a:pos x="connsiteX1" y="connsiteY1"/>
-                </a:cxn>
-                <a:cxn ang="0">
-                  <a:pos x="connsiteX2" y="connsiteY2"/>
-                </a:cxn>
-                <a:cxn ang="0">
-                  <a:pos x="connsiteX3" y="connsiteY3"/>
-                </a:cxn>
-                <a:cxn ang="0">
-                  <a:pos x="connsiteX4" y="connsiteY4"/>
-                </a:cxn>
-                <a:cxn ang="0">
-                  <a:pos x="connsiteX5" y="connsiteY5"/>
-                </a:cxn>
-                <a:cxn ang="0">
-                  <a:pos x="connsiteX6" y="connsiteY6"/>
-                </a:cxn>
-                <a:cxn ang="0">
-                  <a:pos x="connsiteX7" y="connsiteY7"/>
-                </a:cxn>
-                <a:cxn ang="0">
-                  <a:pos x="connsiteX8" y="connsiteY8"/>
-                </a:cxn>
-                <a:cxn ang="0">
-                  <a:pos x="connsiteX9" y="connsiteY9"/>
-                </a:cxn>
-              </a:cxnLst>
-              <a:rect l="l" t="t" r="r" b="b"/>
-              <a:pathLst>
-                <a:path w="639236" h="369751">
-                  <a:moveTo>
-                    <a:pt x="340282" y="5179"/>
-                  </a:moveTo>
-                  <a:cubicBezTo>
-                    <a:pt x="511389" y="22172"/>
-                    <a:pt x="634318" y="79497"/>
-                    <a:pt x="639093" y="155061"/>
-                  </a:cubicBezTo>
-                  <a:cubicBezTo>
-                    <a:pt x="645459" y="255813"/>
-                    <a:pt x="439362" y="350837"/>
-                    <a:pt x="178762" y="367303"/>
-                  </a:cubicBezTo>
-                  <a:cubicBezTo>
-                    <a:pt x="146187" y="369362"/>
-                    <a:pt x="114302" y="370095"/>
-                    <a:pt x="83433" y="369606"/>
-                  </a:cubicBezTo>
-                  <a:lnTo>
-                    <a:pt x="60341" y="368304"/>
-                  </a:lnTo>
-                  <a:cubicBezTo>
-                    <a:pt x="60775" y="315510"/>
-                    <a:pt x="-432" y="234409"/>
-                    <a:pt x="2" y="181615"/>
-                  </a:cubicBezTo>
-                  <a:cubicBezTo>
-                    <a:pt x="-432" y="115727"/>
-                    <a:pt x="60775" y="78146"/>
-                    <a:pt x="60341" y="12258"/>
-                  </a:cubicBezTo>
-                  <a:lnTo>
-                    <a:pt x="60846" y="12164"/>
-                  </a:lnTo>
-                  <a:cubicBezTo>
-                    <a:pt x="91410" y="7793"/>
-                    <a:pt x="123133" y="4507"/>
-                    <a:pt x="155708" y="2449"/>
-                  </a:cubicBezTo>
-                  <a:cubicBezTo>
-                    <a:pt x="220858" y="-1668"/>
-                    <a:pt x="283247" y="-485"/>
-                    <a:pt x="340282" y="5179"/>
-                  </a:cubicBezTo>
-                  <a:close/>
-                </a:path>
-              </a:pathLst>
-            </a:custGeom>
+            </a:prstGeom>
             <a:solidFill>
-              <a:srgbClr val="CC9F6E"/>
+              <a:schemeClr val="bg1"/>
             </a:solidFill>
             <a:ln w="25400">
-              <a:solidFill>
-                <a:schemeClr val="tx1"/>
-              </a:solidFill>
+              <a:noFill/>
             </a:ln>
           </p:spPr>
           <p:style>
@@ -13211,390 +12192,1123 @@
             </a:p>
           </p:txBody>
         </p:sp>
+      </p:grpSp>
+      <p:sp>
+        <p:nvSpPr>
+          <p:cNvPr id="21" name="Oval 20"/>
+          <p:cNvSpPr/>
+          <p:nvPr/>
+        </p:nvSpPr>
+        <p:spPr>
+          <a:xfrm rot="21329767">
+            <a:off x="7637680" y="1453217"/>
+            <a:ext cx="731915" cy="774706"/>
+          </a:xfrm>
+          <a:custGeom>
+            <a:avLst/>
+            <a:gdLst>
+              <a:gd name="connsiteX0" fmla="*/ 0 w 731914"/>
+              <a:gd name="connsiteY0" fmla="*/ 363044 h 726088"/>
+              <a:gd name="connsiteX1" fmla="*/ 365957 w 731914"/>
+              <a:gd name="connsiteY1" fmla="*/ 0 h 726088"/>
+              <a:gd name="connsiteX2" fmla="*/ 731914 w 731914"/>
+              <a:gd name="connsiteY2" fmla="*/ 363044 h 726088"/>
+              <a:gd name="connsiteX3" fmla="*/ 365957 w 731914"/>
+              <a:gd name="connsiteY3" fmla="*/ 726088 h 726088"/>
+              <a:gd name="connsiteX4" fmla="*/ 0 w 731914"/>
+              <a:gd name="connsiteY4" fmla="*/ 363044 h 726088"/>
+              <a:gd name="connsiteX0" fmla="*/ 1 w 731915"/>
+              <a:gd name="connsiteY0" fmla="*/ 411662 h 774706"/>
+              <a:gd name="connsiteX1" fmla="*/ 369788 w 731915"/>
+              <a:gd name="connsiteY1" fmla="*/ 0 h 774706"/>
+              <a:gd name="connsiteX2" fmla="*/ 731915 w 731915"/>
+              <a:gd name="connsiteY2" fmla="*/ 411662 h 774706"/>
+              <a:gd name="connsiteX3" fmla="*/ 365958 w 731915"/>
+              <a:gd name="connsiteY3" fmla="*/ 774706 h 774706"/>
+              <a:gd name="connsiteX4" fmla="*/ 1 w 731915"/>
+              <a:gd name="connsiteY4" fmla="*/ 411662 h 774706"/>
+            </a:gdLst>
+            <a:ahLst/>
+            <a:cxnLst>
+              <a:cxn ang="0">
+                <a:pos x="connsiteX0" y="connsiteY0"/>
+              </a:cxn>
+              <a:cxn ang="0">
+                <a:pos x="connsiteX1" y="connsiteY1"/>
+              </a:cxn>
+              <a:cxn ang="0">
+                <a:pos x="connsiteX2" y="connsiteY2"/>
+              </a:cxn>
+              <a:cxn ang="0">
+                <a:pos x="connsiteX3" y="connsiteY3"/>
+              </a:cxn>
+              <a:cxn ang="0">
+                <a:pos x="connsiteX4" y="connsiteY4"/>
+              </a:cxn>
+            </a:cxnLst>
+            <a:rect l="l" t="t" r="r" b="b"/>
+            <a:pathLst>
+              <a:path w="731915" h="774706">
+                <a:moveTo>
+                  <a:pt x="1" y="411662"/>
+                </a:moveTo>
+                <a:cubicBezTo>
+                  <a:pt x="639" y="282544"/>
+                  <a:pt x="167676" y="0"/>
+                  <a:pt x="369788" y="0"/>
+                </a:cubicBezTo>
+                <a:cubicBezTo>
+                  <a:pt x="571900" y="0"/>
+                  <a:pt x="731915" y="211158"/>
+                  <a:pt x="731915" y="411662"/>
+                </a:cubicBezTo>
+                <a:cubicBezTo>
+                  <a:pt x="731915" y="612166"/>
+                  <a:pt x="568070" y="774706"/>
+                  <a:pt x="365958" y="774706"/>
+                </a:cubicBezTo>
+                <a:cubicBezTo>
+                  <a:pt x="163846" y="774706"/>
+                  <a:pt x="-637" y="540780"/>
+                  <a:pt x="1" y="411662"/>
+                </a:cubicBezTo>
+                <a:close/>
+              </a:path>
+            </a:pathLst>
+          </a:custGeom>
+          <a:solidFill>
+            <a:srgbClr val="4588C6"/>
+          </a:solidFill>
+          <a:ln w="25400">
+            <a:noFill/>
+          </a:ln>
+        </p:spPr>
+        <p:style>
+          <a:lnRef idx="2">
+            <a:schemeClr val="accent1">
+              <a:shade val="50000"/>
+            </a:schemeClr>
+          </a:lnRef>
+          <a:fillRef idx="1">
+            <a:schemeClr val="accent1"/>
+          </a:fillRef>
+          <a:effectRef idx="0">
+            <a:schemeClr val="accent1"/>
+          </a:effectRef>
+          <a:fontRef idx="minor">
+            <a:schemeClr val="lt1"/>
+          </a:fontRef>
+        </p:style>
+        <p:txBody>
+          <a:bodyPr rtlCol="0" anchor="ctr"/>
+          <a:lstStyle/>
+          <a:p>
+            <a:pPr algn="ctr"/>
+            <a:endParaRPr lang="sv-SE"/>
+          </a:p>
+        </p:txBody>
+      </p:sp>
+      <p:sp>
+        <p:nvSpPr>
+          <p:cNvPr id="31" name="Freeform 30"/>
+          <p:cNvSpPr/>
+          <p:nvPr/>
+        </p:nvSpPr>
+        <p:spPr>
+          <a:xfrm rot="20970433">
+            <a:off x="7941757" y="1871793"/>
+            <a:ext cx="85496" cy="95240"/>
+          </a:xfrm>
+          <a:custGeom>
+            <a:avLst/>
+            <a:gdLst>
+              <a:gd name="connsiteX0" fmla="*/ 184639 w 228600"/>
+              <a:gd name="connsiteY0" fmla="*/ 0 h 465993"/>
+              <a:gd name="connsiteX1" fmla="*/ 114300 w 228600"/>
+              <a:gd name="connsiteY1" fmla="*/ 35169 h 465993"/>
+              <a:gd name="connsiteX2" fmla="*/ 96716 w 228600"/>
+              <a:gd name="connsiteY2" fmla="*/ 61546 h 465993"/>
+              <a:gd name="connsiteX3" fmla="*/ 61546 w 228600"/>
+              <a:gd name="connsiteY3" fmla="*/ 87923 h 465993"/>
+              <a:gd name="connsiteX4" fmla="*/ 35169 w 228600"/>
+              <a:gd name="connsiteY4" fmla="*/ 140677 h 465993"/>
+              <a:gd name="connsiteX5" fmla="*/ 26377 w 228600"/>
+              <a:gd name="connsiteY5" fmla="*/ 167054 h 465993"/>
+              <a:gd name="connsiteX6" fmla="*/ 0 w 228600"/>
+              <a:gd name="connsiteY6" fmla="*/ 263769 h 465993"/>
+              <a:gd name="connsiteX7" fmla="*/ 26377 w 228600"/>
+              <a:gd name="connsiteY7" fmla="*/ 378069 h 465993"/>
+              <a:gd name="connsiteX8" fmla="*/ 52754 w 228600"/>
+              <a:gd name="connsiteY8" fmla="*/ 430823 h 465993"/>
+              <a:gd name="connsiteX9" fmla="*/ 96716 w 228600"/>
+              <a:gd name="connsiteY9" fmla="*/ 439616 h 465993"/>
+              <a:gd name="connsiteX10" fmla="*/ 149469 w 228600"/>
+              <a:gd name="connsiteY10" fmla="*/ 465993 h 465993"/>
+              <a:gd name="connsiteX11" fmla="*/ 184639 w 228600"/>
+              <a:gd name="connsiteY11" fmla="*/ 457200 h 465993"/>
+              <a:gd name="connsiteX12" fmla="*/ 228600 w 228600"/>
+              <a:gd name="connsiteY12" fmla="*/ 378069 h 465993"/>
+              <a:gd name="connsiteX13" fmla="*/ 202223 w 228600"/>
+              <a:gd name="connsiteY13" fmla="*/ 281354 h 465993"/>
+              <a:gd name="connsiteX14" fmla="*/ 175846 w 228600"/>
+              <a:gd name="connsiteY14" fmla="*/ 246185 h 465993"/>
+              <a:gd name="connsiteX15" fmla="*/ 167054 w 228600"/>
+              <a:gd name="connsiteY15" fmla="*/ 219808 h 465993"/>
+              <a:gd name="connsiteX16" fmla="*/ 114300 w 228600"/>
+              <a:gd name="connsiteY16" fmla="*/ 211016 h 465993"/>
+              <a:gd name="connsiteX17" fmla="*/ 87923 w 228600"/>
+              <a:gd name="connsiteY17" fmla="*/ 202223 h 465993"/>
+              <a:gd name="connsiteX18" fmla="*/ 61546 w 228600"/>
+              <a:gd name="connsiteY18" fmla="*/ 211016 h 465993"/>
+              <a:gd name="connsiteX0" fmla="*/ 184639 w 228600"/>
+              <a:gd name="connsiteY0" fmla="*/ 0 h 465993"/>
+              <a:gd name="connsiteX1" fmla="*/ 114300 w 228600"/>
+              <a:gd name="connsiteY1" fmla="*/ 35169 h 465993"/>
+              <a:gd name="connsiteX2" fmla="*/ 61546 w 228600"/>
+              <a:gd name="connsiteY2" fmla="*/ 87923 h 465993"/>
+              <a:gd name="connsiteX3" fmla="*/ 35169 w 228600"/>
+              <a:gd name="connsiteY3" fmla="*/ 140677 h 465993"/>
+              <a:gd name="connsiteX4" fmla="*/ 26377 w 228600"/>
+              <a:gd name="connsiteY4" fmla="*/ 167054 h 465993"/>
+              <a:gd name="connsiteX5" fmla="*/ 0 w 228600"/>
+              <a:gd name="connsiteY5" fmla="*/ 263769 h 465993"/>
+              <a:gd name="connsiteX6" fmla="*/ 26377 w 228600"/>
+              <a:gd name="connsiteY6" fmla="*/ 378069 h 465993"/>
+              <a:gd name="connsiteX7" fmla="*/ 52754 w 228600"/>
+              <a:gd name="connsiteY7" fmla="*/ 430823 h 465993"/>
+              <a:gd name="connsiteX8" fmla="*/ 96716 w 228600"/>
+              <a:gd name="connsiteY8" fmla="*/ 439616 h 465993"/>
+              <a:gd name="connsiteX9" fmla="*/ 149469 w 228600"/>
+              <a:gd name="connsiteY9" fmla="*/ 465993 h 465993"/>
+              <a:gd name="connsiteX10" fmla="*/ 184639 w 228600"/>
+              <a:gd name="connsiteY10" fmla="*/ 457200 h 465993"/>
+              <a:gd name="connsiteX11" fmla="*/ 228600 w 228600"/>
+              <a:gd name="connsiteY11" fmla="*/ 378069 h 465993"/>
+              <a:gd name="connsiteX12" fmla="*/ 202223 w 228600"/>
+              <a:gd name="connsiteY12" fmla="*/ 281354 h 465993"/>
+              <a:gd name="connsiteX13" fmla="*/ 175846 w 228600"/>
+              <a:gd name="connsiteY13" fmla="*/ 246185 h 465993"/>
+              <a:gd name="connsiteX14" fmla="*/ 167054 w 228600"/>
+              <a:gd name="connsiteY14" fmla="*/ 219808 h 465993"/>
+              <a:gd name="connsiteX15" fmla="*/ 114300 w 228600"/>
+              <a:gd name="connsiteY15" fmla="*/ 211016 h 465993"/>
+              <a:gd name="connsiteX16" fmla="*/ 87923 w 228600"/>
+              <a:gd name="connsiteY16" fmla="*/ 202223 h 465993"/>
+              <a:gd name="connsiteX17" fmla="*/ 61546 w 228600"/>
+              <a:gd name="connsiteY17" fmla="*/ 211016 h 465993"/>
+              <a:gd name="connsiteX0" fmla="*/ 184639 w 228600"/>
+              <a:gd name="connsiteY0" fmla="*/ 0 h 465993"/>
+              <a:gd name="connsiteX1" fmla="*/ 114300 w 228600"/>
+              <a:gd name="connsiteY1" fmla="*/ 35169 h 465993"/>
+              <a:gd name="connsiteX2" fmla="*/ 61546 w 228600"/>
+              <a:gd name="connsiteY2" fmla="*/ 87923 h 465993"/>
+              <a:gd name="connsiteX3" fmla="*/ 26377 w 228600"/>
+              <a:gd name="connsiteY3" fmla="*/ 167054 h 465993"/>
+              <a:gd name="connsiteX4" fmla="*/ 0 w 228600"/>
+              <a:gd name="connsiteY4" fmla="*/ 263769 h 465993"/>
+              <a:gd name="connsiteX5" fmla="*/ 26377 w 228600"/>
+              <a:gd name="connsiteY5" fmla="*/ 378069 h 465993"/>
+              <a:gd name="connsiteX6" fmla="*/ 52754 w 228600"/>
+              <a:gd name="connsiteY6" fmla="*/ 430823 h 465993"/>
+              <a:gd name="connsiteX7" fmla="*/ 96716 w 228600"/>
+              <a:gd name="connsiteY7" fmla="*/ 439616 h 465993"/>
+              <a:gd name="connsiteX8" fmla="*/ 149469 w 228600"/>
+              <a:gd name="connsiteY8" fmla="*/ 465993 h 465993"/>
+              <a:gd name="connsiteX9" fmla="*/ 184639 w 228600"/>
+              <a:gd name="connsiteY9" fmla="*/ 457200 h 465993"/>
+              <a:gd name="connsiteX10" fmla="*/ 228600 w 228600"/>
+              <a:gd name="connsiteY10" fmla="*/ 378069 h 465993"/>
+              <a:gd name="connsiteX11" fmla="*/ 202223 w 228600"/>
+              <a:gd name="connsiteY11" fmla="*/ 281354 h 465993"/>
+              <a:gd name="connsiteX12" fmla="*/ 175846 w 228600"/>
+              <a:gd name="connsiteY12" fmla="*/ 246185 h 465993"/>
+              <a:gd name="connsiteX13" fmla="*/ 167054 w 228600"/>
+              <a:gd name="connsiteY13" fmla="*/ 219808 h 465993"/>
+              <a:gd name="connsiteX14" fmla="*/ 114300 w 228600"/>
+              <a:gd name="connsiteY14" fmla="*/ 211016 h 465993"/>
+              <a:gd name="connsiteX15" fmla="*/ 87923 w 228600"/>
+              <a:gd name="connsiteY15" fmla="*/ 202223 h 465993"/>
+              <a:gd name="connsiteX16" fmla="*/ 61546 w 228600"/>
+              <a:gd name="connsiteY16" fmla="*/ 211016 h 465993"/>
+              <a:gd name="connsiteX0" fmla="*/ 184639 w 228600"/>
+              <a:gd name="connsiteY0" fmla="*/ 0 h 467072"/>
+              <a:gd name="connsiteX1" fmla="*/ 114300 w 228600"/>
+              <a:gd name="connsiteY1" fmla="*/ 35169 h 467072"/>
+              <a:gd name="connsiteX2" fmla="*/ 61546 w 228600"/>
+              <a:gd name="connsiteY2" fmla="*/ 87923 h 467072"/>
+              <a:gd name="connsiteX3" fmla="*/ 26377 w 228600"/>
+              <a:gd name="connsiteY3" fmla="*/ 167054 h 467072"/>
+              <a:gd name="connsiteX4" fmla="*/ 0 w 228600"/>
+              <a:gd name="connsiteY4" fmla="*/ 263769 h 467072"/>
+              <a:gd name="connsiteX5" fmla="*/ 26377 w 228600"/>
+              <a:gd name="connsiteY5" fmla="*/ 378069 h 467072"/>
+              <a:gd name="connsiteX6" fmla="*/ 52754 w 228600"/>
+              <a:gd name="connsiteY6" fmla="*/ 430823 h 467072"/>
+              <a:gd name="connsiteX7" fmla="*/ 149469 w 228600"/>
+              <a:gd name="connsiteY7" fmla="*/ 465993 h 467072"/>
+              <a:gd name="connsiteX8" fmla="*/ 184639 w 228600"/>
+              <a:gd name="connsiteY8" fmla="*/ 457200 h 467072"/>
+              <a:gd name="connsiteX9" fmla="*/ 228600 w 228600"/>
+              <a:gd name="connsiteY9" fmla="*/ 378069 h 467072"/>
+              <a:gd name="connsiteX10" fmla="*/ 202223 w 228600"/>
+              <a:gd name="connsiteY10" fmla="*/ 281354 h 467072"/>
+              <a:gd name="connsiteX11" fmla="*/ 175846 w 228600"/>
+              <a:gd name="connsiteY11" fmla="*/ 246185 h 467072"/>
+              <a:gd name="connsiteX12" fmla="*/ 167054 w 228600"/>
+              <a:gd name="connsiteY12" fmla="*/ 219808 h 467072"/>
+              <a:gd name="connsiteX13" fmla="*/ 114300 w 228600"/>
+              <a:gd name="connsiteY13" fmla="*/ 211016 h 467072"/>
+              <a:gd name="connsiteX14" fmla="*/ 87923 w 228600"/>
+              <a:gd name="connsiteY14" fmla="*/ 202223 h 467072"/>
+              <a:gd name="connsiteX15" fmla="*/ 61546 w 228600"/>
+              <a:gd name="connsiteY15" fmla="*/ 211016 h 467072"/>
+              <a:gd name="connsiteX0" fmla="*/ 184639 w 228600"/>
+              <a:gd name="connsiteY0" fmla="*/ 0 h 467607"/>
+              <a:gd name="connsiteX1" fmla="*/ 114300 w 228600"/>
+              <a:gd name="connsiteY1" fmla="*/ 35169 h 467607"/>
+              <a:gd name="connsiteX2" fmla="*/ 61546 w 228600"/>
+              <a:gd name="connsiteY2" fmla="*/ 87923 h 467607"/>
+              <a:gd name="connsiteX3" fmla="*/ 26377 w 228600"/>
+              <a:gd name="connsiteY3" fmla="*/ 167054 h 467607"/>
+              <a:gd name="connsiteX4" fmla="*/ 0 w 228600"/>
+              <a:gd name="connsiteY4" fmla="*/ 263769 h 467607"/>
+              <a:gd name="connsiteX5" fmla="*/ 26377 w 228600"/>
+              <a:gd name="connsiteY5" fmla="*/ 378069 h 467607"/>
+              <a:gd name="connsiteX6" fmla="*/ 52754 w 228600"/>
+              <a:gd name="connsiteY6" fmla="*/ 430823 h 467607"/>
+              <a:gd name="connsiteX7" fmla="*/ 149469 w 228600"/>
+              <a:gd name="connsiteY7" fmla="*/ 465993 h 467607"/>
+              <a:gd name="connsiteX8" fmla="*/ 228600 w 228600"/>
+              <a:gd name="connsiteY8" fmla="*/ 378069 h 467607"/>
+              <a:gd name="connsiteX9" fmla="*/ 202223 w 228600"/>
+              <a:gd name="connsiteY9" fmla="*/ 281354 h 467607"/>
+              <a:gd name="connsiteX10" fmla="*/ 175846 w 228600"/>
+              <a:gd name="connsiteY10" fmla="*/ 246185 h 467607"/>
+              <a:gd name="connsiteX11" fmla="*/ 167054 w 228600"/>
+              <a:gd name="connsiteY11" fmla="*/ 219808 h 467607"/>
+              <a:gd name="connsiteX12" fmla="*/ 114300 w 228600"/>
+              <a:gd name="connsiteY12" fmla="*/ 211016 h 467607"/>
+              <a:gd name="connsiteX13" fmla="*/ 87923 w 228600"/>
+              <a:gd name="connsiteY13" fmla="*/ 202223 h 467607"/>
+              <a:gd name="connsiteX14" fmla="*/ 61546 w 228600"/>
+              <a:gd name="connsiteY14" fmla="*/ 211016 h 467607"/>
+              <a:gd name="connsiteX0" fmla="*/ 184639 w 228889"/>
+              <a:gd name="connsiteY0" fmla="*/ 0 h 467607"/>
+              <a:gd name="connsiteX1" fmla="*/ 114300 w 228889"/>
+              <a:gd name="connsiteY1" fmla="*/ 35169 h 467607"/>
+              <a:gd name="connsiteX2" fmla="*/ 61546 w 228889"/>
+              <a:gd name="connsiteY2" fmla="*/ 87923 h 467607"/>
+              <a:gd name="connsiteX3" fmla="*/ 26377 w 228889"/>
+              <a:gd name="connsiteY3" fmla="*/ 167054 h 467607"/>
+              <a:gd name="connsiteX4" fmla="*/ 0 w 228889"/>
+              <a:gd name="connsiteY4" fmla="*/ 263769 h 467607"/>
+              <a:gd name="connsiteX5" fmla="*/ 26377 w 228889"/>
+              <a:gd name="connsiteY5" fmla="*/ 378069 h 467607"/>
+              <a:gd name="connsiteX6" fmla="*/ 52754 w 228889"/>
+              <a:gd name="connsiteY6" fmla="*/ 430823 h 467607"/>
+              <a:gd name="connsiteX7" fmla="*/ 149469 w 228889"/>
+              <a:gd name="connsiteY7" fmla="*/ 465993 h 467607"/>
+              <a:gd name="connsiteX8" fmla="*/ 228600 w 228889"/>
+              <a:gd name="connsiteY8" fmla="*/ 378069 h 467607"/>
+              <a:gd name="connsiteX9" fmla="*/ 175846 w 228889"/>
+              <a:gd name="connsiteY9" fmla="*/ 246185 h 467607"/>
+              <a:gd name="connsiteX10" fmla="*/ 167054 w 228889"/>
+              <a:gd name="connsiteY10" fmla="*/ 219808 h 467607"/>
+              <a:gd name="connsiteX11" fmla="*/ 114300 w 228889"/>
+              <a:gd name="connsiteY11" fmla="*/ 211016 h 467607"/>
+              <a:gd name="connsiteX12" fmla="*/ 87923 w 228889"/>
+              <a:gd name="connsiteY12" fmla="*/ 202223 h 467607"/>
+              <a:gd name="connsiteX13" fmla="*/ 61546 w 228889"/>
+              <a:gd name="connsiteY13" fmla="*/ 211016 h 467607"/>
+              <a:gd name="connsiteX0" fmla="*/ 184639 w 228889"/>
+              <a:gd name="connsiteY0" fmla="*/ 0 h 467607"/>
+              <a:gd name="connsiteX1" fmla="*/ 114300 w 228889"/>
+              <a:gd name="connsiteY1" fmla="*/ 35169 h 467607"/>
+              <a:gd name="connsiteX2" fmla="*/ 61546 w 228889"/>
+              <a:gd name="connsiteY2" fmla="*/ 87923 h 467607"/>
+              <a:gd name="connsiteX3" fmla="*/ 26377 w 228889"/>
+              <a:gd name="connsiteY3" fmla="*/ 167054 h 467607"/>
+              <a:gd name="connsiteX4" fmla="*/ 0 w 228889"/>
+              <a:gd name="connsiteY4" fmla="*/ 263769 h 467607"/>
+              <a:gd name="connsiteX5" fmla="*/ 26377 w 228889"/>
+              <a:gd name="connsiteY5" fmla="*/ 378069 h 467607"/>
+              <a:gd name="connsiteX6" fmla="*/ 52754 w 228889"/>
+              <a:gd name="connsiteY6" fmla="*/ 430823 h 467607"/>
+              <a:gd name="connsiteX7" fmla="*/ 149469 w 228889"/>
+              <a:gd name="connsiteY7" fmla="*/ 465993 h 467607"/>
+              <a:gd name="connsiteX8" fmla="*/ 228600 w 228889"/>
+              <a:gd name="connsiteY8" fmla="*/ 378069 h 467607"/>
+              <a:gd name="connsiteX9" fmla="*/ 175846 w 228889"/>
+              <a:gd name="connsiteY9" fmla="*/ 246185 h 467607"/>
+              <a:gd name="connsiteX10" fmla="*/ 114300 w 228889"/>
+              <a:gd name="connsiteY10" fmla="*/ 211016 h 467607"/>
+              <a:gd name="connsiteX11" fmla="*/ 87923 w 228889"/>
+              <a:gd name="connsiteY11" fmla="*/ 202223 h 467607"/>
+              <a:gd name="connsiteX12" fmla="*/ 61546 w 228889"/>
+              <a:gd name="connsiteY12" fmla="*/ 211016 h 467607"/>
+              <a:gd name="connsiteX0" fmla="*/ 184639 w 228889"/>
+              <a:gd name="connsiteY0" fmla="*/ 0 h 467607"/>
+              <a:gd name="connsiteX1" fmla="*/ 114300 w 228889"/>
+              <a:gd name="connsiteY1" fmla="*/ 35169 h 467607"/>
+              <a:gd name="connsiteX2" fmla="*/ 61546 w 228889"/>
+              <a:gd name="connsiteY2" fmla="*/ 87923 h 467607"/>
+              <a:gd name="connsiteX3" fmla="*/ 26377 w 228889"/>
+              <a:gd name="connsiteY3" fmla="*/ 167054 h 467607"/>
+              <a:gd name="connsiteX4" fmla="*/ 0 w 228889"/>
+              <a:gd name="connsiteY4" fmla="*/ 263769 h 467607"/>
+              <a:gd name="connsiteX5" fmla="*/ 26377 w 228889"/>
+              <a:gd name="connsiteY5" fmla="*/ 378069 h 467607"/>
+              <a:gd name="connsiteX6" fmla="*/ 52754 w 228889"/>
+              <a:gd name="connsiteY6" fmla="*/ 430823 h 467607"/>
+              <a:gd name="connsiteX7" fmla="*/ 149469 w 228889"/>
+              <a:gd name="connsiteY7" fmla="*/ 465993 h 467607"/>
+              <a:gd name="connsiteX8" fmla="*/ 228600 w 228889"/>
+              <a:gd name="connsiteY8" fmla="*/ 378069 h 467607"/>
+              <a:gd name="connsiteX9" fmla="*/ 175846 w 228889"/>
+              <a:gd name="connsiteY9" fmla="*/ 246185 h 467607"/>
+              <a:gd name="connsiteX10" fmla="*/ 114300 w 228889"/>
+              <a:gd name="connsiteY10" fmla="*/ 211016 h 467607"/>
+              <a:gd name="connsiteX11" fmla="*/ 61546 w 228889"/>
+              <a:gd name="connsiteY11" fmla="*/ 211016 h 467607"/>
+              <a:gd name="connsiteX0" fmla="*/ 184639 w 228889"/>
+              <a:gd name="connsiteY0" fmla="*/ 0 h 468984"/>
+              <a:gd name="connsiteX1" fmla="*/ 114300 w 228889"/>
+              <a:gd name="connsiteY1" fmla="*/ 35169 h 468984"/>
+              <a:gd name="connsiteX2" fmla="*/ 61546 w 228889"/>
+              <a:gd name="connsiteY2" fmla="*/ 87923 h 468984"/>
+              <a:gd name="connsiteX3" fmla="*/ 26377 w 228889"/>
+              <a:gd name="connsiteY3" fmla="*/ 167054 h 468984"/>
+              <a:gd name="connsiteX4" fmla="*/ 0 w 228889"/>
+              <a:gd name="connsiteY4" fmla="*/ 263769 h 468984"/>
+              <a:gd name="connsiteX5" fmla="*/ 52754 w 228889"/>
+              <a:gd name="connsiteY5" fmla="*/ 430823 h 468984"/>
+              <a:gd name="connsiteX6" fmla="*/ 149469 w 228889"/>
+              <a:gd name="connsiteY6" fmla="*/ 465993 h 468984"/>
+              <a:gd name="connsiteX7" fmla="*/ 228600 w 228889"/>
+              <a:gd name="connsiteY7" fmla="*/ 378069 h 468984"/>
+              <a:gd name="connsiteX8" fmla="*/ 175846 w 228889"/>
+              <a:gd name="connsiteY8" fmla="*/ 246185 h 468984"/>
+              <a:gd name="connsiteX9" fmla="*/ 114300 w 228889"/>
+              <a:gd name="connsiteY9" fmla="*/ 211016 h 468984"/>
+              <a:gd name="connsiteX10" fmla="*/ 61546 w 228889"/>
+              <a:gd name="connsiteY10" fmla="*/ 211016 h 468984"/>
+              <a:gd name="connsiteX0" fmla="*/ 184691 w 228941"/>
+              <a:gd name="connsiteY0" fmla="*/ 0 h 468984"/>
+              <a:gd name="connsiteX1" fmla="*/ 114352 w 228941"/>
+              <a:gd name="connsiteY1" fmla="*/ 35169 h 468984"/>
+              <a:gd name="connsiteX2" fmla="*/ 61598 w 228941"/>
+              <a:gd name="connsiteY2" fmla="*/ 87923 h 468984"/>
+              <a:gd name="connsiteX3" fmla="*/ 52 w 228941"/>
+              <a:gd name="connsiteY3" fmla="*/ 263769 h 468984"/>
+              <a:gd name="connsiteX4" fmla="*/ 52806 w 228941"/>
+              <a:gd name="connsiteY4" fmla="*/ 430823 h 468984"/>
+              <a:gd name="connsiteX5" fmla="*/ 149521 w 228941"/>
+              <a:gd name="connsiteY5" fmla="*/ 465993 h 468984"/>
+              <a:gd name="connsiteX6" fmla="*/ 228652 w 228941"/>
+              <a:gd name="connsiteY6" fmla="*/ 378069 h 468984"/>
+              <a:gd name="connsiteX7" fmla="*/ 175898 w 228941"/>
+              <a:gd name="connsiteY7" fmla="*/ 246185 h 468984"/>
+              <a:gd name="connsiteX8" fmla="*/ 114352 w 228941"/>
+              <a:gd name="connsiteY8" fmla="*/ 211016 h 468984"/>
+              <a:gd name="connsiteX9" fmla="*/ 61598 w 228941"/>
+              <a:gd name="connsiteY9" fmla="*/ 211016 h 468984"/>
+              <a:gd name="connsiteX0" fmla="*/ 184691 w 228652"/>
+              <a:gd name="connsiteY0" fmla="*/ 0 h 468984"/>
+              <a:gd name="connsiteX1" fmla="*/ 114352 w 228652"/>
+              <a:gd name="connsiteY1" fmla="*/ 35169 h 468984"/>
+              <a:gd name="connsiteX2" fmla="*/ 61598 w 228652"/>
+              <a:gd name="connsiteY2" fmla="*/ 87923 h 468984"/>
+              <a:gd name="connsiteX3" fmla="*/ 52 w 228652"/>
+              <a:gd name="connsiteY3" fmla="*/ 263769 h 468984"/>
+              <a:gd name="connsiteX4" fmla="*/ 52806 w 228652"/>
+              <a:gd name="connsiteY4" fmla="*/ 430823 h 468984"/>
+              <a:gd name="connsiteX5" fmla="*/ 149521 w 228652"/>
+              <a:gd name="connsiteY5" fmla="*/ 465993 h 468984"/>
+              <a:gd name="connsiteX6" fmla="*/ 228652 w 228652"/>
+              <a:gd name="connsiteY6" fmla="*/ 378069 h 468984"/>
+              <a:gd name="connsiteX7" fmla="*/ 114352 w 228652"/>
+              <a:gd name="connsiteY7" fmla="*/ 211016 h 468984"/>
+              <a:gd name="connsiteX8" fmla="*/ 61598 w 228652"/>
+              <a:gd name="connsiteY8" fmla="*/ 211016 h 468984"/>
+              <a:gd name="connsiteX0" fmla="*/ 184691 w 228652"/>
+              <a:gd name="connsiteY0" fmla="*/ 0 h 468984"/>
+              <a:gd name="connsiteX1" fmla="*/ 114352 w 228652"/>
+              <a:gd name="connsiteY1" fmla="*/ 35169 h 468984"/>
+              <a:gd name="connsiteX2" fmla="*/ 61598 w 228652"/>
+              <a:gd name="connsiteY2" fmla="*/ 87923 h 468984"/>
+              <a:gd name="connsiteX3" fmla="*/ 52 w 228652"/>
+              <a:gd name="connsiteY3" fmla="*/ 263769 h 468984"/>
+              <a:gd name="connsiteX4" fmla="*/ 52806 w 228652"/>
+              <a:gd name="connsiteY4" fmla="*/ 430823 h 468984"/>
+              <a:gd name="connsiteX5" fmla="*/ 149521 w 228652"/>
+              <a:gd name="connsiteY5" fmla="*/ 465993 h 468984"/>
+              <a:gd name="connsiteX6" fmla="*/ 228652 w 228652"/>
+              <a:gd name="connsiteY6" fmla="*/ 378069 h 468984"/>
+              <a:gd name="connsiteX7" fmla="*/ 175653 w 228652"/>
+              <a:gd name="connsiteY7" fmla="*/ 246774 h 468984"/>
+              <a:gd name="connsiteX8" fmla="*/ 61598 w 228652"/>
+              <a:gd name="connsiteY8" fmla="*/ 211016 h 468984"/>
+              <a:gd name="connsiteX0" fmla="*/ 184691 w 228652"/>
+              <a:gd name="connsiteY0" fmla="*/ 0 h 468984"/>
+              <a:gd name="connsiteX1" fmla="*/ 61598 w 228652"/>
+              <a:gd name="connsiteY1" fmla="*/ 87923 h 468984"/>
+              <a:gd name="connsiteX2" fmla="*/ 52 w 228652"/>
+              <a:gd name="connsiteY2" fmla="*/ 263769 h 468984"/>
+              <a:gd name="connsiteX3" fmla="*/ 52806 w 228652"/>
+              <a:gd name="connsiteY3" fmla="*/ 430823 h 468984"/>
+              <a:gd name="connsiteX4" fmla="*/ 149521 w 228652"/>
+              <a:gd name="connsiteY4" fmla="*/ 465993 h 468984"/>
+              <a:gd name="connsiteX5" fmla="*/ 228652 w 228652"/>
+              <a:gd name="connsiteY5" fmla="*/ 378069 h 468984"/>
+              <a:gd name="connsiteX6" fmla="*/ 175653 w 228652"/>
+              <a:gd name="connsiteY6" fmla="*/ 246774 h 468984"/>
+              <a:gd name="connsiteX7" fmla="*/ 61598 w 228652"/>
+              <a:gd name="connsiteY7" fmla="*/ 211016 h 468984"/>
+              <a:gd name="connsiteX0" fmla="*/ 184743 w 228704"/>
+              <a:gd name="connsiteY0" fmla="*/ 0 h 466255"/>
+              <a:gd name="connsiteX1" fmla="*/ 61650 w 228704"/>
+              <a:gd name="connsiteY1" fmla="*/ 87923 h 466255"/>
+              <a:gd name="connsiteX2" fmla="*/ 104 w 228704"/>
+              <a:gd name="connsiteY2" fmla="*/ 263769 h 466255"/>
+              <a:gd name="connsiteX3" fmla="*/ 37533 w 228704"/>
+              <a:gd name="connsiteY3" fmla="*/ 400173 h 466255"/>
+              <a:gd name="connsiteX4" fmla="*/ 149573 w 228704"/>
+              <a:gd name="connsiteY4" fmla="*/ 465993 h 466255"/>
+              <a:gd name="connsiteX5" fmla="*/ 228704 w 228704"/>
+              <a:gd name="connsiteY5" fmla="*/ 378069 h 466255"/>
+              <a:gd name="connsiteX6" fmla="*/ 175705 w 228704"/>
+              <a:gd name="connsiteY6" fmla="*/ 246774 h 466255"/>
+              <a:gd name="connsiteX7" fmla="*/ 61650 w 228704"/>
+              <a:gd name="connsiteY7" fmla="*/ 211016 h 466255"/>
+              <a:gd name="connsiteX0" fmla="*/ 184743 w 228704"/>
+              <a:gd name="connsiteY0" fmla="*/ 0 h 453581"/>
+              <a:gd name="connsiteX1" fmla="*/ 61650 w 228704"/>
+              <a:gd name="connsiteY1" fmla="*/ 87923 h 453581"/>
+              <a:gd name="connsiteX2" fmla="*/ 104 w 228704"/>
+              <a:gd name="connsiteY2" fmla="*/ 263769 h 453581"/>
+              <a:gd name="connsiteX3" fmla="*/ 37533 w 228704"/>
+              <a:gd name="connsiteY3" fmla="*/ 400173 h 453581"/>
+              <a:gd name="connsiteX4" fmla="*/ 149573 w 228704"/>
+              <a:gd name="connsiteY4" fmla="*/ 453222 h 453581"/>
+              <a:gd name="connsiteX5" fmla="*/ 228704 w 228704"/>
+              <a:gd name="connsiteY5" fmla="*/ 378069 h 453581"/>
+              <a:gd name="connsiteX6" fmla="*/ 175705 w 228704"/>
+              <a:gd name="connsiteY6" fmla="*/ 246774 h 453581"/>
+              <a:gd name="connsiteX7" fmla="*/ 61650 w 228704"/>
+              <a:gd name="connsiteY7" fmla="*/ 211016 h 453581"/>
+              <a:gd name="connsiteX0" fmla="*/ 184743 w 226150"/>
+              <a:gd name="connsiteY0" fmla="*/ 0 h 455256"/>
+              <a:gd name="connsiteX1" fmla="*/ 61650 w 226150"/>
+              <a:gd name="connsiteY1" fmla="*/ 87923 h 455256"/>
+              <a:gd name="connsiteX2" fmla="*/ 104 w 226150"/>
+              <a:gd name="connsiteY2" fmla="*/ 263769 h 455256"/>
+              <a:gd name="connsiteX3" fmla="*/ 37533 w 226150"/>
+              <a:gd name="connsiteY3" fmla="*/ 400173 h 455256"/>
+              <a:gd name="connsiteX4" fmla="*/ 149573 w 226150"/>
+              <a:gd name="connsiteY4" fmla="*/ 453222 h 455256"/>
+              <a:gd name="connsiteX5" fmla="*/ 226150 w 226150"/>
+              <a:gd name="connsiteY5" fmla="*/ 337202 h 455256"/>
+              <a:gd name="connsiteX6" fmla="*/ 175705 w 226150"/>
+              <a:gd name="connsiteY6" fmla="*/ 246774 h 455256"/>
+              <a:gd name="connsiteX7" fmla="*/ 61650 w 226150"/>
+              <a:gd name="connsiteY7" fmla="*/ 211016 h 455256"/>
+            </a:gdLst>
+            <a:ahLst/>
+            <a:cxnLst>
+              <a:cxn ang="0">
+                <a:pos x="connsiteX0" y="connsiteY0"/>
+              </a:cxn>
+              <a:cxn ang="0">
+                <a:pos x="connsiteX1" y="connsiteY1"/>
+              </a:cxn>
+              <a:cxn ang="0">
+                <a:pos x="connsiteX2" y="connsiteY2"/>
+              </a:cxn>
+              <a:cxn ang="0">
+                <a:pos x="connsiteX3" y="connsiteY3"/>
+              </a:cxn>
+              <a:cxn ang="0">
+                <a:pos x="connsiteX4" y="connsiteY4"/>
+              </a:cxn>
+              <a:cxn ang="0">
+                <a:pos x="connsiteX5" y="connsiteY5"/>
+              </a:cxn>
+              <a:cxn ang="0">
+                <a:pos x="connsiteX6" y="connsiteY6"/>
+              </a:cxn>
+              <a:cxn ang="0">
+                <a:pos x="connsiteX7" y="connsiteY7"/>
+              </a:cxn>
+            </a:cxnLst>
+            <a:rect l="l" t="t" r="r" b="b"/>
+            <a:pathLst>
+              <a:path w="226150" h="455256">
+                <a:moveTo>
+                  <a:pt x="184743" y="0"/>
+                </a:moveTo>
+                <a:cubicBezTo>
+                  <a:pt x="159099" y="18317"/>
+                  <a:pt x="92423" y="43962"/>
+                  <a:pt x="61650" y="87923"/>
+                </a:cubicBezTo>
+                <a:cubicBezTo>
+                  <a:pt x="30877" y="131885"/>
+                  <a:pt x="1569" y="206619"/>
+                  <a:pt x="104" y="263769"/>
+                </a:cubicBezTo>
+                <a:cubicBezTo>
+                  <a:pt x="-1361" y="320919"/>
+                  <a:pt x="12622" y="368598"/>
+                  <a:pt x="37533" y="400173"/>
+                </a:cubicBezTo>
+                <a:cubicBezTo>
+                  <a:pt x="62445" y="431749"/>
+                  <a:pt x="118137" y="463717"/>
+                  <a:pt x="149573" y="453222"/>
+                </a:cubicBezTo>
+                <a:cubicBezTo>
+                  <a:pt x="181009" y="442727"/>
+                  <a:pt x="217358" y="367975"/>
+                  <a:pt x="226150" y="337202"/>
+                </a:cubicBezTo>
+                <a:cubicBezTo>
+                  <a:pt x="220289" y="294706"/>
+                  <a:pt x="203122" y="267805"/>
+                  <a:pt x="175705" y="246774"/>
+                </a:cubicBezTo>
+                <a:cubicBezTo>
+                  <a:pt x="148288" y="225743"/>
+                  <a:pt x="72640" y="211016"/>
+                  <a:pt x="61650" y="211016"/>
+                </a:cubicBezTo>
+              </a:path>
+            </a:pathLst>
+          </a:custGeom>
+          <a:noFill/>
+          <a:ln w="25400">
+            <a:solidFill>
+              <a:schemeClr val="tx1"/>
+            </a:solidFill>
+          </a:ln>
+        </p:spPr>
+        <p:style>
+          <a:lnRef idx="2">
+            <a:schemeClr val="accent1">
+              <a:shade val="50000"/>
+            </a:schemeClr>
+          </a:lnRef>
+          <a:fillRef idx="1">
+            <a:schemeClr val="accent1"/>
+          </a:fillRef>
+          <a:effectRef idx="0">
+            <a:schemeClr val="accent1"/>
+          </a:effectRef>
+          <a:fontRef idx="minor">
+            <a:schemeClr val="lt1"/>
+          </a:fontRef>
+        </p:style>
+        <p:txBody>
+          <a:bodyPr rtlCol="0" anchor="ctr"/>
+          <a:lstStyle/>
+          <a:p>
+            <a:pPr algn="ctr"/>
+            <a:endParaRPr lang="sv-SE"/>
+          </a:p>
+        </p:txBody>
+      </p:sp>
+      <p:sp>
+        <p:nvSpPr>
+          <p:cNvPr id="106" name="Freeform 105"/>
+          <p:cNvSpPr/>
+          <p:nvPr/>
+        </p:nvSpPr>
+        <p:spPr>
+          <a:xfrm rot="3640251">
+            <a:off x="7508575" y="1623816"/>
+            <a:ext cx="356550" cy="206238"/>
+          </a:xfrm>
+          <a:custGeom>
+            <a:avLst/>
+            <a:gdLst>
+              <a:gd name="connsiteX0" fmla="*/ 279941 w 578895"/>
+              <a:gd name="connsiteY0" fmla="*/ 5179 h 369751"/>
+              <a:gd name="connsiteX1" fmla="*/ 578752 w 578895"/>
+              <a:gd name="connsiteY1" fmla="*/ 155061 h 369751"/>
+              <a:gd name="connsiteX2" fmla="*/ 118421 w 578895"/>
+              <a:gd name="connsiteY2" fmla="*/ 367303 h 369751"/>
+              <a:gd name="connsiteX3" fmla="*/ 23092 w 578895"/>
+              <a:gd name="connsiteY3" fmla="*/ 369606 h 369751"/>
+              <a:gd name="connsiteX4" fmla="*/ 0 w 578895"/>
+              <a:gd name="connsiteY4" fmla="*/ 368304 h 369751"/>
+              <a:gd name="connsiteX5" fmla="*/ 0 w 578895"/>
+              <a:gd name="connsiteY5" fmla="*/ 12258 h 369751"/>
+              <a:gd name="connsiteX6" fmla="*/ 505 w 578895"/>
+              <a:gd name="connsiteY6" fmla="*/ 12164 h 369751"/>
+              <a:gd name="connsiteX7" fmla="*/ 95367 w 578895"/>
+              <a:gd name="connsiteY7" fmla="*/ 2449 h 369751"/>
+              <a:gd name="connsiteX8" fmla="*/ 279941 w 578895"/>
+              <a:gd name="connsiteY8" fmla="*/ 5179 h 369751"/>
+              <a:gd name="connsiteX0" fmla="*/ 279941 w 578895"/>
+              <a:gd name="connsiteY0" fmla="*/ 5179 h 369751"/>
+              <a:gd name="connsiteX1" fmla="*/ 578752 w 578895"/>
+              <a:gd name="connsiteY1" fmla="*/ 155061 h 369751"/>
+              <a:gd name="connsiteX2" fmla="*/ 118421 w 578895"/>
+              <a:gd name="connsiteY2" fmla="*/ 367303 h 369751"/>
+              <a:gd name="connsiteX3" fmla="*/ 23092 w 578895"/>
+              <a:gd name="connsiteY3" fmla="*/ 369606 h 369751"/>
+              <a:gd name="connsiteX4" fmla="*/ 0 w 578895"/>
+              <a:gd name="connsiteY4" fmla="*/ 368304 h 369751"/>
+              <a:gd name="connsiteX5" fmla="*/ 1303 w 578895"/>
+              <a:gd name="connsiteY5" fmla="*/ 209922 h 369751"/>
+              <a:gd name="connsiteX6" fmla="*/ 0 w 578895"/>
+              <a:gd name="connsiteY6" fmla="*/ 12258 h 369751"/>
+              <a:gd name="connsiteX7" fmla="*/ 505 w 578895"/>
+              <a:gd name="connsiteY7" fmla="*/ 12164 h 369751"/>
+              <a:gd name="connsiteX8" fmla="*/ 95367 w 578895"/>
+              <a:gd name="connsiteY8" fmla="*/ 2449 h 369751"/>
+              <a:gd name="connsiteX9" fmla="*/ 279941 w 578895"/>
+              <a:gd name="connsiteY9" fmla="*/ 5179 h 369751"/>
+              <a:gd name="connsiteX0" fmla="*/ 340282 w 639236"/>
+              <a:gd name="connsiteY0" fmla="*/ 5179 h 369751"/>
+              <a:gd name="connsiteX1" fmla="*/ 639093 w 639236"/>
+              <a:gd name="connsiteY1" fmla="*/ 155061 h 369751"/>
+              <a:gd name="connsiteX2" fmla="*/ 178762 w 639236"/>
+              <a:gd name="connsiteY2" fmla="*/ 367303 h 369751"/>
+              <a:gd name="connsiteX3" fmla="*/ 83433 w 639236"/>
+              <a:gd name="connsiteY3" fmla="*/ 369606 h 369751"/>
+              <a:gd name="connsiteX4" fmla="*/ 60341 w 639236"/>
+              <a:gd name="connsiteY4" fmla="*/ 368304 h 369751"/>
+              <a:gd name="connsiteX5" fmla="*/ 2 w 639236"/>
+              <a:gd name="connsiteY5" fmla="*/ 181615 h 369751"/>
+              <a:gd name="connsiteX6" fmla="*/ 60341 w 639236"/>
+              <a:gd name="connsiteY6" fmla="*/ 12258 h 369751"/>
+              <a:gd name="connsiteX7" fmla="*/ 60846 w 639236"/>
+              <a:gd name="connsiteY7" fmla="*/ 12164 h 369751"/>
+              <a:gd name="connsiteX8" fmla="*/ 155708 w 639236"/>
+              <a:gd name="connsiteY8" fmla="*/ 2449 h 369751"/>
+              <a:gd name="connsiteX9" fmla="*/ 340282 w 639236"/>
+              <a:gd name="connsiteY9" fmla="*/ 5179 h 369751"/>
+            </a:gdLst>
+            <a:ahLst/>
+            <a:cxnLst>
+              <a:cxn ang="0">
+                <a:pos x="connsiteX0" y="connsiteY0"/>
+              </a:cxn>
+              <a:cxn ang="0">
+                <a:pos x="connsiteX1" y="connsiteY1"/>
+              </a:cxn>
+              <a:cxn ang="0">
+                <a:pos x="connsiteX2" y="connsiteY2"/>
+              </a:cxn>
+              <a:cxn ang="0">
+                <a:pos x="connsiteX3" y="connsiteY3"/>
+              </a:cxn>
+              <a:cxn ang="0">
+                <a:pos x="connsiteX4" y="connsiteY4"/>
+              </a:cxn>
+              <a:cxn ang="0">
+                <a:pos x="connsiteX5" y="connsiteY5"/>
+              </a:cxn>
+              <a:cxn ang="0">
+                <a:pos x="connsiteX6" y="connsiteY6"/>
+              </a:cxn>
+              <a:cxn ang="0">
+                <a:pos x="connsiteX7" y="connsiteY7"/>
+              </a:cxn>
+              <a:cxn ang="0">
+                <a:pos x="connsiteX8" y="connsiteY8"/>
+              </a:cxn>
+              <a:cxn ang="0">
+                <a:pos x="connsiteX9" y="connsiteY9"/>
+              </a:cxn>
+            </a:cxnLst>
+            <a:rect l="l" t="t" r="r" b="b"/>
+            <a:pathLst>
+              <a:path w="639236" h="369751">
+                <a:moveTo>
+                  <a:pt x="340282" y="5179"/>
+                </a:moveTo>
+                <a:cubicBezTo>
+                  <a:pt x="511389" y="22172"/>
+                  <a:pt x="634318" y="79497"/>
+                  <a:pt x="639093" y="155061"/>
+                </a:cubicBezTo>
+                <a:cubicBezTo>
+                  <a:pt x="645459" y="255813"/>
+                  <a:pt x="439362" y="350837"/>
+                  <a:pt x="178762" y="367303"/>
+                </a:cubicBezTo>
+                <a:cubicBezTo>
+                  <a:pt x="146187" y="369362"/>
+                  <a:pt x="114302" y="370095"/>
+                  <a:pt x="83433" y="369606"/>
+                </a:cubicBezTo>
+                <a:lnTo>
+                  <a:pt x="60341" y="368304"/>
+                </a:lnTo>
+                <a:cubicBezTo>
+                  <a:pt x="60775" y="315510"/>
+                  <a:pt x="-432" y="234409"/>
+                  <a:pt x="2" y="181615"/>
+                </a:cubicBezTo>
+                <a:cubicBezTo>
+                  <a:pt x="-432" y="115727"/>
+                  <a:pt x="60775" y="78146"/>
+                  <a:pt x="60341" y="12258"/>
+                </a:cubicBezTo>
+                <a:lnTo>
+                  <a:pt x="60846" y="12164"/>
+                </a:lnTo>
+                <a:cubicBezTo>
+                  <a:pt x="91410" y="7793"/>
+                  <a:pt x="123133" y="4507"/>
+                  <a:pt x="155708" y="2449"/>
+                </a:cubicBezTo>
+                <a:cubicBezTo>
+                  <a:pt x="220858" y="-1668"/>
+                  <a:pt x="283247" y="-485"/>
+                  <a:pt x="340282" y="5179"/>
+                </a:cubicBezTo>
+                <a:close/>
+              </a:path>
+            </a:pathLst>
+          </a:custGeom>
+          <a:solidFill>
+            <a:srgbClr val="CC9F6E"/>
+          </a:solidFill>
+          <a:ln w="25400">
+            <a:solidFill>
+              <a:schemeClr val="tx1"/>
+            </a:solidFill>
+          </a:ln>
+        </p:spPr>
+        <p:style>
+          <a:lnRef idx="2">
+            <a:schemeClr val="accent1">
+              <a:shade val="50000"/>
+            </a:schemeClr>
+          </a:lnRef>
+          <a:fillRef idx="1">
+            <a:schemeClr val="accent1"/>
+          </a:fillRef>
+          <a:effectRef idx="0">
+            <a:schemeClr val="accent1"/>
+          </a:effectRef>
+          <a:fontRef idx="minor">
+            <a:schemeClr val="lt1"/>
+          </a:fontRef>
+        </p:style>
+        <p:txBody>
+          <a:bodyPr rtlCol="0" anchor="ctr"/>
+          <a:lstStyle/>
+          <a:p>
+            <a:pPr algn="ctr"/>
+            <a:endParaRPr lang="sv-SE"/>
+          </a:p>
+        </p:txBody>
+      </p:sp>
+      <p:sp>
+        <p:nvSpPr>
+          <p:cNvPr id="107" name="Freeform 106"/>
+          <p:cNvSpPr/>
+          <p:nvPr/>
+        </p:nvSpPr>
+        <p:spPr>
+          <a:xfrm rot="7932682">
+            <a:off x="8048943" y="1625845"/>
+            <a:ext cx="356550" cy="206238"/>
+          </a:xfrm>
+          <a:custGeom>
+            <a:avLst/>
+            <a:gdLst>
+              <a:gd name="connsiteX0" fmla="*/ 279941 w 578895"/>
+              <a:gd name="connsiteY0" fmla="*/ 5179 h 369751"/>
+              <a:gd name="connsiteX1" fmla="*/ 578752 w 578895"/>
+              <a:gd name="connsiteY1" fmla="*/ 155061 h 369751"/>
+              <a:gd name="connsiteX2" fmla="*/ 118421 w 578895"/>
+              <a:gd name="connsiteY2" fmla="*/ 367303 h 369751"/>
+              <a:gd name="connsiteX3" fmla="*/ 23092 w 578895"/>
+              <a:gd name="connsiteY3" fmla="*/ 369606 h 369751"/>
+              <a:gd name="connsiteX4" fmla="*/ 0 w 578895"/>
+              <a:gd name="connsiteY4" fmla="*/ 368304 h 369751"/>
+              <a:gd name="connsiteX5" fmla="*/ 0 w 578895"/>
+              <a:gd name="connsiteY5" fmla="*/ 12258 h 369751"/>
+              <a:gd name="connsiteX6" fmla="*/ 505 w 578895"/>
+              <a:gd name="connsiteY6" fmla="*/ 12164 h 369751"/>
+              <a:gd name="connsiteX7" fmla="*/ 95367 w 578895"/>
+              <a:gd name="connsiteY7" fmla="*/ 2449 h 369751"/>
+              <a:gd name="connsiteX8" fmla="*/ 279941 w 578895"/>
+              <a:gd name="connsiteY8" fmla="*/ 5179 h 369751"/>
+              <a:gd name="connsiteX0" fmla="*/ 279941 w 578895"/>
+              <a:gd name="connsiteY0" fmla="*/ 5179 h 369751"/>
+              <a:gd name="connsiteX1" fmla="*/ 578752 w 578895"/>
+              <a:gd name="connsiteY1" fmla="*/ 155061 h 369751"/>
+              <a:gd name="connsiteX2" fmla="*/ 118421 w 578895"/>
+              <a:gd name="connsiteY2" fmla="*/ 367303 h 369751"/>
+              <a:gd name="connsiteX3" fmla="*/ 23092 w 578895"/>
+              <a:gd name="connsiteY3" fmla="*/ 369606 h 369751"/>
+              <a:gd name="connsiteX4" fmla="*/ 0 w 578895"/>
+              <a:gd name="connsiteY4" fmla="*/ 368304 h 369751"/>
+              <a:gd name="connsiteX5" fmla="*/ 1303 w 578895"/>
+              <a:gd name="connsiteY5" fmla="*/ 209922 h 369751"/>
+              <a:gd name="connsiteX6" fmla="*/ 0 w 578895"/>
+              <a:gd name="connsiteY6" fmla="*/ 12258 h 369751"/>
+              <a:gd name="connsiteX7" fmla="*/ 505 w 578895"/>
+              <a:gd name="connsiteY7" fmla="*/ 12164 h 369751"/>
+              <a:gd name="connsiteX8" fmla="*/ 95367 w 578895"/>
+              <a:gd name="connsiteY8" fmla="*/ 2449 h 369751"/>
+              <a:gd name="connsiteX9" fmla="*/ 279941 w 578895"/>
+              <a:gd name="connsiteY9" fmla="*/ 5179 h 369751"/>
+              <a:gd name="connsiteX0" fmla="*/ 340282 w 639236"/>
+              <a:gd name="connsiteY0" fmla="*/ 5179 h 369751"/>
+              <a:gd name="connsiteX1" fmla="*/ 639093 w 639236"/>
+              <a:gd name="connsiteY1" fmla="*/ 155061 h 369751"/>
+              <a:gd name="connsiteX2" fmla="*/ 178762 w 639236"/>
+              <a:gd name="connsiteY2" fmla="*/ 367303 h 369751"/>
+              <a:gd name="connsiteX3" fmla="*/ 83433 w 639236"/>
+              <a:gd name="connsiteY3" fmla="*/ 369606 h 369751"/>
+              <a:gd name="connsiteX4" fmla="*/ 60341 w 639236"/>
+              <a:gd name="connsiteY4" fmla="*/ 368304 h 369751"/>
+              <a:gd name="connsiteX5" fmla="*/ 2 w 639236"/>
+              <a:gd name="connsiteY5" fmla="*/ 181615 h 369751"/>
+              <a:gd name="connsiteX6" fmla="*/ 60341 w 639236"/>
+              <a:gd name="connsiteY6" fmla="*/ 12258 h 369751"/>
+              <a:gd name="connsiteX7" fmla="*/ 60846 w 639236"/>
+              <a:gd name="connsiteY7" fmla="*/ 12164 h 369751"/>
+              <a:gd name="connsiteX8" fmla="*/ 155708 w 639236"/>
+              <a:gd name="connsiteY8" fmla="*/ 2449 h 369751"/>
+              <a:gd name="connsiteX9" fmla="*/ 340282 w 639236"/>
+              <a:gd name="connsiteY9" fmla="*/ 5179 h 369751"/>
+            </a:gdLst>
+            <a:ahLst/>
+            <a:cxnLst>
+              <a:cxn ang="0">
+                <a:pos x="connsiteX0" y="connsiteY0"/>
+              </a:cxn>
+              <a:cxn ang="0">
+                <a:pos x="connsiteX1" y="connsiteY1"/>
+              </a:cxn>
+              <a:cxn ang="0">
+                <a:pos x="connsiteX2" y="connsiteY2"/>
+              </a:cxn>
+              <a:cxn ang="0">
+                <a:pos x="connsiteX3" y="connsiteY3"/>
+              </a:cxn>
+              <a:cxn ang="0">
+                <a:pos x="connsiteX4" y="connsiteY4"/>
+              </a:cxn>
+              <a:cxn ang="0">
+                <a:pos x="connsiteX5" y="connsiteY5"/>
+              </a:cxn>
+              <a:cxn ang="0">
+                <a:pos x="connsiteX6" y="connsiteY6"/>
+              </a:cxn>
+              <a:cxn ang="0">
+                <a:pos x="connsiteX7" y="connsiteY7"/>
+              </a:cxn>
+              <a:cxn ang="0">
+                <a:pos x="connsiteX8" y="connsiteY8"/>
+              </a:cxn>
+              <a:cxn ang="0">
+                <a:pos x="connsiteX9" y="connsiteY9"/>
+              </a:cxn>
+            </a:cxnLst>
+            <a:rect l="l" t="t" r="r" b="b"/>
+            <a:pathLst>
+              <a:path w="639236" h="369751">
+                <a:moveTo>
+                  <a:pt x="340282" y="5179"/>
+                </a:moveTo>
+                <a:cubicBezTo>
+                  <a:pt x="511389" y="22172"/>
+                  <a:pt x="634318" y="79497"/>
+                  <a:pt x="639093" y="155061"/>
+                </a:cubicBezTo>
+                <a:cubicBezTo>
+                  <a:pt x="645459" y="255813"/>
+                  <a:pt x="439362" y="350837"/>
+                  <a:pt x="178762" y="367303"/>
+                </a:cubicBezTo>
+                <a:cubicBezTo>
+                  <a:pt x="146187" y="369362"/>
+                  <a:pt x="114302" y="370095"/>
+                  <a:pt x="83433" y="369606"/>
+                </a:cubicBezTo>
+                <a:lnTo>
+                  <a:pt x="60341" y="368304"/>
+                </a:lnTo>
+                <a:cubicBezTo>
+                  <a:pt x="60775" y="315510"/>
+                  <a:pt x="-432" y="234409"/>
+                  <a:pt x="2" y="181615"/>
+                </a:cubicBezTo>
+                <a:cubicBezTo>
+                  <a:pt x="-432" y="115727"/>
+                  <a:pt x="60775" y="78146"/>
+                  <a:pt x="60341" y="12258"/>
+                </a:cubicBezTo>
+                <a:lnTo>
+                  <a:pt x="60846" y="12164"/>
+                </a:lnTo>
+                <a:cubicBezTo>
+                  <a:pt x="91410" y="7793"/>
+                  <a:pt x="123133" y="4507"/>
+                  <a:pt x="155708" y="2449"/>
+                </a:cubicBezTo>
+                <a:cubicBezTo>
+                  <a:pt x="220858" y="-1668"/>
+                  <a:pt x="283247" y="-485"/>
+                  <a:pt x="340282" y="5179"/>
+                </a:cubicBezTo>
+                <a:close/>
+              </a:path>
+            </a:pathLst>
+          </a:custGeom>
+          <a:solidFill>
+            <a:srgbClr val="CC9F6E"/>
+          </a:solidFill>
+          <a:ln w="25400">
+            <a:solidFill>
+              <a:schemeClr val="tx1"/>
+            </a:solidFill>
+          </a:ln>
+        </p:spPr>
+        <p:style>
+          <a:lnRef idx="2">
+            <a:schemeClr val="accent1">
+              <a:shade val="50000"/>
+            </a:schemeClr>
+          </a:lnRef>
+          <a:fillRef idx="1">
+            <a:schemeClr val="accent1"/>
+          </a:fillRef>
+          <a:effectRef idx="0">
+            <a:schemeClr val="accent1"/>
+          </a:effectRef>
+          <a:fontRef idx="minor">
+            <a:schemeClr val="lt1"/>
+          </a:fontRef>
+        </p:style>
+        <p:txBody>
+          <a:bodyPr rtlCol="0" anchor="ctr"/>
+          <a:lstStyle/>
+          <a:p>
+            <a:pPr algn="ctr"/>
+            <a:endParaRPr lang="sv-SE"/>
+          </a:p>
+        </p:txBody>
+      </p:sp>
+      <p:grpSp>
+        <p:nvGrpSpPr>
+          <p:cNvPr id="30" name="Group 29"/>
+          <p:cNvGrpSpPr/>
+          <p:nvPr/>
+        </p:nvGrpSpPr>
+        <p:grpSpPr>
+          <a:xfrm>
+            <a:off x="8227843" y="639722"/>
+            <a:ext cx="355166" cy="304321"/>
+            <a:chOff x="7400992" y="484079"/>
+            <a:chExt cx="355166" cy="304321"/>
+          </a:xfrm>
+        </p:grpSpPr>
         <p:grpSp>
           <p:nvGrpSpPr>
-            <p:cNvPr id="30" name="Group 29"/>
+            <p:cNvPr id="191" name="Group 190"/>
             <p:cNvGrpSpPr/>
             <p:nvPr/>
           </p:nvGrpSpPr>
           <p:grpSpPr>
-            <a:xfrm>
-              <a:off x="8227843" y="639722"/>
-              <a:ext cx="355166" cy="304321"/>
-              <a:chOff x="7400992" y="484079"/>
-              <a:chExt cx="355166" cy="304321"/>
+            <a:xfrm rot="10800000">
+              <a:off x="7449869" y="484079"/>
+              <a:ext cx="306289" cy="250324"/>
+              <a:chOff x="9813956" y="2128163"/>
+              <a:chExt cx="410597" cy="251109"/>
             </a:xfrm>
           </p:grpSpPr>
-          <p:grpSp>
-            <p:nvGrpSpPr>
-              <p:cNvPr id="191" name="Group 190"/>
-              <p:cNvGrpSpPr/>
-              <p:nvPr/>
-            </p:nvGrpSpPr>
-            <p:grpSpPr>
-              <a:xfrm rot="10800000">
-                <a:off x="7449869" y="484079"/>
-                <a:ext cx="306289" cy="250324"/>
-                <a:chOff x="9813956" y="2128163"/>
-                <a:chExt cx="410597" cy="251109"/>
-              </a:xfrm>
-            </p:grpSpPr>
-            <p:sp>
-              <p:nvSpPr>
-                <p:cNvPr id="192" name="Oval 191"/>
-                <p:cNvSpPr/>
-                <p:nvPr/>
-              </p:nvSpPr>
-              <p:spPr>
-                <a:xfrm rot="8515235">
-                  <a:off x="9813956" y="2128163"/>
-                  <a:ext cx="410597" cy="251109"/>
-                </a:xfrm>
-                <a:custGeom>
-                  <a:avLst/>
-                  <a:gdLst>
-                    <a:gd name="connsiteX0" fmla="*/ 0 w 325085"/>
-                    <a:gd name="connsiteY0" fmla="*/ 125268 h 250535"/>
-                    <a:gd name="connsiteX1" fmla="*/ 162543 w 325085"/>
-                    <a:gd name="connsiteY1" fmla="*/ 0 h 250535"/>
-                    <a:gd name="connsiteX2" fmla="*/ 325086 w 325085"/>
-                    <a:gd name="connsiteY2" fmla="*/ 125268 h 250535"/>
-                    <a:gd name="connsiteX3" fmla="*/ 162543 w 325085"/>
-                    <a:gd name="connsiteY3" fmla="*/ 250536 h 250535"/>
-                    <a:gd name="connsiteX4" fmla="*/ 0 w 325085"/>
-                    <a:gd name="connsiteY4" fmla="*/ 125268 h 250535"/>
-                    <a:gd name="connsiteX0" fmla="*/ 0 w 410597"/>
-                    <a:gd name="connsiteY0" fmla="*/ 151279 h 251109"/>
-                    <a:gd name="connsiteX1" fmla="*/ 248054 w 410597"/>
-                    <a:gd name="connsiteY1" fmla="*/ 216 h 251109"/>
-                    <a:gd name="connsiteX2" fmla="*/ 410597 w 410597"/>
-                    <a:gd name="connsiteY2" fmla="*/ 125484 h 251109"/>
-                    <a:gd name="connsiteX3" fmla="*/ 248054 w 410597"/>
-                    <a:gd name="connsiteY3" fmla="*/ 250752 h 251109"/>
-                    <a:gd name="connsiteX4" fmla="*/ 0 w 410597"/>
-                    <a:gd name="connsiteY4" fmla="*/ 151279 h 251109"/>
-                  </a:gdLst>
-                  <a:ahLst/>
-                  <a:cxnLst>
-                    <a:cxn ang="0">
-                      <a:pos x="connsiteX0" y="connsiteY0"/>
-                    </a:cxn>
-                    <a:cxn ang="0">
-                      <a:pos x="connsiteX1" y="connsiteY1"/>
-                    </a:cxn>
-                    <a:cxn ang="0">
-                      <a:pos x="connsiteX2" y="connsiteY2"/>
-                    </a:cxn>
-                    <a:cxn ang="0">
-                      <a:pos x="connsiteX3" y="connsiteY3"/>
-                    </a:cxn>
-                    <a:cxn ang="0">
-                      <a:pos x="connsiteX4" y="connsiteY4"/>
-                    </a:cxn>
-                  </a:cxnLst>
-                  <a:rect l="l" t="t" r="r" b="b"/>
-                  <a:pathLst>
-                    <a:path w="410597" h="251109">
-                      <a:moveTo>
-                        <a:pt x="0" y="151279"/>
-                      </a:moveTo>
-                      <a:cubicBezTo>
-                        <a:pt x="0" y="82095"/>
-                        <a:pt x="179621" y="4515"/>
-                        <a:pt x="248054" y="216"/>
-                      </a:cubicBezTo>
-                      <a:cubicBezTo>
-                        <a:pt x="316487" y="-4083"/>
-                        <a:pt x="410597" y="56300"/>
-                        <a:pt x="410597" y="125484"/>
-                      </a:cubicBezTo>
-                      <a:cubicBezTo>
-                        <a:pt x="410597" y="194668"/>
-                        <a:pt x="316487" y="246453"/>
-                        <a:pt x="248054" y="250752"/>
-                      </a:cubicBezTo>
-                      <a:cubicBezTo>
-                        <a:pt x="179621" y="255051"/>
-                        <a:pt x="0" y="220463"/>
-                        <a:pt x="0" y="151279"/>
-                      </a:cubicBezTo>
-                      <a:close/>
-                    </a:path>
-                  </a:pathLst>
-                </a:custGeom>
-                <a:ln w="25400">
-                  <a:solidFill>
-                    <a:schemeClr val="tx1"/>
-                  </a:solidFill>
-                </a:ln>
-              </p:spPr>
-              <p:style>
-                <a:lnRef idx="2">
-                  <a:schemeClr val="accent1">
-                    <a:shade val="50000"/>
-                  </a:schemeClr>
-                </a:lnRef>
-                <a:fillRef idx="1">
-                  <a:schemeClr val="accent1"/>
-                </a:fillRef>
-                <a:effectRef idx="0">
-                  <a:schemeClr val="accent1"/>
-                </a:effectRef>
-                <a:fontRef idx="minor">
-                  <a:schemeClr val="lt1"/>
-                </a:fontRef>
-              </p:style>
-              <p:txBody>
-                <a:bodyPr rtlCol="0" anchor="ctr"/>
-                <a:lstStyle/>
-                <a:p>
-                  <a:pPr algn="ctr"/>
-                  <a:endParaRPr lang="sv-SE"/>
-                </a:p>
-              </p:txBody>
-            </p:sp>
-            <p:sp>
-              <p:nvSpPr>
-                <p:cNvPr id="193" name="Oval 192"/>
-                <p:cNvSpPr/>
-                <p:nvPr/>
-              </p:nvSpPr>
-              <p:spPr>
-                <a:xfrm rot="2961527">
-                  <a:off x="9967533" y="2115944"/>
-                  <a:ext cx="131177" cy="248618"/>
-                </a:xfrm>
-                <a:custGeom>
-                  <a:avLst/>
-                  <a:gdLst>
-                    <a:gd name="connsiteX0" fmla="*/ 0 w 130559"/>
-                    <a:gd name="connsiteY0" fmla="*/ 72364 h 144727"/>
-                    <a:gd name="connsiteX1" fmla="*/ 65280 w 130559"/>
-                    <a:gd name="connsiteY1" fmla="*/ 0 h 144727"/>
-                    <a:gd name="connsiteX2" fmla="*/ 130560 w 130559"/>
-                    <a:gd name="connsiteY2" fmla="*/ 72364 h 144727"/>
-                    <a:gd name="connsiteX3" fmla="*/ 65280 w 130559"/>
-                    <a:gd name="connsiteY3" fmla="*/ 144728 h 144727"/>
-                    <a:gd name="connsiteX4" fmla="*/ 0 w 130559"/>
-                    <a:gd name="connsiteY4" fmla="*/ 72364 h 144727"/>
-                    <a:gd name="connsiteX0" fmla="*/ 617 w 131177"/>
-                    <a:gd name="connsiteY0" fmla="*/ 176254 h 248618"/>
-                    <a:gd name="connsiteX1" fmla="*/ 44549 w 131177"/>
-                    <a:gd name="connsiteY1" fmla="*/ 0 h 248618"/>
-                    <a:gd name="connsiteX2" fmla="*/ 131177 w 131177"/>
-                    <a:gd name="connsiteY2" fmla="*/ 176254 h 248618"/>
-                    <a:gd name="connsiteX3" fmla="*/ 65897 w 131177"/>
-                    <a:gd name="connsiteY3" fmla="*/ 248618 h 248618"/>
-                    <a:gd name="connsiteX4" fmla="*/ 617 w 131177"/>
-                    <a:gd name="connsiteY4" fmla="*/ 176254 h 248618"/>
-                  </a:gdLst>
-                  <a:ahLst/>
-                  <a:cxnLst>
-                    <a:cxn ang="0">
-                      <a:pos x="connsiteX0" y="connsiteY0"/>
-                    </a:cxn>
-                    <a:cxn ang="0">
-                      <a:pos x="connsiteX1" y="connsiteY1"/>
-                    </a:cxn>
-                    <a:cxn ang="0">
-                      <a:pos x="connsiteX2" y="connsiteY2"/>
-                    </a:cxn>
-                    <a:cxn ang="0">
-                      <a:pos x="connsiteX3" y="connsiteY3"/>
-                    </a:cxn>
-                    <a:cxn ang="0">
-                      <a:pos x="connsiteX4" y="connsiteY4"/>
-                    </a:cxn>
-                  </a:cxnLst>
-                  <a:rect l="l" t="t" r="r" b="b"/>
-                  <a:pathLst>
-                    <a:path w="131177" h="248618">
-                      <a:moveTo>
-                        <a:pt x="617" y="176254"/>
-                      </a:moveTo>
-                      <a:cubicBezTo>
-                        <a:pt x="-2941" y="134818"/>
-                        <a:pt x="8496" y="0"/>
-                        <a:pt x="44549" y="0"/>
-                      </a:cubicBezTo>
-                      <a:cubicBezTo>
-                        <a:pt x="80602" y="0"/>
-                        <a:pt x="131177" y="136288"/>
-                        <a:pt x="131177" y="176254"/>
-                      </a:cubicBezTo>
-                      <a:cubicBezTo>
-                        <a:pt x="131177" y="216220"/>
-                        <a:pt x="101950" y="248618"/>
-                        <a:pt x="65897" y="248618"/>
-                      </a:cubicBezTo>
-                      <a:cubicBezTo>
-                        <a:pt x="29844" y="248618"/>
-                        <a:pt x="4175" y="217690"/>
-                        <a:pt x="617" y="176254"/>
-                      </a:cubicBezTo>
-                      <a:close/>
-                    </a:path>
-                  </a:pathLst>
-                </a:custGeom>
-                <a:solidFill>
-                  <a:schemeClr val="accent1">
-                    <a:lumMod val="75000"/>
-                    <a:alpha val="49000"/>
-                  </a:schemeClr>
-                </a:solidFill>
-                <a:ln w="25400">
-                  <a:noFill/>
-                </a:ln>
-              </p:spPr>
-              <p:style>
-                <a:lnRef idx="2">
-                  <a:schemeClr val="accent1">
-                    <a:shade val="50000"/>
-                  </a:schemeClr>
-                </a:lnRef>
-                <a:fillRef idx="1">
-                  <a:schemeClr val="accent1"/>
-                </a:fillRef>
-                <a:effectRef idx="0">
-                  <a:schemeClr val="accent1"/>
-                </a:effectRef>
-                <a:fontRef idx="minor">
-                  <a:schemeClr val="lt1"/>
-                </a:fontRef>
-              </p:style>
-              <p:txBody>
-                <a:bodyPr rtlCol="0" anchor="ctr"/>
-                <a:lstStyle/>
-                <a:p>
-                  <a:pPr algn="ctr"/>
-                  <a:endParaRPr lang="sv-SE"/>
-                </a:p>
-              </p:txBody>
-            </p:sp>
-          </p:grpSp>
           <p:sp>
             <p:nvSpPr>
-              <p:cNvPr id="29" name="Oval 28"/>
+              <p:cNvPr id="192" name="Oval 191"/>
               <p:cNvSpPr/>
               <p:nvPr/>
             </p:nvSpPr>
             <p:spPr>
-              <a:xfrm rot="1744470">
-                <a:off x="7400992" y="641681"/>
-                <a:ext cx="291139" cy="146719"/>
+              <a:xfrm rot="8515235">
+                <a:off x="9813956" y="2128163"/>
+                <a:ext cx="410597" cy="251109"/>
               </a:xfrm>
-              <a:prstGeom prst="ellipse">
+              <a:custGeom>
                 <a:avLst/>
-              </a:prstGeom>
-              <a:ln>
-                <a:noFill/>
-              </a:ln>
-            </p:spPr>
-            <p:style>
-              <a:lnRef idx="2">
-                <a:schemeClr val="accent1">
-                  <a:shade val="50000"/>
-                </a:schemeClr>
-              </a:lnRef>
-              <a:fillRef idx="1">
-                <a:schemeClr val="accent1"/>
-              </a:fillRef>
-              <a:effectRef idx="0">
-                <a:schemeClr val="accent1"/>
-              </a:effectRef>
-              <a:fontRef idx="minor">
-                <a:schemeClr val="lt1"/>
-              </a:fontRef>
-            </p:style>
-            <p:txBody>
-              <a:bodyPr rtlCol="0" anchor="ctr"/>
-              <a:lstStyle/>
-              <a:p>
-                <a:pPr algn="ctr"/>
-                <a:endParaRPr lang="sv-SE"/>
-              </a:p>
-            </p:txBody>
-          </p:sp>
-        </p:grpSp>
-        <p:sp>
-          <p:nvSpPr>
-            <p:cNvPr id="6" name="Oval 5"/>
-            <p:cNvSpPr/>
-            <p:nvPr/>
-          </p:nvSpPr>
-          <p:spPr>
-            <a:xfrm rot="636239">
-              <a:off x="7587477" y="846149"/>
-              <a:ext cx="344971" cy="314402"/>
-            </a:xfrm>
-            <a:prstGeom prst="ellipse">
-              <a:avLst/>
-            </a:prstGeom>
-            <a:solidFill>
-              <a:schemeClr val="bg1"/>
-            </a:solidFill>
-            <a:ln w="25400">
-              <a:solidFill>
-                <a:schemeClr val="tx1"/>
-              </a:solidFill>
-            </a:ln>
-          </p:spPr>
-          <p:style>
-            <a:lnRef idx="2">
-              <a:schemeClr val="accent1">
-                <a:shade val="50000"/>
-              </a:schemeClr>
-            </a:lnRef>
-            <a:fillRef idx="1">
-              <a:schemeClr val="accent1"/>
-            </a:fillRef>
-            <a:effectRef idx="0">
-              <a:schemeClr val="accent1"/>
-            </a:effectRef>
-            <a:fontRef idx="minor">
-              <a:schemeClr val="lt1"/>
-            </a:fontRef>
-          </p:style>
-          <p:txBody>
-            <a:bodyPr rtlCol="0" anchor="ctr"/>
-            <a:lstStyle/>
-            <a:p>
-              <a:pPr algn="ctr"/>
-              <a:endParaRPr lang="sv-SE"/>
-            </a:p>
-          </p:txBody>
-        </p:sp>
-        <p:grpSp>
-          <p:nvGrpSpPr>
-            <p:cNvPr id="3" name="Group 2"/>
-            <p:cNvGrpSpPr/>
-            <p:nvPr/>
-          </p:nvGrpSpPr>
-          <p:grpSpPr>
-            <a:xfrm>
-              <a:off x="7695727" y="965751"/>
-              <a:ext cx="117851" cy="107408"/>
-              <a:chOff x="7181421" y="2482028"/>
-              <a:chExt cx="117851" cy="107408"/>
-            </a:xfrm>
-          </p:grpSpPr>
-          <p:sp>
-            <p:nvSpPr>
-              <p:cNvPr id="7" name="Oval 6"/>
-              <p:cNvSpPr/>
-              <p:nvPr/>
-            </p:nvSpPr>
-            <p:spPr>
-              <a:xfrm rot="636239">
-                <a:off x="7181421" y="2482028"/>
-                <a:ext cx="117851" cy="107408"/>
-              </a:xfrm>
-              <a:prstGeom prst="ellipse">
-                <a:avLst/>
-              </a:prstGeom>
-              <a:solidFill>
-                <a:schemeClr val="tx1"/>
-              </a:solidFill>
+                <a:gdLst>
+                  <a:gd name="connsiteX0" fmla="*/ 0 w 325085"/>
+                  <a:gd name="connsiteY0" fmla="*/ 125268 h 250535"/>
+                  <a:gd name="connsiteX1" fmla="*/ 162543 w 325085"/>
+                  <a:gd name="connsiteY1" fmla="*/ 0 h 250535"/>
+                  <a:gd name="connsiteX2" fmla="*/ 325086 w 325085"/>
+                  <a:gd name="connsiteY2" fmla="*/ 125268 h 250535"/>
+                  <a:gd name="connsiteX3" fmla="*/ 162543 w 325085"/>
+                  <a:gd name="connsiteY3" fmla="*/ 250536 h 250535"/>
+                  <a:gd name="connsiteX4" fmla="*/ 0 w 325085"/>
+                  <a:gd name="connsiteY4" fmla="*/ 125268 h 250535"/>
+                  <a:gd name="connsiteX0" fmla="*/ 0 w 410597"/>
+                  <a:gd name="connsiteY0" fmla="*/ 151279 h 251109"/>
+                  <a:gd name="connsiteX1" fmla="*/ 248054 w 410597"/>
+                  <a:gd name="connsiteY1" fmla="*/ 216 h 251109"/>
+                  <a:gd name="connsiteX2" fmla="*/ 410597 w 410597"/>
+                  <a:gd name="connsiteY2" fmla="*/ 125484 h 251109"/>
+                  <a:gd name="connsiteX3" fmla="*/ 248054 w 410597"/>
+                  <a:gd name="connsiteY3" fmla="*/ 250752 h 251109"/>
+                  <a:gd name="connsiteX4" fmla="*/ 0 w 410597"/>
+                  <a:gd name="connsiteY4" fmla="*/ 151279 h 251109"/>
+                </a:gdLst>
+                <a:ahLst/>
+                <a:cxnLst>
+                  <a:cxn ang="0">
+                    <a:pos x="connsiteX0" y="connsiteY0"/>
+                  </a:cxn>
+                  <a:cxn ang="0">
+                    <a:pos x="connsiteX1" y="connsiteY1"/>
+                  </a:cxn>
+                  <a:cxn ang="0">
+                    <a:pos x="connsiteX2" y="connsiteY2"/>
+                  </a:cxn>
+                  <a:cxn ang="0">
+                    <a:pos x="connsiteX3" y="connsiteY3"/>
+                  </a:cxn>
+                  <a:cxn ang="0">
+                    <a:pos x="connsiteX4" y="connsiteY4"/>
+                  </a:cxn>
+                </a:cxnLst>
+                <a:rect l="l" t="t" r="r" b="b"/>
+                <a:pathLst>
+                  <a:path w="410597" h="251109">
+                    <a:moveTo>
+                      <a:pt x="0" y="151279"/>
+                    </a:moveTo>
+                    <a:cubicBezTo>
+                      <a:pt x="0" y="82095"/>
+                      <a:pt x="179621" y="4515"/>
+                      <a:pt x="248054" y="216"/>
+                    </a:cubicBezTo>
+                    <a:cubicBezTo>
+                      <a:pt x="316487" y="-4083"/>
+                      <a:pt x="410597" y="56300"/>
+                      <a:pt x="410597" y="125484"/>
+                    </a:cubicBezTo>
+                    <a:cubicBezTo>
+                      <a:pt x="410597" y="194668"/>
+                      <a:pt x="316487" y="246453"/>
+                      <a:pt x="248054" y="250752"/>
+                    </a:cubicBezTo>
+                    <a:cubicBezTo>
+                      <a:pt x="179621" y="255051"/>
+                      <a:pt x="0" y="220463"/>
+                      <a:pt x="0" y="151279"/>
+                    </a:cubicBezTo>
+                    <a:close/>
+                  </a:path>
+                </a:pathLst>
+              </a:custGeom>
               <a:ln w="25400">
                 <a:solidFill>
                   <a:schemeClr val="tx1"/>
@@ -13628,20 +13342,92 @@
           </p:sp>
           <p:sp>
             <p:nvSpPr>
-              <p:cNvPr id="15" name="Oval 14"/>
+              <p:cNvPr id="193" name="Oval 192"/>
               <p:cNvSpPr/>
               <p:nvPr/>
             </p:nvSpPr>
             <p:spPr>
-              <a:xfrm rot="636239">
-                <a:off x="7196361" y="2498943"/>
-                <a:ext cx="59674" cy="54386"/>
+              <a:xfrm rot="2961527">
+                <a:off x="9967533" y="2115944"/>
+                <a:ext cx="131177" cy="248618"/>
               </a:xfrm>
-              <a:prstGeom prst="ellipse">
+              <a:custGeom>
                 <a:avLst/>
-              </a:prstGeom>
+                <a:gdLst>
+                  <a:gd name="connsiteX0" fmla="*/ 0 w 130559"/>
+                  <a:gd name="connsiteY0" fmla="*/ 72364 h 144727"/>
+                  <a:gd name="connsiteX1" fmla="*/ 65280 w 130559"/>
+                  <a:gd name="connsiteY1" fmla="*/ 0 h 144727"/>
+                  <a:gd name="connsiteX2" fmla="*/ 130560 w 130559"/>
+                  <a:gd name="connsiteY2" fmla="*/ 72364 h 144727"/>
+                  <a:gd name="connsiteX3" fmla="*/ 65280 w 130559"/>
+                  <a:gd name="connsiteY3" fmla="*/ 144728 h 144727"/>
+                  <a:gd name="connsiteX4" fmla="*/ 0 w 130559"/>
+                  <a:gd name="connsiteY4" fmla="*/ 72364 h 144727"/>
+                  <a:gd name="connsiteX0" fmla="*/ 617 w 131177"/>
+                  <a:gd name="connsiteY0" fmla="*/ 176254 h 248618"/>
+                  <a:gd name="connsiteX1" fmla="*/ 44549 w 131177"/>
+                  <a:gd name="connsiteY1" fmla="*/ 0 h 248618"/>
+                  <a:gd name="connsiteX2" fmla="*/ 131177 w 131177"/>
+                  <a:gd name="connsiteY2" fmla="*/ 176254 h 248618"/>
+                  <a:gd name="connsiteX3" fmla="*/ 65897 w 131177"/>
+                  <a:gd name="connsiteY3" fmla="*/ 248618 h 248618"/>
+                  <a:gd name="connsiteX4" fmla="*/ 617 w 131177"/>
+                  <a:gd name="connsiteY4" fmla="*/ 176254 h 248618"/>
+                </a:gdLst>
+                <a:ahLst/>
+                <a:cxnLst>
+                  <a:cxn ang="0">
+                    <a:pos x="connsiteX0" y="connsiteY0"/>
+                  </a:cxn>
+                  <a:cxn ang="0">
+                    <a:pos x="connsiteX1" y="connsiteY1"/>
+                  </a:cxn>
+                  <a:cxn ang="0">
+                    <a:pos x="connsiteX2" y="connsiteY2"/>
+                  </a:cxn>
+                  <a:cxn ang="0">
+                    <a:pos x="connsiteX3" y="connsiteY3"/>
+                  </a:cxn>
+                  <a:cxn ang="0">
+                    <a:pos x="connsiteX4" y="connsiteY4"/>
+                  </a:cxn>
+                </a:cxnLst>
+                <a:rect l="l" t="t" r="r" b="b"/>
+                <a:pathLst>
+                  <a:path w="131177" h="248618">
+                    <a:moveTo>
+                      <a:pt x="617" y="176254"/>
+                    </a:moveTo>
+                    <a:cubicBezTo>
+                      <a:pt x="-2941" y="134818"/>
+                      <a:pt x="8496" y="0"/>
+                      <a:pt x="44549" y="0"/>
+                    </a:cubicBezTo>
+                    <a:cubicBezTo>
+                      <a:pt x="80602" y="0"/>
+                      <a:pt x="131177" y="136288"/>
+                      <a:pt x="131177" y="176254"/>
+                    </a:cubicBezTo>
+                    <a:cubicBezTo>
+                      <a:pt x="131177" y="216220"/>
+                      <a:pt x="101950" y="248618"/>
+                      <a:pt x="65897" y="248618"/>
+                    </a:cubicBezTo>
+                    <a:cubicBezTo>
+                      <a:pt x="29844" y="248618"/>
+                      <a:pt x="4175" y="217690"/>
+                      <a:pt x="617" y="176254"/>
+                    </a:cubicBezTo>
+                    <a:close/>
+                  </a:path>
+                </a:pathLst>
+              </a:custGeom>
               <a:solidFill>
-                <a:schemeClr val="bg1"/>
+                <a:schemeClr val="accent1">
+                  <a:lumMod val="75000"/>
+                  <a:alpha val="49000"/>
+                </a:schemeClr>
               </a:solidFill>
               <a:ln w="25400">
                 <a:noFill/>
@@ -13673,6 +13459,206 @@
             </p:txBody>
           </p:sp>
         </p:grpSp>
+        <p:sp>
+          <p:nvSpPr>
+            <p:cNvPr id="29" name="Oval 28"/>
+            <p:cNvSpPr/>
+            <p:nvPr/>
+          </p:nvSpPr>
+          <p:spPr>
+            <a:xfrm rot="1744470">
+              <a:off x="7400992" y="641681"/>
+              <a:ext cx="291139" cy="146719"/>
+            </a:xfrm>
+            <a:prstGeom prst="ellipse">
+              <a:avLst/>
+            </a:prstGeom>
+            <a:ln>
+              <a:noFill/>
+            </a:ln>
+          </p:spPr>
+          <p:style>
+            <a:lnRef idx="2">
+              <a:schemeClr val="accent1">
+                <a:shade val="50000"/>
+              </a:schemeClr>
+            </a:lnRef>
+            <a:fillRef idx="1">
+              <a:schemeClr val="accent1"/>
+            </a:fillRef>
+            <a:effectRef idx="0">
+              <a:schemeClr val="accent1"/>
+            </a:effectRef>
+            <a:fontRef idx="minor">
+              <a:schemeClr val="lt1"/>
+            </a:fontRef>
+          </p:style>
+          <p:txBody>
+            <a:bodyPr rtlCol="0" anchor="ctr"/>
+            <a:lstStyle/>
+            <a:p>
+              <a:pPr algn="ctr"/>
+              <a:endParaRPr lang="sv-SE"/>
+            </a:p>
+          </p:txBody>
+        </p:sp>
+      </p:grpSp>
+      <p:sp>
+        <p:nvSpPr>
+          <p:cNvPr id="6" name="Oval 5"/>
+          <p:cNvSpPr/>
+          <p:nvPr/>
+        </p:nvSpPr>
+        <p:spPr>
+          <a:xfrm rot="636239">
+            <a:off x="7587477" y="846149"/>
+            <a:ext cx="344971" cy="314402"/>
+          </a:xfrm>
+          <a:prstGeom prst="ellipse">
+            <a:avLst/>
+          </a:prstGeom>
+          <a:solidFill>
+            <a:schemeClr val="bg1"/>
+          </a:solidFill>
+          <a:ln w="25400">
+            <a:solidFill>
+              <a:schemeClr val="tx1"/>
+            </a:solidFill>
+          </a:ln>
+        </p:spPr>
+        <p:style>
+          <a:lnRef idx="2">
+            <a:schemeClr val="accent1">
+              <a:shade val="50000"/>
+            </a:schemeClr>
+          </a:lnRef>
+          <a:fillRef idx="1">
+            <a:schemeClr val="accent1"/>
+          </a:fillRef>
+          <a:effectRef idx="0">
+            <a:schemeClr val="accent1"/>
+          </a:effectRef>
+          <a:fontRef idx="minor">
+            <a:schemeClr val="lt1"/>
+          </a:fontRef>
+        </p:style>
+        <p:txBody>
+          <a:bodyPr rtlCol="0" anchor="ctr"/>
+          <a:lstStyle/>
+          <a:p>
+            <a:pPr algn="ctr"/>
+            <a:endParaRPr lang="sv-SE"/>
+          </a:p>
+        </p:txBody>
+      </p:sp>
+      <p:grpSp>
+        <p:nvGrpSpPr>
+          <p:cNvPr id="3" name="Group 2"/>
+          <p:cNvGrpSpPr/>
+          <p:nvPr/>
+        </p:nvGrpSpPr>
+        <p:grpSpPr>
+          <a:xfrm>
+            <a:off x="7695727" y="965751"/>
+            <a:ext cx="117851" cy="107408"/>
+            <a:chOff x="7181421" y="2482028"/>
+            <a:chExt cx="117851" cy="107408"/>
+          </a:xfrm>
+        </p:grpSpPr>
+        <p:sp>
+          <p:nvSpPr>
+            <p:cNvPr id="7" name="Oval 6"/>
+            <p:cNvSpPr/>
+            <p:nvPr/>
+          </p:nvSpPr>
+          <p:spPr>
+            <a:xfrm rot="636239">
+              <a:off x="7181421" y="2482028"/>
+              <a:ext cx="117851" cy="107408"/>
+            </a:xfrm>
+            <a:prstGeom prst="ellipse">
+              <a:avLst/>
+            </a:prstGeom>
+            <a:solidFill>
+              <a:schemeClr val="tx1"/>
+            </a:solidFill>
+            <a:ln w="25400">
+              <a:solidFill>
+                <a:schemeClr val="tx1"/>
+              </a:solidFill>
+            </a:ln>
+          </p:spPr>
+          <p:style>
+            <a:lnRef idx="2">
+              <a:schemeClr val="accent1">
+                <a:shade val="50000"/>
+              </a:schemeClr>
+            </a:lnRef>
+            <a:fillRef idx="1">
+              <a:schemeClr val="accent1"/>
+            </a:fillRef>
+            <a:effectRef idx="0">
+              <a:schemeClr val="accent1"/>
+            </a:effectRef>
+            <a:fontRef idx="minor">
+              <a:schemeClr val="lt1"/>
+            </a:fontRef>
+          </p:style>
+          <p:txBody>
+            <a:bodyPr rtlCol="0" anchor="ctr"/>
+            <a:lstStyle/>
+            <a:p>
+              <a:pPr algn="ctr"/>
+              <a:endParaRPr lang="sv-SE"/>
+            </a:p>
+          </p:txBody>
+        </p:sp>
+        <p:sp>
+          <p:nvSpPr>
+            <p:cNvPr id="15" name="Oval 14"/>
+            <p:cNvSpPr/>
+            <p:nvPr/>
+          </p:nvSpPr>
+          <p:spPr>
+            <a:xfrm rot="636239">
+              <a:off x="7196361" y="2498943"/>
+              <a:ext cx="59674" cy="54386"/>
+            </a:xfrm>
+            <a:prstGeom prst="ellipse">
+              <a:avLst/>
+            </a:prstGeom>
+            <a:solidFill>
+              <a:schemeClr val="bg1"/>
+            </a:solidFill>
+            <a:ln w="25400">
+              <a:noFill/>
+            </a:ln>
+          </p:spPr>
+          <p:style>
+            <a:lnRef idx="2">
+              <a:schemeClr val="accent1">
+                <a:shade val="50000"/>
+              </a:schemeClr>
+            </a:lnRef>
+            <a:fillRef idx="1">
+              <a:schemeClr val="accent1"/>
+            </a:fillRef>
+            <a:effectRef idx="0">
+              <a:schemeClr val="accent1"/>
+            </a:effectRef>
+            <a:fontRef idx="minor">
+              <a:schemeClr val="lt1"/>
+            </a:fontRef>
+          </p:style>
+          <p:txBody>
+            <a:bodyPr rtlCol="0" anchor="ctr"/>
+            <a:lstStyle/>
+            <a:p>
+              <a:pPr algn="ctr"/>
+              <a:endParaRPr lang="sv-SE"/>
+            </a:p>
+          </p:txBody>
+        </p:sp>
       </p:grpSp>
       <p:grpSp>
         <p:nvGrpSpPr>
@@ -33029,6 +33015,3612 @@
 </p:sld>
 </file>
 
+<file path=ppt/slides/slide2.xml><?xml version="1.0" encoding="utf-8"?>
+<p:sld xmlns:a="http://schemas.openxmlformats.org/drawingml/2006/main" xmlns:r="http://schemas.openxmlformats.org/officeDocument/2006/relationships" xmlns:p="http://schemas.openxmlformats.org/presentationml/2006/main">
+  <p:cSld>
+    <p:spTree>
+      <p:nvGrpSpPr>
+        <p:cNvPr id="1" name=""/>
+        <p:cNvGrpSpPr/>
+        <p:nvPr/>
+      </p:nvGrpSpPr>
+      <p:grpSpPr>
+        <a:xfrm>
+          <a:off x="0" y="0"/>
+          <a:ext cx="0" cy="0"/>
+          <a:chOff x="0" y="0"/>
+          <a:chExt cx="0" cy="0"/>
+        </a:xfrm>
+      </p:grpSpPr>
+      <p:sp>
+        <p:nvSpPr>
+          <p:cNvPr id="80" name="Oval 79"/>
+          <p:cNvSpPr/>
+          <p:nvPr/>
+        </p:nvSpPr>
+        <p:spPr>
+          <a:xfrm>
+            <a:off x="-134225" y="1520505"/>
+            <a:ext cx="3998037" cy="1232309"/>
+          </a:xfrm>
+          <a:prstGeom prst="ellipse">
+            <a:avLst/>
+          </a:prstGeom>
+          <a:gradFill flip="none" rotWithShape="1">
+            <a:gsLst>
+              <a:gs pos="69000">
+                <a:schemeClr val="accent1">
+                  <a:lumMod val="5000"/>
+                  <a:lumOff val="95000"/>
+                  <a:alpha val="0"/>
+                </a:schemeClr>
+              </a:gs>
+              <a:gs pos="18000">
+                <a:schemeClr val="tx1">
+                  <a:lumMod val="50000"/>
+                  <a:lumOff val="50000"/>
+                </a:schemeClr>
+              </a:gs>
+            </a:gsLst>
+            <a:path path="shape">
+              <a:fillToRect l="50000" t="50000" r="50000" b="50000"/>
+            </a:path>
+            <a:tileRect/>
+          </a:gradFill>
+          <a:ln>
+            <a:noFill/>
+          </a:ln>
+        </p:spPr>
+        <p:style>
+          <a:lnRef idx="2">
+            <a:schemeClr val="accent1">
+              <a:shade val="50000"/>
+            </a:schemeClr>
+          </a:lnRef>
+          <a:fillRef idx="1">
+            <a:schemeClr val="accent1"/>
+          </a:fillRef>
+          <a:effectRef idx="0">
+            <a:schemeClr val="accent1"/>
+          </a:effectRef>
+          <a:fontRef idx="minor">
+            <a:schemeClr val="lt1"/>
+          </a:fontRef>
+        </p:style>
+        <p:txBody>
+          <a:bodyPr rtlCol="0" anchor="ctr"/>
+          <a:lstStyle/>
+          <a:p>
+            <a:pPr algn="ctr"/>
+            <a:endParaRPr lang="sv-SE"/>
+          </a:p>
+        </p:txBody>
+      </p:sp>
+      <p:grpSp>
+        <p:nvGrpSpPr>
+          <p:cNvPr id="79" name="Group 78"/>
+          <p:cNvGrpSpPr/>
+          <p:nvPr/>
+        </p:nvGrpSpPr>
+        <p:grpSpPr>
+          <a:xfrm>
+            <a:off x="1021950" y="565579"/>
+            <a:ext cx="1609264" cy="1683399"/>
+            <a:chOff x="2743173" y="1659274"/>
+            <a:chExt cx="1609264" cy="1683399"/>
+          </a:xfrm>
+        </p:grpSpPr>
+        <p:sp>
+          <p:nvSpPr>
+            <p:cNvPr id="60" name="Freeform 59"/>
+            <p:cNvSpPr/>
+            <p:nvPr/>
+          </p:nvSpPr>
+          <p:spPr>
+            <a:xfrm rot="2608658">
+              <a:off x="3995887" y="2423920"/>
+              <a:ext cx="356550" cy="206238"/>
+            </a:xfrm>
+            <a:custGeom>
+              <a:avLst/>
+              <a:gdLst>
+                <a:gd name="connsiteX0" fmla="*/ 279941 w 578895"/>
+                <a:gd name="connsiteY0" fmla="*/ 5179 h 369751"/>
+                <a:gd name="connsiteX1" fmla="*/ 578752 w 578895"/>
+                <a:gd name="connsiteY1" fmla="*/ 155061 h 369751"/>
+                <a:gd name="connsiteX2" fmla="*/ 118421 w 578895"/>
+                <a:gd name="connsiteY2" fmla="*/ 367303 h 369751"/>
+                <a:gd name="connsiteX3" fmla="*/ 23092 w 578895"/>
+                <a:gd name="connsiteY3" fmla="*/ 369606 h 369751"/>
+                <a:gd name="connsiteX4" fmla="*/ 0 w 578895"/>
+                <a:gd name="connsiteY4" fmla="*/ 368304 h 369751"/>
+                <a:gd name="connsiteX5" fmla="*/ 0 w 578895"/>
+                <a:gd name="connsiteY5" fmla="*/ 12258 h 369751"/>
+                <a:gd name="connsiteX6" fmla="*/ 505 w 578895"/>
+                <a:gd name="connsiteY6" fmla="*/ 12164 h 369751"/>
+                <a:gd name="connsiteX7" fmla="*/ 95367 w 578895"/>
+                <a:gd name="connsiteY7" fmla="*/ 2449 h 369751"/>
+                <a:gd name="connsiteX8" fmla="*/ 279941 w 578895"/>
+                <a:gd name="connsiteY8" fmla="*/ 5179 h 369751"/>
+                <a:gd name="connsiteX0" fmla="*/ 279941 w 578895"/>
+                <a:gd name="connsiteY0" fmla="*/ 5179 h 369751"/>
+                <a:gd name="connsiteX1" fmla="*/ 578752 w 578895"/>
+                <a:gd name="connsiteY1" fmla="*/ 155061 h 369751"/>
+                <a:gd name="connsiteX2" fmla="*/ 118421 w 578895"/>
+                <a:gd name="connsiteY2" fmla="*/ 367303 h 369751"/>
+                <a:gd name="connsiteX3" fmla="*/ 23092 w 578895"/>
+                <a:gd name="connsiteY3" fmla="*/ 369606 h 369751"/>
+                <a:gd name="connsiteX4" fmla="*/ 0 w 578895"/>
+                <a:gd name="connsiteY4" fmla="*/ 368304 h 369751"/>
+                <a:gd name="connsiteX5" fmla="*/ 1303 w 578895"/>
+                <a:gd name="connsiteY5" fmla="*/ 209922 h 369751"/>
+                <a:gd name="connsiteX6" fmla="*/ 0 w 578895"/>
+                <a:gd name="connsiteY6" fmla="*/ 12258 h 369751"/>
+                <a:gd name="connsiteX7" fmla="*/ 505 w 578895"/>
+                <a:gd name="connsiteY7" fmla="*/ 12164 h 369751"/>
+                <a:gd name="connsiteX8" fmla="*/ 95367 w 578895"/>
+                <a:gd name="connsiteY8" fmla="*/ 2449 h 369751"/>
+                <a:gd name="connsiteX9" fmla="*/ 279941 w 578895"/>
+                <a:gd name="connsiteY9" fmla="*/ 5179 h 369751"/>
+                <a:gd name="connsiteX0" fmla="*/ 340282 w 639236"/>
+                <a:gd name="connsiteY0" fmla="*/ 5179 h 369751"/>
+                <a:gd name="connsiteX1" fmla="*/ 639093 w 639236"/>
+                <a:gd name="connsiteY1" fmla="*/ 155061 h 369751"/>
+                <a:gd name="connsiteX2" fmla="*/ 178762 w 639236"/>
+                <a:gd name="connsiteY2" fmla="*/ 367303 h 369751"/>
+                <a:gd name="connsiteX3" fmla="*/ 83433 w 639236"/>
+                <a:gd name="connsiteY3" fmla="*/ 369606 h 369751"/>
+                <a:gd name="connsiteX4" fmla="*/ 60341 w 639236"/>
+                <a:gd name="connsiteY4" fmla="*/ 368304 h 369751"/>
+                <a:gd name="connsiteX5" fmla="*/ 2 w 639236"/>
+                <a:gd name="connsiteY5" fmla="*/ 181615 h 369751"/>
+                <a:gd name="connsiteX6" fmla="*/ 60341 w 639236"/>
+                <a:gd name="connsiteY6" fmla="*/ 12258 h 369751"/>
+                <a:gd name="connsiteX7" fmla="*/ 60846 w 639236"/>
+                <a:gd name="connsiteY7" fmla="*/ 12164 h 369751"/>
+                <a:gd name="connsiteX8" fmla="*/ 155708 w 639236"/>
+                <a:gd name="connsiteY8" fmla="*/ 2449 h 369751"/>
+                <a:gd name="connsiteX9" fmla="*/ 340282 w 639236"/>
+                <a:gd name="connsiteY9" fmla="*/ 5179 h 369751"/>
+              </a:gdLst>
+              <a:ahLst/>
+              <a:cxnLst>
+                <a:cxn ang="0">
+                  <a:pos x="connsiteX0" y="connsiteY0"/>
+                </a:cxn>
+                <a:cxn ang="0">
+                  <a:pos x="connsiteX1" y="connsiteY1"/>
+                </a:cxn>
+                <a:cxn ang="0">
+                  <a:pos x="connsiteX2" y="connsiteY2"/>
+                </a:cxn>
+                <a:cxn ang="0">
+                  <a:pos x="connsiteX3" y="connsiteY3"/>
+                </a:cxn>
+                <a:cxn ang="0">
+                  <a:pos x="connsiteX4" y="connsiteY4"/>
+                </a:cxn>
+                <a:cxn ang="0">
+                  <a:pos x="connsiteX5" y="connsiteY5"/>
+                </a:cxn>
+                <a:cxn ang="0">
+                  <a:pos x="connsiteX6" y="connsiteY6"/>
+                </a:cxn>
+                <a:cxn ang="0">
+                  <a:pos x="connsiteX7" y="connsiteY7"/>
+                </a:cxn>
+                <a:cxn ang="0">
+                  <a:pos x="connsiteX8" y="connsiteY8"/>
+                </a:cxn>
+                <a:cxn ang="0">
+                  <a:pos x="connsiteX9" y="connsiteY9"/>
+                </a:cxn>
+              </a:cxnLst>
+              <a:rect l="l" t="t" r="r" b="b"/>
+              <a:pathLst>
+                <a:path w="639236" h="369751">
+                  <a:moveTo>
+                    <a:pt x="340282" y="5179"/>
+                  </a:moveTo>
+                  <a:cubicBezTo>
+                    <a:pt x="511389" y="22172"/>
+                    <a:pt x="634318" y="79497"/>
+                    <a:pt x="639093" y="155061"/>
+                  </a:cubicBezTo>
+                  <a:cubicBezTo>
+                    <a:pt x="645459" y="255813"/>
+                    <a:pt x="439362" y="350837"/>
+                    <a:pt x="178762" y="367303"/>
+                  </a:cubicBezTo>
+                  <a:cubicBezTo>
+                    <a:pt x="146187" y="369362"/>
+                    <a:pt x="114302" y="370095"/>
+                    <a:pt x="83433" y="369606"/>
+                  </a:cubicBezTo>
+                  <a:lnTo>
+                    <a:pt x="60341" y="368304"/>
+                  </a:lnTo>
+                  <a:cubicBezTo>
+                    <a:pt x="60775" y="315510"/>
+                    <a:pt x="-432" y="234409"/>
+                    <a:pt x="2" y="181615"/>
+                  </a:cubicBezTo>
+                  <a:cubicBezTo>
+                    <a:pt x="-432" y="115727"/>
+                    <a:pt x="60775" y="78146"/>
+                    <a:pt x="60341" y="12258"/>
+                  </a:cubicBezTo>
+                  <a:lnTo>
+                    <a:pt x="60846" y="12164"/>
+                  </a:lnTo>
+                  <a:cubicBezTo>
+                    <a:pt x="91410" y="7793"/>
+                    <a:pt x="123133" y="4507"/>
+                    <a:pt x="155708" y="2449"/>
+                  </a:cubicBezTo>
+                  <a:cubicBezTo>
+                    <a:pt x="220858" y="-1668"/>
+                    <a:pt x="283247" y="-485"/>
+                    <a:pt x="340282" y="5179"/>
+                  </a:cubicBezTo>
+                  <a:close/>
+                </a:path>
+              </a:pathLst>
+            </a:custGeom>
+            <a:solidFill>
+              <a:srgbClr val="CC9F6E"/>
+            </a:solidFill>
+            <a:ln w="25400">
+              <a:solidFill>
+                <a:schemeClr val="tx1"/>
+              </a:solidFill>
+            </a:ln>
+          </p:spPr>
+          <p:style>
+            <a:lnRef idx="2">
+              <a:schemeClr val="accent1">
+                <a:shade val="50000"/>
+              </a:schemeClr>
+            </a:lnRef>
+            <a:fillRef idx="1">
+              <a:schemeClr val="accent1"/>
+            </a:fillRef>
+            <a:effectRef idx="0">
+              <a:schemeClr val="accent1"/>
+            </a:effectRef>
+            <a:fontRef idx="minor">
+              <a:schemeClr val="lt1"/>
+            </a:fontRef>
+          </p:style>
+          <p:txBody>
+            <a:bodyPr rtlCol="0" anchor="ctr"/>
+            <a:lstStyle/>
+            <a:p>
+              <a:pPr algn="ctr"/>
+              <a:endParaRPr lang="sv-SE"/>
+            </a:p>
+          </p:txBody>
+        </p:sp>
+        <p:sp>
+          <p:nvSpPr>
+            <p:cNvPr id="59" name="Freeform 58"/>
+            <p:cNvSpPr/>
+            <p:nvPr/>
+          </p:nvSpPr>
+          <p:spPr>
+            <a:xfrm rot="8743542">
+              <a:off x="2743173" y="2496212"/>
+              <a:ext cx="356550" cy="206238"/>
+            </a:xfrm>
+            <a:custGeom>
+              <a:avLst/>
+              <a:gdLst>
+                <a:gd name="connsiteX0" fmla="*/ 279941 w 578895"/>
+                <a:gd name="connsiteY0" fmla="*/ 5179 h 369751"/>
+                <a:gd name="connsiteX1" fmla="*/ 578752 w 578895"/>
+                <a:gd name="connsiteY1" fmla="*/ 155061 h 369751"/>
+                <a:gd name="connsiteX2" fmla="*/ 118421 w 578895"/>
+                <a:gd name="connsiteY2" fmla="*/ 367303 h 369751"/>
+                <a:gd name="connsiteX3" fmla="*/ 23092 w 578895"/>
+                <a:gd name="connsiteY3" fmla="*/ 369606 h 369751"/>
+                <a:gd name="connsiteX4" fmla="*/ 0 w 578895"/>
+                <a:gd name="connsiteY4" fmla="*/ 368304 h 369751"/>
+                <a:gd name="connsiteX5" fmla="*/ 0 w 578895"/>
+                <a:gd name="connsiteY5" fmla="*/ 12258 h 369751"/>
+                <a:gd name="connsiteX6" fmla="*/ 505 w 578895"/>
+                <a:gd name="connsiteY6" fmla="*/ 12164 h 369751"/>
+                <a:gd name="connsiteX7" fmla="*/ 95367 w 578895"/>
+                <a:gd name="connsiteY7" fmla="*/ 2449 h 369751"/>
+                <a:gd name="connsiteX8" fmla="*/ 279941 w 578895"/>
+                <a:gd name="connsiteY8" fmla="*/ 5179 h 369751"/>
+                <a:gd name="connsiteX0" fmla="*/ 279941 w 578895"/>
+                <a:gd name="connsiteY0" fmla="*/ 5179 h 369751"/>
+                <a:gd name="connsiteX1" fmla="*/ 578752 w 578895"/>
+                <a:gd name="connsiteY1" fmla="*/ 155061 h 369751"/>
+                <a:gd name="connsiteX2" fmla="*/ 118421 w 578895"/>
+                <a:gd name="connsiteY2" fmla="*/ 367303 h 369751"/>
+                <a:gd name="connsiteX3" fmla="*/ 23092 w 578895"/>
+                <a:gd name="connsiteY3" fmla="*/ 369606 h 369751"/>
+                <a:gd name="connsiteX4" fmla="*/ 0 w 578895"/>
+                <a:gd name="connsiteY4" fmla="*/ 368304 h 369751"/>
+                <a:gd name="connsiteX5" fmla="*/ 1303 w 578895"/>
+                <a:gd name="connsiteY5" fmla="*/ 209922 h 369751"/>
+                <a:gd name="connsiteX6" fmla="*/ 0 w 578895"/>
+                <a:gd name="connsiteY6" fmla="*/ 12258 h 369751"/>
+                <a:gd name="connsiteX7" fmla="*/ 505 w 578895"/>
+                <a:gd name="connsiteY7" fmla="*/ 12164 h 369751"/>
+                <a:gd name="connsiteX8" fmla="*/ 95367 w 578895"/>
+                <a:gd name="connsiteY8" fmla="*/ 2449 h 369751"/>
+                <a:gd name="connsiteX9" fmla="*/ 279941 w 578895"/>
+                <a:gd name="connsiteY9" fmla="*/ 5179 h 369751"/>
+                <a:gd name="connsiteX0" fmla="*/ 340282 w 639236"/>
+                <a:gd name="connsiteY0" fmla="*/ 5179 h 369751"/>
+                <a:gd name="connsiteX1" fmla="*/ 639093 w 639236"/>
+                <a:gd name="connsiteY1" fmla="*/ 155061 h 369751"/>
+                <a:gd name="connsiteX2" fmla="*/ 178762 w 639236"/>
+                <a:gd name="connsiteY2" fmla="*/ 367303 h 369751"/>
+                <a:gd name="connsiteX3" fmla="*/ 83433 w 639236"/>
+                <a:gd name="connsiteY3" fmla="*/ 369606 h 369751"/>
+                <a:gd name="connsiteX4" fmla="*/ 60341 w 639236"/>
+                <a:gd name="connsiteY4" fmla="*/ 368304 h 369751"/>
+                <a:gd name="connsiteX5" fmla="*/ 2 w 639236"/>
+                <a:gd name="connsiteY5" fmla="*/ 181615 h 369751"/>
+                <a:gd name="connsiteX6" fmla="*/ 60341 w 639236"/>
+                <a:gd name="connsiteY6" fmla="*/ 12258 h 369751"/>
+                <a:gd name="connsiteX7" fmla="*/ 60846 w 639236"/>
+                <a:gd name="connsiteY7" fmla="*/ 12164 h 369751"/>
+                <a:gd name="connsiteX8" fmla="*/ 155708 w 639236"/>
+                <a:gd name="connsiteY8" fmla="*/ 2449 h 369751"/>
+                <a:gd name="connsiteX9" fmla="*/ 340282 w 639236"/>
+                <a:gd name="connsiteY9" fmla="*/ 5179 h 369751"/>
+              </a:gdLst>
+              <a:ahLst/>
+              <a:cxnLst>
+                <a:cxn ang="0">
+                  <a:pos x="connsiteX0" y="connsiteY0"/>
+                </a:cxn>
+                <a:cxn ang="0">
+                  <a:pos x="connsiteX1" y="connsiteY1"/>
+                </a:cxn>
+                <a:cxn ang="0">
+                  <a:pos x="connsiteX2" y="connsiteY2"/>
+                </a:cxn>
+                <a:cxn ang="0">
+                  <a:pos x="connsiteX3" y="connsiteY3"/>
+                </a:cxn>
+                <a:cxn ang="0">
+                  <a:pos x="connsiteX4" y="connsiteY4"/>
+                </a:cxn>
+                <a:cxn ang="0">
+                  <a:pos x="connsiteX5" y="connsiteY5"/>
+                </a:cxn>
+                <a:cxn ang="0">
+                  <a:pos x="connsiteX6" y="connsiteY6"/>
+                </a:cxn>
+                <a:cxn ang="0">
+                  <a:pos x="connsiteX7" y="connsiteY7"/>
+                </a:cxn>
+                <a:cxn ang="0">
+                  <a:pos x="connsiteX8" y="connsiteY8"/>
+                </a:cxn>
+                <a:cxn ang="0">
+                  <a:pos x="connsiteX9" y="connsiteY9"/>
+                </a:cxn>
+              </a:cxnLst>
+              <a:rect l="l" t="t" r="r" b="b"/>
+              <a:pathLst>
+                <a:path w="639236" h="369751">
+                  <a:moveTo>
+                    <a:pt x="340282" y="5179"/>
+                  </a:moveTo>
+                  <a:cubicBezTo>
+                    <a:pt x="511389" y="22172"/>
+                    <a:pt x="634318" y="79497"/>
+                    <a:pt x="639093" y="155061"/>
+                  </a:cubicBezTo>
+                  <a:cubicBezTo>
+                    <a:pt x="645459" y="255813"/>
+                    <a:pt x="439362" y="350837"/>
+                    <a:pt x="178762" y="367303"/>
+                  </a:cubicBezTo>
+                  <a:cubicBezTo>
+                    <a:pt x="146187" y="369362"/>
+                    <a:pt x="114302" y="370095"/>
+                    <a:pt x="83433" y="369606"/>
+                  </a:cubicBezTo>
+                  <a:lnTo>
+                    <a:pt x="60341" y="368304"/>
+                  </a:lnTo>
+                  <a:cubicBezTo>
+                    <a:pt x="60775" y="315510"/>
+                    <a:pt x="-432" y="234409"/>
+                    <a:pt x="2" y="181615"/>
+                  </a:cubicBezTo>
+                  <a:cubicBezTo>
+                    <a:pt x="-432" y="115727"/>
+                    <a:pt x="60775" y="78146"/>
+                    <a:pt x="60341" y="12258"/>
+                  </a:cubicBezTo>
+                  <a:lnTo>
+                    <a:pt x="60846" y="12164"/>
+                  </a:lnTo>
+                  <a:cubicBezTo>
+                    <a:pt x="91410" y="7793"/>
+                    <a:pt x="123133" y="4507"/>
+                    <a:pt x="155708" y="2449"/>
+                  </a:cubicBezTo>
+                  <a:cubicBezTo>
+                    <a:pt x="220858" y="-1668"/>
+                    <a:pt x="283247" y="-485"/>
+                    <a:pt x="340282" y="5179"/>
+                  </a:cubicBezTo>
+                  <a:close/>
+                </a:path>
+              </a:pathLst>
+            </a:custGeom>
+            <a:solidFill>
+              <a:srgbClr val="CC9F6E"/>
+            </a:solidFill>
+            <a:ln w="25400">
+              <a:solidFill>
+                <a:schemeClr val="tx1"/>
+              </a:solidFill>
+            </a:ln>
+          </p:spPr>
+          <p:style>
+            <a:lnRef idx="2">
+              <a:schemeClr val="accent1">
+                <a:shade val="50000"/>
+              </a:schemeClr>
+            </a:lnRef>
+            <a:fillRef idx="1">
+              <a:schemeClr val="accent1"/>
+            </a:fillRef>
+            <a:effectRef idx="0">
+              <a:schemeClr val="accent1"/>
+            </a:effectRef>
+            <a:fontRef idx="minor">
+              <a:schemeClr val="lt1"/>
+            </a:fontRef>
+          </p:style>
+          <p:txBody>
+            <a:bodyPr rtlCol="0" anchor="ctr"/>
+            <a:lstStyle/>
+            <a:p>
+              <a:pPr algn="ctr"/>
+              <a:endParaRPr lang="sv-SE"/>
+            </a:p>
+          </p:txBody>
+        </p:sp>
+        <p:sp>
+          <p:nvSpPr>
+            <p:cNvPr id="4" name="Rounded Rectangle 8"/>
+            <p:cNvSpPr/>
+            <p:nvPr/>
+          </p:nvSpPr>
+          <p:spPr>
+            <a:xfrm rot="21449245">
+              <a:off x="2847482" y="1719337"/>
+              <a:ext cx="1440999" cy="1623336"/>
+            </a:xfrm>
+            <a:custGeom>
+              <a:avLst/>
+              <a:gdLst>
+                <a:gd name="connsiteX0" fmla="*/ 0 w 3929975"/>
+                <a:gd name="connsiteY0" fmla="*/ 1754223 h 6079787"/>
+                <a:gd name="connsiteX1" fmla="*/ 1754223 w 3929975"/>
+                <a:gd name="connsiteY1" fmla="*/ 0 h 6079787"/>
+                <a:gd name="connsiteX2" fmla="*/ 2175752 w 3929975"/>
+                <a:gd name="connsiteY2" fmla="*/ 0 h 6079787"/>
+                <a:gd name="connsiteX3" fmla="*/ 3929975 w 3929975"/>
+                <a:gd name="connsiteY3" fmla="*/ 1754223 h 6079787"/>
+                <a:gd name="connsiteX4" fmla="*/ 3929975 w 3929975"/>
+                <a:gd name="connsiteY4" fmla="*/ 4325564 h 6079787"/>
+                <a:gd name="connsiteX5" fmla="*/ 2175752 w 3929975"/>
+                <a:gd name="connsiteY5" fmla="*/ 6079787 h 6079787"/>
+                <a:gd name="connsiteX6" fmla="*/ 1754223 w 3929975"/>
+                <a:gd name="connsiteY6" fmla="*/ 6079787 h 6079787"/>
+                <a:gd name="connsiteX7" fmla="*/ 0 w 3929975"/>
+                <a:gd name="connsiteY7" fmla="*/ 4325564 h 6079787"/>
+                <a:gd name="connsiteX8" fmla="*/ 0 w 3929975"/>
+                <a:gd name="connsiteY8" fmla="*/ 1754223 h 6079787"/>
+                <a:gd name="connsiteX0" fmla="*/ 0 w 3940058"/>
+                <a:gd name="connsiteY0" fmla="*/ 1754223 h 6079787"/>
+                <a:gd name="connsiteX1" fmla="*/ 1754223 w 3940058"/>
+                <a:gd name="connsiteY1" fmla="*/ 0 h 6079787"/>
+                <a:gd name="connsiteX2" fmla="*/ 2175752 w 3940058"/>
+                <a:gd name="connsiteY2" fmla="*/ 0 h 6079787"/>
+                <a:gd name="connsiteX3" fmla="*/ 3929975 w 3940058"/>
+                <a:gd name="connsiteY3" fmla="*/ 1754223 h 6079787"/>
+                <a:gd name="connsiteX4" fmla="*/ 3940058 w 3940058"/>
+                <a:gd name="connsiteY4" fmla="*/ 2918059 h 6079787"/>
+                <a:gd name="connsiteX5" fmla="*/ 3929975 w 3940058"/>
+                <a:gd name="connsiteY5" fmla="*/ 4325564 h 6079787"/>
+                <a:gd name="connsiteX6" fmla="*/ 2175752 w 3940058"/>
+                <a:gd name="connsiteY6" fmla="*/ 6079787 h 6079787"/>
+                <a:gd name="connsiteX7" fmla="*/ 1754223 w 3940058"/>
+                <a:gd name="connsiteY7" fmla="*/ 6079787 h 6079787"/>
+                <a:gd name="connsiteX8" fmla="*/ 0 w 3940058"/>
+                <a:gd name="connsiteY8" fmla="*/ 4325564 h 6079787"/>
+                <a:gd name="connsiteX9" fmla="*/ 0 w 3940058"/>
+                <a:gd name="connsiteY9" fmla="*/ 1754223 h 6079787"/>
+                <a:gd name="connsiteX0" fmla="*/ 0 w 3929975"/>
+                <a:gd name="connsiteY0" fmla="*/ 1754223 h 6079787"/>
+                <a:gd name="connsiteX1" fmla="*/ 1754223 w 3929975"/>
+                <a:gd name="connsiteY1" fmla="*/ 0 h 6079787"/>
+                <a:gd name="connsiteX2" fmla="*/ 2175752 w 3929975"/>
+                <a:gd name="connsiteY2" fmla="*/ 0 h 6079787"/>
+                <a:gd name="connsiteX3" fmla="*/ 3929975 w 3929975"/>
+                <a:gd name="connsiteY3" fmla="*/ 1754223 h 6079787"/>
+                <a:gd name="connsiteX4" fmla="*/ 3876123 w 3929975"/>
+                <a:gd name="connsiteY4" fmla="*/ 2946921 h 6079787"/>
+                <a:gd name="connsiteX5" fmla="*/ 3929975 w 3929975"/>
+                <a:gd name="connsiteY5" fmla="*/ 4325564 h 6079787"/>
+                <a:gd name="connsiteX6" fmla="*/ 2175752 w 3929975"/>
+                <a:gd name="connsiteY6" fmla="*/ 6079787 h 6079787"/>
+                <a:gd name="connsiteX7" fmla="*/ 1754223 w 3929975"/>
+                <a:gd name="connsiteY7" fmla="*/ 6079787 h 6079787"/>
+                <a:gd name="connsiteX8" fmla="*/ 0 w 3929975"/>
+                <a:gd name="connsiteY8" fmla="*/ 4325564 h 6079787"/>
+                <a:gd name="connsiteX9" fmla="*/ 0 w 3929975"/>
+                <a:gd name="connsiteY9" fmla="*/ 1754223 h 6079787"/>
+                <a:gd name="connsiteX0" fmla="*/ 0 w 3929975"/>
+                <a:gd name="connsiteY0" fmla="*/ 1754223 h 6079787"/>
+                <a:gd name="connsiteX1" fmla="*/ 1754223 w 3929975"/>
+                <a:gd name="connsiteY1" fmla="*/ 0 h 6079787"/>
+                <a:gd name="connsiteX2" fmla="*/ 2223738 w 3929975"/>
+                <a:gd name="connsiteY2" fmla="*/ 7940 h 6079787"/>
+                <a:gd name="connsiteX3" fmla="*/ 3929975 w 3929975"/>
+                <a:gd name="connsiteY3" fmla="*/ 1754223 h 6079787"/>
+                <a:gd name="connsiteX4" fmla="*/ 3876123 w 3929975"/>
+                <a:gd name="connsiteY4" fmla="*/ 2946921 h 6079787"/>
+                <a:gd name="connsiteX5" fmla="*/ 3929975 w 3929975"/>
+                <a:gd name="connsiteY5" fmla="*/ 4325564 h 6079787"/>
+                <a:gd name="connsiteX6" fmla="*/ 2175752 w 3929975"/>
+                <a:gd name="connsiteY6" fmla="*/ 6079787 h 6079787"/>
+                <a:gd name="connsiteX7" fmla="*/ 1754223 w 3929975"/>
+                <a:gd name="connsiteY7" fmla="*/ 6079787 h 6079787"/>
+                <a:gd name="connsiteX8" fmla="*/ 0 w 3929975"/>
+                <a:gd name="connsiteY8" fmla="*/ 4325564 h 6079787"/>
+                <a:gd name="connsiteX9" fmla="*/ 0 w 3929975"/>
+                <a:gd name="connsiteY9" fmla="*/ 1754223 h 6079787"/>
+                <a:gd name="connsiteX0" fmla="*/ 0 w 3929975"/>
+                <a:gd name="connsiteY0" fmla="*/ 1754223 h 6079787"/>
+                <a:gd name="connsiteX1" fmla="*/ 1754223 w 3929975"/>
+                <a:gd name="connsiteY1" fmla="*/ 0 h 6079787"/>
+                <a:gd name="connsiteX2" fmla="*/ 2223738 w 3929975"/>
+                <a:gd name="connsiteY2" fmla="*/ 7940 h 6079787"/>
+                <a:gd name="connsiteX3" fmla="*/ 3929975 w 3929975"/>
+                <a:gd name="connsiteY3" fmla="*/ 1754223 h 6079787"/>
+                <a:gd name="connsiteX4" fmla="*/ 3876123 w 3929975"/>
+                <a:gd name="connsiteY4" fmla="*/ 2946921 h 6079787"/>
+                <a:gd name="connsiteX5" fmla="*/ 3929975 w 3929975"/>
+                <a:gd name="connsiteY5" fmla="*/ 4325564 h 6079787"/>
+                <a:gd name="connsiteX6" fmla="*/ 2175752 w 3929975"/>
+                <a:gd name="connsiteY6" fmla="*/ 6079787 h 6079787"/>
+                <a:gd name="connsiteX7" fmla="*/ 1754223 w 3929975"/>
+                <a:gd name="connsiteY7" fmla="*/ 6079787 h 6079787"/>
+                <a:gd name="connsiteX8" fmla="*/ 0 w 3929975"/>
+                <a:gd name="connsiteY8" fmla="*/ 4325564 h 6079787"/>
+                <a:gd name="connsiteX9" fmla="*/ 0 w 3929975"/>
+                <a:gd name="connsiteY9" fmla="*/ 1754223 h 6079787"/>
+                <a:gd name="connsiteX0" fmla="*/ 0 w 3929975"/>
+                <a:gd name="connsiteY0" fmla="*/ 1754223 h 6079787"/>
+                <a:gd name="connsiteX1" fmla="*/ 1754223 w 3929975"/>
+                <a:gd name="connsiteY1" fmla="*/ 0 h 6079787"/>
+                <a:gd name="connsiteX2" fmla="*/ 2223738 w 3929975"/>
+                <a:gd name="connsiteY2" fmla="*/ 7940 h 6079787"/>
+                <a:gd name="connsiteX3" fmla="*/ 3929975 w 3929975"/>
+                <a:gd name="connsiteY3" fmla="*/ 1754223 h 6079787"/>
+                <a:gd name="connsiteX4" fmla="*/ 3876123 w 3929975"/>
+                <a:gd name="connsiteY4" fmla="*/ 2946921 h 6079787"/>
+                <a:gd name="connsiteX5" fmla="*/ 3929975 w 3929975"/>
+                <a:gd name="connsiteY5" fmla="*/ 4325564 h 6079787"/>
+                <a:gd name="connsiteX6" fmla="*/ 2175752 w 3929975"/>
+                <a:gd name="connsiteY6" fmla="*/ 6079787 h 6079787"/>
+                <a:gd name="connsiteX7" fmla="*/ 1754223 w 3929975"/>
+                <a:gd name="connsiteY7" fmla="*/ 6079787 h 6079787"/>
+                <a:gd name="connsiteX8" fmla="*/ 0 w 3929975"/>
+                <a:gd name="connsiteY8" fmla="*/ 4325564 h 6079787"/>
+                <a:gd name="connsiteX9" fmla="*/ 0 w 3929975"/>
+                <a:gd name="connsiteY9" fmla="*/ 1754223 h 6079787"/>
+                <a:gd name="connsiteX0" fmla="*/ 0 w 3929975"/>
+                <a:gd name="connsiteY0" fmla="*/ 1754223 h 6079787"/>
+                <a:gd name="connsiteX1" fmla="*/ 1754223 w 3929975"/>
+                <a:gd name="connsiteY1" fmla="*/ 0 h 6079787"/>
+                <a:gd name="connsiteX2" fmla="*/ 2223738 w 3929975"/>
+                <a:gd name="connsiteY2" fmla="*/ 7940 h 6079787"/>
+                <a:gd name="connsiteX3" fmla="*/ 3929975 w 3929975"/>
+                <a:gd name="connsiteY3" fmla="*/ 1754223 h 6079787"/>
+                <a:gd name="connsiteX4" fmla="*/ 3876123 w 3929975"/>
+                <a:gd name="connsiteY4" fmla="*/ 2946921 h 6079787"/>
+                <a:gd name="connsiteX5" fmla="*/ 3929975 w 3929975"/>
+                <a:gd name="connsiteY5" fmla="*/ 4325564 h 6079787"/>
+                <a:gd name="connsiteX6" fmla="*/ 2175752 w 3929975"/>
+                <a:gd name="connsiteY6" fmla="*/ 6079787 h 6079787"/>
+                <a:gd name="connsiteX7" fmla="*/ 1754223 w 3929975"/>
+                <a:gd name="connsiteY7" fmla="*/ 6079787 h 6079787"/>
+                <a:gd name="connsiteX8" fmla="*/ 0 w 3929975"/>
+                <a:gd name="connsiteY8" fmla="*/ 4325564 h 6079787"/>
+                <a:gd name="connsiteX9" fmla="*/ 0 w 3929975"/>
+                <a:gd name="connsiteY9" fmla="*/ 1754223 h 6079787"/>
+                <a:gd name="connsiteX0" fmla="*/ 15511 w 3945486"/>
+                <a:gd name="connsiteY0" fmla="*/ 1754223 h 6079787"/>
+                <a:gd name="connsiteX1" fmla="*/ 1769734 w 3945486"/>
+                <a:gd name="connsiteY1" fmla="*/ 0 h 6079787"/>
+                <a:gd name="connsiteX2" fmla="*/ 2239249 w 3945486"/>
+                <a:gd name="connsiteY2" fmla="*/ 7940 h 6079787"/>
+                <a:gd name="connsiteX3" fmla="*/ 3945486 w 3945486"/>
+                <a:gd name="connsiteY3" fmla="*/ 1754223 h 6079787"/>
+                <a:gd name="connsiteX4" fmla="*/ 3891634 w 3945486"/>
+                <a:gd name="connsiteY4" fmla="*/ 2946921 h 6079787"/>
+                <a:gd name="connsiteX5" fmla="*/ 3945486 w 3945486"/>
+                <a:gd name="connsiteY5" fmla="*/ 4325564 h 6079787"/>
+                <a:gd name="connsiteX6" fmla="*/ 2191263 w 3945486"/>
+                <a:gd name="connsiteY6" fmla="*/ 6079787 h 6079787"/>
+                <a:gd name="connsiteX7" fmla="*/ 1769734 w 3945486"/>
+                <a:gd name="connsiteY7" fmla="*/ 6079787 h 6079787"/>
+                <a:gd name="connsiteX8" fmla="*/ 15511 w 3945486"/>
+                <a:gd name="connsiteY8" fmla="*/ 4325564 h 6079787"/>
+                <a:gd name="connsiteX9" fmla="*/ 0 w 3945486"/>
+                <a:gd name="connsiteY9" fmla="*/ 3003076 h 6079787"/>
+                <a:gd name="connsiteX10" fmla="*/ 15511 w 3945486"/>
+                <a:gd name="connsiteY10" fmla="*/ 1754223 h 6079787"/>
+                <a:gd name="connsiteX0" fmla="*/ 0 w 3929975"/>
+                <a:gd name="connsiteY0" fmla="*/ 1754223 h 6079787"/>
+                <a:gd name="connsiteX1" fmla="*/ 1754223 w 3929975"/>
+                <a:gd name="connsiteY1" fmla="*/ 0 h 6079787"/>
+                <a:gd name="connsiteX2" fmla="*/ 2223738 w 3929975"/>
+                <a:gd name="connsiteY2" fmla="*/ 7940 h 6079787"/>
+                <a:gd name="connsiteX3" fmla="*/ 3929975 w 3929975"/>
+                <a:gd name="connsiteY3" fmla="*/ 1754223 h 6079787"/>
+                <a:gd name="connsiteX4" fmla="*/ 3876123 w 3929975"/>
+                <a:gd name="connsiteY4" fmla="*/ 2946921 h 6079787"/>
+                <a:gd name="connsiteX5" fmla="*/ 3929975 w 3929975"/>
+                <a:gd name="connsiteY5" fmla="*/ 4325564 h 6079787"/>
+                <a:gd name="connsiteX6" fmla="*/ 2175752 w 3929975"/>
+                <a:gd name="connsiteY6" fmla="*/ 6079787 h 6079787"/>
+                <a:gd name="connsiteX7" fmla="*/ 1754223 w 3929975"/>
+                <a:gd name="connsiteY7" fmla="*/ 6079787 h 6079787"/>
+                <a:gd name="connsiteX8" fmla="*/ 0 w 3929975"/>
+                <a:gd name="connsiteY8" fmla="*/ 4325564 h 6079787"/>
+                <a:gd name="connsiteX9" fmla="*/ 42072 w 3929975"/>
+                <a:gd name="connsiteY9" fmla="*/ 3012604 h 6079787"/>
+                <a:gd name="connsiteX10" fmla="*/ 0 w 3929975"/>
+                <a:gd name="connsiteY10" fmla="*/ 1754223 h 6079787"/>
+                <a:gd name="connsiteX0" fmla="*/ 0 w 3929975"/>
+                <a:gd name="connsiteY0" fmla="*/ 1754223 h 6079787"/>
+                <a:gd name="connsiteX1" fmla="*/ 1754223 w 3929975"/>
+                <a:gd name="connsiteY1" fmla="*/ 0 h 6079787"/>
+                <a:gd name="connsiteX2" fmla="*/ 2223738 w 3929975"/>
+                <a:gd name="connsiteY2" fmla="*/ 7940 h 6079787"/>
+                <a:gd name="connsiteX3" fmla="*/ 3929975 w 3929975"/>
+                <a:gd name="connsiteY3" fmla="*/ 1754223 h 6079787"/>
+                <a:gd name="connsiteX4" fmla="*/ 3876123 w 3929975"/>
+                <a:gd name="connsiteY4" fmla="*/ 2946921 h 6079787"/>
+                <a:gd name="connsiteX5" fmla="*/ 3929975 w 3929975"/>
+                <a:gd name="connsiteY5" fmla="*/ 4325564 h 6079787"/>
+                <a:gd name="connsiteX6" fmla="*/ 2175752 w 3929975"/>
+                <a:gd name="connsiteY6" fmla="*/ 6079787 h 6079787"/>
+                <a:gd name="connsiteX7" fmla="*/ 1754223 w 3929975"/>
+                <a:gd name="connsiteY7" fmla="*/ 6079787 h 6079787"/>
+                <a:gd name="connsiteX8" fmla="*/ 0 w 3929975"/>
+                <a:gd name="connsiteY8" fmla="*/ 4325564 h 6079787"/>
+                <a:gd name="connsiteX9" fmla="*/ 42072 w 3929975"/>
+                <a:gd name="connsiteY9" fmla="*/ 3012604 h 6079787"/>
+                <a:gd name="connsiteX10" fmla="*/ 0 w 3929975"/>
+                <a:gd name="connsiteY10" fmla="*/ 1754223 h 6079787"/>
+                <a:gd name="connsiteX0" fmla="*/ 0 w 3929975"/>
+                <a:gd name="connsiteY0" fmla="*/ 1754223 h 6079787"/>
+                <a:gd name="connsiteX1" fmla="*/ 1754223 w 3929975"/>
+                <a:gd name="connsiteY1" fmla="*/ 0 h 6079787"/>
+                <a:gd name="connsiteX2" fmla="*/ 2223738 w 3929975"/>
+                <a:gd name="connsiteY2" fmla="*/ 7940 h 6079787"/>
+                <a:gd name="connsiteX3" fmla="*/ 3929975 w 3929975"/>
+                <a:gd name="connsiteY3" fmla="*/ 1754223 h 6079787"/>
+                <a:gd name="connsiteX4" fmla="*/ 3876123 w 3929975"/>
+                <a:gd name="connsiteY4" fmla="*/ 2946921 h 6079787"/>
+                <a:gd name="connsiteX5" fmla="*/ 3929975 w 3929975"/>
+                <a:gd name="connsiteY5" fmla="*/ 4325564 h 6079787"/>
+                <a:gd name="connsiteX6" fmla="*/ 2175752 w 3929975"/>
+                <a:gd name="connsiteY6" fmla="*/ 6079787 h 6079787"/>
+                <a:gd name="connsiteX7" fmla="*/ 1754223 w 3929975"/>
+                <a:gd name="connsiteY7" fmla="*/ 6079787 h 6079787"/>
+                <a:gd name="connsiteX8" fmla="*/ 0 w 3929975"/>
+                <a:gd name="connsiteY8" fmla="*/ 4325564 h 6079787"/>
+                <a:gd name="connsiteX9" fmla="*/ 42072 w 3929975"/>
+                <a:gd name="connsiteY9" fmla="*/ 3012604 h 6079787"/>
+                <a:gd name="connsiteX10" fmla="*/ 0 w 3929975"/>
+                <a:gd name="connsiteY10" fmla="*/ 1754223 h 6079787"/>
+                <a:gd name="connsiteX0" fmla="*/ 0 w 3929975"/>
+                <a:gd name="connsiteY0" fmla="*/ 1754223 h 6079787"/>
+                <a:gd name="connsiteX1" fmla="*/ 1754223 w 3929975"/>
+                <a:gd name="connsiteY1" fmla="*/ 0 h 6079787"/>
+                <a:gd name="connsiteX2" fmla="*/ 2223738 w 3929975"/>
+                <a:gd name="connsiteY2" fmla="*/ 7940 h 6079787"/>
+                <a:gd name="connsiteX3" fmla="*/ 3929975 w 3929975"/>
+                <a:gd name="connsiteY3" fmla="*/ 1754223 h 6079787"/>
+                <a:gd name="connsiteX4" fmla="*/ 3876123 w 3929975"/>
+                <a:gd name="connsiteY4" fmla="*/ 2946921 h 6079787"/>
+                <a:gd name="connsiteX5" fmla="*/ 3929975 w 3929975"/>
+                <a:gd name="connsiteY5" fmla="*/ 4325564 h 6079787"/>
+                <a:gd name="connsiteX6" fmla="*/ 2175752 w 3929975"/>
+                <a:gd name="connsiteY6" fmla="*/ 6079787 h 6079787"/>
+                <a:gd name="connsiteX7" fmla="*/ 1754223 w 3929975"/>
+                <a:gd name="connsiteY7" fmla="*/ 6079787 h 6079787"/>
+                <a:gd name="connsiteX8" fmla="*/ 0 w 3929975"/>
+                <a:gd name="connsiteY8" fmla="*/ 4325564 h 6079787"/>
+                <a:gd name="connsiteX9" fmla="*/ 42072 w 3929975"/>
+                <a:gd name="connsiteY9" fmla="*/ 3012604 h 6079787"/>
+                <a:gd name="connsiteX10" fmla="*/ 0 w 3929975"/>
+                <a:gd name="connsiteY10" fmla="*/ 1754223 h 6079787"/>
+                <a:gd name="connsiteX0" fmla="*/ 0 w 3929975"/>
+                <a:gd name="connsiteY0" fmla="*/ 1754223 h 6079787"/>
+                <a:gd name="connsiteX1" fmla="*/ 1754223 w 3929975"/>
+                <a:gd name="connsiteY1" fmla="*/ 0 h 6079787"/>
+                <a:gd name="connsiteX2" fmla="*/ 2223738 w 3929975"/>
+                <a:gd name="connsiteY2" fmla="*/ 7940 h 6079787"/>
+                <a:gd name="connsiteX3" fmla="*/ 3929975 w 3929975"/>
+                <a:gd name="connsiteY3" fmla="*/ 1754223 h 6079787"/>
+                <a:gd name="connsiteX4" fmla="*/ 3794731 w 3929975"/>
+                <a:gd name="connsiteY4" fmla="*/ 2850397 h 6079787"/>
+                <a:gd name="connsiteX5" fmla="*/ 3929975 w 3929975"/>
+                <a:gd name="connsiteY5" fmla="*/ 4325564 h 6079787"/>
+                <a:gd name="connsiteX6" fmla="*/ 2175752 w 3929975"/>
+                <a:gd name="connsiteY6" fmla="*/ 6079787 h 6079787"/>
+                <a:gd name="connsiteX7" fmla="*/ 1754223 w 3929975"/>
+                <a:gd name="connsiteY7" fmla="*/ 6079787 h 6079787"/>
+                <a:gd name="connsiteX8" fmla="*/ 0 w 3929975"/>
+                <a:gd name="connsiteY8" fmla="*/ 4325564 h 6079787"/>
+                <a:gd name="connsiteX9" fmla="*/ 42072 w 3929975"/>
+                <a:gd name="connsiteY9" fmla="*/ 3012604 h 6079787"/>
+                <a:gd name="connsiteX10" fmla="*/ 0 w 3929975"/>
+                <a:gd name="connsiteY10" fmla="*/ 1754223 h 6079787"/>
+                <a:gd name="connsiteX0" fmla="*/ 0 w 4076099"/>
+                <a:gd name="connsiteY0" fmla="*/ 1754223 h 6079787"/>
+                <a:gd name="connsiteX1" fmla="*/ 1754223 w 4076099"/>
+                <a:gd name="connsiteY1" fmla="*/ 0 h 6079787"/>
+                <a:gd name="connsiteX2" fmla="*/ 2223738 w 4076099"/>
+                <a:gd name="connsiteY2" fmla="*/ 7940 h 6079787"/>
+                <a:gd name="connsiteX3" fmla="*/ 3929975 w 4076099"/>
+                <a:gd name="connsiteY3" fmla="*/ 1754223 h 6079787"/>
+                <a:gd name="connsiteX4" fmla="*/ 3794731 w 4076099"/>
+                <a:gd name="connsiteY4" fmla="*/ 2850397 h 6079787"/>
+                <a:gd name="connsiteX5" fmla="*/ 4076099 w 4076099"/>
+                <a:gd name="connsiteY5" fmla="*/ 4425994 h 6079787"/>
+                <a:gd name="connsiteX6" fmla="*/ 2175752 w 4076099"/>
+                <a:gd name="connsiteY6" fmla="*/ 6079787 h 6079787"/>
+                <a:gd name="connsiteX7" fmla="*/ 1754223 w 4076099"/>
+                <a:gd name="connsiteY7" fmla="*/ 6079787 h 6079787"/>
+                <a:gd name="connsiteX8" fmla="*/ 0 w 4076099"/>
+                <a:gd name="connsiteY8" fmla="*/ 4325564 h 6079787"/>
+                <a:gd name="connsiteX9" fmla="*/ 42072 w 4076099"/>
+                <a:gd name="connsiteY9" fmla="*/ 3012604 h 6079787"/>
+                <a:gd name="connsiteX10" fmla="*/ 0 w 4076099"/>
+                <a:gd name="connsiteY10" fmla="*/ 1754223 h 6079787"/>
+                <a:gd name="connsiteX0" fmla="*/ 0 w 4076099"/>
+                <a:gd name="connsiteY0" fmla="*/ 1754223 h 6079787"/>
+                <a:gd name="connsiteX1" fmla="*/ 1754223 w 4076099"/>
+                <a:gd name="connsiteY1" fmla="*/ 0 h 6079787"/>
+                <a:gd name="connsiteX2" fmla="*/ 2223738 w 4076099"/>
+                <a:gd name="connsiteY2" fmla="*/ 7940 h 6079787"/>
+                <a:gd name="connsiteX3" fmla="*/ 3929975 w 4076099"/>
+                <a:gd name="connsiteY3" fmla="*/ 1754223 h 6079787"/>
+                <a:gd name="connsiteX4" fmla="*/ 3794731 w 4076099"/>
+                <a:gd name="connsiteY4" fmla="*/ 2850397 h 6079787"/>
+                <a:gd name="connsiteX5" fmla="*/ 4076099 w 4076099"/>
+                <a:gd name="connsiteY5" fmla="*/ 4425994 h 6079787"/>
+                <a:gd name="connsiteX6" fmla="*/ 2175752 w 4076099"/>
+                <a:gd name="connsiteY6" fmla="*/ 6079787 h 6079787"/>
+                <a:gd name="connsiteX7" fmla="*/ 1754223 w 4076099"/>
+                <a:gd name="connsiteY7" fmla="*/ 6079787 h 6079787"/>
+                <a:gd name="connsiteX8" fmla="*/ 0 w 4076099"/>
+                <a:gd name="connsiteY8" fmla="*/ 4325564 h 6079787"/>
+                <a:gd name="connsiteX9" fmla="*/ 42072 w 4076099"/>
+                <a:gd name="connsiteY9" fmla="*/ 3012604 h 6079787"/>
+                <a:gd name="connsiteX10" fmla="*/ 0 w 4076099"/>
+                <a:gd name="connsiteY10" fmla="*/ 1754223 h 6079787"/>
+                <a:gd name="connsiteX0" fmla="*/ 0 w 4076519"/>
+                <a:gd name="connsiteY0" fmla="*/ 1754223 h 6079787"/>
+                <a:gd name="connsiteX1" fmla="*/ 1754223 w 4076519"/>
+                <a:gd name="connsiteY1" fmla="*/ 0 h 6079787"/>
+                <a:gd name="connsiteX2" fmla="*/ 2223738 w 4076519"/>
+                <a:gd name="connsiteY2" fmla="*/ 7940 h 6079787"/>
+                <a:gd name="connsiteX3" fmla="*/ 3929975 w 4076519"/>
+                <a:gd name="connsiteY3" fmla="*/ 1754223 h 6079787"/>
+                <a:gd name="connsiteX4" fmla="*/ 3794731 w 4076519"/>
+                <a:gd name="connsiteY4" fmla="*/ 2850397 h 6079787"/>
+                <a:gd name="connsiteX5" fmla="*/ 4076099 w 4076519"/>
+                <a:gd name="connsiteY5" fmla="*/ 4425994 h 6079787"/>
+                <a:gd name="connsiteX6" fmla="*/ 2175752 w 4076519"/>
+                <a:gd name="connsiteY6" fmla="*/ 6079787 h 6079787"/>
+                <a:gd name="connsiteX7" fmla="*/ 1754223 w 4076519"/>
+                <a:gd name="connsiteY7" fmla="*/ 6079787 h 6079787"/>
+                <a:gd name="connsiteX8" fmla="*/ 0 w 4076519"/>
+                <a:gd name="connsiteY8" fmla="*/ 4325564 h 6079787"/>
+                <a:gd name="connsiteX9" fmla="*/ 42072 w 4076519"/>
+                <a:gd name="connsiteY9" fmla="*/ 3012604 h 6079787"/>
+                <a:gd name="connsiteX10" fmla="*/ 0 w 4076519"/>
+                <a:gd name="connsiteY10" fmla="*/ 1754223 h 6079787"/>
+                <a:gd name="connsiteX0" fmla="*/ 0 w 4152914"/>
+                <a:gd name="connsiteY0" fmla="*/ 1754223 h 6079787"/>
+                <a:gd name="connsiteX1" fmla="*/ 1754223 w 4152914"/>
+                <a:gd name="connsiteY1" fmla="*/ 0 h 6079787"/>
+                <a:gd name="connsiteX2" fmla="*/ 2223738 w 4152914"/>
+                <a:gd name="connsiteY2" fmla="*/ 7940 h 6079787"/>
+                <a:gd name="connsiteX3" fmla="*/ 3929975 w 4152914"/>
+                <a:gd name="connsiteY3" fmla="*/ 1754223 h 6079787"/>
+                <a:gd name="connsiteX4" fmla="*/ 3794731 w 4152914"/>
+                <a:gd name="connsiteY4" fmla="*/ 2850397 h 6079787"/>
+                <a:gd name="connsiteX5" fmla="*/ 4152568 w 4152914"/>
+                <a:gd name="connsiteY5" fmla="*/ 4613832 h 6079787"/>
+                <a:gd name="connsiteX6" fmla="*/ 2175752 w 4152914"/>
+                <a:gd name="connsiteY6" fmla="*/ 6079787 h 6079787"/>
+                <a:gd name="connsiteX7" fmla="*/ 1754223 w 4152914"/>
+                <a:gd name="connsiteY7" fmla="*/ 6079787 h 6079787"/>
+                <a:gd name="connsiteX8" fmla="*/ 0 w 4152914"/>
+                <a:gd name="connsiteY8" fmla="*/ 4325564 h 6079787"/>
+                <a:gd name="connsiteX9" fmla="*/ 42072 w 4152914"/>
+                <a:gd name="connsiteY9" fmla="*/ 3012604 h 6079787"/>
+                <a:gd name="connsiteX10" fmla="*/ 0 w 4152914"/>
+                <a:gd name="connsiteY10" fmla="*/ 1754223 h 6079787"/>
+                <a:gd name="connsiteX0" fmla="*/ 0 w 4152914"/>
+                <a:gd name="connsiteY0" fmla="*/ 1754223 h 6079787"/>
+                <a:gd name="connsiteX1" fmla="*/ 1754223 w 4152914"/>
+                <a:gd name="connsiteY1" fmla="*/ 0 h 6079787"/>
+                <a:gd name="connsiteX2" fmla="*/ 2223738 w 4152914"/>
+                <a:gd name="connsiteY2" fmla="*/ 7940 h 6079787"/>
+                <a:gd name="connsiteX3" fmla="*/ 3898087 w 4152914"/>
+                <a:gd name="connsiteY3" fmla="*/ 1637928 h 6079787"/>
+                <a:gd name="connsiteX4" fmla="*/ 3794731 w 4152914"/>
+                <a:gd name="connsiteY4" fmla="*/ 2850397 h 6079787"/>
+                <a:gd name="connsiteX5" fmla="*/ 4152568 w 4152914"/>
+                <a:gd name="connsiteY5" fmla="*/ 4613832 h 6079787"/>
+                <a:gd name="connsiteX6" fmla="*/ 2175752 w 4152914"/>
+                <a:gd name="connsiteY6" fmla="*/ 6079787 h 6079787"/>
+                <a:gd name="connsiteX7" fmla="*/ 1754223 w 4152914"/>
+                <a:gd name="connsiteY7" fmla="*/ 6079787 h 6079787"/>
+                <a:gd name="connsiteX8" fmla="*/ 0 w 4152914"/>
+                <a:gd name="connsiteY8" fmla="*/ 4325564 h 6079787"/>
+                <a:gd name="connsiteX9" fmla="*/ 42072 w 4152914"/>
+                <a:gd name="connsiteY9" fmla="*/ 3012604 h 6079787"/>
+                <a:gd name="connsiteX10" fmla="*/ 0 w 4152914"/>
+                <a:gd name="connsiteY10" fmla="*/ 1754223 h 6079787"/>
+                <a:gd name="connsiteX0" fmla="*/ 0 w 4152914"/>
+                <a:gd name="connsiteY0" fmla="*/ 1754223 h 6079787"/>
+                <a:gd name="connsiteX1" fmla="*/ 1754223 w 4152914"/>
+                <a:gd name="connsiteY1" fmla="*/ 0 h 6079787"/>
+                <a:gd name="connsiteX2" fmla="*/ 2223738 w 4152914"/>
+                <a:gd name="connsiteY2" fmla="*/ 7940 h 6079787"/>
+                <a:gd name="connsiteX3" fmla="*/ 3898087 w 4152914"/>
+                <a:gd name="connsiteY3" fmla="*/ 1637928 h 6079787"/>
+                <a:gd name="connsiteX4" fmla="*/ 3794731 w 4152914"/>
+                <a:gd name="connsiteY4" fmla="*/ 2850397 h 6079787"/>
+                <a:gd name="connsiteX5" fmla="*/ 4152568 w 4152914"/>
+                <a:gd name="connsiteY5" fmla="*/ 4613832 h 6079787"/>
+                <a:gd name="connsiteX6" fmla="*/ 2175752 w 4152914"/>
+                <a:gd name="connsiteY6" fmla="*/ 6079787 h 6079787"/>
+                <a:gd name="connsiteX7" fmla="*/ 1754223 w 4152914"/>
+                <a:gd name="connsiteY7" fmla="*/ 6079787 h 6079787"/>
+                <a:gd name="connsiteX8" fmla="*/ 0 w 4152914"/>
+                <a:gd name="connsiteY8" fmla="*/ 4325564 h 6079787"/>
+                <a:gd name="connsiteX9" fmla="*/ 42072 w 4152914"/>
+                <a:gd name="connsiteY9" fmla="*/ 3012604 h 6079787"/>
+                <a:gd name="connsiteX10" fmla="*/ 0 w 4152914"/>
+                <a:gd name="connsiteY10" fmla="*/ 1754223 h 6079787"/>
+                <a:gd name="connsiteX0" fmla="*/ 0 w 4152914"/>
+                <a:gd name="connsiteY0" fmla="*/ 1754223 h 6079787"/>
+                <a:gd name="connsiteX1" fmla="*/ 1754223 w 4152914"/>
+                <a:gd name="connsiteY1" fmla="*/ 0 h 6079787"/>
+                <a:gd name="connsiteX2" fmla="*/ 2223738 w 4152914"/>
+                <a:gd name="connsiteY2" fmla="*/ 7940 h 6079787"/>
+                <a:gd name="connsiteX3" fmla="*/ 3898087 w 4152914"/>
+                <a:gd name="connsiteY3" fmla="*/ 1637928 h 6079787"/>
+                <a:gd name="connsiteX4" fmla="*/ 3794731 w 4152914"/>
+                <a:gd name="connsiteY4" fmla="*/ 2850397 h 6079787"/>
+                <a:gd name="connsiteX5" fmla="*/ 4152568 w 4152914"/>
+                <a:gd name="connsiteY5" fmla="*/ 4613832 h 6079787"/>
+                <a:gd name="connsiteX6" fmla="*/ 2175752 w 4152914"/>
+                <a:gd name="connsiteY6" fmla="*/ 6079787 h 6079787"/>
+                <a:gd name="connsiteX7" fmla="*/ 1754223 w 4152914"/>
+                <a:gd name="connsiteY7" fmla="*/ 6079787 h 6079787"/>
+                <a:gd name="connsiteX8" fmla="*/ 0 w 4152914"/>
+                <a:gd name="connsiteY8" fmla="*/ 4325564 h 6079787"/>
+                <a:gd name="connsiteX9" fmla="*/ 125688 w 4152914"/>
+                <a:gd name="connsiteY9" fmla="*/ 2801675 h 6079787"/>
+                <a:gd name="connsiteX10" fmla="*/ 0 w 4152914"/>
+                <a:gd name="connsiteY10" fmla="*/ 1754223 h 6079787"/>
+                <a:gd name="connsiteX0" fmla="*/ 348482 w 4501396"/>
+                <a:gd name="connsiteY0" fmla="*/ 1754223 h 6079787"/>
+                <a:gd name="connsiteX1" fmla="*/ 2102705 w 4501396"/>
+                <a:gd name="connsiteY1" fmla="*/ 0 h 6079787"/>
+                <a:gd name="connsiteX2" fmla="*/ 2572220 w 4501396"/>
+                <a:gd name="connsiteY2" fmla="*/ 7940 h 6079787"/>
+                <a:gd name="connsiteX3" fmla="*/ 4246569 w 4501396"/>
+                <a:gd name="connsiteY3" fmla="*/ 1637928 h 6079787"/>
+                <a:gd name="connsiteX4" fmla="*/ 4143213 w 4501396"/>
+                <a:gd name="connsiteY4" fmla="*/ 2850397 h 6079787"/>
+                <a:gd name="connsiteX5" fmla="*/ 4501050 w 4501396"/>
+                <a:gd name="connsiteY5" fmla="*/ 4613832 h 6079787"/>
+                <a:gd name="connsiteX6" fmla="*/ 2524234 w 4501396"/>
+                <a:gd name="connsiteY6" fmla="*/ 6079787 h 6079787"/>
+                <a:gd name="connsiteX7" fmla="*/ 2102705 w 4501396"/>
+                <a:gd name="connsiteY7" fmla="*/ 6079787 h 6079787"/>
+                <a:gd name="connsiteX8" fmla="*/ 1 w 4501396"/>
+                <a:gd name="connsiteY8" fmla="*/ 3854997 h 6079787"/>
+                <a:gd name="connsiteX9" fmla="*/ 474170 w 4501396"/>
+                <a:gd name="connsiteY9" fmla="*/ 2801675 h 6079787"/>
+                <a:gd name="connsiteX10" fmla="*/ 348482 w 4501396"/>
+                <a:gd name="connsiteY10" fmla="*/ 1754223 h 6079787"/>
+                <a:gd name="connsiteX0" fmla="*/ 348482 w 4794073"/>
+                <a:gd name="connsiteY0" fmla="*/ 1754223 h 6079787"/>
+                <a:gd name="connsiteX1" fmla="*/ 2102705 w 4794073"/>
+                <a:gd name="connsiteY1" fmla="*/ 0 h 6079787"/>
+                <a:gd name="connsiteX2" fmla="*/ 2572220 w 4794073"/>
+                <a:gd name="connsiteY2" fmla="*/ 7940 h 6079787"/>
+                <a:gd name="connsiteX3" fmla="*/ 4246569 w 4794073"/>
+                <a:gd name="connsiteY3" fmla="*/ 1637928 h 6079787"/>
+                <a:gd name="connsiteX4" fmla="*/ 4143213 w 4794073"/>
+                <a:gd name="connsiteY4" fmla="*/ 2850397 h 6079787"/>
+                <a:gd name="connsiteX5" fmla="*/ 4793867 w 4794073"/>
+                <a:gd name="connsiteY5" fmla="*/ 3710392 h 6079787"/>
+                <a:gd name="connsiteX6" fmla="*/ 2524234 w 4794073"/>
+                <a:gd name="connsiteY6" fmla="*/ 6079787 h 6079787"/>
+                <a:gd name="connsiteX7" fmla="*/ 2102705 w 4794073"/>
+                <a:gd name="connsiteY7" fmla="*/ 6079787 h 6079787"/>
+                <a:gd name="connsiteX8" fmla="*/ 1 w 4794073"/>
+                <a:gd name="connsiteY8" fmla="*/ 3854997 h 6079787"/>
+                <a:gd name="connsiteX9" fmla="*/ 474170 w 4794073"/>
+                <a:gd name="connsiteY9" fmla="*/ 2801675 h 6079787"/>
+                <a:gd name="connsiteX10" fmla="*/ 348482 w 4794073"/>
+                <a:gd name="connsiteY10" fmla="*/ 1754223 h 6079787"/>
+                <a:gd name="connsiteX0" fmla="*/ 348482 w 4794073"/>
+                <a:gd name="connsiteY0" fmla="*/ 1754223 h 6079787"/>
+                <a:gd name="connsiteX1" fmla="*/ 2102705 w 4794073"/>
+                <a:gd name="connsiteY1" fmla="*/ 0 h 6079787"/>
+                <a:gd name="connsiteX2" fmla="*/ 2572220 w 4794073"/>
+                <a:gd name="connsiteY2" fmla="*/ 7940 h 6079787"/>
+                <a:gd name="connsiteX3" fmla="*/ 4246569 w 4794073"/>
+                <a:gd name="connsiteY3" fmla="*/ 1637928 h 6079787"/>
+                <a:gd name="connsiteX4" fmla="*/ 4143213 w 4794073"/>
+                <a:gd name="connsiteY4" fmla="*/ 2850397 h 6079787"/>
+                <a:gd name="connsiteX5" fmla="*/ 4793867 w 4794073"/>
+                <a:gd name="connsiteY5" fmla="*/ 3710392 h 6079787"/>
+                <a:gd name="connsiteX6" fmla="*/ 2524234 w 4794073"/>
+                <a:gd name="connsiteY6" fmla="*/ 6079787 h 6079787"/>
+                <a:gd name="connsiteX7" fmla="*/ 1472362 w 4794073"/>
+                <a:gd name="connsiteY7" fmla="*/ 5645413 h 6079787"/>
+                <a:gd name="connsiteX8" fmla="*/ 1 w 4794073"/>
+                <a:gd name="connsiteY8" fmla="*/ 3854997 h 6079787"/>
+                <a:gd name="connsiteX9" fmla="*/ 474170 w 4794073"/>
+                <a:gd name="connsiteY9" fmla="*/ 2801675 h 6079787"/>
+                <a:gd name="connsiteX10" fmla="*/ 348482 w 4794073"/>
+                <a:gd name="connsiteY10" fmla="*/ 1754223 h 6079787"/>
+                <a:gd name="connsiteX0" fmla="*/ 348482 w 4794073"/>
+                <a:gd name="connsiteY0" fmla="*/ 1754223 h 5730886"/>
+                <a:gd name="connsiteX1" fmla="*/ 2102705 w 4794073"/>
+                <a:gd name="connsiteY1" fmla="*/ 0 h 5730886"/>
+                <a:gd name="connsiteX2" fmla="*/ 2572220 w 4794073"/>
+                <a:gd name="connsiteY2" fmla="*/ 7940 h 5730886"/>
+                <a:gd name="connsiteX3" fmla="*/ 4246569 w 4794073"/>
+                <a:gd name="connsiteY3" fmla="*/ 1637928 h 5730886"/>
+                <a:gd name="connsiteX4" fmla="*/ 4143213 w 4794073"/>
+                <a:gd name="connsiteY4" fmla="*/ 2850397 h 5730886"/>
+                <a:gd name="connsiteX5" fmla="*/ 4793867 w 4794073"/>
+                <a:gd name="connsiteY5" fmla="*/ 3710392 h 5730886"/>
+                <a:gd name="connsiteX6" fmla="*/ 3421534 w 4794073"/>
+                <a:gd name="connsiteY6" fmla="*/ 5730886 h 5730886"/>
+                <a:gd name="connsiteX7" fmla="*/ 1472362 w 4794073"/>
+                <a:gd name="connsiteY7" fmla="*/ 5645413 h 5730886"/>
+                <a:gd name="connsiteX8" fmla="*/ 1 w 4794073"/>
+                <a:gd name="connsiteY8" fmla="*/ 3854997 h 5730886"/>
+                <a:gd name="connsiteX9" fmla="*/ 474170 w 4794073"/>
+                <a:gd name="connsiteY9" fmla="*/ 2801675 h 5730886"/>
+                <a:gd name="connsiteX10" fmla="*/ 348482 w 4794073"/>
+                <a:gd name="connsiteY10" fmla="*/ 1754223 h 5730886"/>
+                <a:gd name="connsiteX0" fmla="*/ 348482 w 4748328"/>
+                <a:gd name="connsiteY0" fmla="*/ 1754223 h 5730886"/>
+                <a:gd name="connsiteX1" fmla="*/ 2102705 w 4748328"/>
+                <a:gd name="connsiteY1" fmla="*/ 0 h 5730886"/>
+                <a:gd name="connsiteX2" fmla="*/ 2572220 w 4748328"/>
+                <a:gd name="connsiteY2" fmla="*/ 7940 h 5730886"/>
+                <a:gd name="connsiteX3" fmla="*/ 4246569 w 4748328"/>
+                <a:gd name="connsiteY3" fmla="*/ 1637928 h 5730886"/>
+                <a:gd name="connsiteX4" fmla="*/ 4143213 w 4748328"/>
+                <a:gd name="connsiteY4" fmla="*/ 2850397 h 5730886"/>
+                <a:gd name="connsiteX5" fmla="*/ 4748108 w 4748328"/>
+                <a:gd name="connsiteY5" fmla="*/ 4249555 h 5730886"/>
+                <a:gd name="connsiteX6" fmla="*/ 3421534 w 4748328"/>
+                <a:gd name="connsiteY6" fmla="*/ 5730886 h 5730886"/>
+                <a:gd name="connsiteX7" fmla="*/ 1472362 w 4748328"/>
+                <a:gd name="connsiteY7" fmla="*/ 5645413 h 5730886"/>
+                <a:gd name="connsiteX8" fmla="*/ 1 w 4748328"/>
+                <a:gd name="connsiteY8" fmla="*/ 3854997 h 5730886"/>
+                <a:gd name="connsiteX9" fmla="*/ 474170 w 4748328"/>
+                <a:gd name="connsiteY9" fmla="*/ 2801675 h 5730886"/>
+                <a:gd name="connsiteX10" fmla="*/ 348482 w 4748328"/>
+                <a:gd name="connsiteY10" fmla="*/ 1754223 h 5730886"/>
+                <a:gd name="connsiteX0" fmla="*/ 434736 w 4834582"/>
+                <a:gd name="connsiteY0" fmla="*/ 1754223 h 5730886"/>
+                <a:gd name="connsiteX1" fmla="*/ 2188959 w 4834582"/>
+                <a:gd name="connsiteY1" fmla="*/ 0 h 5730886"/>
+                <a:gd name="connsiteX2" fmla="*/ 2658474 w 4834582"/>
+                <a:gd name="connsiteY2" fmla="*/ 7940 h 5730886"/>
+                <a:gd name="connsiteX3" fmla="*/ 4332823 w 4834582"/>
+                <a:gd name="connsiteY3" fmla="*/ 1637928 h 5730886"/>
+                <a:gd name="connsiteX4" fmla="*/ 4229467 w 4834582"/>
+                <a:gd name="connsiteY4" fmla="*/ 2850397 h 5730886"/>
+                <a:gd name="connsiteX5" fmla="*/ 4834362 w 4834582"/>
+                <a:gd name="connsiteY5" fmla="*/ 4249555 h 5730886"/>
+                <a:gd name="connsiteX6" fmla="*/ 3507788 w 4834582"/>
+                <a:gd name="connsiteY6" fmla="*/ 5730886 h 5730886"/>
+                <a:gd name="connsiteX7" fmla="*/ 1558616 w 4834582"/>
+                <a:gd name="connsiteY7" fmla="*/ 5645413 h 5730886"/>
+                <a:gd name="connsiteX8" fmla="*/ 1 w 4834582"/>
+                <a:gd name="connsiteY8" fmla="*/ 4097882 h 5730886"/>
+                <a:gd name="connsiteX9" fmla="*/ 560424 w 4834582"/>
+                <a:gd name="connsiteY9" fmla="*/ 2801675 h 5730886"/>
+                <a:gd name="connsiteX10" fmla="*/ 434736 w 4834582"/>
+                <a:gd name="connsiteY10" fmla="*/ 1754223 h 5730886"/>
+                <a:gd name="connsiteX0" fmla="*/ 434736 w 4803563"/>
+                <a:gd name="connsiteY0" fmla="*/ 1754223 h 5730886"/>
+                <a:gd name="connsiteX1" fmla="*/ 2188959 w 4803563"/>
+                <a:gd name="connsiteY1" fmla="*/ 0 h 5730886"/>
+                <a:gd name="connsiteX2" fmla="*/ 2658474 w 4803563"/>
+                <a:gd name="connsiteY2" fmla="*/ 7940 h 5730886"/>
+                <a:gd name="connsiteX3" fmla="*/ 4332823 w 4803563"/>
+                <a:gd name="connsiteY3" fmla="*/ 1637928 h 5730886"/>
+                <a:gd name="connsiteX4" fmla="*/ 4229467 w 4803563"/>
+                <a:gd name="connsiteY4" fmla="*/ 2850397 h 5730886"/>
+                <a:gd name="connsiteX5" fmla="*/ 4803334 w 4803563"/>
+                <a:gd name="connsiteY5" fmla="*/ 4406868 h 5730886"/>
+                <a:gd name="connsiteX6" fmla="*/ 3507788 w 4803563"/>
+                <a:gd name="connsiteY6" fmla="*/ 5730886 h 5730886"/>
+                <a:gd name="connsiteX7" fmla="*/ 1558616 w 4803563"/>
+                <a:gd name="connsiteY7" fmla="*/ 5645413 h 5730886"/>
+                <a:gd name="connsiteX8" fmla="*/ 1 w 4803563"/>
+                <a:gd name="connsiteY8" fmla="*/ 4097882 h 5730886"/>
+                <a:gd name="connsiteX9" fmla="*/ 560424 w 4803563"/>
+                <a:gd name="connsiteY9" fmla="*/ 2801675 h 5730886"/>
+                <a:gd name="connsiteX10" fmla="*/ 434736 w 4803563"/>
+                <a:gd name="connsiteY10" fmla="*/ 1754223 h 5730886"/>
+                <a:gd name="connsiteX0" fmla="*/ 434736 w 4805915"/>
+                <a:gd name="connsiteY0" fmla="*/ 1754223 h 5730886"/>
+                <a:gd name="connsiteX1" fmla="*/ 2188959 w 4805915"/>
+                <a:gd name="connsiteY1" fmla="*/ 0 h 5730886"/>
+                <a:gd name="connsiteX2" fmla="*/ 2658474 w 4805915"/>
+                <a:gd name="connsiteY2" fmla="*/ 7940 h 5730886"/>
+                <a:gd name="connsiteX3" fmla="*/ 4332823 w 4805915"/>
+                <a:gd name="connsiteY3" fmla="*/ 1637928 h 5730886"/>
+                <a:gd name="connsiteX4" fmla="*/ 4229467 w 4805915"/>
+                <a:gd name="connsiteY4" fmla="*/ 2850397 h 5730886"/>
+                <a:gd name="connsiteX5" fmla="*/ 4803334 w 4805915"/>
+                <a:gd name="connsiteY5" fmla="*/ 4406868 h 5730886"/>
+                <a:gd name="connsiteX6" fmla="*/ 3507788 w 4805915"/>
+                <a:gd name="connsiteY6" fmla="*/ 5730886 h 5730886"/>
+                <a:gd name="connsiteX7" fmla="*/ 1558616 w 4805915"/>
+                <a:gd name="connsiteY7" fmla="*/ 5645413 h 5730886"/>
+                <a:gd name="connsiteX8" fmla="*/ 1 w 4805915"/>
+                <a:gd name="connsiteY8" fmla="*/ 4097882 h 5730886"/>
+                <a:gd name="connsiteX9" fmla="*/ 560424 w 4805915"/>
+                <a:gd name="connsiteY9" fmla="*/ 2801675 h 5730886"/>
+                <a:gd name="connsiteX10" fmla="*/ 434736 w 4805915"/>
+                <a:gd name="connsiteY10" fmla="*/ 1754223 h 5730886"/>
+                <a:gd name="connsiteX0" fmla="*/ 437189 w 4808368"/>
+                <a:gd name="connsiteY0" fmla="*/ 1754223 h 5730886"/>
+                <a:gd name="connsiteX1" fmla="*/ 2191412 w 4808368"/>
+                <a:gd name="connsiteY1" fmla="*/ 0 h 5730886"/>
+                <a:gd name="connsiteX2" fmla="*/ 2660927 w 4808368"/>
+                <a:gd name="connsiteY2" fmla="*/ 7940 h 5730886"/>
+                <a:gd name="connsiteX3" fmla="*/ 4335276 w 4808368"/>
+                <a:gd name="connsiteY3" fmla="*/ 1637928 h 5730886"/>
+                <a:gd name="connsiteX4" fmla="*/ 4231920 w 4808368"/>
+                <a:gd name="connsiteY4" fmla="*/ 2850397 h 5730886"/>
+                <a:gd name="connsiteX5" fmla="*/ 4805787 w 4808368"/>
+                <a:gd name="connsiteY5" fmla="*/ 4406868 h 5730886"/>
+                <a:gd name="connsiteX6" fmla="*/ 3510241 w 4808368"/>
+                <a:gd name="connsiteY6" fmla="*/ 5730886 h 5730886"/>
+                <a:gd name="connsiteX7" fmla="*/ 1561069 w 4808368"/>
+                <a:gd name="connsiteY7" fmla="*/ 5645413 h 5730886"/>
+                <a:gd name="connsiteX8" fmla="*/ 2454 w 4808368"/>
+                <a:gd name="connsiteY8" fmla="*/ 4097882 h 5730886"/>
+                <a:gd name="connsiteX9" fmla="*/ 562877 w 4808368"/>
+                <a:gd name="connsiteY9" fmla="*/ 2801675 h 5730886"/>
+                <a:gd name="connsiteX10" fmla="*/ 437189 w 4808368"/>
+                <a:gd name="connsiteY10" fmla="*/ 1754223 h 5730886"/>
+              </a:gdLst>
+              <a:ahLst/>
+              <a:cxnLst>
+                <a:cxn ang="0">
+                  <a:pos x="connsiteX0" y="connsiteY0"/>
+                </a:cxn>
+                <a:cxn ang="0">
+                  <a:pos x="connsiteX1" y="connsiteY1"/>
+                </a:cxn>
+                <a:cxn ang="0">
+                  <a:pos x="connsiteX2" y="connsiteY2"/>
+                </a:cxn>
+                <a:cxn ang="0">
+                  <a:pos x="connsiteX3" y="connsiteY3"/>
+                </a:cxn>
+                <a:cxn ang="0">
+                  <a:pos x="connsiteX4" y="connsiteY4"/>
+                </a:cxn>
+                <a:cxn ang="0">
+                  <a:pos x="connsiteX5" y="connsiteY5"/>
+                </a:cxn>
+                <a:cxn ang="0">
+                  <a:pos x="connsiteX6" y="connsiteY6"/>
+                </a:cxn>
+                <a:cxn ang="0">
+                  <a:pos x="connsiteX7" y="connsiteY7"/>
+                </a:cxn>
+                <a:cxn ang="0">
+                  <a:pos x="connsiteX8" y="connsiteY8"/>
+                </a:cxn>
+                <a:cxn ang="0">
+                  <a:pos x="connsiteX9" y="connsiteY9"/>
+                </a:cxn>
+                <a:cxn ang="0">
+                  <a:pos x="connsiteX10" y="connsiteY10"/>
+                </a:cxn>
+              </a:cxnLst>
+              <a:rect l="l" t="t" r="r" b="b"/>
+              <a:pathLst>
+                <a:path w="4808368" h="5730886">
+                  <a:moveTo>
+                    <a:pt x="437189" y="1754223"/>
+                  </a:moveTo>
+                  <a:cubicBezTo>
+                    <a:pt x="437189" y="785392"/>
+                    <a:pt x="1222581" y="0"/>
+                    <a:pt x="2191412" y="0"/>
+                  </a:cubicBezTo>
+                  <a:lnTo>
+                    <a:pt x="2660927" y="7940"/>
+                  </a:lnTo>
+                  <a:cubicBezTo>
+                    <a:pt x="3589697" y="142507"/>
+                    <a:pt x="4335276" y="669097"/>
+                    <a:pt x="4335276" y="1637928"/>
+                  </a:cubicBezTo>
+                  <a:cubicBezTo>
+                    <a:pt x="4311161" y="2204176"/>
+                    <a:pt x="4266372" y="2446241"/>
+                    <a:pt x="4231920" y="2850397"/>
+                  </a:cubicBezTo>
+                  <a:cubicBezTo>
+                    <a:pt x="4181476" y="3641737"/>
+                    <a:pt x="4855089" y="3369329"/>
+                    <a:pt x="4805787" y="4406868"/>
+                  </a:cubicBezTo>
+                  <a:cubicBezTo>
+                    <a:pt x="4805787" y="5375699"/>
+                    <a:pt x="4479072" y="5730886"/>
+                    <a:pt x="3510241" y="5730886"/>
+                  </a:cubicBezTo>
+                  <a:lnTo>
+                    <a:pt x="1561069" y="5645413"/>
+                  </a:lnTo>
+                  <a:cubicBezTo>
+                    <a:pt x="592238" y="5645413"/>
+                    <a:pt x="2454" y="5066713"/>
+                    <a:pt x="2454" y="4097882"/>
+                  </a:cubicBezTo>
+                  <a:cubicBezTo>
+                    <a:pt x="-41572" y="3278596"/>
+                    <a:pt x="520981" y="3309638"/>
+                    <a:pt x="562877" y="2801675"/>
+                  </a:cubicBezTo>
+                  <a:cubicBezTo>
+                    <a:pt x="548853" y="2382215"/>
+                    <a:pt x="451213" y="2173683"/>
+                    <a:pt x="437189" y="1754223"/>
+                  </a:cubicBezTo>
+                  <a:close/>
+                </a:path>
+              </a:pathLst>
+            </a:custGeom>
+            <a:ln w="25400">
+              <a:solidFill>
+                <a:schemeClr val="tx1"/>
+              </a:solidFill>
+            </a:ln>
+          </p:spPr>
+          <p:style>
+            <a:lnRef idx="2">
+              <a:schemeClr val="accent1">
+                <a:shade val="50000"/>
+              </a:schemeClr>
+            </a:lnRef>
+            <a:fillRef idx="1">
+              <a:schemeClr val="accent1"/>
+            </a:fillRef>
+            <a:effectRef idx="0">
+              <a:schemeClr val="accent1"/>
+            </a:effectRef>
+            <a:fontRef idx="minor">
+              <a:schemeClr val="lt1"/>
+            </a:fontRef>
+          </p:style>
+          <p:txBody>
+            <a:bodyPr rtlCol="0" anchor="ctr"/>
+            <a:lstStyle/>
+            <a:p>
+              <a:pPr algn="ctr"/>
+              <a:endParaRPr lang="sv-SE"/>
+            </a:p>
+          </p:txBody>
+        </p:sp>
+        <p:sp>
+          <p:nvSpPr>
+            <p:cNvPr id="10" name="Oval 22"/>
+            <p:cNvSpPr/>
+            <p:nvPr/>
+          </p:nvSpPr>
+          <p:spPr>
+            <a:xfrm rot="18900000">
+              <a:off x="3835405" y="2935565"/>
+              <a:ext cx="276877" cy="296206"/>
+            </a:xfrm>
+            <a:prstGeom prst="ellipse">
+              <a:avLst/>
+            </a:prstGeom>
+            <a:solidFill>
+              <a:srgbClr val="CC9F6E"/>
+            </a:solidFill>
+            <a:ln w="25400">
+              <a:solidFill>
+                <a:schemeClr val="tx1"/>
+              </a:solidFill>
+            </a:ln>
+          </p:spPr>
+          <p:style>
+            <a:lnRef idx="2">
+              <a:schemeClr val="accent1">
+                <a:shade val="50000"/>
+              </a:schemeClr>
+            </a:lnRef>
+            <a:fillRef idx="1">
+              <a:schemeClr val="accent1"/>
+            </a:fillRef>
+            <a:effectRef idx="0">
+              <a:schemeClr val="accent1"/>
+            </a:effectRef>
+            <a:fontRef idx="minor">
+              <a:schemeClr val="lt1"/>
+            </a:fontRef>
+          </p:style>
+          <p:txBody>
+            <a:bodyPr rtlCol="0" anchor="ctr"/>
+            <a:lstStyle/>
+            <a:p>
+              <a:pPr algn="ctr"/>
+              <a:endParaRPr lang="sv-SE"/>
+            </a:p>
+          </p:txBody>
+        </p:sp>
+        <p:sp>
+          <p:nvSpPr>
+            <p:cNvPr id="56" name="Oval 20"/>
+            <p:cNvSpPr/>
+            <p:nvPr/>
+          </p:nvSpPr>
+          <p:spPr>
+            <a:xfrm rot="21329767">
+              <a:off x="3170226" y="2477186"/>
+              <a:ext cx="775375" cy="463066"/>
+            </a:xfrm>
+            <a:custGeom>
+              <a:avLst/>
+              <a:gdLst>
+                <a:gd name="connsiteX0" fmla="*/ 0 w 731914"/>
+                <a:gd name="connsiteY0" fmla="*/ 363044 h 726088"/>
+                <a:gd name="connsiteX1" fmla="*/ 365957 w 731914"/>
+                <a:gd name="connsiteY1" fmla="*/ 0 h 726088"/>
+                <a:gd name="connsiteX2" fmla="*/ 731914 w 731914"/>
+                <a:gd name="connsiteY2" fmla="*/ 363044 h 726088"/>
+                <a:gd name="connsiteX3" fmla="*/ 365957 w 731914"/>
+                <a:gd name="connsiteY3" fmla="*/ 726088 h 726088"/>
+                <a:gd name="connsiteX4" fmla="*/ 0 w 731914"/>
+                <a:gd name="connsiteY4" fmla="*/ 363044 h 726088"/>
+                <a:gd name="connsiteX0" fmla="*/ 1 w 731915"/>
+                <a:gd name="connsiteY0" fmla="*/ 411662 h 774706"/>
+                <a:gd name="connsiteX1" fmla="*/ 369788 w 731915"/>
+                <a:gd name="connsiteY1" fmla="*/ 0 h 774706"/>
+                <a:gd name="connsiteX2" fmla="*/ 731915 w 731915"/>
+                <a:gd name="connsiteY2" fmla="*/ 411662 h 774706"/>
+                <a:gd name="connsiteX3" fmla="*/ 365958 w 731915"/>
+                <a:gd name="connsiteY3" fmla="*/ 774706 h 774706"/>
+                <a:gd name="connsiteX4" fmla="*/ 1 w 731915"/>
+                <a:gd name="connsiteY4" fmla="*/ 411662 h 774706"/>
+                <a:gd name="connsiteX0" fmla="*/ 15551 w 747465"/>
+                <a:gd name="connsiteY0" fmla="*/ 416908 h 779952"/>
+                <a:gd name="connsiteX1" fmla="*/ 99145 w 747465"/>
+                <a:gd name="connsiteY1" fmla="*/ 199099 h 779952"/>
+                <a:gd name="connsiteX2" fmla="*/ 385338 w 747465"/>
+                <a:gd name="connsiteY2" fmla="*/ 5246 h 779952"/>
+                <a:gd name="connsiteX3" fmla="*/ 747465 w 747465"/>
+                <a:gd name="connsiteY3" fmla="*/ 416908 h 779952"/>
+                <a:gd name="connsiteX4" fmla="*/ 381508 w 747465"/>
+                <a:gd name="connsiteY4" fmla="*/ 779952 h 779952"/>
+                <a:gd name="connsiteX5" fmla="*/ 15551 w 747465"/>
+                <a:gd name="connsiteY5" fmla="*/ 416908 h 779952"/>
+                <a:gd name="connsiteX0" fmla="*/ 9906 w 805335"/>
+                <a:gd name="connsiteY0" fmla="*/ 385511 h 780071"/>
+                <a:gd name="connsiteX1" fmla="*/ 157015 w 805335"/>
+                <a:gd name="connsiteY1" fmla="*/ 199099 h 780071"/>
+                <a:gd name="connsiteX2" fmla="*/ 443208 w 805335"/>
+                <a:gd name="connsiteY2" fmla="*/ 5246 h 780071"/>
+                <a:gd name="connsiteX3" fmla="*/ 805335 w 805335"/>
+                <a:gd name="connsiteY3" fmla="*/ 416908 h 780071"/>
+                <a:gd name="connsiteX4" fmla="*/ 439378 w 805335"/>
+                <a:gd name="connsiteY4" fmla="*/ 779952 h 780071"/>
+                <a:gd name="connsiteX5" fmla="*/ 9906 w 805335"/>
+                <a:gd name="connsiteY5" fmla="*/ 385511 h 780071"/>
+                <a:gd name="connsiteX0" fmla="*/ 11791 w 779596"/>
+                <a:gd name="connsiteY0" fmla="*/ 453675 h 780087"/>
+                <a:gd name="connsiteX1" fmla="*/ 131276 w 779596"/>
+                <a:gd name="connsiteY1" fmla="*/ 199099 h 780087"/>
+                <a:gd name="connsiteX2" fmla="*/ 417469 w 779596"/>
+                <a:gd name="connsiteY2" fmla="*/ 5246 h 780087"/>
+                <a:gd name="connsiteX3" fmla="*/ 779596 w 779596"/>
+                <a:gd name="connsiteY3" fmla="*/ 416908 h 780087"/>
+                <a:gd name="connsiteX4" fmla="*/ 413639 w 779596"/>
+                <a:gd name="connsiteY4" fmla="*/ 779952 h 780087"/>
+                <a:gd name="connsiteX5" fmla="*/ 11791 w 779596"/>
+                <a:gd name="connsiteY5" fmla="*/ 453675 h 780087"/>
+                <a:gd name="connsiteX0" fmla="*/ 13106 w 780911"/>
+                <a:gd name="connsiteY0" fmla="*/ 450787 h 777199"/>
+                <a:gd name="connsiteX1" fmla="*/ 117832 w 780911"/>
+                <a:gd name="connsiteY1" fmla="*/ 253231 h 777199"/>
+                <a:gd name="connsiteX2" fmla="*/ 418784 w 780911"/>
+                <a:gd name="connsiteY2" fmla="*/ 2358 h 777199"/>
+                <a:gd name="connsiteX3" fmla="*/ 780911 w 780911"/>
+                <a:gd name="connsiteY3" fmla="*/ 414020 h 777199"/>
+                <a:gd name="connsiteX4" fmla="*/ 414954 w 780911"/>
+                <a:gd name="connsiteY4" fmla="*/ 777064 h 777199"/>
+                <a:gd name="connsiteX5" fmla="*/ 13106 w 780911"/>
+                <a:gd name="connsiteY5" fmla="*/ 450787 h 777199"/>
+                <a:gd name="connsiteX0" fmla="*/ 13588 w 781393"/>
+                <a:gd name="connsiteY0" fmla="*/ 343392 h 669804"/>
+                <a:gd name="connsiteX1" fmla="*/ 118314 w 781393"/>
+                <a:gd name="connsiteY1" fmla="*/ 145836 h 669804"/>
+                <a:gd name="connsiteX2" fmla="*/ 414097 w 781393"/>
+                <a:gd name="connsiteY2" fmla="*/ 4076 h 669804"/>
+                <a:gd name="connsiteX3" fmla="*/ 781393 w 781393"/>
+                <a:gd name="connsiteY3" fmla="*/ 306625 h 669804"/>
+                <a:gd name="connsiteX4" fmla="*/ 415436 w 781393"/>
+                <a:gd name="connsiteY4" fmla="*/ 669669 h 669804"/>
+                <a:gd name="connsiteX5" fmla="*/ 13588 w 781393"/>
+                <a:gd name="connsiteY5" fmla="*/ 343392 h 669804"/>
+                <a:gd name="connsiteX0" fmla="*/ 13588 w 805619"/>
+                <a:gd name="connsiteY0" fmla="*/ 339414 h 665826"/>
+                <a:gd name="connsiteX1" fmla="*/ 118314 w 805619"/>
+                <a:gd name="connsiteY1" fmla="*/ 141858 h 665826"/>
+                <a:gd name="connsiteX2" fmla="*/ 414097 w 805619"/>
+                <a:gd name="connsiteY2" fmla="*/ 98 h 665826"/>
+                <a:gd name="connsiteX3" fmla="*/ 731853 w 805619"/>
+                <a:gd name="connsiteY3" fmla="*/ 162479 h 665826"/>
+                <a:gd name="connsiteX4" fmla="*/ 781393 w 805619"/>
+                <a:gd name="connsiteY4" fmla="*/ 302647 h 665826"/>
+                <a:gd name="connsiteX5" fmla="*/ 415436 w 805619"/>
+                <a:gd name="connsiteY5" fmla="*/ 665691 h 665826"/>
+                <a:gd name="connsiteX6" fmla="*/ 13588 w 805619"/>
+                <a:gd name="connsiteY6" fmla="*/ 339414 h 665826"/>
+                <a:gd name="connsiteX0" fmla="*/ 13588 w 793894"/>
+                <a:gd name="connsiteY0" fmla="*/ 339363 h 665775"/>
+                <a:gd name="connsiteX1" fmla="*/ 118314 w 793894"/>
+                <a:gd name="connsiteY1" fmla="*/ 141807 h 665775"/>
+                <a:gd name="connsiteX2" fmla="*/ 414097 w 793894"/>
+                <a:gd name="connsiteY2" fmla="*/ 47 h 665775"/>
+                <a:gd name="connsiteX3" fmla="*/ 645560 w 793894"/>
+                <a:gd name="connsiteY3" fmla="*/ 128251 h 665775"/>
+                <a:gd name="connsiteX4" fmla="*/ 781393 w 793894"/>
+                <a:gd name="connsiteY4" fmla="*/ 302596 h 665775"/>
+                <a:gd name="connsiteX5" fmla="*/ 415436 w 793894"/>
+                <a:gd name="connsiteY5" fmla="*/ 665640 h 665775"/>
+                <a:gd name="connsiteX6" fmla="*/ 13588 w 793894"/>
+                <a:gd name="connsiteY6" fmla="*/ 339363 h 665775"/>
+                <a:gd name="connsiteX0" fmla="*/ 13588 w 793894"/>
+                <a:gd name="connsiteY0" fmla="*/ 339363 h 665775"/>
+                <a:gd name="connsiteX1" fmla="*/ 118314 w 793894"/>
+                <a:gd name="connsiteY1" fmla="*/ 141807 h 665775"/>
+                <a:gd name="connsiteX2" fmla="*/ 414097 w 793894"/>
+                <a:gd name="connsiteY2" fmla="*/ 47 h 665775"/>
+                <a:gd name="connsiteX3" fmla="*/ 645560 w 793894"/>
+                <a:gd name="connsiteY3" fmla="*/ 128251 h 665775"/>
+                <a:gd name="connsiteX4" fmla="*/ 781393 w 793894"/>
+                <a:gd name="connsiteY4" fmla="*/ 302596 h 665775"/>
+                <a:gd name="connsiteX5" fmla="*/ 415436 w 793894"/>
+                <a:gd name="connsiteY5" fmla="*/ 665640 h 665775"/>
+                <a:gd name="connsiteX6" fmla="*/ 13588 w 793894"/>
+                <a:gd name="connsiteY6" fmla="*/ 339363 h 665775"/>
+                <a:gd name="connsiteX0" fmla="*/ 13588 w 781393"/>
+                <a:gd name="connsiteY0" fmla="*/ 339363 h 665775"/>
+                <a:gd name="connsiteX1" fmla="*/ 118314 w 781393"/>
+                <a:gd name="connsiteY1" fmla="*/ 141807 h 665775"/>
+                <a:gd name="connsiteX2" fmla="*/ 414097 w 781393"/>
+                <a:gd name="connsiteY2" fmla="*/ 47 h 665775"/>
+                <a:gd name="connsiteX3" fmla="*/ 645560 w 781393"/>
+                <a:gd name="connsiteY3" fmla="*/ 128251 h 665775"/>
+                <a:gd name="connsiteX4" fmla="*/ 781393 w 781393"/>
+                <a:gd name="connsiteY4" fmla="*/ 302596 h 665775"/>
+                <a:gd name="connsiteX5" fmla="*/ 415436 w 781393"/>
+                <a:gd name="connsiteY5" fmla="*/ 665640 h 665775"/>
+                <a:gd name="connsiteX6" fmla="*/ 13588 w 781393"/>
+                <a:gd name="connsiteY6" fmla="*/ 339363 h 665775"/>
+                <a:gd name="connsiteX0" fmla="*/ 13588 w 781393"/>
+                <a:gd name="connsiteY0" fmla="*/ 339363 h 665910"/>
+                <a:gd name="connsiteX1" fmla="*/ 118314 w 781393"/>
+                <a:gd name="connsiteY1" fmla="*/ 141807 h 665910"/>
+                <a:gd name="connsiteX2" fmla="*/ 414097 w 781393"/>
+                <a:gd name="connsiteY2" fmla="*/ 47 h 665910"/>
+                <a:gd name="connsiteX3" fmla="*/ 645560 w 781393"/>
+                <a:gd name="connsiteY3" fmla="*/ 128251 h 665910"/>
+                <a:gd name="connsiteX4" fmla="*/ 781393 w 781393"/>
+                <a:gd name="connsiteY4" fmla="*/ 302596 h 665910"/>
+                <a:gd name="connsiteX5" fmla="*/ 415436 w 781393"/>
+                <a:gd name="connsiteY5" fmla="*/ 665640 h 665910"/>
+                <a:gd name="connsiteX6" fmla="*/ 13588 w 781393"/>
+                <a:gd name="connsiteY6" fmla="*/ 339363 h 665910"/>
+                <a:gd name="connsiteX0" fmla="*/ 5205 w 773010"/>
+                <a:gd name="connsiteY0" fmla="*/ 339363 h 665910"/>
+                <a:gd name="connsiteX1" fmla="*/ 109931 w 773010"/>
+                <a:gd name="connsiteY1" fmla="*/ 141807 h 665910"/>
+                <a:gd name="connsiteX2" fmla="*/ 405714 w 773010"/>
+                <a:gd name="connsiteY2" fmla="*/ 47 h 665910"/>
+                <a:gd name="connsiteX3" fmla="*/ 637177 w 773010"/>
+                <a:gd name="connsiteY3" fmla="*/ 128251 h 665910"/>
+                <a:gd name="connsiteX4" fmla="*/ 773010 w 773010"/>
+                <a:gd name="connsiteY4" fmla="*/ 302596 h 665910"/>
+                <a:gd name="connsiteX5" fmla="*/ 407053 w 773010"/>
+                <a:gd name="connsiteY5" fmla="*/ 665640 h 665910"/>
+                <a:gd name="connsiteX6" fmla="*/ 5205 w 773010"/>
+                <a:gd name="connsiteY6" fmla="*/ 339363 h 665910"/>
+                <a:gd name="connsiteX0" fmla="*/ 5205 w 773010"/>
+                <a:gd name="connsiteY0" fmla="*/ 339405 h 665952"/>
+                <a:gd name="connsiteX1" fmla="*/ 211519 w 773010"/>
+                <a:gd name="connsiteY1" fmla="*/ 112203 h 665952"/>
+                <a:gd name="connsiteX2" fmla="*/ 405714 w 773010"/>
+                <a:gd name="connsiteY2" fmla="*/ 89 h 665952"/>
+                <a:gd name="connsiteX3" fmla="*/ 637177 w 773010"/>
+                <a:gd name="connsiteY3" fmla="*/ 128293 h 665952"/>
+                <a:gd name="connsiteX4" fmla="*/ 773010 w 773010"/>
+                <a:gd name="connsiteY4" fmla="*/ 302638 h 665952"/>
+                <a:gd name="connsiteX5" fmla="*/ 407053 w 773010"/>
+                <a:gd name="connsiteY5" fmla="*/ 665682 h 665952"/>
+                <a:gd name="connsiteX6" fmla="*/ 5205 w 773010"/>
+                <a:gd name="connsiteY6" fmla="*/ 339405 h 665952"/>
+                <a:gd name="connsiteX0" fmla="*/ 5205 w 773010"/>
+                <a:gd name="connsiteY0" fmla="*/ 339394 h 665941"/>
+                <a:gd name="connsiteX1" fmla="*/ 211519 w 773010"/>
+                <a:gd name="connsiteY1" fmla="*/ 112192 h 665941"/>
+                <a:gd name="connsiteX2" fmla="*/ 405714 w 773010"/>
+                <a:gd name="connsiteY2" fmla="*/ 78 h 665941"/>
+                <a:gd name="connsiteX3" fmla="*/ 637177 w 773010"/>
+                <a:gd name="connsiteY3" fmla="*/ 128282 h 665941"/>
+                <a:gd name="connsiteX4" fmla="*/ 773010 w 773010"/>
+                <a:gd name="connsiteY4" fmla="*/ 302627 h 665941"/>
+                <a:gd name="connsiteX5" fmla="*/ 407053 w 773010"/>
+                <a:gd name="connsiteY5" fmla="*/ 665671 h 665941"/>
+                <a:gd name="connsiteX6" fmla="*/ 5205 w 773010"/>
+                <a:gd name="connsiteY6" fmla="*/ 339394 h 665941"/>
+                <a:gd name="connsiteX0" fmla="*/ 5205 w 773010"/>
+                <a:gd name="connsiteY0" fmla="*/ 339394 h 665941"/>
+                <a:gd name="connsiteX1" fmla="*/ 211519 w 773010"/>
+                <a:gd name="connsiteY1" fmla="*/ 112192 h 665941"/>
+                <a:gd name="connsiteX2" fmla="*/ 405714 w 773010"/>
+                <a:gd name="connsiteY2" fmla="*/ 78 h 665941"/>
+                <a:gd name="connsiteX3" fmla="*/ 637177 w 773010"/>
+                <a:gd name="connsiteY3" fmla="*/ 128282 h 665941"/>
+                <a:gd name="connsiteX4" fmla="*/ 773010 w 773010"/>
+                <a:gd name="connsiteY4" fmla="*/ 302627 h 665941"/>
+                <a:gd name="connsiteX5" fmla="*/ 407053 w 773010"/>
+                <a:gd name="connsiteY5" fmla="*/ 665671 h 665941"/>
+                <a:gd name="connsiteX6" fmla="*/ 5205 w 773010"/>
+                <a:gd name="connsiteY6" fmla="*/ 339394 h 665941"/>
+                <a:gd name="connsiteX0" fmla="*/ 5205 w 773010"/>
+                <a:gd name="connsiteY0" fmla="*/ 339637 h 666184"/>
+                <a:gd name="connsiteX1" fmla="*/ 211519 w 773010"/>
+                <a:gd name="connsiteY1" fmla="*/ 112435 h 666184"/>
+                <a:gd name="connsiteX2" fmla="*/ 405714 w 773010"/>
+                <a:gd name="connsiteY2" fmla="*/ 321 h 666184"/>
+                <a:gd name="connsiteX3" fmla="*/ 604956 w 773010"/>
+                <a:gd name="connsiteY3" fmla="*/ 146521 h 666184"/>
+                <a:gd name="connsiteX4" fmla="*/ 773010 w 773010"/>
+                <a:gd name="connsiteY4" fmla="*/ 302870 h 666184"/>
+                <a:gd name="connsiteX5" fmla="*/ 407053 w 773010"/>
+                <a:gd name="connsiteY5" fmla="*/ 665914 h 666184"/>
+                <a:gd name="connsiteX6" fmla="*/ 5205 w 773010"/>
+                <a:gd name="connsiteY6" fmla="*/ 339637 h 666184"/>
+                <a:gd name="connsiteX0" fmla="*/ 6034 w 773839"/>
+                <a:gd name="connsiteY0" fmla="*/ 339637 h 607789"/>
+                <a:gd name="connsiteX1" fmla="*/ 212348 w 773839"/>
+                <a:gd name="connsiteY1" fmla="*/ 112435 h 607789"/>
+                <a:gd name="connsiteX2" fmla="*/ 406543 w 773839"/>
+                <a:gd name="connsiteY2" fmla="*/ 321 h 607789"/>
+                <a:gd name="connsiteX3" fmla="*/ 605785 w 773839"/>
+                <a:gd name="connsiteY3" fmla="*/ 146521 h 607789"/>
+                <a:gd name="connsiteX4" fmla="*/ 773839 w 773839"/>
+                <a:gd name="connsiteY4" fmla="*/ 302870 h 607789"/>
+                <a:gd name="connsiteX5" fmla="*/ 357747 w 773839"/>
+                <a:gd name="connsiteY5" fmla="*/ 607205 h 607789"/>
+                <a:gd name="connsiteX6" fmla="*/ 6034 w 773839"/>
+                <a:gd name="connsiteY6" fmla="*/ 339637 h 607789"/>
+                <a:gd name="connsiteX0" fmla="*/ 7570 w 775375"/>
+                <a:gd name="connsiteY0" fmla="*/ 339637 h 610988"/>
+                <a:gd name="connsiteX1" fmla="*/ 213884 w 775375"/>
+                <a:gd name="connsiteY1" fmla="*/ 112435 h 610988"/>
+                <a:gd name="connsiteX2" fmla="*/ 408079 w 775375"/>
+                <a:gd name="connsiteY2" fmla="*/ 321 h 610988"/>
+                <a:gd name="connsiteX3" fmla="*/ 607321 w 775375"/>
+                <a:gd name="connsiteY3" fmla="*/ 146521 h 610988"/>
+                <a:gd name="connsiteX4" fmla="*/ 775375 w 775375"/>
+                <a:gd name="connsiteY4" fmla="*/ 302870 h 610988"/>
+                <a:gd name="connsiteX5" fmla="*/ 359283 w 775375"/>
+                <a:gd name="connsiteY5" fmla="*/ 607205 h 610988"/>
+                <a:gd name="connsiteX6" fmla="*/ 7570 w 775375"/>
+                <a:gd name="connsiteY6" fmla="*/ 339637 h 610988"/>
+                <a:gd name="connsiteX0" fmla="*/ 7570 w 775375"/>
+                <a:gd name="connsiteY0" fmla="*/ 339637 h 610988"/>
+                <a:gd name="connsiteX1" fmla="*/ 213884 w 775375"/>
+                <a:gd name="connsiteY1" fmla="*/ 112435 h 610988"/>
+                <a:gd name="connsiteX2" fmla="*/ 408079 w 775375"/>
+                <a:gd name="connsiteY2" fmla="*/ 321 h 610988"/>
+                <a:gd name="connsiteX3" fmla="*/ 607321 w 775375"/>
+                <a:gd name="connsiteY3" fmla="*/ 146521 h 610988"/>
+                <a:gd name="connsiteX4" fmla="*/ 775375 w 775375"/>
+                <a:gd name="connsiteY4" fmla="*/ 302870 h 610988"/>
+                <a:gd name="connsiteX5" fmla="*/ 359283 w 775375"/>
+                <a:gd name="connsiteY5" fmla="*/ 607205 h 610988"/>
+                <a:gd name="connsiteX6" fmla="*/ 7570 w 775375"/>
+                <a:gd name="connsiteY6" fmla="*/ 339637 h 610988"/>
+                <a:gd name="connsiteX0" fmla="*/ 7570 w 775375"/>
+                <a:gd name="connsiteY0" fmla="*/ 339637 h 610988"/>
+                <a:gd name="connsiteX1" fmla="*/ 213884 w 775375"/>
+                <a:gd name="connsiteY1" fmla="*/ 112435 h 610988"/>
+                <a:gd name="connsiteX2" fmla="*/ 408079 w 775375"/>
+                <a:gd name="connsiteY2" fmla="*/ 321 h 610988"/>
+                <a:gd name="connsiteX3" fmla="*/ 607321 w 775375"/>
+                <a:gd name="connsiteY3" fmla="*/ 146521 h 610988"/>
+                <a:gd name="connsiteX4" fmla="*/ 775375 w 775375"/>
+                <a:gd name="connsiteY4" fmla="*/ 302870 h 610988"/>
+                <a:gd name="connsiteX5" fmla="*/ 359283 w 775375"/>
+                <a:gd name="connsiteY5" fmla="*/ 607205 h 610988"/>
+                <a:gd name="connsiteX6" fmla="*/ 7570 w 775375"/>
+                <a:gd name="connsiteY6" fmla="*/ 339637 h 610988"/>
+              </a:gdLst>
+              <a:ahLst/>
+              <a:cxnLst>
+                <a:cxn ang="0">
+                  <a:pos x="connsiteX0" y="connsiteY0"/>
+                </a:cxn>
+                <a:cxn ang="0">
+                  <a:pos x="connsiteX1" y="connsiteY1"/>
+                </a:cxn>
+                <a:cxn ang="0">
+                  <a:pos x="connsiteX2" y="connsiteY2"/>
+                </a:cxn>
+                <a:cxn ang="0">
+                  <a:pos x="connsiteX3" y="connsiteY3"/>
+                </a:cxn>
+                <a:cxn ang="0">
+                  <a:pos x="connsiteX4" y="connsiteY4"/>
+                </a:cxn>
+                <a:cxn ang="0">
+                  <a:pos x="connsiteX5" y="connsiteY5"/>
+                </a:cxn>
+                <a:cxn ang="0">
+                  <a:pos x="connsiteX6" y="connsiteY6"/>
+                </a:cxn>
+              </a:cxnLst>
+              <a:rect l="l" t="t" r="r" b="b"/>
+              <a:pathLst>
+                <a:path w="775375" h="610988">
+                  <a:moveTo>
+                    <a:pt x="7570" y="339637"/>
+                  </a:moveTo>
+                  <a:cubicBezTo>
+                    <a:pt x="28783" y="114727"/>
+                    <a:pt x="69169" y="159425"/>
+                    <a:pt x="213884" y="112435"/>
+                  </a:cubicBezTo>
+                  <a:cubicBezTo>
+                    <a:pt x="358599" y="65445"/>
+                    <a:pt x="342506" y="-5360"/>
+                    <a:pt x="408079" y="321"/>
+                  </a:cubicBezTo>
+                  <a:cubicBezTo>
+                    <a:pt x="473652" y="6002"/>
+                    <a:pt x="546105" y="96096"/>
+                    <a:pt x="607321" y="146521"/>
+                  </a:cubicBezTo>
+                  <a:cubicBezTo>
+                    <a:pt x="716960" y="190492"/>
+                    <a:pt x="750683" y="202634"/>
+                    <a:pt x="775375" y="302870"/>
+                  </a:cubicBezTo>
+                  <a:cubicBezTo>
+                    <a:pt x="764119" y="598780"/>
+                    <a:pt x="553938" y="623443"/>
+                    <a:pt x="359283" y="607205"/>
+                  </a:cubicBezTo>
+                  <a:cubicBezTo>
+                    <a:pt x="164628" y="590967"/>
+                    <a:pt x="-42458" y="574385"/>
+                    <a:pt x="7570" y="339637"/>
+                  </a:cubicBezTo>
+                  <a:close/>
+                </a:path>
+              </a:pathLst>
+            </a:custGeom>
+            <a:solidFill>
+              <a:srgbClr val="4588C6"/>
+            </a:solidFill>
+            <a:ln w="25400">
+              <a:noFill/>
+            </a:ln>
+          </p:spPr>
+          <p:style>
+            <a:lnRef idx="2">
+              <a:schemeClr val="accent1">
+                <a:shade val="50000"/>
+              </a:schemeClr>
+            </a:lnRef>
+            <a:fillRef idx="1">
+              <a:schemeClr val="accent1"/>
+            </a:fillRef>
+            <a:effectRef idx="0">
+              <a:schemeClr val="accent1"/>
+            </a:effectRef>
+            <a:fontRef idx="minor">
+              <a:schemeClr val="lt1"/>
+            </a:fontRef>
+          </p:style>
+          <p:txBody>
+            <a:bodyPr rtlCol="0" anchor="ctr"/>
+            <a:lstStyle/>
+            <a:p>
+              <a:pPr algn="ctr"/>
+              <a:endParaRPr lang="sv-SE"/>
+            </a:p>
+          </p:txBody>
+        </p:sp>
+        <p:sp>
+          <p:nvSpPr>
+            <p:cNvPr id="57" name="Freeform 56"/>
+            <p:cNvSpPr/>
+            <p:nvPr/>
+          </p:nvSpPr>
+          <p:spPr>
+            <a:xfrm rot="20970433">
+              <a:off x="3495572" y="2674079"/>
+              <a:ext cx="85496" cy="95240"/>
+            </a:xfrm>
+            <a:custGeom>
+              <a:avLst/>
+              <a:gdLst>
+                <a:gd name="connsiteX0" fmla="*/ 184639 w 228600"/>
+                <a:gd name="connsiteY0" fmla="*/ 0 h 465993"/>
+                <a:gd name="connsiteX1" fmla="*/ 114300 w 228600"/>
+                <a:gd name="connsiteY1" fmla="*/ 35169 h 465993"/>
+                <a:gd name="connsiteX2" fmla="*/ 96716 w 228600"/>
+                <a:gd name="connsiteY2" fmla="*/ 61546 h 465993"/>
+                <a:gd name="connsiteX3" fmla="*/ 61546 w 228600"/>
+                <a:gd name="connsiteY3" fmla="*/ 87923 h 465993"/>
+                <a:gd name="connsiteX4" fmla="*/ 35169 w 228600"/>
+                <a:gd name="connsiteY4" fmla="*/ 140677 h 465993"/>
+                <a:gd name="connsiteX5" fmla="*/ 26377 w 228600"/>
+                <a:gd name="connsiteY5" fmla="*/ 167054 h 465993"/>
+                <a:gd name="connsiteX6" fmla="*/ 0 w 228600"/>
+                <a:gd name="connsiteY6" fmla="*/ 263769 h 465993"/>
+                <a:gd name="connsiteX7" fmla="*/ 26377 w 228600"/>
+                <a:gd name="connsiteY7" fmla="*/ 378069 h 465993"/>
+                <a:gd name="connsiteX8" fmla="*/ 52754 w 228600"/>
+                <a:gd name="connsiteY8" fmla="*/ 430823 h 465993"/>
+                <a:gd name="connsiteX9" fmla="*/ 96716 w 228600"/>
+                <a:gd name="connsiteY9" fmla="*/ 439616 h 465993"/>
+                <a:gd name="connsiteX10" fmla="*/ 149469 w 228600"/>
+                <a:gd name="connsiteY10" fmla="*/ 465993 h 465993"/>
+                <a:gd name="connsiteX11" fmla="*/ 184639 w 228600"/>
+                <a:gd name="connsiteY11" fmla="*/ 457200 h 465993"/>
+                <a:gd name="connsiteX12" fmla="*/ 228600 w 228600"/>
+                <a:gd name="connsiteY12" fmla="*/ 378069 h 465993"/>
+                <a:gd name="connsiteX13" fmla="*/ 202223 w 228600"/>
+                <a:gd name="connsiteY13" fmla="*/ 281354 h 465993"/>
+                <a:gd name="connsiteX14" fmla="*/ 175846 w 228600"/>
+                <a:gd name="connsiteY14" fmla="*/ 246185 h 465993"/>
+                <a:gd name="connsiteX15" fmla="*/ 167054 w 228600"/>
+                <a:gd name="connsiteY15" fmla="*/ 219808 h 465993"/>
+                <a:gd name="connsiteX16" fmla="*/ 114300 w 228600"/>
+                <a:gd name="connsiteY16" fmla="*/ 211016 h 465993"/>
+                <a:gd name="connsiteX17" fmla="*/ 87923 w 228600"/>
+                <a:gd name="connsiteY17" fmla="*/ 202223 h 465993"/>
+                <a:gd name="connsiteX18" fmla="*/ 61546 w 228600"/>
+                <a:gd name="connsiteY18" fmla="*/ 211016 h 465993"/>
+                <a:gd name="connsiteX0" fmla="*/ 184639 w 228600"/>
+                <a:gd name="connsiteY0" fmla="*/ 0 h 465993"/>
+                <a:gd name="connsiteX1" fmla="*/ 114300 w 228600"/>
+                <a:gd name="connsiteY1" fmla="*/ 35169 h 465993"/>
+                <a:gd name="connsiteX2" fmla="*/ 61546 w 228600"/>
+                <a:gd name="connsiteY2" fmla="*/ 87923 h 465993"/>
+                <a:gd name="connsiteX3" fmla="*/ 35169 w 228600"/>
+                <a:gd name="connsiteY3" fmla="*/ 140677 h 465993"/>
+                <a:gd name="connsiteX4" fmla="*/ 26377 w 228600"/>
+                <a:gd name="connsiteY4" fmla="*/ 167054 h 465993"/>
+                <a:gd name="connsiteX5" fmla="*/ 0 w 228600"/>
+                <a:gd name="connsiteY5" fmla="*/ 263769 h 465993"/>
+                <a:gd name="connsiteX6" fmla="*/ 26377 w 228600"/>
+                <a:gd name="connsiteY6" fmla="*/ 378069 h 465993"/>
+                <a:gd name="connsiteX7" fmla="*/ 52754 w 228600"/>
+                <a:gd name="connsiteY7" fmla="*/ 430823 h 465993"/>
+                <a:gd name="connsiteX8" fmla="*/ 96716 w 228600"/>
+                <a:gd name="connsiteY8" fmla="*/ 439616 h 465993"/>
+                <a:gd name="connsiteX9" fmla="*/ 149469 w 228600"/>
+                <a:gd name="connsiteY9" fmla="*/ 465993 h 465993"/>
+                <a:gd name="connsiteX10" fmla="*/ 184639 w 228600"/>
+                <a:gd name="connsiteY10" fmla="*/ 457200 h 465993"/>
+                <a:gd name="connsiteX11" fmla="*/ 228600 w 228600"/>
+                <a:gd name="connsiteY11" fmla="*/ 378069 h 465993"/>
+                <a:gd name="connsiteX12" fmla="*/ 202223 w 228600"/>
+                <a:gd name="connsiteY12" fmla="*/ 281354 h 465993"/>
+                <a:gd name="connsiteX13" fmla="*/ 175846 w 228600"/>
+                <a:gd name="connsiteY13" fmla="*/ 246185 h 465993"/>
+                <a:gd name="connsiteX14" fmla="*/ 167054 w 228600"/>
+                <a:gd name="connsiteY14" fmla="*/ 219808 h 465993"/>
+                <a:gd name="connsiteX15" fmla="*/ 114300 w 228600"/>
+                <a:gd name="connsiteY15" fmla="*/ 211016 h 465993"/>
+                <a:gd name="connsiteX16" fmla="*/ 87923 w 228600"/>
+                <a:gd name="connsiteY16" fmla="*/ 202223 h 465993"/>
+                <a:gd name="connsiteX17" fmla="*/ 61546 w 228600"/>
+                <a:gd name="connsiteY17" fmla="*/ 211016 h 465993"/>
+                <a:gd name="connsiteX0" fmla="*/ 184639 w 228600"/>
+                <a:gd name="connsiteY0" fmla="*/ 0 h 465993"/>
+                <a:gd name="connsiteX1" fmla="*/ 114300 w 228600"/>
+                <a:gd name="connsiteY1" fmla="*/ 35169 h 465993"/>
+                <a:gd name="connsiteX2" fmla="*/ 61546 w 228600"/>
+                <a:gd name="connsiteY2" fmla="*/ 87923 h 465993"/>
+                <a:gd name="connsiteX3" fmla="*/ 26377 w 228600"/>
+                <a:gd name="connsiteY3" fmla="*/ 167054 h 465993"/>
+                <a:gd name="connsiteX4" fmla="*/ 0 w 228600"/>
+                <a:gd name="connsiteY4" fmla="*/ 263769 h 465993"/>
+                <a:gd name="connsiteX5" fmla="*/ 26377 w 228600"/>
+                <a:gd name="connsiteY5" fmla="*/ 378069 h 465993"/>
+                <a:gd name="connsiteX6" fmla="*/ 52754 w 228600"/>
+                <a:gd name="connsiteY6" fmla="*/ 430823 h 465993"/>
+                <a:gd name="connsiteX7" fmla="*/ 96716 w 228600"/>
+                <a:gd name="connsiteY7" fmla="*/ 439616 h 465993"/>
+                <a:gd name="connsiteX8" fmla="*/ 149469 w 228600"/>
+                <a:gd name="connsiteY8" fmla="*/ 465993 h 465993"/>
+                <a:gd name="connsiteX9" fmla="*/ 184639 w 228600"/>
+                <a:gd name="connsiteY9" fmla="*/ 457200 h 465993"/>
+                <a:gd name="connsiteX10" fmla="*/ 228600 w 228600"/>
+                <a:gd name="connsiteY10" fmla="*/ 378069 h 465993"/>
+                <a:gd name="connsiteX11" fmla="*/ 202223 w 228600"/>
+                <a:gd name="connsiteY11" fmla="*/ 281354 h 465993"/>
+                <a:gd name="connsiteX12" fmla="*/ 175846 w 228600"/>
+                <a:gd name="connsiteY12" fmla="*/ 246185 h 465993"/>
+                <a:gd name="connsiteX13" fmla="*/ 167054 w 228600"/>
+                <a:gd name="connsiteY13" fmla="*/ 219808 h 465993"/>
+                <a:gd name="connsiteX14" fmla="*/ 114300 w 228600"/>
+                <a:gd name="connsiteY14" fmla="*/ 211016 h 465993"/>
+                <a:gd name="connsiteX15" fmla="*/ 87923 w 228600"/>
+                <a:gd name="connsiteY15" fmla="*/ 202223 h 465993"/>
+                <a:gd name="connsiteX16" fmla="*/ 61546 w 228600"/>
+                <a:gd name="connsiteY16" fmla="*/ 211016 h 465993"/>
+                <a:gd name="connsiteX0" fmla="*/ 184639 w 228600"/>
+                <a:gd name="connsiteY0" fmla="*/ 0 h 467072"/>
+                <a:gd name="connsiteX1" fmla="*/ 114300 w 228600"/>
+                <a:gd name="connsiteY1" fmla="*/ 35169 h 467072"/>
+                <a:gd name="connsiteX2" fmla="*/ 61546 w 228600"/>
+                <a:gd name="connsiteY2" fmla="*/ 87923 h 467072"/>
+                <a:gd name="connsiteX3" fmla="*/ 26377 w 228600"/>
+                <a:gd name="connsiteY3" fmla="*/ 167054 h 467072"/>
+                <a:gd name="connsiteX4" fmla="*/ 0 w 228600"/>
+                <a:gd name="connsiteY4" fmla="*/ 263769 h 467072"/>
+                <a:gd name="connsiteX5" fmla="*/ 26377 w 228600"/>
+                <a:gd name="connsiteY5" fmla="*/ 378069 h 467072"/>
+                <a:gd name="connsiteX6" fmla="*/ 52754 w 228600"/>
+                <a:gd name="connsiteY6" fmla="*/ 430823 h 467072"/>
+                <a:gd name="connsiteX7" fmla="*/ 149469 w 228600"/>
+                <a:gd name="connsiteY7" fmla="*/ 465993 h 467072"/>
+                <a:gd name="connsiteX8" fmla="*/ 184639 w 228600"/>
+                <a:gd name="connsiteY8" fmla="*/ 457200 h 467072"/>
+                <a:gd name="connsiteX9" fmla="*/ 228600 w 228600"/>
+                <a:gd name="connsiteY9" fmla="*/ 378069 h 467072"/>
+                <a:gd name="connsiteX10" fmla="*/ 202223 w 228600"/>
+                <a:gd name="connsiteY10" fmla="*/ 281354 h 467072"/>
+                <a:gd name="connsiteX11" fmla="*/ 175846 w 228600"/>
+                <a:gd name="connsiteY11" fmla="*/ 246185 h 467072"/>
+                <a:gd name="connsiteX12" fmla="*/ 167054 w 228600"/>
+                <a:gd name="connsiteY12" fmla="*/ 219808 h 467072"/>
+                <a:gd name="connsiteX13" fmla="*/ 114300 w 228600"/>
+                <a:gd name="connsiteY13" fmla="*/ 211016 h 467072"/>
+                <a:gd name="connsiteX14" fmla="*/ 87923 w 228600"/>
+                <a:gd name="connsiteY14" fmla="*/ 202223 h 467072"/>
+                <a:gd name="connsiteX15" fmla="*/ 61546 w 228600"/>
+                <a:gd name="connsiteY15" fmla="*/ 211016 h 467072"/>
+                <a:gd name="connsiteX0" fmla="*/ 184639 w 228600"/>
+                <a:gd name="connsiteY0" fmla="*/ 0 h 467607"/>
+                <a:gd name="connsiteX1" fmla="*/ 114300 w 228600"/>
+                <a:gd name="connsiteY1" fmla="*/ 35169 h 467607"/>
+                <a:gd name="connsiteX2" fmla="*/ 61546 w 228600"/>
+                <a:gd name="connsiteY2" fmla="*/ 87923 h 467607"/>
+                <a:gd name="connsiteX3" fmla="*/ 26377 w 228600"/>
+                <a:gd name="connsiteY3" fmla="*/ 167054 h 467607"/>
+                <a:gd name="connsiteX4" fmla="*/ 0 w 228600"/>
+                <a:gd name="connsiteY4" fmla="*/ 263769 h 467607"/>
+                <a:gd name="connsiteX5" fmla="*/ 26377 w 228600"/>
+                <a:gd name="connsiteY5" fmla="*/ 378069 h 467607"/>
+                <a:gd name="connsiteX6" fmla="*/ 52754 w 228600"/>
+                <a:gd name="connsiteY6" fmla="*/ 430823 h 467607"/>
+                <a:gd name="connsiteX7" fmla="*/ 149469 w 228600"/>
+                <a:gd name="connsiteY7" fmla="*/ 465993 h 467607"/>
+                <a:gd name="connsiteX8" fmla="*/ 228600 w 228600"/>
+                <a:gd name="connsiteY8" fmla="*/ 378069 h 467607"/>
+                <a:gd name="connsiteX9" fmla="*/ 202223 w 228600"/>
+                <a:gd name="connsiteY9" fmla="*/ 281354 h 467607"/>
+                <a:gd name="connsiteX10" fmla="*/ 175846 w 228600"/>
+                <a:gd name="connsiteY10" fmla="*/ 246185 h 467607"/>
+                <a:gd name="connsiteX11" fmla="*/ 167054 w 228600"/>
+                <a:gd name="connsiteY11" fmla="*/ 219808 h 467607"/>
+                <a:gd name="connsiteX12" fmla="*/ 114300 w 228600"/>
+                <a:gd name="connsiteY12" fmla="*/ 211016 h 467607"/>
+                <a:gd name="connsiteX13" fmla="*/ 87923 w 228600"/>
+                <a:gd name="connsiteY13" fmla="*/ 202223 h 467607"/>
+                <a:gd name="connsiteX14" fmla="*/ 61546 w 228600"/>
+                <a:gd name="connsiteY14" fmla="*/ 211016 h 467607"/>
+                <a:gd name="connsiteX0" fmla="*/ 184639 w 228889"/>
+                <a:gd name="connsiteY0" fmla="*/ 0 h 467607"/>
+                <a:gd name="connsiteX1" fmla="*/ 114300 w 228889"/>
+                <a:gd name="connsiteY1" fmla="*/ 35169 h 467607"/>
+                <a:gd name="connsiteX2" fmla="*/ 61546 w 228889"/>
+                <a:gd name="connsiteY2" fmla="*/ 87923 h 467607"/>
+                <a:gd name="connsiteX3" fmla="*/ 26377 w 228889"/>
+                <a:gd name="connsiteY3" fmla="*/ 167054 h 467607"/>
+                <a:gd name="connsiteX4" fmla="*/ 0 w 228889"/>
+                <a:gd name="connsiteY4" fmla="*/ 263769 h 467607"/>
+                <a:gd name="connsiteX5" fmla="*/ 26377 w 228889"/>
+                <a:gd name="connsiteY5" fmla="*/ 378069 h 467607"/>
+                <a:gd name="connsiteX6" fmla="*/ 52754 w 228889"/>
+                <a:gd name="connsiteY6" fmla="*/ 430823 h 467607"/>
+                <a:gd name="connsiteX7" fmla="*/ 149469 w 228889"/>
+                <a:gd name="connsiteY7" fmla="*/ 465993 h 467607"/>
+                <a:gd name="connsiteX8" fmla="*/ 228600 w 228889"/>
+                <a:gd name="connsiteY8" fmla="*/ 378069 h 467607"/>
+                <a:gd name="connsiteX9" fmla="*/ 175846 w 228889"/>
+                <a:gd name="connsiteY9" fmla="*/ 246185 h 467607"/>
+                <a:gd name="connsiteX10" fmla="*/ 167054 w 228889"/>
+                <a:gd name="connsiteY10" fmla="*/ 219808 h 467607"/>
+                <a:gd name="connsiteX11" fmla="*/ 114300 w 228889"/>
+                <a:gd name="connsiteY11" fmla="*/ 211016 h 467607"/>
+                <a:gd name="connsiteX12" fmla="*/ 87923 w 228889"/>
+                <a:gd name="connsiteY12" fmla="*/ 202223 h 467607"/>
+                <a:gd name="connsiteX13" fmla="*/ 61546 w 228889"/>
+                <a:gd name="connsiteY13" fmla="*/ 211016 h 467607"/>
+                <a:gd name="connsiteX0" fmla="*/ 184639 w 228889"/>
+                <a:gd name="connsiteY0" fmla="*/ 0 h 467607"/>
+                <a:gd name="connsiteX1" fmla="*/ 114300 w 228889"/>
+                <a:gd name="connsiteY1" fmla="*/ 35169 h 467607"/>
+                <a:gd name="connsiteX2" fmla="*/ 61546 w 228889"/>
+                <a:gd name="connsiteY2" fmla="*/ 87923 h 467607"/>
+                <a:gd name="connsiteX3" fmla="*/ 26377 w 228889"/>
+                <a:gd name="connsiteY3" fmla="*/ 167054 h 467607"/>
+                <a:gd name="connsiteX4" fmla="*/ 0 w 228889"/>
+                <a:gd name="connsiteY4" fmla="*/ 263769 h 467607"/>
+                <a:gd name="connsiteX5" fmla="*/ 26377 w 228889"/>
+                <a:gd name="connsiteY5" fmla="*/ 378069 h 467607"/>
+                <a:gd name="connsiteX6" fmla="*/ 52754 w 228889"/>
+                <a:gd name="connsiteY6" fmla="*/ 430823 h 467607"/>
+                <a:gd name="connsiteX7" fmla="*/ 149469 w 228889"/>
+                <a:gd name="connsiteY7" fmla="*/ 465993 h 467607"/>
+                <a:gd name="connsiteX8" fmla="*/ 228600 w 228889"/>
+                <a:gd name="connsiteY8" fmla="*/ 378069 h 467607"/>
+                <a:gd name="connsiteX9" fmla="*/ 175846 w 228889"/>
+                <a:gd name="connsiteY9" fmla="*/ 246185 h 467607"/>
+                <a:gd name="connsiteX10" fmla="*/ 114300 w 228889"/>
+                <a:gd name="connsiteY10" fmla="*/ 211016 h 467607"/>
+                <a:gd name="connsiteX11" fmla="*/ 87923 w 228889"/>
+                <a:gd name="connsiteY11" fmla="*/ 202223 h 467607"/>
+                <a:gd name="connsiteX12" fmla="*/ 61546 w 228889"/>
+                <a:gd name="connsiteY12" fmla="*/ 211016 h 467607"/>
+                <a:gd name="connsiteX0" fmla="*/ 184639 w 228889"/>
+                <a:gd name="connsiteY0" fmla="*/ 0 h 467607"/>
+                <a:gd name="connsiteX1" fmla="*/ 114300 w 228889"/>
+                <a:gd name="connsiteY1" fmla="*/ 35169 h 467607"/>
+                <a:gd name="connsiteX2" fmla="*/ 61546 w 228889"/>
+                <a:gd name="connsiteY2" fmla="*/ 87923 h 467607"/>
+                <a:gd name="connsiteX3" fmla="*/ 26377 w 228889"/>
+                <a:gd name="connsiteY3" fmla="*/ 167054 h 467607"/>
+                <a:gd name="connsiteX4" fmla="*/ 0 w 228889"/>
+                <a:gd name="connsiteY4" fmla="*/ 263769 h 467607"/>
+                <a:gd name="connsiteX5" fmla="*/ 26377 w 228889"/>
+                <a:gd name="connsiteY5" fmla="*/ 378069 h 467607"/>
+                <a:gd name="connsiteX6" fmla="*/ 52754 w 228889"/>
+                <a:gd name="connsiteY6" fmla="*/ 430823 h 467607"/>
+                <a:gd name="connsiteX7" fmla="*/ 149469 w 228889"/>
+                <a:gd name="connsiteY7" fmla="*/ 465993 h 467607"/>
+                <a:gd name="connsiteX8" fmla="*/ 228600 w 228889"/>
+                <a:gd name="connsiteY8" fmla="*/ 378069 h 467607"/>
+                <a:gd name="connsiteX9" fmla="*/ 175846 w 228889"/>
+                <a:gd name="connsiteY9" fmla="*/ 246185 h 467607"/>
+                <a:gd name="connsiteX10" fmla="*/ 114300 w 228889"/>
+                <a:gd name="connsiteY10" fmla="*/ 211016 h 467607"/>
+                <a:gd name="connsiteX11" fmla="*/ 61546 w 228889"/>
+                <a:gd name="connsiteY11" fmla="*/ 211016 h 467607"/>
+                <a:gd name="connsiteX0" fmla="*/ 184639 w 228889"/>
+                <a:gd name="connsiteY0" fmla="*/ 0 h 468984"/>
+                <a:gd name="connsiteX1" fmla="*/ 114300 w 228889"/>
+                <a:gd name="connsiteY1" fmla="*/ 35169 h 468984"/>
+                <a:gd name="connsiteX2" fmla="*/ 61546 w 228889"/>
+                <a:gd name="connsiteY2" fmla="*/ 87923 h 468984"/>
+                <a:gd name="connsiteX3" fmla="*/ 26377 w 228889"/>
+                <a:gd name="connsiteY3" fmla="*/ 167054 h 468984"/>
+                <a:gd name="connsiteX4" fmla="*/ 0 w 228889"/>
+                <a:gd name="connsiteY4" fmla="*/ 263769 h 468984"/>
+                <a:gd name="connsiteX5" fmla="*/ 52754 w 228889"/>
+                <a:gd name="connsiteY5" fmla="*/ 430823 h 468984"/>
+                <a:gd name="connsiteX6" fmla="*/ 149469 w 228889"/>
+                <a:gd name="connsiteY6" fmla="*/ 465993 h 468984"/>
+                <a:gd name="connsiteX7" fmla="*/ 228600 w 228889"/>
+                <a:gd name="connsiteY7" fmla="*/ 378069 h 468984"/>
+                <a:gd name="connsiteX8" fmla="*/ 175846 w 228889"/>
+                <a:gd name="connsiteY8" fmla="*/ 246185 h 468984"/>
+                <a:gd name="connsiteX9" fmla="*/ 114300 w 228889"/>
+                <a:gd name="connsiteY9" fmla="*/ 211016 h 468984"/>
+                <a:gd name="connsiteX10" fmla="*/ 61546 w 228889"/>
+                <a:gd name="connsiteY10" fmla="*/ 211016 h 468984"/>
+                <a:gd name="connsiteX0" fmla="*/ 184691 w 228941"/>
+                <a:gd name="connsiteY0" fmla="*/ 0 h 468984"/>
+                <a:gd name="connsiteX1" fmla="*/ 114352 w 228941"/>
+                <a:gd name="connsiteY1" fmla="*/ 35169 h 468984"/>
+                <a:gd name="connsiteX2" fmla="*/ 61598 w 228941"/>
+                <a:gd name="connsiteY2" fmla="*/ 87923 h 468984"/>
+                <a:gd name="connsiteX3" fmla="*/ 52 w 228941"/>
+                <a:gd name="connsiteY3" fmla="*/ 263769 h 468984"/>
+                <a:gd name="connsiteX4" fmla="*/ 52806 w 228941"/>
+                <a:gd name="connsiteY4" fmla="*/ 430823 h 468984"/>
+                <a:gd name="connsiteX5" fmla="*/ 149521 w 228941"/>
+                <a:gd name="connsiteY5" fmla="*/ 465993 h 468984"/>
+                <a:gd name="connsiteX6" fmla="*/ 228652 w 228941"/>
+                <a:gd name="connsiteY6" fmla="*/ 378069 h 468984"/>
+                <a:gd name="connsiteX7" fmla="*/ 175898 w 228941"/>
+                <a:gd name="connsiteY7" fmla="*/ 246185 h 468984"/>
+                <a:gd name="connsiteX8" fmla="*/ 114352 w 228941"/>
+                <a:gd name="connsiteY8" fmla="*/ 211016 h 468984"/>
+                <a:gd name="connsiteX9" fmla="*/ 61598 w 228941"/>
+                <a:gd name="connsiteY9" fmla="*/ 211016 h 468984"/>
+                <a:gd name="connsiteX0" fmla="*/ 184691 w 228652"/>
+                <a:gd name="connsiteY0" fmla="*/ 0 h 468984"/>
+                <a:gd name="connsiteX1" fmla="*/ 114352 w 228652"/>
+                <a:gd name="connsiteY1" fmla="*/ 35169 h 468984"/>
+                <a:gd name="connsiteX2" fmla="*/ 61598 w 228652"/>
+                <a:gd name="connsiteY2" fmla="*/ 87923 h 468984"/>
+                <a:gd name="connsiteX3" fmla="*/ 52 w 228652"/>
+                <a:gd name="connsiteY3" fmla="*/ 263769 h 468984"/>
+                <a:gd name="connsiteX4" fmla="*/ 52806 w 228652"/>
+                <a:gd name="connsiteY4" fmla="*/ 430823 h 468984"/>
+                <a:gd name="connsiteX5" fmla="*/ 149521 w 228652"/>
+                <a:gd name="connsiteY5" fmla="*/ 465993 h 468984"/>
+                <a:gd name="connsiteX6" fmla="*/ 228652 w 228652"/>
+                <a:gd name="connsiteY6" fmla="*/ 378069 h 468984"/>
+                <a:gd name="connsiteX7" fmla="*/ 114352 w 228652"/>
+                <a:gd name="connsiteY7" fmla="*/ 211016 h 468984"/>
+                <a:gd name="connsiteX8" fmla="*/ 61598 w 228652"/>
+                <a:gd name="connsiteY8" fmla="*/ 211016 h 468984"/>
+                <a:gd name="connsiteX0" fmla="*/ 184691 w 228652"/>
+                <a:gd name="connsiteY0" fmla="*/ 0 h 468984"/>
+                <a:gd name="connsiteX1" fmla="*/ 114352 w 228652"/>
+                <a:gd name="connsiteY1" fmla="*/ 35169 h 468984"/>
+                <a:gd name="connsiteX2" fmla="*/ 61598 w 228652"/>
+                <a:gd name="connsiteY2" fmla="*/ 87923 h 468984"/>
+                <a:gd name="connsiteX3" fmla="*/ 52 w 228652"/>
+                <a:gd name="connsiteY3" fmla="*/ 263769 h 468984"/>
+                <a:gd name="connsiteX4" fmla="*/ 52806 w 228652"/>
+                <a:gd name="connsiteY4" fmla="*/ 430823 h 468984"/>
+                <a:gd name="connsiteX5" fmla="*/ 149521 w 228652"/>
+                <a:gd name="connsiteY5" fmla="*/ 465993 h 468984"/>
+                <a:gd name="connsiteX6" fmla="*/ 228652 w 228652"/>
+                <a:gd name="connsiteY6" fmla="*/ 378069 h 468984"/>
+                <a:gd name="connsiteX7" fmla="*/ 175653 w 228652"/>
+                <a:gd name="connsiteY7" fmla="*/ 246774 h 468984"/>
+                <a:gd name="connsiteX8" fmla="*/ 61598 w 228652"/>
+                <a:gd name="connsiteY8" fmla="*/ 211016 h 468984"/>
+                <a:gd name="connsiteX0" fmla="*/ 184691 w 228652"/>
+                <a:gd name="connsiteY0" fmla="*/ 0 h 468984"/>
+                <a:gd name="connsiteX1" fmla="*/ 61598 w 228652"/>
+                <a:gd name="connsiteY1" fmla="*/ 87923 h 468984"/>
+                <a:gd name="connsiteX2" fmla="*/ 52 w 228652"/>
+                <a:gd name="connsiteY2" fmla="*/ 263769 h 468984"/>
+                <a:gd name="connsiteX3" fmla="*/ 52806 w 228652"/>
+                <a:gd name="connsiteY3" fmla="*/ 430823 h 468984"/>
+                <a:gd name="connsiteX4" fmla="*/ 149521 w 228652"/>
+                <a:gd name="connsiteY4" fmla="*/ 465993 h 468984"/>
+                <a:gd name="connsiteX5" fmla="*/ 228652 w 228652"/>
+                <a:gd name="connsiteY5" fmla="*/ 378069 h 468984"/>
+                <a:gd name="connsiteX6" fmla="*/ 175653 w 228652"/>
+                <a:gd name="connsiteY6" fmla="*/ 246774 h 468984"/>
+                <a:gd name="connsiteX7" fmla="*/ 61598 w 228652"/>
+                <a:gd name="connsiteY7" fmla="*/ 211016 h 468984"/>
+                <a:gd name="connsiteX0" fmla="*/ 184743 w 228704"/>
+                <a:gd name="connsiteY0" fmla="*/ 0 h 466255"/>
+                <a:gd name="connsiteX1" fmla="*/ 61650 w 228704"/>
+                <a:gd name="connsiteY1" fmla="*/ 87923 h 466255"/>
+                <a:gd name="connsiteX2" fmla="*/ 104 w 228704"/>
+                <a:gd name="connsiteY2" fmla="*/ 263769 h 466255"/>
+                <a:gd name="connsiteX3" fmla="*/ 37533 w 228704"/>
+                <a:gd name="connsiteY3" fmla="*/ 400173 h 466255"/>
+                <a:gd name="connsiteX4" fmla="*/ 149573 w 228704"/>
+                <a:gd name="connsiteY4" fmla="*/ 465993 h 466255"/>
+                <a:gd name="connsiteX5" fmla="*/ 228704 w 228704"/>
+                <a:gd name="connsiteY5" fmla="*/ 378069 h 466255"/>
+                <a:gd name="connsiteX6" fmla="*/ 175705 w 228704"/>
+                <a:gd name="connsiteY6" fmla="*/ 246774 h 466255"/>
+                <a:gd name="connsiteX7" fmla="*/ 61650 w 228704"/>
+                <a:gd name="connsiteY7" fmla="*/ 211016 h 466255"/>
+                <a:gd name="connsiteX0" fmla="*/ 184743 w 228704"/>
+                <a:gd name="connsiteY0" fmla="*/ 0 h 453581"/>
+                <a:gd name="connsiteX1" fmla="*/ 61650 w 228704"/>
+                <a:gd name="connsiteY1" fmla="*/ 87923 h 453581"/>
+                <a:gd name="connsiteX2" fmla="*/ 104 w 228704"/>
+                <a:gd name="connsiteY2" fmla="*/ 263769 h 453581"/>
+                <a:gd name="connsiteX3" fmla="*/ 37533 w 228704"/>
+                <a:gd name="connsiteY3" fmla="*/ 400173 h 453581"/>
+                <a:gd name="connsiteX4" fmla="*/ 149573 w 228704"/>
+                <a:gd name="connsiteY4" fmla="*/ 453222 h 453581"/>
+                <a:gd name="connsiteX5" fmla="*/ 228704 w 228704"/>
+                <a:gd name="connsiteY5" fmla="*/ 378069 h 453581"/>
+                <a:gd name="connsiteX6" fmla="*/ 175705 w 228704"/>
+                <a:gd name="connsiteY6" fmla="*/ 246774 h 453581"/>
+                <a:gd name="connsiteX7" fmla="*/ 61650 w 228704"/>
+                <a:gd name="connsiteY7" fmla="*/ 211016 h 453581"/>
+                <a:gd name="connsiteX0" fmla="*/ 184743 w 226150"/>
+                <a:gd name="connsiteY0" fmla="*/ 0 h 455256"/>
+                <a:gd name="connsiteX1" fmla="*/ 61650 w 226150"/>
+                <a:gd name="connsiteY1" fmla="*/ 87923 h 455256"/>
+                <a:gd name="connsiteX2" fmla="*/ 104 w 226150"/>
+                <a:gd name="connsiteY2" fmla="*/ 263769 h 455256"/>
+                <a:gd name="connsiteX3" fmla="*/ 37533 w 226150"/>
+                <a:gd name="connsiteY3" fmla="*/ 400173 h 455256"/>
+                <a:gd name="connsiteX4" fmla="*/ 149573 w 226150"/>
+                <a:gd name="connsiteY4" fmla="*/ 453222 h 455256"/>
+                <a:gd name="connsiteX5" fmla="*/ 226150 w 226150"/>
+                <a:gd name="connsiteY5" fmla="*/ 337202 h 455256"/>
+                <a:gd name="connsiteX6" fmla="*/ 175705 w 226150"/>
+                <a:gd name="connsiteY6" fmla="*/ 246774 h 455256"/>
+                <a:gd name="connsiteX7" fmla="*/ 61650 w 226150"/>
+                <a:gd name="connsiteY7" fmla="*/ 211016 h 455256"/>
+              </a:gdLst>
+              <a:ahLst/>
+              <a:cxnLst>
+                <a:cxn ang="0">
+                  <a:pos x="connsiteX0" y="connsiteY0"/>
+                </a:cxn>
+                <a:cxn ang="0">
+                  <a:pos x="connsiteX1" y="connsiteY1"/>
+                </a:cxn>
+                <a:cxn ang="0">
+                  <a:pos x="connsiteX2" y="connsiteY2"/>
+                </a:cxn>
+                <a:cxn ang="0">
+                  <a:pos x="connsiteX3" y="connsiteY3"/>
+                </a:cxn>
+                <a:cxn ang="0">
+                  <a:pos x="connsiteX4" y="connsiteY4"/>
+                </a:cxn>
+                <a:cxn ang="0">
+                  <a:pos x="connsiteX5" y="connsiteY5"/>
+                </a:cxn>
+                <a:cxn ang="0">
+                  <a:pos x="connsiteX6" y="connsiteY6"/>
+                </a:cxn>
+                <a:cxn ang="0">
+                  <a:pos x="connsiteX7" y="connsiteY7"/>
+                </a:cxn>
+              </a:cxnLst>
+              <a:rect l="l" t="t" r="r" b="b"/>
+              <a:pathLst>
+                <a:path w="226150" h="455256">
+                  <a:moveTo>
+                    <a:pt x="184743" y="0"/>
+                  </a:moveTo>
+                  <a:cubicBezTo>
+                    <a:pt x="159099" y="18317"/>
+                    <a:pt x="92423" y="43962"/>
+                    <a:pt x="61650" y="87923"/>
+                  </a:cubicBezTo>
+                  <a:cubicBezTo>
+                    <a:pt x="30877" y="131885"/>
+                    <a:pt x="1569" y="206619"/>
+                    <a:pt x="104" y="263769"/>
+                  </a:cubicBezTo>
+                  <a:cubicBezTo>
+                    <a:pt x="-1361" y="320919"/>
+                    <a:pt x="12622" y="368598"/>
+                    <a:pt x="37533" y="400173"/>
+                  </a:cubicBezTo>
+                  <a:cubicBezTo>
+                    <a:pt x="62445" y="431749"/>
+                    <a:pt x="118137" y="463717"/>
+                    <a:pt x="149573" y="453222"/>
+                  </a:cubicBezTo>
+                  <a:cubicBezTo>
+                    <a:pt x="181009" y="442727"/>
+                    <a:pt x="217358" y="367975"/>
+                    <a:pt x="226150" y="337202"/>
+                  </a:cubicBezTo>
+                  <a:cubicBezTo>
+                    <a:pt x="220289" y="294706"/>
+                    <a:pt x="203122" y="267805"/>
+                    <a:pt x="175705" y="246774"/>
+                  </a:cubicBezTo>
+                  <a:cubicBezTo>
+                    <a:pt x="148288" y="225743"/>
+                    <a:pt x="72640" y="211016"/>
+                    <a:pt x="61650" y="211016"/>
+                  </a:cubicBezTo>
+                </a:path>
+              </a:pathLst>
+            </a:custGeom>
+            <a:noFill/>
+            <a:ln w="25400">
+              <a:solidFill>
+                <a:schemeClr val="tx1"/>
+              </a:solidFill>
+            </a:ln>
+          </p:spPr>
+          <p:style>
+            <a:lnRef idx="2">
+              <a:schemeClr val="accent1">
+                <a:shade val="50000"/>
+              </a:schemeClr>
+            </a:lnRef>
+            <a:fillRef idx="1">
+              <a:schemeClr val="accent1"/>
+            </a:fillRef>
+            <a:effectRef idx="0">
+              <a:schemeClr val="accent1"/>
+            </a:effectRef>
+            <a:fontRef idx="minor">
+              <a:schemeClr val="lt1"/>
+            </a:fontRef>
+          </p:style>
+          <p:txBody>
+            <a:bodyPr rtlCol="0" anchor="ctr"/>
+            <a:lstStyle/>
+            <a:p>
+              <a:pPr algn="ctr"/>
+              <a:endParaRPr lang="sv-SE"/>
+            </a:p>
+          </p:txBody>
+        </p:sp>
+        <p:sp>
+          <p:nvSpPr>
+            <p:cNvPr id="58" name="Arc 57"/>
+            <p:cNvSpPr/>
+            <p:nvPr/>
+          </p:nvSpPr>
+          <p:spPr>
+            <a:xfrm>
+              <a:off x="3062393" y="2574793"/>
+              <a:ext cx="912909" cy="272321"/>
+            </a:xfrm>
+            <a:prstGeom prst="arc">
+              <a:avLst>
+                <a:gd name="adj1" fmla="val 13033323"/>
+                <a:gd name="adj2" fmla="val 20035014"/>
+              </a:avLst>
+            </a:prstGeom>
+            <a:ln w="25400">
+              <a:solidFill>
+                <a:schemeClr val="tx1"/>
+              </a:solidFill>
+            </a:ln>
+          </p:spPr>
+          <p:style>
+            <a:lnRef idx="1">
+              <a:schemeClr val="accent1"/>
+            </a:lnRef>
+            <a:fillRef idx="0">
+              <a:schemeClr val="accent1"/>
+            </a:fillRef>
+            <a:effectRef idx="0">
+              <a:schemeClr val="accent1"/>
+            </a:effectRef>
+            <a:fontRef idx="minor">
+              <a:schemeClr val="tx1"/>
+            </a:fontRef>
+          </p:style>
+          <p:txBody>
+            <a:bodyPr rtlCol="0" anchor="ctr"/>
+            <a:lstStyle/>
+            <a:p>
+              <a:pPr algn="ctr"/>
+              <a:endParaRPr lang="sv-SE"/>
+            </a:p>
+          </p:txBody>
+        </p:sp>
+        <p:sp>
+          <p:nvSpPr>
+            <p:cNvPr id="61" name="Oval 22"/>
+            <p:cNvSpPr/>
+            <p:nvPr/>
+          </p:nvSpPr>
+          <p:spPr>
+            <a:xfrm rot="772141">
+              <a:off x="3025999" y="2958501"/>
+              <a:ext cx="285231" cy="305143"/>
+            </a:xfrm>
+            <a:prstGeom prst="ellipse">
+              <a:avLst/>
+            </a:prstGeom>
+            <a:solidFill>
+              <a:srgbClr val="CC9F6E"/>
+            </a:solidFill>
+            <a:ln w="25400">
+              <a:solidFill>
+                <a:schemeClr val="tx1"/>
+              </a:solidFill>
+            </a:ln>
+          </p:spPr>
+          <p:style>
+            <a:lnRef idx="2">
+              <a:schemeClr val="accent1">
+                <a:shade val="50000"/>
+              </a:schemeClr>
+            </a:lnRef>
+            <a:fillRef idx="1">
+              <a:schemeClr val="accent1"/>
+            </a:fillRef>
+            <a:effectRef idx="0">
+              <a:schemeClr val="accent1"/>
+            </a:effectRef>
+            <a:fontRef idx="minor">
+              <a:schemeClr val="lt1"/>
+            </a:fontRef>
+          </p:style>
+          <p:txBody>
+            <a:bodyPr rtlCol="0" anchor="ctr"/>
+            <a:lstStyle/>
+            <a:p>
+              <a:pPr algn="ctr"/>
+              <a:endParaRPr lang="sv-SE"/>
+            </a:p>
+          </p:txBody>
+        </p:sp>
+        <p:grpSp>
+          <p:nvGrpSpPr>
+            <p:cNvPr id="63" name="Group 62"/>
+            <p:cNvGrpSpPr/>
+            <p:nvPr/>
+          </p:nvGrpSpPr>
+          <p:grpSpPr>
+            <a:xfrm>
+              <a:off x="3734904" y="1662722"/>
+              <a:ext cx="355166" cy="304321"/>
+              <a:chOff x="7400992" y="484079"/>
+              <a:chExt cx="355166" cy="304321"/>
+            </a:xfrm>
+          </p:grpSpPr>
+          <p:grpSp>
+            <p:nvGrpSpPr>
+              <p:cNvPr id="64" name="Group 63"/>
+              <p:cNvGrpSpPr/>
+              <p:nvPr/>
+            </p:nvGrpSpPr>
+            <p:grpSpPr>
+              <a:xfrm rot="10800000">
+                <a:off x="7449869" y="484079"/>
+                <a:ext cx="306289" cy="250324"/>
+                <a:chOff x="9813956" y="2128163"/>
+                <a:chExt cx="410597" cy="251109"/>
+              </a:xfrm>
+            </p:grpSpPr>
+            <p:sp>
+              <p:nvSpPr>
+                <p:cNvPr id="66" name="Oval 191"/>
+                <p:cNvSpPr/>
+                <p:nvPr/>
+              </p:nvSpPr>
+              <p:spPr>
+                <a:xfrm rot="8515235">
+                  <a:off x="9813956" y="2128163"/>
+                  <a:ext cx="410597" cy="251109"/>
+                </a:xfrm>
+                <a:custGeom>
+                  <a:avLst/>
+                  <a:gdLst>
+                    <a:gd name="connsiteX0" fmla="*/ 0 w 325085"/>
+                    <a:gd name="connsiteY0" fmla="*/ 125268 h 250535"/>
+                    <a:gd name="connsiteX1" fmla="*/ 162543 w 325085"/>
+                    <a:gd name="connsiteY1" fmla="*/ 0 h 250535"/>
+                    <a:gd name="connsiteX2" fmla="*/ 325086 w 325085"/>
+                    <a:gd name="connsiteY2" fmla="*/ 125268 h 250535"/>
+                    <a:gd name="connsiteX3" fmla="*/ 162543 w 325085"/>
+                    <a:gd name="connsiteY3" fmla="*/ 250536 h 250535"/>
+                    <a:gd name="connsiteX4" fmla="*/ 0 w 325085"/>
+                    <a:gd name="connsiteY4" fmla="*/ 125268 h 250535"/>
+                    <a:gd name="connsiteX0" fmla="*/ 0 w 410597"/>
+                    <a:gd name="connsiteY0" fmla="*/ 151279 h 251109"/>
+                    <a:gd name="connsiteX1" fmla="*/ 248054 w 410597"/>
+                    <a:gd name="connsiteY1" fmla="*/ 216 h 251109"/>
+                    <a:gd name="connsiteX2" fmla="*/ 410597 w 410597"/>
+                    <a:gd name="connsiteY2" fmla="*/ 125484 h 251109"/>
+                    <a:gd name="connsiteX3" fmla="*/ 248054 w 410597"/>
+                    <a:gd name="connsiteY3" fmla="*/ 250752 h 251109"/>
+                    <a:gd name="connsiteX4" fmla="*/ 0 w 410597"/>
+                    <a:gd name="connsiteY4" fmla="*/ 151279 h 251109"/>
+                  </a:gdLst>
+                  <a:ahLst/>
+                  <a:cxnLst>
+                    <a:cxn ang="0">
+                      <a:pos x="connsiteX0" y="connsiteY0"/>
+                    </a:cxn>
+                    <a:cxn ang="0">
+                      <a:pos x="connsiteX1" y="connsiteY1"/>
+                    </a:cxn>
+                    <a:cxn ang="0">
+                      <a:pos x="connsiteX2" y="connsiteY2"/>
+                    </a:cxn>
+                    <a:cxn ang="0">
+                      <a:pos x="connsiteX3" y="connsiteY3"/>
+                    </a:cxn>
+                    <a:cxn ang="0">
+                      <a:pos x="connsiteX4" y="connsiteY4"/>
+                    </a:cxn>
+                  </a:cxnLst>
+                  <a:rect l="l" t="t" r="r" b="b"/>
+                  <a:pathLst>
+                    <a:path w="410597" h="251109">
+                      <a:moveTo>
+                        <a:pt x="0" y="151279"/>
+                      </a:moveTo>
+                      <a:cubicBezTo>
+                        <a:pt x="0" y="82095"/>
+                        <a:pt x="179621" y="4515"/>
+                        <a:pt x="248054" y="216"/>
+                      </a:cubicBezTo>
+                      <a:cubicBezTo>
+                        <a:pt x="316487" y="-4083"/>
+                        <a:pt x="410597" y="56300"/>
+                        <a:pt x="410597" y="125484"/>
+                      </a:cubicBezTo>
+                      <a:cubicBezTo>
+                        <a:pt x="410597" y="194668"/>
+                        <a:pt x="316487" y="246453"/>
+                        <a:pt x="248054" y="250752"/>
+                      </a:cubicBezTo>
+                      <a:cubicBezTo>
+                        <a:pt x="179621" y="255051"/>
+                        <a:pt x="0" y="220463"/>
+                        <a:pt x="0" y="151279"/>
+                      </a:cubicBezTo>
+                      <a:close/>
+                    </a:path>
+                  </a:pathLst>
+                </a:custGeom>
+                <a:ln w="25400">
+                  <a:solidFill>
+                    <a:schemeClr val="tx1"/>
+                  </a:solidFill>
+                </a:ln>
+              </p:spPr>
+              <p:style>
+                <a:lnRef idx="2">
+                  <a:schemeClr val="accent1">
+                    <a:shade val="50000"/>
+                  </a:schemeClr>
+                </a:lnRef>
+                <a:fillRef idx="1">
+                  <a:schemeClr val="accent1"/>
+                </a:fillRef>
+                <a:effectRef idx="0">
+                  <a:schemeClr val="accent1"/>
+                </a:effectRef>
+                <a:fontRef idx="minor">
+                  <a:schemeClr val="lt1"/>
+                </a:fontRef>
+              </p:style>
+              <p:txBody>
+                <a:bodyPr rtlCol="0" anchor="ctr"/>
+                <a:lstStyle/>
+                <a:p>
+                  <a:pPr algn="ctr"/>
+                  <a:endParaRPr lang="sv-SE"/>
+                </a:p>
+              </p:txBody>
+            </p:sp>
+            <p:sp>
+              <p:nvSpPr>
+                <p:cNvPr id="67" name="Oval 192"/>
+                <p:cNvSpPr/>
+                <p:nvPr/>
+              </p:nvSpPr>
+              <p:spPr>
+                <a:xfrm rot="2961527">
+                  <a:off x="9967533" y="2115944"/>
+                  <a:ext cx="131177" cy="248618"/>
+                </a:xfrm>
+                <a:custGeom>
+                  <a:avLst/>
+                  <a:gdLst>
+                    <a:gd name="connsiteX0" fmla="*/ 0 w 130559"/>
+                    <a:gd name="connsiteY0" fmla="*/ 72364 h 144727"/>
+                    <a:gd name="connsiteX1" fmla="*/ 65280 w 130559"/>
+                    <a:gd name="connsiteY1" fmla="*/ 0 h 144727"/>
+                    <a:gd name="connsiteX2" fmla="*/ 130560 w 130559"/>
+                    <a:gd name="connsiteY2" fmla="*/ 72364 h 144727"/>
+                    <a:gd name="connsiteX3" fmla="*/ 65280 w 130559"/>
+                    <a:gd name="connsiteY3" fmla="*/ 144728 h 144727"/>
+                    <a:gd name="connsiteX4" fmla="*/ 0 w 130559"/>
+                    <a:gd name="connsiteY4" fmla="*/ 72364 h 144727"/>
+                    <a:gd name="connsiteX0" fmla="*/ 617 w 131177"/>
+                    <a:gd name="connsiteY0" fmla="*/ 176254 h 248618"/>
+                    <a:gd name="connsiteX1" fmla="*/ 44549 w 131177"/>
+                    <a:gd name="connsiteY1" fmla="*/ 0 h 248618"/>
+                    <a:gd name="connsiteX2" fmla="*/ 131177 w 131177"/>
+                    <a:gd name="connsiteY2" fmla="*/ 176254 h 248618"/>
+                    <a:gd name="connsiteX3" fmla="*/ 65897 w 131177"/>
+                    <a:gd name="connsiteY3" fmla="*/ 248618 h 248618"/>
+                    <a:gd name="connsiteX4" fmla="*/ 617 w 131177"/>
+                    <a:gd name="connsiteY4" fmla="*/ 176254 h 248618"/>
+                  </a:gdLst>
+                  <a:ahLst/>
+                  <a:cxnLst>
+                    <a:cxn ang="0">
+                      <a:pos x="connsiteX0" y="connsiteY0"/>
+                    </a:cxn>
+                    <a:cxn ang="0">
+                      <a:pos x="connsiteX1" y="connsiteY1"/>
+                    </a:cxn>
+                    <a:cxn ang="0">
+                      <a:pos x="connsiteX2" y="connsiteY2"/>
+                    </a:cxn>
+                    <a:cxn ang="0">
+                      <a:pos x="connsiteX3" y="connsiteY3"/>
+                    </a:cxn>
+                    <a:cxn ang="0">
+                      <a:pos x="connsiteX4" y="connsiteY4"/>
+                    </a:cxn>
+                  </a:cxnLst>
+                  <a:rect l="l" t="t" r="r" b="b"/>
+                  <a:pathLst>
+                    <a:path w="131177" h="248618">
+                      <a:moveTo>
+                        <a:pt x="617" y="176254"/>
+                      </a:moveTo>
+                      <a:cubicBezTo>
+                        <a:pt x="-2941" y="134818"/>
+                        <a:pt x="8496" y="0"/>
+                        <a:pt x="44549" y="0"/>
+                      </a:cubicBezTo>
+                      <a:cubicBezTo>
+                        <a:pt x="80602" y="0"/>
+                        <a:pt x="131177" y="136288"/>
+                        <a:pt x="131177" y="176254"/>
+                      </a:cubicBezTo>
+                      <a:cubicBezTo>
+                        <a:pt x="131177" y="216220"/>
+                        <a:pt x="101950" y="248618"/>
+                        <a:pt x="65897" y="248618"/>
+                      </a:cubicBezTo>
+                      <a:cubicBezTo>
+                        <a:pt x="29844" y="248618"/>
+                        <a:pt x="4175" y="217690"/>
+                        <a:pt x="617" y="176254"/>
+                      </a:cubicBezTo>
+                      <a:close/>
+                    </a:path>
+                  </a:pathLst>
+                </a:custGeom>
+                <a:solidFill>
+                  <a:schemeClr val="accent1">
+                    <a:lumMod val="75000"/>
+                    <a:alpha val="49000"/>
+                  </a:schemeClr>
+                </a:solidFill>
+                <a:ln w="25400">
+                  <a:noFill/>
+                </a:ln>
+              </p:spPr>
+              <p:style>
+                <a:lnRef idx="2">
+                  <a:schemeClr val="accent1">
+                    <a:shade val="50000"/>
+                  </a:schemeClr>
+                </a:lnRef>
+                <a:fillRef idx="1">
+                  <a:schemeClr val="accent1"/>
+                </a:fillRef>
+                <a:effectRef idx="0">
+                  <a:schemeClr val="accent1"/>
+                </a:effectRef>
+                <a:fontRef idx="minor">
+                  <a:schemeClr val="lt1"/>
+                </a:fontRef>
+              </p:style>
+              <p:txBody>
+                <a:bodyPr rtlCol="0" anchor="ctr"/>
+                <a:lstStyle/>
+                <a:p>
+                  <a:pPr algn="ctr"/>
+                  <a:endParaRPr lang="sv-SE"/>
+                </a:p>
+              </p:txBody>
+            </p:sp>
+          </p:grpSp>
+          <p:sp>
+            <p:nvSpPr>
+              <p:cNvPr id="65" name="Oval 64"/>
+              <p:cNvSpPr/>
+              <p:nvPr/>
+            </p:nvSpPr>
+            <p:spPr>
+              <a:xfrm rot="1744470">
+                <a:off x="7400992" y="641681"/>
+                <a:ext cx="291139" cy="146719"/>
+              </a:xfrm>
+              <a:prstGeom prst="ellipse">
+                <a:avLst/>
+              </a:prstGeom>
+              <a:ln>
+                <a:noFill/>
+              </a:ln>
+            </p:spPr>
+            <p:style>
+              <a:lnRef idx="2">
+                <a:schemeClr val="accent1">
+                  <a:shade val="50000"/>
+                </a:schemeClr>
+              </a:lnRef>
+              <a:fillRef idx="1">
+                <a:schemeClr val="accent1"/>
+              </a:fillRef>
+              <a:effectRef idx="0">
+                <a:schemeClr val="accent1"/>
+              </a:effectRef>
+              <a:fontRef idx="minor">
+                <a:schemeClr val="lt1"/>
+              </a:fontRef>
+            </p:style>
+            <p:txBody>
+              <a:bodyPr rtlCol="0" anchor="ctr"/>
+              <a:lstStyle/>
+              <a:p>
+                <a:pPr algn="ctr"/>
+                <a:endParaRPr lang="sv-SE"/>
+              </a:p>
+            </p:txBody>
+          </p:sp>
+        </p:grpSp>
+        <p:grpSp>
+          <p:nvGrpSpPr>
+            <p:cNvPr id="47" name="Group 46"/>
+            <p:cNvGrpSpPr/>
+            <p:nvPr/>
+          </p:nvGrpSpPr>
+          <p:grpSpPr>
+            <a:xfrm>
+              <a:off x="3553928" y="1874400"/>
+              <a:ext cx="433493" cy="426540"/>
+              <a:chOff x="3528071" y="1853970"/>
+              <a:chExt cx="433493" cy="426540"/>
+            </a:xfrm>
+          </p:grpSpPr>
+          <p:sp>
+            <p:nvSpPr>
+              <p:cNvPr id="40" name="Oval 39"/>
+              <p:cNvSpPr/>
+              <p:nvPr/>
+            </p:nvSpPr>
+            <p:spPr>
+              <a:xfrm rot="636239">
+                <a:off x="3571798" y="1925282"/>
+                <a:ext cx="389766" cy="355228"/>
+              </a:xfrm>
+              <a:prstGeom prst="ellipse">
+                <a:avLst/>
+              </a:prstGeom>
+              <a:solidFill>
+                <a:srgbClr val="4588C6"/>
+              </a:solidFill>
+              <a:ln w="25400">
+                <a:noFill/>
+              </a:ln>
+            </p:spPr>
+            <p:style>
+              <a:lnRef idx="2">
+                <a:schemeClr val="accent1">
+                  <a:shade val="50000"/>
+                </a:schemeClr>
+              </a:lnRef>
+              <a:fillRef idx="1">
+                <a:schemeClr val="accent1"/>
+              </a:fillRef>
+              <a:effectRef idx="0">
+                <a:schemeClr val="accent1"/>
+              </a:effectRef>
+              <a:fontRef idx="minor">
+                <a:schemeClr val="lt1"/>
+              </a:fontRef>
+            </p:style>
+            <p:txBody>
+              <a:bodyPr rtlCol="0" anchor="ctr"/>
+              <a:lstStyle/>
+              <a:p>
+                <a:pPr algn="ctr"/>
+                <a:endParaRPr lang="sv-SE" dirty="0"/>
+              </a:p>
+            </p:txBody>
+          </p:sp>
+          <p:sp>
+            <p:nvSpPr>
+              <p:cNvPr id="36" name="Oval 35"/>
+              <p:cNvSpPr/>
+              <p:nvPr/>
+            </p:nvSpPr>
+            <p:spPr>
+              <a:xfrm rot="636239">
+                <a:off x="3528071" y="1853970"/>
+                <a:ext cx="416612" cy="379695"/>
+              </a:xfrm>
+              <a:prstGeom prst="ellipse">
+                <a:avLst/>
+              </a:prstGeom>
+              <a:solidFill>
+                <a:schemeClr val="bg1"/>
+              </a:solidFill>
+              <a:ln w="25400">
+                <a:solidFill>
+                  <a:schemeClr val="tx1"/>
+                </a:solidFill>
+              </a:ln>
+            </p:spPr>
+            <p:style>
+              <a:lnRef idx="2">
+                <a:schemeClr val="accent1">
+                  <a:shade val="50000"/>
+                </a:schemeClr>
+              </a:lnRef>
+              <a:fillRef idx="1">
+                <a:schemeClr val="accent1"/>
+              </a:fillRef>
+              <a:effectRef idx="0">
+                <a:schemeClr val="accent1"/>
+              </a:effectRef>
+              <a:fontRef idx="minor">
+                <a:schemeClr val="lt1"/>
+              </a:fontRef>
+            </p:style>
+            <p:txBody>
+              <a:bodyPr rtlCol="0" anchor="ctr"/>
+              <a:lstStyle/>
+              <a:p>
+                <a:pPr algn="ctr"/>
+                <a:endParaRPr lang="sv-SE" dirty="0"/>
+              </a:p>
+            </p:txBody>
+          </p:sp>
+          <p:grpSp>
+            <p:nvGrpSpPr>
+              <p:cNvPr id="37" name="Group 36"/>
+              <p:cNvGrpSpPr/>
+              <p:nvPr/>
+            </p:nvGrpSpPr>
+            <p:grpSpPr>
+              <a:xfrm>
+                <a:off x="3618285" y="2018934"/>
+                <a:ext cx="117851" cy="107408"/>
+                <a:chOff x="7584667" y="2502885"/>
+                <a:chExt cx="117851" cy="107408"/>
+              </a:xfrm>
+            </p:grpSpPr>
+            <p:sp>
+              <p:nvSpPr>
+                <p:cNvPr id="38" name="Oval 37"/>
+                <p:cNvSpPr/>
+                <p:nvPr/>
+              </p:nvSpPr>
+              <p:spPr>
+                <a:xfrm rot="636239">
+                  <a:off x="7584667" y="2502885"/>
+                  <a:ext cx="117851" cy="107408"/>
+                </a:xfrm>
+                <a:prstGeom prst="ellipse">
+                  <a:avLst/>
+                </a:prstGeom>
+                <a:solidFill>
+                  <a:schemeClr val="tx1"/>
+                </a:solidFill>
+                <a:ln w="25400">
+                  <a:solidFill>
+                    <a:schemeClr val="tx1"/>
+                  </a:solidFill>
+                </a:ln>
+              </p:spPr>
+              <p:style>
+                <a:lnRef idx="2">
+                  <a:schemeClr val="accent1">
+                    <a:shade val="50000"/>
+                  </a:schemeClr>
+                </a:lnRef>
+                <a:fillRef idx="1">
+                  <a:schemeClr val="accent1"/>
+                </a:fillRef>
+                <a:effectRef idx="0">
+                  <a:schemeClr val="accent1"/>
+                </a:effectRef>
+                <a:fontRef idx="minor">
+                  <a:schemeClr val="lt1"/>
+                </a:fontRef>
+              </p:style>
+              <p:txBody>
+                <a:bodyPr rtlCol="0" anchor="ctr"/>
+                <a:lstStyle/>
+                <a:p>
+                  <a:pPr algn="ctr"/>
+                  <a:endParaRPr lang="sv-SE"/>
+                </a:p>
+              </p:txBody>
+            </p:sp>
+            <p:sp>
+              <p:nvSpPr>
+                <p:cNvPr id="39" name="Oval 38"/>
+                <p:cNvSpPr/>
+                <p:nvPr/>
+              </p:nvSpPr>
+              <p:spPr>
+                <a:xfrm rot="636239">
+                  <a:off x="7593419" y="2516929"/>
+                  <a:ext cx="59674" cy="54386"/>
+                </a:xfrm>
+                <a:prstGeom prst="ellipse">
+                  <a:avLst/>
+                </a:prstGeom>
+                <a:solidFill>
+                  <a:schemeClr val="bg1"/>
+                </a:solidFill>
+                <a:ln w="25400">
+                  <a:noFill/>
+                </a:ln>
+              </p:spPr>
+              <p:style>
+                <a:lnRef idx="2">
+                  <a:schemeClr val="accent1">
+                    <a:shade val="50000"/>
+                  </a:schemeClr>
+                </a:lnRef>
+                <a:fillRef idx="1">
+                  <a:schemeClr val="accent1"/>
+                </a:fillRef>
+                <a:effectRef idx="0">
+                  <a:schemeClr val="accent1"/>
+                </a:effectRef>
+                <a:fontRef idx="minor">
+                  <a:schemeClr val="lt1"/>
+                </a:fontRef>
+              </p:style>
+              <p:txBody>
+                <a:bodyPr rtlCol="0" anchor="ctr"/>
+                <a:lstStyle/>
+                <a:p>
+                  <a:pPr algn="ctr"/>
+                  <a:endParaRPr lang="sv-SE"/>
+                </a:p>
+              </p:txBody>
+            </p:sp>
+          </p:grpSp>
+        </p:grpSp>
+        <p:grpSp>
+          <p:nvGrpSpPr>
+            <p:cNvPr id="78" name="Group 77"/>
+            <p:cNvGrpSpPr/>
+            <p:nvPr/>
+          </p:nvGrpSpPr>
+          <p:grpSpPr>
+            <a:xfrm flipH="1">
+              <a:off x="3039357" y="1659274"/>
+              <a:ext cx="355166" cy="304321"/>
+              <a:chOff x="1318985" y="917893"/>
+              <a:chExt cx="355166" cy="304321"/>
+            </a:xfrm>
+          </p:grpSpPr>
+          <p:grpSp>
+            <p:nvGrpSpPr>
+              <p:cNvPr id="74" name="Group 73"/>
+              <p:cNvGrpSpPr/>
+              <p:nvPr/>
+            </p:nvGrpSpPr>
+            <p:grpSpPr>
+              <a:xfrm rot="10800000">
+                <a:off x="1367862" y="917893"/>
+                <a:ext cx="306289" cy="250324"/>
+                <a:chOff x="9813956" y="2128163"/>
+                <a:chExt cx="410597" cy="251109"/>
+              </a:xfrm>
+            </p:grpSpPr>
+            <p:sp>
+              <p:nvSpPr>
+                <p:cNvPr id="76" name="Oval 191"/>
+                <p:cNvSpPr/>
+                <p:nvPr/>
+              </p:nvSpPr>
+              <p:spPr>
+                <a:xfrm rot="8515235">
+                  <a:off x="9813956" y="2128163"/>
+                  <a:ext cx="410597" cy="251109"/>
+                </a:xfrm>
+                <a:custGeom>
+                  <a:avLst/>
+                  <a:gdLst>
+                    <a:gd name="connsiteX0" fmla="*/ 0 w 325085"/>
+                    <a:gd name="connsiteY0" fmla="*/ 125268 h 250535"/>
+                    <a:gd name="connsiteX1" fmla="*/ 162543 w 325085"/>
+                    <a:gd name="connsiteY1" fmla="*/ 0 h 250535"/>
+                    <a:gd name="connsiteX2" fmla="*/ 325086 w 325085"/>
+                    <a:gd name="connsiteY2" fmla="*/ 125268 h 250535"/>
+                    <a:gd name="connsiteX3" fmla="*/ 162543 w 325085"/>
+                    <a:gd name="connsiteY3" fmla="*/ 250536 h 250535"/>
+                    <a:gd name="connsiteX4" fmla="*/ 0 w 325085"/>
+                    <a:gd name="connsiteY4" fmla="*/ 125268 h 250535"/>
+                    <a:gd name="connsiteX0" fmla="*/ 0 w 410597"/>
+                    <a:gd name="connsiteY0" fmla="*/ 151279 h 251109"/>
+                    <a:gd name="connsiteX1" fmla="*/ 248054 w 410597"/>
+                    <a:gd name="connsiteY1" fmla="*/ 216 h 251109"/>
+                    <a:gd name="connsiteX2" fmla="*/ 410597 w 410597"/>
+                    <a:gd name="connsiteY2" fmla="*/ 125484 h 251109"/>
+                    <a:gd name="connsiteX3" fmla="*/ 248054 w 410597"/>
+                    <a:gd name="connsiteY3" fmla="*/ 250752 h 251109"/>
+                    <a:gd name="connsiteX4" fmla="*/ 0 w 410597"/>
+                    <a:gd name="connsiteY4" fmla="*/ 151279 h 251109"/>
+                  </a:gdLst>
+                  <a:ahLst/>
+                  <a:cxnLst>
+                    <a:cxn ang="0">
+                      <a:pos x="connsiteX0" y="connsiteY0"/>
+                    </a:cxn>
+                    <a:cxn ang="0">
+                      <a:pos x="connsiteX1" y="connsiteY1"/>
+                    </a:cxn>
+                    <a:cxn ang="0">
+                      <a:pos x="connsiteX2" y="connsiteY2"/>
+                    </a:cxn>
+                    <a:cxn ang="0">
+                      <a:pos x="connsiteX3" y="connsiteY3"/>
+                    </a:cxn>
+                    <a:cxn ang="0">
+                      <a:pos x="connsiteX4" y="connsiteY4"/>
+                    </a:cxn>
+                  </a:cxnLst>
+                  <a:rect l="l" t="t" r="r" b="b"/>
+                  <a:pathLst>
+                    <a:path w="410597" h="251109">
+                      <a:moveTo>
+                        <a:pt x="0" y="151279"/>
+                      </a:moveTo>
+                      <a:cubicBezTo>
+                        <a:pt x="0" y="82095"/>
+                        <a:pt x="179621" y="4515"/>
+                        <a:pt x="248054" y="216"/>
+                      </a:cubicBezTo>
+                      <a:cubicBezTo>
+                        <a:pt x="316487" y="-4083"/>
+                        <a:pt x="410597" y="56300"/>
+                        <a:pt x="410597" y="125484"/>
+                      </a:cubicBezTo>
+                      <a:cubicBezTo>
+                        <a:pt x="410597" y="194668"/>
+                        <a:pt x="316487" y="246453"/>
+                        <a:pt x="248054" y="250752"/>
+                      </a:cubicBezTo>
+                      <a:cubicBezTo>
+                        <a:pt x="179621" y="255051"/>
+                        <a:pt x="0" y="220463"/>
+                        <a:pt x="0" y="151279"/>
+                      </a:cubicBezTo>
+                      <a:close/>
+                    </a:path>
+                  </a:pathLst>
+                </a:custGeom>
+                <a:ln w="25400">
+                  <a:solidFill>
+                    <a:schemeClr val="tx1"/>
+                  </a:solidFill>
+                </a:ln>
+              </p:spPr>
+              <p:style>
+                <a:lnRef idx="2">
+                  <a:schemeClr val="accent1">
+                    <a:shade val="50000"/>
+                  </a:schemeClr>
+                </a:lnRef>
+                <a:fillRef idx="1">
+                  <a:schemeClr val="accent1"/>
+                </a:fillRef>
+                <a:effectRef idx="0">
+                  <a:schemeClr val="accent1"/>
+                </a:effectRef>
+                <a:fontRef idx="minor">
+                  <a:schemeClr val="lt1"/>
+                </a:fontRef>
+              </p:style>
+              <p:txBody>
+                <a:bodyPr rtlCol="0" anchor="ctr"/>
+                <a:lstStyle/>
+                <a:p>
+                  <a:pPr algn="ctr"/>
+                  <a:endParaRPr lang="sv-SE"/>
+                </a:p>
+              </p:txBody>
+            </p:sp>
+            <p:sp>
+              <p:nvSpPr>
+                <p:cNvPr id="77" name="Oval 192"/>
+                <p:cNvSpPr/>
+                <p:nvPr/>
+              </p:nvSpPr>
+              <p:spPr>
+                <a:xfrm rot="2961527">
+                  <a:off x="9967533" y="2115944"/>
+                  <a:ext cx="131177" cy="248618"/>
+                </a:xfrm>
+                <a:custGeom>
+                  <a:avLst/>
+                  <a:gdLst>
+                    <a:gd name="connsiteX0" fmla="*/ 0 w 130559"/>
+                    <a:gd name="connsiteY0" fmla="*/ 72364 h 144727"/>
+                    <a:gd name="connsiteX1" fmla="*/ 65280 w 130559"/>
+                    <a:gd name="connsiteY1" fmla="*/ 0 h 144727"/>
+                    <a:gd name="connsiteX2" fmla="*/ 130560 w 130559"/>
+                    <a:gd name="connsiteY2" fmla="*/ 72364 h 144727"/>
+                    <a:gd name="connsiteX3" fmla="*/ 65280 w 130559"/>
+                    <a:gd name="connsiteY3" fmla="*/ 144728 h 144727"/>
+                    <a:gd name="connsiteX4" fmla="*/ 0 w 130559"/>
+                    <a:gd name="connsiteY4" fmla="*/ 72364 h 144727"/>
+                    <a:gd name="connsiteX0" fmla="*/ 617 w 131177"/>
+                    <a:gd name="connsiteY0" fmla="*/ 176254 h 248618"/>
+                    <a:gd name="connsiteX1" fmla="*/ 44549 w 131177"/>
+                    <a:gd name="connsiteY1" fmla="*/ 0 h 248618"/>
+                    <a:gd name="connsiteX2" fmla="*/ 131177 w 131177"/>
+                    <a:gd name="connsiteY2" fmla="*/ 176254 h 248618"/>
+                    <a:gd name="connsiteX3" fmla="*/ 65897 w 131177"/>
+                    <a:gd name="connsiteY3" fmla="*/ 248618 h 248618"/>
+                    <a:gd name="connsiteX4" fmla="*/ 617 w 131177"/>
+                    <a:gd name="connsiteY4" fmla="*/ 176254 h 248618"/>
+                  </a:gdLst>
+                  <a:ahLst/>
+                  <a:cxnLst>
+                    <a:cxn ang="0">
+                      <a:pos x="connsiteX0" y="connsiteY0"/>
+                    </a:cxn>
+                    <a:cxn ang="0">
+                      <a:pos x="connsiteX1" y="connsiteY1"/>
+                    </a:cxn>
+                    <a:cxn ang="0">
+                      <a:pos x="connsiteX2" y="connsiteY2"/>
+                    </a:cxn>
+                    <a:cxn ang="0">
+                      <a:pos x="connsiteX3" y="connsiteY3"/>
+                    </a:cxn>
+                    <a:cxn ang="0">
+                      <a:pos x="connsiteX4" y="connsiteY4"/>
+                    </a:cxn>
+                  </a:cxnLst>
+                  <a:rect l="l" t="t" r="r" b="b"/>
+                  <a:pathLst>
+                    <a:path w="131177" h="248618">
+                      <a:moveTo>
+                        <a:pt x="617" y="176254"/>
+                      </a:moveTo>
+                      <a:cubicBezTo>
+                        <a:pt x="-2941" y="134818"/>
+                        <a:pt x="8496" y="0"/>
+                        <a:pt x="44549" y="0"/>
+                      </a:cubicBezTo>
+                      <a:cubicBezTo>
+                        <a:pt x="80602" y="0"/>
+                        <a:pt x="131177" y="136288"/>
+                        <a:pt x="131177" y="176254"/>
+                      </a:cubicBezTo>
+                      <a:cubicBezTo>
+                        <a:pt x="131177" y="216220"/>
+                        <a:pt x="101950" y="248618"/>
+                        <a:pt x="65897" y="248618"/>
+                      </a:cubicBezTo>
+                      <a:cubicBezTo>
+                        <a:pt x="29844" y="248618"/>
+                        <a:pt x="4175" y="217690"/>
+                        <a:pt x="617" y="176254"/>
+                      </a:cubicBezTo>
+                      <a:close/>
+                    </a:path>
+                  </a:pathLst>
+                </a:custGeom>
+                <a:solidFill>
+                  <a:schemeClr val="accent1">
+                    <a:lumMod val="75000"/>
+                    <a:alpha val="49000"/>
+                  </a:schemeClr>
+                </a:solidFill>
+                <a:ln w="25400">
+                  <a:noFill/>
+                </a:ln>
+              </p:spPr>
+              <p:style>
+                <a:lnRef idx="2">
+                  <a:schemeClr val="accent1">
+                    <a:shade val="50000"/>
+                  </a:schemeClr>
+                </a:lnRef>
+                <a:fillRef idx="1">
+                  <a:schemeClr val="accent1"/>
+                </a:fillRef>
+                <a:effectRef idx="0">
+                  <a:schemeClr val="accent1"/>
+                </a:effectRef>
+                <a:fontRef idx="minor">
+                  <a:schemeClr val="lt1"/>
+                </a:fontRef>
+              </p:style>
+              <p:txBody>
+                <a:bodyPr rtlCol="0" anchor="ctr"/>
+                <a:lstStyle/>
+                <a:p>
+                  <a:pPr algn="ctr"/>
+                  <a:endParaRPr lang="sv-SE"/>
+                </a:p>
+              </p:txBody>
+            </p:sp>
+          </p:grpSp>
+          <p:sp>
+            <p:nvSpPr>
+              <p:cNvPr id="75" name="Oval 74"/>
+              <p:cNvSpPr/>
+              <p:nvPr/>
+            </p:nvSpPr>
+            <p:spPr>
+              <a:xfrm rot="1744470">
+                <a:off x="1318985" y="1075495"/>
+                <a:ext cx="291139" cy="146719"/>
+              </a:xfrm>
+              <a:prstGeom prst="ellipse">
+                <a:avLst/>
+              </a:prstGeom>
+              <a:ln>
+                <a:noFill/>
+              </a:ln>
+            </p:spPr>
+            <p:style>
+              <a:lnRef idx="2">
+                <a:schemeClr val="accent1">
+                  <a:shade val="50000"/>
+                </a:schemeClr>
+              </a:lnRef>
+              <a:fillRef idx="1">
+                <a:schemeClr val="accent1"/>
+              </a:fillRef>
+              <a:effectRef idx="0">
+                <a:schemeClr val="accent1"/>
+              </a:effectRef>
+              <a:fontRef idx="minor">
+                <a:schemeClr val="lt1"/>
+              </a:fontRef>
+            </p:style>
+            <p:txBody>
+              <a:bodyPr rtlCol="0" anchor="ctr"/>
+              <a:lstStyle/>
+              <a:p>
+                <a:pPr algn="ctr"/>
+                <a:endParaRPr lang="sv-SE"/>
+              </a:p>
+            </p:txBody>
+          </p:sp>
+        </p:grpSp>
+        <p:grpSp>
+          <p:nvGrpSpPr>
+            <p:cNvPr id="46" name="Group 45"/>
+            <p:cNvGrpSpPr/>
+            <p:nvPr/>
+          </p:nvGrpSpPr>
+          <p:grpSpPr>
+            <a:xfrm>
+              <a:off x="3119109" y="1877830"/>
+              <a:ext cx="386931" cy="393974"/>
+              <a:chOff x="3119109" y="1877830"/>
+              <a:chExt cx="386931" cy="393974"/>
+            </a:xfrm>
+          </p:grpSpPr>
+          <p:sp>
+            <p:nvSpPr>
+              <p:cNvPr id="41" name="Oval 40"/>
+              <p:cNvSpPr/>
+              <p:nvPr/>
+            </p:nvSpPr>
+            <p:spPr>
+              <a:xfrm rot="636239">
+                <a:off x="3137747" y="1936146"/>
+                <a:ext cx="368293" cy="335658"/>
+              </a:xfrm>
+              <a:prstGeom prst="ellipse">
+                <a:avLst/>
+              </a:prstGeom>
+              <a:solidFill>
+                <a:srgbClr val="4588C6"/>
+              </a:solidFill>
+              <a:ln w="25400">
+                <a:noFill/>
+              </a:ln>
+            </p:spPr>
+            <p:style>
+              <a:lnRef idx="2">
+                <a:schemeClr val="accent1">
+                  <a:shade val="50000"/>
+                </a:schemeClr>
+              </a:lnRef>
+              <a:fillRef idx="1">
+                <a:schemeClr val="accent1"/>
+              </a:fillRef>
+              <a:effectRef idx="0">
+                <a:schemeClr val="accent1"/>
+              </a:effectRef>
+              <a:fontRef idx="minor">
+                <a:schemeClr val="lt1"/>
+              </a:fontRef>
+            </p:style>
+            <p:txBody>
+              <a:bodyPr rtlCol="0" anchor="ctr"/>
+              <a:lstStyle/>
+              <a:p>
+                <a:pPr algn="ctr"/>
+                <a:endParaRPr lang="sv-SE" dirty="0"/>
+              </a:p>
+            </p:txBody>
+          </p:sp>
+          <p:sp>
+            <p:nvSpPr>
+              <p:cNvPr id="42" name="Oval 41"/>
+              <p:cNvSpPr/>
+              <p:nvPr/>
+            </p:nvSpPr>
+            <p:spPr>
+              <a:xfrm rot="636239">
+                <a:off x="3119109" y="1877830"/>
+                <a:ext cx="380291" cy="346592"/>
+              </a:xfrm>
+              <a:prstGeom prst="ellipse">
+                <a:avLst/>
+              </a:prstGeom>
+              <a:solidFill>
+                <a:schemeClr val="bg1"/>
+              </a:solidFill>
+              <a:ln w="25400">
+                <a:solidFill>
+                  <a:schemeClr val="tx1"/>
+                </a:solidFill>
+              </a:ln>
+            </p:spPr>
+            <p:style>
+              <a:lnRef idx="2">
+                <a:schemeClr val="accent1">
+                  <a:shade val="50000"/>
+                </a:schemeClr>
+              </a:lnRef>
+              <a:fillRef idx="1">
+                <a:schemeClr val="accent1"/>
+              </a:fillRef>
+              <a:effectRef idx="0">
+                <a:schemeClr val="accent1"/>
+              </a:effectRef>
+              <a:fontRef idx="minor">
+                <a:schemeClr val="lt1"/>
+              </a:fontRef>
+            </p:style>
+            <p:txBody>
+              <a:bodyPr rtlCol="0" anchor="ctr"/>
+              <a:lstStyle/>
+              <a:p>
+                <a:pPr algn="ctr"/>
+                <a:endParaRPr lang="sv-SE"/>
+              </a:p>
+            </p:txBody>
+          </p:sp>
+          <p:grpSp>
+            <p:nvGrpSpPr>
+              <p:cNvPr id="43" name="Group 42"/>
+              <p:cNvGrpSpPr/>
+              <p:nvPr/>
+            </p:nvGrpSpPr>
+            <p:grpSpPr>
+              <a:xfrm>
+                <a:off x="3274560" y="2046337"/>
+                <a:ext cx="117851" cy="107408"/>
+                <a:chOff x="7181421" y="2482028"/>
+                <a:chExt cx="117851" cy="107408"/>
+              </a:xfrm>
+            </p:grpSpPr>
+            <p:sp>
+              <p:nvSpPr>
+                <p:cNvPr id="44" name="Oval 43"/>
+                <p:cNvSpPr/>
+                <p:nvPr/>
+              </p:nvSpPr>
+              <p:spPr>
+                <a:xfrm rot="636239">
+                  <a:off x="7181421" y="2482028"/>
+                  <a:ext cx="117851" cy="107408"/>
+                </a:xfrm>
+                <a:prstGeom prst="ellipse">
+                  <a:avLst/>
+                </a:prstGeom>
+                <a:solidFill>
+                  <a:schemeClr val="tx1"/>
+                </a:solidFill>
+                <a:ln w="25400">
+                  <a:solidFill>
+                    <a:schemeClr val="tx1"/>
+                  </a:solidFill>
+                </a:ln>
+              </p:spPr>
+              <p:style>
+                <a:lnRef idx="2">
+                  <a:schemeClr val="accent1">
+                    <a:shade val="50000"/>
+                  </a:schemeClr>
+                </a:lnRef>
+                <a:fillRef idx="1">
+                  <a:schemeClr val="accent1"/>
+                </a:fillRef>
+                <a:effectRef idx="0">
+                  <a:schemeClr val="accent1"/>
+                </a:effectRef>
+                <a:fontRef idx="minor">
+                  <a:schemeClr val="lt1"/>
+                </a:fontRef>
+              </p:style>
+              <p:txBody>
+                <a:bodyPr rtlCol="0" anchor="ctr"/>
+                <a:lstStyle/>
+                <a:p>
+                  <a:pPr algn="ctr"/>
+                  <a:endParaRPr lang="sv-SE"/>
+                </a:p>
+              </p:txBody>
+            </p:sp>
+            <p:sp>
+              <p:nvSpPr>
+                <p:cNvPr id="45" name="Oval 44"/>
+                <p:cNvSpPr/>
+                <p:nvPr/>
+              </p:nvSpPr>
+              <p:spPr>
+                <a:xfrm rot="636239">
+                  <a:off x="7196361" y="2498943"/>
+                  <a:ext cx="59674" cy="54386"/>
+                </a:xfrm>
+                <a:prstGeom prst="ellipse">
+                  <a:avLst/>
+                </a:prstGeom>
+                <a:solidFill>
+                  <a:schemeClr val="bg1"/>
+                </a:solidFill>
+                <a:ln w="25400">
+                  <a:noFill/>
+                </a:ln>
+              </p:spPr>
+              <p:style>
+                <a:lnRef idx="2">
+                  <a:schemeClr val="accent1">
+                    <a:shade val="50000"/>
+                  </a:schemeClr>
+                </a:lnRef>
+                <a:fillRef idx="1">
+                  <a:schemeClr val="accent1"/>
+                </a:fillRef>
+                <a:effectRef idx="0">
+                  <a:schemeClr val="accent1"/>
+                </a:effectRef>
+                <a:fontRef idx="minor">
+                  <a:schemeClr val="lt1"/>
+                </a:fontRef>
+              </p:style>
+              <p:txBody>
+                <a:bodyPr rtlCol="0" anchor="ctr"/>
+                <a:lstStyle/>
+                <a:p>
+                  <a:pPr algn="ctr"/>
+                  <a:endParaRPr lang="sv-SE"/>
+                </a:p>
+              </p:txBody>
+            </p:sp>
+          </p:grpSp>
+        </p:grpSp>
+        <p:grpSp>
+          <p:nvGrpSpPr>
+            <p:cNvPr id="49" name="Group 48"/>
+            <p:cNvGrpSpPr/>
+            <p:nvPr/>
+          </p:nvGrpSpPr>
+          <p:grpSpPr>
+            <a:xfrm>
+              <a:off x="3372890" y="2129046"/>
+              <a:ext cx="312266" cy="291425"/>
+              <a:chOff x="5516584" y="2013758"/>
+              <a:chExt cx="312266" cy="291425"/>
+            </a:xfrm>
+          </p:grpSpPr>
+          <p:sp>
+            <p:nvSpPr>
+              <p:cNvPr id="50" name="Rounded Rectangle 49"/>
+              <p:cNvSpPr/>
+              <p:nvPr/>
+            </p:nvSpPr>
+            <p:spPr>
+              <a:xfrm rot="21001861">
+                <a:off x="5598815" y="2148044"/>
+                <a:ext cx="90939" cy="157139"/>
+              </a:xfrm>
+              <a:prstGeom prst="roundRect">
+                <a:avLst>
+                  <a:gd name="adj" fmla="val 42355"/>
+                </a:avLst>
+              </a:prstGeom>
+              <a:solidFill>
+                <a:schemeClr val="bg1"/>
+              </a:solidFill>
+              <a:ln w="25400">
+                <a:solidFill>
+                  <a:schemeClr val="tx1"/>
+                </a:solidFill>
+              </a:ln>
+            </p:spPr>
+            <p:style>
+              <a:lnRef idx="2">
+                <a:schemeClr val="accent1">
+                  <a:shade val="50000"/>
+                </a:schemeClr>
+              </a:lnRef>
+              <a:fillRef idx="1">
+                <a:schemeClr val="accent1"/>
+              </a:fillRef>
+              <a:effectRef idx="0">
+                <a:schemeClr val="accent1"/>
+              </a:effectRef>
+              <a:fontRef idx="minor">
+                <a:schemeClr val="lt1"/>
+              </a:fontRef>
+            </p:style>
+            <p:txBody>
+              <a:bodyPr rtlCol="0" anchor="ctr"/>
+              <a:lstStyle/>
+              <a:p>
+                <a:pPr algn="ctr"/>
+                <a:endParaRPr lang="sv-SE"/>
+              </a:p>
+            </p:txBody>
+          </p:sp>
+          <p:sp>
+            <p:nvSpPr>
+              <p:cNvPr id="51" name="Rounded Rectangle 50"/>
+              <p:cNvSpPr/>
+              <p:nvPr/>
+            </p:nvSpPr>
+            <p:spPr>
+              <a:xfrm rot="155068">
+                <a:off x="5685497" y="2147504"/>
+                <a:ext cx="88428" cy="156462"/>
+              </a:xfrm>
+              <a:prstGeom prst="roundRect">
+                <a:avLst>
+                  <a:gd name="adj" fmla="val 34058"/>
+                </a:avLst>
+              </a:prstGeom>
+              <a:solidFill>
+                <a:schemeClr val="bg1"/>
+              </a:solidFill>
+              <a:ln w="25400">
+                <a:solidFill>
+                  <a:schemeClr val="tx1"/>
+                </a:solidFill>
+              </a:ln>
+            </p:spPr>
+            <p:style>
+              <a:lnRef idx="2">
+                <a:schemeClr val="accent1">
+                  <a:shade val="50000"/>
+                </a:schemeClr>
+              </a:lnRef>
+              <a:fillRef idx="1">
+                <a:schemeClr val="accent1"/>
+              </a:fillRef>
+              <a:effectRef idx="0">
+                <a:schemeClr val="accent1"/>
+              </a:effectRef>
+              <a:fontRef idx="minor">
+                <a:schemeClr val="lt1"/>
+              </a:fontRef>
+            </p:style>
+            <p:txBody>
+              <a:bodyPr rtlCol="0" anchor="ctr"/>
+              <a:lstStyle/>
+              <a:p>
+                <a:pPr algn="ctr"/>
+                <a:endParaRPr lang="sv-SE"/>
+              </a:p>
+            </p:txBody>
+          </p:sp>
+          <p:sp>
+            <p:nvSpPr>
+              <p:cNvPr id="52" name="Oval 9"/>
+              <p:cNvSpPr/>
+              <p:nvPr/>
+            </p:nvSpPr>
+            <p:spPr>
+              <a:xfrm rot="92648">
+                <a:off x="5516584" y="2095333"/>
+                <a:ext cx="312266" cy="136776"/>
+              </a:xfrm>
+              <a:prstGeom prst="ellipse">
+                <a:avLst/>
+              </a:prstGeom>
+              <a:solidFill>
+                <a:srgbClr val="CC9F6E"/>
+              </a:solidFill>
+              <a:ln w="25400">
+                <a:solidFill>
+                  <a:schemeClr val="tx1"/>
+                </a:solidFill>
+              </a:ln>
+            </p:spPr>
+            <p:style>
+              <a:lnRef idx="2">
+                <a:schemeClr val="accent1">
+                  <a:shade val="50000"/>
+                </a:schemeClr>
+              </a:lnRef>
+              <a:fillRef idx="1">
+                <a:schemeClr val="accent1"/>
+              </a:fillRef>
+              <a:effectRef idx="0">
+                <a:schemeClr val="accent1"/>
+              </a:effectRef>
+              <a:fontRef idx="minor">
+                <a:schemeClr val="lt1"/>
+              </a:fontRef>
+            </p:style>
+            <p:txBody>
+              <a:bodyPr rtlCol="0" anchor="ctr"/>
+              <a:lstStyle/>
+              <a:p>
+                <a:pPr algn="ctr"/>
+                <a:endParaRPr lang="sv-SE"/>
+              </a:p>
+            </p:txBody>
+          </p:sp>
+          <p:grpSp>
+            <p:nvGrpSpPr>
+              <p:cNvPr id="53" name="Group 52"/>
+              <p:cNvGrpSpPr/>
+              <p:nvPr/>
+            </p:nvGrpSpPr>
+            <p:grpSpPr>
+              <a:xfrm>
+                <a:off x="5587027" y="2013758"/>
+                <a:ext cx="154514" cy="107408"/>
+                <a:chOff x="7359492" y="2650579"/>
+                <a:chExt cx="154514" cy="107408"/>
+              </a:xfrm>
+            </p:grpSpPr>
+            <p:sp>
+              <p:nvSpPr>
+                <p:cNvPr id="54" name="Oval 53"/>
+                <p:cNvSpPr/>
+                <p:nvPr/>
+              </p:nvSpPr>
+              <p:spPr>
+                <a:xfrm rot="117027">
+                  <a:off x="7359492" y="2650579"/>
+                  <a:ext cx="154514" cy="107408"/>
+                </a:xfrm>
+                <a:prstGeom prst="ellipse">
+                  <a:avLst/>
+                </a:prstGeom>
+                <a:solidFill>
+                  <a:schemeClr val="tx1"/>
+                </a:solidFill>
+                <a:ln w="25400">
+                  <a:solidFill>
+                    <a:schemeClr val="tx1"/>
+                  </a:solidFill>
+                </a:ln>
+              </p:spPr>
+              <p:style>
+                <a:lnRef idx="2">
+                  <a:schemeClr val="accent1">
+                    <a:shade val="50000"/>
+                  </a:schemeClr>
+                </a:lnRef>
+                <a:fillRef idx="1">
+                  <a:schemeClr val="accent1"/>
+                </a:fillRef>
+                <a:effectRef idx="0">
+                  <a:schemeClr val="accent1"/>
+                </a:effectRef>
+                <a:fontRef idx="minor">
+                  <a:schemeClr val="lt1"/>
+                </a:fontRef>
+              </p:style>
+              <p:txBody>
+                <a:bodyPr rtlCol="0" anchor="ctr"/>
+                <a:lstStyle/>
+                <a:p>
+                  <a:pPr algn="ctr"/>
+                  <a:endParaRPr lang="sv-SE"/>
+                </a:p>
+              </p:txBody>
+            </p:sp>
+            <p:sp>
+              <p:nvSpPr>
+                <p:cNvPr id="55" name="Oval 54"/>
+                <p:cNvSpPr/>
+                <p:nvPr/>
+              </p:nvSpPr>
+              <p:spPr>
+                <a:xfrm rot="636239">
+                  <a:off x="7383110" y="2670666"/>
+                  <a:ext cx="49175" cy="34137"/>
+                </a:xfrm>
+                <a:prstGeom prst="ellipse">
+                  <a:avLst/>
+                </a:prstGeom>
+                <a:solidFill>
+                  <a:schemeClr val="bg1"/>
+                </a:solidFill>
+                <a:ln w="25400">
+                  <a:noFill/>
+                </a:ln>
+              </p:spPr>
+              <p:style>
+                <a:lnRef idx="2">
+                  <a:schemeClr val="accent1">
+                    <a:shade val="50000"/>
+                  </a:schemeClr>
+                </a:lnRef>
+                <a:fillRef idx="1">
+                  <a:schemeClr val="accent1"/>
+                </a:fillRef>
+                <a:effectRef idx="0">
+                  <a:schemeClr val="accent1"/>
+                </a:effectRef>
+                <a:fontRef idx="minor">
+                  <a:schemeClr val="lt1"/>
+                </a:fontRef>
+              </p:style>
+              <p:txBody>
+                <a:bodyPr rtlCol="0" anchor="ctr"/>
+                <a:lstStyle/>
+                <a:p>
+                  <a:pPr algn="ctr"/>
+                  <a:endParaRPr lang="sv-SE"/>
+                </a:p>
+              </p:txBody>
+            </p:sp>
+          </p:grpSp>
+        </p:grpSp>
+      </p:grpSp>
+    </p:spTree>
+    <p:extLst>
+      <p:ext uri="{BB962C8B-B14F-4D97-AF65-F5344CB8AC3E}">
+        <p14:creationId xmlns:p14="http://schemas.microsoft.com/office/powerpoint/2010/main" val="3563257418"/>
+      </p:ext>
+    </p:extLst>
+  </p:cSld>
+  <p:clrMapOvr>
+    <a:masterClrMapping/>
+  </p:clrMapOvr>
+</p:sld>
+</file>
+
 <file path=ppt/theme/theme1.xml><?xml version="1.0" encoding="utf-8"?>
 <a:theme xmlns:a="http://schemas.openxmlformats.org/drawingml/2006/main" name="Office Theme">
   <a:themeElements>

--- a/gophers.pptx
+++ b/gophers.pptx
@@ -15,8 +15,9 @@
     <p:sldId id="264" r:id="rId9"/>
     <p:sldId id="266" r:id="rId10"/>
     <p:sldId id="267" r:id="rId11"/>
-    <p:sldId id="268" r:id="rId12"/>
-    <p:sldId id="269" r:id="rId13"/>
+    <p:sldId id="270" r:id="rId12"/>
+    <p:sldId id="268" r:id="rId13"/>
+    <p:sldId id="269" r:id="rId14"/>
   </p:sldIdLst>
   <p:sldSz cx="12192000" cy="6858000"/>
   <p:notesSz cx="6858000" cy="9144000"/>
@@ -8476,6 +8477,2895 @@
       </p:grpSpPr>
       <p:sp>
         <p:nvSpPr>
+          <p:cNvPr id="5" name="Freeform 4"/>
+          <p:cNvSpPr/>
+          <p:nvPr/>
+        </p:nvSpPr>
+        <p:spPr>
+          <a:xfrm rot="8743542">
+            <a:off x="4889497" y="3719447"/>
+            <a:ext cx="356550" cy="206238"/>
+          </a:xfrm>
+          <a:custGeom>
+            <a:avLst/>
+            <a:gdLst>
+              <a:gd name="connsiteX0" fmla="*/ 279941 w 578895"/>
+              <a:gd name="connsiteY0" fmla="*/ 5179 h 369751"/>
+              <a:gd name="connsiteX1" fmla="*/ 578752 w 578895"/>
+              <a:gd name="connsiteY1" fmla="*/ 155061 h 369751"/>
+              <a:gd name="connsiteX2" fmla="*/ 118421 w 578895"/>
+              <a:gd name="connsiteY2" fmla="*/ 367303 h 369751"/>
+              <a:gd name="connsiteX3" fmla="*/ 23092 w 578895"/>
+              <a:gd name="connsiteY3" fmla="*/ 369606 h 369751"/>
+              <a:gd name="connsiteX4" fmla="*/ 0 w 578895"/>
+              <a:gd name="connsiteY4" fmla="*/ 368304 h 369751"/>
+              <a:gd name="connsiteX5" fmla="*/ 0 w 578895"/>
+              <a:gd name="connsiteY5" fmla="*/ 12258 h 369751"/>
+              <a:gd name="connsiteX6" fmla="*/ 505 w 578895"/>
+              <a:gd name="connsiteY6" fmla="*/ 12164 h 369751"/>
+              <a:gd name="connsiteX7" fmla="*/ 95367 w 578895"/>
+              <a:gd name="connsiteY7" fmla="*/ 2449 h 369751"/>
+              <a:gd name="connsiteX8" fmla="*/ 279941 w 578895"/>
+              <a:gd name="connsiteY8" fmla="*/ 5179 h 369751"/>
+              <a:gd name="connsiteX0" fmla="*/ 279941 w 578895"/>
+              <a:gd name="connsiteY0" fmla="*/ 5179 h 369751"/>
+              <a:gd name="connsiteX1" fmla="*/ 578752 w 578895"/>
+              <a:gd name="connsiteY1" fmla="*/ 155061 h 369751"/>
+              <a:gd name="connsiteX2" fmla="*/ 118421 w 578895"/>
+              <a:gd name="connsiteY2" fmla="*/ 367303 h 369751"/>
+              <a:gd name="connsiteX3" fmla="*/ 23092 w 578895"/>
+              <a:gd name="connsiteY3" fmla="*/ 369606 h 369751"/>
+              <a:gd name="connsiteX4" fmla="*/ 0 w 578895"/>
+              <a:gd name="connsiteY4" fmla="*/ 368304 h 369751"/>
+              <a:gd name="connsiteX5" fmla="*/ 1303 w 578895"/>
+              <a:gd name="connsiteY5" fmla="*/ 209922 h 369751"/>
+              <a:gd name="connsiteX6" fmla="*/ 0 w 578895"/>
+              <a:gd name="connsiteY6" fmla="*/ 12258 h 369751"/>
+              <a:gd name="connsiteX7" fmla="*/ 505 w 578895"/>
+              <a:gd name="connsiteY7" fmla="*/ 12164 h 369751"/>
+              <a:gd name="connsiteX8" fmla="*/ 95367 w 578895"/>
+              <a:gd name="connsiteY8" fmla="*/ 2449 h 369751"/>
+              <a:gd name="connsiteX9" fmla="*/ 279941 w 578895"/>
+              <a:gd name="connsiteY9" fmla="*/ 5179 h 369751"/>
+              <a:gd name="connsiteX0" fmla="*/ 340282 w 639236"/>
+              <a:gd name="connsiteY0" fmla="*/ 5179 h 369751"/>
+              <a:gd name="connsiteX1" fmla="*/ 639093 w 639236"/>
+              <a:gd name="connsiteY1" fmla="*/ 155061 h 369751"/>
+              <a:gd name="connsiteX2" fmla="*/ 178762 w 639236"/>
+              <a:gd name="connsiteY2" fmla="*/ 367303 h 369751"/>
+              <a:gd name="connsiteX3" fmla="*/ 83433 w 639236"/>
+              <a:gd name="connsiteY3" fmla="*/ 369606 h 369751"/>
+              <a:gd name="connsiteX4" fmla="*/ 60341 w 639236"/>
+              <a:gd name="connsiteY4" fmla="*/ 368304 h 369751"/>
+              <a:gd name="connsiteX5" fmla="*/ 2 w 639236"/>
+              <a:gd name="connsiteY5" fmla="*/ 181615 h 369751"/>
+              <a:gd name="connsiteX6" fmla="*/ 60341 w 639236"/>
+              <a:gd name="connsiteY6" fmla="*/ 12258 h 369751"/>
+              <a:gd name="connsiteX7" fmla="*/ 60846 w 639236"/>
+              <a:gd name="connsiteY7" fmla="*/ 12164 h 369751"/>
+              <a:gd name="connsiteX8" fmla="*/ 155708 w 639236"/>
+              <a:gd name="connsiteY8" fmla="*/ 2449 h 369751"/>
+              <a:gd name="connsiteX9" fmla="*/ 340282 w 639236"/>
+              <a:gd name="connsiteY9" fmla="*/ 5179 h 369751"/>
+            </a:gdLst>
+            <a:ahLst/>
+            <a:cxnLst>
+              <a:cxn ang="0">
+                <a:pos x="connsiteX0" y="connsiteY0"/>
+              </a:cxn>
+              <a:cxn ang="0">
+                <a:pos x="connsiteX1" y="connsiteY1"/>
+              </a:cxn>
+              <a:cxn ang="0">
+                <a:pos x="connsiteX2" y="connsiteY2"/>
+              </a:cxn>
+              <a:cxn ang="0">
+                <a:pos x="connsiteX3" y="connsiteY3"/>
+              </a:cxn>
+              <a:cxn ang="0">
+                <a:pos x="connsiteX4" y="connsiteY4"/>
+              </a:cxn>
+              <a:cxn ang="0">
+                <a:pos x="connsiteX5" y="connsiteY5"/>
+              </a:cxn>
+              <a:cxn ang="0">
+                <a:pos x="connsiteX6" y="connsiteY6"/>
+              </a:cxn>
+              <a:cxn ang="0">
+                <a:pos x="connsiteX7" y="connsiteY7"/>
+              </a:cxn>
+              <a:cxn ang="0">
+                <a:pos x="connsiteX8" y="connsiteY8"/>
+              </a:cxn>
+              <a:cxn ang="0">
+                <a:pos x="connsiteX9" y="connsiteY9"/>
+              </a:cxn>
+            </a:cxnLst>
+            <a:rect l="l" t="t" r="r" b="b"/>
+            <a:pathLst>
+              <a:path w="639236" h="369751">
+                <a:moveTo>
+                  <a:pt x="340282" y="5179"/>
+                </a:moveTo>
+                <a:cubicBezTo>
+                  <a:pt x="511389" y="22172"/>
+                  <a:pt x="634318" y="79497"/>
+                  <a:pt x="639093" y="155061"/>
+                </a:cubicBezTo>
+                <a:cubicBezTo>
+                  <a:pt x="645459" y="255813"/>
+                  <a:pt x="439362" y="350837"/>
+                  <a:pt x="178762" y="367303"/>
+                </a:cubicBezTo>
+                <a:cubicBezTo>
+                  <a:pt x="146187" y="369362"/>
+                  <a:pt x="114302" y="370095"/>
+                  <a:pt x="83433" y="369606"/>
+                </a:cubicBezTo>
+                <a:lnTo>
+                  <a:pt x="60341" y="368304"/>
+                </a:lnTo>
+                <a:cubicBezTo>
+                  <a:pt x="60775" y="315510"/>
+                  <a:pt x="-432" y="234409"/>
+                  <a:pt x="2" y="181615"/>
+                </a:cubicBezTo>
+                <a:cubicBezTo>
+                  <a:pt x="-432" y="115727"/>
+                  <a:pt x="60775" y="78146"/>
+                  <a:pt x="60341" y="12258"/>
+                </a:cubicBezTo>
+                <a:lnTo>
+                  <a:pt x="60846" y="12164"/>
+                </a:lnTo>
+                <a:cubicBezTo>
+                  <a:pt x="91410" y="7793"/>
+                  <a:pt x="123133" y="4507"/>
+                  <a:pt x="155708" y="2449"/>
+                </a:cubicBezTo>
+                <a:cubicBezTo>
+                  <a:pt x="220858" y="-1668"/>
+                  <a:pt x="283247" y="-485"/>
+                  <a:pt x="340282" y="5179"/>
+                </a:cubicBezTo>
+                <a:close/>
+              </a:path>
+            </a:pathLst>
+          </a:custGeom>
+          <a:solidFill>
+            <a:srgbClr val="CC9F6E"/>
+          </a:solidFill>
+          <a:ln w="25400">
+            <a:solidFill>
+              <a:schemeClr val="tx1"/>
+            </a:solidFill>
+          </a:ln>
+        </p:spPr>
+        <p:style>
+          <a:lnRef idx="2">
+            <a:schemeClr val="accent1">
+              <a:shade val="50000"/>
+            </a:schemeClr>
+          </a:lnRef>
+          <a:fillRef idx="1">
+            <a:schemeClr val="accent1"/>
+          </a:fillRef>
+          <a:effectRef idx="0">
+            <a:schemeClr val="accent1"/>
+          </a:effectRef>
+          <a:fontRef idx="minor">
+            <a:schemeClr val="lt1"/>
+          </a:fontRef>
+        </p:style>
+        <p:txBody>
+          <a:bodyPr rtlCol="0" anchor="ctr"/>
+          <a:lstStyle/>
+          <a:p>
+            <a:pPr algn="ctr"/>
+            <a:endParaRPr lang="sv-SE"/>
+          </a:p>
+        </p:txBody>
+      </p:sp>
+      <p:sp>
+        <p:nvSpPr>
+          <p:cNvPr id="40" name="Freeform 39"/>
+          <p:cNvSpPr/>
+          <p:nvPr/>
+        </p:nvSpPr>
+        <p:spPr>
+          <a:xfrm>
+            <a:off x="4960004" y="3551308"/>
+            <a:ext cx="313517" cy="265013"/>
+          </a:xfrm>
+          <a:custGeom>
+            <a:avLst/>
+            <a:gdLst>
+              <a:gd name="connsiteX0" fmla="*/ 166216 w 313517"/>
+              <a:gd name="connsiteY0" fmla="*/ 1220 h 265013"/>
+              <a:gd name="connsiteX1" fmla="*/ 304538 w 313517"/>
+              <a:gd name="connsiteY1" fmla="*/ 64819 h 265013"/>
+              <a:gd name="connsiteX2" fmla="*/ 208925 w 313517"/>
+              <a:gd name="connsiteY2" fmla="*/ 246397 h 265013"/>
+              <a:gd name="connsiteX3" fmla="*/ 8980 w 313517"/>
+              <a:gd name="connsiteY3" fmla="*/ 200195 h 265013"/>
+              <a:gd name="connsiteX4" fmla="*/ 104594 w 313517"/>
+              <a:gd name="connsiteY4" fmla="*/ 18617 h 265013"/>
+              <a:gd name="connsiteX5" fmla="*/ 166216 w 313517"/>
+              <a:gd name="connsiteY5" fmla="*/ 1220 h 265013"/>
+            </a:gdLst>
+            <a:ahLst/>
+            <a:cxnLst>
+              <a:cxn ang="0">
+                <a:pos x="connsiteX0" y="connsiteY0"/>
+              </a:cxn>
+              <a:cxn ang="0">
+                <a:pos x="connsiteX1" y="connsiteY1"/>
+              </a:cxn>
+              <a:cxn ang="0">
+                <a:pos x="connsiteX2" y="connsiteY2"/>
+              </a:cxn>
+              <a:cxn ang="0">
+                <a:pos x="connsiteX3" y="connsiteY3"/>
+              </a:cxn>
+              <a:cxn ang="0">
+                <a:pos x="connsiteX4" y="connsiteY4"/>
+              </a:cxn>
+              <a:cxn ang="0">
+                <a:pos x="connsiteX5" y="connsiteY5"/>
+              </a:cxn>
+            </a:cxnLst>
+            <a:rect l="l" t="t" r="r" b="b"/>
+            <a:pathLst>
+              <a:path w="313517" h="265013">
+                <a:moveTo>
+                  <a:pt x="166216" y="1220"/>
+                </a:moveTo>
+                <a:cubicBezTo>
+                  <a:pt x="227175" y="-5784"/>
+                  <a:pt x="282931" y="17644"/>
+                  <a:pt x="304538" y="64819"/>
+                </a:cubicBezTo>
+                <a:cubicBezTo>
+                  <a:pt x="333348" y="127719"/>
+                  <a:pt x="290541" y="209014"/>
+                  <a:pt x="208925" y="246397"/>
+                </a:cubicBezTo>
+                <a:cubicBezTo>
+                  <a:pt x="127309" y="283780"/>
+                  <a:pt x="37791" y="263095"/>
+                  <a:pt x="8980" y="200195"/>
+                </a:cubicBezTo>
+                <a:cubicBezTo>
+                  <a:pt x="-19830" y="137295"/>
+                  <a:pt x="22978" y="56000"/>
+                  <a:pt x="104594" y="18617"/>
+                </a:cubicBezTo>
+                <a:cubicBezTo>
+                  <a:pt x="124999" y="9271"/>
+                  <a:pt x="145896" y="3555"/>
+                  <a:pt x="166216" y="1220"/>
+                </a:cubicBezTo>
+                <a:close/>
+              </a:path>
+            </a:pathLst>
+          </a:custGeom>
+          <a:solidFill>
+            <a:srgbClr val="AC1515"/>
+          </a:solidFill>
+          <a:ln w="25400">
+            <a:solidFill>
+              <a:schemeClr val="tx1"/>
+            </a:solidFill>
+          </a:ln>
+          <a:effectLst>
+            <a:innerShdw dist="101600" dir="2580000">
+              <a:prstClr val="black">
+                <a:alpha val="16000"/>
+              </a:prstClr>
+            </a:innerShdw>
+          </a:effectLst>
+        </p:spPr>
+        <p:style>
+          <a:lnRef idx="2">
+            <a:schemeClr val="accent1">
+              <a:shade val="50000"/>
+            </a:schemeClr>
+          </a:lnRef>
+          <a:fillRef idx="1">
+            <a:schemeClr val="accent1"/>
+          </a:fillRef>
+          <a:effectRef idx="0">
+            <a:schemeClr val="accent1"/>
+          </a:effectRef>
+          <a:fontRef idx="minor">
+            <a:schemeClr val="lt1"/>
+          </a:fontRef>
+        </p:style>
+        <p:txBody>
+          <a:bodyPr rtlCol="0" anchor="ctr"/>
+          <a:lstStyle/>
+          <a:p>
+            <a:pPr algn="ctr"/>
+            <a:endParaRPr lang="sv-SE"/>
+          </a:p>
+        </p:txBody>
+      </p:sp>
+      <p:sp>
+        <p:nvSpPr>
+          <p:cNvPr id="37" name="Freeform 36"/>
+          <p:cNvSpPr/>
+          <p:nvPr/>
+        </p:nvSpPr>
+        <p:spPr>
+          <a:xfrm>
+            <a:off x="5142635" y="2717723"/>
+            <a:ext cx="313517" cy="265013"/>
+          </a:xfrm>
+          <a:custGeom>
+            <a:avLst/>
+            <a:gdLst>
+              <a:gd name="connsiteX0" fmla="*/ 166216 w 313517"/>
+              <a:gd name="connsiteY0" fmla="*/ 1220 h 265013"/>
+              <a:gd name="connsiteX1" fmla="*/ 304538 w 313517"/>
+              <a:gd name="connsiteY1" fmla="*/ 64819 h 265013"/>
+              <a:gd name="connsiteX2" fmla="*/ 208925 w 313517"/>
+              <a:gd name="connsiteY2" fmla="*/ 246397 h 265013"/>
+              <a:gd name="connsiteX3" fmla="*/ 8980 w 313517"/>
+              <a:gd name="connsiteY3" fmla="*/ 200195 h 265013"/>
+              <a:gd name="connsiteX4" fmla="*/ 104594 w 313517"/>
+              <a:gd name="connsiteY4" fmla="*/ 18617 h 265013"/>
+              <a:gd name="connsiteX5" fmla="*/ 166216 w 313517"/>
+              <a:gd name="connsiteY5" fmla="*/ 1220 h 265013"/>
+            </a:gdLst>
+            <a:ahLst/>
+            <a:cxnLst>
+              <a:cxn ang="0">
+                <a:pos x="connsiteX0" y="connsiteY0"/>
+              </a:cxn>
+              <a:cxn ang="0">
+                <a:pos x="connsiteX1" y="connsiteY1"/>
+              </a:cxn>
+              <a:cxn ang="0">
+                <a:pos x="connsiteX2" y="connsiteY2"/>
+              </a:cxn>
+              <a:cxn ang="0">
+                <a:pos x="connsiteX3" y="connsiteY3"/>
+              </a:cxn>
+              <a:cxn ang="0">
+                <a:pos x="connsiteX4" y="connsiteY4"/>
+              </a:cxn>
+              <a:cxn ang="0">
+                <a:pos x="connsiteX5" y="connsiteY5"/>
+              </a:cxn>
+            </a:cxnLst>
+            <a:rect l="l" t="t" r="r" b="b"/>
+            <a:pathLst>
+              <a:path w="313517" h="265013">
+                <a:moveTo>
+                  <a:pt x="166216" y="1220"/>
+                </a:moveTo>
+                <a:cubicBezTo>
+                  <a:pt x="227175" y="-5784"/>
+                  <a:pt x="282931" y="17644"/>
+                  <a:pt x="304538" y="64819"/>
+                </a:cubicBezTo>
+                <a:cubicBezTo>
+                  <a:pt x="333348" y="127719"/>
+                  <a:pt x="290541" y="209014"/>
+                  <a:pt x="208925" y="246397"/>
+                </a:cubicBezTo>
+                <a:cubicBezTo>
+                  <a:pt x="127309" y="283780"/>
+                  <a:pt x="37791" y="263095"/>
+                  <a:pt x="8980" y="200195"/>
+                </a:cubicBezTo>
+                <a:cubicBezTo>
+                  <a:pt x="-19830" y="137295"/>
+                  <a:pt x="22978" y="56000"/>
+                  <a:pt x="104594" y="18617"/>
+                </a:cubicBezTo>
+                <a:cubicBezTo>
+                  <a:pt x="124999" y="9271"/>
+                  <a:pt x="145896" y="3555"/>
+                  <a:pt x="166216" y="1220"/>
+                </a:cubicBezTo>
+                <a:close/>
+              </a:path>
+            </a:pathLst>
+          </a:custGeom>
+          <a:solidFill>
+            <a:srgbClr val="AC1515"/>
+          </a:solidFill>
+          <a:ln w="25400">
+            <a:solidFill>
+              <a:schemeClr val="tx1"/>
+            </a:solidFill>
+          </a:ln>
+          <a:effectLst>
+            <a:innerShdw dist="101600" dir="2580000">
+              <a:prstClr val="black">
+                <a:alpha val="16000"/>
+              </a:prstClr>
+            </a:innerShdw>
+          </a:effectLst>
+        </p:spPr>
+        <p:style>
+          <a:lnRef idx="2">
+            <a:schemeClr val="accent1">
+              <a:shade val="50000"/>
+            </a:schemeClr>
+          </a:lnRef>
+          <a:fillRef idx="1">
+            <a:schemeClr val="accent1"/>
+          </a:fillRef>
+          <a:effectRef idx="0">
+            <a:schemeClr val="accent1"/>
+          </a:effectRef>
+          <a:fontRef idx="minor">
+            <a:schemeClr val="lt1"/>
+          </a:fontRef>
+        </p:style>
+        <p:txBody>
+          <a:bodyPr rtlCol="0" anchor="ctr"/>
+          <a:lstStyle/>
+          <a:p>
+            <a:pPr algn="ctr"/>
+            <a:endParaRPr lang="sv-SE"/>
+          </a:p>
+        </p:txBody>
+      </p:sp>
+      <p:sp>
+        <p:nvSpPr>
+          <p:cNvPr id="36" name="Freeform 35"/>
+          <p:cNvSpPr/>
+          <p:nvPr/>
+        </p:nvSpPr>
+        <p:spPr>
+          <a:xfrm>
+            <a:off x="5823274" y="2745505"/>
+            <a:ext cx="313980" cy="264467"/>
+          </a:xfrm>
+          <a:custGeom>
+            <a:avLst/>
+            <a:gdLst>
+              <a:gd name="connsiteX0" fmla="*/ 146353 w 313980"/>
+              <a:gd name="connsiteY0" fmla="*/ 1038 h 264467"/>
+              <a:gd name="connsiteX1" fmla="*/ 208128 w 313980"/>
+              <a:gd name="connsiteY1" fmla="*/ 17880 h 264467"/>
+              <a:gd name="connsiteX2" fmla="*/ 305373 w 313980"/>
+              <a:gd name="connsiteY2" fmla="*/ 198588 h 264467"/>
+              <a:gd name="connsiteX3" fmla="*/ 105854 w 313980"/>
+              <a:gd name="connsiteY3" fmla="*/ 246589 h 264467"/>
+              <a:gd name="connsiteX4" fmla="*/ 8608 w 313980"/>
+              <a:gd name="connsiteY4" fmla="*/ 65881 h 264467"/>
+              <a:gd name="connsiteX5" fmla="*/ 146353 w 313980"/>
+              <a:gd name="connsiteY5" fmla="*/ 1038 h 264467"/>
+            </a:gdLst>
+            <a:ahLst/>
+            <a:cxnLst>
+              <a:cxn ang="0">
+                <a:pos x="connsiteX0" y="connsiteY0"/>
+              </a:cxn>
+              <a:cxn ang="0">
+                <a:pos x="connsiteX1" y="connsiteY1"/>
+              </a:cxn>
+              <a:cxn ang="0">
+                <a:pos x="connsiteX2" y="connsiteY2"/>
+              </a:cxn>
+              <a:cxn ang="0">
+                <a:pos x="connsiteX3" y="connsiteY3"/>
+              </a:cxn>
+              <a:cxn ang="0">
+                <a:pos x="connsiteX4" y="connsiteY4"/>
+              </a:cxn>
+              <a:cxn ang="0">
+                <a:pos x="connsiteX5" y="connsiteY5"/>
+              </a:cxn>
+            </a:cxnLst>
+            <a:rect l="l" t="t" r="r" b="b"/>
+            <a:pathLst>
+              <a:path w="313980" h="264467">
+                <a:moveTo>
+                  <a:pt x="146353" y="1038"/>
+                </a:moveTo>
+                <a:cubicBezTo>
+                  <a:pt x="166692" y="3190"/>
+                  <a:pt x="187641" y="8718"/>
+                  <a:pt x="208128" y="17880"/>
+                </a:cubicBezTo>
+                <a:cubicBezTo>
+                  <a:pt x="290078" y="54525"/>
+                  <a:pt x="333616" y="135431"/>
+                  <a:pt x="305373" y="198588"/>
+                </a:cubicBezTo>
+                <a:cubicBezTo>
+                  <a:pt x="277131" y="261745"/>
+                  <a:pt x="187803" y="283236"/>
+                  <a:pt x="105854" y="246589"/>
+                </a:cubicBezTo>
+                <a:cubicBezTo>
+                  <a:pt x="23905" y="209943"/>
+                  <a:pt x="-19635" y="129038"/>
+                  <a:pt x="8608" y="65881"/>
+                </a:cubicBezTo>
+                <a:cubicBezTo>
+                  <a:pt x="29790" y="18513"/>
+                  <a:pt x="85333" y="-5418"/>
+                  <a:pt x="146353" y="1038"/>
+                </a:cubicBezTo>
+                <a:close/>
+              </a:path>
+            </a:pathLst>
+          </a:custGeom>
+          <a:solidFill>
+            <a:srgbClr val="AC1515"/>
+          </a:solidFill>
+          <a:ln w="25400">
+            <a:solidFill>
+              <a:schemeClr val="tx1"/>
+            </a:solidFill>
+          </a:ln>
+          <a:effectLst>
+            <a:innerShdw dist="101600" dir="2580000">
+              <a:prstClr val="black">
+                <a:alpha val="16000"/>
+              </a:prstClr>
+            </a:innerShdw>
+          </a:effectLst>
+        </p:spPr>
+        <p:style>
+          <a:lnRef idx="2">
+            <a:schemeClr val="accent1">
+              <a:shade val="50000"/>
+            </a:schemeClr>
+          </a:lnRef>
+          <a:fillRef idx="1">
+            <a:schemeClr val="accent1"/>
+          </a:fillRef>
+          <a:effectRef idx="0">
+            <a:schemeClr val="accent1"/>
+          </a:effectRef>
+          <a:fontRef idx="minor">
+            <a:schemeClr val="lt1"/>
+          </a:fontRef>
+        </p:style>
+        <p:txBody>
+          <a:bodyPr rtlCol="0" anchor="ctr"/>
+          <a:lstStyle/>
+          <a:p>
+            <a:pPr algn="ctr"/>
+            <a:endParaRPr lang="sv-SE"/>
+          </a:p>
+        </p:txBody>
+      </p:sp>
+      <p:sp>
+        <p:nvSpPr>
+          <p:cNvPr id="4" name="Oval 3"/>
+          <p:cNvSpPr/>
+          <p:nvPr/>
+        </p:nvSpPr>
+        <p:spPr>
+          <a:xfrm>
+            <a:off x="3634210" y="3995687"/>
+            <a:ext cx="3998037" cy="1232309"/>
+          </a:xfrm>
+          <a:prstGeom prst="ellipse">
+            <a:avLst/>
+          </a:prstGeom>
+          <a:gradFill flip="none" rotWithShape="1">
+            <a:gsLst>
+              <a:gs pos="69000">
+                <a:schemeClr val="accent1">
+                  <a:lumMod val="5000"/>
+                  <a:lumOff val="95000"/>
+                  <a:alpha val="0"/>
+                </a:schemeClr>
+              </a:gs>
+              <a:gs pos="18000">
+                <a:schemeClr val="tx1">
+                  <a:lumMod val="50000"/>
+                  <a:lumOff val="50000"/>
+                </a:schemeClr>
+              </a:gs>
+            </a:gsLst>
+            <a:path path="shape">
+              <a:fillToRect l="50000" t="50000" r="50000" b="50000"/>
+            </a:path>
+            <a:tileRect/>
+          </a:gradFill>
+          <a:ln>
+            <a:noFill/>
+          </a:ln>
+        </p:spPr>
+        <p:style>
+          <a:lnRef idx="2">
+            <a:schemeClr val="accent1">
+              <a:shade val="50000"/>
+            </a:schemeClr>
+          </a:lnRef>
+          <a:fillRef idx="1">
+            <a:schemeClr val="accent1"/>
+          </a:fillRef>
+          <a:effectRef idx="0">
+            <a:schemeClr val="accent1"/>
+          </a:effectRef>
+          <a:fontRef idx="minor">
+            <a:schemeClr val="lt1"/>
+          </a:fontRef>
+        </p:style>
+        <p:txBody>
+          <a:bodyPr rtlCol="0" anchor="ctr"/>
+          <a:lstStyle/>
+          <a:p>
+            <a:pPr algn="ctr"/>
+            <a:endParaRPr lang="sv-SE"/>
+          </a:p>
+        </p:txBody>
+      </p:sp>
+      <p:sp>
+        <p:nvSpPr>
+          <p:cNvPr id="10" name="Oval 23"/>
+          <p:cNvSpPr/>
+          <p:nvPr/>
+        </p:nvSpPr>
+        <p:spPr>
+          <a:xfrm rot="21147307">
+            <a:off x="5848202" y="4015255"/>
+            <a:ext cx="264128" cy="587992"/>
+          </a:xfrm>
+          <a:custGeom>
+            <a:avLst/>
+            <a:gdLst>
+              <a:gd name="connsiteX0" fmla="*/ 0 w 366933"/>
+              <a:gd name="connsiteY0" fmla="*/ 472799 h 945597"/>
+              <a:gd name="connsiteX1" fmla="*/ 183467 w 366933"/>
+              <a:gd name="connsiteY1" fmla="*/ 0 h 945597"/>
+              <a:gd name="connsiteX2" fmla="*/ 366934 w 366933"/>
+              <a:gd name="connsiteY2" fmla="*/ 472799 h 945597"/>
+              <a:gd name="connsiteX3" fmla="*/ 183467 w 366933"/>
+              <a:gd name="connsiteY3" fmla="*/ 945598 h 945597"/>
+              <a:gd name="connsiteX4" fmla="*/ 0 w 366933"/>
+              <a:gd name="connsiteY4" fmla="*/ 472799 h 945597"/>
+              <a:gd name="connsiteX0" fmla="*/ 3837 w 370771"/>
+              <a:gd name="connsiteY0" fmla="*/ 472799 h 971512"/>
+              <a:gd name="connsiteX1" fmla="*/ 187304 w 370771"/>
+              <a:gd name="connsiteY1" fmla="*/ 0 h 971512"/>
+              <a:gd name="connsiteX2" fmla="*/ 370771 w 370771"/>
+              <a:gd name="connsiteY2" fmla="*/ 472799 h 971512"/>
+              <a:gd name="connsiteX3" fmla="*/ 187304 w 370771"/>
+              <a:gd name="connsiteY3" fmla="*/ 945598 h 971512"/>
+              <a:gd name="connsiteX4" fmla="*/ 72423 w 370771"/>
+              <a:gd name="connsiteY4" fmla="*/ 863194 h 971512"/>
+              <a:gd name="connsiteX5" fmla="*/ 3837 w 370771"/>
+              <a:gd name="connsiteY5" fmla="*/ 472799 h 971512"/>
+              <a:gd name="connsiteX0" fmla="*/ 3837 w 370771"/>
+              <a:gd name="connsiteY0" fmla="*/ 472799 h 903251"/>
+              <a:gd name="connsiteX1" fmla="*/ 187304 w 370771"/>
+              <a:gd name="connsiteY1" fmla="*/ 0 h 903251"/>
+              <a:gd name="connsiteX2" fmla="*/ 370771 w 370771"/>
+              <a:gd name="connsiteY2" fmla="*/ 472799 h 903251"/>
+              <a:gd name="connsiteX3" fmla="*/ 314825 w 370771"/>
+              <a:gd name="connsiteY3" fmla="*/ 825991 h 903251"/>
+              <a:gd name="connsiteX4" fmla="*/ 72423 w 370771"/>
+              <a:gd name="connsiteY4" fmla="*/ 863194 h 903251"/>
+              <a:gd name="connsiteX5" fmla="*/ 3837 w 370771"/>
+              <a:gd name="connsiteY5" fmla="*/ 472799 h 903251"/>
+              <a:gd name="connsiteX0" fmla="*/ 19627 w 386622"/>
+              <a:gd name="connsiteY0" fmla="*/ 472799 h 883076"/>
+              <a:gd name="connsiteX1" fmla="*/ 203094 w 386622"/>
+              <a:gd name="connsiteY1" fmla="*/ 0 h 883076"/>
+              <a:gd name="connsiteX2" fmla="*/ 386561 w 386622"/>
+              <a:gd name="connsiteY2" fmla="*/ 472799 h 883076"/>
+              <a:gd name="connsiteX3" fmla="*/ 330615 w 386622"/>
+              <a:gd name="connsiteY3" fmla="*/ 825991 h 883076"/>
+              <a:gd name="connsiteX4" fmla="*/ 25865 w 386622"/>
+              <a:gd name="connsiteY4" fmla="*/ 834255 h 883076"/>
+              <a:gd name="connsiteX5" fmla="*/ 19627 w 386622"/>
+              <a:gd name="connsiteY5" fmla="*/ 472799 h 883076"/>
+            </a:gdLst>
+            <a:ahLst/>
+            <a:cxnLst>
+              <a:cxn ang="0">
+                <a:pos x="connsiteX0" y="connsiteY0"/>
+              </a:cxn>
+              <a:cxn ang="0">
+                <a:pos x="connsiteX1" y="connsiteY1"/>
+              </a:cxn>
+              <a:cxn ang="0">
+                <a:pos x="connsiteX2" y="connsiteY2"/>
+              </a:cxn>
+              <a:cxn ang="0">
+                <a:pos x="connsiteX3" y="connsiteY3"/>
+              </a:cxn>
+              <a:cxn ang="0">
+                <a:pos x="connsiteX4" y="connsiteY4"/>
+              </a:cxn>
+              <a:cxn ang="0">
+                <a:pos x="connsiteX5" y="connsiteY5"/>
+              </a:cxn>
+            </a:cxnLst>
+            <a:rect l="l" t="t" r="r" b="b"/>
+            <a:pathLst>
+              <a:path w="386622" h="883076">
+                <a:moveTo>
+                  <a:pt x="19627" y="472799"/>
+                </a:moveTo>
+                <a:cubicBezTo>
+                  <a:pt x="49165" y="333757"/>
+                  <a:pt x="101768" y="0"/>
+                  <a:pt x="203094" y="0"/>
+                </a:cubicBezTo>
+                <a:cubicBezTo>
+                  <a:pt x="304420" y="0"/>
+                  <a:pt x="386561" y="211679"/>
+                  <a:pt x="386561" y="472799"/>
+                </a:cubicBezTo>
+                <a:cubicBezTo>
+                  <a:pt x="386561" y="733919"/>
+                  <a:pt x="390731" y="765748"/>
+                  <a:pt x="330615" y="825991"/>
+                </a:cubicBezTo>
+                <a:cubicBezTo>
+                  <a:pt x="270499" y="886234"/>
+                  <a:pt x="56443" y="913055"/>
+                  <a:pt x="25865" y="834255"/>
+                </a:cubicBezTo>
+                <a:cubicBezTo>
+                  <a:pt x="-4713" y="755455"/>
+                  <a:pt x="-9911" y="611842"/>
+                  <a:pt x="19627" y="472799"/>
+                </a:cubicBezTo>
+                <a:close/>
+              </a:path>
+            </a:pathLst>
+          </a:custGeom>
+          <a:solidFill>
+            <a:srgbClr val="CC9F6E"/>
+          </a:solidFill>
+          <a:ln w="25400">
+            <a:solidFill>
+              <a:schemeClr val="tx1"/>
+            </a:solidFill>
+          </a:ln>
+        </p:spPr>
+        <p:style>
+          <a:lnRef idx="2">
+            <a:schemeClr val="accent1">
+              <a:shade val="50000"/>
+            </a:schemeClr>
+          </a:lnRef>
+          <a:fillRef idx="1">
+            <a:schemeClr val="accent1"/>
+          </a:fillRef>
+          <a:effectRef idx="0">
+            <a:schemeClr val="accent1"/>
+          </a:effectRef>
+          <a:fontRef idx="minor">
+            <a:schemeClr val="lt1"/>
+          </a:fontRef>
+        </p:style>
+        <p:txBody>
+          <a:bodyPr rtlCol="0" anchor="ctr"/>
+          <a:lstStyle/>
+          <a:p>
+            <a:pPr algn="ctr"/>
+            <a:endParaRPr lang="sv-SE"/>
+          </a:p>
+        </p:txBody>
+      </p:sp>
+      <p:sp>
+        <p:nvSpPr>
+          <p:cNvPr id="11" name="Oval 22"/>
+          <p:cNvSpPr/>
+          <p:nvPr/>
+        </p:nvSpPr>
+        <p:spPr>
+          <a:xfrm rot="772141">
+            <a:off x="5135608" y="3989115"/>
+            <a:ext cx="242721" cy="581117"/>
+          </a:xfrm>
+          <a:custGeom>
+            <a:avLst/>
+            <a:gdLst>
+              <a:gd name="connsiteX0" fmla="*/ 0 w 365582"/>
+              <a:gd name="connsiteY0" fmla="*/ 472799 h 945597"/>
+              <a:gd name="connsiteX1" fmla="*/ 182791 w 365582"/>
+              <a:gd name="connsiteY1" fmla="*/ 0 h 945597"/>
+              <a:gd name="connsiteX2" fmla="*/ 365582 w 365582"/>
+              <a:gd name="connsiteY2" fmla="*/ 472799 h 945597"/>
+              <a:gd name="connsiteX3" fmla="*/ 182791 w 365582"/>
+              <a:gd name="connsiteY3" fmla="*/ 945598 h 945597"/>
+              <a:gd name="connsiteX4" fmla="*/ 0 w 365582"/>
+              <a:gd name="connsiteY4" fmla="*/ 472799 h 945597"/>
+              <a:gd name="connsiteX0" fmla="*/ 2116 w 367698"/>
+              <a:gd name="connsiteY0" fmla="*/ 472799 h 976739"/>
+              <a:gd name="connsiteX1" fmla="*/ 184907 w 367698"/>
+              <a:gd name="connsiteY1" fmla="*/ 0 h 976739"/>
+              <a:gd name="connsiteX2" fmla="*/ 367698 w 367698"/>
+              <a:gd name="connsiteY2" fmla="*/ 472799 h 976739"/>
+              <a:gd name="connsiteX3" fmla="*/ 184907 w 367698"/>
+              <a:gd name="connsiteY3" fmla="*/ 945598 h 976739"/>
+              <a:gd name="connsiteX4" fmla="*/ 91471 w 367698"/>
+              <a:gd name="connsiteY4" fmla="*/ 881288 h 976739"/>
+              <a:gd name="connsiteX5" fmla="*/ 2116 w 367698"/>
+              <a:gd name="connsiteY5" fmla="*/ 472799 h 976739"/>
+              <a:gd name="connsiteX0" fmla="*/ 2116 w 370584"/>
+              <a:gd name="connsiteY0" fmla="*/ 472799 h 921865"/>
+              <a:gd name="connsiteX1" fmla="*/ 184907 w 370584"/>
+              <a:gd name="connsiteY1" fmla="*/ 0 h 921865"/>
+              <a:gd name="connsiteX2" fmla="*/ 367698 w 370584"/>
+              <a:gd name="connsiteY2" fmla="*/ 472799 h 921865"/>
+              <a:gd name="connsiteX3" fmla="*/ 338188 w 370584"/>
+              <a:gd name="connsiteY3" fmla="*/ 843282 h 921865"/>
+              <a:gd name="connsiteX4" fmla="*/ 91471 w 370584"/>
+              <a:gd name="connsiteY4" fmla="*/ 881288 h 921865"/>
+              <a:gd name="connsiteX5" fmla="*/ 2116 w 370584"/>
+              <a:gd name="connsiteY5" fmla="*/ 472799 h 921865"/>
+              <a:gd name="connsiteX0" fmla="*/ 7896 w 379056"/>
+              <a:gd name="connsiteY0" fmla="*/ 472799 h 881699"/>
+              <a:gd name="connsiteX1" fmla="*/ 190687 w 379056"/>
+              <a:gd name="connsiteY1" fmla="*/ 0 h 881699"/>
+              <a:gd name="connsiteX2" fmla="*/ 373478 w 379056"/>
+              <a:gd name="connsiteY2" fmla="*/ 472799 h 881699"/>
+              <a:gd name="connsiteX3" fmla="*/ 343968 w 379056"/>
+              <a:gd name="connsiteY3" fmla="*/ 843282 h 881699"/>
+              <a:gd name="connsiteX4" fmla="*/ 48833 w 379056"/>
+              <a:gd name="connsiteY4" fmla="*/ 816640 h 881699"/>
+              <a:gd name="connsiteX5" fmla="*/ 7896 w 379056"/>
+              <a:gd name="connsiteY5" fmla="*/ 472799 h 881699"/>
+              <a:gd name="connsiteX0" fmla="*/ 11284 w 364627"/>
+              <a:gd name="connsiteY0" fmla="*/ 477141 h 881700"/>
+              <a:gd name="connsiteX1" fmla="*/ 176258 w 364627"/>
+              <a:gd name="connsiteY1" fmla="*/ 1 h 881700"/>
+              <a:gd name="connsiteX2" fmla="*/ 359049 w 364627"/>
+              <a:gd name="connsiteY2" fmla="*/ 472800 h 881700"/>
+              <a:gd name="connsiteX3" fmla="*/ 329539 w 364627"/>
+              <a:gd name="connsiteY3" fmla="*/ 843283 h 881700"/>
+              <a:gd name="connsiteX4" fmla="*/ 34404 w 364627"/>
+              <a:gd name="connsiteY4" fmla="*/ 816641 h 881700"/>
+              <a:gd name="connsiteX5" fmla="*/ 11284 w 364627"/>
+              <a:gd name="connsiteY5" fmla="*/ 477141 h 881700"/>
+              <a:gd name="connsiteX0" fmla="*/ 3054 w 353934"/>
+              <a:gd name="connsiteY0" fmla="*/ 477141 h 877106"/>
+              <a:gd name="connsiteX1" fmla="*/ 168028 w 353934"/>
+              <a:gd name="connsiteY1" fmla="*/ 1 h 877106"/>
+              <a:gd name="connsiteX2" fmla="*/ 350819 w 353934"/>
+              <a:gd name="connsiteY2" fmla="*/ 472800 h 877106"/>
+              <a:gd name="connsiteX3" fmla="*/ 321309 w 353934"/>
+              <a:gd name="connsiteY3" fmla="*/ 843283 h 877106"/>
+              <a:gd name="connsiteX4" fmla="*/ 70146 w 353934"/>
+              <a:gd name="connsiteY4" fmla="*/ 806595 h 877106"/>
+              <a:gd name="connsiteX5" fmla="*/ 3054 w 353934"/>
+              <a:gd name="connsiteY5" fmla="*/ 477141 h 877106"/>
+              <a:gd name="connsiteX0" fmla="*/ 11203 w 364531"/>
+              <a:gd name="connsiteY0" fmla="*/ 477141 h 872751"/>
+              <a:gd name="connsiteX1" fmla="*/ 176177 w 364531"/>
+              <a:gd name="connsiteY1" fmla="*/ 1 h 872751"/>
+              <a:gd name="connsiteX2" fmla="*/ 358968 w 364531"/>
+              <a:gd name="connsiteY2" fmla="*/ 472800 h 872751"/>
+              <a:gd name="connsiteX3" fmla="*/ 329458 w 364531"/>
+              <a:gd name="connsiteY3" fmla="*/ 843283 h 872751"/>
+              <a:gd name="connsiteX4" fmla="*/ 34566 w 364531"/>
+              <a:gd name="connsiteY4" fmla="*/ 795939 h 872751"/>
+              <a:gd name="connsiteX5" fmla="*/ 11203 w 364531"/>
+              <a:gd name="connsiteY5" fmla="*/ 477141 h 872751"/>
+            </a:gdLst>
+            <a:ahLst/>
+            <a:cxnLst>
+              <a:cxn ang="0">
+                <a:pos x="connsiteX0" y="connsiteY0"/>
+              </a:cxn>
+              <a:cxn ang="0">
+                <a:pos x="connsiteX1" y="connsiteY1"/>
+              </a:cxn>
+              <a:cxn ang="0">
+                <a:pos x="connsiteX2" y="connsiteY2"/>
+              </a:cxn>
+              <a:cxn ang="0">
+                <a:pos x="connsiteX3" y="connsiteY3"/>
+              </a:cxn>
+              <a:cxn ang="0">
+                <a:pos x="connsiteX4" y="connsiteY4"/>
+              </a:cxn>
+              <a:cxn ang="0">
+                <a:pos x="connsiteX5" y="connsiteY5"/>
+              </a:cxn>
+            </a:cxnLst>
+            <a:rect l="l" t="t" r="r" b="b"/>
+            <a:pathLst>
+              <a:path w="364531" h="872751">
+                <a:moveTo>
+                  <a:pt x="11203" y="477141"/>
+                </a:moveTo>
+                <a:cubicBezTo>
+                  <a:pt x="34805" y="344485"/>
+                  <a:pt x="118216" y="724"/>
+                  <a:pt x="176177" y="1"/>
+                </a:cubicBezTo>
+                <a:cubicBezTo>
+                  <a:pt x="234138" y="-722"/>
+                  <a:pt x="358968" y="211680"/>
+                  <a:pt x="358968" y="472800"/>
+                </a:cubicBezTo>
+                <a:cubicBezTo>
+                  <a:pt x="358968" y="733920"/>
+                  <a:pt x="383525" y="789426"/>
+                  <a:pt x="329458" y="843283"/>
+                </a:cubicBezTo>
+                <a:cubicBezTo>
+                  <a:pt x="275391" y="897140"/>
+                  <a:pt x="65031" y="874739"/>
+                  <a:pt x="34566" y="795939"/>
+                </a:cubicBezTo>
+                <a:cubicBezTo>
+                  <a:pt x="4101" y="717139"/>
+                  <a:pt x="-12399" y="609797"/>
+                  <a:pt x="11203" y="477141"/>
+                </a:cubicBezTo>
+                <a:close/>
+              </a:path>
+            </a:pathLst>
+          </a:custGeom>
+          <a:solidFill>
+            <a:srgbClr val="CC9F6E"/>
+          </a:solidFill>
+          <a:ln w="25400">
+            <a:solidFill>
+              <a:schemeClr val="tx1"/>
+            </a:solidFill>
+          </a:ln>
+        </p:spPr>
+        <p:style>
+          <a:lnRef idx="2">
+            <a:schemeClr val="accent1">
+              <a:shade val="50000"/>
+            </a:schemeClr>
+          </a:lnRef>
+          <a:fillRef idx="1">
+            <a:schemeClr val="accent1"/>
+          </a:fillRef>
+          <a:effectRef idx="0">
+            <a:schemeClr val="accent1"/>
+          </a:effectRef>
+          <a:fontRef idx="minor">
+            <a:schemeClr val="lt1"/>
+          </a:fontRef>
+        </p:style>
+        <p:txBody>
+          <a:bodyPr rtlCol="0" anchor="ctr"/>
+          <a:lstStyle/>
+          <a:p>
+            <a:pPr algn="ctr"/>
+            <a:endParaRPr lang="sv-SE"/>
+          </a:p>
+        </p:txBody>
+      </p:sp>
+      <p:sp>
+        <p:nvSpPr>
+          <p:cNvPr id="12" name="Rounded Rectangle 8"/>
+          <p:cNvSpPr/>
+          <p:nvPr/>
+        </p:nvSpPr>
+        <p:spPr>
+          <a:xfrm rot="72546">
+            <a:off x="5041597" y="2770545"/>
+            <a:ext cx="1246815" cy="1773408"/>
+          </a:xfrm>
+          <a:custGeom>
+            <a:avLst/>
+            <a:gdLst>
+              <a:gd name="connsiteX0" fmla="*/ 0 w 3929975"/>
+              <a:gd name="connsiteY0" fmla="*/ 1754223 h 6079787"/>
+              <a:gd name="connsiteX1" fmla="*/ 1754223 w 3929975"/>
+              <a:gd name="connsiteY1" fmla="*/ 0 h 6079787"/>
+              <a:gd name="connsiteX2" fmla="*/ 2175752 w 3929975"/>
+              <a:gd name="connsiteY2" fmla="*/ 0 h 6079787"/>
+              <a:gd name="connsiteX3" fmla="*/ 3929975 w 3929975"/>
+              <a:gd name="connsiteY3" fmla="*/ 1754223 h 6079787"/>
+              <a:gd name="connsiteX4" fmla="*/ 3929975 w 3929975"/>
+              <a:gd name="connsiteY4" fmla="*/ 4325564 h 6079787"/>
+              <a:gd name="connsiteX5" fmla="*/ 2175752 w 3929975"/>
+              <a:gd name="connsiteY5" fmla="*/ 6079787 h 6079787"/>
+              <a:gd name="connsiteX6" fmla="*/ 1754223 w 3929975"/>
+              <a:gd name="connsiteY6" fmla="*/ 6079787 h 6079787"/>
+              <a:gd name="connsiteX7" fmla="*/ 0 w 3929975"/>
+              <a:gd name="connsiteY7" fmla="*/ 4325564 h 6079787"/>
+              <a:gd name="connsiteX8" fmla="*/ 0 w 3929975"/>
+              <a:gd name="connsiteY8" fmla="*/ 1754223 h 6079787"/>
+              <a:gd name="connsiteX0" fmla="*/ 0 w 3940058"/>
+              <a:gd name="connsiteY0" fmla="*/ 1754223 h 6079787"/>
+              <a:gd name="connsiteX1" fmla="*/ 1754223 w 3940058"/>
+              <a:gd name="connsiteY1" fmla="*/ 0 h 6079787"/>
+              <a:gd name="connsiteX2" fmla="*/ 2175752 w 3940058"/>
+              <a:gd name="connsiteY2" fmla="*/ 0 h 6079787"/>
+              <a:gd name="connsiteX3" fmla="*/ 3929975 w 3940058"/>
+              <a:gd name="connsiteY3" fmla="*/ 1754223 h 6079787"/>
+              <a:gd name="connsiteX4" fmla="*/ 3940058 w 3940058"/>
+              <a:gd name="connsiteY4" fmla="*/ 2918059 h 6079787"/>
+              <a:gd name="connsiteX5" fmla="*/ 3929975 w 3940058"/>
+              <a:gd name="connsiteY5" fmla="*/ 4325564 h 6079787"/>
+              <a:gd name="connsiteX6" fmla="*/ 2175752 w 3940058"/>
+              <a:gd name="connsiteY6" fmla="*/ 6079787 h 6079787"/>
+              <a:gd name="connsiteX7" fmla="*/ 1754223 w 3940058"/>
+              <a:gd name="connsiteY7" fmla="*/ 6079787 h 6079787"/>
+              <a:gd name="connsiteX8" fmla="*/ 0 w 3940058"/>
+              <a:gd name="connsiteY8" fmla="*/ 4325564 h 6079787"/>
+              <a:gd name="connsiteX9" fmla="*/ 0 w 3940058"/>
+              <a:gd name="connsiteY9" fmla="*/ 1754223 h 6079787"/>
+              <a:gd name="connsiteX0" fmla="*/ 0 w 3929975"/>
+              <a:gd name="connsiteY0" fmla="*/ 1754223 h 6079787"/>
+              <a:gd name="connsiteX1" fmla="*/ 1754223 w 3929975"/>
+              <a:gd name="connsiteY1" fmla="*/ 0 h 6079787"/>
+              <a:gd name="connsiteX2" fmla="*/ 2175752 w 3929975"/>
+              <a:gd name="connsiteY2" fmla="*/ 0 h 6079787"/>
+              <a:gd name="connsiteX3" fmla="*/ 3929975 w 3929975"/>
+              <a:gd name="connsiteY3" fmla="*/ 1754223 h 6079787"/>
+              <a:gd name="connsiteX4" fmla="*/ 3876123 w 3929975"/>
+              <a:gd name="connsiteY4" fmla="*/ 2946921 h 6079787"/>
+              <a:gd name="connsiteX5" fmla="*/ 3929975 w 3929975"/>
+              <a:gd name="connsiteY5" fmla="*/ 4325564 h 6079787"/>
+              <a:gd name="connsiteX6" fmla="*/ 2175752 w 3929975"/>
+              <a:gd name="connsiteY6" fmla="*/ 6079787 h 6079787"/>
+              <a:gd name="connsiteX7" fmla="*/ 1754223 w 3929975"/>
+              <a:gd name="connsiteY7" fmla="*/ 6079787 h 6079787"/>
+              <a:gd name="connsiteX8" fmla="*/ 0 w 3929975"/>
+              <a:gd name="connsiteY8" fmla="*/ 4325564 h 6079787"/>
+              <a:gd name="connsiteX9" fmla="*/ 0 w 3929975"/>
+              <a:gd name="connsiteY9" fmla="*/ 1754223 h 6079787"/>
+              <a:gd name="connsiteX0" fmla="*/ 0 w 3929975"/>
+              <a:gd name="connsiteY0" fmla="*/ 1754223 h 6079787"/>
+              <a:gd name="connsiteX1" fmla="*/ 1754223 w 3929975"/>
+              <a:gd name="connsiteY1" fmla="*/ 0 h 6079787"/>
+              <a:gd name="connsiteX2" fmla="*/ 2223738 w 3929975"/>
+              <a:gd name="connsiteY2" fmla="*/ 7940 h 6079787"/>
+              <a:gd name="connsiteX3" fmla="*/ 3929975 w 3929975"/>
+              <a:gd name="connsiteY3" fmla="*/ 1754223 h 6079787"/>
+              <a:gd name="connsiteX4" fmla="*/ 3876123 w 3929975"/>
+              <a:gd name="connsiteY4" fmla="*/ 2946921 h 6079787"/>
+              <a:gd name="connsiteX5" fmla="*/ 3929975 w 3929975"/>
+              <a:gd name="connsiteY5" fmla="*/ 4325564 h 6079787"/>
+              <a:gd name="connsiteX6" fmla="*/ 2175752 w 3929975"/>
+              <a:gd name="connsiteY6" fmla="*/ 6079787 h 6079787"/>
+              <a:gd name="connsiteX7" fmla="*/ 1754223 w 3929975"/>
+              <a:gd name="connsiteY7" fmla="*/ 6079787 h 6079787"/>
+              <a:gd name="connsiteX8" fmla="*/ 0 w 3929975"/>
+              <a:gd name="connsiteY8" fmla="*/ 4325564 h 6079787"/>
+              <a:gd name="connsiteX9" fmla="*/ 0 w 3929975"/>
+              <a:gd name="connsiteY9" fmla="*/ 1754223 h 6079787"/>
+              <a:gd name="connsiteX0" fmla="*/ 0 w 3929975"/>
+              <a:gd name="connsiteY0" fmla="*/ 1754223 h 6079787"/>
+              <a:gd name="connsiteX1" fmla="*/ 1754223 w 3929975"/>
+              <a:gd name="connsiteY1" fmla="*/ 0 h 6079787"/>
+              <a:gd name="connsiteX2" fmla="*/ 2223738 w 3929975"/>
+              <a:gd name="connsiteY2" fmla="*/ 7940 h 6079787"/>
+              <a:gd name="connsiteX3" fmla="*/ 3929975 w 3929975"/>
+              <a:gd name="connsiteY3" fmla="*/ 1754223 h 6079787"/>
+              <a:gd name="connsiteX4" fmla="*/ 3876123 w 3929975"/>
+              <a:gd name="connsiteY4" fmla="*/ 2946921 h 6079787"/>
+              <a:gd name="connsiteX5" fmla="*/ 3929975 w 3929975"/>
+              <a:gd name="connsiteY5" fmla="*/ 4325564 h 6079787"/>
+              <a:gd name="connsiteX6" fmla="*/ 2175752 w 3929975"/>
+              <a:gd name="connsiteY6" fmla="*/ 6079787 h 6079787"/>
+              <a:gd name="connsiteX7" fmla="*/ 1754223 w 3929975"/>
+              <a:gd name="connsiteY7" fmla="*/ 6079787 h 6079787"/>
+              <a:gd name="connsiteX8" fmla="*/ 0 w 3929975"/>
+              <a:gd name="connsiteY8" fmla="*/ 4325564 h 6079787"/>
+              <a:gd name="connsiteX9" fmla="*/ 0 w 3929975"/>
+              <a:gd name="connsiteY9" fmla="*/ 1754223 h 6079787"/>
+              <a:gd name="connsiteX0" fmla="*/ 0 w 3929975"/>
+              <a:gd name="connsiteY0" fmla="*/ 1754223 h 6079787"/>
+              <a:gd name="connsiteX1" fmla="*/ 1754223 w 3929975"/>
+              <a:gd name="connsiteY1" fmla="*/ 0 h 6079787"/>
+              <a:gd name="connsiteX2" fmla="*/ 2223738 w 3929975"/>
+              <a:gd name="connsiteY2" fmla="*/ 7940 h 6079787"/>
+              <a:gd name="connsiteX3" fmla="*/ 3929975 w 3929975"/>
+              <a:gd name="connsiteY3" fmla="*/ 1754223 h 6079787"/>
+              <a:gd name="connsiteX4" fmla="*/ 3876123 w 3929975"/>
+              <a:gd name="connsiteY4" fmla="*/ 2946921 h 6079787"/>
+              <a:gd name="connsiteX5" fmla="*/ 3929975 w 3929975"/>
+              <a:gd name="connsiteY5" fmla="*/ 4325564 h 6079787"/>
+              <a:gd name="connsiteX6" fmla="*/ 2175752 w 3929975"/>
+              <a:gd name="connsiteY6" fmla="*/ 6079787 h 6079787"/>
+              <a:gd name="connsiteX7" fmla="*/ 1754223 w 3929975"/>
+              <a:gd name="connsiteY7" fmla="*/ 6079787 h 6079787"/>
+              <a:gd name="connsiteX8" fmla="*/ 0 w 3929975"/>
+              <a:gd name="connsiteY8" fmla="*/ 4325564 h 6079787"/>
+              <a:gd name="connsiteX9" fmla="*/ 0 w 3929975"/>
+              <a:gd name="connsiteY9" fmla="*/ 1754223 h 6079787"/>
+              <a:gd name="connsiteX0" fmla="*/ 0 w 3929975"/>
+              <a:gd name="connsiteY0" fmla="*/ 1754223 h 6079787"/>
+              <a:gd name="connsiteX1" fmla="*/ 1754223 w 3929975"/>
+              <a:gd name="connsiteY1" fmla="*/ 0 h 6079787"/>
+              <a:gd name="connsiteX2" fmla="*/ 2223738 w 3929975"/>
+              <a:gd name="connsiteY2" fmla="*/ 7940 h 6079787"/>
+              <a:gd name="connsiteX3" fmla="*/ 3929975 w 3929975"/>
+              <a:gd name="connsiteY3" fmla="*/ 1754223 h 6079787"/>
+              <a:gd name="connsiteX4" fmla="*/ 3876123 w 3929975"/>
+              <a:gd name="connsiteY4" fmla="*/ 2946921 h 6079787"/>
+              <a:gd name="connsiteX5" fmla="*/ 3929975 w 3929975"/>
+              <a:gd name="connsiteY5" fmla="*/ 4325564 h 6079787"/>
+              <a:gd name="connsiteX6" fmla="*/ 2175752 w 3929975"/>
+              <a:gd name="connsiteY6" fmla="*/ 6079787 h 6079787"/>
+              <a:gd name="connsiteX7" fmla="*/ 1754223 w 3929975"/>
+              <a:gd name="connsiteY7" fmla="*/ 6079787 h 6079787"/>
+              <a:gd name="connsiteX8" fmla="*/ 0 w 3929975"/>
+              <a:gd name="connsiteY8" fmla="*/ 4325564 h 6079787"/>
+              <a:gd name="connsiteX9" fmla="*/ 0 w 3929975"/>
+              <a:gd name="connsiteY9" fmla="*/ 1754223 h 6079787"/>
+              <a:gd name="connsiteX0" fmla="*/ 15511 w 3945486"/>
+              <a:gd name="connsiteY0" fmla="*/ 1754223 h 6079787"/>
+              <a:gd name="connsiteX1" fmla="*/ 1769734 w 3945486"/>
+              <a:gd name="connsiteY1" fmla="*/ 0 h 6079787"/>
+              <a:gd name="connsiteX2" fmla="*/ 2239249 w 3945486"/>
+              <a:gd name="connsiteY2" fmla="*/ 7940 h 6079787"/>
+              <a:gd name="connsiteX3" fmla="*/ 3945486 w 3945486"/>
+              <a:gd name="connsiteY3" fmla="*/ 1754223 h 6079787"/>
+              <a:gd name="connsiteX4" fmla="*/ 3891634 w 3945486"/>
+              <a:gd name="connsiteY4" fmla="*/ 2946921 h 6079787"/>
+              <a:gd name="connsiteX5" fmla="*/ 3945486 w 3945486"/>
+              <a:gd name="connsiteY5" fmla="*/ 4325564 h 6079787"/>
+              <a:gd name="connsiteX6" fmla="*/ 2191263 w 3945486"/>
+              <a:gd name="connsiteY6" fmla="*/ 6079787 h 6079787"/>
+              <a:gd name="connsiteX7" fmla="*/ 1769734 w 3945486"/>
+              <a:gd name="connsiteY7" fmla="*/ 6079787 h 6079787"/>
+              <a:gd name="connsiteX8" fmla="*/ 15511 w 3945486"/>
+              <a:gd name="connsiteY8" fmla="*/ 4325564 h 6079787"/>
+              <a:gd name="connsiteX9" fmla="*/ 0 w 3945486"/>
+              <a:gd name="connsiteY9" fmla="*/ 3003076 h 6079787"/>
+              <a:gd name="connsiteX10" fmla="*/ 15511 w 3945486"/>
+              <a:gd name="connsiteY10" fmla="*/ 1754223 h 6079787"/>
+              <a:gd name="connsiteX0" fmla="*/ 0 w 3929975"/>
+              <a:gd name="connsiteY0" fmla="*/ 1754223 h 6079787"/>
+              <a:gd name="connsiteX1" fmla="*/ 1754223 w 3929975"/>
+              <a:gd name="connsiteY1" fmla="*/ 0 h 6079787"/>
+              <a:gd name="connsiteX2" fmla="*/ 2223738 w 3929975"/>
+              <a:gd name="connsiteY2" fmla="*/ 7940 h 6079787"/>
+              <a:gd name="connsiteX3" fmla="*/ 3929975 w 3929975"/>
+              <a:gd name="connsiteY3" fmla="*/ 1754223 h 6079787"/>
+              <a:gd name="connsiteX4" fmla="*/ 3876123 w 3929975"/>
+              <a:gd name="connsiteY4" fmla="*/ 2946921 h 6079787"/>
+              <a:gd name="connsiteX5" fmla="*/ 3929975 w 3929975"/>
+              <a:gd name="connsiteY5" fmla="*/ 4325564 h 6079787"/>
+              <a:gd name="connsiteX6" fmla="*/ 2175752 w 3929975"/>
+              <a:gd name="connsiteY6" fmla="*/ 6079787 h 6079787"/>
+              <a:gd name="connsiteX7" fmla="*/ 1754223 w 3929975"/>
+              <a:gd name="connsiteY7" fmla="*/ 6079787 h 6079787"/>
+              <a:gd name="connsiteX8" fmla="*/ 0 w 3929975"/>
+              <a:gd name="connsiteY8" fmla="*/ 4325564 h 6079787"/>
+              <a:gd name="connsiteX9" fmla="*/ 42072 w 3929975"/>
+              <a:gd name="connsiteY9" fmla="*/ 3012604 h 6079787"/>
+              <a:gd name="connsiteX10" fmla="*/ 0 w 3929975"/>
+              <a:gd name="connsiteY10" fmla="*/ 1754223 h 6079787"/>
+              <a:gd name="connsiteX0" fmla="*/ 0 w 3929975"/>
+              <a:gd name="connsiteY0" fmla="*/ 1754223 h 6079787"/>
+              <a:gd name="connsiteX1" fmla="*/ 1754223 w 3929975"/>
+              <a:gd name="connsiteY1" fmla="*/ 0 h 6079787"/>
+              <a:gd name="connsiteX2" fmla="*/ 2223738 w 3929975"/>
+              <a:gd name="connsiteY2" fmla="*/ 7940 h 6079787"/>
+              <a:gd name="connsiteX3" fmla="*/ 3929975 w 3929975"/>
+              <a:gd name="connsiteY3" fmla="*/ 1754223 h 6079787"/>
+              <a:gd name="connsiteX4" fmla="*/ 3876123 w 3929975"/>
+              <a:gd name="connsiteY4" fmla="*/ 2946921 h 6079787"/>
+              <a:gd name="connsiteX5" fmla="*/ 3929975 w 3929975"/>
+              <a:gd name="connsiteY5" fmla="*/ 4325564 h 6079787"/>
+              <a:gd name="connsiteX6" fmla="*/ 2175752 w 3929975"/>
+              <a:gd name="connsiteY6" fmla="*/ 6079787 h 6079787"/>
+              <a:gd name="connsiteX7" fmla="*/ 1754223 w 3929975"/>
+              <a:gd name="connsiteY7" fmla="*/ 6079787 h 6079787"/>
+              <a:gd name="connsiteX8" fmla="*/ 0 w 3929975"/>
+              <a:gd name="connsiteY8" fmla="*/ 4325564 h 6079787"/>
+              <a:gd name="connsiteX9" fmla="*/ 42072 w 3929975"/>
+              <a:gd name="connsiteY9" fmla="*/ 3012604 h 6079787"/>
+              <a:gd name="connsiteX10" fmla="*/ 0 w 3929975"/>
+              <a:gd name="connsiteY10" fmla="*/ 1754223 h 6079787"/>
+              <a:gd name="connsiteX0" fmla="*/ 0 w 3929975"/>
+              <a:gd name="connsiteY0" fmla="*/ 1754223 h 6079787"/>
+              <a:gd name="connsiteX1" fmla="*/ 1754223 w 3929975"/>
+              <a:gd name="connsiteY1" fmla="*/ 0 h 6079787"/>
+              <a:gd name="connsiteX2" fmla="*/ 2223738 w 3929975"/>
+              <a:gd name="connsiteY2" fmla="*/ 7940 h 6079787"/>
+              <a:gd name="connsiteX3" fmla="*/ 3929975 w 3929975"/>
+              <a:gd name="connsiteY3" fmla="*/ 1754223 h 6079787"/>
+              <a:gd name="connsiteX4" fmla="*/ 3876123 w 3929975"/>
+              <a:gd name="connsiteY4" fmla="*/ 2946921 h 6079787"/>
+              <a:gd name="connsiteX5" fmla="*/ 3929975 w 3929975"/>
+              <a:gd name="connsiteY5" fmla="*/ 4325564 h 6079787"/>
+              <a:gd name="connsiteX6" fmla="*/ 2175752 w 3929975"/>
+              <a:gd name="connsiteY6" fmla="*/ 6079787 h 6079787"/>
+              <a:gd name="connsiteX7" fmla="*/ 1754223 w 3929975"/>
+              <a:gd name="connsiteY7" fmla="*/ 6079787 h 6079787"/>
+              <a:gd name="connsiteX8" fmla="*/ 0 w 3929975"/>
+              <a:gd name="connsiteY8" fmla="*/ 4325564 h 6079787"/>
+              <a:gd name="connsiteX9" fmla="*/ 42072 w 3929975"/>
+              <a:gd name="connsiteY9" fmla="*/ 3012604 h 6079787"/>
+              <a:gd name="connsiteX10" fmla="*/ 0 w 3929975"/>
+              <a:gd name="connsiteY10" fmla="*/ 1754223 h 6079787"/>
+              <a:gd name="connsiteX0" fmla="*/ 0 w 3929975"/>
+              <a:gd name="connsiteY0" fmla="*/ 1754223 h 6079787"/>
+              <a:gd name="connsiteX1" fmla="*/ 1754223 w 3929975"/>
+              <a:gd name="connsiteY1" fmla="*/ 0 h 6079787"/>
+              <a:gd name="connsiteX2" fmla="*/ 2223738 w 3929975"/>
+              <a:gd name="connsiteY2" fmla="*/ 7940 h 6079787"/>
+              <a:gd name="connsiteX3" fmla="*/ 3929975 w 3929975"/>
+              <a:gd name="connsiteY3" fmla="*/ 1754223 h 6079787"/>
+              <a:gd name="connsiteX4" fmla="*/ 3876123 w 3929975"/>
+              <a:gd name="connsiteY4" fmla="*/ 2946921 h 6079787"/>
+              <a:gd name="connsiteX5" fmla="*/ 3929975 w 3929975"/>
+              <a:gd name="connsiteY5" fmla="*/ 4325564 h 6079787"/>
+              <a:gd name="connsiteX6" fmla="*/ 2175752 w 3929975"/>
+              <a:gd name="connsiteY6" fmla="*/ 6079787 h 6079787"/>
+              <a:gd name="connsiteX7" fmla="*/ 1754223 w 3929975"/>
+              <a:gd name="connsiteY7" fmla="*/ 6079787 h 6079787"/>
+              <a:gd name="connsiteX8" fmla="*/ 0 w 3929975"/>
+              <a:gd name="connsiteY8" fmla="*/ 4325564 h 6079787"/>
+              <a:gd name="connsiteX9" fmla="*/ 42072 w 3929975"/>
+              <a:gd name="connsiteY9" fmla="*/ 3012604 h 6079787"/>
+              <a:gd name="connsiteX10" fmla="*/ 0 w 3929975"/>
+              <a:gd name="connsiteY10" fmla="*/ 1754223 h 6079787"/>
+              <a:gd name="connsiteX0" fmla="*/ 0 w 3929975"/>
+              <a:gd name="connsiteY0" fmla="*/ 1754223 h 6079787"/>
+              <a:gd name="connsiteX1" fmla="*/ 1754223 w 3929975"/>
+              <a:gd name="connsiteY1" fmla="*/ 0 h 6079787"/>
+              <a:gd name="connsiteX2" fmla="*/ 2223738 w 3929975"/>
+              <a:gd name="connsiteY2" fmla="*/ 7940 h 6079787"/>
+              <a:gd name="connsiteX3" fmla="*/ 3929975 w 3929975"/>
+              <a:gd name="connsiteY3" fmla="*/ 1754223 h 6079787"/>
+              <a:gd name="connsiteX4" fmla="*/ 3794731 w 3929975"/>
+              <a:gd name="connsiteY4" fmla="*/ 2850397 h 6079787"/>
+              <a:gd name="connsiteX5" fmla="*/ 3929975 w 3929975"/>
+              <a:gd name="connsiteY5" fmla="*/ 4325564 h 6079787"/>
+              <a:gd name="connsiteX6" fmla="*/ 2175752 w 3929975"/>
+              <a:gd name="connsiteY6" fmla="*/ 6079787 h 6079787"/>
+              <a:gd name="connsiteX7" fmla="*/ 1754223 w 3929975"/>
+              <a:gd name="connsiteY7" fmla="*/ 6079787 h 6079787"/>
+              <a:gd name="connsiteX8" fmla="*/ 0 w 3929975"/>
+              <a:gd name="connsiteY8" fmla="*/ 4325564 h 6079787"/>
+              <a:gd name="connsiteX9" fmla="*/ 42072 w 3929975"/>
+              <a:gd name="connsiteY9" fmla="*/ 3012604 h 6079787"/>
+              <a:gd name="connsiteX10" fmla="*/ 0 w 3929975"/>
+              <a:gd name="connsiteY10" fmla="*/ 1754223 h 6079787"/>
+              <a:gd name="connsiteX0" fmla="*/ 0 w 4076099"/>
+              <a:gd name="connsiteY0" fmla="*/ 1754223 h 6079787"/>
+              <a:gd name="connsiteX1" fmla="*/ 1754223 w 4076099"/>
+              <a:gd name="connsiteY1" fmla="*/ 0 h 6079787"/>
+              <a:gd name="connsiteX2" fmla="*/ 2223738 w 4076099"/>
+              <a:gd name="connsiteY2" fmla="*/ 7940 h 6079787"/>
+              <a:gd name="connsiteX3" fmla="*/ 3929975 w 4076099"/>
+              <a:gd name="connsiteY3" fmla="*/ 1754223 h 6079787"/>
+              <a:gd name="connsiteX4" fmla="*/ 3794731 w 4076099"/>
+              <a:gd name="connsiteY4" fmla="*/ 2850397 h 6079787"/>
+              <a:gd name="connsiteX5" fmla="*/ 4076099 w 4076099"/>
+              <a:gd name="connsiteY5" fmla="*/ 4425994 h 6079787"/>
+              <a:gd name="connsiteX6" fmla="*/ 2175752 w 4076099"/>
+              <a:gd name="connsiteY6" fmla="*/ 6079787 h 6079787"/>
+              <a:gd name="connsiteX7" fmla="*/ 1754223 w 4076099"/>
+              <a:gd name="connsiteY7" fmla="*/ 6079787 h 6079787"/>
+              <a:gd name="connsiteX8" fmla="*/ 0 w 4076099"/>
+              <a:gd name="connsiteY8" fmla="*/ 4325564 h 6079787"/>
+              <a:gd name="connsiteX9" fmla="*/ 42072 w 4076099"/>
+              <a:gd name="connsiteY9" fmla="*/ 3012604 h 6079787"/>
+              <a:gd name="connsiteX10" fmla="*/ 0 w 4076099"/>
+              <a:gd name="connsiteY10" fmla="*/ 1754223 h 6079787"/>
+              <a:gd name="connsiteX0" fmla="*/ 0 w 4076099"/>
+              <a:gd name="connsiteY0" fmla="*/ 1754223 h 6079787"/>
+              <a:gd name="connsiteX1" fmla="*/ 1754223 w 4076099"/>
+              <a:gd name="connsiteY1" fmla="*/ 0 h 6079787"/>
+              <a:gd name="connsiteX2" fmla="*/ 2223738 w 4076099"/>
+              <a:gd name="connsiteY2" fmla="*/ 7940 h 6079787"/>
+              <a:gd name="connsiteX3" fmla="*/ 3929975 w 4076099"/>
+              <a:gd name="connsiteY3" fmla="*/ 1754223 h 6079787"/>
+              <a:gd name="connsiteX4" fmla="*/ 3794731 w 4076099"/>
+              <a:gd name="connsiteY4" fmla="*/ 2850397 h 6079787"/>
+              <a:gd name="connsiteX5" fmla="*/ 4076099 w 4076099"/>
+              <a:gd name="connsiteY5" fmla="*/ 4425994 h 6079787"/>
+              <a:gd name="connsiteX6" fmla="*/ 2175752 w 4076099"/>
+              <a:gd name="connsiteY6" fmla="*/ 6079787 h 6079787"/>
+              <a:gd name="connsiteX7" fmla="*/ 1754223 w 4076099"/>
+              <a:gd name="connsiteY7" fmla="*/ 6079787 h 6079787"/>
+              <a:gd name="connsiteX8" fmla="*/ 0 w 4076099"/>
+              <a:gd name="connsiteY8" fmla="*/ 4325564 h 6079787"/>
+              <a:gd name="connsiteX9" fmla="*/ 42072 w 4076099"/>
+              <a:gd name="connsiteY9" fmla="*/ 3012604 h 6079787"/>
+              <a:gd name="connsiteX10" fmla="*/ 0 w 4076099"/>
+              <a:gd name="connsiteY10" fmla="*/ 1754223 h 6079787"/>
+              <a:gd name="connsiteX0" fmla="*/ 0 w 4076519"/>
+              <a:gd name="connsiteY0" fmla="*/ 1754223 h 6079787"/>
+              <a:gd name="connsiteX1" fmla="*/ 1754223 w 4076519"/>
+              <a:gd name="connsiteY1" fmla="*/ 0 h 6079787"/>
+              <a:gd name="connsiteX2" fmla="*/ 2223738 w 4076519"/>
+              <a:gd name="connsiteY2" fmla="*/ 7940 h 6079787"/>
+              <a:gd name="connsiteX3" fmla="*/ 3929975 w 4076519"/>
+              <a:gd name="connsiteY3" fmla="*/ 1754223 h 6079787"/>
+              <a:gd name="connsiteX4" fmla="*/ 3794731 w 4076519"/>
+              <a:gd name="connsiteY4" fmla="*/ 2850397 h 6079787"/>
+              <a:gd name="connsiteX5" fmla="*/ 4076099 w 4076519"/>
+              <a:gd name="connsiteY5" fmla="*/ 4425994 h 6079787"/>
+              <a:gd name="connsiteX6" fmla="*/ 2175752 w 4076519"/>
+              <a:gd name="connsiteY6" fmla="*/ 6079787 h 6079787"/>
+              <a:gd name="connsiteX7" fmla="*/ 1754223 w 4076519"/>
+              <a:gd name="connsiteY7" fmla="*/ 6079787 h 6079787"/>
+              <a:gd name="connsiteX8" fmla="*/ 0 w 4076519"/>
+              <a:gd name="connsiteY8" fmla="*/ 4325564 h 6079787"/>
+              <a:gd name="connsiteX9" fmla="*/ 42072 w 4076519"/>
+              <a:gd name="connsiteY9" fmla="*/ 3012604 h 6079787"/>
+              <a:gd name="connsiteX10" fmla="*/ 0 w 4076519"/>
+              <a:gd name="connsiteY10" fmla="*/ 1754223 h 6079787"/>
+              <a:gd name="connsiteX0" fmla="*/ 0 w 4152914"/>
+              <a:gd name="connsiteY0" fmla="*/ 1754223 h 6079787"/>
+              <a:gd name="connsiteX1" fmla="*/ 1754223 w 4152914"/>
+              <a:gd name="connsiteY1" fmla="*/ 0 h 6079787"/>
+              <a:gd name="connsiteX2" fmla="*/ 2223738 w 4152914"/>
+              <a:gd name="connsiteY2" fmla="*/ 7940 h 6079787"/>
+              <a:gd name="connsiteX3" fmla="*/ 3929975 w 4152914"/>
+              <a:gd name="connsiteY3" fmla="*/ 1754223 h 6079787"/>
+              <a:gd name="connsiteX4" fmla="*/ 3794731 w 4152914"/>
+              <a:gd name="connsiteY4" fmla="*/ 2850397 h 6079787"/>
+              <a:gd name="connsiteX5" fmla="*/ 4152568 w 4152914"/>
+              <a:gd name="connsiteY5" fmla="*/ 4613832 h 6079787"/>
+              <a:gd name="connsiteX6" fmla="*/ 2175752 w 4152914"/>
+              <a:gd name="connsiteY6" fmla="*/ 6079787 h 6079787"/>
+              <a:gd name="connsiteX7" fmla="*/ 1754223 w 4152914"/>
+              <a:gd name="connsiteY7" fmla="*/ 6079787 h 6079787"/>
+              <a:gd name="connsiteX8" fmla="*/ 0 w 4152914"/>
+              <a:gd name="connsiteY8" fmla="*/ 4325564 h 6079787"/>
+              <a:gd name="connsiteX9" fmla="*/ 42072 w 4152914"/>
+              <a:gd name="connsiteY9" fmla="*/ 3012604 h 6079787"/>
+              <a:gd name="connsiteX10" fmla="*/ 0 w 4152914"/>
+              <a:gd name="connsiteY10" fmla="*/ 1754223 h 6079787"/>
+              <a:gd name="connsiteX0" fmla="*/ 0 w 4152914"/>
+              <a:gd name="connsiteY0" fmla="*/ 1754223 h 6079787"/>
+              <a:gd name="connsiteX1" fmla="*/ 1754223 w 4152914"/>
+              <a:gd name="connsiteY1" fmla="*/ 0 h 6079787"/>
+              <a:gd name="connsiteX2" fmla="*/ 2223738 w 4152914"/>
+              <a:gd name="connsiteY2" fmla="*/ 7940 h 6079787"/>
+              <a:gd name="connsiteX3" fmla="*/ 3898087 w 4152914"/>
+              <a:gd name="connsiteY3" fmla="*/ 1637928 h 6079787"/>
+              <a:gd name="connsiteX4" fmla="*/ 3794731 w 4152914"/>
+              <a:gd name="connsiteY4" fmla="*/ 2850397 h 6079787"/>
+              <a:gd name="connsiteX5" fmla="*/ 4152568 w 4152914"/>
+              <a:gd name="connsiteY5" fmla="*/ 4613832 h 6079787"/>
+              <a:gd name="connsiteX6" fmla="*/ 2175752 w 4152914"/>
+              <a:gd name="connsiteY6" fmla="*/ 6079787 h 6079787"/>
+              <a:gd name="connsiteX7" fmla="*/ 1754223 w 4152914"/>
+              <a:gd name="connsiteY7" fmla="*/ 6079787 h 6079787"/>
+              <a:gd name="connsiteX8" fmla="*/ 0 w 4152914"/>
+              <a:gd name="connsiteY8" fmla="*/ 4325564 h 6079787"/>
+              <a:gd name="connsiteX9" fmla="*/ 42072 w 4152914"/>
+              <a:gd name="connsiteY9" fmla="*/ 3012604 h 6079787"/>
+              <a:gd name="connsiteX10" fmla="*/ 0 w 4152914"/>
+              <a:gd name="connsiteY10" fmla="*/ 1754223 h 6079787"/>
+              <a:gd name="connsiteX0" fmla="*/ 0 w 4152914"/>
+              <a:gd name="connsiteY0" fmla="*/ 1754223 h 6079787"/>
+              <a:gd name="connsiteX1" fmla="*/ 1754223 w 4152914"/>
+              <a:gd name="connsiteY1" fmla="*/ 0 h 6079787"/>
+              <a:gd name="connsiteX2" fmla="*/ 2223738 w 4152914"/>
+              <a:gd name="connsiteY2" fmla="*/ 7940 h 6079787"/>
+              <a:gd name="connsiteX3" fmla="*/ 3898087 w 4152914"/>
+              <a:gd name="connsiteY3" fmla="*/ 1637928 h 6079787"/>
+              <a:gd name="connsiteX4" fmla="*/ 3794731 w 4152914"/>
+              <a:gd name="connsiteY4" fmla="*/ 2850397 h 6079787"/>
+              <a:gd name="connsiteX5" fmla="*/ 4152568 w 4152914"/>
+              <a:gd name="connsiteY5" fmla="*/ 4613832 h 6079787"/>
+              <a:gd name="connsiteX6" fmla="*/ 2175752 w 4152914"/>
+              <a:gd name="connsiteY6" fmla="*/ 6079787 h 6079787"/>
+              <a:gd name="connsiteX7" fmla="*/ 1754223 w 4152914"/>
+              <a:gd name="connsiteY7" fmla="*/ 6079787 h 6079787"/>
+              <a:gd name="connsiteX8" fmla="*/ 0 w 4152914"/>
+              <a:gd name="connsiteY8" fmla="*/ 4325564 h 6079787"/>
+              <a:gd name="connsiteX9" fmla="*/ 42072 w 4152914"/>
+              <a:gd name="connsiteY9" fmla="*/ 3012604 h 6079787"/>
+              <a:gd name="connsiteX10" fmla="*/ 0 w 4152914"/>
+              <a:gd name="connsiteY10" fmla="*/ 1754223 h 6079787"/>
+              <a:gd name="connsiteX0" fmla="*/ 0 w 4152914"/>
+              <a:gd name="connsiteY0" fmla="*/ 1754223 h 6079787"/>
+              <a:gd name="connsiteX1" fmla="*/ 1754223 w 4152914"/>
+              <a:gd name="connsiteY1" fmla="*/ 0 h 6079787"/>
+              <a:gd name="connsiteX2" fmla="*/ 2223738 w 4152914"/>
+              <a:gd name="connsiteY2" fmla="*/ 7940 h 6079787"/>
+              <a:gd name="connsiteX3" fmla="*/ 3898087 w 4152914"/>
+              <a:gd name="connsiteY3" fmla="*/ 1637928 h 6079787"/>
+              <a:gd name="connsiteX4" fmla="*/ 3794731 w 4152914"/>
+              <a:gd name="connsiteY4" fmla="*/ 2850397 h 6079787"/>
+              <a:gd name="connsiteX5" fmla="*/ 4152568 w 4152914"/>
+              <a:gd name="connsiteY5" fmla="*/ 4613832 h 6079787"/>
+              <a:gd name="connsiteX6" fmla="*/ 2175752 w 4152914"/>
+              <a:gd name="connsiteY6" fmla="*/ 6079787 h 6079787"/>
+              <a:gd name="connsiteX7" fmla="*/ 1754223 w 4152914"/>
+              <a:gd name="connsiteY7" fmla="*/ 6079787 h 6079787"/>
+              <a:gd name="connsiteX8" fmla="*/ 0 w 4152914"/>
+              <a:gd name="connsiteY8" fmla="*/ 4325564 h 6079787"/>
+              <a:gd name="connsiteX9" fmla="*/ 342821 w 4152914"/>
+              <a:gd name="connsiteY9" fmla="*/ 3163394 h 6079787"/>
+              <a:gd name="connsiteX10" fmla="*/ 0 w 4152914"/>
+              <a:gd name="connsiteY10" fmla="*/ 1754223 h 6079787"/>
+              <a:gd name="connsiteX0" fmla="*/ 0 w 4152781"/>
+              <a:gd name="connsiteY0" fmla="*/ 1754223 h 6079787"/>
+              <a:gd name="connsiteX1" fmla="*/ 1754223 w 4152781"/>
+              <a:gd name="connsiteY1" fmla="*/ 0 h 6079787"/>
+              <a:gd name="connsiteX2" fmla="*/ 2223738 w 4152781"/>
+              <a:gd name="connsiteY2" fmla="*/ 7940 h 6079787"/>
+              <a:gd name="connsiteX3" fmla="*/ 3898087 w 4152781"/>
+              <a:gd name="connsiteY3" fmla="*/ 1637928 h 6079787"/>
+              <a:gd name="connsiteX4" fmla="*/ 3521924 w 4152781"/>
+              <a:gd name="connsiteY4" fmla="*/ 2856486 h 6079787"/>
+              <a:gd name="connsiteX5" fmla="*/ 4152568 w 4152781"/>
+              <a:gd name="connsiteY5" fmla="*/ 4613832 h 6079787"/>
+              <a:gd name="connsiteX6" fmla="*/ 2175752 w 4152781"/>
+              <a:gd name="connsiteY6" fmla="*/ 6079787 h 6079787"/>
+              <a:gd name="connsiteX7" fmla="*/ 1754223 w 4152781"/>
+              <a:gd name="connsiteY7" fmla="*/ 6079787 h 6079787"/>
+              <a:gd name="connsiteX8" fmla="*/ 0 w 4152781"/>
+              <a:gd name="connsiteY8" fmla="*/ 4325564 h 6079787"/>
+              <a:gd name="connsiteX9" fmla="*/ 342821 w 4152781"/>
+              <a:gd name="connsiteY9" fmla="*/ 3163394 h 6079787"/>
+              <a:gd name="connsiteX10" fmla="*/ 0 w 4152781"/>
+              <a:gd name="connsiteY10" fmla="*/ 1754223 h 6079787"/>
+              <a:gd name="connsiteX0" fmla="*/ 0 w 4152778"/>
+              <a:gd name="connsiteY0" fmla="*/ 1876559 h 6202123"/>
+              <a:gd name="connsiteX1" fmla="*/ 1354792 w 4152778"/>
+              <a:gd name="connsiteY1" fmla="*/ -1 h 6202123"/>
+              <a:gd name="connsiteX2" fmla="*/ 2223738 w 4152778"/>
+              <a:gd name="connsiteY2" fmla="*/ 130276 h 6202123"/>
+              <a:gd name="connsiteX3" fmla="*/ 3898087 w 4152778"/>
+              <a:gd name="connsiteY3" fmla="*/ 1760264 h 6202123"/>
+              <a:gd name="connsiteX4" fmla="*/ 3521924 w 4152778"/>
+              <a:gd name="connsiteY4" fmla="*/ 2978822 h 6202123"/>
+              <a:gd name="connsiteX5" fmla="*/ 4152568 w 4152778"/>
+              <a:gd name="connsiteY5" fmla="*/ 4736168 h 6202123"/>
+              <a:gd name="connsiteX6" fmla="*/ 2175752 w 4152778"/>
+              <a:gd name="connsiteY6" fmla="*/ 6202123 h 6202123"/>
+              <a:gd name="connsiteX7" fmla="*/ 1754223 w 4152778"/>
+              <a:gd name="connsiteY7" fmla="*/ 6202123 h 6202123"/>
+              <a:gd name="connsiteX8" fmla="*/ 0 w 4152778"/>
+              <a:gd name="connsiteY8" fmla="*/ 4447900 h 6202123"/>
+              <a:gd name="connsiteX9" fmla="*/ 342821 w 4152778"/>
+              <a:gd name="connsiteY9" fmla="*/ 3285730 h 6202123"/>
+              <a:gd name="connsiteX10" fmla="*/ 0 w 4152778"/>
+              <a:gd name="connsiteY10" fmla="*/ 1876559 h 6202123"/>
+              <a:gd name="connsiteX0" fmla="*/ 0 w 4152778"/>
+              <a:gd name="connsiteY0" fmla="*/ 1879694 h 6205258"/>
+              <a:gd name="connsiteX1" fmla="*/ 1354792 w 4152778"/>
+              <a:gd name="connsiteY1" fmla="*/ 3134 h 6205258"/>
+              <a:gd name="connsiteX2" fmla="*/ 2320321 w 4152778"/>
+              <a:gd name="connsiteY2" fmla="*/ -1 h 6205258"/>
+              <a:gd name="connsiteX3" fmla="*/ 3898087 w 4152778"/>
+              <a:gd name="connsiteY3" fmla="*/ 1763399 h 6205258"/>
+              <a:gd name="connsiteX4" fmla="*/ 3521924 w 4152778"/>
+              <a:gd name="connsiteY4" fmla="*/ 2981957 h 6205258"/>
+              <a:gd name="connsiteX5" fmla="*/ 4152568 w 4152778"/>
+              <a:gd name="connsiteY5" fmla="*/ 4739303 h 6205258"/>
+              <a:gd name="connsiteX6" fmla="*/ 2175752 w 4152778"/>
+              <a:gd name="connsiteY6" fmla="*/ 6205258 h 6205258"/>
+              <a:gd name="connsiteX7" fmla="*/ 1754223 w 4152778"/>
+              <a:gd name="connsiteY7" fmla="*/ 6205258 h 6205258"/>
+              <a:gd name="connsiteX8" fmla="*/ 0 w 4152778"/>
+              <a:gd name="connsiteY8" fmla="*/ 4451035 h 6205258"/>
+              <a:gd name="connsiteX9" fmla="*/ 342821 w 4152778"/>
+              <a:gd name="connsiteY9" fmla="*/ 3288865 h 6205258"/>
+              <a:gd name="connsiteX10" fmla="*/ 0 w 4152778"/>
+              <a:gd name="connsiteY10" fmla="*/ 1879694 h 6205258"/>
+              <a:gd name="connsiteX0" fmla="*/ 0 w 4152778"/>
+              <a:gd name="connsiteY0" fmla="*/ 1935123 h 6260687"/>
+              <a:gd name="connsiteX1" fmla="*/ 1626554 w 4152778"/>
+              <a:gd name="connsiteY1" fmla="*/ -2 h 6260687"/>
+              <a:gd name="connsiteX2" fmla="*/ 2320321 w 4152778"/>
+              <a:gd name="connsiteY2" fmla="*/ 55428 h 6260687"/>
+              <a:gd name="connsiteX3" fmla="*/ 3898087 w 4152778"/>
+              <a:gd name="connsiteY3" fmla="*/ 1818828 h 6260687"/>
+              <a:gd name="connsiteX4" fmla="*/ 3521924 w 4152778"/>
+              <a:gd name="connsiteY4" fmla="*/ 3037386 h 6260687"/>
+              <a:gd name="connsiteX5" fmla="*/ 4152568 w 4152778"/>
+              <a:gd name="connsiteY5" fmla="*/ 4794732 h 6260687"/>
+              <a:gd name="connsiteX6" fmla="*/ 2175752 w 4152778"/>
+              <a:gd name="connsiteY6" fmla="*/ 6260687 h 6260687"/>
+              <a:gd name="connsiteX7" fmla="*/ 1754223 w 4152778"/>
+              <a:gd name="connsiteY7" fmla="*/ 6260687 h 6260687"/>
+              <a:gd name="connsiteX8" fmla="*/ 0 w 4152778"/>
+              <a:gd name="connsiteY8" fmla="*/ 4506464 h 6260687"/>
+              <a:gd name="connsiteX9" fmla="*/ 342821 w 4152778"/>
+              <a:gd name="connsiteY9" fmla="*/ 3344294 h 6260687"/>
+              <a:gd name="connsiteX10" fmla="*/ 0 w 4152778"/>
+              <a:gd name="connsiteY10" fmla="*/ 1935123 h 6260687"/>
+              <a:gd name="connsiteX0" fmla="*/ 7635 w 4160413"/>
+              <a:gd name="connsiteY0" fmla="*/ 1935127 h 6260691"/>
+              <a:gd name="connsiteX1" fmla="*/ 1634189 w 4160413"/>
+              <a:gd name="connsiteY1" fmla="*/ 2 h 6260691"/>
+              <a:gd name="connsiteX2" fmla="*/ 2327956 w 4160413"/>
+              <a:gd name="connsiteY2" fmla="*/ 55432 h 6260691"/>
+              <a:gd name="connsiteX3" fmla="*/ 3905722 w 4160413"/>
+              <a:gd name="connsiteY3" fmla="*/ 1818832 h 6260691"/>
+              <a:gd name="connsiteX4" fmla="*/ 3529559 w 4160413"/>
+              <a:gd name="connsiteY4" fmla="*/ 3037390 h 6260691"/>
+              <a:gd name="connsiteX5" fmla="*/ 4160203 w 4160413"/>
+              <a:gd name="connsiteY5" fmla="*/ 4794736 h 6260691"/>
+              <a:gd name="connsiteX6" fmla="*/ 2183387 w 4160413"/>
+              <a:gd name="connsiteY6" fmla="*/ 6260691 h 6260691"/>
+              <a:gd name="connsiteX7" fmla="*/ 1761858 w 4160413"/>
+              <a:gd name="connsiteY7" fmla="*/ 6260691 h 6260691"/>
+              <a:gd name="connsiteX8" fmla="*/ 2 w 4160413"/>
+              <a:gd name="connsiteY8" fmla="*/ 4651379 h 6260691"/>
+              <a:gd name="connsiteX9" fmla="*/ 350456 w 4160413"/>
+              <a:gd name="connsiteY9" fmla="*/ 3344298 h 6260691"/>
+              <a:gd name="connsiteX10" fmla="*/ 7635 w 4160413"/>
+              <a:gd name="connsiteY10" fmla="*/ 1935127 h 6260691"/>
+              <a:gd name="connsiteX0" fmla="*/ 7632 w 4160410"/>
+              <a:gd name="connsiteY0" fmla="*/ 1935123 h 6260687"/>
+              <a:gd name="connsiteX1" fmla="*/ 1634186 w 4160410"/>
+              <a:gd name="connsiteY1" fmla="*/ -2 h 6260687"/>
+              <a:gd name="connsiteX2" fmla="*/ 2327953 w 4160410"/>
+              <a:gd name="connsiteY2" fmla="*/ 55428 h 6260687"/>
+              <a:gd name="connsiteX3" fmla="*/ 3905719 w 4160410"/>
+              <a:gd name="connsiteY3" fmla="*/ 1818828 h 6260687"/>
+              <a:gd name="connsiteX4" fmla="*/ 3529556 w 4160410"/>
+              <a:gd name="connsiteY4" fmla="*/ 3037386 h 6260687"/>
+              <a:gd name="connsiteX5" fmla="*/ 4160200 w 4160410"/>
+              <a:gd name="connsiteY5" fmla="*/ 4794732 h 6260687"/>
+              <a:gd name="connsiteX6" fmla="*/ 2183384 w 4160410"/>
+              <a:gd name="connsiteY6" fmla="*/ 6260687 h 6260687"/>
+              <a:gd name="connsiteX7" fmla="*/ 1761855 w 4160410"/>
+              <a:gd name="connsiteY7" fmla="*/ 6260687 h 6260687"/>
+              <a:gd name="connsiteX8" fmla="*/ -1 w 4160410"/>
+              <a:gd name="connsiteY8" fmla="*/ 4651375 h 6260687"/>
+              <a:gd name="connsiteX9" fmla="*/ 350453 w 4160410"/>
+              <a:gd name="connsiteY9" fmla="*/ 3344294 h 6260687"/>
+              <a:gd name="connsiteX10" fmla="*/ 7632 w 4160410"/>
+              <a:gd name="connsiteY10" fmla="*/ 1935123 h 6260687"/>
+            </a:gdLst>
+            <a:ahLst/>
+            <a:cxnLst>
+              <a:cxn ang="0">
+                <a:pos x="connsiteX0" y="connsiteY0"/>
+              </a:cxn>
+              <a:cxn ang="0">
+                <a:pos x="connsiteX1" y="connsiteY1"/>
+              </a:cxn>
+              <a:cxn ang="0">
+                <a:pos x="connsiteX2" y="connsiteY2"/>
+              </a:cxn>
+              <a:cxn ang="0">
+                <a:pos x="connsiteX3" y="connsiteY3"/>
+              </a:cxn>
+              <a:cxn ang="0">
+                <a:pos x="connsiteX4" y="connsiteY4"/>
+              </a:cxn>
+              <a:cxn ang="0">
+                <a:pos x="connsiteX5" y="connsiteY5"/>
+              </a:cxn>
+              <a:cxn ang="0">
+                <a:pos x="connsiteX6" y="connsiteY6"/>
+              </a:cxn>
+              <a:cxn ang="0">
+                <a:pos x="connsiteX7" y="connsiteY7"/>
+              </a:cxn>
+              <a:cxn ang="0">
+                <a:pos x="connsiteX8" y="connsiteY8"/>
+              </a:cxn>
+              <a:cxn ang="0">
+                <a:pos x="connsiteX9" y="connsiteY9"/>
+              </a:cxn>
+              <a:cxn ang="0">
+                <a:pos x="connsiteX10" y="connsiteY10"/>
+              </a:cxn>
+            </a:cxnLst>
+            <a:rect l="l" t="t" r="r" b="b"/>
+            <a:pathLst>
+              <a:path w="4160410" h="6260687">
+                <a:moveTo>
+                  <a:pt x="7632" y="1935123"/>
+                </a:moveTo>
+                <a:cubicBezTo>
+                  <a:pt x="7632" y="966292"/>
+                  <a:pt x="665355" y="-2"/>
+                  <a:pt x="1634186" y="-2"/>
+                </a:cubicBezTo>
+                <a:lnTo>
+                  <a:pt x="2327953" y="55428"/>
+                </a:lnTo>
+                <a:cubicBezTo>
+                  <a:pt x="3256723" y="189995"/>
+                  <a:pt x="3905719" y="849997"/>
+                  <a:pt x="3905719" y="1818828"/>
+                </a:cubicBezTo>
+                <a:cubicBezTo>
+                  <a:pt x="3881604" y="2385076"/>
+                  <a:pt x="3564008" y="2633230"/>
+                  <a:pt x="3529556" y="3037386"/>
+                </a:cubicBezTo>
+                <a:cubicBezTo>
+                  <a:pt x="3479112" y="3828726"/>
+                  <a:pt x="4174299" y="4276042"/>
+                  <a:pt x="4160200" y="4794732"/>
+                </a:cubicBezTo>
+                <a:cubicBezTo>
+                  <a:pt x="4160200" y="5763563"/>
+                  <a:pt x="3152215" y="6260687"/>
+                  <a:pt x="2183384" y="6260687"/>
+                </a:cubicBezTo>
+                <a:lnTo>
+                  <a:pt x="1761855" y="6260687"/>
+                </a:lnTo>
+                <a:cubicBezTo>
+                  <a:pt x="793024" y="6260687"/>
+                  <a:pt x="-1" y="5620206"/>
+                  <a:pt x="-1" y="4651375"/>
+                </a:cubicBezTo>
+                <a:cubicBezTo>
+                  <a:pt x="27015" y="4110057"/>
+                  <a:pt x="236179" y="3731684"/>
+                  <a:pt x="350453" y="3344294"/>
+                </a:cubicBezTo>
+                <a:cubicBezTo>
+                  <a:pt x="336429" y="2924834"/>
+                  <a:pt x="21656" y="2354583"/>
+                  <a:pt x="7632" y="1935123"/>
+                </a:cubicBezTo>
+                <a:close/>
+              </a:path>
+            </a:pathLst>
+          </a:custGeom>
+          <a:solidFill>
+            <a:srgbClr val="AC1515"/>
+          </a:solidFill>
+          <a:ln w="25400">
+            <a:solidFill>
+              <a:schemeClr val="tx1"/>
+            </a:solidFill>
+          </a:ln>
+          <a:effectLst>
+            <a:innerShdw dist="101600" dir="2580000">
+              <a:prstClr val="black">
+                <a:alpha val="16000"/>
+              </a:prstClr>
+            </a:innerShdw>
+          </a:effectLst>
+        </p:spPr>
+        <p:style>
+          <a:lnRef idx="2">
+            <a:schemeClr val="accent1">
+              <a:shade val="50000"/>
+            </a:schemeClr>
+          </a:lnRef>
+          <a:fillRef idx="1">
+            <a:schemeClr val="accent1"/>
+          </a:fillRef>
+          <a:effectRef idx="0">
+            <a:schemeClr val="accent1"/>
+          </a:effectRef>
+          <a:fontRef idx="minor">
+            <a:schemeClr val="lt1"/>
+          </a:fontRef>
+        </p:style>
+        <p:txBody>
+          <a:bodyPr rtlCol="0" anchor="ctr"/>
+          <a:lstStyle/>
+          <a:p>
+            <a:pPr algn="ctr"/>
+            <a:endParaRPr lang="sv-SE"/>
+          </a:p>
+        </p:txBody>
+      </p:sp>
+      <p:sp>
+        <p:nvSpPr>
+          <p:cNvPr id="28" name="Freeform 27"/>
+          <p:cNvSpPr/>
+          <p:nvPr/>
+        </p:nvSpPr>
+        <p:spPr>
+          <a:xfrm rot="3225449">
+            <a:off x="5940517" y="3720866"/>
+            <a:ext cx="356550" cy="206238"/>
+          </a:xfrm>
+          <a:custGeom>
+            <a:avLst/>
+            <a:gdLst>
+              <a:gd name="connsiteX0" fmla="*/ 279941 w 578895"/>
+              <a:gd name="connsiteY0" fmla="*/ 5179 h 369751"/>
+              <a:gd name="connsiteX1" fmla="*/ 578752 w 578895"/>
+              <a:gd name="connsiteY1" fmla="*/ 155061 h 369751"/>
+              <a:gd name="connsiteX2" fmla="*/ 118421 w 578895"/>
+              <a:gd name="connsiteY2" fmla="*/ 367303 h 369751"/>
+              <a:gd name="connsiteX3" fmla="*/ 23092 w 578895"/>
+              <a:gd name="connsiteY3" fmla="*/ 369606 h 369751"/>
+              <a:gd name="connsiteX4" fmla="*/ 0 w 578895"/>
+              <a:gd name="connsiteY4" fmla="*/ 368304 h 369751"/>
+              <a:gd name="connsiteX5" fmla="*/ 0 w 578895"/>
+              <a:gd name="connsiteY5" fmla="*/ 12258 h 369751"/>
+              <a:gd name="connsiteX6" fmla="*/ 505 w 578895"/>
+              <a:gd name="connsiteY6" fmla="*/ 12164 h 369751"/>
+              <a:gd name="connsiteX7" fmla="*/ 95367 w 578895"/>
+              <a:gd name="connsiteY7" fmla="*/ 2449 h 369751"/>
+              <a:gd name="connsiteX8" fmla="*/ 279941 w 578895"/>
+              <a:gd name="connsiteY8" fmla="*/ 5179 h 369751"/>
+              <a:gd name="connsiteX0" fmla="*/ 279941 w 578895"/>
+              <a:gd name="connsiteY0" fmla="*/ 5179 h 369751"/>
+              <a:gd name="connsiteX1" fmla="*/ 578752 w 578895"/>
+              <a:gd name="connsiteY1" fmla="*/ 155061 h 369751"/>
+              <a:gd name="connsiteX2" fmla="*/ 118421 w 578895"/>
+              <a:gd name="connsiteY2" fmla="*/ 367303 h 369751"/>
+              <a:gd name="connsiteX3" fmla="*/ 23092 w 578895"/>
+              <a:gd name="connsiteY3" fmla="*/ 369606 h 369751"/>
+              <a:gd name="connsiteX4" fmla="*/ 0 w 578895"/>
+              <a:gd name="connsiteY4" fmla="*/ 368304 h 369751"/>
+              <a:gd name="connsiteX5" fmla="*/ 1303 w 578895"/>
+              <a:gd name="connsiteY5" fmla="*/ 209922 h 369751"/>
+              <a:gd name="connsiteX6" fmla="*/ 0 w 578895"/>
+              <a:gd name="connsiteY6" fmla="*/ 12258 h 369751"/>
+              <a:gd name="connsiteX7" fmla="*/ 505 w 578895"/>
+              <a:gd name="connsiteY7" fmla="*/ 12164 h 369751"/>
+              <a:gd name="connsiteX8" fmla="*/ 95367 w 578895"/>
+              <a:gd name="connsiteY8" fmla="*/ 2449 h 369751"/>
+              <a:gd name="connsiteX9" fmla="*/ 279941 w 578895"/>
+              <a:gd name="connsiteY9" fmla="*/ 5179 h 369751"/>
+              <a:gd name="connsiteX0" fmla="*/ 340282 w 639236"/>
+              <a:gd name="connsiteY0" fmla="*/ 5179 h 369751"/>
+              <a:gd name="connsiteX1" fmla="*/ 639093 w 639236"/>
+              <a:gd name="connsiteY1" fmla="*/ 155061 h 369751"/>
+              <a:gd name="connsiteX2" fmla="*/ 178762 w 639236"/>
+              <a:gd name="connsiteY2" fmla="*/ 367303 h 369751"/>
+              <a:gd name="connsiteX3" fmla="*/ 83433 w 639236"/>
+              <a:gd name="connsiteY3" fmla="*/ 369606 h 369751"/>
+              <a:gd name="connsiteX4" fmla="*/ 60341 w 639236"/>
+              <a:gd name="connsiteY4" fmla="*/ 368304 h 369751"/>
+              <a:gd name="connsiteX5" fmla="*/ 2 w 639236"/>
+              <a:gd name="connsiteY5" fmla="*/ 181615 h 369751"/>
+              <a:gd name="connsiteX6" fmla="*/ 60341 w 639236"/>
+              <a:gd name="connsiteY6" fmla="*/ 12258 h 369751"/>
+              <a:gd name="connsiteX7" fmla="*/ 60846 w 639236"/>
+              <a:gd name="connsiteY7" fmla="*/ 12164 h 369751"/>
+              <a:gd name="connsiteX8" fmla="*/ 155708 w 639236"/>
+              <a:gd name="connsiteY8" fmla="*/ 2449 h 369751"/>
+              <a:gd name="connsiteX9" fmla="*/ 340282 w 639236"/>
+              <a:gd name="connsiteY9" fmla="*/ 5179 h 369751"/>
+            </a:gdLst>
+            <a:ahLst/>
+            <a:cxnLst>
+              <a:cxn ang="0">
+                <a:pos x="connsiteX0" y="connsiteY0"/>
+              </a:cxn>
+              <a:cxn ang="0">
+                <a:pos x="connsiteX1" y="connsiteY1"/>
+              </a:cxn>
+              <a:cxn ang="0">
+                <a:pos x="connsiteX2" y="connsiteY2"/>
+              </a:cxn>
+              <a:cxn ang="0">
+                <a:pos x="connsiteX3" y="connsiteY3"/>
+              </a:cxn>
+              <a:cxn ang="0">
+                <a:pos x="connsiteX4" y="connsiteY4"/>
+              </a:cxn>
+              <a:cxn ang="0">
+                <a:pos x="connsiteX5" y="connsiteY5"/>
+              </a:cxn>
+              <a:cxn ang="0">
+                <a:pos x="connsiteX6" y="connsiteY6"/>
+              </a:cxn>
+              <a:cxn ang="0">
+                <a:pos x="connsiteX7" y="connsiteY7"/>
+              </a:cxn>
+              <a:cxn ang="0">
+                <a:pos x="connsiteX8" y="connsiteY8"/>
+              </a:cxn>
+              <a:cxn ang="0">
+                <a:pos x="connsiteX9" y="connsiteY9"/>
+              </a:cxn>
+            </a:cxnLst>
+            <a:rect l="l" t="t" r="r" b="b"/>
+            <a:pathLst>
+              <a:path w="639236" h="369751">
+                <a:moveTo>
+                  <a:pt x="340282" y="5179"/>
+                </a:moveTo>
+                <a:cubicBezTo>
+                  <a:pt x="511389" y="22172"/>
+                  <a:pt x="634318" y="79497"/>
+                  <a:pt x="639093" y="155061"/>
+                </a:cubicBezTo>
+                <a:cubicBezTo>
+                  <a:pt x="645459" y="255813"/>
+                  <a:pt x="439362" y="350837"/>
+                  <a:pt x="178762" y="367303"/>
+                </a:cubicBezTo>
+                <a:cubicBezTo>
+                  <a:pt x="146187" y="369362"/>
+                  <a:pt x="114302" y="370095"/>
+                  <a:pt x="83433" y="369606"/>
+                </a:cubicBezTo>
+                <a:lnTo>
+                  <a:pt x="60341" y="368304"/>
+                </a:lnTo>
+                <a:cubicBezTo>
+                  <a:pt x="60775" y="315510"/>
+                  <a:pt x="-432" y="234409"/>
+                  <a:pt x="2" y="181615"/>
+                </a:cubicBezTo>
+                <a:cubicBezTo>
+                  <a:pt x="-432" y="115727"/>
+                  <a:pt x="60775" y="78146"/>
+                  <a:pt x="60341" y="12258"/>
+                </a:cubicBezTo>
+                <a:lnTo>
+                  <a:pt x="60846" y="12164"/>
+                </a:lnTo>
+                <a:cubicBezTo>
+                  <a:pt x="91410" y="7793"/>
+                  <a:pt x="123133" y="4507"/>
+                  <a:pt x="155708" y="2449"/>
+                </a:cubicBezTo>
+                <a:cubicBezTo>
+                  <a:pt x="220858" y="-1668"/>
+                  <a:pt x="283247" y="-485"/>
+                  <a:pt x="340282" y="5179"/>
+                </a:cubicBezTo>
+                <a:close/>
+              </a:path>
+            </a:pathLst>
+          </a:custGeom>
+          <a:solidFill>
+            <a:srgbClr val="CC9F6E"/>
+          </a:solidFill>
+          <a:ln w="25400">
+            <a:solidFill>
+              <a:schemeClr val="tx1"/>
+            </a:solidFill>
+          </a:ln>
+        </p:spPr>
+        <p:style>
+          <a:lnRef idx="2">
+            <a:schemeClr val="accent1">
+              <a:shade val="50000"/>
+            </a:schemeClr>
+          </a:lnRef>
+          <a:fillRef idx="1">
+            <a:schemeClr val="accent1"/>
+          </a:fillRef>
+          <a:effectRef idx="0">
+            <a:schemeClr val="accent1"/>
+          </a:effectRef>
+          <a:fontRef idx="minor">
+            <a:schemeClr val="lt1"/>
+          </a:fontRef>
+        </p:style>
+        <p:txBody>
+          <a:bodyPr rtlCol="0" anchor="ctr"/>
+          <a:lstStyle/>
+          <a:p>
+            <a:pPr algn="ctr"/>
+            <a:endParaRPr lang="sv-SE"/>
+          </a:p>
+        </p:txBody>
+      </p:sp>
+      <p:sp>
+        <p:nvSpPr>
+          <p:cNvPr id="39" name="Freeform 38"/>
+          <p:cNvSpPr/>
+          <p:nvPr/>
+        </p:nvSpPr>
+        <p:spPr>
+          <a:xfrm>
+            <a:off x="5896749" y="3550765"/>
+            <a:ext cx="307127" cy="289742"/>
+          </a:xfrm>
+          <a:custGeom>
+            <a:avLst/>
+            <a:gdLst>
+              <a:gd name="connsiteX0" fmla="*/ 146353 w 313980"/>
+              <a:gd name="connsiteY0" fmla="*/ 1038 h 264467"/>
+              <a:gd name="connsiteX1" fmla="*/ 208128 w 313980"/>
+              <a:gd name="connsiteY1" fmla="*/ 17880 h 264467"/>
+              <a:gd name="connsiteX2" fmla="*/ 305373 w 313980"/>
+              <a:gd name="connsiteY2" fmla="*/ 198588 h 264467"/>
+              <a:gd name="connsiteX3" fmla="*/ 105854 w 313980"/>
+              <a:gd name="connsiteY3" fmla="*/ 246589 h 264467"/>
+              <a:gd name="connsiteX4" fmla="*/ 8608 w 313980"/>
+              <a:gd name="connsiteY4" fmla="*/ 65881 h 264467"/>
+              <a:gd name="connsiteX5" fmla="*/ 146353 w 313980"/>
+              <a:gd name="connsiteY5" fmla="*/ 1038 h 264467"/>
+            </a:gdLst>
+            <a:ahLst/>
+            <a:cxnLst>
+              <a:cxn ang="0">
+                <a:pos x="connsiteX0" y="connsiteY0"/>
+              </a:cxn>
+              <a:cxn ang="0">
+                <a:pos x="connsiteX1" y="connsiteY1"/>
+              </a:cxn>
+              <a:cxn ang="0">
+                <a:pos x="connsiteX2" y="connsiteY2"/>
+              </a:cxn>
+              <a:cxn ang="0">
+                <a:pos x="connsiteX3" y="connsiteY3"/>
+              </a:cxn>
+              <a:cxn ang="0">
+                <a:pos x="connsiteX4" y="connsiteY4"/>
+              </a:cxn>
+              <a:cxn ang="0">
+                <a:pos x="connsiteX5" y="connsiteY5"/>
+              </a:cxn>
+            </a:cxnLst>
+            <a:rect l="l" t="t" r="r" b="b"/>
+            <a:pathLst>
+              <a:path w="313980" h="264467">
+                <a:moveTo>
+                  <a:pt x="146353" y="1038"/>
+                </a:moveTo>
+                <a:cubicBezTo>
+                  <a:pt x="166692" y="3190"/>
+                  <a:pt x="187641" y="8718"/>
+                  <a:pt x="208128" y="17880"/>
+                </a:cubicBezTo>
+                <a:cubicBezTo>
+                  <a:pt x="290078" y="54525"/>
+                  <a:pt x="333616" y="135431"/>
+                  <a:pt x="305373" y="198588"/>
+                </a:cubicBezTo>
+                <a:cubicBezTo>
+                  <a:pt x="277131" y="261745"/>
+                  <a:pt x="187803" y="283236"/>
+                  <a:pt x="105854" y="246589"/>
+                </a:cubicBezTo>
+                <a:cubicBezTo>
+                  <a:pt x="23905" y="209943"/>
+                  <a:pt x="-19635" y="129038"/>
+                  <a:pt x="8608" y="65881"/>
+                </a:cubicBezTo>
+                <a:cubicBezTo>
+                  <a:pt x="29790" y="18513"/>
+                  <a:pt x="85333" y="-5418"/>
+                  <a:pt x="146353" y="1038"/>
+                </a:cubicBezTo>
+                <a:close/>
+              </a:path>
+            </a:pathLst>
+          </a:custGeom>
+          <a:solidFill>
+            <a:srgbClr val="AC1515"/>
+          </a:solidFill>
+          <a:ln w="25400">
+            <a:solidFill>
+              <a:schemeClr val="tx1"/>
+            </a:solidFill>
+          </a:ln>
+          <a:effectLst>
+            <a:innerShdw dist="101600" dir="2580000">
+              <a:prstClr val="black">
+                <a:alpha val="16000"/>
+              </a:prstClr>
+            </a:innerShdw>
+          </a:effectLst>
+        </p:spPr>
+        <p:style>
+          <a:lnRef idx="2">
+            <a:schemeClr val="accent1">
+              <a:shade val="50000"/>
+            </a:schemeClr>
+          </a:lnRef>
+          <a:fillRef idx="1">
+            <a:schemeClr val="accent1"/>
+          </a:fillRef>
+          <a:effectRef idx="0">
+            <a:schemeClr val="accent1"/>
+          </a:effectRef>
+          <a:fontRef idx="minor">
+            <a:schemeClr val="lt1"/>
+          </a:fontRef>
+        </p:style>
+        <p:txBody>
+          <a:bodyPr rtlCol="0" anchor="ctr"/>
+          <a:lstStyle/>
+          <a:p>
+            <a:pPr algn="ctr"/>
+            <a:endParaRPr lang="sv-SE"/>
+          </a:p>
+        </p:txBody>
+      </p:sp>
+      <p:sp>
+        <p:nvSpPr>
+          <p:cNvPr id="58" name="Freeform 57"/>
+          <p:cNvSpPr/>
+          <p:nvPr/>
+        </p:nvSpPr>
+        <p:spPr>
+          <a:xfrm>
+            <a:off x="5128770" y="2894649"/>
+            <a:ext cx="957092" cy="778243"/>
+          </a:xfrm>
+          <a:custGeom>
+            <a:avLst/>
+            <a:gdLst>
+              <a:gd name="connsiteX0" fmla="*/ 228671 w 957092"/>
+              <a:gd name="connsiteY0" fmla="*/ 0 h 778243"/>
+              <a:gd name="connsiteX1" fmla="*/ 356524 w 957092"/>
+              <a:gd name="connsiteY1" fmla="*/ 44756 h 778243"/>
+              <a:gd name="connsiteX2" fmla="*/ 370019 w 957092"/>
+              <a:gd name="connsiteY2" fmla="*/ 57517 h 778243"/>
+              <a:gd name="connsiteX3" fmla="*/ 373245 w 957092"/>
+              <a:gd name="connsiteY3" fmla="*/ 55613 h 778243"/>
+              <a:gd name="connsiteX4" fmla="*/ 478835 w 957092"/>
+              <a:gd name="connsiteY4" fmla="*/ 108306 h 778243"/>
+              <a:gd name="connsiteX5" fmla="*/ 550837 w 957092"/>
+              <a:gd name="connsiteY5" fmla="*/ 61117 h 778243"/>
+              <a:gd name="connsiteX6" fmla="*/ 577484 w 957092"/>
+              <a:gd name="connsiteY6" fmla="*/ 65161 h 778243"/>
+              <a:gd name="connsiteX7" fmla="*/ 597144 w 957092"/>
+              <a:gd name="connsiteY7" fmla="*/ 47188 h 778243"/>
+              <a:gd name="connsiteX8" fmla="*/ 726754 w 957092"/>
+              <a:gd name="connsiteY8" fmla="*/ 195 h 778243"/>
+              <a:gd name="connsiteX9" fmla="*/ 773892 w 957092"/>
+              <a:gd name="connsiteY9" fmla="*/ 4166 h 778243"/>
+              <a:gd name="connsiteX10" fmla="*/ 951371 w 957092"/>
+              <a:gd name="connsiteY10" fmla="*/ 306781 h 778243"/>
+              <a:gd name="connsiteX11" fmla="*/ 671391 w 957092"/>
+              <a:gd name="connsiteY11" fmla="*/ 518171 h 778243"/>
+              <a:gd name="connsiteX12" fmla="*/ 667399 w 957092"/>
+              <a:gd name="connsiteY12" fmla="*/ 516955 h 778243"/>
+              <a:gd name="connsiteX13" fmla="*/ 575457 w 957092"/>
+              <a:gd name="connsiteY13" fmla="*/ 778243 h 778243"/>
+              <a:gd name="connsiteX14" fmla="*/ 235700 w 957092"/>
+              <a:gd name="connsiteY14" fmla="*/ 746428 h 778243"/>
+              <a:gd name="connsiteX15" fmla="*/ 201253 w 957092"/>
+              <a:gd name="connsiteY15" fmla="*/ 520958 h 778243"/>
+              <a:gd name="connsiteX16" fmla="*/ 182586 w 957092"/>
+              <a:gd name="connsiteY16" fmla="*/ 518802 h 778243"/>
+              <a:gd name="connsiteX17" fmla="*/ 0 w 957092"/>
+              <a:gd name="connsiteY17" fmla="*/ 262063 h 778243"/>
+              <a:gd name="connsiteX18" fmla="*/ 228671 w 957092"/>
+              <a:gd name="connsiteY18" fmla="*/ 0 h 778243"/>
+            </a:gdLst>
+            <a:ahLst/>
+            <a:cxnLst>
+              <a:cxn ang="0">
+                <a:pos x="connsiteX0" y="connsiteY0"/>
+              </a:cxn>
+              <a:cxn ang="0">
+                <a:pos x="connsiteX1" y="connsiteY1"/>
+              </a:cxn>
+              <a:cxn ang="0">
+                <a:pos x="connsiteX2" y="connsiteY2"/>
+              </a:cxn>
+              <a:cxn ang="0">
+                <a:pos x="connsiteX3" y="connsiteY3"/>
+              </a:cxn>
+              <a:cxn ang="0">
+                <a:pos x="connsiteX4" y="connsiteY4"/>
+              </a:cxn>
+              <a:cxn ang="0">
+                <a:pos x="connsiteX5" y="connsiteY5"/>
+              </a:cxn>
+              <a:cxn ang="0">
+                <a:pos x="connsiteX6" y="connsiteY6"/>
+              </a:cxn>
+              <a:cxn ang="0">
+                <a:pos x="connsiteX7" y="connsiteY7"/>
+              </a:cxn>
+              <a:cxn ang="0">
+                <a:pos x="connsiteX8" y="connsiteY8"/>
+              </a:cxn>
+              <a:cxn ang="0">
+                <a:pos x="connsiteX9" y="connsiteY9"/>
+              </a:cxn>
+              <a:cxn ang="0">
+                <a:pos x="connsiteX10" y="connsiteY10"/>
+              </a:cxn>
+              <a:cxn ang="0">
+                <a:pos x="connsiteX11" y="connsiteY11"/>
+              </a:cxn>
+              <a:cxn ang="0">
+                <a:pos x="connsiteX12" y="connsiteY12"/>
+              </a:cxn>
+              <a:cxn ang="0">
+                <a:pos x="connsiteX13" y="connsiteY13"/>
+              </a:cxn>
+              <a:cxn ang="0">
+                <a:pos x="connsiteX14" y="connsiteY14"/>
+              </a:cxn>
+              <a:cxn ang="0">
+                <a:pos x="connsiteX15" y="connsiteY15"/>
+              </a:cxn>
+              <a:cxn ang="0">
+                <a:pos x="connsiteX16" y="connsiteY16"/>
+              </a:cxn>
+              <a:cxn ang="0">
+                <a:pos x="connsiteX17" y="connsiteY17"/>
+              </a:cxn>
+              <a:cxn ang="0">
+                <a:pos x="connsiteX18" y="connsiteY18"/>
+              </a:cxn>
+            </a:cxnLst>
+            <a:rect l="l" t="t" r="r" b="b"/>
+            <a:pathLst>
+              <a:path w="957092" h="778243">
+                <a:moveTo>
+                  <a:pt x="228671" y="0"/>
+                </a:moveTo>
+                <a:cubicBezTo>
+                  <a:pt x="276031" y="0"/>
+                  <a:pt x="320028" y="16500"/>
+                  <a:pt x="356524" y="44756"/>
+                </a:cubicBezTo>
+                <a:lnTo>
+                  <a:pt x="370019" y="57517"/>
+                </a:lnTo>
+                <a:lnTo>
+                  <a:pt x="373245" y="55613"/>
+                </a:lnTo>
+                <a:cubicBezTo>
+                  <a:pt x="409691" y="45209"/>
+                  <a:pt x="457923" y="59636"/>
+                  <a:pt x="478835" y="108306"/>
+                </a:cubicBezTo>
+                <a:cubicBezTo>
+                  <a:pt x="496098" y="77498"/>
+                  <a:pt x="523842" y="63098"/>
+                  <a:pt x="550837" y="61117"/>
+                </a:cubicBezTo>
+                <a:lnTo>
+                  <a:pt x="577484" y="65161"/>
+                </a:lnTo>
+                <a:lnTo>
+                  <a:pt x="597144" y="47188"/>
+                </a:lnTo>
+                <a:cubicBezTo>
+                  <a:pt x="635144" y="18497"/>
+                  <a:pt x="680037" y="1558"/>
+                  <a:pt x="726754" y="195"/>
+                </a:cubicBezTo>
+                <a:cubicBezTo>
+                  <a:pt x="742326" y="-260"/>
+                  <a:pt x="758102" y="1017"/>
+                  <a:pt x="773892" y="4166"/>
+                </a:cubicBezTo>
+                <a:cubicBezTo>
+                  <a:pt x="900215" y="29357"/>
+                  <a:pt x="979675" y="164843"/>
+                  <a:pt x="951371" y="306781"/>
+                </a:cubicBezTo>
+                <a:cubicBezTo>
+                  <a:pt x="923066" y="448719"/>
+                  <a:pt x="797714" y="543362"/>
+                  <a:pt x="671391" y="518171"/>
+                </a:cubicBezTo>
+                <a:lnTo>
+                  <a:pt x="667399" y="516955"/>
+                </a:lnTo>
+                <a:lnTo>
+                  <a:pt x="575457" y="778243"/>
+                </a:lnTo>
+                <a:lnTo>
+                  <a:pt x="235700" y="746428"/>
+                </a:lnTo>
+                <a:lnTo>
+                  <a:pt x="201253" y="520958"/>
+                </a:lnTo>
+                <a:lnTo>
+                  <a:pt x="182586" y="518802"/>
+                </a:lnTo>
+                <a:cubicBezTo>
+                  <a:pt x="78384" y="494365"/>
+                  <a:pt x="0" y="388705"/>
+                  <a:pt x="0" y="262063"/>
+                </a:cubicBezTo>
+                <a:cubicBezTo>
+                  <a:pt x="0" y="117330"/>
+                  <a:pt x="102379" y="0"/>
+                  <a:pt x="228671" y="0"/>
+                </a:cubicBezTo>
+                <a:close/>
+              </a:path>
+            </a:pathLst>
+          </a:custGeom>
+          <a:solidFill>
+            <a:schemeClr val="accent4">
+              <a:lumMod val="60000"/>
+              <a:lumOff val="40000"/>
+            </a:schemeClr>
+          </a:solidFill>
+          <a:ln w="25400">
+            <a:solidFill>
+              <a:schemeClr val="tx1"/>
+            </a:solidFill>
+          </a:ln>
+          <a:effectLst>
+            <a:innerShdw dist="101600" dir="2580000">
+              <a:prstClr val="black">
+                <a:alpha val="16000"/>
+              </a:prstClr>
+            </a:innerShdw>
+          </a:effectLst>
+        </p:spPr>
+        <p:style>
+          <a:lnRef idx="2">
+            <a:schemeClr val="accent1">
+              <a:shade val="50000"/>
+            </a:schemeClr>
+          </a:lnRef>
+          <a:fillRef idx="1">
+            <a:schemeClr val="accent1"/>
+          </a:fillRef>
+          <a:effectRef idx="0">
+            <a:schemeClr val="accent1"/>
+          </a:effectRef>
+          <a:fontRef idx="minor">
+            <a:schemeClr val="lt1"/>
+          </a:fontRef>
+        </p:style>
+        <p:txBody>
+          <a:bodyPr rtlCol="0" anchor="ctr"/>
+          <a:lstStyle/>
+          <a:p>
+            <a:pPr algn="ctr"/>
+            <a:endParaRPr lang="sv-SE"/>
+          </a:p>
+        </p:txBody>
+      </p:sp>
+      <p:sp>
+        <p:nvSpPr>
+          <p:cNvPr id="15" name="Oval 14"/>
+          <p:cNvSpPr/>
+          <p:nvPr/>
+        </p:nvSpPr>
+        <p:spPr>
+          <a:xfrm>
+            <a:off x="5645437" y="2972982"/>
+            <a:ext cx="378240" cy="360714"/>
+          </a:xfrm>
+          <a:prstGeom prst="ellipse">
+            <a:avLst/>
+          </a:prstGeom>
+          <a:solidFill>
+            <a:srgbClr val="D7F5FF"/>
+          </a:solidFill>
+          <a:ln w="25400">
+            <a:solidFill>
+              <a:schemeClr val="tx1"/>
+            </a:solidFill>
+          </a:ln>
+          <a:effectLst>
+            <a:innerShdw dist="50800" dir="2220000">
+              <a:prstClr val="black">
+                <a:alpha val="54000"/>
+              </a:prstClr>
+            </a:innerShdw>
+          </a:effectLst>
+        </p:spPr>
+        <p:style>
+          <a:lnRef idx="2">
+            <a:schemeClr val="accent1">
+              <a:shade val="50000"/>
+            </a:schemeClr>
+          </a:lnRef>
+          <a:fillRef idx="1">
+            <a:schemeClr val="accent1"/>
+          </a:fillRef>
+          <a:effectRef idx="0">
+            <a:schemeClr val="accent1"/>
+          </a:effectRef>
+          <a:fontRef idx="minor">
+            <a:schemeClr val="lt1"/>
+          </a:fontRef>
+        </p:style>
+        <p:txBody>
+          <a:bodyPr rtlCol="0" anchor="ctr"/>
+          <a:lstStyle/>
+          <a:p>
+            <a:pPr algn="ctr"/>
+            <a:endParaRPr lang="sv-SE" dirty="0"/>
+          </a:p>
+        </p:txBody>
+      </p:sp>
+      <p:sp>
+        <p:nvSpPr>
+          <p:cNvPr id="16" name="Oval 15"/>
+          <p:cNvSpPr/>
+          <p:nvPr/>
+        </p:nvSpPr>
+        <p:spPr>
+          <a:xfrm>
+            <a:off x="5186636" y="2972837"/>
+            <a:ext cx="346248" cy="316290"/>
+          </a:xfrm>
+          <a:prstGeom prst="ellipse">
+            <a:avLst/>
+          </a:prstGeom>
+          <a:solidFill>
+            <a:srgbClr val="D7F5FF"/>
+          </a:solidFill>
+          <a:ln w="25400">
+            <a:solidFill>
+              <a:schemeClr val="tx1"/>
+            </a:solidFill>
+          </a:ln>
+          <a:effectLst>
+            <a:innerShdw dist="50800" dir="2220000">
+              <a:prstClr val="black">
+                <a:alpha val="54000"/>
+              </a:prstClr>
+            </a:innerShdw>
+          </a:effectLst>
+        </p:spPr>
+        <p:style>
+          <a:lnRef idx="2">
+            <a:schemeClr val="accent1">
+              <a:shade val="50000"/>
+            </a:schemeClr>
+          </a:lnRef>
+          <a:fillRef idx="1">
+            <a:schemeClr val="accent1"/>
+          </a:fillRef>
+          <a:effectRef idx="0">
+            <a:schemeClr val="accent1"/>
+          </a:effectRef>
+          <a:fontRef idx="minor">
+            <a:schemeClr val="lt1"/>
+          </a:fontRef>
+        </p:style>
+        <p:txBody>
+          <a:bodyPr rtlCol="0" anchor="ctr"/>
+          <a:lstStyle/>
+          <a:p>
+            <a:pPr algn="ctr"/>
+            <a:endParaRPr lang="sv-SE"/>
+          </a:p>
+        </p:txBody>
+      </p:sp>
+      <p:sp>
+        <p:nvSpPr>
+          <p:cNvPr id="17" name="Rounded Rectangle 16"/>
+          <p:cNvSpPr/>
+          <p:nvPr/>
+        </p:nvSpPr>
+        <p:spPr>
+          <a:xfrm rot="21382337">
+            <a:off x="5440597" y="3423791"/>
+            <a:ext cx="90939" cy="157139"/>
+          </a:xfrm>
+          <a:prstGeom prst="roundRect">
+            <a:avLst>
+              <a:gd name="adj" fmla="val 42355"/>
+            </a:avLst>
+          </a:prstGeom>
+          <a:solidFill>
+            <a:schemeClr val="bg1"/>
+          </a:solidFill>
+          <a:ln w="25400">
+            <a:solidFill>
+              <a:schemeClr val="tx1"/>
+            </a:solidFill>
+          </a:ln>
+        </p:spPr>
+        <p:style>
+          <a:lnRef idx="2">
+            <a:schemeClr val="accent1">
+              <a:shade val="50000"/>
+            </a:schemeClr>
+          </a:lnRef>
+          <a:fillRef idx="1">
+            <a:schemeClr val="accent1"/>
+          </a:fillRef>
+          <a:effectRef idx="0">
+            <a:schemeClr val="accent1"/>
+          </a:effectRef>
+          <a:fontRef idx="minor">
+            <a:schemeClr val="lt1"/>
+          </a:fontRef>
+        </p:style>
+        <p:txBody>
+          <a:bodyPr rtlCol="0" anchor="ctr"/>
+          <a:lstStyle/>
+          <a:p>
+            <a:pPr algn="ctr"/>
+            <a:endParaRPr lang="sv-SE"/>
+          </a:p>
+        </p:txBody>
+      </p:sp>
+      <p:sp>
+        <p:nvSpPr>
+          <p:cNvPr id="18" name="Rounded Rectangle 17"/>
+          <p:cNvSpPr/>
+          <p:nvPr/>
+        </p:nvSpPr>
+        <p:spPr>
+          <a:xfrm rot="317318">
+            <a:off x="5525254" y="3419474"/>
+            <a:ext cx="88428" cy="156462"/>
+          </a:xfrm>
+          <a:prstGeom prst="roundRect">
+            <a:avLst>
+              <a:gd name="adj" fmla="val 34058"/>
+            </a:avLst>
+          </a:prstGeom>
+          <a:solidFill>
+            <a:schemeClr val="bg1"/>
+          </a:solidFill>
+          <a:ln w="25400">
+            <a:solidFill>
+              <a:schemeClr val="tx1"/>
+            </a:solidFill>
+          </a:ln>
+        </p:spPr>
+        <p:style>
+          <a:lnRef idx="2">
+            <a:schemeClr val="accent1">
+              <a:shade val="50000"/>
+            </a:schemeClr>
+          </a:lnRef>
+          <a:fillRef idx="1">
+            <a:schemeClr val="accent1"/>
+          </a:fillRef>
+          <a:effectRef idx="0">
+            <a:schemeClr val="accent1"/>
+          </a:effectRef>
+          <a:fontRef idx="minor">
+            <a:schemeClr val="lt1"/>
+          </a:fontRef>
+        </p:style>
+        <p:txBody>
+          <a:bodyPr rtlCol="0" anchor="ctr"/>
+          <a:lstStyle/>
+          <a:p>
+            <a:pPr algn="ctr"/>
+            <a:endParaRPr lang="sv-SE"/>
+          </a:p>
+        </p:txBody>
+      </p:sp>
+      <p:sp>
+        <p:nvSpPr>
+          <p:cNvPr id="19" name="Oval 9"/>
+          <p:cNvSpPr/>
+          <p:nvPr/>
+        </p:nvSpPr>
+        <p:spPr>
+          <a:xfrm rot="298080">
+            <a:off x="5375599" y="3348633"/>
+            <a:ext cx="329148" cy="140293"/>
+          </a:xfrm>
+          <a:prstGeom prst="roundRect">
+            <a:avLst>
+              <a:gd name="adj" fmla="val 31430"/>
+            </a:avLst>
+          </a:prstGeom>
+          <a:solidFill>
+            <a:srgbClr val="AC1515"/>
+          </a:solidFill>
+          <a:ln w="25400">
+            <a:solidFill>
+              <a:schemeClr val="tx1"/>
+            </a:solidFill>
+          </a:ln>
+          <a:effectLst>
+            <a:innerShdw dist="101600" dir="2580000">
+              <a:prstClr val="black">
+                <a:alpha val="16000"/>
+              </a:prstClr>
+            </a:innerShdw>
+          </a:effectLst>
+        </p:spPr>
+        <p:style>
+          <a:lnRef idx="2">
+            <a:schemeClr val="accent1">
+              <a:shade val="50000"/>
+            </a:schemeClr>
+          </a:lnRef>
+          <a:fillRef idx="1">
+            <a:schemeClr val="accent1"/>
+          </a:fillRef>
+          <a:effectRef idx="0">
+            <a:schemeClr val="accent1"/>
+          </a:effectRef>
+          <a:fontRef idx="minor">
+            <a:schemeClr val="lt1"/>
+          </a:fontRef>
+        </p:style>
+        <p:txBody>
+          <a:bodyPr rtlCol="0" anchor="ctr"/>
+          <a:lstStyle/>
+          <a:p>
+            <a:pPr algn="ctr"/>
+            <a:endParaRPr lang="sv-SE"/>
+          </a:p>
+        </p:txBody>
+      </p:sp>
+      <p:sp>
+        <p:nvSpPr>
+          <p:cNvPr id="24" name="Oval 23"/>
+          <p:cNvSpPr/>
+          <p:nvPr/>
+        </p:nvSpPr>
+        <p:spPr>
+          <a:xfrm rot="117027">
+            <a:off x="5457935" y="3284831"/>
+            <a:ext cx="154514" cy="107408"/>
+          </a:xfrm>
+          <a:prstGeom prst="ellipse">
+            <a:avLst/>
+          </a:prstGeom>
+          <a:solidFill>
+            <a:schemeClr val="tx1"/>
+          </a:solidFill>
+          <a:ln w="25400">
+            <a:solidFill>
+              <a:schemeClr val="tx1"/>
+            </a:solidFill>
+          </a:ln>
+        </p:spPr>
+        <p:style>
+          <a:lnRef idx="2">
+            <a:schemeClr val="accent1">
+              <a:shade val="50000"/>
+            </a:schemeClr>
+          </a:lnRef>
+          <a:fillRef idx="1">
+            <a:schemeClr val="accent1"/>
+          </a:fillRef>
+          <a:effectRef idx="0">
+            <a:schemeClr val="accent1"/>
+          </a:effectRef>
+          <a:fontRef idx="minor">
+            <a:schemeClr val="lt1"/>
+          </a:fontRef>
+        </p:style>
+        <p:txBody>
+          <a:bodyPr rtlCol="0" anchor="ctr"/>
+          <a:lstStyle/>
+          <a:p>
+            <a:pPr algn="ctr"/>
+            <a:endParaRPr lang="sv-SE"/>
+          </a:p>
+        </p:txBody>
+      </p:sp>
+      <p:sp>
+        <p:nvSpPr>
+          <p:cNvPr id="25" name="Oval 24"/>
+          <p:cNvSpPr/>
+          <p:nvPr/>
+        </p:nvSpPr>
+        <p:spPr>
+          <a:xfrm rot="636239">
+            <a:off x="5488789" y="3308444"/>
+            <a:ext cx="49175" cy="34137"/>
+          </a:xfrm>
+          <a:prstGeom prst="ellipse">
+            <a:avLst/>
+          </a:prstGeom>
+          <a:solidFill>
+            <a:schemeClr val="bg1"/>
+          </a:solidFill>
+          <a:ln w="25400">
+            <a:noFill/>
+          </a:ln>
+        </p:spPr>
+        <p:style>
+          <a:lnRef idx="2">
+            <a:schemeClr val="accent1">
+              <a:shade val="50000"/>
+            </a:schemeClr>
+          </a:lnRef>
+          <a:fillRef idx="1">
+            <a:schemeClr val="accent1"/>
+          </a:fillRef>
+          <a:effectRef idx="0">
+            <a:schemeClr val="accent1"/>
+          </a:effectRef>
+          <a:fontRef idx="minor">
+            <a:schemeClr val="lt1"/>
+          </a:fontRef>
+        </p:style>
+        <p:txBody>
+          <a:bodyPr rtlCol="0" anchor="ctr"/>
+          <a:lstStyle/>
+          <a:p>
+            <a:pPr algn="ctr"/>
+            <a:endParaRPr lang="sv-SE"/>
+          </a:p>
+        </p:txBody>
+      </p:sp>
+      <p:sp>
+        <p:nvSpPr>
+          <p:cNvPr id="64" name="Freeform 63"/>
+          <p:cNvSpPr/>
+          <p:nvPr/>
+        </p:nvSpPr>
+        <p:spPr>
+          <a:xfrm>
+            <a:off x="5396147" y="4150629"/>
+            <a:ext cx="209937" cy="168728"/>
+          </a:xfrm>
+          <a:custGeom>
+            <a:avLst/>
+            <a:gdLst>
+              <a:gd name="connsiteX0" fmla="*/ 0 w 482767"/>
+              <a:gd name="connsiteY0" fmla="*/ 0 h 334837"/>
+              <a:gd name="connsiteX1" fmla="*/ 482767 w 482767"/>
+              <a:gd name="connsiteY1" fmla="*/ 43287 h 334837"/>
+              <a:gd name="connsiteX2" fmla="*/ 381467 w 482767"/>
+              <a:gd name="connsiteY2" fmla="*/ 334837 h 334837"/>
+              <a:gd name="connsiteX3" fmla="*/ 47818 w 482767"/>
+              <a:gd name="connsiteY3" fmla="*/ 304921 h 334837"/>
+              <a:gd name="connsiteX4" fmla="*/ 0 w 482767"/>
+              <a:gd name="connsiteY4" fmla="*/ 0 h 334837"/>
+            </a:gdLst>
+            <a:ahLst/>
+            <a:cxnLst>
+              <a:cxn ang="0">
+                <a:pos x="connsiteX0" y="connsiteY0"/>
+              </a:cxn>
+              <a:cxn ang="0">
+                <a:pos x="connsiteX1" y="connsiteY1"/>
+              </a:cxn>
+              <a:cxn ang="0">
+                <a:pos x="connsiteX2" y="connsiteY2"/>
+              </a:cxn>
+              <a:cxn ang="0">
+                <a:pos x="connsiteX3" y="connsiteY3"/>
+              </a:cxn>
+              <a:cxn ang="0">
+                <a:pos x="connsiteX4" y="connsiteY4"/>
+              </a:cxn>
+            </a:cxnLst>
+            <a:rect l="l" t="t" r="r" b="b"/>
+            <a:pathLst>
+              <a:path w="482767" h="334837">
+                <a:moveTo>
+                  <a:pt x="0" y="0"/>
+                </a:moveTo>
+                <a:lnTo>
+                  <a:pt x="482767" y="43287"/>
+                </a:lnTo>
+                <a:lnTo>
+                  <a:pt x="381467" y="334837"/>
+                </a:lnTo>
+                <a:lnTo>
+                  <a:pt x="47818" y="304921"/>
+                </a:lnTo>
+                <a:lnTo>
+                  <a:pt x="0" y="0"/>
+                </a:lnTo>
+                <a:close/>
+              </a:path>
+            </a:pathLst>
+          </a:custGeom>
+          <a:solidFill>
+            <a:srgbClr val="AC1515"/>
+          </a:solidFill>
+          <a:ln w="25400">
+            <a:solidFill>
+              <a:schemeClr val="tx1"/>
+            </a:solidFill>
+          </a:ln>
+          <a:effectLst>
+            <a:innerShdw dist="101600" dir="2580000">
+              <a:prstClr val="black">
+                <a:alpha val="16000"/>
+              </a:prstClr>
+            </a:innerShdw>
+          </a:effectLst>
+        </p:spPr>
+        <p:style>
+          <a:lnRef idx="2">
+            <a:schemeClr val="accent1">
+              <a:shade val="50000"/>
+            </a:schemeClr>
+          </a:lnRef>
+          <a:fillRef idx="1">
+            <a:schemeClr val="accent1"/>
+          </a:fillRef>
+          <a:effectRef idx="0">
+            <a:schemeClr val="accent1"/>
+          </a:effectRef>
+          <a:fontRef idx="minor">
+            <a:schemeClr val="lt1"/>
+          </a:fontRef>
+        </p:style>
+        <p:txBody>
+          <a:bodyPr rtlCol="0" anchor="ctr"/>
+          <a:lstStyle/>
+          <a:p>
+            <a:pPr algn="ctr"/>
+            <a:endParaRPr lang="sv-SE"/>
+          </a:p>
+        </p:txBody>
+      </p:sp>
+      <p:sp>
+        <p:nvSpPr>
+          <p:cNvPr id="63" name="Freeform 62"/>
+          <p:cNvSpPr/>
+          <p:nvPr/>
+        </p:nvSpPr>
+        <p:spPr>
+          <a:xfrm>
+            <a:off x="5317991" y="3885999"/>
+            <a:ext cx="413906" cy="334837"/>
+          </a:xfrm>
+          <a:custGeom>
+            <a:avLst/>
+            <a:gdLst>
+              <a:gd name="connsiteX0" fmla="*/ 0 w 482767"/>
+              <a:gd name="connsiteY0" fmla="*/ 0 h 334837"/>
+              <a:gd name="connsiteX1" fmla="*/ 482767 w 482767"/>
+              <a:gd name="connsiteY1" fmla="*/ 43287 h 334837"/>
+              <a:gd name="connsiteX2" fmla="*/ 381467 w 482767"/>
+              <a:gd name="connsiteY2" fmla="*/ 334837 h 334837"/>
+              <a:gd name="connsiteX3" fmla="*/ 47818 w 482767"/>
+              <a:gd name="connsiteY3" fmla="*/ 304921 h 334837"/>
+              <a:gd name="connsiteX4" fmla="*/ 0 w 482767"/>
+              <a:gd name="connsiteY4" fmla="*/ 0 h 334837"/>
+            </a:gdLst>
+            <a:ahLst/>
+            <a:cxnLst>
+              <a:cxn ang="0">
+                <a:pos x="connsiteX0" y="connsiteY0"/>
+              </a:cxn>
+              <a:cxn ang="0">
+                <a:pos x="connsiteX1" y="connsiteY1"/>
+              </a:cxn>
+              <a:cxn ang="0">
+                <a:pos x="connsiteX2" y="connsiteY2"/>
+              </a:cxn>
+              <a:cxn ang="0">
+                <a:pos x="connsiteX3" y="connsiteY3"/>
+              </a:cxn>
+              <a:cxn ang="0">
+                <a:pos x="connsiteX4" y="connsiteY4"/>
+              </a:cxn>
+            </a:cxnLst>
+            <a:rect l="l" t="t" r="r" b="b"/>
+            <a:pathLst>
+              <a:path w="482767" h="334837">
+                <a:moveTo>
+                  <a:pt x="0" y="0"/>
+                </a:moveTo>
+                <a:lnTo>
+                  <a:pt x="482767" y="43287"/>
+                </a:lnTo>
+                <a:lnTo>
+                  <a:pt x="381467" y="334837"/>
+                </a:lnTo>
+                <a:lnTo>
+                  <a:pt x="47818" y="304921"/>
+                </a:lnTo>
+                <a:lnTo>
+                  <a:pt x="0" y="0"/>
+                </a:lnTo>
+                <a:close/>
+              </a:path>
+            </a:pathLst>
+          </a:custGeom>
+          <a:solidFill>
+            <a:srgbClr val="AC1515"/>
+          </a:solidFill>
+          <a:ln w="25400">
+            <a:solidFill>
+              <a:schemeClr val="tx1"/>
+            </a:solidFill>
+          </a:ln>
+          <a:effectLst>
+            <a:innerShdw dist="101600" dir="2580000">
+              <a:prstClr val="black">
+                <a:alpha val="16000"/>
+              </a:prstClr>
+            </a:innerShdw>
+          </a:effectLst>
+        </p:spPr>
+        <p:style>
+          <a:lnRef idx="2">
+            <a:schemeClr val="accent1">
+              <a:shade val="50000"/>
+            </a:schemeClr>
+          </a:lnRef>
+          <a:fillRef idx="1">
+            <a:schemeClr val="accent1"/>
+          </a:fillRef>
+          <a:effectRef idx="0">
+            <a:schemeClr val="accent1"/>
+          </a:effectRef>
+          <a:fontRef idx="minor">
+            <a:schemeClr val="lt1"/>
+          </a:fontRef>
+        </p:style>
+        <p:txBody>
+          <a:bodyPr rtlCol="0" anchor="ctr"/>
+          <a:lstStyle/>
+          <a:p>
+            <a:pPr algn="ctr"/>
+            <a:endParaRPr lang="sv-SE"/>
+          </a:p>
+        </p:txBody>
+      </p:sp>
+      <p:sp>
+        <p:nvSpPr>
+          <p:cNvPr id="34" name="Oval 33"/>
+          <p:cNvSpPr/>
+          <p:nvPr/>
+        </p:nvSpPr>
+        <p:spPr>
+          <a:xfrm>
+            <a:off x="5320269" y="3694170"/>
+            <a:ext cx="416612" cy="379695"/>
+          </a:xfrm>
+          <a:prstGeom prst="ellipse">
+            <a:avLst/>
+          </a:prstGeom>
+          <a:solidFill>
+            <a:schemeClr val="bg1"/>
+          </a:solidFill>
+          <a:ln w="25400">
+            <a:solidFill>
+              <a:schemeClr val="tx1"/>
+            </a:solidFill>
+          </a:ln>
+          <a:effectLst>
+            <a:innerShdw dist="76200" dir="3180000">
+              <a:schemeClr val="accent1">
+                <a:lumMod val="75000"/>
+                <a:alpha val="32000"/>
+              </a:schemeClr>
+            </a:innerShdw>
+          </a:effectLst>
+        </p:spPr>
+        <p:style>
+          <a:lnRef idx="2">
+            <a:schemeClr val="accent1">
+              <a:shade val="50000"/>
+            </a:schemeClr>
+          </a:lnRef>
+          <a:fillRef idx="1">
+            <a:schemeClr val="accent1"/>
+          </a:fillRef>
+          <a:effectRef idx="0">
+            <a:schemeClr val="accent1"/>
+          </a:effectRef>
+          <a:fontRef idx="minor">
+            <a:schemeClr val="lt1"/>
+          </a:fontRef>
+        </p:style>
+        <p:txBody>
+          <a:bodyPr rtlCol="0" anchor="ctr"/>
+          <a:lstStyle/>
+          <a:p>
+            <a:pPr algn="ctr"/>
+            <a:endParaRPr lang="sv-SE" dirty="0"/>
+          </a:p>
+        </p:txBody>
+      </p:sp>
+    </p:spTree>
+    <p:extLst>
+      <p:ext uri="{BB962C8B-B14F-4D97-AF65-F5344CB8AC3E}">
+        <p14:creationId xmlns:p14="http://schemas.microsoft.com/office/powerpoint/2010/main" val="4174744115"/>
+      </p:ext>
+    </p:extLst>
+  </p:cSld>
+  <p:clrMapOvr>
+    <a:masterClrMapping/>
+  </p:clrMapOvr>
+  <p:timing>
+    <p:tnLst>
+      <p:par>
+        <p:cTn id="1" dur="indefinite" restart="never" nodeType="tmRoot"/>
+      </p:par>
+    </p:tnLst>
+  </p:timing>
+</p:sld>
+</file>
+
+<file path=ppt/slides/slide12.xml><?xml version="1.0" encoding="utf-8"?>
+<p:sld xmlns:a="http://schemas.openxmlformats.org/drawingml/2006/main" xmlns:r="http://schemas.openxmlformats.org/officeDocument/2006/relationships" xmlns:p="http://schemas.openxmlformats.org/presentationml/2006/main">
+  <p:cSld>
+    <p:spTree>
+      <p:nvGrpSpPr>
+        <p:cNvPr id="1" name=""/>
+        <p:cNvGrpSpPr/>
+        <p:nvPr/>
+      </p:nvGrpSpPr>
+      <p:grpSpPr>
+        <a:xfrm>
+          <a:off x="0" y="0"/>
+          <a:ext cx="0" cy="0"/>
+          <a:chOff x="0" y="0"/>
+          <a:chExt cx="0" cy="0"/>
+        </a:xfrm>
+      </p:grpSpPr>
+      <p:sp>
+        <p:nvSpPr>
           <p:cNvPr id="4" name="Oval 3"/>
           <p:cNvSpPr/>
           <p:nvPr/>
@@ -11629,7 +14519,7 @@
 </p:sld>
 </file>
 
-<file path=ppt/slides/slide12.xml><?xml version="1.0" encoding="utf-8"?>
+<file path=ppt/slides/slide13.xml><?xml version="1.0" encoding="utf-8"?>
 <p:sld xmlns:a="http://schemas.openxmlformats.org/drawingml/2006/main" xmlns:r="http://schemas.openxmlformats.org/officeDocument/2006/relationships" xmlns:p="http://schemas.openxmlformats.org/presentationml/2006/main">
   <p:cSld>
     <p:spTree>

--- a/gophers.pptx
+++ b/gophers.pptx
@@ -10468,7 +10468,7 @@
         <p:spPr>
           <a:xfrm>
             <a:off x="5128770" y="2894649"/>
-            <a:ext cx="957092" cy="778243"/>
+            <a:ext cx="957092" cy="763003"/>
           </a:xfrm>
           <a:custGeom>
             <a:avLst/>
@@ -10511,6 +10511,258 @@
               <a:gd name="connsiteY17" fmla="*/ 262063 h 778243"/>
               <a:gd name="connsiteX18" fmla="*/ 228671 w 957092"/>
               <a:gd name="connsiteY18" fmla="*/ 0 h 778243"/>
+              <a:gd name="connsiteX0" fmla="*/ 228671 w 957092"/>
+              <a:gd name="connsiteY0" fmla="*/ 0 h 778243"/>
+              <a:gd name="connsiteX1" fmla="*/ 356524 w 957092"/>
+              <a:gd name="connsiteY1" fmla="*/ 44756 h 778243"/>
+              <a:gd name="connsiteX2" fmla="*/ 370019 w 957092"/>
+              <a:gd name="connsiteY2" fmla="*/ 57517 h 778243"/>
+              <a:gd name="connsiteX3" fmla="*/ 373245 w 957092"/>
+              <a:gd name="connsiteY3" fmla="*/ 55613 h 778243"/>
+              <a:gd name="connsiteX4" fmla="*/ 478835 w 957092"/>
+              <a:gd name="connsiteY4" fmla="*/ 108306 h 778243"/>
+              <a:gd name="connsiteX5" fmla="*/ 550837 w 957092"/>
+              <a:gd name="connsiteY5" fmla="*/ 61117 h 778243"/>
+              <a:gd name="connsiteX6" fmla="*/ 577484 w 957092"/>
+              <a:gd name="connsiteY6" fmla="*/ 65161 h 778243"/>
+              <a:gd name="connsiteX7" fmla="*/ 597144 w 957092"/>
+              <a:gd name="connsiteY7" fmla="*/ 47188 h 778243"/>
+              <a:gd name="connsiteX8" fmla="*/ 726754 w 957092"/>
+              <a:gd name="connsiteY8" fmla="*/ 195 h 778243"/>
+              <a:gd name="connsiteX9" fmla="*/ 773892 w 957092"/>
+              <a:gd name="connsiteY9" fmla="*/ 4166 h 778243"/>
+              <a:gd name="connsiteX10" fmla="*/ 951371 w 957092"/>
+              <a:gd name="connsiteY10" fmla="*/ 306781 h 778243"/>
+              <a:gd name="connsiteX11" fmla="*/ 671391 w 957092"/>
+              <a:gd name="connsiteY11" fmla="*/ 518171 h 778243"/>
+              <a:gd name="connsiteX12" fmla="*/ 667399 w 957092"/>
+              <a:gd name="connsiteY12" fmla="*/ 516955 h 778243"/>
+              <a:gd name="connsiteX13" fmla="*/ 575457 w 957092"/>
+              <a:gd name="connsiteY13" fmla="*/ 778243 h 778243"/>
+              <a:gd name="connsiteX14" fmla="*/ 235700 w 957092"/>
+              <a:gd name="connsiteY14" fmla="*/ 746428 h 778243"/>
+              <a:gd name="connsiteX15" fmla="*/ 182586 w 957092"/>
+              <a:gd name="connsiteY15" fmla="*/ 518802 h 778243"/>
+              <a:gd name="connsiteX16" fmla="*/ 0 w 957092"/>
+              <a:gd name="connsiteY16" fmla="*/ 262063 h 778243"/>
+              <a:gd name="connsiteX17" fmla="*/ 228671 w 957092"/>
+              <a:gd name="connsiteY17" fmla="*/ 0 h 778243"/>
+              <a:gd name="connsiteX0" fmla="*/ 228671 w 957092"/>
+              <a:gd name="connsiteY0" fmla="*/ 0 h 778243"/>
+              <a:gd name="connsiteX1" fmla="*/ 356524 w 957092"/>
+              <a:gd name="connsiteY1" fmla="*/ 44756 h 778243"/>
+              <a:gd name="connsiteX2" fmla="*/ 370019 w 957092"/>
+              <a:gd name="connsiteY2" fmla="*/ 57517 h 778243"/>
+              <a:gd name="connsiteX3" fmla="*/ 373245 w 957092"/>
+              <a:gd name="connsiteY3" fmla="*/ 55613 h 778243"/>
+              <a:gd name="connsiteX4" fmla="*/ 478835 w 957092"/>
+              <a:gd name="connsiteY4" fmla="*/ 108306 h 778243"/>
+              <a:gd name="connsiteX5" fmla="*/ 550837 w 957092"/>
+              <a:gd name="connsiteY5" fmla="*/ 61117 h 778243"/>
+              <a:gd name="connsiteX6" fmla="*/ 577484 w 957092"/>
+              <a:gd name="connsiteY6" fmla="*/ 65161 h 778243"/>
+              <a:gd name="connsiteX7" fmla="*/ 597144 w 957092"/>
+              <a:gd name="connsiteY7" fmla="*/ 47188 h 778243"/>
+              <a:gd name="connsiteX8" fmla="*/ 726754 w 957092"/>
+              <a:gd name="connsiteY8" fmla="*/ 195 h 778243"/>
+              <a:gd name="connsiteX9" fmla="*/ 773892 w 957092"/>
+              <a:gd name="connsiteY9" fmla="*/ 4166 h 778243"/>
+              <a:gd name="connsiteX10" fmla="*/ 951371 w 957092"/>
+              <a:gd name="connsiteY10" fmla="*/ 306781 h 778243"/>
+              <a:gd name="connsiteX11" fmla="*/ 671391 w 957092"/>
+              <a:gd name="connsiteY11" fmla="*/ 518171 h 778243"/>
+              <a:gd name="connsiteX12" fmla="*/ 667399 w 957092"/>
+              <a:gd name="connsiteY12" fmla="*/ 516955 h 778243"/>
+              <a:gd name="connsiteX13" fmla="*/ 575457 w 957092"/>
+              <a:gd name="connsiteY13" fmla="*/ 778243 h 778243"/>
+              <a:gd name="connsiteX14" fmla="*/ 235700 w 957092"/>
+              <a:gd name="connsiteY14" fmla="*/ 746428 h 778243"/>
+              <a:gd name="connsiteX15" fmla="*/ 182586 w 957092"/>
+              <a:gd name="connsiteY15" fmla="*/ 473082 h 778243"/>
+              <a:gd name="connsiteX16" fmla="*/ 0 w 957092"/>
+              <a:gd name="connsiteY16" fmla="*/ 262063 h 778243"/>
+              <a:gd name="connsiteX17" fmla="*/ 228671 w 957092"/>
+              <a:gd name="connsiteY17" fmla="*/ 0 h 778243"/>
+              <a:gd name="connsiteX0" fmla="*/ 228671 w 957092"/>
+              <a:gd name="connsiteY0" fmla="*/ 0 h 778243"/>
+              <a:gd name="connsiteX1" fmla="*/ 356524 w 957092"/>
+              <a:gd name="connsiteY1" fmla="*/ 44756 h 778243"/>
+              <a:gd name="connsiteX2" fmla="*/ 370019 w 957092"/>
+              <a:gd name="connsiteY2" fmla="*/ 57517 h 778243"/>
+              <a:gd name="connsiteX3" fmla="*/ 373245 w 957092"/>
+              <a:gd name="connsiteY3" fmla="*/ 55613 h 778243"/>
+              <a:gd name="connsiteX4" fmla="*/ 478835 w 957092"/>
+              <a:gd name="connsiteY4" fmla="*/ 108306 h 778243"/>
+              <a:gd name="connsiteX5" fmla="*/ 550837 w 957092"/>
+              <a:gd name="connsiteY5" fmla="*/ 61117 h 778243"/>
+              <a:gd name="connsiteX6" fmla="*/ 577484 w 957092"/>
+              <a:gd name="connsiteY6" fmla="*/ 65161 h 778243"/>
+              <a:gd name="connsiteX7" fmla="*/ 597144 w 957092"/>
+              <a:gd name="connsiteY7" fmla="*/ 47188 h 778243"/>
+              <a:gd name="connsiteX8" fmla="*/ 726754 w 957092"/>
+              <a:gd name="connsiteY8" fmla="*/ 195 h 778243"/>
+              <a:gd name="connsiteX9" fmla="*/ 773892 w 957092"/>
+              <a:gd name="connsiteY9" fmla="*/ 4166 h 778243"/>
+              <a:gd name="connsiteX10" fmla="*/ 951371 w 957092"/>
+              <a:gd name="connsiteY10" fmla="*/ 306781 h 778243"/>
+              <a:gd name="connsiteX11" fmla="*/ 671391 w 957092"/>
+              <a:gd name="connsiteY11" fmla="*/ 518171 h 778243"/>
+              <a:gd name="connsiteX12" fmla="*/ 667399 w 957092"/>
+              <a:gd name="connsiteY12" fmla="*/ 516955 h 778243"/>
+              <a:gd name="connsiteX13" fmla="*/ 575457 w 957092"/>
+              <a:gd name="connsiteY13" fmla="*/ 778243 h 778243"/>
+              <a:gd name="connsiteX14" fmla="*/ 222365 w 957092"/>
+              <a:gd name="connsiteY14" fmla="*/ 729283 h 778243"/>
+              <a:gd name="connsiteX15" fmla="*/ 182586 w 957092"/>
+              <a:gd name="connsiteY15" fmla="*/ 473082 h 778243"/>
+              <a:gd name="connsiteX16" fmla="*/ 0 w 957092"/>
+              <a:gd name="connsiteY16" fmla="*/ 262063 h 778243"/>
+              <a:gd name="connsiteX17" fmla="*/ 228671 w 957092"/>
+              <a:gd name="connsiteY17" fmla="*/ 0 h 778243"/>
+              <a:gd name="connsiteX0" fmla="*/ 228671 w 957092"/>
+              <a:gd name="connsiteY0" fmla="*/ 0 h 747763"/>
+              <a:gd name="connsiteX1" fmla="*/ 356524 w 957092"/>
+              <a:gd name="connsiteY1" fmla="*/ 44756 h 747763"/>
+              <a:gd name="connsiteX2" fmla="*/ 370019 w 957092"/>
+              <a:gd name="connsiteY2" fmla="*/ 57517 h 747763"/>
+              <a:gd name="connsiteX3" fmla="*/ 373245 w 957092"/>
+              <a:gd name="connsiteY3" fmla="*/ 55613 h 747763"/>
+              <a:gd name="connsiteX4" fmla="*/ 478835 w 957092"/>
+              <a:gd name="connsiteY4" fmla="*/ 108306 h 747763"/>
+              <a:gd name="connsiteX5" fmla="*/ 550837 w 957092"/>
+              <a:gd name="connsiteY5" fmla="*/ 61117 h 747763"/>
+              <a:gd name="connsiteX6" fmla="*/ 577484 w 957092"/>
+              <a:gd name="connsiteY6" fmla="*/ 65161 h 747763"/>
+              <a:gd name="connsiteX7" fmla="*/ 597144 w 957092"/>
+              <a:gd name="connsiteY7" fmla="*/ 47188 h 747763"/>
+              <a:gd name="connsiteX8" fmla="*/ 726754 w 957092"/>
+              <a:gd name="connsiteY8" fmla="*/ 195 h 747763"/>
+              <a:gd name="connsiteX9" fmla="*/ 773892 w 957092"/>
+              <a:gd name="connsiteY9" fmla="*/ 4166 h 747763"/>
+              <a:gd name="connsiteX10" fmla="*/ 951371 w 957092"/>
+              <a:gd name="connsiteY10" fmla="*/ 306781 h 747763"/>
+              <a:gd name="connsiteX11" fmla="*/ 671391 w 957092"/>
+              <a:gd name="connsiteY11" fmla="*/ 518171 h 747763"/>
+              <a:gd name="connsiteX12" fmla="*/ 667399 w 957092"/>
+              <a:gd name="connsiteY12" fmla="*/ 516955 h 747763"/>
+              <a:gd name="connsiteX13" fmla="*/ 552597 w 957092"/>
+              <a:gd name="connsiteY13" fmla="*/ 747763 h 747763"/>
+              <a:gd name="connsiteX14" fmla="*/ 222365 w 957092"/>
+              <a:gd name="connsiteY14" fmla="*/ 729283 h 747763"/>
+              <a:gd name="connsiteX15" fmla="*/ 182586 w 957092"/>
+              <a:gd name="connsiteY15" fmla="*/ 473082 h 747763"/>
+              <a:gd name="connsiteX16" fmla="*/ 0 w 957092"/>
+              <a:gd name="connsiteY16" fmla="*/ 262063 h 747763"/>
+              <a:gd name="connsiteX17" fmla="*/ 228671 w 957092"/>
+              <a:gd name="connsiteY17" fmla="*/ 0 h 747763"/>
+              <a:gd name="connsiteX0" fmla="*/ 228671 w 957092"/>
+              <a:gd name="connsiteY0" fmla="*/ 0 h 763003"/>
+              <a:gd name="connsiteX1" fmla="*/ 356524 w 957092"/>
+              <a:gd name="connsiteY1" fmla="*/ 44756 h 763003"/>
+              <a:gd name="connsiteX2" fmla="*/ 370019 w 957092"/>
+              <a:gd name="connsiteY2" fmla="*/ 57517 h 763003"/>
+              <a:gd name="connsiteX3" fmla="*/ 373245 w 957092"/>
+              <a:gd name="connsiteY3" fmla="*/ 55613 h 763003"/>
+              <a:gd name="connsiteX4" fmla="*/ 478835 w 957092"/>
+              <a:gd name="connsiteY4" fmla="*/ 108306 h 763003"/>
+              <a:gd name="connsiteX5" fmla="*/ 550837 w 957092"/>
+              <a:gd name="connsiteY5" fmla="*/ 61117 h 763003"/>
+              <a:gd name="connsiteX6" fmla="*/ 577484 w 957092"/>
+              <a:gd name="connsiteY6" fmla="*/ 65161 h 763003"/>
+              <a:gd name="connsiteX7" fmla="*/ 597144 w 957092"/>
+              <a:gd name="connsiteY7" fmla="*/ 47188 h 763003"/>
+              <a:gd name="connsiteX8" fmla="*/ 726754 w 957092"/>
+              <a:gd name="connsiteY8" fmla="*/ 195 h 763003"/>
+              <a:gd name="connsiteX9" fmla="*/ 773892 w 957092"/>
+              <a:gd name="connsiteY9" fmla="*/ 4166 h 763003"/>
+              <a:gd name="connsiteX10" fmla="*/ 951371 w 957092"/>
+              <a:gd name="connsiteY10" fmla="*/ 306781 h 763003"/>
+              <a:gd name="connsiteX11" fmla="*/ 671391 w 957092"/>
+              <a:gd name="connsiteY11" fmla="*/ 518171 h 763003"/>
+              <a:gd name="connsiteX12" fmla="*/ 667399 w 957092"/>
+              <a:gd name="connsiteY12" fmla="*/ 516955 h 763003"/>
+              <a:gd name="connsiteX13" fmla="*/ 558312 w 957092"/>
+              <a:gd name="connsiteY13" fmla="*/ 763003 h 763003"/>
+              <a:gd name="connsiteX14" fmla="*/ 222365 w 957092"/>
+              <a:gd name="connsiteY14" fmla="*/ 729283 h 763003"/>
+              <a:gd name="connsiteX15" fmla="*/ 182586 w 957092"/>
+              <a:gd name="connsiteY15" fmla="*/ 473082 h 763003"/>
+              <a:gd name="connsiteX16" fmla="*/ 0 w 957092"/>
+              <a:gd name="connsiteY16" fmla="*/ 262063 h 763003"/>
+              <a:gd name="connsiteX17" fmla="*/ 228671 w 957092"/>
+              <a:gd name="connsiteY17" fmla="*/ 0 h 763003"/>
+              <a:gd name="connsiteX0" fmla="*/ 228671 w 957092"/>
+              <a:gd name="connsiteY0" fmla="*/ 0 h 763003"/>
+              <a:gd name="connsiteX1" fmla="*/ 356524 w 957092"/>
+              <a:gd name="connsiteY1" fmla="*/ 44756 h 763003"/>
+              <a:gd name="connsiteX2" fmla="*/ 370019 w 957092"/>
+              <a:gd name="connsiteY2" fmla="*/ 57517 h 763003"/>
+              <a:gd name="connsiteX3" fmla="*/ 373245 w 957092"/>
+              <a:gd name="connsiteY3" fmla="*/ 55613 h 763003"/>
+              <a:gd name="connsiteX4" fmla="*/ 465500 w 957092"/>
+              <a:gd name="connsiteY4" fmla="*/ 114021 h 763003"/>
+              <a:gd name="connsiteX5" fmla="*/ 550837 w 957092"/>
+              <a:gd name="connsiteY5" fmla="*/ 61117 h 763003"/>
+              <a:gd name="connsiteX6" fmla="*/ 577484 w 957092"/>
+              <a:gd name="connsiteY6" fmla="*/ 65161 h 763003"/>
+              <a:gd name="connsiteX7" fmla="*/ 597144 w 957092"/>
+              <a:gd name="connsiteY7" fmla="*/ 47188 h 763003"/>
+              <a:gd name="connsiteX8" fmla="*/ 726754 w 957092"/>
+              <a:gd name="connsiteY8" fmla="*/ 195 h 763003"/>
+              <a:gd name="connsiteX9" fmla="*/ 773892 w 957092"/>
+              <a:gd name="connsiteY9" fmla="*/ 4166 h 763003"/>
+              <a:gd name="connsiteX10" fmla="*/ 951371 w 957092"/>
+              <a:gd name="connsiteY10" fmla="*/ 306781 h 763003"/>
+              <a:gd name="connsiteX11" fmla="*/ 671391 w 957092"/>
+              <a:gd name="connsiteY11" fmla="*/ 518171 h 763003"/>
+              <a:gd name="connsiteX12" fmla="*/ 667399 w 957092"/>
+              <a:gd name="connsiteY12" fmla="*/ 516955 h 763003"/>
+              <a:gd name="connsiteX13" fmla="*/ 558312 w 957092"/>
+              <a:gd name="connsiteY13" fmla="*/ 763003 h 763003"/>
+              <a:gd name="connsiteX14" fmla="*/ 222365 w 957092"/>
+              <a:gd name="connsiteY14" fmla="*/ 729283 h 763003"/>
+              <a:gd name="connsiteX15" fmla="*/ 182586 w 957092"/>
+              <a:gd name="connsiteY15" fmla="*/ 473082 h 763003"/>
+              <a:gd name="connsiteX16" fmla="*/ 0 w 957092"/>
+              <a:gd name="connsiteY16" fmla="*/ 262063 h 763003"/>
+              <a:gd name="connsiteX17" fmla="*/ 228671 w 957092"/>
+              <a:gd name="connsiteY17" fmla="*/ 0 h 763003"/>
+              <a:gd name="connsiteX0" fmla="*/ 228671 w 957092"/>
+              <a:gd name="connsiteY0" fmla="*/ 0 h 763003"/>
+              <a:gd name="connsiteX1" fmla="*/ 356524 w 957092"/>
+              <a:gd name="connsiteY1" fmla="*/ 44756 h 763003"/>
+              <a:gd name="connsiteX2" fmla="*/ 370019 w 957092"/>
+              <a:gd name="connsiteY2" fmla="*/ 57517 h 763003"/>
+              <a:gd name="connsiteX3" fmla="*/ 373245 w 957092"/>
+              <a:gd name="connsiteY3" fmla="*/ 55613 h 763003"/>
+              <a:gd name="connsiteX4" fmla="*/ 475025 w 957092"/>
+              <a:gd name="connsiteY4" fmla="*/ 121641 h 763003"/>
+              <a:gd name="connsiteX5" fmla="*/ 550837 w 957092"/>
+              <a:gd name="connsiteY5" fmla="*/ 61117 h 763003"/>
+              <a:gd name="connsiteX6" fmla="*/ 577484 w 957092"/>
+              <a:gd name="connsiteY6" fmla="*/ 65161 h 763003"/>
+              <a:gd name="connsiteX7" fmla="*/ 597144 w 957092"/>
+              <a:gd name="connsiteY7" fmla="*/ 47188 h 763003"/>
+              <a:gd name="connsiteX8" fmla="*/ 726754 w 957092"/>
+              <a:gd name="connsiteY8" fmla="*/ 195 h 763003"/>
+              <a:gd name="connsiteX9" fmla="*/ 773892 w 957092"/>
+              <a:gd name="connsiteY9" fmla="*/ 4166 h 763003"/>
+              <a:gd name="connsiteX10" fmla="*/ 951371 w 957092"/>
+              <a:gd name="connsiteY10" fmla="*/ 306781 h 763003"/>
+              <a:gd name="connsiteX11" fmla="*/ 671391 w 957092"/>
+              <a:gd name="connsiteY11" fmla="*/ 518171 h 763003"/>
+              <a:gd name="connsiteX12" fmla="*/ 667399 w 957092"/>
+              <a:gd name="connsiteY12" fmla="*/ 516955 h 763003"/>
+              <a:gd name="connsiteX13" fmla="*/ 558312 w 957092"/>
+              <a:gd name="connsiteY13" fmla="*/ 763003 h 763003"/>
+              <a:gd name="connsiteX14" fmla="*/ 222365 w 957092"/>
+              <a:gd name="connsiteY14" fmla="*/ 729283 h 763003"/>
+              <a:gd name="connsiteX15" fmla="*/ 182586 w 957092"/>
+              <a:gd name="connsiteY15" fmla="*/ 473082 h 763003"/>
+              <a:gd name="connsiteX16" fmla="*/ 0 w 957092"/>
+              <a:gd name="connsiteY16" fmla="*/ 262063 h 763003"/>
+              <a:gd name="connsiteX17" fmla="*/ 228671 w 957092"/>
+              <a:gd name="connsiteY17" fmla="*/ 0 h 763003"/>
             </a:gdLst>
             <a:ahLst/>
             <a:cxnLst>
@@ -10568,13 +10820,10 @@
               <a:cxn ang="0">
                 <a:pos x="connsiteX17" y="connsiteY17"/>
               </a:cxn>
-              <a:cxn ang="0">
-                <a:pos x="connsiteX18" y="connsiteY18"/>
-              </a:cxn>
             </a:cxnLst>
             <a:rect l="l" t="t" r="r" b="b"/>
             <a:pathLst>
-              <a:path w="957092" h="778243">
+              <a:path w="957092" h="763003">
                 <a:moveTo>
                   <a:pt x="228671" y="0"/>
                 </a:moveTo>
@@ -10591,11 +10840,11 @@
                 </a:lnTo>
                 <a:cubicBezTo>
                   <a:pt x="409691" y="45209"/>
-                  <a:pt x="457923" y="59636"/>
-                  <a:pt x="478835" y="108306"/>
-                </a:cubicBezTo>
-                <a:cubicBezTo>
-                  <a:pt x="496098" y="77498"/>
+                  <a:pt x="454113" y="72971"/>
+                  <a:pt x="475025" y="121641"/>
+                </a:cubicBezTo>
+                <a:cubicBezTo>
+                  <a:pt x="492288" y="90833"/>
                   <a:pt x="523842" y="63098"/>
                   <a:pt x="550837" y="61117"/>
                 </a:cubicBezTo>
@@ -10629,19 +10878,16 @@
                   <a:pt x="667399" y="516955"/>
                 </a:lnTo>
                 <a:lnTo>
-                  <a:pt x="575457" y="778243"/>
+                  <a:pt x="558312" y="763003"/>
                 </a:lnTo>
                 <a:lnTo>
-                  <a:pt x="235700" y="746428"/>
+                  <a:pt x="222365" y="729283"/>
                 </a:lnTo>
                 <a:lnTo>
-                  <a:pt x="201253" y="520958"/>
+                  <a:pt x="182586" y="473082"/>
                 </a:lnTo>
-                <a:lnTo>
-                  <a:pt x="182586" y="518802"/>
-                </a:lnTo>
-                <a:cubicBezTo>
-                  <a:pt x="78384" y="494365"/>
+                <a:cubicBezTo>
+                  <a:pt x="78384" y="448645"/>
                   <a:pt x="0" y="388705"/>
                   <a:pt x="0" y="262063"/>
                 </a:cubicBezTo>

--- a/gophers.pptx
+++ b/gophers.pptx
@@ -16,8 +16,9 @@
     <p:sldId id="266" r:id="rId10"/>
     <p:sldId id="267" r:id="rId11"/>
     <p:sldId id="270" r:id="rId12"/>
-    <p:sldId id="268" r:id="rId13"/>
-    <p:sldId id="269" r:id="rId14"/>
+    <p:sldId id="271" r:id="rId13"/>
+    <p:sldId id="268" r:id="rId14"/>
+    <p:sldId id="269" r:id="rId15"/>
   </p:sldIdLst>
   <p:sldSz cx="12192000" cy="6858000"/>
   <p:notesSz cx="6858000" cy="9144000"/>
@@ -255,7 +256,7 @@
           <a:p>
             <a:fld id="{7512F477-50E3-47C5-85E8-5200A689CB7B}" type="datetimeFigureOut">
               <a:rPr lang="sv-SE" smtClean="0"/>
-              <a:t>2017-01-29</a:t>
+              <a:t>2017-01-30</a:t>
             </a:fld>
             <a:endParaRPr lang="sv-SE"/>
           </a:p>
@@ -425,7 +426,7 @@
           <a:p>
             <a:fld id="{7512F477-50E3-47C5-85E8-5200A689CB7B}" type="datetimeFigureOut">
               <a:rPr lang="sv-SE" smtClean="0"/>
-              <a:t>2017-01-29</a:t>
+              <a:t>2017-01-30</a:t>
             </a:fld>
             <a:endParaRPr lang="sv-SE"/>
           </a:p>
@@ -605,7 +606,7 @@
           <a:p>
             <a:fld id="{7512F477-50E3-47C5-85E8-5200A689CB7B}" type="datetimeFigureOut">
               <a:rPr lang="sv-SE" smtClean="0"/>
-              <a:t>2017-01-29</a:t>
+              <a:t>2017-01-30</a:t>
             </a:fld>
             <a:endParaRPr lang="sv-SE"/>
           </a:p>
@@ -775,7 +776,7 @@
           <a:p>
             <a:fld id="{7512F477-50E3-47C5-85E8-5200A689CB7B}" type="datetimeFigureOut">
               <a:rPr lang="sv-SE" smtClean="0"/>
-              <a:t>2017-01-29</a:t>
+              <a:t>2017-01-30</a:t>
             </a:fld>
             <a:endParaRPr lang="sv-SE"/>
           </a:p>
@@ -1021,7 +1022,7 @@
           <a:p>
             <a:fld id="{7512F477-50E3-47C5-85E8-5200A689CB7B}" type="datetimeFigureOut">
               <a:rPr lang="sv-SE" smtClean="0"/>
-              <a:t>2017-01-29</a:t>
+              <a:t>2017-01-30</a:t>
             </a:fld>
             <a:endParaRPr lang="sv-SE"/>
           </a:p>
@@ -1253,7 +1254,7 @@
           <a:p>
             <a:fld id="{7512F477-50E3-47C5-85E8-5200A689CB7B}" type="datetimeFigureOut">
               <a:rPr lang="sv-SE" smtClean="0"/>
-              <a:t>2017-01-29</a:t>
+              <a:t>2017-01-30</a:t>
             </a:fld>
             <a:endParaRPr lang="sv-SE"/>
           </a:p>
@@ -1620,7 +1621,7 @@
           <a:p>
             <a:fld id="{7512F477-50E3-47C5-85E8-5200A689CB7B}" type="datetimeFigureOut">
               <a:rPr lang="sv-SE" smtClean="0"/>
-              <a:t>2017-01-29</a:t>
+              <a:t>2017-01-30</a:t>
             </a:fld>
             <a:endParaRPr lang="sv-SE"/>
           </a:p>
@@ -1738,7 +1739,7 @@
           <a:p>
             <a:fld id="{7512F477-50E3-47C5-85E8-5200A689CB7B}" type="datetimeFigureOut">
               <a:rPr lang="sv-SE" smtClean="0"/>
-              <a:t>2017-01-29</a:t>
+              <a:t>2017-01-30</a:t>
             </a:fld>
             <a:endParaRPr lang="sv-SE"/>
           </a:p>
@@ -1833,7 +1834,7 @@
           <a:p>
             <a:fld id="{7512F477-50E3-47C5-85E8-5200A689CB7B}" type="datetimeFigureOut">
               <a:rPr lang="sv-SE" smtClean="0"/>
-              <a:t>2017-01-29</a:t>
+              <a:t>2017-01-30</a:t>
             </a:fld>
             <a:endParaRPr lang="sv-SE"/>
           </a:p>
@@ -2110,7 +2111,7 @@
           <a:p>
             <a:fld id="{7512F477-50E3-47C5-85E8-5200A689CB7B}" type="datetimeFigureOut">
               <a:rPr lang="sv-SE" smtClean="0"/>
-              <a:t>2017-01-29</a:t>
+              <a:t>2017-01-30</a:t>
             </a:fld>
             <a:endParaRPr lang="sv-SE"/>
           </a:p>
@@ -2363,7 +2364,7 @@
           <a:p>
             <a:fld id="{7512F477-50E3-47C5-85E8-5200A689CB7B}" type="datetimeFigureOut">
               <a:rPr lang="sv-SE" smtClean="0"/>
-              <a:t>2017-01-29</a:t>
+              <a:t>2017-01-30</a:t>
             </a:fld>
             <a:endParaRPr lang="sv-SE"/>
           </a:p>
@@ -2576,7 +2577,7 @@
           <a:p>
             <a:fld id="{7512F477-50E3-47C5-85E8-5200A689CB7B}" type="datetimeFigureOut">
               <a:rPr lang="sv-SE" smtClean="0"/>
-              <a:t>2017-01-29</a:t>
+              <a:t>2017-01-30</a:t>
             </a:fld>
             <a:endParaRPr lang="sv-SE"/>
           </a:p>
@@ -11612,6 +11613,3907 @@
       </p:grpSpPr>
       <p:sp>
         <p:nvSpPr>
+          <p:cNvPr id="23" name="Freeform 22"/>
+          <p:cNvSpPr/>
+          <p:nvPr/>
+        </p:nvSpPr>
+        <p:spPr>
+          <a:xfrm rot="1907684">
+            <a:off x="6251126" y="4149710"/>
+            <a:ext cx="356550" cy="206238"/>
+          </a:xfrm>
+          <a:custGeom>
+            <a:avLst/>
+            <a:gdLst>
+              <a:gd name="connsiteX0" fmla="*/ 279941 w 578895"/>
+              <a:gd name="connsiteY0" fmla="*/ 5179 h 369751"/>
+              <a:gd name="connsiteX1" fmla="*/ 578752 w 578895"/>
+              <a:gd name="connsiteY1" fmla="*/ 155061 h 369751"/>
+              <a:gd name="connsiteX2" fmla="*/ 118421 w 578895"/>
+              <a:gd name="connsiteY2" fmla="*/ 367303 h 369751"/>
+              <a:gd name="connsiteX3" fmla="*/ 23092 w 578895"/>
+              <a:gd name="connsiteY3" fmla="*/ 369606 h 369751"/>
+              <a:gd name="connsiteX4" fmla="*/ 0 w 578895"/>
+              <a:gd name="connsiteY4" fmla="*/ 368304 h 369751"/>
+              <a:gd name="connsiteX5" fmla="*/ 0 w 578895"/>
+              <a:gd name="connsiteY5" fmla="*/ 12258 h 369751"/>
+              <a:gd name="connsiteX6" fmla="*/ 505 w 578895"/>
+              <a:gd name="connsiteY6" fmla="*/ 12164 h 369751"/>
+              <a:gd name="connsiteX7" fmla="*/ 95367 w 578895"/>
+              <a:gd name="connsiteY7" fmla="*/ 2449 h 369751"/>
+              <a:gd name="connsiteX8" fmla="*/ 279941 w 578895"/>
+              <a:gd name="connsiteY8" fmla="*/ 5179 h 369751"/>
+              <a:gd name="connsiteX0" fmla="*/ 279941 w 578895"/>
+              <a:gd name="connsiteY0" fmla="*/ 5179 h 369751"/>
+              <a:gd name="connsiteX1" fmla="*/ 578752 w 578895"/>
+              <a:gd name="connsiteY1" fmla="*/ 155061 h 369751"/>
+              <a:gd name="connsiteX2" fmla="*/ 118421 w 578895"/>
+              <a:gd name="connsiteY2" fmla="*/ 367303 h 369751"/>
+              <a:gd name="connsiteX3" fmla="*/ 23092 w 578895"/>
+              <a:gd name="connsiteY3" fmla="*/ 369606 h 369751"/>
+              <a:gd name="connsiteX4" fmla="*/ 0 w 578895"/>
+              <a:gd name="connsiteY4" fmla="*/ 368304 h 369751"/>
+              <a:gd name="connsiteX5" fmla="*/ 1303 w 578895"/>
+              <a:gd name="connsiteY5" fmla="*/ 209922 h 369751"/>
+              <a:gd name="connsiteX6" fmla="*/ 0 w 578895"/>
+              <a:gd name="connsiteY6" fmla="*/ 12258 h 369751"/>
+              <a:gd name="connsiteX7" fmla="*/ 505 w 578895"/>
+              <a:gd name="connsiteY7" fmla="*/ 12164 h 369751"/>
+              <a:gd name="connsiteX8" fmla="*/ 95367 w 578895"/>
+              <a:gd name="connsiteY8" fmla="*/ 2449 h 369751"/>
+              <a:gd name="connsiteX9" fmla="*/ 279941 w 578895"/>
+              <a:gd name="connsiteY9" fmla="*/ 5179 h 369751"/>
+              <a:gd name="connsiteX0" fmla="*/ 340282 w 639236"/>
+              <a:gd name="connsiteY0" fmla="*/ 5179 h 369751"/>
+              <a:gd name="connsiteX1" fmla="*/ 639093 w 639236"/>
+              <a:gd name="connsiteY1" fmla="*/ 155061 h 369751"/>
+              <a:gd name="connsiteX2" fmla="*/ 178762 w 639236"/>
+              <a:gd name="connsiteY2" fmla="*/ 367303 h 369751"/>
+              <a:gd name="connsiteX3" fmla="*/ 83433 w 639236"/>
+              <a:gd name="connsiteY3" fmla="*/ 369606 h 369751"/>
+              <a:gd name="connsiteX4" fmla="*/ 60341 w 639236"/>
+              <a:gd name="connsiteY4" fmla="*/ 368304 h 369751"/>
+              <a:gd name="connsiteX5" fmla="*/ 2 w 639236"/>
+              <a:gd name="connsiteY5" fmla="*/ 181615 h 369751"/>
+              <a:gd name="connsiteX6" fmla="*/ 60341 w 639236"/>
+              <a:gd name="connsiteY6" fmla="*/ 12258 h 369751"/>
+              <a:gd name="connsiteX7" fmla="*/ 60846 w 639236"/>
+              <a:gd name="connsiteY7" fmla="*/ 12164 h 369751"/>
+              <a:gd name="connsiteX8" fmla="*/ 155708 w 639236"/>
+              <a:gd name="connsiteY8" fmla="*/ 2449 h 369751"/>
+              <a:gd name="connsiteX9" fmla="*/ 340282 w 639236"/>
+              <a:gd name="connsiteY9" fmla="*/ 5179 h 369751"/>
+            </a:gdLst>
+            <a:ahLst/>
+            <a:cxnLst>
+              <a:cxn ang="0">
+                <a:pos x="connsiteX0" y="connsiteY0"/>
+              </a:cxn>
+              <a:cxn ang="0">
+                <a:pos x="connsiteX1" y="connsiteY1"/>
+              </a:cxn>
+              <a:cxn ang="0">
+                <a:pos x="connsiteX2" y="connsiteY2"/>
+              </a:cxn>
+              <a:cxn ang="0">
+                <a:pos x="connsiteX3" y="connsiteY3"/>
+              </a:cxn>
+              <a:cxn ang="0">
+                <a:pos x="connsiteX4" y="connsiteY4"/>
+              </a:cxn>
+              <a:cxn ang="0">
+                <a:pos x="connsiteX5" y="connsiteY5"/>
+              </a:cxn>
+              <a:cxn ang="0">
+                <a:pos x="connsiteX6" y="connsiteY6"/>
+              </a:cxn>
+              <a:cxn ang="0">
+                <a:pos x="connsiteX7" y="connsiteY7"/>
+              </a:cxn>
+              <a:cxn ang="0">
+                <a:pos x="connsiteX8" y="connsiteY8"/>
+              </a:cxn>
+              <a:cxn ang="0">
+                <a:pos x="connsiteX9" y="connsiteY9"/>
+              </a:cxn>
+            </a:cxnLst>
+            <a:rect l="l" t="t" r="r" b="b"/>
+            <a:pathLst>
+              <a:path w="639236" h="369751">
+                <a:moveTo>
+                  <a:pt x="340282" y="5179"/>
+                </a:moveTo>
+                <a:cubicBezTo>
+                  <a:pt x="511389" y="22172"/>
+                  <a:pt x="634318" y="79497"/>
+                  <a:pt x="639093" y="155061"/>
+                </a:cubicBezTo>
+                <a:cubicBezTo>
+                  <a:pt x="645459" y="255813"/>
+                  <a:pt x="439362" y="350837"/>
+                  <a:pt x="178762" y="367303"/>
+                </a:cubicBezTo>
+                <a:cubicBezTo>
+                  <a:pt x="146187" y="369362"/>
+                  <a:pt x="114302" y="370095"/>
+                  <a:pt x="83433" y="369606"/>
+                </a:cubicBezTo>
+                <a:lnTo>
+                  <a:pt x="60341" y="368304"/>
+                </a:lnTo>
+                <a:cubicBezTo>
+                  <a:pt x="60775" y="315510"/>
+                  <a:pt x="-432" y="234409"/>
+                  <a:pt x="2" y="181615"/>
+                </a:cubicBezTo>
+                <a:cubicBezTo>
+                  <a:pt x="-432" y="115727"/>
+                  <a:pt x="60775" y="78146"/>
+                  <a:pt x="60341" y="12258"/>
+                </a:cubicBezTo>
+                <a:lnTo>
+                  <a:pt x="60846" y="12164"/>
+                </a:lnTo>
+                <a:cubicBezTo>
+                  <a:pt x="91410" y="7793"/>
+                  <a:pt x="123133" y="4507"/>
+                  <a:pt x="155708" y="2449"/>
+                </a:cubicBezTo>
+                <a:cubicBezTo>
+                  <a:pt x="220858" y="-1668"/>
+                  <a:pt x="283247" y="-485"/>
+                  <a:pt x="340282" y="5179"/>
+                </a:cubicBezTo>
+                <a:close/>
+              </a:path>
+            </a:pathLst>
+          </a:custGeom>
+          <a:solidFill>
+            <a:srgbClr val="FFD966"/>
+          </a:solidFill>
+          <a:ln w="25400">
+            <a:solidFill>
+              <a:schemeClr val="tx1"/>
+            </a:solidFill>
+          </a:ln>
+        </p:spPr>
+        <p:style>
+          <a:lnRef idx="2">
+            <a:schemeClr val="accent1">
+              <a:shade val="50000"/>
+            </a:schemeClr>
+          </a:lnRef>
+          <a:fillRef idx="1">
+            <a:schemeClr val="accent1"/>
+          </a:fillRef>
+          <a:effectRef idx="0">
+            <a:schemeClr val="accent1"/>
+          </a:effectRef>
+          <a:fontRef idx="minor">
+            <a:schemeClr val="lt1"/>
+          </a:fontRef>
+        </p:style>
+        <p:txBody>
+          <a:bodyPr rtlCol="0" anchor="ctr"/>
+          <a:lstStyle/>
+          <a:p>
+            <a:pPr algn="ctr"/>
+            <a:endParaRPr lang="sv-SE"/>
+          </a:p>
+        </p:txBody>
+      </p:sp>
+      <p:sp>
+        <p:nvSpPr>
+          <p:cNvPr id="96" name="Freeform 95"/>
+          <p:cNvSpPr/>
+          <p:nvPr/>
+        </p:nvSpPr>
+        <p:spPr>
+          <a:xfrm rot="2069576">
+            <a:off x="6412535" y="4202795"/>
+            <a:ext cx="189913" cy="194346"/>
+          </a:xfrm>
+          <a:custGeom>
+            <a:avLst/>
+            <a:gdLst>
+              <a:gd name="connsiteX0" fmla="*/ 0 w 189913"/>
+              <a:gd name="connsiteY0" fmla="*/ 622 h 194346"/>
+              <a:gd name="connsiteX1" fmla="*/ 19248 w 189913"/>
+              <a:gd name="connsiteY1" fmla="*/ 0 h 194346"/>
+              <a:gd name="connsiteX2" fmla="*/ 189669 w 189913"/>
+              <a:gd name="connsiteY2" fmla="*/ 75662 h 194346"/>
+              <a:gd name="connsiteX3" fmla="*/ 39911 w 189913"/>
+              <a:gd name="connsiteY3" fmla="*/ 186749 h 194346"/>
+              <a:gd name="connsiteX4" fmla="*/ 0 w 189913"/>
+              <a:gd name="connsiteY4" fmla="*/ 194346 h 194346"/>
+              <a:gd name="connsiteX5" fmla="*/ 0 w 189913"/>
+              <a:gd name="connsiteY5" fmla="*/ 622 h 194346"/>
+            </a:gdLst>
+            <a:ahLst/>
+            <a:cxnLst>
+              <a:cxn ang="0">
+                <a:pos x="connsiteX0" y="connsiteY0"/>
+              </a:cxn>
+              <a:cxn ang="0">
+                <a:pos x="connsiteX1" y="connsiteY1"/>
+              </a:cxn>
+              <a:cxn ang="0">
+                <a:pos x="connsiteX2" y="connsiteY2"/>
+              </a:cxn>
+              <a:cxn ang="0">
+                <a:pos x="connsiteX3" y="connsiteY3"/>
+              </a:cxn>
+              <a:cxn ang="0">
+                <a:pos x="connsiteX4" y="connsiteY4"/>
+              </a:cxn>
+              <a:cxn ang="0">
+                <a:pos x="connsiteX5" y="connsiteY5"/>
+              </a:cxn>
+            </a:cxnLst>
+            <a:rect l="l" t="t" r="r" b="b"/>
+            <a:pathLst>
+              <a:path w="189913" h="194346">
+                <a:moveTo>
+                  <a:pt x="0" y="622"/>
+                </a:moveTo>
+                <a:lnTo>
+                  <a:pt x="19248" y="0"/>
+                </a:lnTo>
+                <a:cubicBezTo>
+                  <a:pt x="115028" y="4975"/>
+                  <a:pt x="185024" y="33687"/>
+                  <a:pt x="189669" y="75662"/>
+                </a:cubicBezTo>
+                <a:cubicBezTo>
+                  <a:pt x="194313" y="117637"/>
+                  <a:pt x="132286" y="160957"/>
+                  <a:pt x="39911" y="186749"/>
+                </a:cubicBezTo>
+                <a:lnTo>
+                  <a:pt x="0" y="194346"/>
+                </a:lnTo>
+                <a:lnTo>
+                  <a:pt x="0" y="622"/>
+                </a:lnTo>
+                <a:close/>
+              </a:path>
+            </a:pathLst>
+          </a:custGeom>
+          <a:solidFill>
+            <a:schemeClr val="bg2">
+              <a:lumMod val="25000"/>
+            </a:schemeClr>
+          </a:solidFill>
+          <a:ln w="25400">
+            <a:solidFill>
+              <a:schemeClr val="tx1"/>
+            </a:solidFill>
+          </a:ln>
+        </p:spPr>
+        <p:style>
+          <a:lnRef idx="2">
+            <a:schemeClr val="accent1">
+              <a:shade val="50000"/>
+            </a:schemeClr>
+          </a:lnRef>
+          <a:fillRef idx="1">
+            <a:schemeClr val="accent1"/>
+          </a:fillRef>
+          <a:effectRef idx="0">
+            <a:schemeClr val="accent1"/>
+          </a:effectRef>
+          <a:fontRef idx="minor">
+            <a:schemeClr val="lt1"/>
+          </a:fontRef>
+        </p:style>
+        <p:txBody>
+          <a:bodyPr rtlCol="0" anchor="ctr"/>
+          <a:lstStyle/>
+          <a:p>
+            <a:pPr algn="ctr"/>
+            <a:endParaRPr lang="sv-SE"/>
+          </a:p>
+        </p:txBody>
+      </p:sp>
+      <p:grpSp>
+        <p:nvGrpSpPr>
+          <p:cNvPr id="76" name="Group 75"/>
+          <p:cNvGrpSpPr/>
+          <p:nvPr/>
+        </p:nvGrpSpPr>
+        <p:grpSpPr>
+          <a:xfrm>
+            <a:off x="5169297" y="3216836"/>
+            <a:ext cx="293137" cy="248563"/>
+            <a:chOff x="5173631" y="3234172"/>
+            <a:chExt cx="293137" cy="248563"/>
+          </a:xfrm>
+        </p:grpSpPr>
+        <p:sp>
+          <p:nvSpPr>
+            <p:cNvPr id="6" name="Oval 5"/>
+            <p:cNvSpPr/>
+            <p:nvPr/>
+          </p:nvSpPr>
+          <p:spPr>
+            <a:xfrm rot="1933843">
+              <a:off x="5173631" y="3234172"/>
+              <a:ext cx="293137" cy="207673"/>
+            </a:xfrm>
+            <a:prstGeom prst="ellipse">
+              <a:avLst/>
+            </a:prstGeom>
+            <a:solidFill>
+              <a:srgbClr val="FFD966"/>
+            </a:solidFill>
+            <a:ln w="25400">
+              <a:solidFill>
+                <a:schemeClr val="tx1"/>
+              </a:solidFill>
+            </a:ln>
+          </p:spPr>
+          <p:style>
+            <a:lnRef idx="2">
+              <a:schemeClr val="accent1">
+                <a:shade val="50000"/>
+              </a:schemeClr>
+            </a:lnRef>
+            <a:fillRef idx="1">
+              <a:schemeClr val="accent1"/>
+            </a:fillRef>
+            <a:effectRef idx="0">
+              <a:schemeClr val="accent1"/>
+            </a:effectRef>
+            <a:fontRef idx="minor">
+              <a:schemeClr val="lt1"/>
+            </a:fontRef>
+          </p:style>
+          <p:txBody>
+            <a:bodyPr rtlCol="0" anchor="ctr"/>
+            <a:lstStyle/>
+            <a:p>
+              <a:pPr algn="ctr"/>
+              <a:endParaRPr lang="sv-SE"/>
+            </a:p>
+          </p:txBody>
+        </p:sp>
+        <p:sp>
+          <p:nvSpPr>
+            <p:cNvPr id="7" name="Oval 6"/>
+            <p:cNvSpPr/>
+            <p:nvPr/>
+          </p:nvSpPr>
+          <p:spPr>
+            <a:xfrm rot="2651302">
+              <a:off x="5234298" y="3283900"/>
+              <a:ext cx="163822" cy="114745"/>
+            </a:xfrm>
+            <a:prstGeom prst="ellipse">
+              <a:avLst/>
+            </a:prstGeom>
+            <a:solidFill>
+              <a:schemeClr val="accent4">
+                <a:lumMod val="50000"/>
+                <a:alpha val="49000"/>
+              </a:schemeClr>
+            </a:solidFill>
+            <a:ln w="25400">
+              <a:noFill/>
+            </a:ln>
+          </p:spPr>
+          <p:style>
+            <a:lnRef idx="2">
+              <a:schemeClr val="accent1">
+                <a:shade val="50000"/>
+              </a:schemeClr>
+            </a:lnRef>
+            <a:fillRef idx="1">
+              <a:schemeClr val="accent1"/>
+            </a:fillRef>
+            <a:effectRef idx="0">
+              <a:schemeClr val="accent1"/>
+            </a:effectRef>
+            <a:fontRef idx="minor">
+              <a:schemeClr val="lt1"/>
+            </a:fontRef>
+          </p:style>
+          <p:txBody>
+            <a:bodyPr rtlCol="0" anchor="ctr"/>
+            <a:lstStyle/>
+            <a:p>
+              <a:pPr algn="ctr"/>
+              <a:endParaRPr lang="sv-SE"/>
+            </a:p>
+          </p:txBody>
+        </p:sp>
+        <p:sp>
+          <p:nvSpPr>
+            <p:cNvPr id="27" name="Arc 26"/>
+            <p:cNvSpPr/>
+            <p:nvPr/>
+          </p:nvSpPr>
+          <p:spPr>
+            <a:xfrm rot="19330243">
+              <a:off x="5267668" y="3327449"/>
+              <a:ext cx="82971" cy="155286"/>
+            </a:xfrm>
+            <a:prstGeom prst="arc">
+              <a:avLst/>
+            </a:prstGeom>
+            <a:ln w="25400" cap="rnd">
+              <a:solidFill>
+                <a:schemeClr val="tx1"/>
+              </a:solidFill>
+            </a:ln>
+          </p:spPr>
+          <p:style>
+            <a:lnRef idx="1">
+              <a:schemeClr val="accent1"/>
+            </a:lnRef>
+            <a:fillRef idx="0">
+              <a:schemeClr val="accent1"/>
+            </a:fillRef>
+            <a:effectRef idx="0">
+              <a:schemeClr val="accent1"/>
+            </a:effectRef>
+            <a:fontRef idx="minor">
+              <a:schemeClr val="tx1"/>
+            </a:fontRef>
+          </p:style>
+          <p:txBody>
+            <a:bodyPr rtlCol="0" anchor="ctr"/>
+            <a:lstStyle/>
+            <a:p>
+              <a:pPr algn="ctr"/>
+              <a:endParaRPr lang="sv-SE"/>
+            </a:p>
+          </p:txBody>
+        </p:sp>
+        <p:sp>
+          <p:nvSpPr>
+            <p:cNvPr id="28" name="Arc 27"/>
+            <p:cNvSpPr/>
+            <p:nvPr/>
+          </p:nvSpPr>
+          <p:spPr>
+            <a:xfrm rot="19330243" flipH="1">
+              <a:off x="5331178" y="3273957"/>
+              <a:ext cx="82971" cy="155286"/>
+            </a:xfrm>
+            <a:prstGeom prst="arc">
+              <a:avLst>
+                <a:gd name="adj1" fmla="val 16200000"/>
+                <a:gd name="adj2" fmla="val 20911871"/>
+              </a:avLst>
+            </a:prstGeom>
+            <a:ln w="25400" cap="rnd">
+              <a:solidFill>
+                <a:schemeClr val="tx1"/>
+              </a:solidFill>
+            </a:ln>
+          </p:spPr>
+          <p:style>
+            <a:lnRef idx="1">
+              <a:schemeClr val="accent1"/>
+            </a:lnRef>
+            <a:fillRef idx="0">
+              <a:schemeClr val="accent1"/>
+            </a:fillRef>
+            <a:effectRef idx="0">
+              <a:schemeClr val="accent1"/>
+            </a:effectRef>
+            <a:fontRef idx="minor">
+              <a:schemeClr val="tx1"/>
+            </a:fontRef>
+          </p:style>
+          <p:txBody>
+            <a:bodyPr rtlCol="0" anchor="ctr"/>
+            <a:lstStyle/>
+            <a:p>
+              <a:pPr algn="ctr"/>
+              <a:endParaRPr lang="sv-SE"/>
+            </a:p>
+          </p:txBody>
+        </p:sp>
+      </p:grpSp>
+      <p:sp>
+        <p:nvSpPr>
+          <p:cNvPr id="5" name="Freeform 4"/>
+          <p:cNvSpPr/>
+          <p:nvPr/>
+        </p:nvSpPr>
+        <p:spPr>
+          <a:xfrm rot="9520056">
+            <a:off x="4977374" y="4123685"/>
+            <a:ext cx="356550" cy="206238"/>
+          </a:xfrm>
+          <a:custGeom>
+            <a:avLst/>
+            <a:gdLst>
+              <a:gd name="connsiteX0" fmla="*/ 279941 w 578895"/>
+              <a:gd name="connsiteY0" fmla="*/ 5179 h 369751"/>
+              <a:gd name="connsiteX1" fmla="*/ 578752 w 578895"/>
+              <a:gd name="connsiteY1" fmla="*/ 155061 h 369751"/>
+              <a:gd name="connsiteX2" fmla="*/ 118421 w 578895"/>
+              <a:gd name="connsiteY2" fmla="*/ 367303 h 369751"/>
+              <a:gd name="connsiteX3" fmla="*/ 23092 w 578895"/>
+              <a:gd name="connsiteY3" fmla="*/ 369606 h 369751"/>
+              <a:gd name="connsiteX4" fmla="*/ 0 w 578895"/>
+              <a:gd name="connsiteY4" fmla="*/ 368304 h 369751"/>
+              <a:gd name="connsiteX5" fmla="*/ 0 w 578895"/>
+              <a:gd name="connsiteY5" fmla="*/ 12258 h 369751"/>
+              <a:gd name="connsiteX6" fmla="*/ 505 w 578895"/>
+              <a:gd name="connsiteY6" fmla="*/ 12164 h 369751"/>
+              <a:gd name="connsiteX7" fmla="*/ 95367 w 578895"/>
+              <a:gd name="connsiteY7" fmla="*/ 2449 h 369751"/>
+              <a:gd name="connsiteX8" fmla="*/ 279941 w 578895"/>
+              <a:gd name="connsiteY8" fmla="*/ 5179 h 369751"/>
+              <a:gd name="connsiteX0" fmla="*/ 279941 w 578895"/>
+              <a:gd name="connsiteY0" fmla="*/ 5179 h 369751"/>
+              <a:gd name="connsiteX1" fmla="*/ 578752 w 578895"/>
+              <a:gd name="connsiteY1" fmla="*/ 155061 h 369751"/>
+              <a:gd name="connsiteX2" fmla="*/ 118421 w 578895"/>
+              <a:gd name="connsiteY2" fmla="*/ 367303 h 369751"/>
+              <a:gd name="connsiteX3" fmla="*/ 23092 w 578895"/>
+              <a:gd name="connsiteY3" fmla="*/ 369606 h 369751"/>
+              <a:gd name="connsiteX4" fmla="*/ 0 w 578895"/>
+              <a:gd name="connsiteY4" fmla="*/ 368304 h 369751"/>
+              <a:gd name="connsiteX5" fmla="*/ 1303 w 578895"/>
+              <a:gd name="connsiteY5" fmla="*/ 209922 h 369751"/>
+              <a:gd name="connsiteX6" fmla="*/ 0 w 578895"/>
+              <a:gd name="connsiteY6" fmla="*/ 12258 h 369751"/>
+              <a:gd name="connsiteX7" fmla="*/ 505 w 578895"/>
+              <a:gd name="connsiteY7" fmla="*/ 12164 h 369751"/>
+              <a:gd name="connsiteX8" fmla="*/ 95367 w 578895"/>
+              <a:gd name="connsiteY8" fmla="*/ 2449 h 369751"/>
+              <a:gd name="connsiteX9" fmla="*/ 279941 w 578895"/>
+              <a:gd name="connsiteY9" fmla="*/ 5179 h 369751"/>
+              <a:gd name="connsiteX0" fmla="*/ 340282 w 639236"/>
+              <a:gd name="connsiteY0" fmla="*/ 5179 h 369751"/>
+              <a:gd name="connsiteX1" fmla="*/ 639093 w 639236"/>
+              <a:gd name="connsiteY1" fmla="*/ 155061 h 369751"/>
+              <a:gd name="connsiteX2" fmla="*/ 178762 w 639236"/>
+              <a:gd name="connsiteY2" fmla="*/ 367303 h 369751"/>
+              <a:gd name="connsiteX3" fmla="*/ 83433 w 639236"/>
+              <a:gd name="connsiteY3" fmla="*/ 369606 h 369751"/>
+              <a:gd name="connsiteX4" fmla="*/ 60341 w 639236"/>
+              <a:gd name="connsiteY4" fmla="*/ 368304 h 369751"/>
+              <a:gd name="connsiteX5" fmla="*/ 2 w 639236"/>
+              <a:gd name="connsiteY5" fmla="*/ 181615 h 369751"/>
+              <a:gd name="connsiteX6" fmla="*/ 60341 w 639236"/>
+              <a:gd name="connsiteY6" fmla="*/ 12258 h 369751"/>
+              <a:gd name="connsiteX7" fmla="*/ 60846 w 639236"/>
+              <a:gd name="connsiteY7" fmla="*/ 12164 h 369751"/>
+              <a:gd name="connsiteX8" fmla="*/ 155708 w 639236"/>
+              <a:gd name="connsiteY8" fmla="*/ 2449 h 369751"/>
+              <a:gd name="connsiteX9" fmla="*/ 340282 w 639236"/>
+              <a:gd name="connsiteY9" fmla="*/ 5179 h 369751"/>
+            </a:gdLst>
+            <a:ahLst/>
+            <a:cxnLst>
+              <a:cxn ang="0">
+                <a:pos x="connsiteX0" y="connsiteY0"/>
+              </a:cxn>
+              <a:cxn ang="0">
+                <a:pos x="connsiteX1" y="connsiteY1"/>
+              </a:cxn>
+              <a:cxn ang="0">
+                <a:pos x="connsiteX2" y="connsiteY2"/>
+              </a:cxn>
+              <a:cxn ang="0">
+                <a:pos x="connsiteX3" y="connsiteY3"/>
+              </a:cxn>
+              <a:cxn ang="0">
+                <a:pos x="connsiteX4" y="connsiteY4"/>
+              </a:cxn>
+              <a:cxn ang="0">
+                <a:pos x="connsiteX5" y="connsiteY5"/>
+              </a:cxn>
+              <a:cxn ang="0">
+                <a:pos x="connsiteX6" y="connsiteY6"/>
+              </a:cxn>
+              <a:cxn ang="0">
+                <a:pos x="connsiteX7" y="connsiteY7"/>
+              </a:cxn>
+              <a:cxn ang="0">
+                <a:pos x="connsiteX8" y="connsiteY8"/>
+              </a:cxn>
+              <a:cxn ang="0">
+                <a:pos x="connsiteX9" y="connsiteY9"/>
+              </a:cxn>
+            </a:cxnLst>
+            <a:rect l="l" t="t" r="r" b="b"/>
+            <a:pathLst>
+              <a:path w="639236" h="369751">
+                <a:moveTo>
+                  <a:pt x="340282" y="5179"/>
+                </a:moveTo>
+                <a:cubicBezTo>
+                  <a:pt x="511389" y="22172"/>
+                  <a:pt x="634318" y="79497"/>
+                  <a:pt x="639093" y="155061"/>
+                </a:cubicBezTo>
+                <a:cubicBezTo>
+                  <a:pt x="645459" y="255813"/>
+                  <a:pt x="439362" y="350837"/>
+                  <a:pt x="178762" y="367303"/>
+                </a:cubicBezTo>
+                <a:cubicBezTo>
+                  <a:pt x="146187" y="369362"/>
+                  <a:pt x="114302" y="370095"/>
+                  <a:pt x="83433" y="369606"/>
+                </a:cubicBezTo>
+                <a:lnTo>
+                  <a:pt x="60341" y="368304"/>
+                </a:lnTo>
+                <a:cubicBezTo>
+                  <a:pt x="60775" y="315510"/>
+                  <a:pt x="-432" y="234409"/>
+                  <a:pt x="2" y="181615"/>
+                </a:cubicBezTo>
+                <a:cubicBezTo>
+                  <a:pt x="-432" y="115727"/>
+                  <a:pt x="60775" y="78146"/>
+                  <a:pt x="60341" y="12258"/>
+                </a:cubicBezTo>
+                <a:lnTo>
+                  <a:pt x="60846" y="12164"/>
+                </a:lnTo>
+                <a:cubicBezTo>
+                  <a:pt x="91410" y="7793"/>
+                  <a:pt x="123133" y="4507"/>
+                  <a:pt x="155708" y="2449"/>
+                </a:cubicBezTo>
+                <a:cubicBezTo>
+                  <a:pt x="220858" y="-1668"/>
+                  <a:pt x="283247" y="-485"/>
+                  <a:pt x="340282" y="5179"/>
+                </a:cubicBezTo>
+                <a:close/>
+              </a:path>
+            </a:pathLst>
+          </a:custGeom>
+          <a:solidFill>
+            <a:srgbClr val="FFD966"/>
+          </a:solidFill>
+          <a:ln w="25400">
+            <a:solidFill>
+              <a:schemeClr val="tx1"/>
+            </a:solidFill>
+          </a:ln>
+        </p:spPr>
+        <p:style>
+          <a:lnRef idx="2">
+            <a:schemeClr val="accent1">
+              <a:shade val="50000"/>
+            </a:schemeClr>
+          </a:lnRef>
+          <a:fillRef idx="1">
+            <a:schemeClr val="accent1"/>
+          </a:fillRef>
+          <a:effectRef idx="0">
+            <a:schemeClr val="accent1"/>
+          </a:effectRef>
+          <a:fontRef idx="minor">
+            <a:schemeClr val="lt1"/>
+          </a:fontRef>
+        </p:style>
+        <p:txBody>
+          <a:bodyPr rtlCol="0" anchor="ctr"/>
+          <a:lstStyle/>
+          <a:p>
+            <a:pPr algn="ctr"/>
+            <a:endParaRPr lang="sv-SE"/>
+          </a:p>
+        </p:txBody>
+      </p:sp>
+      <p:sp>
+        <p:nvSpPr>
+          <p:cNvPr id="4" name="Oval 3"/>
+          <p:cNvSpPr/>
+          <p:nvPr/>
+        </p:nvSpPr>
+        <p:spPr>
+          <a:xfrm>
+            <a:off x="3786485" y="4314147"/>
+            <a:ext cx="3998037" cy="1232309"/>
+          </a:xfrm>
+          <a:prstGeom prst="ellipse">
+            <a:avLst/>
+          </a:prstGeom>
+          <a:gradFill flip="none" rotWithShape="1">
+            <a:gsLst>
+              <a:gs pos="69000">
+                <a:schemeClr val="accent1">
+                  <a:lumMod val="5000"/>
+                  <a:lumOff val="95000"/>
+                  <a:alpha val="0"/>
+                </a:schemeClr>
+              </a:gs>
+              <a:gs pos="18000">
+                <a:schemeClr val="tx1">
+                  <a:lumMod val="50000"/>
+                  <a:lumOff val="50000"/>
+                </a:schemeClr>
+              </a:gs>
+            </a:gsLst>
+            <a:path path="shape">
+              <a:fillToRect l="50000" t="50000" r="50000" b="50000"/>
+            </a:path>
+            <a:tileRect/>
+          </a:gradFill>
+          <a:ln>
+            <a:noFill/>
+          </a:ln>
+        </p:spPr>
+        <p:style>
+          <a:lnRef idx="2">
+            <a:schemeClr val="accent1">
+              <a:shade val="50000"/>
+            </a:schemeClr>
+          </a:lnRef>
+          <a:fillRef idx="1">
+            <a:schemeClr val="accent1"/>
+          </a:fillRef>
+          <a:effectRef idx="0">
+            <a:schemeClr val="accent1"/>
+          </a:effectRef>
+          <a:fontRef idx="minor">
+            <a:schemeClr val="lt1"/>
+          </a:fontRef>
+        </p:style>
+        <p:txBody>
+          <a:bodyPr rtlCol="0" anchor="ctr"/>
+          <a:lstStyle/>
+          <a:p>
+            <a:pPr algn="ctr"/>
+            <a:endParaRPr lang="sv-SE"/>
+          </a:p>
+        </p:txBody>
+      </p:sp>
+      <p:sp>
+        <p:nvSpPr>
+          <p:cNvPr id="8" name="Oval 23"/>
+          <p:cNvSpPr/>
+          <p:nvPr/>
+        </p:nvSpPr>
+        <p:spPr>
+          <a:xfrm rot="21147307">
+            <a:off x="6051376" y="4352803"/>
+            <a:ext cx="264128" cy="587992"/>
+          </a:xfrm>
+          <a:custGeom>
+            <a:avLst/>
+            <a:gdLst>
+              <a:gd name="connsiteX0" fmla="*/ 0 w 366933"/>
+              <a:gd name="connsiteY0" fmla="*/ 472799 h 945597"/>
+              <a:gd name="connsiteX1" fmla="*/ 183467 w 366933"/>
+              <a:gd name="connsiteY1" fmla="*/ 0 h 945597"/>
+              <a:gd name="connsiteX2" fmla="*/ 366934 w 366933"/>
+              <a:gd name="connsiteY2" fmla="*/ 472799 h 945597"/>
+              <a:gd name="connsiteX3" fmla="*/ 183467 w 366933"/>
+              <a:gd name="connsiteY3" fmla="*/ 945598 h 945597"/>
+              <a:gd name="connsiteX4" fmla="*/ 0 w 366933"/>
+              <a:gd name="connsiteY4" fmla="*/ 472799 h 945597"/>
+              <a:gd name="connsiteX0" fmla="*/ 3837 w 370771"/>
+              <a:gd name="connsiteY0" fmla="*/ 472799 h 971512"/>
+              <a:gd name="connsiteX1" fmla="*/ 187304 w 370771"/>
+              <a:gd name="connsiteY1" fmla="*/ 0 h 971512"/>
+              <a:gd name="connsiteX2" fmla="*/ 370771 w 370771"/>
+              <a:gd name="connsiteY2" fmla="*/ 472799 h 971512"/>
+              <a:gd name="connsiteX3" fmla="*/ 187304 w 370771"/>
+              <a:gd name="connsiteY3" fmla="*/ 945598 h 971512"/>
+              <a:gd name="connsiteX4" fmla="*/ 72423 w 370771"/>
+              <a:gd name="connsiteY4" fmla="*/ 863194 h 971512"/>
+              <a:gd name="connsiteX5" fmla="*/ 3837 w 370771"/>
+              <a:gd name="connsiteY5" fmla="*/ 472799 h 971512"/>
+              <a:gd name="connsiteX0" fmla="*/ 3837 w 370771"/>
+              <a:gd name="connsiteY0" fmla="*/ 472799 h 903251"/>
+              <a:gd name="connsiteX1" fmla="*/ 187304 w 370771"/>
+              <a:gd name="connsiteY1" fmla="*/ 0 h 903251"/>
+              <a:gd name="connsiteX2" fmla="*/ 370771 w 370771"/>
+              <a:gd name="connsiteY2" fmla="*/ 472799 h 903251"/>
+              <a:gd name="connsiteX3" fmla="*/ 314825 w 370771"/>
+              <a:gd name="connsiteY3" fmla="*/ 825991 h 903251"/>
+              <a:gd name="connsiteX4" fmla="*/ 72423 w 370771"/>
+              <a:gd name="connsiteY4" fmla="*/ 863194 h 903251"/>
+              <a:gd name="connsiteX5" fmla="*/ 3837 w 370771"/>
+              <a:gd name="connsiteY5" fmla="*/ 472799 h 903251"/>
+              <a:gd name="connsiteX0" fmla="*/ 19627 w 386622"/>
+              <a:gd name="connsiteY0" fmla="*/ 472799 h 883076"/>
+              <a:gd name="connsiteX1" fmla="*/ 203094 w 386622"/>
+              <a:gd name="connsiteY1" fmla="*/ 0 h 883076"/>
+              <a:gd name="connsiteX2" fmla="*/ 386561 w 386622"/>
+              <a:gd name="connsiteY2" fmla="*/ 472799 h 883076"/>
+              <a:gd name="connsiteX3" fmla="*/ 330615 w 386622"/>
+              <a:gd name="connsiteY3" fmla="*/ 825991 h 883076"/>
+              <a:gd name="connsiteX4" fmla="*/ 25865 w 386622"/>
+              <a:gd name="connsiteY4" fmla="*/ 834255 h 883076"/>
+              <a:gd name="connsiteX5" fmla="*/ 19627 w 386622"/>
+              <a:gd name="connsiteY5" fmla="*/ 472799 h 883076"/>
+            </a:gdLst>
+            <a:ahLst/>
+            <a:cxnLst>
+              <a:cxn ang="0">
+                <a:pos x="connsiteX0" y="connsiteY0"/>
+              </a:cxn>
+              <a:cxn ang="0">
+                <a:pos x="connsiteX1" y="connsiteY1"/>
+              </a:cxn>
+              <a:cxn ang="0">
+                <a:pos x="connsiteX2" y="connsiteY2"/>
+              </a:cxn>
+              <a:cxn ang="0">
+                <a:pos x="connsiteX3" y="connsiteY3"/>
+              </a:cxn>
+              <a:cxn ang="0">
+                <a:pos x="connsiteX4" y="connsiteY4"/>
+              </a:cxn>
+              <a:cxn ang="0">
+                <a:pos x="connsiteX5" y="connsiteY5"/>
+              </a:cxn>
+            </a:cxnLst>
+            <a:rect l="l" t="t" r="r" b="b"/>
+            <a:pathLst>
+              <a:path w="386622" h="883076">
+                <a:moveTo>
+                  <a:pt x="19627" y="472799"/>
+                </a:moveTo>
+                <a:cubicBezTo>
+                  <a:pt x="49165" y="333757"/>
+                  <a:pt x="101768" y="0"/>
+                  <a:pt x="203094" y="0"/>
+                </a:cubicBezTo>
+                <a:cubicBezTo>
+                  <a:pt x="304420" y="0"/>
+                  <a:pt x="386561" y="211679"/>
+                  <a:pt x="386561" y="472799"/>
+                </a:cubicBezTo>
+                <a:cubicBezTo>
+                  <a:pt x="386561" y="733919"/>
+                  <a:pt x="390731" y="765748"/>
+                  <a:pt x="330615" y="825991"/>
+                </a:cubicBezTo>
+                <a:cubicBezTo>
+                  <a:pt x="270499" y="886234"/>
+                  <a:pt x="56443" y="913055"/>
+                  <a:pt x="25865" y="834255"/>
+                </a:cubicBezTo>
+                <a:cubicBezTo>
+                  <a:pt x="-4713" y="755455"/>
+                  <a:pt x="-9911" y="611842"/>
+                  <a:pt x="19627" y="472799"/>
+                </a:cubicBezTo>
+                <a:close/>
+              </a:path>
+            </a:pathLst>
+          </a:custGeom>
+          <a:solidFill>
+            <a:schemeClr val="bg2">
+              <a:lumMod val="25000"/>
+            </a:schemeClr>
+          </a:solidFill>
+          <a:ln w="25400">
+            <a:solidFill>
+              <a:schemeClr val="tx1"/>
+            </a:solidFill>
+          </a:ln>
+        </p:spPr>
+        <p:style>
+          <a:lnRef idx="2">
+            <a:schemeClr val="accent1">
+              <a:shade val="50000"/>
+            </a:schemeClr>
+          </a:lnRef>
+          <a:fillRef idx="1">
+            <a:schemeClr val="accent1"/>
+          </a:fillRef>
+          <a:effectRef idx="0">
+            <a:schemeClr val="accent1"/>
+          </a:effectRef>
+          <a:fontRef idx="minor">
+            <a:schemeClr val="lt1"/>
+          </a:fontRef>
+        </p:style>
+        <p:txBody>
+          <a:bodyPr rtlCol="0" anchor="ctr"/>
+          <a:lstStyle/>
+          <a:p>
+            <a:pPr algn="ctr"/>
+            <a:endParaRPr lang="sv-SE"/>
+          </a:p>
+        </p:txBody>
+      </p:sp>
+      <p:sp>
+        <p:nvSpPr>
+          <p:cNvPr id="9" name="Oval 22"/>
+          <p:cNvSpPr/>
+          <p:nvPr/>
+        </p:nvSpPr>
+        <p:spPr>
+          <a:xfrm rot="772141">
+            <a:off x="5338782" y="4326663"/>
+            <a:ext cx="242721" cy="581117"/>
+          </a:xfrm>
+          <a:custGeom>
+            <a:avLst/>
+            <a:gdLst>
+              <a:gd name="connsiteX0" fmla="*/ 0 w 365582"/>
+              <a:gd name="connsiteY0" fmla="*/ 472799 h 945597"/>
+              <a:gd name="connsiteX1" fmla="*/ 182791 w 365582"/>
+              <a:gd name="connsiteY1" fmla="*/ 0 h 945597"/>
+              <a:gd name="connsiteX2" fmla="*/ 365582 w 365582"/>
+              <a:gd name="connsiteY2" fmla="*/ 472799 h 945597"/>
+              <a:gd name="connsiteX3" fmla="*/ 182791 w 365582"/>
+              <a:gd name="connsiteY3" fmla="*/ 945598 h 945597"/>
+              <a:gd name="connsiteX4" fmla="*/ 0 w 365582"/>
+              <a:gd name="connsiteY4" fmla="*/ 472799 h 945597"/>
+              <a:gd name="connsiteX0" fmla="*/ 2116 w 367698"/>
+              <a:gd name="connsiteY0" fmla="*/ 472799 h 976739"/>
+              <a:gd name="connsiteX1" fmla="*/ 184907 w 367698"/>
+              <a:gd name="connsiteY1" fmla="*/ 0 h 976739"/>
+              <a:gd name="connsiteX2" fmla="*/ 367698 w 367698"/>
+              <a:gd name="connsiteY2" fmla="*/ 472799 h 976739"/>
+              <a:gd name="connsiteX3" fmla="*/ 184907 w 367698"/>
+              <a:gd name="connsiteY3" fmla="*/ 945598 h 976739"/>
+              <a:gd name="connsiteX4" fmla="*/ 91471 w 367698"/>
+              <a:gd name="connsiteY4" fmla="*/ 881288 h 976739"/>
+              <a:gd name="connsiteX5" fmla="*/ 2116 w 367698"/>
+              <a:gd name="connsiteY5" fmla="*/ 472799 h 976739"/>
+              <a:gd name="connsiteX0" fmla="*/ 2116 w 370584"/>
+              <a:gd name="connsiteY0" fmla="*/ 472799 h 921865"/>
+              <a:gd name="connsiteX1" fmla="*/ 184907 w 370584"/>
+              <a:gd name="connsiteY1" fmla="*/ 0 h 921865"/>
+              <a:gd name="connsiteX2" fmla="*/ 367698 w 370584"/>
+              <a:gd name="connsiteY2" fmla="*/ 472799 h 921865"/>
+              <a:gd name="connsiteX3" fmla="*/ 338188 w 370584"/>
+              <a:gd name="connsiteY3" fmla="*/ 843282 h 921865"/>
+              <a:gd name="connsiteX4" fmla="*/ 91471 w 370584"/>
+              <a:gd name="connsiteY4" fmla="*/ 881288 h 921865"/>
+              <a:gd name="connsiteX5" fmla="*/ 2116 w 370584"/>
+              <a:gd name="connsiteY5" fmla="*/ 472799 h 921865"/>
+              <a:gd name="connsiteX0" fmla="*/ 7896 w 379056"/>
+              <a:gd name="connsiteY0" fmla="*/ 472799 h 881699"/>
+              <a:gd name="connsiteX1" fmla="*/ 190687 w 379056"/>
+              <a:gd name="connsiteY1" fmla="*/ 0 h 881699"/>
+              <a:gd name="connsiteX2" fmla="*/ 373478 w 379056"/>
+              <a:gd name="connsiteY2" fmla="*/ 472799 h 881699"/>
+              <a:gd name="connsiteX3" fmla="*/ 343968 w 379056"/>
+              <a:gd name="connsiteY3" fmla="*/ 843282 h 881699"/>
+              <a:gd name="connsiteX4" fmla="*/ 48833 w 379056"/>
+              <a:gd name="connsiteY4" fmla="*/ 816640 h 881699"/>
+              <a:gd name="connsiteX5" fmla="*/ 7896 w 379056"/>
+              <a:gd name="connsiteY5" fmla="*/ 472799 h 881699"/>
+              <a:gd name="connsiteX0" fmla="*/ 11284 w 364627"/>
+              <a:gd name="connsiteY0" fmla="*/ 477141 h 881700"/>
+              <a:gd name="connsiteX1" fmla="*/ 176258 w 364627"/>
+              <a:gd name="connsiteY1" fmla="*/ 1 h 881700"/>
+              <a:gd name="connsiteX2" fmla="*/ 359049 w 364627"/>
+              <a:gd name="connsiteY2" fmla="*/ 472800 h 881700"/>
+              <a:gd name="connsiteX3" fmla="*/ 329539 w 364627"/>
+              <a:gd name="connsiteY3" fmla="*/ 843283 h 881700"/>
+              <a:gd name="connsiteX4" fmla="*/ 34404 w 364627"/>
+              <a:gd name="connsiteY4" fmla="*/ 816641 h 881700"/>
+              <a:gd name="connsiteX5" fmla="*/ 11284 w 364627"/>
+              <a:gd name="connsiteY5" fmla="*/ 477141 h 881700"/>
+              <a:gd name="connsiteX0" fmla="*/ 3054 w 353934"/>
+              <a:gd name="connsiteY0" fmla="*/ 477141 h 877106"/>
+              <a:gd name="connsiteX1" fmla="*/ 168028 w 353934"/>
+              <a:gd name="connsiteY1" fmla="*/ 1 h 877106"/>
+              <a:gd name="connsiteX2" fmla="*/ 350819 w 353934"/>
+              <a:gd name="connsiteY2" fmla="*/ 472800 h 877106"/>
+              <a:gd name="connsiteX3" fmla="*/ 321309 w 353934"/>
+              <a:gd name="connsiteY3" fmla="*/ 843283 h 877106"/>
+              <a:gd name="connsiteX4" fmla="*/ 70146 w 353934"/>
+              <a:gd name="connsiteY4" fmla="*/ 806595 h 877106"/>
+              <a:gd name="connsiteX5" fmla="*/ 3054 w 353934"/>
+              <a:gd name="connsiteY5" fmla="*/ 477141 h 877106"/>
+              <a:gd name="connsiteX0" fmla="*/ 11203 w 364531"/>
+              <a:gd name="connsiteY0" fmla="*/ 477141 h 872751"/>
+              <a:gd name="connsiteX1" fmla="*/ 176177 w 364531"/>
+              <a:gd name="connsiteY1" fmla="*/ 1 h 872751"/>
+              <a:gd name="connsiteX2" fmla="*/ 358968 w 364531"/>
+              <a:gd name="connsiteY2" fmla="*/ 472800 h 872751"/>
+              <a:gd name="connsiteX3" fmla="*/ 329458 w 364531"/>
+              <a:gd name="connsiteY3" fmla="*/ 843283 h 872751"/>
+              <a:gd name="connsiteX4" fmla="*/ 34566 w 364531"/>
+              <a:gd name="connsiteY4" fmla="*/ 795939 h 872751"/>
+              <a:gd name="connsiteX5" fmla="*/ 11203 w 364531"/>
+              <a:gd name="connsiteY5" fmla="*/ 477141 h 872751"/>
+            </a:gdLst>
+            <a:ahLst/>
+            <a:cxnLst>
+              <a:cxn ang="0">
+                <a:pos x="connsiteX0" y="connsiteY0"/>
+              </a:cxn>
+              <a:cxn ang="0">
+                <a:pos x="connsiteX1" y="connsiteY1"/>
+              </a:cxn>
+              <a:cxn ang="0">
+                <a:pos x="connsiteX2" y="connsiteY2"/>
+              </a:cxn>
+              <a:cxn ang="0">
+                <a:pos x="connsiteX3" y="connsiteY3"/>
+              </a:cxn>
+              <a:cxn ang="0">
+                <a:pos x="connsiteX4" y="connsiteY4"/>
+              </a:cxn>
+              <a:cxn ang="0">
+                <a:pos x="connsiteX5" y="connsiteY5"/>
+              </a:cxn>
+            </a:cxnLst>
+            <a:rect l="l" t="t" r="r" b="b"/>
+            <a:pathLst>
+              <a:path w="364531" h="872751">
+                <a:moveTo>
+                  <a:pt x="11203" y="477141"/>
+                </a:moveTo>
+                <a:cubicBezTo>
+                  <a:pt x="34805" y="344485"/>
+                  <a:pt x="118216" y="724"/>
+                  <a:pt x="176177" y="1"/>
+                </a:cubicBezTo>
+                <a:cubicBezTo>
+                  <a:pt x="234138" y="-722"/>
+                  <a:pt x="358968" y="211680"/>
+                  <a:pt x="358968" y="472800"/>
+                </a:cubicBezTo>
+                <a:cubicBezTo>
+                  <a:pt x="358968" y="733920"/>
+                  <a:pt x="383525" y="789426"/>
+                  <a:pt x="329458" y="843283"/>
+                </a:cubicBezTo>
+                <a:cubicBezTo>
+                  <a:pt x="275391" y="897140"/>
+                  <a:pt x="65031" y="874739"/>
+                  <a:pt x="34566" y="795939"/>
+                </a:cubicBezTo>
+                <a:cubicBezTo>
+                  <a:pt x="4101" y="717139"/>
+                  <a:pt x="-12399" y="609797"/>
+                  <a:pt x="11203" y="477141"/>
+                </a:cubicBezTo>
+                <a:close/>
+              </a:path>
+            </a:pathLst>
+          </a:custGeom>
+          <a:solidFill>
+            <a:schemeClr val="bg2">
+              <a:lumMod val="25000"/>
+            </a:schemeClr>
+          </a:solidFill>
+          <a:ln w="25400">
+            <a:solidFill>
+              <a:schemeClr val="tx1"/>
+            </a:solidFill>
+          </a:ln>
+        </p:spPr>
+        <p:style>
+          <a:lnRef idx="2">
+            <a:schemeClr val="accent1">
+              <a:shade val="50000"/>
+            </a:schemeClr>
+          </a:lnRef>
+          <a:fillRef idx="1">
+            <a:schemeClr val="accent1"/>
+          </a:fillRef>
+          <a:effectRef idx="0">
+            <a:schemeClr val="accent1"/>
+          </a:effectRef>
+          <a:fontRef idx="minor">
+            <a:schemeClr val="lt1"/>
+          </a:fontRef>
+        </p:style>
+        <p:txBody>
+          <a:bodyPr rtlCol="0" anchor="ctr"/>
+          <a:lstStyle/>
+          <a:p>
+            <a:pPr algn="ctr"/>
+            <a:endParaRPr lang="sv-SE"/>
+          </a:p>
+        </p:txBody>
+      </p:sp>
+      <p:grpSp>
+        <p:nvGrpSpPr>
+          <p:cNvPr id="75" name="Group 74"/>
+          <p:cNvGrpSpPr/>
+          <p:nvPr/>
+        </p:nvGrpSpPr>
+        <p:grpSpPr>
+          <a:xfrm>
+            <a:off x="5196876" y="3143217"/>
+            <a:ext cx="1242466" cy="1724774"/>
+            <a:chOff x="7558919" y="3154184"/>
+            <a:chExt cx="1242466" cy="1724774"/>
+          </a:xfrm>
+        </p:grpSpPr>
+        <p:sp>
+          <p:nvSpPr>
+            <p:cNvPr id="74" name="Freeform 73"/>
+            <p:cNvSpPr/>
+            <p:nvPr/>
+          </p:nvSpPr>
+          <p:spPr>
+            <a:xfrm>
+              <a:off x="7567006" y="3910789"/>
+              <a:ext cx="1234379" cy="968169"/>
+            </a:xfrm>
+            <a:custGeom>
+              <a:avLst/>
+              <a:gdLst>
+                <a:gd name="connsiteX0" fmla="*/ 43392 w 1234379"/>
+                <a:gd name="connsiteY0" fmla="*/ 0 h 968169"/>
+                <a:gd name="connsiteX1" fmla="*/ 273998 w 1234379"/>
+                <a:gd name="connsiteY1" fmla="*/ 230159 h 968169"/>
+                <a:gd name="connsiteX2" fmla="*/ 316911 w 1234379"/>
+                <a:gd name="connsiteY2" fmla="*/ 236716 h 968169"/>
+                <a:gd name="connsiteX3" fmla="*/ 795998 w 1234379"/>
+                <a:gd name="connsiteY3" fmla="*/ 248682 h 968169"/>
+                <a:gd name="connsiteX4" fmla="*/ 933237 w 1234379"/>
+                <a:gd name="connsiteY4" fmla="*/ 226236 h 968169"/>
+                <a:gd name="connsiteX5" fmla="*/ 1141678 w 1234379"/>
+                <a:gd name="connsiteY5" fmla="*/ 31712 h 968169"/>
+                <a:gd name="connsiteX6" fmla="*/ 1137705 w 1234379"/>
+                <a:gd name="connsiteY6" fmla="*/ 63651 h 968169"/>
+                <a:gd name="connsiteX7" fmla="*/ 1135991 w 1234379"/>
+                <a:gd name="connsiteY7" fmla="*/ 133896 h 968169"/>
+                <a:gd name="connsiteX8" fmla="*/ 1141580 w 1234379"/>
+                <a:gd name="connsiteY8" fmla="*/ 189815 h 968169"/>
+                <a:gd name="connsiteX9" fmla="*/ 976872 w 1234379"/>
+                <a:gd name="connsiteY9" fmla="*/ 343527 h 968169"/>
+                <a:gd name="connsiteX10" fmla="*/ 976086 w 1234379"/>
+                <a:gd name="connsiteY10" fmla="*/ 390045 h 968169"/>
+                <a:gd name="connsiteX11" fmla="*/ 979941 w 1234379"/>
+                <a:gd name="connsiteY11" fmla="*/ 486489 h 968169"/>
+                <a:gd name="connsiteX12" fmla="*/ 986287 w 1234379"/>
+                <a:gd name="connsiteY12" fmla="*/ 552153 h 968169"/>
+                <a:gd name="connsiteX13" fmla="*/ 1233687 w 1234379"/>
+                <a:gd name="connsiteY13" fmla="*/ 552153 h 968169"/>
+                <a:gd name="connsiteX14" fmla="*/ 1233687 w 1234379"/>
+                <a:gd name="connsiteY14" fmla="*/ 552154 h 968169"/>
+                <a:gd name="connsiteX15" fmla="*/ 973109 w 1234379"/>
+                <a:gd name="connsiteY15" fmla="*/ 552154 h 968169"/>
+                <a:gd name="connsiteX16" fmla="*/ 973109 w 1234379"/>
+                <a:gd name="connsiteY16" fmla="*/ 552155 h 968169"/>
+                <a:gd name="connsiteX17" fmla="*/ 1233687 w 1234379"/>
+                <a:gd name="connsiteY17" fmla="*/ 552155 h 968169"/>
+                <a:gd name="connsiteX18" fmla="*/ 1233687 w 1234379"/>
+                <a:gd name="connsiteY18" fmla="*/ 552154 h 968169"/>
+                <a:gd name="connsiteX19" fmla="*/ 1234379 w 1234379"/>
+                <a:gd name="connsiteY19" fmla="*/ 565315 h 968169"/>
+                <a:gd name="connsiteX20" fmla="*/ 633326 w 1234379"/>
+                <a:gd name="connsiteY20" fmla="*/ 967969 h 968169"/>
+                <a:gd name="connsiteX21" fmla="*/ 507027 w 1234379"/>
+                <a:gd name="connsiteY21" fmla="*/ 965304 h 968169"/>
+                <a:gd name="connsiteX22" fmla="*/ 479 w 1234379"/>
+                <a:gd name="connsiteY22" fmla="*/ 557764 h 968169"/>
+                <a:gd name="connsiteX23" fmla="*/ 0 w 1234379"/>
+                <a:gd name="connsiteY23" fmla="*/ 552155 h 968169"/>
+                <a:gd name="connsiteX24" fmla="*/ 217516 w 1234379"/>
+                <a:gd name="connsiteY24" fmla="*/ 552155 h 968169"/>
+                <a:gd name="connsiteX25" fmla="*/ 217516 w 1234379"/>
+                <a:gd name="connsiteY25" fmla="*/ 552154 h 968169"/>
+                <a:gd name="connsiteX26" fmla="*/ 0 w 1234379"/>
+                <a:gd name="connsiteY26" fmla="*/ 552154 h 968169"/>
+                <a:gd name="connsiteX27" fmla="*/ 0 w 1234379"/>
+                <a:gd name="connsiteY27" fmla="*/ 552153 h 968169"/>
+                <a:gd name="connsiteX28" fmla="*/ 209566 w 1234379"/>
+                <a:gd name="connsiteY28" fmla="*/ 552153 h 968169"/>
+                <a:gd name="connsiteX29" fmla="*/ 216417 w 1234379"/>
+                <a:gd name="connsiteY29" fmla="*/ 478772 h 968169"/>
+                <a:gd name="connsiteX30" fmla="*/ 220272 w 1234379"/>
+                <a:gd name="connsiteY30" fmla="*/ 382705 h 968169"/>
+                <a:gd name="connsiteX31" fmla="*/ 219500 w 1234379"/>
+                <a:gd name="connsiteY31" fmla="*/ 338980 h 968169"/>
+                <a:gd name="connsiteX32" fmla="*/ 25765 w 1234379"/>
+                <a:gd name="connsiteY32" fmla="*/ 145620 h 968169"/>
+                <a:gd name="connsiteX33" fmla="*/ 38681 w 1234379"/>
+                <a:gd name="connsiteY33" fmla="*/ 26651 h 968169"/>
+                <a:gd name="connsiteX34" fmla="*/ 37298 w 1234379"/>
+                <a:gd name="connsiteY34" fmla="*/ 6107 h 968169"/>
+              </a:gdLst>
+              <a:ahLst/>
+              <a:cxnLst>
+                <a:cxn ang="0">
+                  <a:pos x="connsiteX0" y="connsiteY0"/>
+                </a:cxn>
+                <a:cxn ang="0">
+                  <a:pos x="connsiteX1" y="connsiteY1"/>
+                </a:cxn>
+                <a:cxn ang="0">
+                  <a:pos x="connsiteX2" y="connsiteY2"/>
+                </a:cxn>
+                <a:cxn ang="0">
+                  <a:pos x="connsiteX3" y="connsiteY3"/>
+                </a:cxn>
+                <a:cxn ang="0">
+                  <a:pos x="connsiteX4" y="connsiteY4"/>
+                </a:cxn>
+                <a:cxn ang="0">
+                  <a:pos x="connsiteX5" y="connsiteY5"/>
+                </a:cxn>
+                <a:cxn ang="0">
+                  <a:pos x="connsiteX6" y="connsiteY6"/>
+                </a:cxn>
+                <a:cxn ang="0">
+                  <a:pos x="connsiteX7" y="connsiteY7"/>
+                </a:cxn>
+                <a:cxn ang="0">
+                  <a:pos x="connsiteX8" y="connsiteY8"/>
+                </a:cxn>
+                <a:cxn ang="0">
+                  <a:pos x="connsiteX9" y="connsiteY9"/>
+                </a:cxn>
+                <a:cxn ang="0">
+                  <a:pos x="connsiteX10" y="connsiteY10"/>
+                </a:cxn>
+                <a:cxn ang="0">
+                  <a:pos x="connsiteX11" y="connsiteY11"/>
+                </a:cxn>
+                <a:cxn ang="0">
+                  <a:pos x="connsiteX12" y="connsiteY12"/>
+                </a:cxn>
+                <a:cxn ang="0">
+                  <a:pos x="connsiteX13" y="connsiteY13"/>
+                </a:cxn>
+                <a:cxn ang="0">
+                  <a:pos x="connsiteX14" y="connsiteY14"/>
+                </a:cxn>
+                <a:cxn ang="0">
+                  <a:pos x="connsiteX15" y="connsiteY15"/>
+                </a:cxn>
+                <a:cxn ang="0">
+                  <a:pos x="connsiteX16" y="connsiteY16"/>
+                </a:cxn>
+                <a:cxn ang="0">
+                  <a:pos x="connsiteX17" y="connsiteY17"/>
+                </a:cxn>
+                <a:cxn ang="0">
+                  <a:pos x="connsiteX18" y="connsiteY18"/>
+                </a:cxn>
+                <a:cxn ang="0">
+                  <a:pos x="connsiteX19" y="connsiteY19"/>
+                </a:cxn>
+                <a:cxn ang="0">
+                  <a:pos x="connsiteX20" y="connsiteY20"/>
+                </a:cxn>
+                <a:cxn ang="0">
+                  <a:pos x="connsiteX21" y="connsiteY21"/>
+                </a:cxn>
+                <a:cxn ang="0">
+                  <a:pos x="connsiteX22" y="connsiteY22"/>
+                </a:cxn>
+                <a:cxn ang="0">
+                  <a:pos x="connsiteX23" y="connsiteY23"/>
+                </a:cxn>
+                <a:cxn ang="0">
+                  <a:pos x="connsiteX24" y="connsiteY24"/>
+                </a:cxn>
+                <a:cxn ang="0">
+                  <a:pos x="connsiteX25" y="connsiteY25"/>
+                </a:cxn>
+                <a:cxn ang="0">
+                  <a:pos x="connsiteX26" y="connsiteY26"/>
+                </a:cxn>
+                <a:cxn ang="0">
+                  <a:pos x="connsiteX27" y="connsiteY27"/>
+                </a:cxn>
+                <a:cxn ang="0">
+                  <a:pos x="connsiteX28" y="connsiteY28"/>
+                </a:cxn>
+                <a:cxn ang="0">
+                  <a:pos x="connsiteX29" y="connsiteY29"/>
+                </a:cxn>
+                <a:cxn ang="0">
+                  <a:pos x="connsiteX30" y="connsiteY30"/>
+                </a:cxn>
+                <a:cxn ang="0">
+                  <a:pos x="connsiteX31" y="connsiteY31"/>
+                </a:cxn>
+                <a:cxn ang="0">
+                  <a:pos x="connsiteX32" y="connsiteY32"/>
+                </a:cxn>
+                <a:cxn ang="0">
+                  <a:pos x="connsiteX33" y="connsiteY33"/>
+                </a:cxn>
+                <a:cxn ang="0">
+                  <a:pos x="connsiteX34" y="connsiteY34"/>
+                </a:cxn>
+              </a:cxnLst>
+              <a:rect l="l" t="t" r="r" b="b"/>
+              <a:pathLst>
+                <a:path w="1234379" h="968169">
+                  <a:moveTo>
+                    <a:pt x="43392" y="0"/>
+                  </a:moveTo>
+                  <a:lnTo>
+                    <a:pt x="273998" y="230159"/>
+                  </a:lnTo>
+                  <a:lnTo>
+                    <a:pt x="316911" y="236716"/>
+                  </a:lnTo>
+                  <a:cubicBezTo>
+                    <a:pt x="489855" y="261366"/>
+                    <a:pt x="624260" y="269306"/>
+                    <a:pt x="795998" y="248682"/>
+                  </a:cubicBezTo>
+                  <a:lnTo>
+                    <a:pt x="933237" y="226236"/>
+                  </a:lnTo>
+                  <a:lnTo>
+                    <a:pt x="1141678" y="31712"/>
+                  </a:lnTo>
+                  <a:lnTo>
+                    <a:pt x="1137705" y="63651"/>
+                  </a:lnTo>
+                  <a:cubicBezTo>
+                    <a:pt x="1135535" y="88128"/>
+                    <a:pt x="1135083" y="111496"/>
+                    <a:pt x="1135991" y="133896"/>
+                  </a:cubicBezTo>
+                  <a:lnTo>
+                    <a:pt x="1141580" y="189815"/>
+                  </a:lnTo>
+                  <a:lnTo>
+                    <a:pt x="976872" y="343527"/>
+                  </a:lnTo>
+                  <a:lnTo>
+                    <a:pt x="976086" y="390045"/>
+                  </a:lnTo>
+                  <a:cubicBezTo>
+                    <a:pt x="976327" y="425953"/>
+                    <a:pt x="977796" y="457438"/>
+                    <a:pt x="979941" y="486489"/>
+                  </a:cubicBezTo>
+                  <a:lnTo>
+                    <a:pt x="986287" y="552153"/>
+                  </a:lnTo>
+                  <a:lnTo>
+                    <a:pt x="1233687" y="552153"/>
+                  </a:lnTo>
+                  <a:lnTo>
+                    <a:pt x="1233687" y="552154"/>
+                  </a:lnTo>
+                  <a:lnTo>
+                    <a:pt x="973109" y="552154"/>
+                  </a:lnTo>
+                  <a:lnTo>
+                    <a:pt x="973109" y="552155"/>
+                  </a:lnTo>
+                  <a:lnTo>
+                    <a:pt x="1233687" y="552155"/>
+                  </a:lnTo>
+                  <a:lnTo>
+                    <a:pt x="1233687" y="552154"/>
+                  </a:lnTo>
+                  <a:lnTo>
+                    <a:pt x="1234379" y="565315"/>
+                  </a:lnTo>
+                  <a:cubicBezTo>
+                    <a:pt x="1228588" y="839686"/>
+                    <a:pt x="923605" y="974096"/>
+                    <a:pt x="633326" y="967969"/>
+                  </a:cubicBezTo>
+                  <a:lnTo>
+                    <a:pt x="507027" y="965304"/>
+                  </a:lnTo>
+                  <a:cubicBezTo>
+                    <a:pt x="253032" y="959943"/>
+                    <a:pt x="44711" y="785179"/>
+                    <a:pt x="479" y="557764"/>
+                  </a:cubicBezTo>
+                  <a:lnTo>
+                    <a:pt x="0" y="552155"/>
+                  </a:lnTo>
+                  <a:lnTo>
+                    <a:pt x="217516" y="552155"/>
+                  </a:lnTo>
+                  <a:lnTo>
+                    <a:pt x="217516" y="552154"/>
+                  </a:lnTo>
+                  <a:lnTo>
+                    <a:pt x="0" y="552154"/>
+                  </a:lnTo>
+                  <a:lnTo>
+                    <a:pt x="0" y="552153"/>
+                  </a:lnTo>
+                  <a:lnTo>
+                    <a:pt x="209566" y="552153"/>
+                  </a:lnTo>
+                  <a:lnTo>
+                    <a:pt x="216417" y="478772"/>
+                  </a:lnTo>
+                  <a:cubicBezTo>
+                    <a:pt x="218563" y="449158"/>
+                    <a:pt x="220032" y="417652"/>
+                    <a:pt x="220272" y="382705"/>
+                  </a:cubicBezTo>
+                  <a:lnTo>
+                    <a:pt x="219500" y="338980"/>
+                  </a:lnTo>
+                  <a:lnTo>
+                    <a:pt x="25765" y="145620"/>
+                  </a:lnTo>
+                  <a:lnTo>
+                    <a:pt x="38681" y="26651"/>
+                  </a:lnTo>
+                  <a:lnTo>
+                    <a:pt x="37298" y="6107"/>
+                  </a:lnTo>
+                  <a:close/>
+                </a:path>
+              </a:pathLst>
+            </a:custGeom>
+            <a:solidFill>
+              <a:schemeClr val="accent1">
+                <a:lumMod val="75000"/>
+              </a:schemeClr>
+            </a:solidFill>
+            <a:ln w="25400">
+              <a:solidFill>
+                <a:schemeClr val="tx1"/>
+              </a:solidFill>
+            </a:ln>
+            <a:effectLst>
+              <a:innerShdw dist="190500" dir="2760000">
+                <a:prstClr val="black">
+                  <a:alpha val="16000"/>
+                </a:prstClr>
+              </a:innerShdw>
+            </a:effectLst>
+          </p:spPr>
+          <p:style>
+            <a:lnRef idx="2">
+              <a:schemeClr val="accent1">
+                <a:shade val="50000"/>
+              </a:schemeClr>
+            </a:lnRef>
+            <a:fillRef idx="1">
+              <a:schemeClr val="accent1"/>
+            </a:fillRef>
+            <a:effectRef idx="0">
+              <a:schemeClr val="accent1"/>
+            </a:effectRef>
+            <a:fontRef idx="minor">
+              <a:schemeClr val="lt1"/>
+            </a:fontRef>
+          </p:style>
+          <p:txBody>
+            <a:bodyPr wrap="square" rtlCol="0" anchor="ctr">
+              <a:noAutofit/>
+            </a:bodyPr>
+            <a:lstStyle/>
+            <a:p>
+              <a:pPr algn="ctr"/>
+              <a:endParaRPr lang="sv-SE"/>
+            </a:p>
+          </p:txBody>
+        </p:sp>
+        <p:sp>
+          <p:nvSpPr>
+            <p:cNvPr id="70" name="Freeform 69"/>
+            <p:cNvSpPr/>
+            <p:nvPr/>
+          </p:nvSpPr>
+          <p:spPr>
+            <a:xfrm>
+              <a:off x="7558919" y="3154184"/>
+              <a:ext cx="1241774" cy="1308759"/>
+            </a:xfrm>
+            <a:custGeom>
+              <a:avLst/>
+              <a:gdLst>
+                <a:gd name="connsiteX0" fmla="*/ 1149667 w 1241774"/>
+                <a:gd name="connsiteY0" fmla="*/ 946420 h 1308759"/>
+                <a:gd name="connsiteX1" fmla="*/ 1150519 w 1241774"/>
+                <a:gd name="connsiteY1" fmla="*/ 954942 h 1308759"/>
+                <a:gd name="connsiteX2" fmla="*/ 1239601 w 1241774"/>
+                <a:gd name="connsiteY2" fmla="*/ 1267394 h 1308759"/>
+                <a:gd name="connsiteX3" fmla="*/ 1241774 w 1241774"/>
+                <a:gd name="connsiteY3" fmla="*/ 1308758 h 1308759"/>
+                <a:gd name="connsiteX4" fmla="*/ 994374 w 1241774"/>
+                <a:gd name="connsiteY4" fmla="*/ 1308758 h 1308759"/>
+                <a:gd name="connsiteX5" fmla="*/ 988028 w 1241774"/>
+                <a:gd name="connsiteY5" fmla="*/ 1243094 h 1308759"/>
+                <a:gd name="connsiteX6" fmla="*/ 984173 w 1241774"/>
+                <a:gd name="connsiteY6" fmla="*/ 1146650 h 1308759"/>
+                <a:gd name="connsiteX7" fmla="*/ 984959 w 1241774"/>
+                <a:gd name="connsiteY7" fmla="*/ 1100132 h 1308759"/>
+                <a:gd name="connsiteX8" fmla="*/ 33851 w 1241774"/>
+                <a:gd name="connsiteY8" fmla="*/ 902225 h 1308759"/>
+                <a:gd name="connsiteX9" fmla="*/ 227586 w 1241774"/>
+                <a:gd name="connsiteY9" fmla="*/ 1095585 h 1308759"/>
+                <a:gd name="connsiteX10" fmla="*/ 228358 w 1241774"/>
+                <a:gd name="connsiteY10" fmla="*/ 1139310 h 1308759"/>
+                <a:gd name="connsiteX11" fmla="*/ 224503 w 1241774"/>
+                <a:gd name="connsiteY11" fmla="*/ 1235377 h 1308759"/>
+                <a:gd name="connsiteX12" fmla="*/ 217652 w 1241774"/>
+                <a:gd name="connsiteY12" fmla="*/ 1308758 h 1308759"/>
+                <a:gd name="connsiteX13" fmla="*/ 8086 w 1241774"/>
+                <a:gd name="connsiteY13" fmla="*/ 1308758 h 1308759"/>
+                <a:gd name="connsiteX14" fmla="*/ 8086 w 1241774"/>
+                <a:gd name="connsiteY14" fmla="*/ 1308759 h 1308759"/>
+                <a:gd name="connsiteX15" fmla="*/ 0 w 1241774"/>
+                <a:gd name="connsiteY15" fmla="*/ 1214023 h 1308759"/>
+                <a:gd name="connsiteX16" fmla="*/ 551453 w 1241774"/>
+                <a:gd name="connsiteY16" fmla="*/ 126 h 1308759"/>
+                <a:gd name="connsiteX17" fmla="*/ 692081 w 1241774"/>
+                <a:gd name="connsiteY17" fmla="*/ 5344 h 1308759"/>
+                <a:gd name="connsiteX18" fmla="*/ 1184005 w 1241774"/>
+                <a:gd name="connsiteY18" fmla="*/ 477541 h 1308759"/>
+                <a:gd name="connsiteX19" fmla="*/ 1155644 w 1241774"/>
+                <a:gd name="connsiteY19" fmla="*/ 741042 h 1308759"/>
+                <a:gd name="connsiteX20" fmla="*/ 1149764 w 1241774"/>
+                <a:gd name="connsiteY20" fmla="*/ 788317 h 1308759"/>
+                <a:gd name="connsiteX21" fmla="*/ 941323 w 1241774"/>
+                <a:gd name="connsiteY21" fmla="*/ 982841 h 1308759"/>
+                <a:gd name="connsiteX22" fmla="*/ 804084 w 1241774"/>
+                <a:gd name="connsiteY22" fmla="*/ 1005287 h 1308759"/>
+                <a:gd name="connsiteX23" fmla="*/ 324997 w 1241774"/>
+                <a:gd name="connsiteY23" fmla="*/ 993321 h 1308759"/>
+                <a:gd name="connsiteX24" fmla="*/ 282084 w 1241774"/>
+                <a:gd name="connsiteY24" fmla="*/ 986764 h 1308759"/>
+                <a:gd name="connsiteX25" fmla="*/ 51478 w 1241774"/>
+                <a:gd name="connsiteY25" fmla="*/ 756605 h 1308759"/>
+                <a:gd name="connsiteX26" fmla="*/ 45384 w 1241774"/>
+                <a:gd name="connsiteY26" fmla="*/ 762712 h 1308759"/>
+                <a:gd name="connsiteX27" fmla="*/ 41385 w 1241774"/>
+                <a:gd name="connsiteY27" fmla="*/ 703348 h 1308759"/>
+                <a:gd name="connsiteX28" fmla="*/ 15369 w 1241774"/>
+                <a:gd name="connsiteY28" fmla="*/ 485825 h 1308759"/>
+                <a:gd name="connsiteX29" fmla="*/ 551453 w 1241774"/>
+                <a:gd name="connsiteY29" fmla="*/ 126 h 1308759"/>
+              </a:gdLst>
+              <a:ahLst/>
+              <a:cxnLst>
+                <a:cxn ang="0">
+                  <a:pos x="connsiteX0" y="connsiteY0"/>
+                </a:cxn>
+                <a:cxn ang="0">
+                  <a:pos x="connsiteX1" y="connsiteY1"/>
+                </a:cxn>
+                <a:cxn ang="0">
+                  <a:pos x="connsiteX2" y="connsiteY2"/>
+                </a:cxn>
+                <a:cxn ang="0">
+                  <a:pos x="connsiteX3" y="connsiteY3"/>
+                </a:cxn>
+                <a:cxn ang="0">
+                  <a:pos x="connsiteX4" y="connsiteY4"/>
+                </a:cxn>
+                <a:cxn ang="0">
+                  <a:pos x="connsiteX5" y="connsiteY5"/>
+                </a:cxn>
+                <a:cxn ang="0">
+                  <a:pos x="connsiteX6" y="connsiteY6"/>
+                </a:cxn>
+                <a:cxn ang="0">
+                  <a:pos x="connsiteX7" y="connsiteY7"/>
+                </a:cxn>
+                <a:cxn ang="0">
+                  <a:pos x="connsiteX8" y="connsiteY8"/>
+                </a:cxn>
+                <a:cxn ang="0">
+                  <a:pos x="connsiteX9" y="connsiteY9"/>
+                </a:cxn>
+                <a:cxn ang="0">
+                  <a:pos x="connsiteX10" y="connsiteY10"/>
+                </a:cxn>
+                <a:cxn ang="0">
+                  <a:pos x="connsiteX11" y="connsiteY11"/>
+                </a:cxn>
+                <a:cxn ang="0">
+                  <a:pos x="connsiteX12" y="connsiteY12"/>
+                </a:cxn>
+                <a:cxn ang="0">
+                  <a:pos x="connsiteX13" y="connsiteY13"/>
+                </a:cxn>
+                <a:cxn ang="0">
+                  <a:pos x="connsiteX14" y="connsiteY14"/>
+                </a:cxn>
+                <a:cxn ang="0">
+                  <a:pos x="connsiteX15" y="connsiteY15"/>
+                </a:cxn>
+                <a:cxn ang="0">
+                  <a:pos x="connsiteX16" y="connsiteY16"/>
+                </a:cxn>
+                <a:cxn ang="0">
+                  <a:pos x="connsiteX17" y="connsiteY17"/>
+                </a:cxn>
+                <a:cxn ang="0">
+                  <a:pos x="connsiteX18" y="connsiteY18"/>
+                </a:cxn>
+                <a:cxn ang="0">
+                  <a:pos x="connsiteX19" y="connsiteY19"/>
+                </a:cxn>
+                <a:cxn ang="0">
+                  <a:pos x="connsiteX20" y="connsiteY20"/>
+                </a:cxn>
+                <a:cxn ang="0">
+                  <a:pos x="connsiteX21" y="connsiteY21"/>
+                </a:cxn>
+                <a:cxn ang="0">
+                  <a:pos x="connsiteX22" y="connsiteY22"/>
+                </a:cxn>
+                <a:cxn ang="0">
+                  <a:pos x="connsiteX23" y="connsiteY23"/>
+                </a:cxn>
+                <a:cxn ang="0">
+                  <a:pos x="connsiteX24" y="connsiteY24"/>
+                </a:cxn>
+                <a:cxn ang="0">
+                  <a:pos x="connsiteX25" y="connsiteY25"/>
+                </a:cxn>
+                <a:cxn ang="0">
+                  <a:pos x="connsiteX26" y="connsiteY26"/>
+                </a:cxn>
+                <a:cxn ang="0">
+                  <a:pos x="connsiteX27" y="connsiteY27"/>
+                </a:cxn>
+                <a:cxn ang="0">
+                  <a:pos x="connsiteX28" y="connsiteY28"/>
+                </a:cxn>
+                <a:cxn ang="0">
+                  <a:pos x="connsiteX29" y="connsiteY29"/>
+                </a:cxn>
+              </a:cxnLst>
+              <a:rect l="l" t="t" r="r" b="b"/>
+              <a:pathLst>
+                <a:path w="1241774" h="1308759">
+                  <a:moveTo>
+                    <a:pt x="1149667" y="946420"/>
+                  </a:moveTo>
+                  <a:lnTo>
+                    <a:pt x="1150519" y="954942"/>
+                  </a:lnTo>
+                  <a:cubicBezTo>
+                    <a:pt x="1170119" y="1078589"/>
+                    <a:pt x="1225707" y="1172524"/>
+                    <a:pt x="1239601" y="1267394"/>
+                  </a:cubicBezTo>
+                  <a:lnTo>
+                    <a:pt x="1241774" y="1308758"/>
+                  </a:lnTo>
+                  <a:lnTo>
+                    <a:pt x="994374" y="1308758"/>
+                  </a:lnTo>
+                  <a:lnTo>
+                    <a:pt x="988028" y="1243094"/>
+                  </a:lnTo>
+                  <a:cubicBezTo>
+                    <a:pt x="985883" y="1214043"/>
+                    <a:pt x="984414" y="1182558"/>
+                    <a:pt x="984173" y="1146650"/>
+                  </a:cubicBezTo>
+                  <a:lnTo>
+                    <a:pt x="984959" y="1100132"/>
+                  </a:lnTo>
+                  <a:close/>
+                  <a:moveTo>
+                    <a:pt x="33851" y="902225"/>
+                  </a:moveTo>
+                  <a:lnTo>
+                    <a:pt x="227586" y="1095585"/>
+                  </a:lnTo>
+                  <a:lnTo>
+                    <a:pt x="228358" y="1139310"/>
+                  </a:lnTo>
+                  <a:cubicBezTo>
+                    <a:pt x="228118" y="1174257"/>
+                    <a:pt x="226649" y="1205763"/>
+                    <a:pt x="224503" y="1235377"/>
+                  </a:cubicBezTo>
+                  <a:lnTo>
+                    <a:pt x="217652" y="1308758"/>
+                  </a:lnTo>
+                  <a:lnTo>
+                    <a:pt x="8086" y="1308758"/>
+                  </a:lnTo>
+                  <a:lnTo>
+                    <a:pt x="8086" y="1308759"/>
+                  </a:lnTo>
+                  <a:lnTo>
+                    <a:pt x="0" y="1214023"/>
+                  </a:lnTo>
+                  <a:close/>
+                  <a:moveTo>
+                    <a:pt x="551453" y="126"/>
+                  </a:moveTo>
+                  <a:lnTo>
+                    <a:pt x="692081" y="5344"/>
+                  </a:lnTo>
+                  <a:cubicBezTo>
+                    <a:pt x="969554" y="49326"/>
+                    <a:pt x="1189796" y="203170"/>
+                    <a:pt x="1184005" y="477541"/>
+                  </a:cubicBezTo>
+                  <a:cubicBezTo>
+                    <a:pt x="1176048" y="597697"/>
+                    <a:pt x="1165696" y="666137"/>
+                    <a:pt x="1155644" y="741042"/>
+                  </a:cubicBezTo>
+                  <a:lnTo>
+                    <a:pt x="1149764" y="788317"/>
+                  </a:lnTo>
+                  <a:lnTo>
+                    <a:pt x="941323" y="982841"/>
+                  </a:lnTo>
+                  <a:lnTo>
+                    <a:pt x="804084" y="1005287"/>
+                  </a:lnTo>
+                  <a:cubicBezTo>
+                    <a:pt x="632346" y="1025911"/>
+                    <a:pt x="497941" y="1017971"/>
+                    <a:pt x="324997" y="993321"/>
+                  </a:cubicBezTo>
+                  <a:lnTo>
+                    <a:pt x="282084" y="986764"/>
+                  </a:lnTo>
+                  <a:lnTo>
+                    <a:pt x="51478" y="756605"/>
+                  </a:lnTo>
+                  <a:lnTo>
+                    <a:pt x="45384" y="762712"/>
+                  </a:lnTo>
+                  <a:lnTo>
+                    <a:pt x="41385" y="703348"/>
+                  </a:lnTo>
+                  <a:cubicBezTo>
+                    <a:pt x="32713" y="630840"/>
+                    <a:pt x="16640" y="574984"/>
+                    <a:pt x="15369" y="485825"/>
+                  </a:cubicBezTo>
+                  <a:cubicBezTo>
+                    <a:pt x="21160" y="211454"/>
+                    <a:pt x="261173" y="-6000"/>
+                    <a:pt x="551453" y="126"/>
+                  </a:cubicBezTo>
+                  <a:close/>
+                </a:path>
+              </a:pathLst>
+            </a:custGeom>
+            <a:solidFill>
+              <a:schemeClr val="accent4">
+                <a:lumMod val="60000"/>
+                <a:lumOff val="40000"/>
+              </a:schemeClr>
+            </a:solidFill>
+            <a:ln w="25400">
+              <a:solidFill>
+                <a:schemeClr val="tx1"/>
+              </a:solidFill>
+            </a:ln>
+            <a:effectLst>
+              <a:innerShdw blurRad="38100" dist="101600">
+                <a:prstClr val="black">
+                  <a:alpha val="16000"/>
+                </a:prstClr>
+              </a:innerShdw>
+            </a:effectLst>
+          </p:spPr>
+          <p:style>
+            <a:lnRef idx="2">
+              <a:schemeClr val="accent1">
+                <a:shade val="50000"/>
+              </a:schemeClr>
+            </a:lnRef>
+            <a:fillRef idx="1">
+              <a:schemeClr val="accent1"/>
+            </a:fillRef>
+            <a:effectRef idx="0">
+              <a:schemeClr val="accent1"/>
+            </a:effectRef>
+            <a:fontRef idx="minor">
+              <a:schemeClr val="lt1"/>
+            </a:fontRef>
+          </p:style>
+          <p:txBody>
+            <a:bodyPr rtlCol="0" anchor="ctr"/>
+            <a:lstStyle/>
+            <a:p>
+              <a:pPr algn="ctr"/>
+              <a:endParaRPr lang="sv-SE"/>
+            </a:p>
+          </p:txBody>
+        </p:sp>
+      </p:grpSp>
+      <p:sp>
+        <p:nvSpPr>
+          <p:cNvPr id="24" name="Oval 191"/>
+          <p:cNvSpPr/>
+          <p:nvPr/>
+        </p:nvSpPr>
+        <p:spPr>
+          <a:xfrm rot="19315235">
+            <a:off x="6044877" y="3114643"/>
+            <a:ext cx="306289" cy="250324"/>
+          </a:xfrm>
+          <a:custGeom>
+            <a:avLst/>
+            <a:gdLst>
+              <a:gd name="connsiteX0" fmla="*/ 0 w 325085"/>
+              <a:gd name="connsiteY0" fmla="*/ 125268 h 250535"/>
+              <a:gd name="connsiteX1" fmla="*/ 162543 w 325085"/>
+              <a:gd name="connsiteY1" fmla="*/ 0 h 250535"/>
+              <a:gd name="connsiteX2" fmla="*/ 325086 w 325085"/>
+              <a:gd name="connsiteY2" fmla="*/ 125268 h 250535"/>
+              <a:gd name="connsiteX3" fmla="*/ 162543 w 325085"/>
+              <a:gd name="connsiteY3" fmla="*/ 250536 h 250535"/>
+              <a:gd name="connsiteX4" fmla="*/ 0 w 325085"/>
+              <a:gd name="connsiteY4" fmla="*/ 125268 h 250535"/>
+              <a:gd name="connsiteX0" fmla="*/ 0 w 410597"/>
+              <a:gd name="connsiteY0" fmla="*/ 151279 h 251109"/>
+              <a:gd name="connsiteX1" fmla="*/ 248054 w 410597"/>
+              <a:gd name="connsiteY1" fmla="*/ 216 h 251109"/>
+              <a:gd name="connsiteX2" fmla="*/ 410597 w 410597"/>
+              <a:gd name="connsiteY2" fmla="*/ 125484 h 251109"/>
+              <a:gd name="connsiteX3" fmla="*/ 248054 w 410597"/>
+              <a:gd name="connsiteY3" fmla="*/ 250752 h 251109"/>
+              <a:gd name="connsiteX4" fmla="*/ 0 w 410597"/>
+              <a:gd name="connsiteY4" fmla="*/ 151279 h 251109"/>
+            </a:gdLst>
+            <a:ahLst/>
+            <a:cxnLst>
+              <a:cxn ang="0">
+                <a:pos x="connsiteX0" y="connsiteY0"/>
+              </a:cxn>
+              <a:cxn ang="0">
+                <a:pos x="connsiteX1" y="connsiteY1"/>
+              </a:cxn>
+              <a:cxn ang="0">
+                <a:pos x="connsiteX2" y="connsiteY2"/>
+              </a:cxn>
+              <a:cxn ang="0">
+                <a:pos x="connsiteX3" y="connsiteY3"/>
+              </a:cxn>
+              <a:cxn ang="0">
+                <a:pos x="connsiteX4" y="connsiteY4"/>
+              </a:cxn>
+            </a:cxnLst>
+            <a:rect l="l" t="t" r="r" b="b"/>
+            <a:pathLst>
+              <a:path w="410597" h="251109">
+                <a:moveTo>
+                  <a:pt x="0" y="151279"/>
+                </a:moveTo>
+                <a:cubicBezTo>
+                  <a:pt x="0" y="82095"/>
+                  <a:pt x="179621" y="4515"/>
+                  <a:pt x="248054" y="216"/>
+                </a:cubicBezTo>
+                <a:cubicBezTo>
+                  <a:pt x="316487" y="-4083"/>
+                  <a:pt x="410597" y="56300"/>
+                  <a:pt x="410597" y="125484"/>
+                </a:cubicBezTo>
+                <a:cubicBezTo>
+                  <a:pt x="410597" y="194668"/>
+                  <a:pt x="316487" y="246453"/>
+                  <a:pt x="248054" y="250752"/>
+                </a:cubicBezTo>
+                <a:cubicBezTo>
+                  <a:pt x="179621" y="255051"/>
+                  <a:pt x="0" y="220463"/>
+                  <a:pt x="0" y="151279"/>
+                </a:cubicBezTo>
+                <a:close/>
+              </a:path>
+            </a:pathLst>
+          </a:custGeom>
+          <a:solidFill>
+            <a:srgbClr val="FFD966"/>
+          </a:solidFill>
+          <a:ln w="25400">
+            <a:solidFill>
+              <a:schemeClr val="tx1"/>
+            </a:solidFill>
+          </a:ln>
+        </p:spPr>
+        <p:style>
+          <a:lnRef idx="2">
+            <a:schemeClr val="accent1">
+              <a:shade val="50000"/>
+            </a:schemeClr>
+          </a:lnRef>
+          <a:fillRef idx="1">
+            <a:schemeClr val="accent1"/>
+          </a:fillRef>
+          <a:effectRef idx="0">
+            <a:schemeClr val="accent1"/>
+          </a:effectRef>
+          <a:fontRef idx="minor">
+            <a:schemeClr val="lt1"/>
+          </a:fontRef>
+        </p:style>
+        <p:txBody>
+          <a:bodyPr rtlCol="0" anchor="ctr"/>
+          <a:lstStyle/>
+          <a:p>
+            <a:pPr algn="ctr"/>
+            <a:endParaRPr lang="sv-SE"/>
+          </a:p>
+        </p:txBody>
+      </p:sp>
+      <p:sp>
+        <p:nvSpPr>
+          <p:cNvPr id="25" name="Oval 192"/>
+          <p:cNvSpPr/>
+          <p:nvPr/>
+        </p:nvSpPr>
+        <p:spPr>
+          <a:xfrm rot="13761527">
+            <a:off x="6122294" y="3160498"/>
+            <a:ext cx="130767" cy="185459"/>
+          </a:xfrm>
+          <a:custGeom>
+            <a:avLst/>
+            <a:gdLst>
+              <a:gd name="connsiteX0" fmla="*/ 0 w 130559"/>
+              <a:gd name="connsiteY0" fmla="*/ 72364 h 144727"/>
+              <a:gd name="connsiteX1" fmla="*/ 65280 w 130559"/>
+              <a:gd name="connsiteY1" fmla="*/ 0 h 144727"/>
+              <a:gd name="connsiteX2" fmla="*/ 130560 w 130559"/>
+              <a:gd name="connsiteY2" fmla="*/ 72364 h 144727"/>
+              <a:gd name="connsiteX3" fmla="*/ 65280 w 130559"/>
+              <a:gd name="connsiteY3" fmla="*/ 144728 h 144727"/>
+              <a:gd name="connsiteX4" fmla="*/ 0 w 130559"/>
+              <a:gd name="connsiteY4" fmla="*/ 72364 h 144727"/>
+              <a:gd name="connsiteX0" fmla="*/ 617 w 131177"/>
+              <a:gd name="connsiteY0" fmla="*/ 176254 h 248618"/>
+              <a:gd name="connsiteX1" fmla="*/ 44549 w 131177"/>
+              <a:gd name="connsiteY1" fmla="*/ 0 h 248618"/>
+              <a:gd name="connsiteX2" fmla="*/ 131177 w 131177"/>
+              <a:gd name="connsiteY2" fmla="*/ 176254 h 248618"/>
+              <a:gd name="connsiteX3" fmla="*/ 65897 w 131177"/>
+              <a:gd name="connsiteY3" fmla="*/ 248618 h 248618"/>
+              <a:gd name="connsiteX4" fmla="*/ 617 w 131177"/>
+              <a:gd name="connsiteY4" fmla="*/ 176254 h 248618"/>
+            </a:gdLst>
+            <a:ahLst/>
+            <a:cxnLst>
+              <a:cxn ang="0">
+                <a:pos x="connsiteX0" y="connsiteY0"/>
+              </a:cxn>
+              <a:cxn ang="0">
+                <a:pos x="connsiteX1" y="connsiteY1"/>
+              </a:cxn>
+              <a:cxn ang="0">
+                <a:pos x="connsiteX2" y="connsiteY2"/>
+              </a:cxn>
+              <a:cxn ang="0">
+                <a:pos x="connsiteX3" y="connsiteY3"/>
+              </a:cxn>
+              <a:cxn ang="0">
+                <a:pos x="connsiteX4" y="connsiteY4"/>
+              </a:cxn>
+            </a:cxnLst>
+            <a:rect l="l" t="t" r="r" b="b"/>
+            <a:pathLst>
+              <a:path w="131177" h="248618">
+                <a:moveTo>
+                  <a:pt x="617" y="176254"/>
+                </a:moveTo>
+                <a:cubicBezTo>
+                  <a:pt x="-2941" y="134818"/>
+                  <a:pt x="8496" y="0"/>
+                  <a:pt x="44549" y="0"/>
+                </a:cubicBezTo>
+                <a:cubicBezTo>
+                  <a:pt x="80602" y="0"/>
+                  <a:pt x="131177" y="136288"/>
+                  <a:pt x="131177" y="176254"/>
+                </a:cubicBezTo>
+                <a:cubicBezTo>
+                  <a:pt x="131177" y="216220"/>
+                  <a:pt x="101950" y="248618"/>
+                  <a:pt x="65897" y="248618"/>
+                </a:cubicBezTo>
+                <a:cubicBezTo>
+                  <a:pt x="29844" y="248618"/>
+                  <a:pt x="4175" y="217690"/>
+                  <a:pt x="617" y="176254"/>
+                </a:cubicBezTo>
+                <a:close/>
+              </a:path>
+            </a:pathLst>
+          </a:custGeom>
+          <a:solidFill>
+            <a:schemeClr val="accent4">
+              <a:lumMod val="50000"/>
+              <a:alpha val="49000"/>
+            </a:schemeClr>
+          </a:solidFill>
+          <a:ln w="25400">
+            <a:noFill/>
+          </a:ln>
+        </p:spPr>
+        <p:style>
+          <a:lnRef idx="2">
+            <a:schemeClr val="accent1">
+              <a:shade val="50000"/>
+            </a:schemeClr>
+          </a:lnRef>
+          <a:fillRef idx="1">
+            <a:schemeClr val="accent1"/>
+          </a:fillRef>
+          <a:effectRef idx="0">
+            <a:schemeClr val="accent1"/>
+          </a:effectRef>
+          <a:fontRef idx="minor">
+            <a:schemeClr val="lt1"/>
+          </a:fontRef>
+        </p:style>
+        <p:txBody>
+          <a:bodyPr rtlCol="0" anchor="ctr"/>
+          <a:lstStyle/>
+          <a:p>
+            <a:pPr algn="ctr"/>
+            <a:endParaRPr lang="sv-SE"/>
+          </a:p>
+        </p:txBody>
+      </p:sp>
+      <p:sp>
+        <p:nvSpPr>
+          <p:cNvPr id="26" name="Oval 25"/>
+          <p:cNvSpPr/>
+          <p:nvPr/>
+        </p:nvSpPr>
+        <p:spPr>
+          <a:xfrm rot="2602841">
+            <a:off x="5974212" y="3299410"/>
+            <a:ext cx="291139" cy="125940"/>
+          </a:xfrm>
+          <a:prstGeom prst="ellipse">
+            <a:avLst/>
+          </a:prstGeom>
+          <a:solidFill>
+            <a:srgbClr val="FFD966"/>
+          </a:solidFill>
+          <a:ln>
+            <a:noFill/>
+          </a:ln>
+        </p:spPr>
+        <p:style>
+          <a:lnRef idx="2">
+            <a:schemeClr val="accent1">
+              <a:shade val="50000"/>
+            </a:schemeClr>
+          </a:lnRef>
+          <a:fillRef idx="1">
+            <a:schemeClr val="accent1"/>
+          </a:fillRef>
+          <a:effectRef idx="0">
+            <a:schemeClr val="accent1"/>
+          </a:effectRef>
+          <a:fontRef idx="minor">
+            <a:schemeClr val="lt1"/>
+          </a:fontRef>
+        </p:style>
+        <p:txBody>
+          <a:bodyPr rtlCol="0" anchor="ctr"/>
+          <a:lstStyle/>
+          <a:p>
+            <a:pPr algn="ctr"/>
+            <a:endParaRPr lang="sv-SE"/>
+          </a:p>
+        </p:txBody>
+      </p:sp>
+      <p:sp>
+        <p:nvSpPr>
+          <p:cNvPr id="29" name="Arc 28"/>
+          <p:cNvSpPr/>
+          <p:nvPr/>
+        </p:nvSpPr>
+        <p:spPr>
+          <a:xfrm rot="2104390">
+            <a:off x="6101489" y="3182969"/>
+            <a:ext cx="82971" cy="155286"/>
+          </a:xfrm>
+          <a:prstGeom prst="arc">
+            <a:avLst/>
+          </a:prstGeom>
+          <a:ln w="25400" cap="rnd">
+            <a:solidFill>
+              <a:schemeClr val="tx1"/>
+            </a:solidFill>
+          </a:ln>
+        </p:spPr>
+        <p:style>
+          <a:lnRef idx="1">
+            <a:schemeClr val="accent1"/>
+          </a:lnRef>
+          <a:fillRef idx="0">
+            <a:schemeClr val="accent1"/>
+          </a:fillRef>
+          <a:effectRef idx="0">
+            <a:schemeClr val="accent1"/>
+          </a:effectRef>
+          <a:fontRef idx="minor">
+            <a:schemeClr val="tx1"/>
+          </a:fontRef>
+        </p:style>
+        <p:txBody>
+          <a:bodyPr rtlCol="0" anchor="ctr"/>
+          <a:lstStyle/>
+          <a:p>
+            <a:pPr algn="ctr"/>
+            <a:endParaRPr lang="sv-SE"/>
+          </a:p>
+        </p:txBody>
+      </p:sp>
+      <p:sp>
+        <p:nvSpPr>
+          <p:cNvPr id="30" name="Arc 29"/>
+          <p:cNvSpPr/>
+          <p:nvPr/>
+        </p:nvSpPr>
+        <p:spPr>
+          <a:xfrm rot="2104390" flipH="1">
+            <a:off x="6171289" y="3227947"/>
+            <a:ext cx="82971" cy="155286"/>
+          </a:xfrm>
+          <a:prstGeom prst="arc">
+            <a:avLst>
+              <a:gd name="adj1" fmla="val 16200000"/>
+              <a:gd name="adj2" fmla="val 20911871"/>
+            </a:avLst>
+          </a:prstGeom>
+          <a:ln w="25400" cap="rnd">
+            <a:solidFill>
+              <a:schemeClr val="tx1"/>
+            </a:solidFill>
+          </a:ln>
+        </p:spPr>
+        <p:style>
+          <a:lnRef idx="1">
+            <a:schemeClr val="accent1"/>
+          </a:lnRef>
+          <a:fillRef idx="0">
+            <a:schemeClr val="accent1"/>
+          </a:fillRef>
+          <a:effectRef idx="0">
+            <a:schemeClr val="accent1"/>
+          </a:effectRef>
+          <a:fontRef idx="minor">
+            <a:schemeClr val="tx1"/>
+          </a:fontRef>
+        </p:style>
+        <p:txBody>
+          <a:bodyPr rtlCol="0" anchor="ctr"/>
+          <a:lstStyle/>
+          <a:p>
+            <a:pPr algn="ctr"/>
+            <a:endParaRPr lang="sv-SE"/>
+          </a:p>
+        </p:txBody>
+      </p:sp>
+      <p:sp>
+        <p:nvSpPr>
+          <p:cNvPr id="78" name="Oval 77"/>
+          <p:cNvSpPr/>
+          <p:nvPr/>
+        </p:nvSpPr>
+        <p:spPr>
+          <a:xfrm rot="636239">
+            <a:off x="5815053" y="3385419"/>
+            <a:ext cx="410160" cy="373815"/>
+          </a:xfrm>
+          <a:prstGeom prst="ellipse">
+            <a:avLst/>
+          </a:prstGeom>
+          <a:solidFill>
+            <a:srgbClr val="D6B656"/>
+          </a:solidFill>
+          <a:ln w="25400">
+            <a:noFill/>
+          </a:ln>
+        </p:spPr>
+        <p:style>
+          <a:lnRef idx="2">
+            <a:schemeClr val="accent1">
+              <a:shade val="50000"/>
+            </a:schemeClr>
+          </a:lnRef>
+          <a:fillRef idx="1">
+            <a:schemeClr val="accent1"/>
+          </a:fillRef>
+          <a:effectRef idx="0">
+            <a:schemeClr val="accent1"/>
+          </a:effectRef>
+          <a:fontRef idx="minor">
+            <a:schemeClr val="lt1"/>
+          </a:fontRef>
+        </p:style>
+        <p:txBody>
+          <a:bodyPr rtlCol="0" anchor="ctr"/>
+          <a:lstStyle/>
+          <a:p>
+            <a:pPr algn="ctr"/>
+            <a:endParaRPr lang="sv-SE" dirty="0"/>
+          </a:p>
+        </p:txBody>
+      </p:sp>
+      <p:sp>
+        <p:nvSpPr>
+          <p:cNvPr id="80" name="Oval 79"/>
+          <p:cNvSpPr/>
+          <p:nvPr/>
+        </p:nvSpPr>
+        <p:spPr>
+          <a:xfrm rot="636239">
+            <a:off x="5312324" y="3380730"/>
+            <a:ext cx="410160" cy="373815"/>
+          </a:xfrm>
+          <a:prstGeom prst="ellipse">
+            <a:avLst/>
+          </a:prstGeom>
+          <a:solidFill>
+            <a:srgbClr val="D6B656"/>
+          </a:solidFill>
+          <a:ln w="25400">
+            <a:noFill/>
+          </a:ln>
+        </p:spPr>
+        <p:style>
+          <a:lnRef idx="2">
+            <a:schemeClr val="accent1">
+              <a:shade val="50000"/>
+            </a:schemeClr>
+          </a:lnRef>
+          <a:fillRef idx="1">
+            <a:schemeClr val="accent1"/>
+          </a:fillRef>
+          <a:effectRef idx="0">
+            <a:schemeClr val="accent1"/>
+          </a:effectRef>
+          <a:fontRef idx="minor">
+            <a:schemeClr val="lt1"/>
+          </a:fontRef>
+        </p:style>
+        <p:txBody>
+          <a:bodyPr rtlCol="0" anchor="ctr"/>
+          <a:lstStyle/>
+          <a:p>
+            <a:pPr algn="ctr"/>
+            <a:endParaRPr lang="sv-SE" dirty="0"/>
+          </a:p>
+        </p:txBody>
+      </p:sp>
+      <p:sp>
+        <p:nvSpPr>
+          <p:cNvPr id="83" name="Freeform 82"/>
+          <p:cNvSpPr/>
+          <p:nvPr/>
+        </p:nvSpPr>
+        <p:spPr>
+          <a:xfrm>
+            <a:off x="5542801" y="4271654"/>
+            <a:ext cx="520288" cy="396932"/>
+          </a:xfrm>
+          <a:custGeom>
+            <a:avLst/>
+            <a:gdLst>
+              <a:gd name="connsiteX0" fmla="*/ 0 w 517188"/>
+              <a:gd name="connsiteY0" fmla="*/ 0 h 384534"/>
+              <a:gd name="connsiteX1" fmla="*/ 517188 w 517188"/>
+              <a:gd name="connsiteY1" fmla="*/ 0 h 384534"/>
+              <a:gd name="connsiteX2" fmla="*/ 517188 w 517188"/>
+              <a:gd name="connsiteY2" fmla="*/ 192267 h 384534"/>
+              <a:gd name="connsiteX3" fmla="*/ 258594 w 517188"/>
+              <a:gd name="connsiteY3" fmla="*/ 384534 h 384534"/>
+              <a:gd name="connsiteX4" fmla="*/ 0 w 517188"/>
+              <a:gd name="connsiteY4" fmla="*/ 192267 h 384534"/>
+              <a:gd name="connsiteX5" fmla="*/ 0 w 517188"/>
+              <a:gd name="connsiteY5" fmla="*/ 0 h 384534"/>
+              <a:gd name="connsiteX0" fmla="*/ 0 w 520288"/>
+              <a:gd name="connsiteY0" fmla="*/ 0 h 396932"/>
+              <a:gd name="connsiteX1" fmla="*/ 520288 w 520288"/>
+              <a:gd name="connsiteY1" fmla="*/ 12398 h 396932"/>
+              <a:gd name="connsiteX2" fmla="*/ 520288 w 520288"/>
+              <a:gd name="connsiteY2" fmla="*/ 204665 h 396932"/>
+              <a:gd name="connsiteX3" fmla="*/ 261694 w 520288"/>
+              <a:gd name="connsiteY3" fmla="*/ 396932 h 396932"/>
+              <a:gd name="connsiteX4" fmla="*/ 3100 w 520288"/>
+              <a:gd name="connsiteY4" fmla="*/ 204665 h 396932"/>
+              <a:gd name="connsiteX5" fmla="*/ 0 w 520288"/>
+              <a:gd name="connsiteY5" fmla="*/ 0 h 396932"/>
+              <a:gd name="connsiteX0" fmla="*/ 0 w 520288"/>
+              <a:gd name="connsiteY0" fmla="*/ 0 h 396932"/>
+              <a:gd name="connsiteX1" fmla="*/ 520288 w 520288"/>
+              <a:gd name="connsiteY1" fmla="*/ 12398 h 396932"/>
+              <a:gd name="connsiteX2" fmla="*/ 520288 w 520288"/>
+              <a:gd name="connsiteY2" fmla="*/ 204665 h 396932"/>
+              <a:gd name="connsiteX3" fmla="*/ 261694 w 520288"/>
+              <a:gd name="connsiteY3" fmla="*/ 396932 h 396932"/>
+              <a:gd name="connsiteX4" fmla="*/ 3100 w 520288"/>
+              <a:gd name="connsiteY4" fmla="*/ 204665 h 396932"/>
+              <a:gd name="connsiteX5" fmla="*/ 0 w 520288"/>
+              <a:gd name="connsiteY5" fmla="*/ 0 h 396932"/>
+              <a:gd name="connsiteX0" fmla="*/ 0 w 520288"/>
+              <a:gd name="connsiteY0" fmla="*/ 0 h 396932"/>
+              <a:gd name="connsiteX1" fmla="*/ 520288 w 520288"/>
+              <a:gd name="connsiteY1" fmla="*/ 12398 h 396932"/>
+              <a:gd name="connsiteX2" fmla="*/ 520288 w 520288"/>
+              <a:gd name="connsiteY2" fmla="*/ 204665 h 396932"/>
+              <a:gd name="connsiteX3" fmla="*/ 261694 w 520288"/>
+              <a:gd name="connsiteY3" fmla="*/ 396932 h 396932"/>
+              <a:gd name="connsiteX4" fmla="*/ 3100 w 520288"/>
+              <a:gd name="connsiteY4" fmla="*/ 204665 h 396932"/>
+              <a:gd name="connsiteX5" fmla="*/ 0 w 520288"/>
+              <a:gd name="connsiteY5" fmla="*/ 0 h 396932"/>
+            </a:gdLst>
+            <a:ahLst/>
+            <a:cxnLst>
+              <a:cxn ang="0">
+                <a:pos x="connsiteX0" y="connsiteY0"/>
+              </a:cxn>
+              <a:cxn ang="0">
+                <a:pos x="connsiteX1" y="connsiteY1"/>
+              </a:cxn>
+              <a:cxn ang="0">
+                <a:pos x="connsiteX2" y="connsiteY2"/>
+              </a:cxn>
+              <a:cxn ang="0">
+                <a:pos x="connsiteX3" y="connsiteY3"/>
+              </a:cxn>
+              <a:cxn ang="0">
+                <a:pos x="connsiteX4" y="connsiteY4"/>
+              </a:cxn>
+              <a:cxn ang="0">
+                <a:pos x="connsiteX5" y="connsiteY5"/>
+              </a:cxn>
+            </a:cxnLst>
+            <a:rect l="l" t="t" r="r" b="b"/>
+            <a:pathLst>
+              <a:path w="520288" h="396932">
+                <a:moveTo>
+                  <a:pt x="0" y="0"/>
+                </a:moveTo>
+                <a:cubicBezTo>
+                  <a:pt x="198227" y="22731"/>
+                  <a:pt x="325161" y="17564"/>
+                  <a:pt x="520288" y="12398"/>
+                </a:cubicBezTo>
+                <a:lnTo>
+                  <a:pt x="520288" y="204665"/>
+                </a:lnTo>
+                <a:cubicBezTo>
+                  <a:pt x="520288" y="310851"/>
+                  <a:pt x="404512" y="396932"/>
+                  <a:pt x="261694" y="396932"/>
+                </a:cubicBezTo>
+                <a:cubicBezTo>
+                  <a:pt x="118876" y="396932"/>
+                  <a:pt x="3100" y="310851"/>
+                  <a:pt x="3100" y="204665"/>
+                </a:cubicBezTo>
+                <a:cubicBezTo>
+                  <a:pt x="2067" y="136443"/>
+                  <a:pt x="1033" y="68222"/>
+                  <a:pt x="0" y="0"/>
+                </a:cubicBezTo>
+                <a:close/>
+              </a:path>
+            </a:pathLst>
+          </a:custGeom>
+          <a:solidFill>
+            <a:schemeClr val="accent1">
+              <a:lumMod val="75000"/>
+            </a:schemeClr>
+          </a:solidFill>
+          <a:ln w="25400">
+            <a:solidFill>
+              <a:schemeClr val="accent1">
+                <a:lumMod val="50000"/>
+              </a:schemeClr>
+            </a:solidFill>
+          </a:ln>
+          <a:effectLst>
+            <a:innerShdw dist="190500" dir="2760000">
+              <a:prstClr val="black">
+                <a:alpha val="16000"/>
+              </a:prstClr>
+            </a:innerShdw>
+          </a:effectLst>
+        </p:spPr>
+        <p:style>
+          <a:lnRef idx="2">
+            <a:schemeClr val="accent1">
+              <a:shade val="50000"/>
+            </a:schemeClr>
+          </a:lnRef>
+          <a:fillRef idx="1">
+            <a:schemeClr val="accent1"/>
+          </a:fillRef>
+          <a:effectRef idx="0">
+            <a:schemeClr val="accent1"/>
+          </a:effectRef>
+          <a:fontRef idx="minor">
+            <a:schemeClr val="lt1"/>
+          </a:fontRef>
+        </p:style>
+        <p:txBody>
+          <a:bodyPr wrap="square" rtlCol="0" anchor="ctr">
+            <a:noAutofit/>
+          </a:bodyPr>
+          <a:lstStyle/>
+          <a:p>
+            <a:pPr algn="ctr"/>
+            <a:endParaRPr lang="sv-SE"/>
+          </a:p>
+        </p:txBody>
+      </p:sp>
+      <p:sp>
+        <p:nvSpPr>
+          <p:cNvPr id="85" name="Rounded Rectangle 84"/>
+          <p:cNvSpPr/>
+          <p:nvPr/>
+        </p:nvSpPr>
+        <p:spPr>
+          <a:xfrm>
+            <a:off x="6132952" y="3456023"/>
+            <a:ext cx="262813" cy="160422"/>
+          </a:xfrm>
+          <a:custGeom>
+            <a:avLst/>
+            <a:gdLst>
+              <a:gd name="connsiteX0" fmla="*/ 0 w 262813"/>
+              <a:gd name="connsiteY0" fmla="*/ 26738 h 160422"/>
+              <a:gd name="connsiteX1" fmla="*/ 26738 w 262813"/>
+              <a:gd name="connsiteY1" fmla="*/ 0 h 160422"/>
+              <a:gd name="connsiteX2" fmla="*/ 236075 w 262813"/>
+              <a:gd name="connsiteY2" fmla="*/ 0 h 160422"/>
+              <a:gd name="connsiteX3" fmla="*/ 262813 w 262813"/>
+              <a:gd name="connsiteY3" fmla="*/ 26738 h 160422"/>
+              <a:gd name="connsiteX4" fmla="*/ 262813 w 262813"/>
+              <a:gd name="connsiteY4" fmla="*/ 133684 h 160422"/>
+              <a:gd name="connsiteX5" fmla="*/ 236075 w 262813"/>
+              <a:gd name="connsiteY5" fmla="*/ 160422 h 160422"/>
+              <a:gd name="connsiteX6" fmla="*/ 26738 w 262813"/>
+              <a:gd name="connsiteY6" fmla="*/ 160422 h 160422"/>
+              <a:gd name="connsiteX7" fmla="*/ 0 w 262813"/>
+              <a:gd name="connsiteY7" fmla="*/ 133684 h 160422"/>
+              <a:gd name="connsiteX8" fmla="*/ 0 w 262813"/>
+              <a:gd name="connsiteY8" fmla="*/ 26738 h 160422"/>
+              <a:gd name="connsiteX0" fmla="*/ 0 w 262813"/>
+              <a:gd name="connsiteY0" fmla="*/ 26738 h 160422"/>
+              <a:gd name="connsiteX1" fmla="*/ 26738 w 262813"/>
+              <a:gd name="connsiteY1" fmla="*/ 0 h 160422"/>
+              <a:gd name="connsiteX2" fmla="*/ 226179 w 262813"/>
+              <a:gd name="connsiteY2" fmla="*/ 0 h 160422"/>
+              <a:gd name="connsiteX3" fmla="*/ 262813 w 262813"/>
+              <a:gd name="connsiteY3" fmla="*/ 26738 h 160422"/>
+              <a:gd name="connsiteX4" fmla="*/ 262813 w 262813"/>
+              <a:gd name="connsiteY4" fmla="*/ 133684 h 160422"/>
+              <a:gd name="connsiteX5" fmla="*/ 236075 w 262813"/>
+              <a:gd name="connsiteY5" fmla="*/ 160422 h 160422"/>
+              <a:gd name="connsiteX6" fmla="*/ 26738 w 262813"/>
+              <a:gd name="connsiteY6" fmla="*/ 160422 h 160422"/>
+              <a:gd name="connsiteX7" fmla="*/ 0 w 262813"/>
+              <a:gd name="connsiteY7" fmla="*/ 133684 h 160422"/>
+              <a:gd name="connsiteX8" fmla="*/ 0 w 262813"/>
+              <a:gd name="connsiteY8" fmla="*/ 26738 h 160422"/>
+              <a:gd name="connsiteX0" fmla="*/ 0 w 262813"/>
+              <a:gd name="connsiteY0" fmla="*/ 26738 h 160422"/>
+              <a:gd name="connsiteX1" fmla="*/ 26738 w 262813"/>
+              <a:gd name="connsiteY1" fmla="*/ 0 h 160422"/>
+              <a:gd name="connsiteX2" fmla="*/ 226179 w 262813"/>
+              <a:gd name="connsiteY2" fmla="*/ 0 h 160422"/>
+              <a:gd name="connsiteX3" fmla="*/ 258855 w 262813"/>
+              <a:gd name="connsiteY3" fmla="*/ 24759 h 160422"/>
+              <a:gd name="connsiteX4" fmla="*/ 262813 w 262813"/>
+              <a:gd name="connsiteY4" fmla="*/ 133684 h 160422"/>
+              <a:gd name="connsiteX5" fmla="*/ 236075 w 262813"/>
+              <a:gd name="connsiteY5" fmla="*/ 160422 h 160422"/>
+              <a:gd name="connsiteX6" fmla="*/ 26738 w 262813"/>
+              <a:gd name="connsiteY6" fmla="*/ 160422 h 160422"/>
+              <a:gd name="connsiteX7" fmla="*/ 0 w 262813"/>
+              <a:gd name="connsiteY7" fmla="*/ 133684 h 160422"/>
+              <a:gd name="connsiteX8" fmla="*/ 0 w 262813"/>
+              <a:gd name="connsiteY8" fmla="*/ 26738 h 160422"/>
+            </a:gdLst>
+            <a:ahLst/>
+            <a:cxnLst>
+              <a:cxn ang="0">
+                <a:pos x="connsiteX0" y="connsiteY0"/>
+              </a:cxn>
+              <a:cxn ang="0">
+                <a:pos x="connsiteX1" y="connsiteY1"/>
+              </a:cxn>
+              <a:cxn ang="0">
+                <a:pos x="connsiteX2" y="connsiteY2"/>
+              </a:cxn>
+              <a:cxn ang="0">
+                <a:pos x="connsiteX3" y="connsiteY3"/>
+              </a:cxn>
+              <a:cxn ang="0">
+                <a:pos x="connsiteX4" y="connsiteY4"/>
+              </a:cxn>
+              <a:cxn ang="0">
+                <a:pos x="connsiteX5" y="connsiteY5"/>
+              </a:cxn>
+              <a:cxn ang="0">
+                <a:pos x="connsiteX6" y="connsiteY6"/>
+              </a:cxn>
+              <a:cxn ang="0">
+                <a:pos x="connsiteX7" y="connsiteY7"/>
+              </a:cxn>
+              <a:cxn ang="0">
+                <a:pos x="connsiteX8" y="connsiteY8"/>
+              </a:cxn>
+            </a:cxnLst>
+            <a:rect l="l" t="t" r="r" b="b"/>
+            <a:pathLst>
+              <a:path w="262813" h="160422">
+                <a:moveTo>
+                  <a:pt x="0" y="26738"/>
+                </a:moveTo>
+                <a:cubicBezTo>
+                  <a:pt x="0" y="11971"/>
+                  <a:pt x="11971" y="0"/>
+                  <a:pt x="26738" y="0"/>
+                </a:cubicBezTo>
+                <a:lnTo>
+                  <a:pt x="226179" y="0"/>
+                </a:lnTo>
+                <a:cubicBezTo>
+                  <a:pt x="240946" y="0"/>
+                  <a:pt x="258855" y="9992"/>
+                  <a:pt x="258855" y="24759"/>
+                </a:cubicBezTo>
+                <a:lnTo>
+                  <a:pt x="262813" y="133684"/>
+                </a:lnTo>
+                <a:cubicBezTo>
+                  <a:pt x="262813" y="148451"/>
+                  <a:pt x="250842" y="160422"/>
+                  <a:pt x="236075" y="160422"/>
+                </a:cubicBezTo>
+                <a:lnTo>
+                  <a:pt x="26738" y="160422"/>
+                </a:lnTo>
+                <a:cubicBezTo>
+                  <a:pt x="11971" y="160422"/>
+                  <a:pt x="0" y="148451"/>
+                  <a:pt x="0" y="133684"/>
+                </a:cubicBezTo>
+                <a:lnTo>
+                  <a:pt x="0" y="26738"/>
+                </a:lnTo>
+                <a:close/>
+              </a:path>
+            </a:pathLst>
+          </a:custGeom>
+          <a:solidFill>
+            <a:schemeClr val="bg2">
+              <a:lumMod val="25000"/>
+            </a:schemeClr>
+          </a:solidFill>
+          <a:ln w="25400">
+            <a:solidFill>
+              <a:schemeClr val="tx1"/>
+            </a:solidFill>
+          </a:ln>
+        </p:spPr>
+        <p:style>
+          <a:lnRef idx="2">
+            <a:schemeClr val="accent1">
+              <a:shade val="50000"/>
+            </a:schemeClr>
+          </a:lnRef>
+          <a:fillRef idx="1">
+            <a:schemeClr val="accent1"/>
+          </a:fillRef>
+          <a:effectRef idx="0">
+            <a:schemeClr val="accent1"/>
+          </a:effectRef>
+          <a:fontRef idx="minor">
+            <a:schemeClr val="lt1"/>
+          </a:fontRef>
+        </p:style>
+        <p:txBody>
+          <a:bodyPr rtlCol="0" anchor="ctr"/>
+          <a:lstStyle/>
+          <a:p>
+            <a:pPr algn="ctr"/>
+            <a:endParaRPr lang="sv-SE"/>
+          </a:p>
+        </p:txBody>
+      </p:sp>
+      <p:sp>
+        <p:nvSpPr>
+          <p:cNvPr id="86" name="Rounded Rectangle 85"/>
+          <p:cNvSpPr/>
+          <p:nvPr/>
+        </p:nvSpPr>
+        <p:spPr>
+          <a:xfrm>
+            <a:off x="5198958" y="3436562"/>
+            <a:ext cx="170993" cy="160422"/>
+          </a:xfrm>
+          <a:custGeom>
+            <a:avLst/>
+            <a:gdLst>
+              <a:gd name="connsiteX0" fmla="*/ 0 w 163076"/>
+              <a:gd name="connsiteY0" fmla="*/ 26738 h 160422"/>
+              <a:gd name="connsiteX1" fmla="*/ 26738 w 163076"/>
+              <a:gd name="connsiteY1" fmla="*/ 0 h 160422"/>
+              <a:gd name="connsiteX2" fmla="*/ 136338 w 163076"/>
+              <a:gd name="connsiteY2" fmla="*/ 0 h 160422"/>
+              <a:gd name="connsiteX3" fmla="*/ 163076 w 163076"/>
+              <a:gd name="connsiteY3" fmla="*/ 26738 h 160422"/>
+              <a:gd name="connsiteX4" fmla="*/ 163076 w 163076"/>
+              <a:gd name="connsiteY4" fmla="*/ 133684 h 160422"/>
+              <a:gd name="connsiteX5" fmla="*/ 136338 w 163076"/>
+              <a:gd name="connsiteY5" fmla="*/ 160422 h 160422"/>
+              <a:gd name="connsiteX6" fmla="*/ 26738 w 163076"/>
+              <a:gd name="connsiteY6" fmla="*/ 160422 h 160422"/>
+              <a:gd name="connsiteX7" fmla="*/ 0 w 163076"/>
+              <a:gd name="connsiteY7" fmla="*/ 133684 h 160422"/>
+              <a:gd name="connsiteX8" fmla="*/ 0 w 163076"/>
+              <a:gd name="connsiteY8" fmla="*/ 26738 h 160422"/>
+              <a:gd name="connsiteX0" fmla="*/ 0 w 163076"/>
+              <a:gd name="connsiteY0" fmla="*/ 26738 h 160422"/>
+              <a:gd name="connsiteX1" fmla="*/ 36634 w 163076"/>
+              <a:gd name="connsiteY1" fmla="*/ 0 h 160422"/>
+              <a:gd name="connsiteX2" fmla="*/ 136338 w 163076"/>
+              <a:gd name="connsiteY2" fmla="*/ 0 h 160422"/>
+              <a:gd name="connsiteX3" fmla="*/ 163076 w 163076"/>
+              <a:gd name="connsiteY3" fmla="*/ 26738 h 160422"/>
+              <a:gd name="connsiteX4" fmla="*/ 163076 w 163076"/>
+              <a:gd name="connsiteY4" fmla="*/ 133684 h 160422"/>
+              <a:gd name="connsiteX5" fmla="*/ 136338 w 163076"/>
+              <a:gd name="connsiteY5" fmla="*/ 160422 h 160422"/>
+              <a:gd name="connsiteX6" fmla="*/ 26738 w 163076"/>
+              <a:gd name="connsiteY6" fmla="*/ 160422 h 160422"/>
+              <a:gd name="connsiteX7" fmla="*/ 0 w 163076"/>
+              <a:gd name="connsiteY7" fmla="*/ 133684 h 160422"/>
+              <a:gd name="connsiteX8" fmla="*/ 0 w 163076"/>
+              <a:gd name="connsiteY8" fmla="*/ 26738 h 160422"/>
+              <a:gd name="connsiteX0" fmla="*/ 3959 w 163076"/>
+              <a:gd name="connsiteY0" fmla="*/ 26738 h 160422"/>
+              <a:gd name="connsiteX1" fmla="*/ 36634 w 163076"/>
+              <a:gd name="connsiteY1" fmla="*/ 0 h 160422"/>
+              <a:gd name="connsiteX2" fmla="*/ 136338 w 163076"/>
+              <a:gd name="connsiteY2" fmla="*/ 0 h 160422"/>
+              <a:gd name="connsiteX3" fmla="*/ 163076 w 163076"/>
+              <a:gd name="connsiteY3" fmla="*/ 26738 h 160422"/>
+              <a:gd name="connsiteX4" fmla="*/ 163076 w 163076"/>
+              <a:gd name="connsiteY4" fmla="*/ 133684 h 160422"/>
+              <a:gd name="connsiteX5" fmla="*/ 136338 w 163076"/>
+              <a:gd name="connsiteY5" fmla="*/ 160422 h 160422"/>
+              <a:gd name="connsiteX6" fmla="*/ 26738 w 163076"/>
+              <a:gd name="connsiteY6" fmla="*/ 160422 h 160422"/>
+              <a:gd name="connsiteX7" fmla="*/ 0 w 163076"/>
+              <a:gd name="connsiteY7" fmla="*/ 133684 h 160422"/>
+              <a:gd name="connsiteX8" fmla="*/ 3959 w 163076"/>
+              <a:gd name="connsiteY8" fmla="*/ 26738 h 160422"/>
+              <a:gd name="connsiteX0" fmla="*/ 11876 w 170993"/>
+              <a:gd name="connsiteY0" fmla="*/ 26738 h 160422"/>
+              <a:gd name="connsiteX1" fmla="*/ 44551 w 170993"/>
+              <a:gd name="connsiteY1" fmla="*/ 0 h 160422"/>
+              <a:gd name="connsiteX2" fmla="*/ 144255 w 170993"/>
+              <a:gd name="connsiteY2" fmla="*/ 0 h 160422"/>
+              <a:gd name="connsiteX3" fmla="*/ 170993 w 170993"/>
+              <a:gd name="connsiteY3" fmla="*/ 26738 h 160422"/>
+              <a:gd name="connsiteX4" fmla="*/ 170993 w 170993"/>
+              <a:gd name="connsiteY4" fmla="*/ 133684 h 160422"/>
+              <a:gd name="connsiteX5" fmla="*/ 144255 w 170993"/>
+              <a:gd name="connsiteY5" fmla="*/ 160422 h 160422"/>
+              <a:gd name="connsiteX6" fmla="*/ 34655 w 170993"/>
+              <a:gd name="connsiteY6" fmla="*/ 160422 h 160422"/>
+              <a:gd name="connsiteX7" fmla="*/ 0 w 170993"/>
+              <a:gd name="connsiteY7" fmla="*/ 131705 h 160422"/>
+              <a:gd name="connsiteX8" fmla="*/ 11876 w 170993"/>
+              <a:gd name="connsiteY8" fmla="*/ 26738 h 160422"/>
+              <a:gd name="connsiteX0" fmla="*/ 11876 w 170993"/>
+              <a:gd name="connsiteY0" fmla="*/ 26738 h 160422"/>
+              <a:gd name="connsiteX1" fmla="*/ 52468 w 170993"/>
+              <a:gd name="connsiteY1" fmla="*/ 0 h 160422"/>
+              <a:gd name="connsiteX2" fmla="*/ 144255 w 170993"/>
+              <a:gd name="connsiteY2" fmla="*/ 0 h 160422"/>
+              <a:gd name="connsiteX3" fmla="*/ 170993 w 170993"/>
+              <a:gd name="connsiteY3" fmla="*/ 26738 h 160422"/>
+              <a:gd name="connsiteX4" fmla="*/ 170993 w 170993"/>
+              <a:gd name="connsiteY4" fmla="*/ 133684 h 160422"/>
+              <a:gd name="connsiteX5" fmla="*/ 144255 w 170993"/>
+              <a:gd name="connsiteY5" fmla="*/ 160422 h 160422"/>
+              <a:gd name="connsiteX6" fmla="*/ 34655 w 170993"/>
+              <a:gd name="connsiteY6" fmla="*/ 160422 h 160422"/>
+              <a:gd name="connsiteX7" fmla="*/ 0 w 170993"/>
+              <a:gd name="connsiteY7" fmla="*/ 131705 h 160422"/>
+              <a:gd name="connsiteX8" fmla="*/ 11876 w 170993"/>
+              <a:gd name="connsiteY8" fmla="*/ 26738 h 160422"/>
+              <a:gd name="connsiteX0" fmla="*/ 15835 w 170993"/>
+              <a:gd name="connsiteY0" fmla="*/ 26738 h 160422"/>
+              <a:gd name="connsiteX1" fmla="*/ 52468 w 170993"/>
+              <a:gd name="connsiteY1" fmla="*/ 0 h 160422"/>
+              <a:gd name="connsiteX2" fmla="*/ 144255 w 170993"/>
+              <a:gd name="connsiteY2" fmla="*/ 0 h 160422"/>
+              <a:gd name="connsiteX3" fmla="*/ 170993 w 170993"/>
+              <a:gd name="connsiteY3" fmla="*/ 26738 h 160422"/>
+              <a:gd name="connsiteX4" fmla="*/ 170993 w 170993"/>
+              <a:gd name="connsiteY4" fmla="*/ 133684 h 160422"/>
+              <a:gd name="connsiteX5" fmla="*/ 144255 w 170993"/>
+              <a:gd name="connsiteY5" fmla="*/ 160422 h 160422"/>
+              <a:gd name="connsiteX6" fmla="*/ 34655 w 170993"/>
+              <a:gd name="connsiteY6" fmla="*/ 160422 h 160422"/>
+              <a:gd name="connsiteX7" fmla="*/ 0 w 170993"/>
+              <a:gd name="connsiteY7" fmla="*/ 131705 h 160422"/>
+              <a:gd name="connsiteX8" fmla="*/ 15835 w 170993"/>
+              <a:gd name="connsiteY8" fmla="*/ 26738 h 160422"/>
+            </a:gdLst>
+            <a:ahLst/>
+            <a:cxnLst>
+              <a:cxn ang="0">
+                <a:pos x="connsiteX0" y="connsiteY0"/>
+              </a:cxn>
+              <a:cxn ang="0">
+                <a:pos x="connsiteX1" y="connsiteY1"/>
+              </a:cxn>
+              <a:cxn ang="0">
+                <a:pos x="connsiteX2" y="connsiteY2"/>
+              </a:cxn>
+              <a:cxn ang="0">
+                <a:pos x="connsiteX3" y="connsiteY3"/>
+              </a:cxn>
+              <a:cxn ang="0">
+                <a:pos x="connsiteX4" y="connsiteY4"/>
+              </a:cxn>
+              <a:cxn ang="0">
+                <a:pos x="connsiteX5" y="connsiteY5"/>
+              </a:cxn>
+              <a:cxn ang="0">
+                <a:pos x="connsiteX6" y="connsiteY6"/>
+              </a:cxn>
+              <a:cxn ang="0">
+                <a:pos x="connsiteX7" y="connsiteY7"/>
+              </a:cxn>
+              <a:cxn ang="0">
+                <a:pos x="connsiteX8" y="connsiteY8"/>
+              </a:cxn>
+            </a:cxnLst>
+            <a:rect l="l" t="t" r="r" b="b"/>
+            <a:pathLst>
+              <a:path w="170993" h="160422">
+                <a:moveTo>
+                  <a:pt x="15835" y="26738"/>
+                </a:moveTo>
+                <a:cubicBezTo>
+                  <a:pt x="15835" y="11971"/>
+                  <a:pt x="37701" y="0"/>
+                  <a:pt x="52468" y="0"/>
+                </a:cubicBezTo>
+                <a:lnTo>
+                  <a:pt x="144255" y="0"/>
+                </a:lnTo>
+                <a:cubicBezTo>
+                  <a:pt x="159022" y="0"/>
+                  <a:pt x="170993" y="11971"/>
+                  <a:pt x="170993" y="26738"/>
+                </a:cubicBezTo>
+                <a:lnTo>
+                  <a:pt x="170993" y="133684"/>
+                </a:lnTo>
+                <a:cubicBezTo>
+                  <a:pt x="170993" y="148451"/>
+                  <a:pt x="159022" y="160422"/>
+                  <a:pt x="144255" y="160422"/>
+                </a:cubicBezTo>
+                <a:lnTo>
+                  <a:pt x="34655" y="160422"/>
+                </a:lnTo>
+                <a:cubicBezTo>
+                  <a:pt x="19888" y="160422"/>
+                  <a:pt x="0" y="146472"/>
+                  <a:pt x="0" y="131705"/>
+                </a:cubicBezTo>
+                <a:lnTo>
+                  <a:pt x="15835" y="26738"/>
+                </a:lnTo>
+                <a:close/>
+              </a:path>
+            </a:pathLst>
+          </a:custGeom>
+          <a:solidFill>
+            <a:schemeClr val="bg2">
+              <a:lumMod val="25000"/>
+            </a:schemeClr>
+          </a:solidFill>
+          <a:ln w="25400">
+            <a:solidFill>
+              <a:schemeClr val="tx1"/>
+            </a:solidFill>
+          </a:ln>
+        </p:spPr>
+        <p:style>
+          <a:lnRef idx="2">
+            <a:schemeClr val="accent1">
+              <a:shade val="50000"/>
+            </a:schemeClr>
+          </a:lnRef>
+          <a:fillRef idx="1">
+            <a:schemeClr val="accent1"/>
+          </a:fillRef>
+          <a:effectRef idx="0">
+            <a:schemeClr val="accent1"/>
+          </a:effectRef>
+          <a:fontRef idx="minor">
+            <a:schemeClr val="lt1"/>
+          </a:fontRef>
+        </p:style>
+        <p:txBody>
+          <a:bodyPr rtlCol="0" anchor="ctr"/>
+          <a:lstStyle/>
+          <a:p>
+            <a:pPr algn="ctr"/>
+            <a:endParaRPr lang="sv-SE"/>
+          </a:p>
+        </p:txBody>
+      </p:sp>
+      <p:sp>
+        <p:nvSpPr>
+          <p:cNvPr id="12" name="Oval 11"/>
+          <p:cNvSpPr/>
+          <p:nvPr/>
+        </p:nvSpPr>
+        <p:spPr>
+          <a:xfrm rot="636239">
+            <a:off x="5387345" y="3368962"/>
+            <a:ext cx="368293" cy="335658"/>
+          </a:xfrm>
+          <a:prstGeom prst="ellipse">
+            <a:avLst/>
+          </a:prstGeom>
+          <a:solidFill>
+            <a:schemeClr val="accent4">
+              <a:lumMod val="75000"/>
+            </a:schemeClr>
+          </a:solidFill>
+          <a:ln w="25400">
+            <a:noFill/>
+          </a:ln>
+        </p:spPr>
+        <p:style>
+          <a:lnRef idx="2">
+            <a:schemeClr val="accent1">
+              <a:shade val="50000"/>
+            </a:schemeClr>
+          </a:lnRef>
+          <a:fillRef idx="1">
+            <a:schemeClr val="accent1"/>
+          </a:fillRef>
+          <a:effectRef idx="0">
+            <a:schemeClr val="accent1"/>
+          </a:effectRef>
+          <a:fontRef idx="minor">
+            <a:schemeClr val="lt1"/>
+          </a:fontRef>
+        </p:style>
+        <p:txBody>
+          <a:bodyPr rtlCol="0" anchor="ctr"/>
+          <a:lstStyle/>
+          <a:p>
+            <a:pPr algn="ctr"/>
+            <a:endParaRPr lang="sv-SE" dirty="0"/>
+          </a:p>
+        </p:txBody>
+      </p:sp>
+      <p:sp>
+        <p:nvSpPr>
+          <p:cNvPr id="13" name="Oval 12"/>
+          <p:cNvSpPr/>
+          <p:nvPr/>
+        </p:nvSpPr>
+        <p:spPr>
+          <a:xfrm>
+            <a:off x="5787790" y="3365872"/>
+            <a:ext cx="368293" cy="335658"/>
+          </a:xfrm>
+          <a:prstGeom prst="ellipse">
+            <a:avLst/>
+          </a:prstGeom>
+          <a:solidFill>
+            <a:schemeClr val="bg1"/>
+          </a:solidFill>
+          <a:ln w="25400">
+            <a:solidFill>
+              <a:schemeClr val="tx1"/>
+            </a:solidFill>
+          </a:ln>
+          <a:effectLst>
+            <a:innerShdw dist="50800" dir="9300000">
+              <a:prstClr val="black">
+                <a:alpha val="16000"/>
+              </a:prstClr>
+            </a:innerShdw>
+          </a:effectLst>
+        </p:spPr>
+        <p:style>
+          <a:lnRef idx="2">
+            <a:schemeClr val="accent1">
+              <a:shade val="50000"/>
+            </a:schemeClr>
+          </a:lnRef>
+          <a:fillRef idx="1">
+            <a:schemeClr val="accent1"/>
+          </a:fillRef>
+          <a:effectRef idx="0">
+            <a:schemeClr val="accent1"/>
+          </a:effectRef>
+          <a:fontRef idx="minor">
+            <a:schemeClr val="lt1"/>
+          </a:fontRef>
+        </p:style>
+        <p:txBody>
+          <a:bodyPr rtlCol="0" anchor="ctr"/>
+          <a:lstStyle/>
+          <a:p>
+            <a:pPr algn="ctr"/>
+            <a:endParaRPr lang="sv-SE" dirty="0"/>
+          </a:p>
+        </p:txBody>
+      </p:sp>
+      <p:sp>
+        <p:nvSpPr>
+          <p:cNvPr id="17" name="Oval 16"/>
+          <p:cNvSpPr/>
+          <p:nvPr/>
+        </p:nvSpPr>
+        <p:spPr>
+          <a:xfrm rot="636239">
+            <a:off x="5912081" y="3483971"/>
+            <a:ext cx="117851" cy="107408"/>
+          </a:xfrm>
+          <a:prstGeom prst="ellipse">
+            <a:avLst/>
+          </a:prstGeom>
+          <a:solidFill>
+            <a:schemeClr val="tx1"/>
+          </a:solidFill>
+          <a:ln w="25400">
+            <a:solidFill>
+              <a:schemeClr val="tx1"/>
+            </a:solidFill>
+          </a:ln>
+        </p:spPr>
+        <p:style>
+          <a:lnRef idx="2">
+            <a:schemeClr val="accent1">
+              <a:shade val="50000"/>
+            </a:schemeClr>
+          </a:lnRef>
+          <a:fillRef idx="1">
+            <a:schemeClr val="accent1"/>
+          </a:fillRef>
+          <a:effectRef idx="0">
+            <a:schemeClr val="accent1"/>
+          </a:effectRef>
+          <a:fontRef idx="minor">
+            <a:schemeClr val="lt1"/>
+          </a:fontRef>
+        </p:style>
+        <p:txBody>
+          <a:bodyPr rtlCol="0" anchor="ctr"/>
+          <a:lstStyle/>
+          <a:p>
+            <a:pPr algn="ctr"/>
+            <a:endParaRPr lang="sv-SE"/>
+          </a:p>
+        </p:txBody>
+      </p:sp>
+      <p:sp>
+        <p:nvSpPr>
+          <p:cNvPr id="18" name="Oval 17"/>
+          <p:cNvSpPr/>
+          <p:nvPr/>
+        </p:nvSpPr>
+        <p:spPr>
+          <a:xfrm rot="636239">
+            <a:off x="5920833" y="3498015"/>
+            <a:ext cx="59674" cy="54386"/>
+          </a:xfrm>
+          <a:prstGeom prst="ellipse">
+            <a:avLst/>
+          </a:prstGeom>
+          <a:solidFill>
+            <a:schemeClr val="bg1"/>
+          </a:solidFill>
+          <a:ln w="25400">
+            <a:noFill/>
+          </a:ln>
+        </p:spPr>
+        <p:style>
+          <a:lnRef idx="2">
+            <a:schemeClr val="accent1">
+              <a:shade val="50000"/>
+            </a:schemeClr>
+          </a:lnRef>
+          <a:fillRef idx="1">
+            <a:schemeClr val="accent1"/>
+          </a:fillRef>
+          <a:effectRef idx="0">
+            <a:schemeClr val="accent1"/>
+          </a:effectRef>
+          <a:fontRef idx="minor">
+            <a:schemeClr val="lt1"/>
+          </a:fontRef>
+        </p:style>
+        <p:txBody>
+          <a:bodyPr rtlCol="0" anchor="ctr"/>
+          <a:lstStyle/>
+          <a:p>
+            <a:pPr algn="ctr"/>
+            <a:endParaRPr lang="sv-SE"/>
+          </a:p>
+        </p:txBody>
+      </p:sp>
+      <p:sp>
+        <p:nvSpPr>
+          <p:cNvPr id="31" name="Oval 30"/>
+          <p:cNvSpPr/>
+          <p:nvPr/>
+        </p:nvSpPr>
+        <p:spPr>
+          <a:xfrm>
+            <a:off x="5376693" y="3350695"/>
+            <a:ext cx="358154" cy="315636"/>
+          </a:xfrm>
+          <a:prstGeom prst="ellipse">
+            <a:avLst/>
+          </a:prstGeom>
+          <a:solidFill>
+            <a:schemeClr val="bg1"/>
+          </a:solidFill>
+          <a:ln w="25400">
+            <a:solidFill>
+              <a:schemeClr val="tx1"/>
+            </a:solidFill>
+          </a:ln>
+          <a:effectLst>
+            <a:innerShdw dist="50800" dir="9300000">
+              <a:prstClr val="black">
+                <a:alpha val="16000"/>
+              </a:prstClr>
+            </a:innerShdw>
+          </a:effectLst>
+        </p:spPr>
+        <p:style>
+          <a:lnRef idx="2">
+            <a:schemeClr val="accent1">
+              <a:shade val="50000"/>
+            </a:schemeClr>
+          </a:lnRef>
+          <a:fillRef idx="1">
+            <a:schemeClr val="accent1"/>
+          </a:fillRef>
+          <a:effectRef idx="0">
+            <a:schemeClr val="accent1"/>
+          </a:effectRef>
+          <a:fontRef idx="minor">
+            <a:schemeClr val="lt1"/>
+          </a:fontRef>
+        </p:style>
+        <p:txBody>
+          <a:bodyPr rtlCol="0" anchor="ctr"/>
+          <a:lstStyle/>
+          <a:p>
+            <a:pPr algn="ctr"/>
+            <a:endParaRPr lang="sv-SE"/>
+          </a:p>
+        </p:txBody>
+      </p:sp>
+      <p:sp>
+        <p:nvSpPr>
+          <p:cNvPr id="32" name="Oval 31"/>
+          <p:cNvSpPr/>
+          <p:nvPr/>
+        </p:nvSpPr>
+        <p:spPr>
+          <a:xfrm rot="636239">
+            <a:off x="5509014" y="3465413"/>
+            <a:ext cx="117851" cy="107408"/>
+          </a:xfrm>
+          <a:prstGeom prst="ellipse">
+            <a:avLst/>
+          </a:prstGeom>
+          <a:solidFill>
+            <a:schemeClr val="tx1"/>
+          </a:solidFill>
+          <a:ln w="25400">
+            <a:solidFill>
+              <a:schemeClr val="tx1"/>
+            </a:solidFill>
+          </a:ln>
+        </p:spPr>
+        <p:style>
+          <a:lnRef idx="2">
+            <a:schemeClr val="accent1">
+              <a:shade val="50000"/>
+            </a:schemeClr>
+          </a:lnRef>
+          <a:fillRef idx="1">
+            <a:schemeClr val="accent1"/>
+          </a:fillRef>
+          <a:effectRef idx="0">
+            <a:schemeClr val="accent1"/>
+          </a:effectRef>
+          <a:fontRef idx="minor">
+            <a:schemeClr val="lt1"/>
+          </a:fontRef>
+        </p:style>
+        <p:txBody>
+          <a:bodyPr rtlCol="0" anchor="ctr"/>
+          <a:lstStyle/>
+          <a:p>
+            <a:pPr algn="ctr"/>
+            <a:endParaRPr lang="sv-SE"/>
+          </a:p>
+        </p:txBody>
+      </p:sp>
+      <p:sp>
+        <p:nvSpPr>
+          <p:cNvPr id="33" name="Oval 32"/>
+          <p:cNvSpPr/>
+          <p:nvPr/>
+        </p:nvSpPr>
+        <p:spPr>
+          <a:xfrm rot="636239">
+            <a:off x="5523954" y="3482328"/>
+            <a:ext cx="59674" cy="54386"/>
+          </a:xfrm>
+          <a:prstGeom prst="ellipse">
+            <a:avLst/>
+          </a:prstGeom>
+          <a:solidFill>
+            <a:schemeClr val="bg1"/>
+          </a:solidFill>
+          <a:ln w="25400">
+            <a:noFill/>
+          </a:ln>
+        </p:spPr>
+        <p:style>
+          <a:lnRef idx="2">
+            <a:schemeClr val="accent1">
+              <a:shade val="50000"/>
+            </a:schemeClr>
+          </a:lnRef>
+          <a:fillRef idx="1">
+            <a:schemeClr val="accent1"/>
+          </a:fillRef>
+          <a:effectRef idx="0">
+            <a:schemeClr val="accent1"/>
+          </a:effectRef>
+          <a:fontRef idx="minor">
+            <a:schemeClr val="lt1"/>
+          </a:fontRef>
+        </p:style>
+        <p:txBody>
+          <a:bodyPr rtlCol="0" anchor="ctr"/>
+          <a:lstStyle/>
+          <a:p>
+            <a:pPr algn="ctr"/>
+            <a:endParaRPr lang="sv-SE"/>
+          </a:p>
+        </p:txBody>
+      </p:sp>
+      <p:sp>
+        <p:nvSpPr>
+          <p:cNvPr id="44" name="Freeform 43"/>
+          <p:cNvSpPr/>
+          <p:nvPr/>
+        </p:nvSpPr>
+        <p:spPr>
+          <a:xfrm>
+            <a:off x="5324850" y="3300700"/>
+            <a:ext cx="863895" cy="438986"/>
+          </a:xfrm>
+          <a:custGeom>
+            <a:avLst/>
+            <a:gdLst>
+              <a:gd name="connsiteX0" fmla="*/ 641228 w 863895"/>
+              <a:gd name="connsiteY0" fmla="*/ 79101 h 438986"/>
+              <a:gd name="connsiteX1" fmla="*/ 475637 w 863895"/>
+              <a:gd name="connsiteY1" fmla="*/ 231322 h 438986"/>
+              <a:gd name="connsiteX2" fmla="*/ 641228 w 863895"/>
+              <a:gd name="connsiteY2" fmla="*/ 383544 h 438986"/>
+              <a:gd name="connsiteX3" fmla="*/ 806818 w 863895"/>
+              <a:gd name="connsiteY3" fmla="*/ 231322 h 438986"/>
+              <a:gd name="connsiteX4" fmla="*/ 641228 w 863895"/>
+              <a:gd name="connsiteY4" fmla="*/ 79101 h 438986"/>
+              <a:gd name="connsiteX5" fmla="*/ 229140 w 863895"/>
+              <a:gd name="connsiteY5" fmla="*/ 55443 h 438986"/>
+              <a:gd name="connsiteX6" fmla="*/ 63550 w 863895"/>
+              <a:gd name="connsiteY6" fmla="*/ 207664 h 438986"/>
+              <a:gd name="connsiteX7" fmla="*/ 229140 w 863895"/>
+              <a:gd name="connsiteY7" fmla="*/ 359886 h 438986"/>
+              <a:gd name="connsiteX8" fmla="*/ 394731 w 863895"/>
+              <a:gd name="connsiteY8" fmla="*/ 207664 h 438986"/>
+              <a:gd name="connsiteX9" fmla="*/ 229140 w 863895"/>
+              <a:gd name="connsiteY9" fmla="*/ 55443 h 438986"/>
+              <a:gd name="connsiteX10" fmla="*/ 225904 w 863895"/>
+              <a:gd name="connsiteY10" fmla="*/ 0 h 438986"/>
+              <a:gd name="connsiteX11" fmla="*/ 434056 w 863895"/>
+              <a:gd name="connsiteY11" fmla="*/ 126832 h 438986"/>
+              <a:gd name="connsiteX12" fmla="*/ 437083 w 863895"/>
+              <a:gd name="connsiteY12" fmla="*/ 140615 h 438986"/>
+              <a:gd name="connsiteX13" fmla="*/ 478253 w 863895"/>
+              <a:gd name="connsiteY13" fmla="*/ 84481 h 438986"/>
+              <a:gd name="connsiteX14" fmla="*/ 637991 w 863895"/>
+              <a:gd name="connsiteY14" fmla="*/ 23658 h 438986"/>
+              <a:gd name="connsiteX15" fmla="*/ 863895 w 863895"/>
+              <a:gd name="connsiteY15" fmla="*/ 231322 h 438986"/>
+              <a:gd name="connsiteX16" fmla="*/ 637991 w 863895"/>
+              <a:gd name="connsiteY16" fmla="*/ 438986 h 438986"/>
+              <a:gd name="connsiteX17" fmla="*/ 429840 w 863895"/>
+              <a:gd name="connsiteY17" fmla="*/ 312154 h 438986"/>
+              <a:gd name="connsiteX18" fmla="*/ 426813 w 863895"/>
+              <a:gd name="connsiteY18" fmla="*/ 298371 h 438986"/>
+              <a:gd name="connsiteX19" fmla="*/ 385642 w 863895"/>
+              <a:gd name="connsiteY19" fmla="*/ 354505 h 438986"/>
+              <a:gd name="connsiteX20" fmla="*/ 225904 w 863895"/>
+              <a:gd name="connsiteY20" fmla="*/ 415328 h 438986"/>
+              <a:gd name="connsiteX21" fmla="*/ 0 w 863895"/>
+              <a:gd name="connsiteY21" fmla="*/ 207664 h 438986"/>
+              <a:gd name="connsiteX22" fmla="*/ 225904 w 863895"/>
+              <a:gd name="connsiteY22" fmla="*/ 0 h 438986"/>
+            </a:gdLst>
+            <a:ahLst/>
+            <a:cxnLst>
+              <a:cxn ang="0">
+                <a:pos x="connsiteX0" y="connsiteY0"/>
+              </a:cxn>
+              <a:cxn ang="0">
+                <a:pos x="connsiteX1" y="connsiteY1"/>
+              </a:cxn>
+              <a:cxn ang="0">
+                <a:pos x="connsiteX2" y="connsiteY2"/>
+              </a:cxn>
+              <a:cxn ang="0">
+                <a:pos x="connsiteX3" y="connsiteY3"/>
+              </a:cxn>
+              <a:cxn ang="0">
+                <a:pos x="connsiteX4" y="connsiteY4"/>
+              </a:cxn>
+              <a:cxn ang="0">
+                <a:pos x="connsiteX5" y="connsiteY5"/>
+              </a:cxn>
+              <a:cxn ang="0">
+                <a:pos x="connsiteX6" y="connsiteY6"/>
+              </a:cxn>
+              <a:cxn ang="0">
+                <a:pos x="connsiteX7" y="connsiteY7"/>
+              </a:cxn>
+              <a:cxn ang="0">
+                <a:pos x="connsiteX8" y="connsiteY8"/>
+              </a:cxn>
+              <a:cxn ang="0">
+                <a:pos x="connsiteX9" y="connsiteY9"/>
+              </a:cxn>
+              <a:cxn ang="0">
+                <a:pos x="connsiteX10" y="connsiteY10"/>
+              </a:cxn>
+              <a:cxn ang="0">
+                <a:pos x="connsiteX11" y="connsiteY11"/>
+              </a:cxn>
+              <a:cxn ang="0">
+                <a:pos x="connsiteX12" y="connsiteY12"/>
+              </a:cxn>
+              <a:cxn ang="0">
+                <a:pos x="connsiteX13" y="connsiteY13"/>
+              </a:cxn>
+              <a:cxn ang="0">
+                <a:pos x="connsiteX14" y="connsiteY14"/>
+              </a:cxn>
+              <a:cxn ang="0">
+                <a:pos x="connsiteX15" y="connsiteY15"/>
+              </a:cxn>
+              <a:cxn ang="0">
+                <a:pos x="connsiteX16" y="connsiteY16"/>
+              </a:cxn>
+              <a:cxn ang="0">
+                <a:pos x="connsiteX17" y="connsiteY17"/>
+              </a:cxn>
+              <a:cxn ang="0">
+                <a:pos x="connsiteX18" y="connsiteY18"/>
+              </a:cxn>
+              <a:cxn ang="0">
+                <a:pos x="connsiteX19" y="connsiteY19"/>
+              </a:cxn>
+              <a:cxn ang="0">
+                <a:pos x="connsiteX20" y="connsiteY20"/>
+              </a:cxn>
+              <a:cxn ang="0">
+                <a:pos x="connsiteX21" y="connsiteY21"/>
+              </a:cxn>
+              <a:cxn ang="0">
+                <a:pos x="connsiteX22" y="connsiteY22"/>
+              </a:cxn>
+            </a:cxnLst>
+            <a:rect l="l" t="t" r="r" b="b"/>
+            <a:pathLst>
+              <a:path w="863895" h="438986">
+                <a:moveTo>
+                  <a:pt x="641228" y="79101"/>
+                </a:moveTo>
+                <a:cubicBezTo>
+                  <a:pt x="549775" y="79101"/>
+                  <a:pt x="475637" y="147252"/>
+                  <a:pt x="475637" y="231322"/>
+                </a:cubicBezTo>
+                <a:cubicBezTo>
+                  <a:pt x="475637" y="315392"/>
+                  <a:pt x="549775" y="383544"/>
+                  <a:pt x="641228" y="383544"/>
+                </a:cubicBezTo>
+                <a:cubicBezTo>
+                  <a:pt x="732681" y="383544"/>
+                  <a:pt x="806818" y="315392"/>
+                  <a:pt x="806818" y="231322"/>
+                </a:cubicBezTo>
+                <a:cubicBezTo>
+                  <a:pt x="806818" y="147252"/>
+                  <a:pt x="732681" y="79101"/>
+                  <a:pt x="641228" y="79101"/>
+                </a:cubicBezTo>
+                <a:close/>
+                <a:moveTo>
+                  <a:pt x="229140" y="55443"/>
+                </a:moveTo>
+                <a:cubicBezTo>
+                  <a:pt x="137688" y="55443"/>
+                  <a:pt x="63550" y="123594"/>
+                  <a:pt x="63550" y="207664"/>
+                </a:cubicBezTo>
+                <a:cubicBezTo>
+                  <a:pt x="63550" y="291734"/>
+                  <a:pt x="137688" y="359886"/>
+                  <a:pt x="229140" y="359886"/>
+                </a:cubicBezTo>
+                <a:cubicBezTo>
+                  <a:pt x="320593" y="359886"/>
+                  <a:pt x="394731" y="291734"/>
+                  <a:pt x="394731" y="207664"/>
+                </a:cubicBezTo>
+                <a:cubicBezTo>
+                  <a:pt x="394731" y="123594"/>
+                  <a:pt x="320593" y="55443"/>
+                  <a:pt x="229140" y="55443"/>
+                </a:cubicBezTo>
+                <a:close/>
+                <a:moveTo>
+                  <a:pt x="225904" y="0"/>
+                </a:moveTo>
+                <a:cubicBezTo>
+                  <a:pt x="319476" y="0"/>
+                  <a:pt x="399761" y="52298"/>
+                  <a:pt x="434056" y="126832"/>
+                </a:cubicBezTo>
+                <a:lnTo>
+                  <a:pt x="437083" y="140615"/>
+                </a:lnTo>
+                <a:lnTo>
+                  <a:pt x="478253" y="84481"/>
+                </a:lnTo>
+                <a:cubicBezTo>
+                  <a:pt x="519134" y="46902"/>
+                  <a:pt x="575610" y="23658"/>
+                  <a:pt x="637991" y="23658"/>
+                </a:cubicBezTo>
+                <a:cubicBezTo>
+                  <a:pt x="762754" y="23658"/>
+                  <a:pt x="863895" y="116632"/>
+                  <a:pt x="863895" y="231322"/>
+                </a:cubicBezTo>
+                <a:cubicBezTo>
+                  <a:pt x="863895" y="346012"/>
+                  <a:pt x="762754" y="438986"/>
+                  <a:pt x="637991" y="438986"/>
+                </a:cubicBezTo>
+                <a:cubicBezTo>
+                  <a:pt x="544419" y="438986"/>
+                  <a:pt x="464134" y="386688"/>
+                  <a:pt x="429840" y="312154"/>
+                </a:cubicBezTo>
+                <a:lnTo>
+                  <a:pt x="426813" y="298371"/>
+                </a:lnTo>
+                <a:lnTo>
+                  <a:pt x="385642" y="354505"/>
+                </a:lnTo>
+                <a:cubicBezTo>
+                  <a:pt x="344761" y="392085"/>
+                  <a:pt x="288285" y="415328"/>
+                  <a:pt x="225904" y="415328"/>
+                </a:cubicBezTo>
+                <a:cubicBezTo>
+                  <a:pt x="101141" y="415328"/>
+                  <a:pt x="0" y="322354"/>
+                  <a:pt x="0" y="207664"/>
+                </a:cubicBezTo>
+                <a:cubicBezTo>
+                  <a:pt x="0" y="92974"/>
+                  <a:pt x="101141" y="0"/>
+                  <a:pt x="225904" y="0"/>
+                </a:cubicBezTo>
+                <a:close/>
+              </a:path>
+            </a:pathLst>
+          </a:custGeom>
+          <a:solidFill>
+            <a:schemeClr val="bg2">
+              <a:lumMod val="90000"/>
+            </a:schemeClr>
+          </a:solidFill>
+          <a:ln w="25400">
+            <a:solidFill>
+              <a:schemeClr val="tx1"/>
+            </a:solidFill>
+          </a:ln>
+          <a:effectLst>
+            <a:innerShdw dist="38100" dir="2760000">
+              <a:schemeClr val="bg1">
+                <a:alpha val="50000"/>
+              </a:schemeClr>
+            </a:innerShdw>
+          </a:effectLst>
+        </p:spPr>
+        <p:style>
+          <a:lnRef idx="2">
+            <a:schemeClr val="accent1">
+              <a:shade val="50000"/>
+            </a:schemeClr>
+          </a:lnRef>
+          <a:fillRef idx="1">
+            <a:schemeClr val="accent1"/>
+          </a:fillRef>
+          <a:effectRef idx="0">
+            <a:schemeClr val="accent1"/>
+          </a:effectRef>
+          <a:fontRef idx="minor">
+            <a:schemeClr val="lt1"/>
+          </a:fontRef>
+        </p:style>
+        <p:txBody>
+          <a:bodyPr rtlCol="0" anchor="ctr"/>
+          <a:lstStyle/>
+          <a:p>
+            <a:pPr algn="ctr"/>
+            <a:endParaRPr lang="sv-SE"/>
+          </a:p>
+        </p:txBody>
+      </p:sp>
+      <p:grpSp>
+        <p:nvGrpSpPr>
+          <p:cNvPr id="87" name="Group 86"/>
+          <p:cNvGrpSpPr/>
+          <p:nvPr/>
+        </p:nvGrpSpPr>
+        <p:grpSpPr>
+          <a:xfrm>
+            <a:off x="5600794" y="3585256"/>
+            <a:ext cx="312266" cy="307859"/>
+            <a:chOff x="5591368" y="3630399"/>
+            <a:chExt cx="312266" cy="307859"/>
+          </a:xfrm>
+        </p:grpSpPr>
+        <p:sp>
+          <p:nvSpPr>
+            <p:cNvPr id="14" name="Rounded Rectangle 13"/>
+            <p:cNvSpPr/>
+            <p:nvPr/>
+          </p:nvSpPr>
+          <p:spPr>
+            <a:xfrm rot="21001861">
+              <a:off x="5673599" y="3781119"/>
+              <a:ext cx="90939" cy="157139"/>
+            </a:xfrm>
+            <a:prstGeom prst="roundRect">
+              <a:avLst>
+                <a:gd name="adj" fmla="val 42355"/>
+              </a:avLst>
+            </a:prstGeom>
+            <a:solidFill>
+              <a:schemeClr val="bg1"/>
+            </a:solidFill>
+            <a:ln w="25400">
+              <a:solidFill>
+                <a:schemeClr val="tx1"/>
+              </a:solidFill>
+            </a:ln>
+          </p:spPr>
+          <p:style>
+            <a:lnRef idx="2">
+              <a:schemeClr val="accent1">
+                <a:shade val="50000"/>
+              </a:schemeClr>
+            </a:lnRef>
+            <a:fillRef idx="1">
+              <a:schemeClr val="accent1"/>
+            </a:fillRef>
+            <a:effectRef idx="0">
+              <a:schemeClr val="accent1"/>
+            </a:effectRef>
+            <a:fontRef idx="minor">
+              <a:schemeClr val="lt1"/>
+            </a:fontRef>
+          </p:style>
+          <p:txBody>
+            <a:bodyPr rtlCol="0" anchor="ctr"/>
+            <a:lstStyle/>
+            <a:p>
+              <a:pPr algn="ctr"/>
+              <a:endParaRPr lang="sv-SE"/>
+            </a:p>
+          </p:txBody>
+        </p:sp>
+        <p:sp>
+          <p:nvSpPr>
+            <p:cNvPr id="15" name="Rounded Rectangle 14"/>
+            <p:cNvSpPr/>
+            <p:nvPr/>
+          </p:nvSpPr>
+          <p:spPr>
+            <a:xfrm rot="155068">
+              <a:off x="5760281" y="3780579"/>
+              <a:ext cx="88428" cy="156462"/>
+            </a:xfrm>
+            <a:prstGeom prst="roundRect">
+              <a:avLst>
+                <a:gd name="adj" fmla="val 34058"/>
+              </a:avLst>
+            </a:prstGeom>
+            <a:solidFill>
+              <a:schemeClr val="bg1"/>
+            </a:solidFill>
+            <a:ln w="25400">
+              <a:solidFill>
+                <a:schemeClr val="tx1"/>
+              </a:solidFill>
+            </a:ln>
+          </p:spPr>
+          <p:style>
+            <a:lnRef idx="2">
+              <a:schemeClr val="accent1">
+                <a:shade val="50000"/>
+              </a:schemeClr>
+            </a:lnRef>
+            <a:fillRef idx="1">
+              <a:schemeClr val="accent1"/>
+            </a:fillRef>
+            <a:effectRef idx="0">
+              <a:schemeClr val="accent1"/>
+            </a:effectRef>
+            <a:fontRef idx="minor">
+              <a:schemeClr val="lt1"/>
+            </a:fontRef>
+          </p:style>
+          <p:txBody>
+            <a:bodyPr rtlCol="0" anchor="ctr"/>
+            <a:lstStyle/>
+            <a:p>
+              <a:pPr algn="ctr"/>
+              <a:endParaRPr lang="sv-SE"/>
+            </a:p>
+          </p:txBody>
+        </p:sp>
+        <p:sp>
+          <p:nvSpPr>
+            <p:cNvPr id="16" name="Oval 9"/>
+            <p:cNvSpPr/>
+            <p:nvPr/>
+          </p:nvSpPr>
+          <p:spPr>
+            <a:xfrm rot="92648">
+              <a:off x="5591368" y="3728408"/>
+              <a:ext cx="312266" cy="136776"/>
+            </a:xfrm>
+            <a:prstGeom prst="ellipse">
+              <a:avLst/>
+            </a:prstGeom>
+            <a:solidFill>
+              <a:srgbClr val="CC9F6E"/>
+            </a:solidFill>
+            <a:ln w="25400">
+              <a:solidFill>
+                <a:schemeClr val="tx1"/>
+              </a:solidFill>
+            </a:ln>
+            <a:effectLst>
+              <a:innerShdw dist="76200" dir="10800000">
+                <a:prstClr val="black">
+                  <a:alpha val="26000"/>
+                </a:prstClr>
+              </a:innerShdw>
+            </a:effectLst>
+          </p:spPr>
+          <p:style>
+            <a:lnRef idx="2">
+              <a:schemeClr val="accent1">
+                <a:shade val="50000"/>
+              </a:schemeClr>
+            </a:lnRef>
+            <a:fillRef idx="1">
+              <a:schemeClr val="accent1"/>
+            </a:fillRef>
+            <a:effectRef idx="0">
+              <a:schemeClr val="accent1"/>
+            </a:effectRef>
+            <a:fontRef idx="minor">
+              <a:schemeClr val="lt1"/>
+            </a:fontRef>
+          </p:style>
+          <p:txBody>
+            <a:bodyPr rtlCol="0" anchor="ctr"/>
+            <a:lstStyle/>
+            <a:p>
+              <a:pPr algn="ctr"/>
+              <a:endParaRPr lang="sv-SE"/>
+            </a:p>
+          </p:txBody>
+        </p:sp>
+        <p:grpSp>
+          <p:nvGrpSpPr>
+            <p:cNvPr id="45" name="Group 44"/>
+            <p:cNvGrpSpPr/>
+            <p:nvPr/>
+          </p:nvGrpSpPr>
+          <p:grpSpPr>
+            <a:xfrm>
+              <a:off x="5662194" y="3630399"/>
+              <a:ext cx="154514" cy="107408"/>
+              <a:chOff x="5661811" y="3646833"/>
+              <a:chExt cx="154514" cy="107408"/>
+            </a:xfrm>
+          </p:grpSpPr>
+          <p:sp>
+            <p:nvSpPr>
+              <p:cNvPr id="19" name="Oval 18"/>
+              <p:cNvSpPr/>
+              <p:nvPr/>
+            </p:nvSpPr>
+            <p:spPr>
+              <a:xfrm rot="117027">
+                <a:off x="5661811" y="3646833"/>
+                <a:ext cx="154514" cy="107408"/>
+              </a:xfrm>
+              <a:prstGeom prst="ellipse">
+                <a:avLst/>
+              </a:prstGeom>
+              <a:solidFill>
+                <a:schemeClr val="tx1"/>
+              </a:solidFill>
+              <a:ln w="25400">
+                <a:solidFill>
+                  <a:schemeClr val="tx1"/>
+                </a:solidFill>
+              </a:ln>
+            </p:spPr>
+            <p:style>
+              <a:lnRef idx="2">
+                <a:schemeClr val="accent1">
+                  <a:shade val="50000"/>
+                </a:schemeClr>
+              </a:lnRef>
+              <a:fillRef idx="1">
+                <a:schemeClr val="accent1"/>
+              </a:fillRef>
+              <a:effectRef idx="0">
+                <a:schemeClr val="accent1"/>
+              </a:effectRef>
+              <a:fontRef idx="minor">
+                <a:schemeClr val="lt1"/>
+              </a:fontRef>
+            </p:style>
+            <p:txBody>
+              <a:bodyPr rtlCol="0" anchor="ctr"/>
+              <a:lstStyle/>
+              <a:p>
+                <a:pPr algn="ctr"/>
+                <a:endParaRPr lang="sv-SE"/>
+              </a:p>
+            </p:txBody>
+          </p:sp>
+          <p:sp>
+            <p:nvSpPr>
+              <p:cNvPr id="20" name="Oval 19"/>
+              <p:cNvSpPr/>
+              <p:nvPr/>
+            </p:nvSpPr>
+            <p:spPr>
+              <a:xfrm rot="636239">
+                <a:off x="5685429" y="3666920"/>
+                <a:ext cx="49175" cy="34137"/>
+              </a:xfrm>
+              <a:prstGeom prst="ellipse">
+                <a:avLst/>
+              </a:prstGeom>
+              <a:solidFill>
+                <a:schemeClr val="bg1"/>
+              </a:solidFill>
+              <a:ln w="25400">
+                <a:noFill/>
+              </a:ln>
+            </p:spPr>
+            <p:style>
+              <a:lnRef idx="2">
+                <a:schemeClr val="accent1">
+                  <a:shade val="50000"/>
+                </a:schemeClr>
+              </a:lnRef>
+              <a:fillRef idx="1">
+                <a:schemeClr val="accent1"/>
+              </a:fillRef>
+              <a:effectRef idx="0">
+                <a:schemeClr val="accent1"/>
+              </a:effectRef>
+              <a:fontRef idx="minor">
+                <a:schemeClr val="lt1"/>
+              </a:fontRef>
+            </p:style>
+            <p:txBody>
+              <a:bodyPr rtlCol="0" anchor="ctr"/>
+              <a:lstStyle/>
+              <a:p>
+                <a:pPr algn="ctr"/>
+                <a:endParaRPr lang="sv-SE"/>
+              </a:p>
+            </p:txBody>
+          </p:sp>
+        </p:grpSp>
+      </p:grpSp>
+      <p:sp>
+        <p:nvSpPr>
+          <p:cNvPr id="90" name="Freeform 89"/>
+          <p:cNvSpPr/>
+          <p:nvPr/>
+        </p:nvSpPr>
+        <p:spPr>
+          <a:xfrm rot="3600000">
+            <a:off x="4952461" y="4203323"/>
+            <a:ext cx="192586" cy="184698"/>
+          </a:xfrm>
+          <a:custGeom>
+            <a:avLst/>
+            <a:gdLst>
+              <a:gd name="connsiteX0" fmla="*/ 163 w 192586"/>
+              <a:gd name="connsiteY0" fmla="*/ 0 h 184698"/>
+              <a:gd name="connsiteX1" fmla="*/ 192586 w 192586"/>
+              <a:gd name="connsiteY1" fmla="*/ 0 h 184698"/>
+              <a:gd name="connsiteX2" fmla="*/ 187159 w 192586"/>
+              <a:gd name="connsiteY2" fmla="*/ 32374 h 184698"/>
+              <a:gd name="connsiteX3" fmla="*/ 79396 w 192586"/>
+              <a:gd name="connsiteY3" fmla="*/ 184542 h 184698"/>
+              <a:gd name="connsiteX4" fmla="*/ 0 w 192586"/>
+              <a:gd name="connsiteY4" fmla="*/ 15829 h 184698"/>
+              <a:gd name="connsiteX5" fmla="*/ 163 w 192586"/>
+              <a:gd name="connsiteY5" fmla="*/ 0 h 184698"/>
+            </a:gdLst>
+            <a:ahLst/>
+            <a:cxnLst>
+              <a:cxn ang="0">
+                <a:pos x="connsiteX0" y="connsiteY0"/>
+              </a:cxn>
+              <a:cxn ang="0">
+                <a:pos x="connsiteX1" y="connsiteY1"/>
+              </a:cxn>
+              <a:cxn ang="0">
+                <a:pos x="connsiteX2" y="connsiteY2"/>
+              </a:cxn>
+              <a:cxn ang="0">
+                <a:pos x="connsiteX3" y="connsiteY3"/>
+              </a:cxn>
+              <a:cxn ang="0">
+                <a:pos x="connsiteX4" y="connsiteY4"/>
+              </a:cxn>
+              <a:cxn ang="0">
+                <a:pos x="connsiteX5" y="connsiteY5"/>
+              </a:cxn>
+            </a:cxnLst>
+            <a:rect l="l" t="t" r="r" b="b"/>
+            <a:pathLst>
+              <a:path w="192586" h="184698">
+                <a:moveTo>
+                  <a:pt x="163" y="0"/>
+                </a:moveTo>
+                <a:lnTo>
+                  <a:pt x="192586" y="0"/>
+                </a:lnTo>
+                <a:lnTo>
+                  <a:pt x="187159" y="32374"/>
+                </a:lnTo>
+                <a:cubicBezTo>
+                  <a:pt x="163406" y="125296"/>
+                  <a:pt x="121464" y="188260"/>
+                  <a:pt x="79396" y="184542"/>
+                </a:cubicBezTo>
+                <a:cubicBezTo>
+                  <a:pt x="37328" y="180823"/>
+                  <a:pt x="7083" y="111476"/>
+                  <a:pt x="0" y="15829"/>
+                </a:cubicBezTo>
+                <a:lnTo>
+                  <a:pt x="163" y="0"/>
+                </a:lnTo>
+                <a:close/>
+              </a:path>
+            </a:pathLst>
+          </a:custGeom>
+          <a:solidFill>
+            <a:schemeClr val="bg2">
+              <a:lumMod val="25000"/>
+            </a:schemeClr>
+          </a:solidFill>
+          <a:ln w="25400">
+            <a:solidFill>
+              <a:schemeClr val="tx1"/>
+            </a:solidFill>
+          </a:ln>
+        </p:spPr>
+        <p:style>
+          <a:lnRef idx="2">
+            <a:schemeClr val="accent1">
+              <a:shade val="50000"/>
+            </a:schemeClr>
+          </a:lnRef>
+          <a:fillRef idx="1">
+            <a:schemeClr val="accent1"/>
+          </a:fillRef>
+          <a:effectRef idx="0">
+            <a:schemeClr val="accent1"/>
+          </a:effectRef>
+          <a:fontRef idx="minor">
+            <a:schemeClr val="lt1"/>
+          </a:fontRef>
+        </p:style>
+        <p:txBody>
+          <a:bodyPr rtlCol="0" anchor="ctr"/>
+          <a:lstStyle/>
+          <a:p>
+            <a:pPr algn="ctr"/>
+            <a:endParaRPr lang="sv-SE"/>
+          </a:p>
+        </p:txBody>
+      </p:sp>
+    </p:spTree>
+    <p:extLst>
+      <p:ext uri="{BB962C8B-B14F-4D97-AF65-F5344CB8AC3E}">
+        <p14:creationId xmlns:p14="http://schemas.microsoft.com/office/powerpoint/2010/main" val="106873637"/>
+      </p:ext>
+    </p:extLst>
+  </p:cSld>
+  <p:clrMapOvr>
+    <a:masterClrMapping/>
+  </p:clrMapOvr>
+  <p:timing>
+    <p:tnLst>
+      <p:par>
+        <p:cTn id="1" dur="indefinite" restart="never" nodeType="tmRoot"/>
+      </p:par>
+    </p:tnLst>
+  </p:timing>
+</p:sld>
+</file>
+
+<file path=ppt/slides/slide13.xml><?xml version="1.0" encoding="utf-8"?>
+<p:sld xmlns:a="http://schemas.openxmlformats.org/drawingml/2006/main" xmlns:r="http://schemas.openxmlformats.org/officeDocument/2006/relationships" xmlns:p="http://schemas.openxmlformats.org/presentationml/2006/main">
+  <p:cSld>
+    <p:spTree>
+      <p:nvGrpSpPr>
+        <p:cNvPr id="1" name=""/>
+        <p:cNvGrpSpPr/>
+        <p:nvPr/>
+      </p:nvGrpSpPr>
+      <p:grpSpPr>
+        <a:xfrm>
+          <a:off x="0" y="0"/>
+          <a:ext cx="0" cy="0"/>
+          <a:chOff x="0" y="0"/>
+          <a:chExt cx="0" cy="0"/>
+        </a:xfrm>
+      </p:grpSpPr>
+      <p:sp>
+        <p:nvSpPr>
           <p:cNvPr id="4" name="Oval 3"/>
           <p:cNvSpPr/>
           <p:nvPr/>
@@ -14765,7 +18667,7 @@
 </p:sld>
 </file>
 
-<file path=ppt/slides/slide13.xml><?xml version="1.0" encoding="utf-8"?>
+<file path=ppt/slides/slide14.xml><?xml version="1.0" encoding="utf-8"?>
 <p:sld xmlns:a="http://schemas.openxmlformats.org/drawingml/2006/main" xmlns:r="http://schemas.openxmlformats.org/officeDocument/2006/relationships" xmlns:p="http://schemas.openxmlformats.org/presentationml/2006/main">
   <p:cSld>
     <p:spTree>
